--- a/writeup/Slides.pptx
+++ b/writeup/Slides.pptx
@@ -14,6 +14,7 @@
     <p:sldId id="263" r:id="rId8"/>
     <p:sldId id="264" r:id="rId9"/>
     <p:sldId id="265" r:id="rId10"/>
+    <p:sldId id="266" r:id="rId11"/>
   </p:sldIdLst>
   <p:sldSz cx="12192000" cy="6858000"/>
   <p:notesSz cx="6858000" cy="9144000"/>
@@ -126,6 +127,7 @@
             <p14:sldId id="263"/>
             <p14:sldId id="264"/>
             <p14:sldId id="265"/>
+            <p14:sldId id="266"/>
           </p14:sldIdLst>
         </p14:section>
       </p14:sectionLst>
@@ -140,10 +142,10 @@
 <file path=ppt/revisionInfo.xml><?xml version="1.0" encoding="utf-8"?>
 <p1510:revInfo xmlns:a="http://schemas.openxmlformats.org/drawingml/2006/main" xmlns:r="http://schemas.openxmlformats.org/officeDocument/2006/relationships" xmlns:p1510="http://schemas.microsoft.com/office/powerpoint/2015/10/main">
   <p1510:revLst>
+    <p1510:client id="{E9A3E667-E202-6353-A4E7-75F3F84AD1CD}" v="6" dt="2018-11-27T08:41:12.239"/>
     <p1510:client id="{AF234B7E-82A7-444F-B401-35DEC5A5F2CB}" v="86" dt="2018-11-26T21:06:46.933"/>
-    <p1510:client id="{E9A3E667-E202-6353-A4E7-75F3F84AD1CD}" v="6" dt="2018-11-27T08:41:12.239"/>
+    <p1510:client id="{987B40F4-C2A0-FF56-D036-10FC24EEC81B}" v="12" dt="2018-11-27T08:41:27.046"/>
     <p1510:client id="{7DB06895-C1A9-463A-81DF-B0E1BD81AE50}" v="54" dt="2018-11-26T21:06:41.168"/>
-    <p1510:client id="{987B40F4-C2A0-FF56-D036-10FC24EEC81B}" v="12" dt="2018-11-27T08:41:27.046"/>
     <p1510:client id="{F791663E-8F02-4097-8A90-B5990CC7961B}" v="62" dt="2018-11-27T09:06:13.711"/>
   </p1510:revLst>
 </p1510:revInfo>
@@ -296,7 +298,7 @@
           <a:p>
             <a:fld id="{2B996CD7-E6CE-470D-9D9D-A9A816181F09}" type="datetimeFigureOut">
               <a:rPr lang="it-IT" smtClean="0"/>
-              <a:t>28/11/2018</a:t>
+              <a:t>29/11/2018</a:t>
             </a:fld>
             <a:endParaRPr lang="it-IT"/>
           </a:p>
@@ -494,7 +496,7 @@
           <a:p>
             <a:fld id="{2B996CD7-E6CE-470D-9D9D-A9A816181F09}" type="datetimeFigureOut">
               <a:rPr lang="it-IT" smtClean="0"/>
-              <a:t>28/11/2018</a:t>
+              <a:t>29/11/2018</a:t>
             </a:fld>
             <a:endParaRPr lang="it-IT"/>
           </a:p>
@@ -702,7 +704,7 @@
           <a:p>
             <a:fld id="{2B996CD7-E6CE-470D-9D9D-A9A816181F09}" type="datetimeFigureOut">
               <a:rPr lang="it-IT" smtClean="0"/>
-              <a:t>28/11/2018</a:t>
+              <a:t>29/11/2018</a:t>
             </a:fld>
             <a:endParaRPr lang="it-IT"/>
           </a:p>
@@ -900,7 +902,7 @@
           <a:p>
             <a:fld id="{2B996CD7-E6CE-470D-9D9D-A9A816181F09}" type="datetimeFigureOut">
               <a:rPr lang="it-IT" smtClean="0"/>
-              <a:t>28/11/2018</a:t>
+              <a:t>29/11/2018</a:t>
             </a:fld>
             <a:endParaRPr lang="it-IT"/>
           </a:p>
@@ -1175,7 +1177,7 @@
           <a:p>
             <a:fld id="{2B996CD7-E6CE-470D-9D9D-A9A816181F09}" type="datetimeFigureOut">
               <a:rPr lang="it-IT" smtClean="0"/>
-              <a:t>28/11/2018</a:t>
+              <a:t>29/11/2018</a:t>
             </a:fld>
             <a:endParaRPr lang="it-IT"/>
           </a:p>
@@ -1440,7 +1442,7 @@
           <a:p>
             <a:fld id="{2B996CD7-E6CE-470D-9D9D-A9A816181F09}" type="datetimeFigureOut">
               <a:rPr lang="it-IT" smtClean="0"/>
-              <a:t>28/11/2018</a:t>
+              <a:t>29/11/2018</a:t>
             </a:fld>
             <a:endParaRPr lang="it-IT"/>
           </a:p>
@@ -1852,7 +1854,7 @@
           <a:p>
             <a:fld id="{2B996CD7-E6CE-470D-9D9D-A9A816181F09}" type="datetimeFigureOut">
               <a:rPr lang="it-IT" smtClean="0"/>
-              <a:t>28/11/2018</a:t>
+              <a:t>29/11/2018</a:t>
             </a:fld>
             <a:endParaRPr lang="it-IT"/>
           </a:p>
@@ -1993,7 +1995,7 @@
           <a:p>
             <a:fld id="{2B996CD7-E6CE-470D-9D9D-A9A816181F09}" type="datetimeFigureOut">
               <a:rPr lang="it-IT" smtClean="0"/>
-              <a:t>28/11/2018</a:t>
+              <a:t>29/11/2018</a:t>
             </a:fld>
             <a:endParaRPr lang="it-IT"/>
           </a:p>
@@ -2106,7 +2108,7 @@
           <a:p>
             <a:fld id="{2B996CD7-E6CE-470D-9D9D-A9A816181F09}" type="datetimeFigureOut">
               <a:rPr lang="it-IT" smtClean="0"/>
-              <a:t>28/11/2018</a:t>
+              <a:t>29/11/2018</a:t>
             </a:fld>
             <a:endParaRPr lang="it-IT"/>
           </a:p>
@@ -2417,7 +2419,7 @@
           <a:p>
             <a:fld id="{2B996CD7-E6CE-470D-9D9D-A9A816181F09}" type="datetimeFigureOut">
               <a:rPr lang="it-IT" smtClean="0"/>
-              <a:t>28/11/2018</a:t>
+              <a:t>29/11/2018</a:t>
             </a:fld>
             <a:endParaRPr lang="it-IT"/>
           </a:p>
@@ -2705,7 +2707,7 @@
           <a:p>
             <a:fld id="{2B996CD7-E6CE-470D-9D9D-A9A816181F09}" type="datetimeFigureOut">
               <a:rPr lang="it-IT" smtClean="0"/>
-              <a:t>28/11/2018</a:t>
+              <a:t>29/11/2018</a:t>
             </a:fld>
             <a:endParaRPr lang="it-IT"/>
           </a:p>
@@ -2956,7 +2958,7 @@
           <a:p>
             <a:fld id="{2B996CD7-E6CE-470D-9D9D-A9A816181F09}" type="datetimeFigureOut">
               <a:rPr lang="it-IT" smtClean="0"/>
-              <a:t>28/11/2018</a:t>
+              <a:t>29/11/2018</a:t>
             </a:fld>
             <a:endParaRPr lang="it-IT"/>
           </a:p>
@@ -3642,6 +3644,86 @@
 </p:sld>
 </file>
 
+<file path=ppt/slides/slide10.xml><?xml version="1.0" encoding="utf-8"?>
+<p:sld xmlns:a="http://schemas.openxmlformats.org/drawingml/2006/main" xmlns:r="http://schemas.openxmlformats.org/officeDocument/2006/relationships" xmlns:p="http://schemas.openxmlformats.org/presentationml/2006/main">
+  <p:cSld>
+    <p:spTree>
+      <p:nvGrpSpPr>
+        <p:cNvPr id="1" name=""/>
+        <p:cNvGrpSpPr/>
+        <p:nvPr/>
+      </p:nvGrpSpPr>
+      <p:grpSpPr>
+        <a:xfrm>
+          <a:off x="0" y="0"/>
+          <a:ext cx="0" cy="0"/>
+          <a:chOff x="0" y="0"/>
+          <a:chExt cx="0" cy="0"/>
+        </a:xfrm>
+      </p:grpSpPr>
+      <p:sp>
+        <p:nvSpPr>
+          <p:cNvPr id="2" name="Titolo 1">
+            <a:extLst>
+              <a:ext uri="{FF2B5EF4-FFF2-40B4-BE49-F238E27FC236}">
+                <a16:creationId xmlns:a16="http://schemas.microsoft.com/office/drawing/2014/main" id="{887B090B-A589-47C6-BADB-8A0D7CF3EF6A}"/>
+              </a:ext>
+            </a:extLst>
+          </p:cNvPr>
+          <p:cNvSpPr>
+            <a:spLocks noGrp="1"/>
+          </p:cNvSpPr>
+          <p:nvPr>
+            <p:ph type="title"/>
+          </p:nvPr>
+        </p:nvSpPr>
+        <p:spPr/>
+        <p:txBody>
+          <a:bodyPr/>
+          <a:lstStyle/>
+          <a:p>
+            <a:endParaRPr lang="it-IT"/>
+          </a:p>
+        </p:txBody>
+      </p:sp>
+      <p:sp>
+        <p:nvSpPr>
+          <p:cNvPr id="3" name="Segnaposto contenuto 2">
+            <a:extLst>
+              <a:ext uri="{FF2B5EF4-FFF2-40B4-BE49-F238E27FC236}">
+                <a16:creationId xmlns:a16="http://schemas.microsoft.com/office/drawing/2014/main" id="{9CDF8B6B-22BC-4BA9-A838-BD44EDA787BD}"/>
+              </a:ext>
+            </a:extLst>
+          </p:cNvPr>
+          <p:cNvSpPr>
+            <a:spLocks noGrp="1"/>
+          </p:cNvSpPr>
+          <p:nvPr>
+            <p:ph idx="1"/>
+          </p:nvPr>
+        </p:nvSpPr>
+        <p:spPr/>
+        <p:txBody>
+          <a:bodyPr/>
+          <a:lstStyle/>
+          <a:p>
+            <a:endParaRPr lang="it-IT"/>
+          </a:p>
+        </p:txBody>
+      </p:sp>
+    </p:spTree>
+    <p:extLst>
+      <p:ext uri="{BB962C8B-B14F-4D97-AF65-F5344CB8AC3E}">
+        <p14:creationId xmlns:p14="http://schemas.microsoft.com/office/powerpoint/2010/main" val="1723690821"/>
+      </p:ext>
+    </p:extLst>
+  </p:cSld>
+  <p:clrMapOvr>
+    <a:masterClrMapping/>
+  </p:clrMapOvr>
+</p:sld>
+</file>
+
 <file path=ppt/slides/slide2.xml><?xml version="1.0" encoding="utf-8"?>
 <p:sld xmlns:a="http://schemas.openxmlformats.org/drawingml/2006/main" xmlns:r="http://schemas.openxmlformats.org/officeDocument/2006/relationships" xmlns:p="http://schemas.openxmlformats.org/presentationml/2006/main">
   <p:cSld>
@@ -3824,7 +3906,7 @@
                 <a:ea typeface="Doulos SIL" panose="02000500070000020004" pitchFamily="2" charset="0"/>
                 <a:cs typeface="Doulos SIL" panose="02000500070000020004" pitchFamily="2" charset="0"/>
               </a:rPr>
-              <a:t>Ricerca del minimo</a:t>
+              <a:t>Esperimenti</a:t>
             </a:r>
           </a:p>
           <a:p>
@@ -4372,7 +4454,7 @@
             <a:r>
               <a:rPr lang="it-IT" b="1" i="1" dirty="0">
                 <a:solidFill>
-                  <a:srgbClr val="002060"/>
+                  <a:srgbClr val="C00000"/>
                 </a:solidFill>
                 <a:latin typeface="+mj-lt"/>
                 <a:ea typeface="Doulos SIL" panose="02000500070000020004" pitchFamily="2" charset="0"/>
@@ -4686,7 +4768,7 @@
             <a:r>
               <a:rPr lang="it-IT" b="1" i="1" dirty="0">
                 <a:solidFill>
-                  <a:srgbClr val="002060"/>
+                  <a:srgbClr val="C00000"/>
                 </a:solidFill>
                 <a:latin typeface="+mj-lt"/>
                 <a:ea typeface="Doulos SIL" panose="02000500070000020004" pitchFamily="2" charset="0"/>
@@ -5068,8 +5150,8 @@
           <a:chExt cx="0" cy="0"/>
         </a:xfrm>
       </p:grpSpPr>
-      <mc:AlternateContent xmlns:mc="http://schemas.openxmlformats.org/markup-compatibility/2006" xmlns:a14="http://schemas.microsoft.com/office/drawing/2010/main">
-        <mc:Choice Requires="a14">
+      <mc:AlternateContent xmlns:mc="http://schemas.openxmlformats.org/markup-compatibility/2006">
+        <mc:Choice xmlns:a14="http://schemas.microsoft.com/office/drawing/2010/main" Requires="a14">
           <p:sp>
             <p:nvSpPr>
               <p:cNvPr id="3" name="Segnaposto contenuto 2">
@@ -5102,9 +5184,7 @@
                 <a:r>
                   <a:rPr lang="it-IT" dirty="0">
                     <a:solidFill>
-                      <a:schemeClr val="accent5">
-                        <a:lumMod val="50000"/>
-                      </a:schemeClr>
+                      <a:srgbClr val="002060"/>
                     </a:solidFill>
                     <a:latin typeface="+mj-lt"/>
                     <a:ea typeface="Doulos SIL" panose="02000500070000020004" pitchFamily="2" charset="0"/>
@@ -5119,9 +5199,7 @@
                         <m:ctrlPr>
                           <a:rPr lang="it-IT" i="1" smtClean="0">
                             <a:solidFill>
-                              <a:schemeClr val="accent5">
-                                <a:lumMod val="50000"/>
-                              </a:schemeClr>
+                              <a:srgbClr val="C00000"/>
                             </a:solidFill>
                             <a:latin typeface="Cambria Math" panose="02040503050406030204" pitchFamily="18" charset="0"/>
                           </a:rPr>
@@ -5131,9 +5209,7 @@
                         <m:r>
                           <a:rPr lang="it-IT" b="0" i="1" smtClean="0">
                             <a:solidFill>
-                              <a:schemeClr val="accent5">
-                                <a:lumMod val="50000"/>
-                              </a:schemeClr>
+                              <a:srgbClr val="C00000"/>
                             </a:solidFill>
                             <a:latin typeface="Cambria Math" panose="02040503050406030204" pitchFamily="18" charset="0"/>
                           </a:rPr>
@@ -5144,9 +5220,7 @@
                         <m:r>
                           <a:rPr lang="it-IT" b="0" i="1" smtClean="0">
                             <a:solidFill>
-                              <a:schemeClr val="accent5">
-                                <a:lumMod val="50000"/>
-                              </a:schemeClr>
+                              <a:srgbClr val="C00000"/>
                             </a:solidFill>
                             <a:latin typeface="Cambria Math" panose="02040503050406030204" pitchFamily="18" charset="0"/>
                           </a:rPr>
@@ -5159,15 +5233,24 @@
                 <a:r>
                   <a:rPr lang="it-IT" dirty="0">
                     <a:solidFill>
-                      <a:schemeClr val="accent5">
-                        <a:lumMod val="50000"/>
-                      </a:schemeClr>
+                      <a:srgbClr val="C00000"/>
                     </a:solidFill>
                     <a:latin typeface="+mj-lt"/>
                     <a:ea typeface="Doulos SIL" panose="02000500070000020004" pitchFamily="2" charset="0"/>
                     <a:cs typeface="Doulos SIL" panose="02000500070000020004" pitchFamily="2" charset="0"/>
                   </a:rPr>
-                  <a:t> valori dell’asse z. La funzione campionata verrà poi normalizzata e mediata sul valor medio di </a:t>
+                  <a:t> </a:t>
+                </a:r>
+                <a:r>
+                  <a:rPr lang="it-IT" dirty="0">
+                    <a:solidFill>
+                      <a:srgbClr val="002060"/>
+                    </a:solidFill>
+                    <a:latin typeface="+mj-lt"/>
+                    <a:ea typeface="Doulos SIL" panose="02000500070000020004" pitchFamily="2" charset="0"/>
+                    <a:cs typeface="Doulos SIL" panose="02000500070000020004" pitchFamily="2" charset="0"/>
+                  </a:rPr>
+                  <a:t>valori dell’asse z. La funzione campionata verrà poi normalizzata e mediata sul valor medio di </a:t>
                 </a:r>
                 <a14:m>
                   <m:oMath xmlns:m="http://schemas.openxmlformats.org/officeDocument/2006/math">
@@ -5175,11 +5258,9 @@
                       <m:accPr>
                         <m:chr m:val="̃"/>
                         <m:ctrlPr>
-                          <a:rPr lang="it-IT" i="1">
+                          <a:rPr lang="it-IT" i="1" smtClean="0">
                             <a:solidFill>
-                              <a:schemeClr val="accent5">
-                                <a:lumMod val="50000"/>
-                              </a:schemeClr>
+                              <a:srgbClr val="C00000"/>
                             </a:solidFill>
                             <a:latin typeface="Cambria Math" panose="02040503050406030204" pitchFamily="18" charset="0"/>
                           </a:rPr>
@@ -5189,9 +5270,7 @@
                         <m:r>
                           <a:rPr lang="it-IT" i="1">
                             <a:solidFill>
-                              <a:schemeClr val="accent5">
-                                <a:lumMod val="50000"/>
-                              </a:schemeClr>
+                              <a:srgbClr val="C00000"/>
                             </a:solidFill>
                             <a:latin typeface="Cambria Math" panose="02040503050406030204" pitchFamily="18" charset="0"/>
                           </a:rPr>
@@ -5204,22 +5283,29 @@
                 <a:r>
                   <a:rPr lang="it-IT" i="1" dirty="0">
                     <a:solidFill>
-                      <a:schemeClr val="accent5">
-                        <a:lumMod val="50000"/>
-                      </a:schemeClr>
+                      <a:srgbClr val="C00000"/>
                     </a:solidFill>
                     <a:latin typeface="+mj-lt"/>
                     <a:ea typeface="Doulos SIL" panose="02000500070000020004" pitchFamily="2" charset="0"/>
                     <a:cs typeface="Doulos SIL" panose="02000500070000020004" pitchFamily="2" charset="0"/>
                   </a:rPr>
-                  <a:t>z.</a:t>
+                  <a:t>z</a:t>
+                </a:r>
+                <a:r>
+                  <a:rPr lang="it-IT" i="1" dirty="0">
+                    <a:solidFill>
+                      <a:srgbClr val="002060"/>
+                    </a:solidFill>
+                    <a:latin typeface="+mj-lt"/>
+                    <a:ea typeface="Doulos SIL" panose="02000500070000020004" pitchFamily="2" charset="0"/>
+                    <a:cs typeface="Doulos SIL" panose="02000500070000020004" pitchFamily="2" charset="0"/>
+                  </a:rPr>
+                  <a:t>.</a:t>
                 </a:r>
                 <a:r>
                   <a:rPr lang="it-IT" dirty="0">
                     <a:solidFill>
-                      <a:schemeClr val="accent5">
-                        <a:lumMod val="50000"/>
-                      </a:schemeClr>
+                      <a:srgbClr val="002060"/>
                     </a:solidFill>
                     <a:latin typeface="+mj-lt"/>
                     <a:ea typeface="Doulos SIL" panose="02000500070000020004" pitchFamily="2" charset="0"/>
@@ -5231,7 +5317,7 @@
             </p:txBody>
           </p:sp>
         </mc:Choice>
-        <mc:Fallback xmlns="">
+        <mc:Fallback>
           <p:sp>
             <p:nvSpPr>
               <p:cNvPr id="3" name="Segnaposto contenuto 2">
@@ -5530,7 +5616,7 @@
             <a:r>
               <a:rPr lang="it-IT" b="1" i="1" dirty="0">
                 <a:solidFill>
-                  <a:srgbClr val="002060"/>
+                  <a:srgbClr val="C00000"/>
                 </a:solidFill>
                 <a:latin typeface="+mj-lt"/>
                 <a:ea typeface="Doulos SIL" panose="02000500070000020004" pitchFamily="2" charset="0"/>
@@ -5807,53 +5893,6 @@
           <a:chExt cx="0" cy="0"/>
         </a:xfrm>
       </p:grpSpPr>
-      <p:sp>
-        <p:nvSpPr>
-          <p:cNvPr id="3" name="CasellaDiTesto 2">
-            <a:extLst>
-              <a:ext uri="{FF2B5EF4-FFF2-40B4-BE49-F238E27FC236}">
-                <a16:creationId xmlns:a16="http://schemas.microsoft.com/office/drawing/2014/main" id="{550CCBAB-D720-469D-9AAA-D5AF752E1F7C}"/>
-              </a:ext>
-            </a:extLst>
-          </p:cNvPr>
-          <p:cNvSpPr txBox="1"/>
-          <p:nvPr/>
-        </p:nvSpPr>
-        <p:spPr>
-          <a:xfrm>
-            <a:off x="711707" y="1484321"/>
-            <a:ext cx="3865536" cy="830997"/>
-          </a:xfrm>
-          <a:prstGeom prst="rect">
-            <a:avLst/>
-          </a:prstGeom>
-          <a:noFill/>
-        </p:spPr>
-        <p:txBody>
-          <a:bodyPr wrap="square" rtlCol="0">
-            <a:spAutoFit/>
-          </a:bodyPr>
-          <a:lstStyle/>
-          <a:p>
-            <a:r>
-              <a:rPr lang="it-IT" sz="2400" dirty="0">
-                <a:solidFill>
-                  <a:srgbClr val="002060"/>
-                </a:solidFill>
-              </a:rPr>
-              <a:t>METTERE UNA SPIEGAZIONE MIGLIORE E SUCCINTA</a:t>
-            </a:r>
-            <a:endParaRPr lang="it-IT" sz="2400" dirty="0">
-              <a:solidFill>
-                <a:srgbClr val="002060"/>
-              </a:solidFill>
-              <a:latin typeface="Doulos SIL" panose="02000500070000020004" pitchFamily="2" charset="0"/>
-              <a:ea typeface="Doulos SIL" panose="02000500070000020004" pitchFamily="2" charset="0"/>
-              <a:cs typeface="Doulos SIL" panose="02000500070000020004" pitchFamily="2" charset="0"/>
-            </a:endParaRPr>
-          </a:p>
-        </p:txBody>
-      </p:sp>
       <p:pic>
         <p:nvPicPr>
           <p:cNvPr id="5" name="Immagine 4">
@@ -5882,8 +5921,8 @@
         </p:blipFill>
         <p:spPr>
           <a:xfrm>
-            <a:off x="4459797" y="1293491"/>
-            <a:ext cx="7664060" cy="2357123"/>
+            <a:off x="3980075" y="1182707"/>
+            <a:ext cx="8143783" cy="2357123"/>
           </a:xfrm>
           <a:prstGeom prst="rect">
             <a:avLst/>
@@ -5918,8 +5957,8 @@
         </p:blipFill>
         <p:spPr>
           <a:xfrm>
-            <a:off x="4459796" y="3477087"/>
-            <a:ext cx="7664062" cy="2655259"/>
+            <a:off x="3980075" y="3429000"/>
+            <a:ext cx="8143783" cy="2821461"/>
           </a:xfrm>
           <a:prstGeom prst="rect">
             <a:avLst/>
@@ -6057,7 +6096,83 @@
                 <a:ea typeface="Doulos SIL" panose="02000500070000020004" pitchFamily="2" charset="0"/>
                 <a:cs typeface="Doulos SIL" panose="02000500070000020004" pitchFamily="2" charset="0"/>
               </a:rPr>
-              <a:t>Esperimento: 3D senza vincoli</a:t>
+              <a:t>5. Esperimento: 3D senza vincoli</a:t>
+            </a:r>
+          </a:p>
+        </p:txBody>
+      </p:sp>
+      <p:sp>
+        <p:nvSpPr>
+          <p:cNvPr id="2" name="CasellaDiTesto 1">
+            <a:extLst>
+              <a:ext uri="{FF2B5EF4-FFF2-40B4-BE49-F238E27FC236}">
+                <a16:creationId xmlns:a16="http://schemas.microsoft.com/office/drawing/2014/main" id="{5F45F277-79BC-4709-8BCD-92552CDA27AD}"/>
+              </a:ext>
+            </a:extLst>
+          </p:cNvPr>
+          <p:cNvSpPr txBox="1"/>
+          <p:nvPr/>
+        </p:nvSpPr>
+        <p:spPr>
+          <a:xfrm>
+            <a:off x="823911" y="1713388"/>
+            <a:ext cx="2940222" cy="3539430"/>
+          </a:xfrm>
+          <a:prstGeom prst="rect">
+            <a:avLst/>
+          </a:prstGeom>
+          <a:noFill/>
+        </p:spPr>
+        <p:txBody>
+          <a:bodyPr wrap="square" rtlCol="0">
+            <a:spAutoFit/>
+          </a:bodyPr>
+          <a:lstStyle/>
+          <a:p>
+            <a:r>
+              <a:rPr lang="it-IT" sz="2800" dirty="0">
+                <a:solidFill>
+                  <a:srgbClr val="002060"/>
+                </a:solidFill>
+                <a:latin typeface="+mj-lt"/>
+              </a:rPr>
+              <a:t>In questo test, l’algoritmo si ferma quando la percentuale di errore scende al di sotto del valore di </a:t>
+            </a:r>
+            <a:r>
+              <a:rPr lang="it-IT" sz="2800" b="1" dirty="0">
+                <a:solidFill>
+                  <a:srgbClr val="C00000"/>
+                </a:solidFill>
+                <a:latin typeface="+mj-lt"/>
+              </a:rPr>
+              <a:t>tolleranza</a:t>
+            </a:r>
+            <a:r>
+              <a:rPr lang="it-IT" sz="2800" dirty="0">
+                <a:solidFill>
+                  <a:srgbClr val="C00000"/>
+                </a:solidFill>
+                <a:latin typeface="+mj-lt"/>
+              </a:rPr>
+              <a:t> </a:t>
+            </a:r>
+            <a:r>
+              <a:rPr lang="it-IT" sz="2800" b="1" dirty="0">
+                <a:solidFill>
+                  <a:srgbClr val="C00000"/>
+                </a:solidFill>
+                <a:latin typeface="+mj-lt"/>
+              </a:rPr>
+              <a:t>ammesso</a:t>
+            </a:r>
+            <a:r>
+              <a:rPr lang="it-IT" sz="2800" dirty="0">
+                <a:solidFill>
+                  <a:srgbClr val="002060"/>
+                </a:solidFill>
+                <a:latin typeface="+mj-lt"/>
+              </a:rPr>
+              <a:t>. </a:t>
             </a:r>
           </a:p>
         </p:txBody>
@@ -6125,8 +6240,8 @@
         </p:nvSpPr>
         <p:spPr>
           <a:xfrm>
-            <a:off x="938212" y="1271319"/>
-            <a:ext cx="3790950" cy="4900380"/>
+            <a:off x="938212" y="1502713"/>
+            <a:ext cx="3402969" cy="4493819"/>
           </a:xfrm>
         </p:spPr>
         <p:txBody>
@@ -6139,13 +6254,43 @@
               <a:buNone/>
             </a:pPr>
             <a:r>
-              <a:rPr lang="it-IT" b="1" dirty="0">
+              <a:rPr lang="it-IT" dirty="0">
                 <a:solidFill>
                   <a:srgbClr val="002060"/>
                 </a:solidFill>
-                <a:latin typeface="+mj-lt"/>
-              </a:rPr>
-              <a:t>SPIEGAZIONE MIGLIORE ????</a:t>
+              </a:rPr>
+              <a:t>Valutiamo i risultati  in presenza di un vincolo di disuguaglianza </a:t>
+            </a:r>
+            <a:r>
+              <a:rPr lang="it-IT" i="1" dirty="0">
+                <a:solidFill>
+                  <a:srgbClr val="C00000"/>
+                </a:solidFill>
+              </a:rPr>
+              <a:t>R ≤ 2Z</a:t>
+            </a:r>
+            <a:r>
+              <a:rPr lang="it-IT" dirty="0">
+                <a:solidFill>
+                  <a:srgbClr val="002060"/>
+                </a:solidFill>
+              </a:rPr>
+              <a:t>. </a:t>
+            </a:r>
+            <a:br>
+              <a:rPr lang="it-IT" dirty="0">
+                <a:solidFill>
+                  <a:srgbClr val="002060"/>
+                </a:solidFill>
+              </a:rPr>
+            </a:br>
+            <a:r>
+              <a:rPr lang="it-IT" dirty="0">
+                <a:solidFill>
+                  <a:srgbClr val="002060"/>
+                </a:solidFill>
+              </a:rPr>
+              <a:t>Così come ci aspettavamo la percentuale di errore aumenta drasticamente.</a:t>
             </a:r>
           </a:p>
         </p:txBody>
@@ -6315,7 +6460,7 @@
                 <a:ea typeface="Doulos SIL" panose="02000500070000020004" pitchFamily="2" charset="0"/>
                 <a:cs typeface="Doulos SIL" panose="02000500070000020004" pitchFamily="2" charset="0"/>
               </a:rPr>
-              <a:t>Esperimento: 3D con vincolo di disuguaglianza</a:t>
+              <a:t>5. Esperimento: 3D con vincolo di disuguaglianza</a:t>
             </a:r>
           </a:p>
         </p:txBody>

--- a/writeup/Slides.pptx
+++ b/writeup/Slides.pptx
@@ -142,10 +142,10 @@
 <file path=ppt/revisionInfo.xml><?xml version="1.0" encoding="utf-8"?>
 <p1510:revInfo xmlns:a="http://schemas.openxmlformats.org/drawingml/2006/main" xmlns:r="http://schemas.openxmlformats.org/officeDocument/2006/relationships" xmlns:p1510="http://schemas.microsoft.com/office/powerpoint/2015/10/main">
   <p1510:revLst>
+    <p1510:client id="{AF234B7E-82A7-444F-B401-35DEC5A5F2CB}" v="86" dt="2018-11-26T21:06:46.933"/>
     <p1510:client id="{E9A3E667-E202-6353-A4E7-75F3F84AD1CD}" v="6" dt="2018-11-27T08:41:12.239"/>
-    <p1510:client id="{AF234B7E-82A7-444F-B401-35DEC5A5F2CB}" v="86" dt="2018-11-26T21:06:46.933"/>
+    <p1510:client id="{7DB06895-C1A9-463A-81DF-B0E1BD81AE50}" v="54" dt="2018-11-26T21:06:41.168"/>
     <p1510:client id="{987B40F4-C2A0-FF56-D036-10FC24EEC81B}" v="12" dt="2018-11-27T08:41:27.046"/>
-    <p1510:client id="{7DB06895-C1A9-463A-81DF-B0E1BD81AE50}" v="54" dt="2018-11-26T21:06:41.168"/>
     <p1510:client id="{F791663E-8F02-4097-8A90-B5990CC7961B}" v="62" dt="2018-11-27T09:06:13.711"/>
   </p1510:revLst>
 </p1510:revInfo>
@@ -4321,7 +4321,7 @@
                 <a:ea typeface="Doulos SIL" panose="02000500070000020004" pitchFamily="2" charset="0"/>
                 <a:cs typeface="Doulos SIL" panose="02000500070000020004" pitchFamily="2" charset="0"/>
               </a:rPr>
-              <a:t>Descrizione del problema</a:t>
+              <a:t>1. Descrizione del problema</a:t>
             </a:r>
           </a:p>
         </p:txBody>
@@ -4599,7 +4599,7 @@
                 <a:ea typeface="Doulos SIL" panose="02000500070000020004" pitchFamily="2" charset="0"/>
                 <a:cs typeface="Doulos SIL" panose="02000500070000020004" pitchFamily="2" charset="0"/>
               </a:rPr>
-              <a:t>Obiettivo</a:t>
+              <a:t>2. Obiettivo</a:t>
             </a:r>
           </a:p>
         </p:txBody>
@@ -4785,7 +4785,7 @@
                 <a:ea typeface="Doulos SIL" panose="02000500070000020004" pitchFamily="2" charset="0"/>
                 <a:cs typeface="Doulos SIL" panose="02000500070000020004" pitchFamily="2" charset="0"/>
               </a:rPr>
-              <a:t> prodotto in un punto dello spazio da una spira percorsa da corrente elettrica</a:t>
+              <a:t> prodotto in un punto dello spazio da una spira percorsa da corrente elettrica:</a:t>
             </a:r>
           </a:p>
         </p:txBody>
@@ -4904,7 +4904,7 @@
                 <a:ea typeface="Doulos SIL" panose="02000500070000020004" pitchFamily="2" charset="0"/>
                 <a:cs typeface="Doulos SIL" panose="02000500070000020004" pitchFamily="2" charset="0"/>
               </a:rPr>
-              <a:t> sarà</a:t>
+              <a:t> sarà:</a:t>
             </a:r>
           </a:p>
         </p:txBody>
@@ -5062,7 +5062,7 @@
                 <a:ea typeface="Doulos SIL" panose="02000500070000020004" pitchFamily="2" charset="0"/>
                 <a:cs typeface="Doulos SIL" panose="02000500070000020004" pitchFamily="2" charset="0"/>
               </a:rPr>
-              <a:t>Formulazione matematica</a:t>
+              <a:t>3. Formulazione matematica</a:t>
             </a:r>
           </a:p>
         </p:txBody>
@@ -5311,7 +5311,7 @@
                     <a:ea typeface="Doulos SIL" panose="02000500070000020004" pitchFamily="2" charset="0"/>
                     <a:cs typeface="Doulos SIL" panose="02000500070000020004" pitchFamily="2" charset="0"/>
                   </a:rPr>
-                  <a:t> La funzione obiettivo si scriverà come</a:t>
+                  <a:t> La funzione obiettivo si scriverà come:</a:t>
                 </a:r>
               </a:p>
             </p:txBody>
@@ -5446,7 +5446,7 @@
         <p:spPr>
           <a:xfrm>
             <a:off x="823910" y="499495"/>
-            <a:ext cx="7883861" cy="1054100"/>
+            <a:ext cx="8178047" cy="1054100"/>
           </a:xfrm>
           <a:prstGeom prst="rect">
             <a:avLst/>
@@ -5454,7 +5454,7 @@
         </p:spPr>
         <p:txBody>
           <a:bodyPr vert="horz" lIns="91440" tIns="45720" rIns="91440" bIns="45720" rtlCol="0" anchor="ctr">
-            <a:normAutofit fontScale="92500"/>
+            <a:normAutofit fontScale="92500" lnSpcReduction="20000"/>
           </a:bodyPr>
           <a:lstStyle>
             <a:lvl1pPr algn="l" defTabSz="914400" rtl="0" eaLnBrk="1" latinLnBrk="0" hangingPunct="1">
@@ -5476,6 +5476,25 @@
             </a:lvl1pPr>
           </a:lstStyle>
           <a:p>
+            <a:r>
+              <a:rPr lang="it-IT" b="1" dirty="0">
+                <a:solidFill>
+                  <a:srgbClr val="002060"/>
+                </a:solidFill>
+                <a:ea typeface="Doulos SIL" panose="02000500070000020004" pitchFamily="2" charset="0"/>
+                <a:cs typeface="Doulos SIL" panose="02000500070000020004" pitchFamily="2" charset="0"/>
+              </a:rPr>
+              <a:t>3. Formulazione matematica:</a:t>
+            </a:r>
+            <a:br>
+              <a:rPr lang="it-IT" b="1" dirty="0">
+                <a:solidFill>
+                  <a:srgbClr val="002060"/>
+                </a:solidFill>
+                <a:ea typeface="Doulos SIL" panose="02000500070000020004" pitchFamily="2" charset="0"/>
+                <a:cs typeface="Doulos SIL" panose="02000500070000020004" pitchFamily="2" charset="0"/>
+              </a:rPr>
+            </a:br>
             <a:r>
               <a:rPr lang="it-IT" b="1" dirty="0">
                 <a:solidFill>
@@ -5616,13 +5635,13 @@
             <a:r>
               <a:rPr lang="it-IT" b="1" i="1" dirty="0">
                 <a:solidFill>
-                  <a:srgbClr val="C00000"/>
+                  <a:srgbClr val="002060"/>
                 </a:solidFill>
                 <a:latin typeface="+mj-lt"/>
                 <a:ea typeface="Doulos SIL" panose="02000500070000020004" pitchFamily="2" charset="0"/>
                 <a:cs typeface="Doulos SIL" panose="02000500070000020004" pitchFamily="2" charset="0"/>
               </a:rPr>
-              <a:t>Particolarità</a:t>
+              <a:t>Caratteristiche:</a:t>
             </a:r>
             <a:br>
               <a:rPr lang="it-IT" dirty="0">
@@ -5766,7 +5785,7 @@
         </p:nvSpPr>
         <p:spPr>
           <a:xfrm>
-            <a:off x="823910" y="331715"/>
+            <a:off x="699622" y="407263"/>
             <a:ext cx="7044326" cy="1054100"/>
           </a:xfrm>
           <a:prstGeom prst="rect">
@@ -5805,7 +5824,7 @@
                 <a:ea typeface="Doulos SIL" panose="02000500070000020004" pitchFamily="2" charset="0"/>
                 <a:cs typeface="Doulos SIL" panose="02000500070000020004" pitchFamily="2" charset="0"/>
               </a:rPr>
-              <a:t>Tecnica di ricerca del minimo: simplesso</a:t>
+              <a:t>4. Tecnica di ricerca del minimo: simplesso</a:t>
             </a:r>
           </a:p>
         </p:txBody>

--- a/writeup/Slides.pptx
+++ b/writeup/Slides.pptx
@@ -12,9 +12,12 @@
     <p:sldId id="260" r:id="rId6"/>
     <p:sldId id="262" r:id="rId7"/>
     <p:sldId id="263" r:id="rId8"/>
-    <p:sldId id="264" r:id="rId9"/>
-    <p:sldId id="265" r:id="rId10"/>
-    <p:sldId id="266" r:id="rId11"/>
+    <p:sldId id="268" r:id="rId9"/>
+    <p:sldId id="269" r:id="rId10"/>
+    <p:sldId id="264" r:id="rId11"/>
+    <p:sldId id="265" r:id="rId12"/>
+    <p:sldId id="266" r:id="rId13"/>
+    <p:sldId id="267" r:id="rId14"/>
   </p:sldIdLst>
   <p:sldSz cx="12192000" cy="6858000"/>
   <p:notesSz cx="6858000" cy="9144000"/>
@@ -125,9 +128,12 @@
             <p14:sldId id="260"/>
             <p14:sldId id="262"/>
             <p14:sldId id="263"/>
+            <p14:sldId id="268"/>
+            <p14:sldId id="269"/>
             <p14:sldId id="264"/>
             <p14:sldId id="265"/>
             <p14:sldId id="266"/>
+            <p14:sldId id="267"/>
           </p14:sldIdLst>
         </p14:section>
       </p14:sectionLst>
@@ -142,10 +148,10 @@
 <file path=ppt/revisionInfo.xml><?xml version="1.0" encoding="utf-8"?>
 <p1510:revInfo xmlns:a="http://schemas.openxmlformats.org/drawingml/2006/main" xmlns:r="http://schemas.openxmlformats.org/officeDocument/2006/relationships" xmlns:p1510="http://schemas.microsoft.com/office/powerpoint/2015/10/main">
   <p1510:revLst>
+    <p1510:client id="{E9A3E667-E202-6353-A4E7-75F3F84AD1CD}" v="6" dt="2018-11-27T08:41:12.239"/>
     <p1510:client id="{AF234B7E-82A7-444F-B401-35DEC5A5F2CB}" v="86" dt="2018-11-26T21:06:46.933"/>
-    <p1510:client id="{E9A3E667-E202-6353-A4E7-75F3F84AD1CD}" v="6" dt="2018-11-27T08:41:12.239"/>
+    <p1510:client id="{987B40F4-C2A0-FF56-D036-10FC24EEC81B}" v="12" dt="2018-11-27T08:41:27.046"/>
     <p1510:client id="{7DB06895-C1A9-463A-81DF-B0E1BD81AE50}" v="54" dt="2018-11-26T21:06:41.168"/>
-    <p1510:client id="{987B40F4-C2A0-FF56-D036-10FC24EEC81B}" v="12" dt="2018-11-27T08:41:27.046"/>
     <p1510:client id="{F791663E-8F02-4097-8A90-B5990CC7961B}" v="62" dt="2018-11-27T09:06:13.711"/>
   </p1510:revLst>
 </p1510:revInfo>
@@ -3647,6 +3653,21 @@
 <file path=ppt/slides/slide10.xml><?xml version="1.0" encoding="utf-8"?>
 <p:sld xmlns:a="http://schemas.openxmlformats.org/drawingml/2006/main" xmlns:r="http://schemas.openxmlformats.org/officeDocument/2006/relationships" xmlns:p="http://schemas.openxmlformats.org/presentationml/2006/main">
   <p:cSld>
+    <p:bg>
+      <p:bgPr>
+        <a:blipFill dpi="0" rotWithShape="1">
+          <a:blip r:embed="rId2">
+            <a:alphaModFix amt="58000"/>
+            <a:lum/>
+          </a:blip>
+          <a:srcRect/>
+          <a:stretch>
+            <a:fillRect l="-3000" r="-3000"/>
+          </a:stretch>
+        </a:blipFill>
+        <a:effectLst/>
+      </p:bgPr>
+    </p:bg>
     <p:spTree>
       <p:nvGrpSpPr>
         <p:cNvPr id="1" name=""/>
@@ -3661,12 +3682,341 @@
           <a:chExt cx="0" cy="0"/>
         </a:xfrm>
       </p:grpSpPr>
-      <p:sp>
-        <p:nvSpPr>
-          <p:cNvPr id="2" name="Titolo 1">
-            <a:extLst>
-              <a:ext uri="{FF2B5EF4-FFF2-40B4-BE49-F238E27FC236}">
-                <a16:creationId xmlns:a16="http://schemas.microsoft.com/office/drawing/2014/main" id="{887B090B-A589-47C6-BADB-8A0D7CF3EF6A}"/>
+      <p:pic>
+        <p:nvPicPr>
+          <p:cNvPr id="5" name="Immagine 4">
+            <a:extLst>
+              <a:ext uri="{FF2B5EF4-FFF2-40B4-BE49-F238E27FC236}">
+                <a16:creationId xmlns:a16="http://schemas.microsoft.com/office/drawing/2014/main" id="{AC029425-8F6E-46A2-9E9B-A94D34CD78A7}"/>
+              </a:ext>
+            </a:extLst>
+          </p:cNvPr>
+          <p:cNvPicPr>
+            <a:picLocks noChangeAspect="1"/>
+          </p:cNvPicPr>
+          <p:nvPr/>
+        </p:nvPicPr>
+        <p:blipFill>
+          <a:blip r:embed="rId3">
+            <a:extLst>
+              <a:ext uri="{28A0092B-C50C-407E-A947-70E740481C1C}">
+                <a14:useLocalDpi xmlns:a14="http://schemas.microsoft.com/office/drawing/2010/main" val="0"/>
+              </a:ext>
+            </a:extLst>
+          </a:blip>
+          <a:stretch>
+            <a:fillRect/>
+          </a:stretch>
+        </p:blipFill>
+        <p:spPr>
+          <a:xfrm>
+            <a:off x="3980075" y="1182707"/>
+            <a:ext cx="8143783" cy="2357123"/>
+          </a:xfrm>
+          <a:prstGeom prst="rect">
+            <a:avLst/>
+          </a:prstGeom>
+        </p:spPr>
+      </p:pic>
+      <p:pic>
+        <p:nvPicPr>
+          <p:cNvPr id="7" name="Immagine 6">
+            <a:extLst>
+              <a:ext uri="{FF2B5EF4-FFF2-40B4-BE49-F238E27FC236}">
+                <a16:creationId xmlns:a16="http://schemas.microsoft.com/office/drawing/2014/main" id="{3F0FE11E-DF9F-4E75-91B9-25F5E9FD59CE}"/>
+              </a:ext>
+            </a:extLst>
+          </p:cNvPr>
+          <p:cNvPicPr>
+            <a:picLocks noChangeAspect="1"/>
+          </p:cNvPicPr>
+          <p:nvPr/>
+        </p:nvPicPr>
+        <p:blipFill>
+          <a:blip r:embed="rId4">
+            <a:extLst>
+              <a:ext uri="{28A0092B-C50C-407E-A947-70E740481C1C}">
+                <a14:useLocalDpi xmlns:a14="http://schemas.microsoft.com/office/drawing/2010/main" val="0"/>
+              </a:ext>
+            </a:extLst>
+          </a:blip>
+          <a:stretch>
+            <a:fillRect/>
+          </a:stretch>
+        </p:blipFill>
+        <p:spPr>
+          <a:xfrm>
+            <a:off x="3980075" y="3429000"/>
+            <a:ext cx="8143783" cy="2821461"/>
+          </a:xfrm>
+          <a:prstGeom prst="rect">
+            <a:avLst/>
+          </a:prstGeom>
+        </p:spPr>
+      </p:pic>
+      <p:cxnSp>
+        <p:nvCxnSpPr>
+          <p:cNvPr id="9" name="Connettore diritto 8">
+            <a:extLst>
+              <a:ext uri="{FF2B5EF4-FFF2-40B4-BE49-F238E27FC236}">
+                <a16:creationId xmlns:a16="http://schemas.microsoft.com/office/drawing/2014/main" id="{4857374A-5FE8-4D62-BA97-7E080FD1086E}"/>
+              </a:ext>
+            </a:extLst>
+          </p:cNvPr>
+          <p:cNvCxnSpPr>
+            <a:cxnSpLocks/>
+          </p:cNvCxnSpPr>
+          <p:nvPr/>
+        </p:nvCxnSpPr>
+        <p:spPr>
+          <a:xfrm>
+            <a:off x="823911" y="6357584"/>
+            <a:ext cx="10301288" cy="0"/>
+          </a:xfrm>
+          <a:prstGeom prst="line">
+            <a:avLst/>
+          </a:prstGeom>
+        </p:spPr>
+        <p:style>
+          <a:lnRef idx="1">
+            <a:schemeClr val="accent1"/>
+          </a:lnRef>
+          <a:fillRef idx="0">
+            <a:schemeClr val="accent1"/>
+          </a:fillRef>
+          <a:effectRef idx="0">
+            <a:schemeClr val="accent1"/>
+          </a:effectRef>
+          <a:fontRef idx="minor">
+            <a:schemeClr val="tx1"/>
+          </a:fontRef>
+        </p:style>
+      </p:cxnSp>
+      <p:cxnSp>
+        <p:nvCxnSpPr>
+          <p:cNvPr id="11" name="Connettore diritto 10">
+            <a:extLst>
+              <a:ext uri="{FF2B5EF4-FFF2-40B4-BE49-F238E27FC236}">
+                <a16:creationId xmlns:a16="http://schemas.microsoft.com/office/drawing/2014/main" id="{C7CB4E63-3260-4EA3-9D89-8268DC09EF42}"/>
+              </a:ext>
+            </a:extLst>
+          </p:cNvPr>
+          <p:cNvCxnSpPr>
+            <a:cxnSpLocks/>
+          </p:cNvCxnSpPr>
+          <p:nvPr/>
+        </p:nvCxnSpPr>
+        <p:spPr>
+          <a:xfrm>
+            <a:off x="938212" y="1133242"/>
+            <a:ext cx="10301288" cy="0"/>
+          </a:xfrm>
+          <a:prstGeom prst="line">
+            <a:avLst/>
+          </a:prstGeom>
+        </p:spPr>
+        <p:style>
+          <a:lnRef idx="1">
+            <a:schemeClr val="accent1"/>
+          </a:lnRef>
+          <a:fillRef idx="0">
+            <a:schemeClr val="accent1"/>
+          </a:fillRef>
+          <a:effectRef idx="0">
+            <a:schemeClr val="accent1"/>
+          </a:effectRef>
+          <a:fontRef idx="minor">
+            <a:schemeClr val="tx1"/>
+          </a:fontRef>
+        </p:style>
+      </p:cxnSp>
+      <p:sp>
+        <p:nvSpPr>
+          <p:cNvPr id="12" name="Titolo 1">
+            <a:extLst>
+              <a:ext uri="{FF2B5EF4-FFF2-40B4-BE49-F238E27FC236}">
+                <a16:creationId xmlns:a16="http://schemas.microsoft.com/office/drawing/2014/main" id="{03DAF942-BA3D-4AC2-811D-589406C84368}"/>
+              </a:ext>
+            </a:extLst>
+          </p:cNvPr>
+          <p:cNvSpPr txBox="1">
+            <a:spLocks/>
+          </p:cNvSpPr>
+          <p:nvPr/>
+        </p:nvSpPr>
+        <p:spPr>
+          <a:xfrm>
+            <a:off x="823912" y="239436"/>
+            <a:ext cx="10199222" cy="1054100"/>
+          </a:xfrm>
+          <a:prstGeom prst="rect">
+            <a:avLst/>
+          </a:prstGeom>
+        </p:spPr>
+        <p:txBody>
+          <a:bodyPr vert="horz" lIns="91440" tIns="45720" rIns="91440" bIns="45720" rtlCol="0" anchor="ctr">
+            <a:normAutofit/>
+          </a:bodyPr>
+          <a:lstStyle>
+            <a:lvl1pPr algn="l" defTabSz="914400" rtl="0" eaLnBrk="1" latinLnBrk="0" hangingPunct="1">
+              <a:lnSpc>
+                <a:spcPct val="90000"/>
+              </a:lnSpc>
+              <a:spcBef>
+                <a:spcPct val="0"/>
+              </a:spcBef>
+              <a:buNone/>
+              <a:defRPr sz="4400" kern="1200">
+                <a:solidFill>
+                  <a:schemeClr val="tx1"/>
+                </a:solidFill>
+                <a:latin typeface="+mj-lt"/>
+                <a:ea typeface="+mj-ea"/>
+                <a:cs typeface="+mj-cs"/>
+              </a:defRPr>
+            </a:lvl1pPr>
+          </a:lstStyle>
+          <a:p>
+            <a:r>
+              <a:rPr lang="it-IT" b="1" dirty="0">
+                <a:solidFill>
+                  <a:srgbClr val="002060"/>
+                </a:solidFill>
+                <a:ea typeface="Doulos SIL" panose="02000500070000020004" pitchFamily="2" charset="0"/>
+                <a:cs typeface="Doulos SIL" panose="02000500070000020004" pitchFamily="2" charset="0"/>
+              </a:rPr>
+              <a:t>5. Esperimento: 3D senza vincoli</a:t>
+            </a:r>
+          </a:p>
+        </p:txBody>
+      </p:sp>
+      <p:sp>
+        <p:nvSpPr>
+          <p:cNvPr id="2" name="CasellaDiTesto 1">
+            <a:extLst>
+              <a:ext uri="{FF2B5EF4-FFF2-40B4-BE49-F238E27FC236}">
+                <a16:creationId xmlns:a16="http://schemas.microsoft.com/office/drawing/2014/main" id="{5F45F277-79BC-4709-8BCD-92552CDA27AD}"/>
+              </a:ext>
+            </a:extLst>
+          </p:cNvPr>
+          <p:cNvSpPr txBox="1"/>
+          <p:nvPr/>
+        </p:nvSpPr>
+        <p:spPr>
+          <a:xfrm>
+            <a:off x="823911" y="1713388"/>
+            <a:ext cx="2940222" cy="3539430"/>
+          </a:xfrm>
+          <a:prstGeom prst="rect">
+            <a:avLst/>
+          </a:prstGeom>
+          <a:noFill/>
+        </p:spPr>
+        <p:txBody>
+          <a:bodyPr wrap="square" rtlCol="0">
+            <a:spAutoFit/>
+          </a:bodyPr>
+          <a:lstStyle/>
+          <a:p>
+            <a:r>
+              <a:rPr lang="it-IT" sz="2800" dirty="0">
+                <a:solidFill>
+                  <a:srgbClr val="002060"/>
+                </a:solidFill>
+                <a:latin typeface="+mj-lt"/>
+              </a:rPr>
+              <a:t>In questo test, l’algoritmo si ferma quando la percentuale di errore scende al di sotto del valore di </a:t>
+            </a:r>
+            <a:r>
+              <a:rPr lang="it-IT" sz="2800" b="1" dirty="0">
+                <a:solidFill>
+                  <a:srgbClr val="C00000"/>
+                </a:solidFill>
+                <a:latin typeface="+mj-lt"/>
+              </a:rPr>
+              <a:t>tolleranza</a:t>
+            </a:r>
+            <a:r>
+              <a:rPr lang="it-IT" sz="2800" dirty="0">
+                <a:solidFill>
+                  <a:srgbClr val="C00000"/>
+                </a:solidFill>
+                <a:latin typeface="+mj-lt"/>
+              </a:rPr>
+              <a:t> </a:t>
+            </a:r>
+            <a:r>
+              <a:rPr lang="it-IT" sz="2800" b="1" dirty="0">
+                <a:solidFill>
+                  <a:srgbClr val="C00000"/>
+                </a:solidFill>
+                <a:latin typeface="+mj-lt"/>
+              </a:rPr>
+              <a:t>ammesso</a:t>
+            </a:r>
+            <a:r>
+              <a:rPr lang="it-IT" sz="2800" dirty="0">
+                <a:solidFill>
+                  <a:srgbClr val="002060"/>
+                </a:solidFill>
+                <a:latin typeface="+mj-lt"/>
+              </a:rPr>
+              <a:t>. </a:t>
+            </a:r>
+          </a:p>
+        </p:txBody>
+      </p:sp>
+    </p:spTree>
+    <p:extLst>
+      <p:ext uri="{BB962C8B-B14F-4D97-AF65-F5344CB8AC3E}">
+        <p14:creationId xmlns:p14="http://schemas.microsoft.com/office/powerpoint/2010/main" val="1886510980"/>
+      </p:ext>
+    </p:extLst>
+  </p:cSld>
+  <p:clrMapOvr>
+    <a:masterClrMapping/>
+  </p:clrMapOvr>
+</p:sld>
+</file>
+
+<file path=ppt/slides/slide11.xml><?xml version="1.0" encoding="utf-8"?>
+<p:sld xmlns:a="http://schemas.openxmlformats.org/drawingml/2006/main" xmlns:r="http://schemas.openxmlformats.org/officeDocument/2006/relationships" xmlns:p="http://schemas.openxmlformats.org/presentationml/2006/main">
+  <p:cSld>
+    <p:bg>
+      <p:bgPr>
+        <a:blipFill dpi="0" rotWithShape="1">
+          <a:blip r:embed="rId2">
+            <a:alphaModFix amt="58000"/>
+            <a:lum/>
+          </a:blip>
+          <a:srcRect/>
+          <a:stretch>
+            <a:fillRect l="-3000" r="-3000"/>
+          </a:stretch>
+        </a:blipFill>
+        <a:effectLst/>
+      </p:bgPr>
+    </p:bg>
+    <p:spTree>
+      <p:nvGrpSpPr>
+        <p:cNvPr id="1" name=""/>
+        <p:cNvGrpSpPr/>
+        <p:nvPr/>
+      </p:nvGrpSpPr>
+      <p:grpSpPr>
+        <a:xfrm>
+          <a:off x="0" y="0"/>
+          <a:ext cx="0" cy="0"/>
+          <a:chOff x="0" y="0"/>
+          <a:chExt cx="0" cy="0"/>
+        </a:xfrm>
+      </p:grpSpPr>
+      <p:sp>
+        <p:nvSpPr>
+          <p:cNvPr id="3" name="Segnaposto contenuto 2">
+            <a:extLst>
+              <a:ext uri="{FF2B5EF4-FFF2-40B4-BE49-F238E27FC236}">
+                <a16:creationId xmlns:a16="http://schemas.microsoft.com/office/drawing/2014/main" id="{6124F91B-5F97-43D8-85F8-545DBB74A356}"/>
               </a:ext>
             </a:extLst>
           </p:cNvPr>
@@ -3674,47 +4024,630 @@
             <a:spLocks noGrp="1"/>
           </p:cNvSpPr>
           <p:nvPr>
+            <p:ph idx="1"/>
+          </p:nvPr>
+        </p:nvSpPr>
+        <p:spPr>
+          <a:xfrm>
+            <a:off x="938212" y="1502713"/>
+            <a:ext cx="3402969" cy="4493819"/>
+          </a:xfrm>
+        </p:spPr>
+        <p:txBody>
+          <a:bodyPr>
+            <a:normAutofit/>
+          </a:bodyPr>
+          <a:lstStyle/>
+          <a:p>
+            <a:pPr marL="0" indent="0">
+              <a:buNone/>
+            </a:pPr>
+            <a:r>
+              <a:rPr lang="it-IT" dirty="0">
+                <a:solidFill>
+                  <a:srgbClr val="002060"/>
+                </a:solidFill>
+              </a:rPr>
+              <a:t>Valutiamo i risultati  in presenza di un vincolo di disuguaglianza </a:t>
+            </a:r>
+            <a:r>
+              <a:rPr lang="it-IT" i="1" dirty="0">
+                <a:solidFill>
+                  <a:srgbClr val="C00000"/>
+                </a:solidFill>
+              </a:rPr>
+              <a:t>R ≤ 2Z</a:t>
+            </a:r>
+            <a:r>
+              <a:rPr lang="it-IT" dirty="0">
+                <a:solidFill>
+                  <a:srgbClr val="002060"/>
+                </a:solidFill>
+              </a:rPr>
+              <a:t>. </a:t>
+            </a:r>
+            <a:br>
+              <a:rPr lang="it-IT" dirty="0">
+                <a:solidFill>
+                  <a:srgbClr val="002060"/>
+                </a:solidFill>
+              </a:rPr>
+            </a:br>
+            <a:r>
+              <a:rPr lang="it-IT" dirty="0">
+                <a:solidFill>
+                  <a:srgbClr val="002060"/>
+                </a:solidFill>
+              </a:rPr>
+              <a:t>Così come ci aspettavamo la percentuale di errore aumenta drasticamente.</a:t>
+            </a:r>
+          </a:p>
+        </p:txBody>
+      </p:sp>
+      <p:pic>
+        <p:nvPicPr>
+          <p:cNvPr id="5" name="Immagine 4">
+            <a:extLst>
+              <a:ext uri="{FF2B5EF4-FFF2-40B4-BE49-F238E27FC236}">
+                <a16:creationId xmlns:a16="http://schemas.microsoft.com/office/drawing/2014/main" id="{00BF9E96-2D50-43BF-A479-21D30323C6AA}"/>
+              </a:ext>
+            </a:extLst>
+          </p:cNvPr>
+          <p:cNvPicPr>
+            <a:picLocks noChangeAspect="1"/>
+          </p:cNvPicPr>
+          <p:nvPr/>
+        </p:nvPicPr>
+        <p:blipFill>
+          <a:blip r:embed="rId3">
+            <a:extLst>
+              <a:ext uri="{28A0092B-C50C-407E-A947-70E740481C1C}">
+                <a14:useLocalDpi xmlns:a14="http://schemas.microsoft.com/office/drawing/2010/main" val="0"/>
+              </a:ext>
+            </a:extLst>
+          </a:blip>
+          <a:stretch>
+            <a:fillRect/>
+          </a:stretch>
+        </p:blipFill>
+        <p:spPr>
+          <a:xfrm>
+            <a:off x="5239415" y="1190812"/>
+            <a:ext cx="6689730" cy="2045111"/>
+          </a:xfrm>
+          <a:prstGeom prst="rect">
+            <a:avLst/>
+          </a:prstGeom>
+        </p:spPr>
+      </p:pic>
+      <p:pic>
+        <p:nvPicPr>
+          <p:cNvPr id="7" name="Immagine 6">
+            <a:extLst>
+              <a:ext uri="{FF2B5EF4-FFF2-40B4-BE49-F238E27FC236}">
+                <a16:creationId xmlns:a16="http://schemas.microsoft.com/office/drawing/2014/main" id="{41A86C1C-1B08-4CD6-A7E0-E58DB123F010}"/>
+              </a:ext>
+            </a:extLst>
+          </p:cNvPr>
+          <p:cNvPicPr>
+            <a:picLocks noChangeAspect="1"/>
+          </p:cNvPicPr>
+          <p:nvPr/>
+        </p:nvPicPr>
+        <p:blipFill>
+          <a:blip r:embed="rId4">
+            <a:extLst>
+              <a:ext uri="{28A0092B-C50C-407E-A947-70E740481C1C}">
+                <a14:useLocalDpi xmlns:a14="http://schemas.microsoft.com/office/drawing/2010/main" val="0"/>
+              </a:ext>
+            </a:extLst>
+          </a:blip>
+          <a:stretch>
+            <a:fillRect/>
+          </a:stretch>
+        </p:blipFill>
+        <p:spPr>
+          <a:xfrm>
+            <a:off x="5239415" y="3121093"/>
+            <a:ext cx="6689730" cy="3178071"/>
+          </a:xfrm>
+          <a:prstGeom prst="rect">
+            <a:avLst/>
+          </a:prstGeom>
+        </p:spPr>
+      </p:pic>
+      <p:cxnSp>
+        <p:nvCxnSpPr>
+          <p:cNvPr id="6" name="Connettore diritto 5">
+            <a:extLst>
+              <a:ext uri="{FF2B5EF4-FFF2-40B4-BE49-F238E27FC236}">
+                <a16:creationId xmlns:a16="http://schemas.microsoft.com/office/drawing/2014/main" id="{B55DB0D4-3783-4F5C-AD3E-B5235DE52A3E}"/>
+              </a:ext>
+            </a:extLst>
+          </p:cNvPr>
+          <p:cNvCxnSpPr>
+            <a:cxnSpLocks/>
+          </p:cNvCxnSpPr>
+          <p:nvPr/>
+        </p:nvCxnSpPr>
+        <p:spPr>
+          <a:xfrm>
+            <a:off x="938212" y="1133242"/>
+            <a:ext cx="10301288" cy="0"/>
+          </a:xfrm>
+          <a:prstGeom prst="line">
+            <a:avLst/>
+          </a:prstGeom>
+        </p:spPr>
+        <p:style>
+          <a:lnRef idx="1">
+            <a:schemeClr val="accent1"/>
+          </a:lnRef>
+          <a:fillRef idx="0">
+            <a:schemeClr val="accent1"/>
+          </a:fillRef>
+          <a:effectRef idx="0">
+            <a:schemeClr val="accent1"/>
+          </a:effectRef>
+          <a:fontRef idx="minor">
+            <a:schemeClr val="tx1"/>
+          </a:fontRef>
+        </p:style>
+      </p:cxnSp>
+      <p:sp>
+        <p:nvSpPr>
+          <p:cNvPr id="8" name="Titolo 1">
+            <a:extLst>
+              <a:ext uri="{FF2B5EF4-FFF2-40B4-BE49-F238E27FC236}">
+                <a16:creationId xmlns:a16="http://schemas.microsoft.com/office/drawing/2014/main" id="{96D2AA62-1AF3-4103-8973-45C0203F85D7}"/>
+              </a:ext>
+            </a:extLst>
+          </p:cNvPr>
+          <p:cNvSpPr txBox="1">
+            <a:spLocks/>
+          </p:cNvSpPr>
+          <p:nvPr/>
+        </p:nvSpPr>
+        <p:spPr>
+          <a:xfrm>
+            <a:off x="823910" y="239436"/>
+            <a:ext cx="10199224" cy="1054100"/>
+          </a:xfrm>
+          <a:prstGeom prst="rect">
+            <a:avLst/>
+          </a:prstGeom>
+        </p:spPr>
+        <p:txBody>
+          <a:bodyPr vert="horz" lIns="91440" tIns="45720" rIns="91440" bIns="45720" rtlCol="0" anchor="ctr">
+            <a:normAutofit fontScale="92500"/>
+          </a:bodyPr>
+          <a:lstStyle>
+            <a:lvl1pPr algn="l" defTabSz="914400" rtl="0" eaLnBrk="1" latinLnBrk="0" hangingPunct="1">
+              <a:lnSpc>
+                <a:spcPct val="90000"/>
+              </a:lnSpc>
+              <a:spcBef>
+                <a:spcPct val="0"/>
+              </a:spcBef>
+              <a:buNone/>
+              <a:defRPr sz="4400" kern="1200">
+                <a:solidFill>
+                  <a:schemeClr val="tx1"/>
+                </a:solidFill>
+                <a:latin typeface="+mj-lt"/>
+                <a:ea typeface="+mj-ea"/>
+                <a:cs typeface="+mj-cs"/>
+              </a:defRPr>
+            </a:lvl1pPr>
+          </a:lstStyle>
+          <a:p>
+            <a:r>
+              <a:rPr lang="it-IT" b="1" dirty="0">
+                <a:solidFill>
+                  <a:srgbClr val="002060"/>
+                </a:solidFill>
+                <a:ea typeface="Doulos SIL" panose="02000500070000020004" pitchFamily="2" charset="0"/>
+                <a:cs typeface="Doulos SIL" panose="02000500070000020004" pitchFamily="2" charset="0"/>
+              </a:rPr>
+              <a:t>5. Esperimento: 3D con vincolo di disuguaglianza</a:t>
+            </a:r>
+          </a:p>
+        </p:txBody>
+      </p:sp>
+      <p:cxnSp>
+        <p:nvCxnSpPr>
+          <p:cNvPr id="9" name="Connettore diritto 8">
+            <a:extLst>
+              <a:ext uri="{FF2B5EF4-FFF2-40B4-BE49-F238E27FC236}">
+                <a16:creationId xmlns:a16="http://schemas.microsoft.com/office/drawing/2014/main" id="{0B514A9B-3468-42BC-8113-7B0794F528BA}"/>
+              </a:ext>
+            </a:extLst>
+          </p:cNvPr>
+          <p:cNvCxnSpPr>
+            <a:cxnSpLocks/>
+          </p:cNvCxnSpPr>
+          <p:nvPr/>
+        </p:nvCxnSpPr>
+        <p:spPr>
+          <a:xfrm>
+            <a:off x="823911" y="6357584"/>
+            <a:ext cx="10301288" cy="0"/>
+          </a:xfrm>
+          <a:prstGeom prst="line">
+            <a:avLst/>
+          </a:prstGeom>
+        </p:spPr>
+        <p:style>
+          <a:lnRef idx="1">
+            <a:schemeClr val="accent1"/>
+          </a:lnRef>
+          <a:fillRef idx="0">
+            <a:schemeClr val="accent1"/>
+          </a:fillRef>
+          <a:effectRef idx="0">
+            <a:schemeClr val="accent1"/>
+          </a:effectRef>
+          <a:fontRef idx="minor">
+            <a:schemeClr val="tx1"/>
+          </a:fontRef>
+        </p:style>
+      </p:cxnSp>
+    </p:spTree>
+    <p:extLst>
+      <p:ext uri="{BB962C8B-B14F-4D97-AF65-F5344CB8AC3E}">
+        <p14:creationId xmlns:p14="http://schemas.microsoft.com/office/powerpoint/2010/main" val="1685683046"/>
+      </p:ext>
+    </p:extLst>
+  </p:cSld>
+  <p:clrMapOvr>
+    <a:masterClrMapping/>
+  </p:clrMapOvr>
+</p:sld>
+</file>
+
+<file path=ppt/slides/slide12.xml><?xml version="1.0" encoding="utf-8"?>
+<p:sld xmlns:a="http://schemas.openxmlformats.org/drawingml/2006/main" xmlns:r="http://schemas.openxmlformats.org/officeDocument/2006/relationships" xmlns:p="http://schemas.openxmlformats.org/presentationml/2006/main">
+  <p:cSld>
+    <p:bg>
+      <p:bgPr>
+        <a:blipFill dpi="0" rotWithShape="1">
+          <a:blip r:embed="rId2">
+            <a:alphaModFix amt="58000"/>
+            <a:lum/>
+          </a:blip>
+          <a:srcRect/>
+          <a:stretch>
+            <a:fillRect l="-3000" r="-3000"/>
+          </a:stretch>
+        </a:blipFill>
+        <a:effectLst/>
+      </p:bgPr>
+    </p:bg>
+    <p:spTree>
+      <p:nvGrpSpPr>
+        <p:cNvPr id="1" name=""/>
+        <p:cNvGrpSpPr/>
+        <p:nvPr/>
+      </p:nvGrpSpPr>
+      <p:grpSpPr>
+        <a:xfrm>
+          <a:off x="0" y="0"/>
+          <a:ext cx="0" cy="0"/>
+          <a:chOff x="0" y="0"/>
+          <a:chExt cx="0" cy="0"/>
+        </a:xfrm>
+      </p:grpSpPr>
+      <p:sp>
+        <p:nvSpPr>
+          <p:cNvPr id="2" name="Titolo 1">
+            <a:extLst>
+              <a:ext uri="{FF2B5EF4-FFF2-40B4-BE49-F238E27FC236}">
+                <a16:creationId xmlns:a16="http://schemas.microsoft.com/office/drawing/2014/main" id="{887B090B-A589-47C6-BADB-8A0D7CF3EF6A}"/>
+              </a:ext>
+            </a:extLst>
+          </p:cNvPr>
+          <p:cNvSpPr>
+            <a:spLocks noGrp="1"/>
+          </p:cNvSpPr>
+          <p:nvPr>
             <p:ph type="title"/>
           </p:nvPr>
         </p:nvSpPr>
-        <p:spPr/>
+        <p:spPr>
+          <a:xfrm>
+            <a:off x="367314" y="168653"/>
+            <a:ext cx="10515600" cy="1325563"/>
+          </a:xfrm>
+        </p:spPr>
         <p:txBody>
           <a:bodyPr/>
           <a:lstStyle/>
           <a:p>
-            <a:endParaRPr lang="it-IT"/>
-          </a:p>
-        </p:txBody>
-      </p:sp>
-      <p:sp>
-        <p:nvSpPr>
-          <p:cNvPr id="3" name="Segnaposto contenuto 2">
-            <a:extLst>
-              <a:ext uri="{FF2B5EF4-FFF2-40B4-BE49-F238E27FC236}">
-                <a16:creationId xmlns:a16="http://schemas.microsoft.com/office/drawing/2014/main" id="{9CDF8B6B-22BC-4BA9-A838-BD44EDA787BD}"/>
-              </a:ext>
-            </a:extLst>
-          </p:cNvPr>
-          <p:cNvSpPr>
-            <a:spLocks noGrp="1"/>
-          </p:cNvSpPr>
-          <p:nvPr>
-            <p:ph idx="1"/>
-          </p:nvPr>
-        </p:nvSpPr>
-        <p:spPr/>
-        <p:txBody>
-          <a:bodyPr/>
+            <a:r>
+              <a:rPr lang="it-IT" b="1" dirty="0">
+                <a:solidFill>
+                  <a:srgbClr val="002060"/>
+                </a:solidFill>
+              </a:rPr>
+              <a:t>5. Esperimenti: 2D con vincolo di uguaglianza</a:t>
+            </a:r>
+          </a:p>
+        </p:txBody>
+      </p:sp>
+      <p:pic>
+        <p:nvPicPr>
+          <p:cNvPr id="7" name="Immagine 6">
+            <a:extLst>
+              <a:ext uri="{FF2B5EF4-FFF2-40B4-BE49-F238E27FC236}">
+                <a16:creationId xmlns:a16="http://schemas.microsoft.com/office/drawing/2014/main" id="{D1320C0B-A149-4F67-9373-A14A7DBC929A}"/>
+              </a:ext>
+            </a:extLst>
+          </p:cNvPr>
+          <p:cNvPicPr>
+            <a:picLocks noChangeAspect="1"/>
+          </p:cNvPicPr>
+          <p:nvPr/>
+        </p:nvPicPr>
+        <p:blipFill>
+          <a:blip r:embed="rId3">
+            <a:extLst>
+              <a:ext uri="{28A0092B-C50C-407E-A947-70E740481C1C}">
+                <a14:useLocalDpi xmlns:a14="http://schemas.microsoft.com/office/drawing/2010/main" val="0"/>
+              </a:ext>
+            </a:extLst>
+          </a:blip>
+          <a:stretch>
+            <a:fillRect/>
+          </a:stretch>
+        </p:blipFill>
+        <p:spPr>
+          <a:xfrm>
+            <a:off x="4284795" y="4112890"/>
+            <a:ext cx="7824345" cy="2268366"/>
+          </a:xfrm>
+          <a:prstGeom prst="rect">
+            <a:avLst/>
+          </a:prstGeom>
+        </p:spPr>
+      </p:pic>
+      <p:sp>
+        <p:nvSpPr>
+          <p:cNvPr id="11" name="CasellaDiTesto 10">
+            <a:extLst>
+              <a:ext uri="{FF2B5EF4-FFF2-40B4-BE49-F238E27FC236}">
+                <a16:creationId xmlns:a16="http://schemas.microsoft.com/office/drawing/2014/main" id="{8C335ABF-F52B-47ED-BEFA-E213F741892D}"/>
+              </a:ext>
+            </a:extLst>
+          </p:cNvPr>
+          <p:cNvSpPr txBox="1"/>
+          <p:nvPr/>
+        </p:nvSpPr>
+        <p:spPr>
+          <a:xfrm>
+            <a:off x="367313" y="1494215"/>
+            <a:ext cx="3917481" cy="3539430"/>
+          </a:xfrm>
+          <a:prstGeom prst="rect">
+            <a:avLst/>
+          </a:prstGeom>
+          <a:noFill/>
+        </p:spPr>
+        <p:txBody>
+          <a:bodyPr wrap="square" rtlCol="0">
+            <a:spAutoFit/>
+          </a:bodyPr>
           <a:lstStyle/>
           <a:p>
-            <a:endParaRPr lang="it-IT"/>
-          </a:p>
-        </p:txBody>
-      </p:sp>
+            <a:r>
+              <a:rPr lang="it-IT" sz="2800" dirty="0">
+                <a:solidFill>
+                  <a:srgbClr val="002060"/>
+                </a:solidFill>
+              </a:rPr>
+              <a:t>Valutiamo i risultati  in presenza di un vincolo di uguaglianza </a:t>
+            </a:r>
+            <a:r>
+              <a:rPr lang="it-IT" sz="2800" i="1" dirty="0">
+                <a:solidFill>
+                  <a:srgbClr val="C00000"/>
+                </a:solidFill>
+              </a:rPr>
+              <a:t>R = 2Z </a:t>
+            </a:r>
+            <a:r>
+              <a:rPr lang="it-IT" sz="2800" dirty="0">
+                <a:solidFill>
+                  <a:srgbClr val="002060"/>
+                </a:solidFill>
+              </a:rPr>
+              <a:t>in due dimensioni. </a:t>
+            </a:r>
+            <a:br>
+              <a:rPr lang="it-IT" sz="2800" dirty="0">
+                <a:solidFill>
+                  <a:srgbClr val="002060"/>
+                </a:solidFill>
+              </a:rPr>
+            </a:br>
+            <a:r>
+              <a:rPr lang="it-IT" sz="2800" dirty="0">
+                <a:solidFill>
+                  <a:srgbClr val="002060"/>
+                </a:solidFill>
+              </a:rPr>
+              <a:t>Analogamente al caso in 3D, anche qui la percentuale di errore aumenta di molto.</a:t>
+            </a:r>
+            <a:endParaRPr lang="it-IT" dirty="0"/>
+          </a:p>
+        </p:txBody>
+      </p:sp>
+      <p:cxnSp>
+        <p:nvCxnSpPr>
+          <p:cNvPr id="14" name="Connettore diritto 13">
+            <a:extLst>
+              <a:ext uri="{FF2B5EF4-FFF2-40B4-BE49-F238E27FC236}">
+                <a16:creationId xmlns:a16="http://schemas.microsoft.com/office/drawing/2014/main" id="{7C54C90B-22FF-4C48-A056-52F24CBE6298}"/>
+              </a:ext>
+            </a:extLst>
+          </p:cNvPr>
+          <p:cNvCxnSpPr>
+            <a:cxnSpLocks/>
+          </p:cNvCxnSpPr>
+          <p:nvPr/>
+        </p:nvCxnSpPr>
+        <p:spPr>
+          <a:xfrm>
+            <a:off x="481011" y="1233134"/>
+            <a:ext cx="10301288" cy="0"/>
+          </a:xfrm>
+          <a:prstGeom prst="line">
+            <a:avLst/>
+          </a:prstGeom>
+        </p:spPr>
+        <p:style>
+          <a:lnRef idx="1">
+            <a:schemeClr val="accent1"/>
+          </a:lnRef>
+          <a:fillRef idx="0">
+            <a:schemeClr val="accent1"/>
+          </a:fillRef>
+          <a:effectRef idx="0">
+            <a:schemeClr val="accent1"/>
+          </a:effectRef>
+          <a:fontRef idx="minor">
+            <a:schemeClr val="tx1"/>
+          </a:fontRef>
+        </p:style>
+      </p:cxnSp>
+      <p:cxnSp>
+        <p:nvCxnSpPr>
+          <p:cNvPr id="15" name="Connettore diritto 14">
+            <a:extLst>
+              <a:ext uri="{FF2B5EF4-FFF2-40B4-BE49-F238E27FC236}">
+                <a16:creationId xmlns:a16="http://schemas.microsoft.com/office/drawing/2014/main" id="{309BBCB1-CED9-44B0-9338-7D96441AB710}"/>
+              </a:ext>
+            </a:extLst>
+          </p:cNvPr>
+          <p:cNvCxnSpPr>
+            <a:cxnSpLocks/>
+          </p:cNvCxnSpPr>
+          <p:nvPr/>
+        </p:nvCxnSpPr>
+        <p:spPr>
+          <a:xfrm>
+            <a:off x="581626" y="6461865"/>
+            <a:ext cx="10301288" cy="0"/>
+          </a:xfrm>
+          <a:prstGeom prst="line">
+            <a:avLst/>
+          </a:prstGeom>
+        </p:spPr>
+        <p:style>
+          <a:lnRef idx="1">
+            <a:schemeClr val="accent1"/>
+          </a:lnRef>
+          <a:fillRef idx="0">
+            <a:schemeClr val="accent1"/>
+          </a:fillRef>
+          <a:effectRef idx="0">
+            <a:schemeClr val="accent1"/>
+          </a:effectRef>
+          <a:fontRef idx="minor">
+            <a:schemeClr val="tx1"/>
+          </a:fontRef>
+        </p:style>
+      </p:cxnSp>
     </p:spTree>
     <p:extLst>
       <p:ext uri="{BB962C8B-B14F-4D97-AF65-F5344CB8AC3E}">
         <p14:creationId xmlns:p14="http://schemas.microsoft.com/office/powerpoint/2010/main" val="1723690821"/>
+      </p:ext>
+    </p:extLst>
+  </p:cSld>
+  <p:clrMapOvr>
+    <a:masterClrMapping/>
+  </p:clrMapOvr>
+</p:sld>
+</file>
+
+<file path=ppt/slides/slide13.xml><?xml version="1.0" encoding="utf-8"?>
+<p:sld xmlns:a="http://schemas.openxmlformats.org/drawingml/2006/main" xmlns:r="http://schemas.openxmlformats.org/officeDocument/2006/relationships" xmlns:p="http://schemas.openxmlformats.org/presentationml/2006/main">
+  <p:cSld>
+    <p:spTree>
+      <p:nvGrpSpPr>
+        <p:cNvPr id="1" name=""/>
+        <p:cNvGrpSpPr/>
+        <p:nvPr/>
+      </p:nvGrpSpPr>
+      <p:grpSpPr>
+        <a:xfrm>
+          <a:off x="0" y="0"/>
+          <a:ext cx="0" cy="0"/>
+          <a:chOff x="0" y="0"/>
+          <a:chExt cx="0" cy="0"/>
+        </a:xfrm>
+      </p:grpSpPr>
+      <p:sp>
+        <p:nvSpPr>
+          <p:cNvPr id="2" name="Titolo 1">
+            <a:extLst>
+              <a:ext uri="{FF2B5EF4-FFF2-40B4-BE49-F238E27FC236}">
+                <a16:creationId xmlns:a16="http://schemas.microsoft.com/office/drawing/2014/main" id="{A9323D79-27CA-4EC6-9E43-055ACC146F48}"/>
+              </a:ext>
+            </a:extLst>
+          </p:cNvPr>
+          <p:cNvSpPr>
+            <a:spLocks noGrp="1"/>
+          </p:cNvSpPr>
+          <p:nvPr>
+            <p:ph type="title"/>
+          </p:nvPr>
+        </p:nvSpPr>
+        <p:spPr/>
+        <p:txBody>
+          <a:bodyPr/>
+          <a:lstStyle/>
+          <a:p>
+            <a:r>
+              <a:rPr lang="it-IT" b="1" dirty="0">
+                <a:solidFill>
+                  <a:srgbClr val="002060"/>
+                </a:solidFill>
+              </a:rPr>
+              <a:t>6. Risultati e conclusioni</a:t>
+            </a:r>
+          </a:p>
+        </p:txBody>
+      </p:sp>
+      <p:sp>
+        <p:nvSpPr>
+          <p:cNvPr id="3" name="Segnaposto contenuto 2">
+            <a:extLst>
+              <a:ext uri="{FF2B5EF4-FFF2-40B4-BE49-F238E27FC236}">
+                <a16:creationId xmlns:a16="http://schemas.microsoft.com/office/drawing/2014/main" id="{2B8FA12A-408E-444E-87E3-8F0CB4786A26}"/>
+              </a:ext>
+            </a:extLst>
+          </p:cNvPr>
+          <p:cNvSpPr>
+            <a:spLocks noGrp="1"/>
+          </p:cNvSpPr>
+          <p:nvPr>
+            <p:ph idx="1"/>
+          </p:nvPr>
+        </p:nvSpPr>
+        <p:spPr/>
+        <p:txBody>
+          <a:bodyPr/>
+          <a:lstStyle/>
+          <a:p>
+            <a:endParaRPr lang="it-IT"/>
+          </a:p>
+        </p:txBody>
+      </p:sp>
+    </p:spTree>
+    <p:extLst>
+      <p:ext uri="{BB962C8B-B14F-4D97-AF65-F5344CB8AC3E}">
+        <p14:creationId xmlns:p14="http://schemas.microsoft.com/office/powerpoint/2010/main" val="3339314142"/>
       </p:ext>
     </p:extLst>
   </p:cSld>
@@ -5150,8 +6083,8 @@
           <a:chExt cx="0" cy="0"/>
         </a:xfrm>
       </p:grpSpPr>
-      <mc:AlternateContent xmlns:mc="http://schemas.openxmlformats.org/markup-compatibility/2006">
-        <mc:Choice xmlns:a14="http://schemas.microsoft.com/office/drawing/2010/main" Requires="a14">
+      <mc:AlternateContent xmlns:mc="http://schemas.openxmlformats.org/markup-compatibility/2006" xmlns:a14="http://schemas.microsoft.com/office/drawing/2010/main">
+        <mc:Choice Requires="a14">
           <p:sp>
             <p:nvSpPr>
               <p:cNvPr id="3" name="Segnaposto contenuto 2">
@@ -5317,7 +6250,7 @@
             </p:txBody>
           </p:sp>
         </mc:Choice>
-        <mc:Fallback>
+        <mc:Fallback xmlns="">
           <p:sp>
             <p:nvSpPr>
               <p:cNvPr id="3" name="Segnaposto contenuto 2">
@@ -5883,21 +6816,6 @@
 <file path=ppt/slides/slide8.xml><?xml version="1.0" encoding="utf-8"?>
 <p:sld xmlns:a="http://schemas.openxmlformats.org/drawingml/2006/main" xmlns:r="http://schemas.openxmlformats.org/officeDocument/2006/relationships" xmlns:p="http://schemas.openxmlformats.org/presentationml/2006/main">
   <p:cSld>
-    <p:bg>
-      <p:bgPr>
-        <a:blipFill dpi="0" rotWithShape="1">
-          <a:blip r:embed="rId2">
-            <a:alphaModFix amt="58000"/>
-            <a:lum/>
-          </a:blip>
-          <a:srcRect/>
-          <a:stretch>
-            <a:fillRect l="-3000" r="-3000"/>
-          </a:stretch>
-        </a:blipFill>
-        <a:effectLst/>
-      </p:bgPr>
-    </p:bg>
     <p:spTree>
       <p:nvGrpSpPr>
         <p:cNvPr id="1" name=""/>
@@ -5912,300 +6830,219 @@
           <a:chExt cx="0" cy="0"/>
         </a:xfrm>
       </p:grpSpPr>
+      <p:sp>
+        <p:nvSpPr>
+          <p:cNvPr id="2" name="Titolo 1">
+            <a:extLst>
+              <a:ext uri="{FF2B5EF4-FFF2-40B4-BE49-F238E27FC236}">
+                <a16:creationId xmlns:a16="http://schemas.microsoft.com/office/drawing/2014/main" id="{6180F296-6B14-4D8F-930D-0EA59AA4CBB3}"/>
+              </a:ext>
+            </a:extLst>
+          </p:cNvPr>
+          <p:cNvSpPr>
+            <a:spLocks noGrp="1"/>
+          </p:cNvSpPr>
+          <p:nvPr>
+            <p:ph type="title"/>
+          </p:nvPr>
+        </p:nvSpPr>
+        <p:spPr/>
+        <p:txBody>
+          <a:bodyPr/>
+          <a:lstStyle/>
+          <a:p>
+            <a:r>
+              <a:rPr lang="it-IT" b="1" dirty="0">
+                <a:solidFill>
+                  <a:srgbClr val="002060"/>
+                </a:solidFill>
+              </a:rPr>
+              <a:t>4. Demo simplesso</a:t>
+            </a:r>
+          </a:p>
+        </p:txBody>
+      </p:sp>
       <p:pic>
         <p:nvPicPr>
-          <p:cNvPr id="5" name="Immagine 4">
-            <a:extLst>
-              <a:ext uri="{FF2B5EF4-FFF2-40B4-BE49-F238E27FC236}">
-                <a16:creationId xmlns:a16="http://schemas.microsoft.com/office/drawing/2014/main" id="{AC029425-8F6E-46A2-9E9B-A94D34CD78A7}"/>
+          <p:cNvPr id="4" name="test1crop">
+            <a:hlinkClick r:id="" action="ppaction://media"/>
+            <a:extLst>
+              <a:ext uri="{FF2B5EF4-FFF2-40B4-BE49-F238E27FC236}">
+                <a16:creationId xmlns:a16="http://schemas.microsoft.com/office/drawing/2014/main" id="{5D42BEA7-2F83-4397-957C-277DBF658935}"/>
               </a:ext>
             </a:extLst>
           </p:cNvPr>
           <p:cNvPicPr>
-            <a:picLocks noChangeAspect="1"/>
+            <a:picLocks noGrp="1" noChangeAspect="1"/>
           </p:cNvPicPr>
-          <p:nvPr/>
+          <p:nvPr>
+            <p:ph idx="1"/>
+            <a:videoFile r:link="rId2"/>
+            <p:extLst>
+              <p:ext uri="{DAA4B4D4-6D71-4841-9C94-3DE7FCFB9230}">
+                <p14:media xmlns:p14="http://schemas.microsoft.com/office/powerpoint/2010/main" r:embed="rId1"/>
+              </p:ext>
+            </p:extLst>
+          </p:nvPr>
         </p:nvPicPr>
         <p:blipFill>
-          <a:blip r:embed="rId3">
-            <a:extLst>
-              <a:ext uri="{28A0092B-C50C-407E-A947-70E740481C1C}">
-                <a14:useLocalDpi xmlns:a14="http://schemas.microsoft.com/office/drawing/2010/main" val="0"/>
-              </a:ext>
-            </a:extLst>
-          </a:blip>
+          <a:blip r:embed="rId4"/>
           <a:stretch>
             <a:fillRect/>
           </a:stretch>
         </p:blipFill>
         <p:spPr>
           <a:xfrm>
-            <a:off x="3980075" y="1182707"/>
-            <a:ext cx="8143783" cy="2357123"/>
-          </a:xfrm>
-          <a:prstGeom prst="rect">
-            <a:avLst/>
-          </a:prstGeom>
+            <a:off x="324324" y="1343026"/>
+            <a:ext cx="11543352" cy="4618038"/>
+          </a:xfrm>
         </p:spPr>
       </p:pic>
-      <p:pic>
-        <p:nvPicPr>
-          <p:cNvPr id="7" name="Immagine 6">
-            <a:extLst>
-              <a:ext uri="{FF2B5EF4-FFF2-40B4-BE49-F238E27FC236}">
-                <a16:creationId xmlns:a16="http://schemas.microsoft.com/office/drawing/2014/main" id="{3F0FE11E-DF9F-4E75-91B9-25F5E9FD59CE}"/>
-              </a:ext>
-            </a:extLst>
-          </p:cNvPr>
-          <p:cNvPicPr>
-            <a:picLocks noChangeAspect="1"/>
-          </p:cNvPicPr>
-          <p:nvPr/>
-        </p:nvPicPr>
-        <p:blipFill>
-          <a:blip r:embed="rId4">
-            <a:extLst>
-              <a:ext uri="{28A0092B-C50C-407E-A947-70E740481C1C}">
-                <a14:useLocalDpi xmlns:a14="http://schemas.microsoft.com/office/drawing/2010/main" val="0"/>
-              </a:ext>
-            </a:extLst>
-          </a:blip>
-          <a:stretch>
-            <a:fillRect/>
-          </a:stretch>
-        </p:blipFill>
-        <p:spPr>
-          <a:xfrm>
-            <a:off x="3980075" y="3429000"/>
-            <a:ext cx="8143783" cy="2821461"/>
-          </a:xfrm>
-          <a:prstGeom prst="rect">
-            <a:avLst/>
-          </a:prstGeom>
-        </p:spPr>
-      </p:pic>
-      <p:cxnSp>
-        <p:nvCxnSpPr>
-          <p:cNvPr id="9" name="Connettore diritto 8">
-            <a:extLst>
-              <a:ext uri="{FF2B5EF4-FFF2-40B4-BE49-F238E27FC236}">
-                <a16:creationId xmlns:a16="http://schemas.microsoft.com/office/drawing/2014/main" id="{4857374A-5FE8-4D62-BA97-7E080FD1086E}"/>
-              </a:ext>
-            </a:extLst>
-          </p:cNvPr>
-          <p:cNvCxnSpPr>
-            <a:cxnSpLocks/>
-          </p:cNvCxnSpPr>
-          <p:nvPr/>
-        </p:nvCxnSpPr>
-        <p:spPr>
-          <a:xfrm>
-            <a:off x="823911" y="6357584"/>
-            <a:ext cx="10301288" cy="0"/>
-          </a:xfrm>
-          <a:prstGeom prst="line">
-            <a:avLst/>
-          </a:prstGeom>
-        </p:spPr>
-        <p:style>
-          <a:lnRef idx="1">
-            <a:schemeClr val="accent1"/>
-          </a:lnRef>
-          <a:fillRef idx="0">
-            <a:schemeClr val="accent1"/>
-          </a:fillRef>
-          <a:effectRef idx="0">
-            <a:schemeClr val="accent1"/>
-          </a:effectRef>
-          <a:fontRef idx="minor">
-            <a:schemeClr val="tx1"/>
-          </a:fontRef>
-        </p:style>
-      </p:cxnSp>
-      <p:cxnSp>
-        <p:nvCxnSpPr>
-          <p:cNvPr id="11" name="Connettore diritto 10">
-            <a:extLst>
-              <a:ext uri="{FF2B5EF4-FFF2-40B4-BE49-F238E27FC236}">
-                <a16:creationId xmlns:a16="http://schemas.microsoft.com/office/drawing/2014/main" id="{C7CB4E63-3260-4EA3-9D89-8268DC09EF42}"/>
-              </a:ext>
-            </a:extLst>
-          </p:cNvPr>
-          <p:cNvCxnSpPr>
-            <a:cxnSpLocks/>
-          </p:cNvCxnSpPr>
-          <p:nvPr/>
-        </p:nvCxnSpPr>
-        <p:spPr>
-          <a:xfrm>
-            <a:off x="938212" y="1133242"/>
-            <a:ext cx="10301288" cy="0"/>
-          </a:xfrm>
-          <a:prstGeom prst="line">
-            <a:avLst/>
-          </a:prstGeom>
-        </p:spPr>
-        <p:style>
-          <a:lnRef idx="1">
-            <a:schemeClr val="accent1"/>
-          </a:lnRef>
-          <a:fillRef idx="0">
-            <a:schemeClr val="accent1"/>
-          </a:fillRef>
-          <a:effectRef idx="0">
-            <a:schemeClr val="accent1"/>
-          </a:effectRef>
-          <a:fontRef idx="minor">
-            <a:schemeClr val="tx1"/>
-          </a:fontRef>
-        </p:style>
-      </p:cxnSp>
-      <p:sp>
-        <p:nvSpPr>
-          <p:cNvPr id="12" name="Titolo 1">
-            <a:extLst>
-              <a:ext uri="{FF2B5EF4-FFF2-40B4-BE49-F238E27FC236}">
-                <a16:creationId xmlns:a16="http://schemas.microsoft.com/office/drawing/2014/main" id="{03DAF942-BA3D-4AC2-811D-589406C84368}"/>
-              </a:ext>
-            </a:extLst>
-          </p:cNvPr>
-          <p:cNvSpPr txBox="1">
-            <a:spLocks/>
-          </p:cNvSpPr>
-          <p:nvPr/>
-        </p:nvSpPr>
-        <p:spPr>
-          <a:xfrm>
-            <a:off x="823912" y="239436"/>
-            <a:ext cx="10199222" cy="1054100"/>
-          </a:xfrm>
-          <a:prstGeom prst="rect">
-            <a:avLst/>
-          </a:prstGeom>
-        </p:spPr>
-        <p:txBody>
-          <a:bodyPr vert="horz" lIns="91440" tIns="45720" rIns="91440" bIns="45720" rtlCol="0" anchor="ctr">
-            <a:normAutofit/>
-          </a:bodyPr>
-          <a:lstStyle>
-            <a:lvl1pPr algn="l" defTabSz="914400" rtl="0" eaLnBrk="1" latinLnBrk="0" hangingPunct="1">
-              <a:lnSpc>
-                <a:spcPct val="90000"/>
-              </a:lnSpc>
-              <a:spcBef>
-                <a:spcPct val="0"/>
-              </a:spcBef>
-              <a:buNone/>
-              <a:defRPr sz="4400" kern="1200">
-                <a:solidFill>
-                  <a:schemeClr val="tx1"/>
-                </a:solidFill>
-                <a:latin typeface="+mj-lt"/>
-                <a:ea typeface="+mj-ea"/>
-                <a:cs typeface="+mj-cs"/>
-              </a:defRPr>
-            </a:lvl1pPr>
-          </a:lstStyle>
-          <a:p>
-            <a:r>
-              <a:rPr lang="it-IT" b="1" dirty="0">
-                <a:solidFill>
-                  <a:srgbClr val="002060"/>
-                </a:solidFill>
-                <a:ea typeface="Doulos SIL" panose="02000500070000020004" pitchFamily="2" charset="0"/>
-                <a:cs typeface="Doulos SIL" panose="02000500070000020004" pitchFamily="2" charset="0"/>
-              </a:rPr>
-              <a:t>5. Esperimento: 3D senza vincoli</a:t>
-            </a:r>
-          </a:p>
-        </p:txBody>
-      </p:sp>
-      <p:sp>
-        <p:nvSpPr>
-          <p:cNvPr id="2" name="CasellaDiTesto 1">
-            <a:extLst>
-              <a:ext uri="{FF2B5EF4-FFF2-40B4-BE49-F238E27FC236}">
-                <a16:creationId xmlns:a16="http://schemas.microsoft.com/office/drawing/2014/main" id="{5F45F277-79BC-4709-8BCD-92552CDA27AD}"/>
-              </a:ext>
-            </a:extLst>
-          </p:cNvPr>
-          <p:cNvSpPr txBox="1"/>
-          <p:nvPr/>
-        </p:nvSpPr>
-        <p:spPr>
-          <a:xfrm>
-            <a:off x="823911" y="1713388"/>
-            <a:ext cx="2940222" cy="3539430"/>
-          </a:xfrm>
-          <a:prstGeom prst="rect">
-            <a:avLst/>
-          </a:prstGeom>
-          <a:noFill/>
-        </p:spPr>
-        <p:txBody>
-          <a:bodyPr wrap="square" rtlCol="0">
-            <a:spAutoFit/>
-          </a:bodyPr>
-          <a:lstStyle/>
-          <a:p>
-            <a:r>
-              <a:rPr lang="it-IT" sz="2800" dirty="0">
-                <a:solidFill>
-                  <a:srgbClr val="002060"/>
-                </a:solidFill>
-                <a:latin typeface="+mj-lt"/>
-              </a:rPr>
-              <a:t>In questo test, l’algoritmo si ferma quando la percentuale di errore scende al di sotto del valore di </a:t>
-            </a:r>
-            <a:r>
-              <a:rPr lang="it-IT" sz="2800" b="1" dirty="0">
-                <a:solidFill>
-                  <a:srgbClr val="C00000"/>
-                </a:solidFill>
-                <a:latin typeface="+mj-lt"/>
-              </a:rPr>
-              <a:t>tolleranza</a:t>
-            </a:r>
-            <a:r>
-              <a:rPr lang="it-IT" sz="2800" dirty="0">
-                <a:solidFill>
-                  <a:srgbClr val="C00000"/>
-                </a:solidFill>
-                <a:latin typeface="+mj-lt"/>
-              </a:rPr>
-              <a:t> </a:t>
-            </a:r>
-            <a:r>
-              <a:rPr lang="it-IT" sz="2800" b="1" dirty="0">
-                <a:solidFill>
-                  <a:srgbClr val="C00000"/>
-                </a:solidFill>
-                <a:latin typeface="+mj-lt"/>
-              </a:rPr>
-              <a:t>ammesso</a:t>
-            </a:r>
-            <a:r>
-              <a:rPr lang="it-IT" sz="2800" dirty="0">
-                <a:solidFill>
-                  <a:srgbClr val="002060"/>
-                </a:solidFill>
-                <a:latin typeface="+mj-lt"/>
-              </a:rPr>
-              <a:t>. </a:t>
-            </a:r>
-          </a:p>
-        </p:txBody>
-      </p:sp>
     </p:spTree>
     <p:extLst>
       <p:ext uri="{BB962C8B-B14F-4D97-AF65-F5344CB8AC3E}">
-        <p14:creationId xmlns:p14="http://schemas.microsoft.com/office/powerpoint/2010/main" val="1886510980"/>
+        <p14:creationId xmlns:p14="http://schemas.microsoft.com/office/powerpoint/2010/main" val="3127330751"/>
       </p:ext>
     </p:extLst>
   </p:cSld>
   <p:clrMapOvr>
     <a:masterClrMapping/>
   </p:clrMapOvr>
+  <p:timing>
+    <p:tnLst>
+      <p:par>
+        <p:cTn id="1" dur="indefinite" restart="never" nodeType="tmRoot">
+          <p:childTnLst>
+            <p:seq concurrent="1" nextAc="seek">
+              <p:cTn id="2" dur="indefinite" nodeType="mainSeq">
+                <p:childTnLst>
+                  <p:par>
+                    <p:cTn id="3" fill="hold">
+                      <p:stCondLst>
+                        <p:cond delay="indefinite"/>
+                      </p:stCondLst>
+                      <p:childTnLst>
+                        <p:par>
+                          <p:cTn id="4" fill="hold">
+                            <p:stCondLst>
+                              <p:cond delay="0"/>
+                            </p:stCondLst>
+                            <p:childTnLst>
+                              <p:par>
+                                <p:cTn id="5" presetID="1" presetClass="mediacall" presetSubtype="0" fill="hold" nodeType="clickEffect">
+                                  <p:stCondLst>
+                                    <p:cond delay="0"/>
+                                  </p:stCondLst>
+                                  <p:childTnLst>
+                                    <p:cmd type="call" cmd="playFrom(0.0)">
+                                      <p:cBhvr>
+                                        <p:cTn id="6" dur="23290" fill="hold"/>
+                                        <p:tgtEl>
+                                          <p:spTgt spid="4"/>
+                                        </p:tgtEl>
+                                      </p:cBhvr>
+                                    </p:cmd>
+                                  </p:childTnLst>
+                                </p:cTn>
+                              </p:par>
+                            </p:childTnLst>
+                          </p:cTn>
+                        </p:par>
+                      </p:childTnLst>
+                    </p:cTn>
+                  </p:par>
+                </p:childTnLst>
+              </p:cTn>
+              <p:prevCondLst>
+                <p:cond evt="onPrev" delay="0">
+                  <p:tgtEl>
+                    <p:sldTgt/>
+                  </p:tgtEl>
+                </p:cond>
+              </p:prevCondLst>
+              <p:nextCondLst>
+                <p:cond evt="onNext" delay="0">
+                  <p:tgtEl>
+                    <p:sldTgt/>
+                  </p:tgtEl>
+                </p:cond>
+              </p:nextCondLst>
+            </p:seq>
+            <p:video>
+              <p:cMediaNode vol="80000">
+                <p:cTn id="7" fill="hold" display="0">
+                  <p:stCondLst>
+                    <p:cond delay="indefinite"/>
+                  </p:stCondLst>
+                </p:cTn>
+                <p:tgtEl>
+                  <p:spTgt spid="4"/>
+                </p:tgtEl>
+              </p:cMediaNode>
+            </p:video>
+            <p:seq concurrent="1" nextAc="seek">
+              <p:cTn id="8" restart="whenNotActive" fill="hold" evtFilter="cancelBubble" nodeType="interactiveSeq">
+                <p:stCondLst>
+                  <p:cond evt="onClick" delay="0">
+                    <p:tgtEl>
+                      <p:spTgt spid="4"/>
+                    </p:tgtEl>
+                  </p:cond>
+                </p:stCondLst>
+                <p:endSync evt="end" delay="0">
+                  <p:rtn val="all"/>
+                </p:endSync>
+                <p:childTnLst>
+                  <p:par>
+                    <p:cTn id="9" fill="hold">
+                      <p:stCondLst>
+                        <p:cond delay="0"/>
+                      </p:stCondLst>
+                      <p:childTnLst>
+                        <p:par>
+                          <p:cTn id="10" fill="hold">
+                            <p:stCondLst>
+                              <p:cond delay="0"/>
+                            </p:stCondLst>
+                            <p:childTnLst>
+                              <p:par>
+                                <p:cTn id="11" presetID="2" presetClass="mediacall" presetSubtype="0" fill="hold" nodeType="clickEffect">
+                                  <p:stCondLst>
+                                    <p:cond delay="0"/>
+                                  </p:stCondLst>
+                                  <p:childTnLst>
+                                    <p:cmd type="call" cmd="togglePause">
+                                      <p:cBhvr>
+                                        <p:cTn id="12" dur="1" fill="hold"/>
+                                        <p:tgtEl>
+                                          <p:spTgt spid="4"/>
+                                        </p:tgtEl>
+                                      </p:cBhvr>
+                                    </p:cmd>
+                                  </p:childTnLst>
+                                </p:cTn>
+                              </p:par>
+                            </p:childTnLst>
+                          </p:cTn>
+                        </p:par>
+                      </p:childTnLst>
+                    </p:cTn>
+                  </p:par>
+                </p:childTnLst>
+              </p:cTn>
+              <p:nextCondLst>
+                <p:cond evt="onClick" delay="0">
+                  <p:tgtEl>
+                    <p:spTgt spid="4"/>
+                  </p:tgtEl>
+                </p:cond>
+              </p:nextCondLst>
+            </p:seq>
+          </p:childTnLst>
+        </p:cTn>
+      </p:par>
+    </p:tnLst>
+  </p:timing>
 </p:sld>
 </file>
 
@@ -6243,10 +7080,10 @@
       </p:grpSpPr>
       <p:sp>
         <p:nvSpPr>
-          <p:cNvPr id="3" name="Segnaposto contenuto 2">
-            <a:extLst>
-              <a:ext uri="{FF2B5EF4-FFF2-40B4-BE49-F238E27FC236}">
-                <a16:creationId xmlns:a16="http://schemas.microsoft.com/office/drawing/2014/main" id="{6124F91B-5F97-43D8-85F8-545DBB74A356}"/>
+          <p:cNvPr id="2" name="Titolo 1">
+            <a:extLst>
+              <a:ext uri="{FF2B5EF4-FFF2-40B4-BE49-F238E27FC236}">
+                <a16:creationId xmlns:a16="http://schemas.microsoft.com/office/drawing/2014/main" id="{7EF81A92-4651-4D3E-8A4E-E18E0D7967D2}"/>
               </a:ext>
             </a:extLst>
           </p:cNvPr>
@@ -6254,79 +7091,40 @@
             <a:spLocks noGrp="1"/>
           </p:cNvSpPr>
           <p:nvPr>
-            <p:ph idx="1"/>
-          </p:nvPr>
-        </p:nvSpPr>
-        <p:spPr>
-          <a:xfrm>
-            <a:off x="938212" y="1502713"/>
-            <a:ext cx="3402969" cy="4493819"/>
-          </a:xfrm>
-        </p:spPr>
-        <p:txBody>
-          <a:bodyPr>
-            <a:normAutofit/>
-          </a:bodyPr>
+            <p:ph type="title"/>
+          </p:nvPr>
+        </p:nvSpPr>
+        <p:spPr/>
+        <p:txBody>
+          <a:bodyPr/>
           <a:lstStyle/>
           <a:p>
-            <a:pPr marL="0" indent="0">
-              <a:buNone/>
-            </a:pPr>
-            <a:r>
-              <a:rPr lang="it-IT" dirty="0">
+            <a:r>
+              <a:rPr lang="it-IT" b="1" dirty="0">
                 <a:solidFill>
                   <a:srgbClr val="002060"/>
                 </a:solidFill>
               </a:rPr>
-              <a:t>Valutiamo i risultati  in presenza di un vincolo di disuguaglianza </a:t>
-            </a:r>
-            <a:r>
-              <a:rPr lang="it-IT" i="1" dirty="0">
-                <a:solidFill>
-                  <a:srgbClr val="C00000"/>
-                </a:solidFill>
-              </a:rPr>
-              <a:t>R ≤ 2Z</a:t>
-            </a:r>
-            <a:r>
-              <a:rPr lang="it-IT" dirty="0">
-                <a:solidFill>
-                  <a:srgbClr val="002060"/>
-                </a:solidFill>
-              </a:rPr>
-              <a:t>. </a:t>
-            </a:r>
-            <a:br>
-              <a:rPr lang="it-IT" dirty="0">
-                <a:solidFill>
-                  <a:srgbClr val="002060"/>
-                </a:solidFill>
-              </a:rPr>
-            </a:br>
-            <a:r>
-              <a:rPr lang="it-IT" dirty="0">
-                <a:solidFill>
-                  <a:srgbClr val="002060"/>
-                </a:solidFill>
-              </a:rPr>
-              <a:t>Così come ci aspettavamo la percentuale di errore aumenta drasticamente.</a:t>
+              <a:t>5. Esperimenti: 2D senza vincoli</a:t>
             </a:r>
           </a:p>
         </p:txBody>
       </p:sp>
       <p:pic>
         <p:nvPicPr>
-          <p:cNvPr id="5" name="Immagine 4">
-            <a:extLst>
-              <a:ext uri="{FF2B5EF4-FFF2-40B4-BE49-F238E27FC236}">
-                <a16:creationId xmlns:a16="http://schemas.microsoft.com/office/drawing/2014/main" id="{00BF9E96-2D50-43BF-A479-21D30323C6AA}"/>
+          <p:cNvPr id="5" name="Segnaposto contenuto 4">
+            <a:extLst>
+              <a:ext uri="{FF2B5EF4-FFF2-40B4-BE49-F238E27FC236}">
+                <a16:creationId xmlns:a16="http://schemas.microsoft.com/office/drawing/2014/main" id="{7041A36E-E33B-46A2-A45B-8C680E636972}"/>
               </a:ext>
             </a:extLst>
           </p:cNvPr>
           <p:cNvPicPr>
-            <a:picLocks noChangeAspect="1"/>
+            <a:picLocks noGrp="1" noChangeAspect="1"/>
           </p:cNvPicPr>
-          <p:nvPr/>
+          <p:nvPr>
+            <p:ph idx="1"/>
+          </p:nvPr>
         </p:nvPicPr>
         <p:blipFill>
           <a:blip r:embed="rId3">
@@ -6342,20 +7140,72 @@
         </p:blipFill>
         <p:spPr>
           <a:xfrm>
-            <a:off x="5239415" y="1190812"/>
-            <a:ext cx="6689730" cy="2045111"/>
+            <a:off x="4864416" y="4103261"/>
+            <a:ext cx="7051358" cy="2221971"/>
+          </a:xfrm>
+        </p:spPr>
+      </p:pic>
+      <p:sp>
+        <p:nvSpPr>
+          <p:cNvPr id="6" name="CasellaDiTesto 5">
+            <a:extLst>
+              <a:ext uri="{FF2B5EF4-FFF2-40B4-BE49-F238E27FC236}">
+                <a16:creationId xmlns:a16="http://schemas.microsoft.com/office/drawing/2014/main" id="{2E784221-8D14-4E30-A107-7E7E2EE2C843}"/>
+              </a:ext>
+            </a:extLst>
+          </p:cNvPr>
+          <p:cNvSpPr txBox="1"/>
+          <p:nvPr/>
+        </p:nvSpPr>
+        <p:spPr>
+          <a:xfrm>
+            <a:off x="838199" y="1952624"/>
+            <a:ext cx="3657601" cy="2677656"/>
           </a:xfrm>
           <a:prstGeom prst="rect">
             <a:avLst/>
           </a:prstGeom>
-        </p:spPr>
-      </p:pic>
+          <a:noFill/>
+        </p:spPr>
+        <p:txBody>
+          <a:bodyPr wrap="square" rtlCol="0">
+            <a:spAutoFit/>
+          </a:bodyPr>
+          <a:lstStyle/>
+          <a:p>
+            <a:r>
+              <a:rPr lang="it-IT" sz="2800" dirty="0">
+                <a:solidFill>
+                  <a:srgbClr val="002060"/>
+                </a:solidFill>
+              </a:rPr>
+              <a:t>In questo test fissiamo la variabile </a:t>
+            </a:r>
+            <a:r>
+              <a:rPr lang="it-IT" sz="2800" i="1" dirty="0">
+                <a:solidFill>
+                  <a:srgbClr val="C00000"/>
+                </a:solidFill>
+              </a:rPr>
+              <a:t>Z = 0.7m </a:t>
+            </a:r>
+            <a:r>
+              <a:rPr lang="it-IT" sz="2800" dirty="0">
+                <a:solidFill>
+                  <a:srgbClr val="002060"/>
+                </a:solidFill>
+              </a:rPr>
+              <a:t>e andiamo a ricercare il minimo relativo alla corrente e al raggio della spira.</a:t>
+            </a:r>
+          </a:p>
+        </p:txBody>
+      </p:sp>
       <p:pic>
         <p:nvPicPr>
-          <p:cNvPr id="7" name="Immagine 6">
-            <a:extLst>
-              <a:ext uri="{FF2B5EF4-FFF2-40B4-BE49-F238E27FC236}">
-                <a16:creationId xmlns:a16="http://schemas.microsoft.com/office/drawing/2014/main" id="{41A86C1C-1B08-4CD6-A7E0-E58DB123F010}"/>
+          <p:cNvPr id="8" name="Immagine 7">
+            <a:extLst>
+              <a:ext uri="{FF2B5EF4-FFF2-40B4-BE49-F238E27FC236}">
+                <a16:creationId xmlns:a16="http://schemas.microsoft.com/office/drawing/2014/main" id="{903BFA1E-24A8-4A1A-AAA9-FA9C3796C7FD}"/>
               </a:ext>
             </a:extLst>
           </p:cNvPr>
@@ -6378,8 +7228,8 @@
         </p:blipFill>
         <p:spPr>
           <a:xfrm>
-            <a:off x="5239415" y="3121093"/>
-            <a:ext cx="6689730" cy="3178071"/>
+            <a:off x="4864416" y="1602363"/>
+            <a:ext cx="7051358" cy="2474162"/>
           </a:xfrm>
           <a:prstGeom prst="rect">
             <a:avLst/>
@@ -6388,10 +7238,10 @@
       </p:pic>
       <p:cxnSp>
         <p:nvCxnSpPr>
-          <p:cNvPr id="6" name="Connettore diritto 5">
-            <a:extLst>
-              <a:ext uri="{FF2B5EF4-FFF2-40B4-BE49-F238E27FC236}">
-                <a16:creationId xmlns:a16="http://schemas.microsoft.com/office/drawing/2014/main" id="{B55DB0D4-3783-4F5C-AD3E-B5235DE52A3E}"/>
+          <p:cNvPr id="9" name="Connettore diritto 8">
+            <a:extLst>
+              <a:ext uri="{FF2B5EF4-FFF2-40B4-BE49-F238E27FC236}">
+                <a16:creationId xmlns:a16="http://schemas.microsoft.com/office/drawing/2014/main" id="{41C58AC4-2EEE-4A36-9C98-FEFC7E836516}"/>
               </a:ext>
             </a:extLst>
           </p:cNvPr>
@@ -6402,7 +7252,7 @@
         </p:nvCxnSpPr>
         <p:spPr>
           <a:xfrm>
-            <a:off x="938212" y="1133242"/>
+            <a:off x="1052512" y="6443309"/>
             <a:ext cx="10301288" cy="0"/>
           </a:xfrm>
           <a:prstGeom prst="line">
@@ -6424,72 +7274,12 @@
           </a:fontRef>
         </p:style>
       </p:cxnSp>
-      <p:sp>
-        <p:nvSpPr>
-          <p:cNvPr id="8" name="Titolo 1">
-            <a:extLst>
-              <a:ext uri="{FF2B5EF4-FFF2-40B4-BE49-F238E27FC236}">
-                <a16:creationId xmlns:a16="http://schemas.microsoft.com/office/drawing/2014/main" id="{96D2AA62-1AF3-4103-8973-45C0203F85D7}"/>
-              </a:ext>
-            </a:extLst>
-          </p:cNvPr>
-          <p:cNvSpPr txBox="1">
-            <a:spLocks/>
-          </p:cNvSpPr>
-          <p:nvPr/>
-        </p:nvSpPr>
-        <p:spPr>
-          <a:xfrm>
-            <a:off x="823910" y="239436"/>
-            <a:ext cx="10199224" cy="1054100"/>
-          </a:xfrm>
-          <a:prstGeom prst="rect">
-            <a:avLst/>
-          </a:prstGeom>
-        </p:spPr>
-        <p:txBody>
-          <a:bodyPr vert="horz" lIns="91440" tIns="45720" rIns="91440" bIns="45720" rtlCol="0" anchor="ctr">
-            <a:normAutofit fontScale="92500"/>
-          </a:bodyPr>
-          <a:lstStyle>
-            <a:lvl1pPr algn="l" defTabSz="914400" rtl="0" eaLnBrk="1" latinLnBrk="0" hangingPunct="1">
-              <a:lnSpc>
-                <a:spcPct val="90000"/>
-              </a:lnSpc>
-              <a:spcBef>
-                <a:spcPct val="0"/>
-              </a:spcBef>
-              <a:buNone/>
-              <a:defRPr sz="4400" kern="1200">
-                <a:solidFill>
-                  <a:schemeClr val="tx1"/>
-                </a:solidFill>
-                <a:latin typeface="+mj-lt"/>
-                <a:ea typeface="+mj-ea"/>
-                <a:cs typeface="+mj-cs"/>
-              </a:defRPr>
-            </a:lvl1pPr>
-          </a:lstStyle>
-          <a:p>
-            <a:r>
-              <a:rPr lang="it-IT" b="1" dirty="0">
-                <a:solidFill>
-                  <a:srgbClr val="002060"/>
-                </a:solidFill>
-                <a:ea typeface="Doulos SIL" panose="02000500070000020004" pitchFamily="2" charset="0"/>
-                <a:cs typeface="Doulos SIL" panose="02000500070000020004" pitchFamily="2" charset="0"/>
-              </a:rPr>
-              <a:t>5. Esperimento: 3D con vincolo di disuguaglianza</a:t>
-            </a:r>
-          </a:p>
-        </p:txBody>
-      </p:sp>
       <p:cxnSp>
         <p:nvCxnSpPr>
-          <p:cNvPr id="9" name="Connettore diritto 8">
-            <a:extLst>
-              <a:ext uri="{FF2B5EF4-FFF2-40B4-BE49-F238E27FC236}">
-                <a16:creationId xmlns:a16="http://schemas.microsoft.com/office/drawing/2014/main" id="{0B514A9B-3468-42BC-8113-7B0794F528BA}"/>
+          <p:cNvPr id="10" name="Connettore diritto 9">
+            <a:extLst>
+              <a:ext uri="{FF2B5EF4-FFF2-40B4-BE49-F238E27FC236}">
+                <a16:creationId xmlns:a16="http://schemas.microsoft.com/office/drawing/2014/main" id="{E93BD0DD-7D3A-4515-B3FD-EA5BA438F94B}"/>
               </a:ext>
             </a:extLst>
           </p:cNvPr>
@@ -6500,7 +7290,7 @@
         </p:nvCxnSpPr>
         <p:spPr>
           <a:xfrm>
-            <a:off x="823911" y="6357584"/>
+            <a:off x="945356" y="1385534"/>
             <a:ext cx="10301288" cy="0"/>
           </a:xfrm>
           <a:prstGeom prst="line">
@@ -6525,7 +7315,7 @@
     </p:spTree>
     <p:extLst>
       <p:ext uri="{BB962C8B-B14F-4D97-AF65-F5344CB8AC3E}">
-        <p14:creationId xmlns:p14="http://schemas.microsoft.com/office/powerpoint/2010/main" val="1685683046"/>
+        <p14:creationId xmlns:p14="http://schemas.microsoft.com/office/powerpoint/2010/main" val="4084558885"/>
       </p:ext>
     </p:extLst>
   </p:cSld>

--- a/writeup/Slides.pptx
+++ b/writeup/Slides.pptx
@@ -148,10 +148,10 @@
 <file path=ppt/revisionInfo.xml><?xml version="1.0" encoding="utf-8"?>
 <p1510:revInfo xmlns:a="http://schemas.openxmlformats.org/drawingml/2006/main" xmlns:r="http://schemas.openxmlformats.org/officeDocument/2006/relationships" xmlns:p1510="http://schemas.microsoft.com/office/powerpoint/2015/10/main">
   <p1510:revLst>
+    <p1510:client id="{AF234B7E-82A7-444F-B401-35DEC5A5F2CB}" v="86" dt="2018-11-26T21:06:46.933"/>
     <p1510:client id="{E9A3E667-E202-6353-A4E7-75F3F84AD1CD}" v="6" dt="2018-11-27T08:41:12.239"/>
-    <p1510:client id="{AF234B7E-82A7-444F-B401-35DEC5A5F2CB}" v="86" dt="2018-11-26T21:06:46.933"/>
+    <p1510:client id="{7DB06895-C1A9-463A-81DF-B0E1BD81AE50}" v="54" dt="2018-11-26T21:06:41.168"/>
     <p1510:client id="{987B40F4-C2A0-FF56-D036-10FC24EEC81B}" v="12" dt="2018-11-27T08:41:27.046"/>
-    <p1510:client id="{7DB06895-C1A9-463A-81DF-B0E1BD81AE50}" v="54" dt="2018-11-26T21:06:41.168"/>
     <p1510:client id="{F791663E-8F02-4097-8A90-B5990CC7961B}" v="62" dt="2018-11-27T09:06:13.711"/>
   </p1510:revLst>
 </p1510:revInfo>
@@ -4557,6 +4557,42 @@
           </a:fontRef>
         </p:style>
       </p:cxnSp>
+      <p:pic>
+        <p:nvPicPr>
+          <p:cNvPr id="4" name="Immagine 3">
+            <a:extLst>
+              <a:ext uri="{FF2B5EF4-FFF2-40B4-BE49-F238E27FC236}">
+                <a16:creationId xmlns:a16="http://schemas.microsoft.com/office/drawing/2014/main" id="{328F42EE-0A52-43DC-BABB-5FCE70603FC9}"/>
+              </a:ext>
+            </a:extLst>
+          </p:cNvPr>
+          <p:cNvPicPr>
+            <a:picLocks noChangeAspect="1"/>
+          </p:cNvPicPr>
+          <p:nvPr/>
+        </p:nvPicPr>
+        <p:blipFill>
+          <a:blip r:embed="rId4">
+            <a:extLst>
+              <a:ext uri="{28A0092B-C50C-407E-A947-70E740481C1C}">
+                <a14:useLocalDpi xmlns:a14="http://schemas.microsoft.com/office/drawing/2010/main" val="0"/>
+              </a:ext>
+            </a:extLst>
+          </a:blip>
+          <a:stretch>
+            <a:fillRect/>
+          </a:stretch>
+        </p:blipFill>
+        <p:spPr>
+          <a:xfrm>
+            <a:off x="4284794" y="1509218"/>
+            <a:ext cx="7824346" cy="2588669"/>
+          </a:xfrm>
+          <a:prstGeom prst="rect">
+            <a:avLst/>
+          </a:prstGeom>
+        </p:spPr>
+      </p:pic>
     </p:spTree>
     <p:extLst>
       <p:ext uri="{BB962C8B-B14F-4D97-AF65-F5344CB8AC3E}">
@@ -7200,42 +7236,6 @@
           </a:p>
         </p:txBody>
       </p:sp>
-      <p:pic>
-        <p:nvPicPr>
-          <p:cNvPr id="8" name="Immagine 7">
-            <a:extLst>
-              <a:ext uri="{FF2B5EF4-FFF2-40B4-BE49-F238E27FC236}">
-                <a16:creationId xmlns:a16="http://schemas.microsoft.com/office/drawing/2014/main" id="{903BFA1E-24A8-4A1A-AAA9-FA9C3796C7FD}"/>
-              </a:ext>
-            </a:extLst>
-          </p:cNvPr>
-          <p:cNvPicPr>
-            <a:picLocks noChangeAspect="1"/>
-          </p:cNvPicPr>
-          <p:nvPr/>
-        </p:nvPicPr>
-        <p:blipFill>
-          <a:blip r:embed="rId4">
-            <a:extLst>
-              <a:ext uri="{28A0092B-C50C-407E-A947-70E740481C1C}">
-                <a14:useLocalDpi xmlns:a14="http://schemas.microsoft.com/office/drawing/2010/main" val="0"/>
-              </a:ext>
-            </a:extLst>
-          </a:blip>
-          <a:stretch>
-            <a:fillRect/>
-          </a:stretch>
-        </p:blipFill>
-        <p:spPr>
-          <a:xfrm>
-            <a:off x="4864416" y="1602363"/>
-            <a:ext cx="7051358" cy="2474162"/>
-          </a:xfrm>
-          <a:prstGeom prst="rect">
-            <a:avLst/>
-          </a:prstGeom>
-        </p:spPr>
-      </p:pic>
       <p:cxnSp>
         <p:nvCxnSpPr>
           <p:cNvPr id="9" name="Connettore diritto 8">
@@ -7312,6 +7312,42 @@
           </a:fontRef>
         </p:style>
       </p:cxnSp>
+      <p:pic>
+        <p:nvPicPr>
+          <p:cNvPr id="4" name="Immagine 3">
+            <a:extLst>
+              <a:ext uri="{FF2B5EF4-FFF2-40B4-BE49-F238E27FC236}">
+                <a16:creationId xmlns:a16="http://schemas.microsoft.com/office/drawing/2014/main" id="{409FD23B-18C7-414F-BDC5-2A39C53A1839}"/>
+              </a:ext>
+            </a:extLst>
+          </p:cNvPr>
+          <p:cNvPicPr>
+            <a:picLocks noChangeAspect="1"/>
+          </p:cNvPicPr>
+          <p:nvPr/>
+        </p:nvPicPr>
+        <p:blipFill>
+          <a:blip r:embed="rId4">
+            <a:extLst>
+              <a:ext uri="{28A0092B-C50C-407E-A947-70E740481C1C}">
+                <a14:useLocalDpi xmlns:a14="http://schemas.microsoft.com/office/drawing/2010/main" val="0"/>
+              </a:ext>
+            </a:extLst>
+          </a:blip>
+          <a:stretch>
+            <a:fillRect/>
+          </a:stretch>
+        </p:blipFill>
+        <p:spPr>
+          <a:xfrm>
+            <a:off x="4864416" y="1665169"/>
+            <a:ext cx="7051358" cy="2453770"/>
+          </a:xfrm>
+          <a:prstGeom prst="rect">
+            <a:avLst/>
+          </a:prstGeom>
+        </p:spPr>
+      </p:pic>
     </p:spTree>
     <p:extLst>
       <p:ext uri="{BB962C8B-B14F-4D97-AF65-F5344CB8AC3E}">

--- a/writeup/Slides.pptx
+++ b/writeup/Slides.pptx
@@ -148,10 +148,10 @@
 <file path=ppt/revisionInfo.xml><?xml version="1.0" encoding="utf-8"?>
 <p1510:revInfo xmlns:a="http://schemas.openxmlformats.org/drawingml/2006/main" xmlns:r="http://schemas.openxmlformats.org/officeDocument/2006/relationships" xmlns:p1510="http://schemas.microsoft.com/office/powerpoint/2015/10/main">
   <p1510:revLst>
+    <p1510:client id="{E9A3E667-E202-6353-A4E7-75F3F84AD1CD}" v="6" dt="2018-11-27T08:41:12.239"/>
     <p1510:client id="{AF234B7E-82A7-444F-B401-35DEC5A5F2CB}" v="86" dt="2018-11-26T21:06:46.933"/>
-    <p1510:client id="{E9A3E667-E202-6353-A4E7-75F3F84AD1CD}" v="6" dt="2018-11-27T08:41:12.239"/>
+    <p1510:client id="{987B40F4-C2A0-FF56-D036-10FC24EEC81B}" v="12" dt="2018-11-27T08:41:27.046"/>
     <p1510:client id="{7DB06895-C1A9-463A-81DF-B0E1BD81AE50}" v="54" dt="2018-11-26T21:06:41.168"/>
-    <p1510:client id="{987B40F4-C2A0-FF56-D036-10FC24EEC81B}" v="12" dt="2018-11-27T08:41:27.046"/>
     <p1510:client id="{F791663E-8F02-4097-8A90-B5990CC7961B}" v="62" dt="2018-11-27T09:06:13.711"/>
   </p1510:revLst>
 </p1510:revInfo>
@@ -3411,7 +3411,7 @@
           <p:nvPr/>
         </p:nvPicPr>
         <p:blipFill>
-          <a:blip r:embed="rId3">
+          <a:blip r:embed="rId3" cstate="hqprint">
             <a:extLst>
               <a:ext uri="{28A0092B-C50C-407E-A947-70E740481C1C}">
                 <a14:useLocalDpi xmlns:a14="http://schemas.microsoft.com/office/drawing/2010/main" val="0"/>
@@ -3904,7 +3904,7 @@
         </p:nvSpPr>
         <p:spPr>
           <a:xfrm>
-            <a:off x="823911" y="1713388"/>
+            <a:off x="823487" y="1293536"/>
             <a:ext cx="2940222" cy="3539430"/>
           </a:xfrm>
           <a:prstGeom prst="rect">
@@ -4030,7 +4030,7 @@
         <p:spPr>
           <a:xfrm>
             <a:off x="938212" y="1502713"/>
-            <a:ext cx="3402969" cy="4493819"/>
+            <a:ext cx="3672977" cy="4493819"/>
           </a:xfrm>
         </p:spPr>
         <p:txBody>
@@ -4047,14 +4047,16 @@
                 <a:solidFill>
                   <a:srgbClr val="002060"/>
                 </a:solidFill>
+                <a:latin typeface="+mj-lt"/>
               </a:rPr>
               <a:t>Valutiamo i risultati  in presenza di un vincolo di disuguaglianza </a:t>
             </a:r>
             <a:r>
-              <a:rPr lang="it-IT" i="1" dirty="0">
+              <a:rPr lang="it-IT" b="1" i="1" dirty="0">
                 <a:solidFill>
                   <a:srgbClr val="C00000"/>
                 </a:solidFill>
+                <a:latin typeface="+mj-lt"/>
               </a:rPr>
               <a:t>R ≤ 2Z</a:t>
             </a:r>
@@ -4063,6 +4065,7 @@
                 <a:solidFill>
                   <a:srgbClr val="002060"/>
                 </a:solidFill>
+                <a:latin typeface="+mj-lt"/>
               </a:rPr>
               <a:t>. </a:t>
             </a:r>
@@ -4071,6 +4074,7 @@
                 <a:solidFill>
                   <a:srgbClr val="002060"/>
                 </a:solidFill>
+                <a:latin typeface="+mj-lt"/>
               </a:rPr>
             </a:br>
             <a:r>
@@ -4078,6 +4082,7 @@
                 <a:solidFill>
                   <a:srgbClr val="002060"/>
                 </a:solidFill>
+                <a:latin typeface="+mj-lt"/>
               </a:rPr>
               <a:t>Così come ci aspettavamo la percentuale di errore aumenta drasticamente.</a:t>
             </a:r>
@@ -4369,7 +4374,23 @@
                   <a:srgbClr val="002060"/>
                 </a:solidFill>
               </a:rPr>
-              <a:t>5. Esperimenti: 2D con vincolo di uguaglianza</a:t>
+              <a:t>5. </a:t>
+            </a:r>
+            <a:r>
+              <a:rPr lang="it-IT" b="1" dirty="0" smtClean="0">
+                <a:solidFill>
+                  <a:srgbClr val="002060"/>
+                </a:solidFill>
+              </a:rPr>
+              <a:t>Esperimento: </a:t>
+            </a:r>
+            <a:r>
+              <a:rPr lang="it-IT" b="1" dirty="0">
+                <a:solidFill>
+                  <a:srgbClr val="002060"/>
+                </a:solidFill>
+              </a:rPr>
+              <a:t>2D con vincolo di uguaglianza</a:t>
             </a:r>
           </a:p>
         </p:txBody>
@@ -4443,14 +4464,16 @@
                 <a:solidFill>
                   <a:srgbClr val="002060"/>
                 </a:solidFill>
+                <a:latin typeface="+mj-lt"/>
               </a:rPr>
               <a:t>Valutiamo i risultati  in presenza di un vincolo di uguaglianza </a:t>
             </a:r>
             <a:r>
-              <a:rPr lang="it-IT" sz="2800" i="1" dirty="0">
+              <a:rPr lang="it-IT" sz="2800" b="1" i="1" dirty="0">
                 <a:solidFill>
                   <a:srgbClr val="C00000"/>
                 </a:solidFill>
+                <a:latin typeface="+mj-lt"/>
               </a:rPr>
               <a:t>R = 2Z </a:t>
             </a:r>
@@ -4459,6 +4482,7 @@
                 <a:solidFill>
                   <a:srgbClr val="002060"/>
                 </a:solidFill>
+                <a:latin typeface="+mj-lt"/>
               </a:rPr>
               <a:t>in due dimensioni. </a:t>
             </a:r>
@@ -4467,6 +4491,7 @@
                 <a:solidFill>
                   <a:srgbClr val="002060"/>
                 </a:solidFill>
+                <a:latin typeface="+mj-lt"/>
               </a:rPr>
             </a:br>
             <a:r>
@@ -4474,10 +4499,13 @@
                 <a:solidFill>
                   <a:srgbClr val="002060"/>
                 </a:solidFill>
+                <a:latin typeface="+mj-lt"/>
               </a:rPr>
               <a:t>Analogamente al caso in 3D, anche qui la percentuale di errore aumenta di molto.</a:t>
             </a:r>
-            <a:endParaRPr lang="it-IT" dirty="0"/>
+            <a:endParaRPr lang="it-IT" dirty="0">
+              <a:latin typeface="+mj-lt"/>
+            </a:endParaRPr>
           </a:p>
         </p:txBody>
       </p:sp>
@@ -6612,6 +6640,17 @@
               </a:rPr>
               <a:t>Caratteristiche:</a:t>
             </a:r>
+            <a:r>
+              <a:rPr lang="it-IT" dirty="0">
+                <a:solidFill>
+                  <a:srgbClr val="002060"/>
+                </a:solidFill>
+                <a:latin typeface="+mj-lt"/>
+                <a:ea typeface="Doulos SIL" panose="02000500070000020004" pitchFamily="2" charset="0"/>
+                <a:cs typeface="Doulos SIL" panose="02000500070000020004" pitchFamily="2" charset="0"/>
+              </a:rPr>
+              <a:t/>
+            </a:r>
             <a:br>
               <a:rPr lang="it-IT" dirty="0">
                 <a:solidFill>
@@ -7141,7 +7180,23 @@
                   <a:srgbClr val="002060"/>
                 </a:solidFill>
               </a:rPr>
-              <a:t>5. Esperimenti: 2D senza vincoli</a:t>
+              <a:t>5. </a:t>
+            </a:r>
+            <a:r>
+              <a:rPr lang="it-IT" b="1" dirty="0" smtClean="0">
+                <a:solidFill>
+                  <a:srgbClr val="002060"/>
+                </a:solidFill>
+              </a:rPr>
+              <a:t>Esperimento: </a:t>
+            </a:r>
+            <a:r>
+              <a:rPr lang="it-IT" b="1" dirty="0">
+                <a:solidFill>
+                  <a:srgbClr val="002060"/>
+                </a:solidFill>
+              </a:rPr>
+              <a:t>2D senza vincoli</a:t>
             </a:r>
           </a:p>
         </p:txBody>
@@ -7195,7 +7250,7 @@
         </p:nvSpPr>
         <p:spPr>
           <a:xfrm>
-            <a:off x="838199" y="1952624"/>
+            <a:off x="838200" y="1665169"/>
             <a:ext cx="3657601" cy="2677656"/>
           </a:xfrm>
           <a:prstGeom prst="rect">
@@ -7214,14 +7269,16 @@
                 <a:solidFill>
                   <a:srgbClr val="002060"/>
                 </a:solidFill>
+                <a:latin typeface="+mj-lt"/>
               </a:rPr>
               <a:t>In questo test fissiamo la variabile </a:t>
             </a:r>
             <a:r>
-              <a:rPr lang="it-IT" sz="2800" i="1" dirty="0">
+              <a:rPr lang="it-IT" sz="2800" b="1" i="1" dirty="0">
                 <a:solidFill>
                   <a:srgbClr val="C00000"/>
                 </a:solidFill>
+                <a:latin typeface="+mj-lt"/>
               </a:rPr>
               <a:t>Z = 0.7m </a:t>
             </a:r>
@@ -7230,6 +7287,7 @@
                 <a:solidFill>
                   <a:srgbClr val="002060"/>
                 </a:solidFill>
+                <a:latin typeface="+mj-lt"/>
               </a:rPr>
               <a:t>e andiamo a ricercare il minimo relativo alla corrente e al raggio della spira.</a:t>
             </a:r>

--- a/writeup/Slides.pptx
+++ b/writeup/Slides.pptx
@@ -148,10 +148,10 @@
 <file path=ppt/revisionInfo.xml><?xml version="1.0" encoding="utf-8"?>
 <p1510:revInfo xmlns:a="http://schemas.openxmlformats.org/drawingml/2006/main" xmlns:r="http://schemas.openxmlformats.org/officeDocument/2006/relationships" xmlns:p1510="http://schemas.microsoft.com/office/powerpoint/2015/10/main">
   <p1510:revLst>
+    <p1510:client id="{AF234B7E-82A7-444F-B401-35DEC5A5F2CB}" v="86" dt="2018-11-26T21:06:46.933"/>
     <p1510:client id="{E9A3E667-E202-6353-A4E7-75F3F84AD1CD}" v="6" dt="2018-11-27T08:41:12.239"/>
-    <p1510:client id="{AF234B7E-82A7-444F-B401-35DEC5A5F2CB}" v="86" dt="2018-11-26T21:06:46.933"/>
+    <p1510:client id="{7DB06895-C1A9-463A-81DF-B0E1BD81AE50}" v="54" dt="2018-11-26T21:06:41.168"/>
     <p1510:client id="{987B40F4-C2A0-FF56-D036-10FC24EEC81B}" v="12" dt="2018-11-27T08:41:27.046"/>
-    <p1510:client id="{7DB06895-C1A9-463A-81DF-B0E1BD81AE50}" v="54" dt="2018-11-26T21:06:41.168"/>
     <p1510:client id="{F791663E-8F02-4097-8A90-B5990CC7961B}" v="62" dt="2018-11-27T09:06:13.711"/>
   </p1510:revLst>
 </p1510:revInfo>
@@ -6625,12 +6625,10 @@
                 <a:ea typeface="Doulos SIL" panose="02000500070000020004" pitchFamily="2" charset="0"/>
                 <a:cs typeface="Doulos SIL" panose="02000500070000020004" pitchFamily="2" charset="0"/>
               </a:rPr>
-              <a:t>Implementazione in MATLAB</a:t>
-            </a:r>
-          </a:p>
-          <a:p>
-            <a:r>
-              <a:rPr lang="it-IT" b="1" i="1" dirty="0">
+              <a:t>Implementazione in </a:t>
+            </a:r>
+            <a:r>
+              <a:rPr lang="it-IT" dirty="0" smtClean="0">
                 <a:solidFill>
                   <a:srgbClr val="002060"/>
                 </a:solidFill>
@@ -6638,7 +6636,42 @@
                 <a:ea typeface="Doulos SIL" panose="02000500070000020004" pitchFamily="2" charset="0"/>
                 <a:cs typeface="Doulos SIL" panose="02000500070000020004" pitchFamily="2" charset="0"/>
               </a:rPr>
-              <a:t>Caratteristiche:</a:t>
+              <a:t>MATLAB</a:t>
+            </a:r>
+          </a:p>
+          <a:p>
+            <a:r>
+              <a:rPr lang="it-IT" b="1" i="1" dirty="0">
+                <a:solidFill>
+                  <a:srgbClr val="002060"/>
+                </a:solidFill>
+                <a:latin typeface="+mj-lt"/>
+                <a:ea typeface="Doulos SIL" panose="02000500070000020004" pitchFamily="2" charset="0"/>
+                <a:cs typeface="Doulos SIL" panose="02000500070000020004" pitchFamily="2" charset="0"/>
+              </a:rPr>
+              <a:t> </a:t>
+            </a:r>
+            <a:r>
+              <a:rPr lang="it-IT" b="1" i="1" dirty="0" smtClean="0">
+                <a:solidFill>
+                  <a:srgbClr val="C00000"/>
+                </a:solidFill>
+                <a:latin typeface="+mj-lt"/>
+                <a:ea typeface="Doulos SIL" panose="02000500070000020004" pitchFamily="2" charset="0"/>
+                <a:cs typeface="Doulos SIL" panose="02000500070000020004" pitchFamily="2" charset="0"/>
+              </a:rPr>
+              <a:t>Caratteristiche</a:t>
+            </a:r>
+            <a:r>
+              <a:rPr lang="it-IT" b="1" i="1" dirty="0">
+                <a:solidFill>
+                  <a:srgbClr val="002060"/>
+                </a:solidFill>
+                <a:latin typeface="+mj-lt"/>
+                <a:ea typeface="Doulos SIL" panose="02000500070000020004" pitchFamily="2" charset="0"/>
+                <a:cs typeface="Doulos SIL" panose="02000500070000020004" pitchFamily="2" charset="0"/>
+              </a:rPr>
+              <a:t>:</a:t>
             </a:r>
             <a:r>
               <a:rPr lang="it-IT" dirty="0">

--- a/writeup/Slides.pptx
+++ b/writeup/Slides.pptx
@@ -13,11 +13,14 @@
     <p:sldId id="262" r:id="rId7"/>
     <p:sldId id="263" r:id="rId8"/>
     <p:sldId id="268" r:id="rId9"/>
-    <p:sldId id="269" r:id="rId10"/>
-    <p:sldId id="264" r:id="rId11"/>
-    <p:sldId id="265" r:id="rId12"/>
-    <p:sldId id="266" r:id="rId13"/>
-    <p:sldId id="267" r:id="rId14"/>
+    <p:sldId id="271" r:id="rId10"/>
+    <p:sldId id="269" r:id="rId11"/>
+    <p:sldId id="264" r:id="rId12"/>
+    <p:sldId id="272" r:id="rId13"/>
+    <p:sldId id="265" r:id="rId14"/>
+    <p:sldId id="266" r:id="rId15"/>
+    <p:sldId id="267" r:id="rId16"/>
+    <p:sldId id="273" r:id="rId17"/>
   </p:sldIdLst>
   <p:sldSz cx="12192000" cy="6858000"/>
   <p:notesSz cx="6858000" cy="9144000"/>
@@ -129,11 +132,14 @@
             <p14:sldId id="262"/>
             <p14:sldId id="263"/>
             <p14:sldId id="268"/>
+            <p14:sldId id="271"/>
             <p14:sldId id="269"/>
             <p14:sldId id="264"/>
+            <p14:sldId id="272"/>
             <p14:sldId id="265"/>
             <p14:sldId id="266"/>
             <p14:sldId id="267"/>
+            <p14:sldId id="273"/>
           </p14:sldIdLst>
         </p14:section>
       </p14:sectionLst>
@@ -148,10 +154,10 @@
 <file path=ppt/revisionInfo.xml><?xml version="1.0" encoding="utf-8"?>
 <p1510:revInfo xmlns:a="http://schemas.openxmlformats.org/drawingml/2006/main" xmlns:r="http://schemas.openxmlformats.org/officeDocument/2006/relationships" xmlns:p1510="http://schemas.microsoft.com/office/powerpoint/2015/10/main">
   <p1510:revLst>
+    <p1510:client id="{E9A3E667-E202-6353-A4E7-75F3F84AD1CD}" v="6" dt="2018-11-27T08:41:12.239"/>
     <p1510:client id="{AF234B7E-82A7-444F-B401-35DEC5A5F2CB}" v="86" dt="2018-11-26T21:06:46.933"/>
-    <p1510:client id="{E9A3E667-E202-6353-A4E7-75F3F84AD1CD}" v="6" dt="2018-11-27T08:41:12.239"/>
+    <p1510:client id="{987B40F4-C2A0-FF56-D036-10FC24EEC81B}" v="12" dt="2018-11-27T08:41:27.046"/>
     <p1510:client id="{7DB06895-C1A9-463A-81DF-B0E1BD81AE50}" v="54" dt="2018-11-26T21:06:41.168"/>
-    <p1510:client id="{987B40F4-C2A0-FF56-D036-10FC24EEC81B}" v="12" dt="2018-11-27T08:41:27.046"/>
     <p1510:client id="{F791663E-8F02-4097-8A90-B5990CC7961B}" v="62" dt="2018-11-27T09:06:13.711"/>
   </p1510:revLst>
 </p1510:revInfo>
@@ -304,7 +310,7 @@
           <a:p>
             <a:fld id="{2B996CD7-E6CE-470D-9D9D-A9A816181F09}" type="datetimeFigureOut">
               <a:rPr lang="it-IT" smtClean="0"/>
-              <a:t>29/11/2018</a:t>
+              <a:t>30/11/2018</a:t>
             </a:fld>
             <a:endParaRPr lang="it-IT"/>
           </a:p>
@@ -502,7 +508,7 @@
           <a:p>
             <a:fld id="{2B996CD7-E6CE-470D-9D9D-A9A816181F09}" type="datetimeFigureOut">
               <a:rPr lang="it-IT" smtClean="0"/>
-              <a:t>29/11/2018</a:t>
+              <a:t>30/11/2018</a:t>
             </a:fld>
             <a:endParaRPr lang="it-IT"/>
           </a:p>
@@ -710,7 +716,7 @@
           <a:p>
             <a:fld id="{2B996CD7-E6CE-470D-9D9D-A9A816181F09}" type="datetimeFigureOut">
               <a:rPr lang="it-IT" smtClean="0"/>
-              <a:t>29/11/2018</a:t>
+              <a:t>30/11/2018</a:t>
             </a:fld>
             <a:endParaRPr lang="it-IT"/>
           </a:p>
@@ -908,7 +914,7 @@
           <a:p>
             <a:fld id="{2B996CD7-E6CE-470D-9D9D-A9A816181F09}" type="datetimeFigureOut">
               <a:rPr lang="it-IT" smtClean="0"/>
-              <a:t>29/11/2018</a:t>
+              <a:t>30/11/2018</a:t>
             </a:fld>
             <a:endParaRPr lang="it-IT"/>
           </a:p>
@@ -1183,7 +1189,7 @@
           <a:p>
             <a:fld id="{2B996CD7-E6CE-470D-9D9D-A9A816181F09}" type="datetimeFigureOut">
               <a:rPr lang="it-IT" smtClean="0"/>
-              <a:t>29/11/2018</a:t>
+              <a:t>30/11/2018</a:t>
             </a:fld>
             <a:endParaRPr lang="it-IT"/>
           </a:p>
@@ -1448,7 +1454,7 @@
           <a:p>
             <a:fld id="{2B996CD7-E6CE-470D-9D9D-A9A816181F09}" type="datetimeFigureOut">
               <a:rPr lang="it-IT" smtClean="0"/>
-              <a:t>29/11/2018</a:t>
+              <a:t>30/11/2018</a:t>
             </a:fld>
             <a:endParaRPr lang="it-IT"/>
           </a:p>
@@ -1860,7 +1866,7 @@
           <a:p>
             <a:fld id="{2B996CD7-E6CE-470D-9D9D-A9A816181F09}" type="datetimeFigureOut">
               <a:rPr lang="it-IT" smtClean="0"/>
-              <a:t>29/11/2018</a:t>
+              <a:t>30/11/2018</a:t>
             </a:fld>
             <a:endParaRPr lang="it-IT"/>
           </a:p>
@@ -2001,7 +2007,7 @@
           <a:p>
             <a:fld id="{2B996CD7-E6CE-470D-9D9D-A9A816181F09}" type="datetimeFigureOut">
               <a:rPr lang="it-IT" smtClean="0"/>
-              <a:t>29/11/2018</a:t>
+              <a:t>30/11/2018</a:t>
             </a:fld>
             <a:endParaRPr lang="it-IT"/>
           </a:p>
@@ -2114,7 +2120,7 @@
           <a:p>
             <a:fld id="{2B996CD7-E6CE-470D-9D9D-A9A816181F09}" type="datetimeFigureOut">
               <a:rPr lang="it-IT" smtClean="0"/>
-              <a:t>29/11/2018</a:t>
+              <a:t>30/11/2018</a:t>
             </a:fld>
             <a:endParaRPr lang="it-IT"/>
           </a:p>
@@ -2425,7 +2431,7 @@
           <a:p>
             <a:fld id="{2B996CD7-E6CE-470D-9D9D-A9A816181F09}" type="datetimeFigureOut">
               <a:rPr lang="it-IT" smtClean="0"/>
-              <a:t>29/11/2018</a:t>
+              <a:t>30/11/2018</a:t>
             </a:fld>
             <a:endParaRPr lang="it-IT"/>
           </a:p>
@@ -2713,7 +2719,7 @@
           <a:p>
             <a:fld id="{2B996CD7-E6CE-470D-9D9D-A9A816181F09}" type="datetimeFigureOut">
               <a:rPr lang="it-IT" smtClean="0"/>
-              <a:t>29/11/2018</a:t>
+              <a:t>30/11/2018</a:t>
             </a:fld>
             <a:endParaRPr lang="it-IT"/>
           </a:p>
@@ -2964,7 +2970,7 @@
           <a:p>
             <a:fld id="{2B996CD7-E6CE-470D-9D9D-A9A816181F09}" type="datetimeFigureOut">
               <a:rPr lang="it-IT" smtClean="0"/>
-              <a:t>29/11/2018</a:t>
+              <a:t>30/11/2018</a:t>
             </a:fld>
             <a:endParaRPr lang="it-IT"/>
           </a:p>
@@ -3682,19 +3688,53 @@
           <a:chExt cx="0" cy="0"/>
         </a:xfrm>
       </p:grpSpPr>
+      <p:sp>
+        <p:nvSpPr>
+          <p:cNvPr id="2" name="Titolo 1">
+            <a:extLst>
+              <a:ext uri="{FF2B5EF4-FFF2-40B4-BE49-F238E27FC236}">
+                <a16:creationId xmlns:a16="http://schemas.microsoft.com/office/drawing/2014/main" id="{7EF81A92-4651-4D3E-8A4E-E18E0D7967D2}"/>
+              </a:ext>
+            </a:extLst>
+          </p:cNvPr>
+          <p:cNvSpPr>
+            <a:spLocks noGrp="1"/>
+          </p:cNvSpPr>
+          <p:nvPr>
+            <p:ph type="title"/>
+          </p:nvPr>
+        </p:nvSpPr>
+        <p:spPr/>
+        <p:txBody>
+          <a:bodyPr/>
+          <a:lstStyle/>
+          <a:p>
+            <a:r>
+              <a:rPr lang="it-IT" b="1" dirty="0">
+                <a:solidFill>
+                  <a:srgbClr val="002060"/>
+                </a:solidFill>
+              </a:rPr>
+              <a:t>6. Esperimento: 2D senza vincoli</a:t>
+            </a:r>
+          </a:p>
+        </p:txBody>
+      </p:sp>
       <p:pic>
         <p:nvPicPr>
-          <p:cNvPr id="5" name="Immagine 4">
-            <a:extLst>
-              <a:ext uri="{FF2B5EF4-FFF2-40B4-BE49-F238E27FC236}">
-                <a16:creationId xmlns:a16="http://schemas.microsoft.com/office/drawing/2014/main" id="{AC029425-8F6E-46A2-9E9B-A94D34CD78A7}"/>
+          <p:cNvPr id="5" name="Segnaposto contenuto 4">
+            <a:extLst>
+              <a:ext uri="{FF2B5EF4-FFF2-40B4-BE49-F238E27FC236}">
+                <a16:creationId xmlns:a16="http://schemas.microsoft.com/office/drawing/2014/main" id="{7041A36E-E33B-46A2-A45B-8C680E636972}"/>
               </a:ext>
             </a:extLst>
           </p:cNvPr>
           <p:cNvPicPr>
-            <a:picLocks noChangeAspect="1"/>
+            <a:picLocks noGrp="1" noChangeAspect="1"/>
           </p:cNvPicPr>
-          <p:nvPr/>
+          <p:nvPr>
+            <p:ph idx="1"/>
+          </p:nvPr>
         </p:nvPicPr>
         <p:blipFill>
           <a:blip r:embed="rId3">
@@ -3710,56 +3750,75 @@
         </p:blipFill>
         <p:spPr>
           <a:xfrm>
-            <a:off x="3980075" y="1182707"/>
-            <a:ext cx="8143783" cy="2357123"/>
+            <a:off x="4864416" y="4103261"/>
+            <a:ext cx="7051358" cy="2221971"/>
+          </a:xfrm>
+        </p:spPr>
+      </p:pic>
+      <p:sp>
+        <p:nvSpPr>
+          <p:cNvPr id="6" name="CasellaDiTesto 5">
+            <a:extLst>
+              <a:ext uri="{FF2B5EF4-FFF2-40B4-BE49-F238E27FC236}">
+                <a16:creationId xmlns:a16="http://schemas.microsoft.com/office/drawing/2014/main" id="{2E784221-8D14-4E30-A107-7E7E2EE2C843}"/>
+              </a:ext>
+            </a:extLst>
+          </p:cNvPr>
+          <p:cNvSpPr txBox="1"/>
+          <p:nvPr/>
+        </p:nvSpPr>
+        <p:spPr>
+          <a:xfrm>
+            <a:off x="838200" y="1665169"/>
+            <a:ext cx="3657601" cy="2677656"/>
           </a:xfrm>
           <a:prstGeom prst="rect">
             <a:avLst/>
           </a:prstGeom>
-        </p:spPr>
-      </p:pic>
-      <p:pic>
-        <p:nvPicPr>
-          <p:cNvPr id="7" name="Immagine 6">
-            <a:extLst>
-              <a:ext uri="{FF2B5EF4-FFF2-40B4-BE49-F238E27FC236}">
-                <a16:creationId xmlns:a16="http://schemas.microsoft.com/office/drawing/2014/main" id="{3F0FE11E-DF9F-4E75-91B9-25F5E9FD59CE}"/>
-              </a:ext>
-            </a:extLst>
-          </p:cNvPr>
-          <p:cNvPicPr>
-            <a:picLocks noChangeAspect="1"/>
-          </p:cNvPicPr>
-          <p:nvPr/>
-        </p:nvPicPr>
-        <p:blipFill>
-          <a:blip r:embed="rId4">
-            <a:extLst>
-              <a:ext uri="{28A0092B-C50C-407E-A947-70E740481C1C}">
-                <a14:useLocalDpi xmlns:a14="http://schemas.microsoft.com/office/drawing/2010/main" val="0"/>
-              </a:ext>
-            </a:extLst>
-          </a:blip>
-          <a:stretch>
-            <a:fillRect/>
-          </a:stretch>
-        </p:blipFill>
-        <p:spPr>
-          <a:xfrm>
-            <a:off x="3980075" y="3429000"/>
-            <a:ext cx="8143783" cy="2821461"/>
-          </a:xfrm>
-          <a:prstGeom prst="rect">
-            <a:avLst/>
-          </a:prstGeom>
-        </p:spPr>
-      </p:pic>
+          <a:noFill/>
+        </p:spPr>
+        <p:txBody>
+          <a:bodyPr wrap="square" rtlCol="0">
+            <a:spAutoFit/>
+          </a:bodyPr>
+          <a:lstStyle/>
+          <a:p>
+            <a:r>
+              <a:rPr lang="it-IT" sz="2800" dirty="0">
+                <a:solidFill>
+                  <a:srgbClr val="002060"/>
+                </a:solidFill>
+                <a:latin typeface="+mj-lt"/>
+              </a:rPr>
+              <a:t>In questo test fissiamo la variabile </a:t>
+            </a:r>
+            <a:r>
+              <a:rPr lang="it-IT" sz="2800" b="1" i="1" dirty="0">
+                <a:solidFill>
+                  <a:srgbClr val="C00000"/>
+                </a:solidFill>
+                <a:latin typeface="+mj-lt"/>
+              </a:rPr>
+              <a:t>Z = 0.7m </a:t>
+            </a:r>
+            <a:r>
+              <a:rPr lang="it-IT" sz="2800" dirty="0">
+                <a:solidFill>
+                  <a:srgbClr val="002060"/>
+                </a:solidFill>
+                <a:latin typeface="+mj-lt"/>
+              </a:rPr>
+              <a:t>e andiamo a ricercare il minimo relativo alla corrente e al raggio della spira.</a:t>
+            </a:r>
+          </a:p>
+        </p:txBody>
+      </p:sp>
       <p:cxnSp>
         <p:nvCxnSpPr>
           <p:cNvPr id="9" name="Connettore diritto 8">
             <a:extLst>
               <a:ext uri="{FF2B5EF4-FFF2-40B4-BE49-F238E27FC236}">
-                <a16:creationId xmlns:a16="http://schemas.microsoft.com/office/drawing/2014/main" id="{4857374A-5FE8-4D62-BA97-7E080FD1086E}"/>
+                <a16:creationId xmlns:a16="http://schemas.microsoft.com/office/drawing/2014/main" id="{41C58AC4-2EEE-4A36-9C98-FEFC7E836516}"/>
               </a:ext>
             </a:extLst>
           </p:cNvPr>
@@ -3770,8 +3829,8 @@
         </p:nvCxnSpPr>
         <p:spPr>
           <a:xfrm>
-            <a:off x="823911" y="6357584"/>
-            <a:ext cx="10301288" cy="0"/>
+            <a:off x="1052512" y="6443309"/>
+            <a:ext cx="10863262" cy="0"/>
           </a:xfrm>
           <a:prstGeom prst="line">
             <a:avLst/>
@@ -3794,10 +3853,10 @@
       </p:cxnSp>
       <p:cxnSp>
         <p:nvCxnSpPr>
-          <p:cNvPr id="11" name="Connettore diritto 10">
-            <a:extLst>
-              <a:ext uri="{FF2B5EF4-FFF2-40B4-BE49-F238E27FC236}">
-                <a16:creationId xmlns:a16="http://schemas.microsoft.com/office/drawing/2014/main" id="{C7CB4E63-3260-4EA3-9D89-8268DC09EF42}"/>
+          <p:cNvPr id="10" name="Connettore diritto 9">
+            <a:extLst>
+              <a:ext uri="{FF2B5EF4-FFF2-40B4-BE49-F238E27FC236}">
+                <a16:creationId xmlns:a16="http://schemas.microsoft.com/office/drawing/2014/main" id="{E93BD0DD-7D3A-4515-B3FD-EA5BA438F94B}"/>
               </a:ext>
             </a:extLst>
           </p:cNvPr>
@@ -3808,8 +3867,8 @@
         </p:nvCxnSpPr>
         <p:spPr>
           <a:xfrm>
-            <a:off x="938212" y="1133242"/>
-            <a:ext cx="10301288" cy="0"/>
+            <a:off x="945356" y="1509359"/>
+            <a:ext cx="10970418" cy="0"/>
           </a:xfrm>
           <a:prstGeom prst="line">
             <a:avLst/>
@@ -3830,146 +3889,46 @@
           </a:fontRef>
         </p:style>
       </p:cxnSp>
-      <p:sp>
-        <p:nvSpPr>
-          <p:cNvPr id="12" name="Titolo 1">
-            <a:extLst>
-              <a:ext uri="{FF2B5EF4-FFF2-40B4-BE49-F238E27FC236}">
-                <a16:creationId xmlns:a16="http://schemas.microsoft.com/office/drawing/2014/main" id="{03DAF942-BA3D-4AC2-811D-589406C84368}"/>
-              </a:ext>
-            </a:extLst>
-          </p:cNvPr>
-          <p:cNvSpPr txBox="1">
-            <a:spLocks/>
-          </p:cNvSpPr>
+      <p:pic>
+        <p:nvPicPr>
+          <p:cNvPr id="4" name="Immagine 3">
+            <a:extLst>
+              <a:ext uri="{FF2B5EF4-FFF2-40B4-BE49-F238E27FC236}">
+                <a16:creationId xmlns:a16="http://schemas.microsoft.com/office/drawing/2014/main" id="{409FD23B-18C7-414F-BDC5-2A39C53A1839}"/>
+              </a:ext>
+            </a:extLst>
+          </p:cNvPr>
+          <p:cNvPicPr>
+            <a:picLocks noChangeAspect="1"/>
+          </p:cNvPicPr>
           <p:nvPr/>
-        </p:nvSpPr>
-        <p:spPr>
-          <a:xfrm>
-            <a:off x="823912" y="239436"/>
-            <a:ext cx="10199222" cy="1054100"/>
+        </p:nvPicPr>
+        <p:blipFill>
+          <a:blip r:embed="rId4">
+            <a:extLst>
+              <a:ext uri="{28A0092B-C50C-407E-A947-70E740481C1C}">
+                <a14:useLocalDpi xmlns:a14="http://schemas.microsoft.com/office/drawing/2010/main" val="0"/>
+              </a:ext>
+            </a:extLst>
+          </a:blip>
+          <a:stretch>
+            <a:fillRect/>
+          </a:stretch>
+        </p:blipFill>
+        <p:spPr>
+          <a:xfrm>
+            <a:off x="4864416" y="1665169"/>
+            <a:ext cx="7051358" cy="2453770"/>
           </a:xfrm>
           <a:prstGeom prst="rect">
             <a:avLst/>
           </a:prstGeom>
         </p:spPr>
-        <p:txBody>
-          <a:bodyPr vert="horz" lIns="91440" tIns="45720" rIns="91440" bIns="45720" rtlCol="0" anchor="ctr">
-            <a:normAutofit/>
-          </a:bodyPr>
-          <a:lstStyle>
-            <a:lvl1pPr algn="l" defTabSz="914400" rtl="0" eaLnBrk="1" latinLnBrk="0" hangingPunct="1">
-              <a:lnSpc>
-                <a:spcPct val="90000"/>
-              </a:lnSpc>
-              <a:spcBef>
-                <a:spcPct val="0"/>
-              </a:spcBef>
-              <a:buNone/>
-              <a:defRPr sz="4400" kern="1200">
-                <a:solidFill>
-                  <a:schemeClr val="tx1"/>
-                </a:solidFill>
-                <a:latin typeface="+mj-lt"/>
-                <a:ea typeface="+mj-ea"/>
-                <a:cs typeface="+mj-cs"/>
-              </a:defRPr>
-            </a:lvl1pPr>
-          </a:lstStyle>
-          <a:p>
-            <a:r>
-              <a:rPr lang="it-IT" b="1" dirty="0">
-                <a:solidFill>
-                  <a:srgbClr val="002060"/>
-                </a:solidFill>
-                <a:ea typeface="Doulos SIL" panose="02000500070000020004" pitchFamily="2" charset="0"/>
-                <a:cs typeface="Doulos SIL" panose="02000500070000020004" pitchFamily="2" charset="0"/>
-              </a:rPr>
-              <a:t>5. Esperimento: 3D senza vincoli</a:t>
-            </a:r>
-          </a:p>
-        </p:txBody>
-      </p:sp>
-      <p:sp>
-        <p:nvSpPr>
-          <p:cNvPr id="2" name="CasellaDiTesto 1">
-            <a:extLst>
-              <a:ext uri="{FF2B5EF4-FFF2-40B4-BE49-F238E27FC236}">
-                <a16:creationId xmlns:a16="http://schemas.microsoft.com/office/drawing/2014/main" id="{5F45F277-79BC-4709-8BCD-92552CDA27AD}"/>
-              </a:ext>
-            </a:extLst>
-          </p:cNvPr>
-          <p:cNvSpPr txBox="1"/>
-          <p:nvPr/>
-        </p:nvSpPr>
-        <p:spPr>
-          <a:xfrm>
-            <a:off x="823487" y="1293536"/>
-            <a:ext cx="2940222" cy="3539430"/>
-          </a:xfrm>
-          <a:prstGeom prst="rect">
-            <a:avLst/>
-          </a:prstGeom>
-          <a:noFill/>
-        </p:spPr>
-        <p:txBody>
-          <a:bodyPr wrap="square" rtlCol="0">
-            <a:spAutoFit/>
-          </a:bodyPr>
-          <a:lstStyle/>
-          <a:p>
-            <a:r>
-              <a:rPr lang="it-IT" sz="2800" dirty="0">
-                <a:solidFill>
-                  <a:srgbClr val="002060"/>
-                </a:solidFill>
-                <a:latin typeface="+mj-lt"/>
-              </a:rPr>
-              <a:t>In questo test, l’algoritmo si ferma quando la percentuale di errore scende al di sotto del valore di </a:t>
-            </a:r>
-            <a:r>
-              <a:rPr lang="it-IT" sz="2800" b="1" dirty="0">
-                <a:solidFill>
-                  <a:srgbClr val="C00000"/>
-                </a:solidFill>
-                <a:latin typeface="+mj-lt"/>
-              </a:rPr>
-              <a:t>tolleranza</a:t>
-            </a:r>
-            <a:r>
-              <a:rPr lang="it-IT" sz="2800" dirty="0">
-                <a:solidFill>
-                  <a:srgbClr val="C00000"/>
-                </a:solidFill>
-                <a:latin typeface="+mj-lt"/>
-              </a:rPr>
-              <a:t> </a:t>
-            </a:r>
-            <a:r>
-              <a:rPr lang="it-IT" sz="2800" b="1" dirty="0">
-                <a:solidFill>
-                  <a:srgbClr val="C00000"/>
-                </a:solidFill>
-                <a:latin typeface="+mj-lt"/>
-              </a:rPr>
-              <a:t>ammesso</a:t>
-            </a:r>
-            <a:r>
-              <a:rPr lang="it-IT" sz="2800" dirty="0">
-                <a:solidFill>
-                  <a:srgbClr val="002060"/>
-                </a:solidFill>
-                <a:latin typeface="+mj-lt"/>
-              </a:rPr>
-              <a:t>. </a:t>
-            </a:r>
-          </a:p>
-        </p:txBody>
-      </p:sp>
+      </p:pic>
     </p:spTree>
     <p:extLst>
       <p:ext uri="{BB962C8B-B14F-4D97-AF65-F5344CB8AC3E}">
-        <p14:creationId xmlns:p14="http://schemas.microsoft.com/office/powerpoint/2010/main" val="1886510980"/>
+        <p14:creationId xmlns:p14="http://schemas.microsoft.com/office/powerpoint/2010/main" val="4084558885"/>
       </p:ext>
     </p:extLst>
   </p:cSld>
@@ -4011,90 +3970,12 @@
           <a:chExt cx="0" cy="0"/>
         </a:xfrm>
       </p:grpSpPr>
-      <p:sp>
-        <p:nvSpPr>
-          <p:cNvPr id="3" name="Segnaposto contenuto 2">
-            <a:extLst>
-              <a:ext uri="{FF2B5EF4-FFF2-40B4-BE49-F238E27FC236}">
-                <a16:creationId xmlns:a16="http://schemas.microsoft.com/office/drawing/2014/main" id="{6124F91B-5F97-43D8-85F8-545DBB74A356}"/>
-              </a:ext>
-            </a:extLst>
-          </p:cNvPr>
-          <p:cNvSpPr>
-            <a:spLocks noGrp="1"/>
-          </p:cNvSpPr>
-          <p:nvPr>
-            <p:ph idx="1"/>
-          </p:nvPr>
-        </p:nvSpPr>
-        <p:spPr>
-          <a:xfrm>
-            <a:off x="938212" y="1502713"/>
-            <a:ext cx="3672977" cy="4493819"/>
-          </a:xfrm>
-        </p:spPr>
-        <p:txBody>
-          <a:bodyPr>
-            <a:normAutofit/>
-          </a:bodyPr>
-          <a:lstStyle/>
-          <a:p>
-            <a:pPr marL="0" indent="0">
-              <a:buNone/>
-            </a:pPr>
-            <a:r>
-              <a:rPr lang="it-IT" dirty="0">
-                <a:solidFill>
-                  <a:srgbClr val="002060"/>
-                </a:solidFill>
-                <a:latin typeface="+mj-lt"/>
-              </a:rPr>
-              <a:t>Valutiamo i risultati  in presenza di un vincolo di disuguaglianza </a:t>
-            </a:r>
-            <a:r>
-              <a:rPr lang="it-IT" b="1" i="1" dirty="0">
-                <a:solidFill>
-                  <a:srgbClr val="C00000"/>
-                </a:solidFill>
-                <a:latin typeface="+mj-lt"/>
-              </a:rPr>
-              <a:t>R ≤ 2Z</a:t>
-            </a:r>
-            <a:r>
-              <a:rPr lang="it-IT" dirty="0">
-                <a:solidFill>
-                  <a:srgbClr val="002060"/>
-                </a:solidFill>
-                <a:latin typeface="+mj-lt"/>
-              </a:rPr>
-              <a:t>. </a:t>
-            </a:r>
-            <a:br>
-              <a:rPr lang="it-IT" dirty="0">
-                <a:solidFill>
-                  <a:srgbClr val="002060"/>
-                </a:solidFill>
-                <a:latin typeface="+mj-lt"/>
-              </a:rPr>
-            </a:br>
-            <a:r>
-              <a:rPr lang="it-IT" dirty="0">
-                <a:solidFill>
-                  <a:srgbClr val="002060"/>
-                </a:solidFill>
-                <a:latin typeface="+mj-lt"/>
-              </a:rPr>
-              <a:t>Così come ci aspettavamo la percentuale di errore aumenta drasticamente.</a:t>
-            </a:r>
-          </a:p>
-        </p:txBody>
-      </p:sp>
       <p:pic>
         <p:nvPicPr>
           <p:cNvPr id="5" name="Immagine 4">
             <a:extLst>
               <a:ext uri="{FF2B5EF4-FFF2-40B4-BE49-F238E27FC236}">
-                <a16:creationId xmlns:a16="http://schemas.microsoft.com/office/drawing/2014/main" id="{00BF9E96-2D50-43BF-A479-21D30323C6AA}"/>
+                <a16:creationId xmlns:a16="http://schemas.microsoft.com/office/drawing/2014/main" id="{AC029425-8F6E-46A2-9E9B-A94D34CD78A7}"/>
               </a:ext>
             </a:extLst>
           </p:cNvPr>
@@ -4117,8 +3998,8 @@
         </p:blipFill>
         <p:spPr>
           <a:xfrm>
-            <a:off x="5239415" y="1190812"/>
-            <a:ext cx="6689730" cy="2045111"/>
+            <a:off x="3980075" y="1182707"/>
+            <a:ext cx="8143783" cy="2357123"/>
           </a:xfrm>
           <a:prstGeom prst="rect">
             <a:avLst/>
@@ -4130,7 +4011,7 @@
           <p:cNvPr id="7" name="Immagine 6">
             <a:extLst>
               <a:ext uri="{FF2B5EF4-FFF2-40B4-BE49-F238E27FC236}">
-                <a16:creationId xmlns:a16="http://schemas.microsoft.com/office/drawing/2014/main" id="{41A86C1C-1B08-4CD6-A7E0-E58DB123F010}"/>
+                <a16:creationId xmlns:a16="http://schemas.microsoft.com/office/drawing/2014/main" id="{3F0FE11E-DF9F-4E75-91B9-25F5E9FD59CE}"/>
               </a:ext>
             </a:extLst>
           </p:cNvPr>
@@ -4153,8 +4034,8 @@
         </p:blipFill>
         <p:spPr>
           <a:xfrm>
-            <a:off x="5239415" y="3121093"/>
-            <a:ext cx="6689730" cy="3178071"/>
+            <a:off x="3980075" y="3429000"/>
+            <a:ext cx="8143783" cy="2821461"/>
           </a:xfrm>
           <a:prstGeom prst="rect">
             <a:avLst/>
@@ -4163,10 +4044,10 @@
       </p:pic>
       <p:cxnSp>
         <p:nvCxnSpPr>
-          <p:cNvPr id="6" name="Connettore diritto 5">
-            <a:extLst>
-              <a:ext uri="{FF2B5EF4-FFF2-40B4-BE49-F238E27FC236}">
-                <a16:creationId xmlns:a16="http://schemas.microsoft.com/office/drawing/2014/main" id="{B55DB0D4-3783-4F5C-AD3E-B5235DE52A3E}"/>
+          <p:cNvPr id="9" name="Connettore diritto 8">
+            <a:extLst>
+              <a:ext uri="{FF2B5EF4-FFF2-40B4-BE49-F238E27FC236}">
+                <a16:creationId xmlns:a16="http://schemas.microsoft.com/office/drawing/2014/main" id="{4857374A-5FE8-4D62-BA97-7E080FD1086E}"/>
               </a:ext>
             </a:extLst>
           </p:cNvPr>
@@ -4177,8 +4058,8 @@
         </p:nvCxnSpPr>
         <p:spPr>
           <a:xfrm>
-            <a:off x="938212" y="1133242"/>
-            <a:ext cx="10301288" cy="0"/>
+            <a:off x="823911" y="6357584"/>
+            <a:ext cx="11299947" cy="0"/>
           </a:xfrm>
           <a:prstGeom prst="line">
             <a:avLst/>
@@ -4199,72 +4080,12 @@
           </a:fontRef>
         </p:style>
       </p:cxnSp>
-      <p:sp>
-        <p:nvSpPr>
-          <p:cNvPr id="8" name="Titolo 1">
-            <a:extLst>
-              <a:ext uri="{FF2B5EF4-FFF2-40B4-BE49-F238E27FC236}">
-                <a16:creationId xmlns:a16="http://schemas.microsoft.com/office/drawing/2014/main" id="{96D2AA62-1AF3-4103-8973-45C0203F85D7}"/>
-              </a:ext>
-            </a:extLst>
-          </p:cNvPr>
-          <p:cNvSpPr txBox="1">
-            <a:spLocks/>
-          </p:cNvSpPr>
-          <p:nvPr/>
-        </p:nvSpPr>
-        <p:spPr>
-          <a:xfrm>
-            <a:off x="823910" y="239436"/>
-            <a:ext cx="10199224" cy="1054100"/>
-          </a:xfrm>
-          <a:prstGeom prst="rect">
-            <a:avLst/>
-          </a:prstGeom>
-        </p:spPr>
-        <p:txBody>
-          <a:bodyPr vert="horz" lIns="91440" tIns="45720" rIns="91440" bIns="45720" rtlCol="0" anchor="ctr">
-            <a:normAutofit fontScale="92500"/>
-          </a:bodyPr>
-          <a:lstStyle>
-            <a:lvl1pPr algn="l" defTabSz="914400" rtl="0" eaLnBrk="1" latinLnBrk="0" hangingPunct="1">
-              <a:lnSpc>
-                <a:spcPct val="90000"/>
-              </a:lnSpc>
-              <a:spcBef>
-                <a:spcPct val="0"/>
-              </a:spcBef>
-              <a:buNone/>
-              <a:defRPr sz="4400" kern="1200">
-                <a:solidFill>
-                  <a:schemeClr val="tx1"/>
-                </a:solidFill>
-                <a:latin typeface="+mj-lt"/>
-                <a:ea typeface="+mj-ea"/>
-                <a:cs typeface="+mj-cs"/>
-              </a:defRPr>
-            </a:lvl1pPr>
-          </a:lstStyle>
-          <a:p>
-            <a:r>
-              <a:rPr lang="it-IT" b="1" dirty="0">
-                <a:solidFill>
-                  <a:srgbClr val="002060"/>
-                </a:solidFill>
-                <a:ea typeface="Doulos SIL" panose="02000500070000020004" pitchFamily="2" charset="0"/>
-                <a:cs typeface="Doulos SIL" panose="02000500070000020004" pitchFamily="2" charset="0"/>
-              </a:rPr>
-              <a:t>5. Esperimento: 3D con vincolo di disuguaglianza</a:t>
-            </a:r>
-          </a:p>
-        </p:txBody>
-      </p:sp>
       <p:cxnSp>
         <p:nvCxnSpPr>
-          <p:cNvPr id="9" name="Connettore diritto 8">
-            <a:extLst>
-              <a:ext uri="{FF2B5EF4-FFF2-40B4-BE49-F238E27FC236}">
-                <a16:creationId xmlns:a16="http://schemas.microsoft.com/office/drawing/2014/main" id="{0B514A9B-3468-42BC-8113-7B0794F528BA}"/>
+          <p:cNvPr id="11" name="Connettore diritto 10">
+            <a:extLst>
+              <a:ext uri="{FF2B5EF4-FFF2-40B4-BE49-F238E27FC236}">
+                <a16:creationId xmlns:a16="http://schemas.microsoft.com/office/drawing/2014/main" id="{C7CB4E63-3260-4EA3-9D89-8268DC09EF42}"/>
               </a:ext>
             </a:extLst>
           </p:cNvPr>
@@ -4275,8 +4096,8 @@
         </p:nvCxnSpPr>
         <p:spPr>
           <a:xfrm>
-            <a:off x="823911" y="6357584"/>
-            <a:ext cx="10301288" cy="0"/>
+            <a:off x="938212" y="1133242"/>
+            <a:ext cx="11185646" cy="0"/>
           </a:xfrm>
           <a:prstGeom prst="line">
             <a:avLst/>
@@ -4297,10 +4118,146 @@
           </a:fontRef>
         </p:style>
       </p:cxnSp>
+      <p:sp>
+        <p:nvSpPr>
+          <p:cNvPr id="12" name="Titolo 1">
+            <a:extLst>
+              <a:ext uri="{FF2B5EF4-FFF2-40B4-BE49-F238E27FC236}">
+                <a16:creationId xmlns:a16="http://schemas.microsoft.com/office/drawing/2014/main" id="{03DAF942-BA3D-4AC2-811D-589406C84368}"/>
+              </a:ext>
+            </a:extLst>
+          </p:cNvPr>
+          <p:cNvSpPr txBox="1">
+            <a:spLocks/>
+          </p:cNvSpPr>
+          <p:nvPr/>
+        </p:nvSpPr>
+        <p:spPr>
+          <a:xfrm>
+            <a:off x="823912" y="239436"/>
+            <a:ext cx="10199222" cy="1054100"/>
+          </a:xfrm>
+          <a:prstGeom prst="rect">
+            <a:avLst/>
+          </a:prstGeom>
+        </p:spPr>
+        <p:txBody>
+          <a:bodyPr vert="horz" lIns="91440" tIns="45720" rIns="91440" bIns="45720" rtlCol="0" anchor="ctr">
+            <a:normAutofit/>
+          </a:bodyPr>
+          <a:lstStyle>
+            <a:lvl1pPr algn="l" defTabSz="914400" rtl="0" eaLnBrk="1" latinLnBrk="0" hangingPunct="1">
+              <a:lnSpc>
+                <a:spcPct val="90000"/>
+              </a:lnSpc>
+              <a:spcBef>
+                <a:spcPct val="0"/>
+              </a:spcBef>
+              <a:buNone/>
+              <a:defRPr sz="4400" kern="1200">
+                <a:solidFill>
+                  <a:schemeClr val="tx1"/>
+                </a:solidFill>
+                <a:latin typeface="+mj-lt"/>
+                <a:ea typeface="+mj-ea"/>
+                <a:cs typeface="+mj-cs"/>
+              </a:defRPr>
+            </a:lvl1pPr>
+          </a:lstStyle>
+          <a:p>
+            <a:r>
+              <a:rPr lang="it-IT" b="1" dirty="0">
+                <a:solidFill>
+                  <a:srgbClr val="002060"/>
+                </a:solidFill>
+                <a:ea typeface="Doulos SIL" panose="02000500070000020004" pitchFamily="2" charset="0"/>
+                <a:cs typeface="Doulos SIL" panose="02000500070000020004" pitchFamily="2" charset="0"/>
+              </a:rPr>
+              <a:t>6. Esperimento: 3D senza vincoli</a:t>
+            </a:r>
+          </a:p>
+        </p:txBody>
+      </p:sp>
+      <p:sp>
+        <p:nvSpPr>
+          <p:cNvPr id="2" name="CasellaDiTesto 1">
+            <a:extLst>
+              <a:ext uri="{FF2B5EF4-FFF2-40B4-BE49-F238E27FC236}">
+                <a16:creationId xmlns:a16="http://schemas.microsoft.com/office/drawing/2014/main" id="{5F45F277-79BC-4709-8BCD-92552CDA27AD}"/>
+              </a:ext>
+            </a:extLst>
+          </p:cNvPr>
+          <p:cNvSpPr txBox="1"/>
+          <p:nvPr/>
+        </p:nvSpPr>
+        <p:spPr>
+          <a:xfrm>
+            <a:off x="823487" y="1293536"/>
+            <a:ext cx="2940222" cy="3539430"/>
+          </a:xfrm>
+          <a:prstGeom prst="rect">
+            <a:avLst/>
+          </a:prstGeom>
+          <a:noFill/>
+        </p:spPr>
+        <p:txBody>
+          <a:bodyPr wrap="square" rtlCol="0">
+            <a:spAutoFit/>
+          </a:bodyPr>
+          <a:lstStyle/>
+          <a:p>
+            <a:r>
+              <a:rPr lang="it-IT" sz="2800" dirty="0">
+                <a:solidFill>
+                  <a:srgbClr val="002060"/>
+                </a:solidFill>
+                <a:latin typeface="+mj-lt"/>
+              </a:rPr>
+              <a:t>In questo test, l’algoritmo si ferma quando la percentuale di errore scende al di sotto del valore di </a:t>
+            </a:r>
+            <a:r>
+              <a:rPr lang="it-IT" sz="2800" b="1" dirty="0">
+                <a:solidFill>
+                  <a:srgbClr val="C00000"/>
+                </a:solidFill>
+                <a:latin typeface="+mj-lt"/>
+              </a:rPr>
+              <a:t>tolleranza</a:t>
+            </a:r>
+            <a:r>
+              <a:rPr lang="it-IT" sz="2800" dirty="0">
+                <a:solidFill>
+                  <a:srgbClr val="C00000"/>
+                </a:solidFill>
+                <a:latin typeface="+mj-lt"/>
+              </a:rPr>
+              <a:t> </a:t>
+            </a:r>
+            <a:r>
+              <a:rPr lang="it-IT" sz="2800" b="1" dirty="0">
+                <a:solidFill>
+                  <a:srgbClr val="C00000"/>
+                </a:solidFill>
+                <a:latin typeface="+mj-lt"/>
+              </a:rPr>
+              <a:t>ammesso</a:t>
+            </a:r>
+            <a:r>
+              <a:rPr lang="it-IT" sz="2800" dirty="0">
+                <a:solidFill>
+                  <a:srgbClr val="002060"/>
+                </a:solidFill>
+                <a:latin typeface="+mj-lt"/>
+              </a:rPr>
+              <a:t>. </a:t>
+            </a:r>
+          </a:p>
+        </p:txBody>
+      </p:sp>
     </p:spTree>
     <p:extLst>
       <p:ext uri="{BB962C8B-B14F-4D97-AF65-F5344CB8AC3E}">
-        <p14:creationId xmlns:p14="http://schemas.microsoft.com/office/powerpoint/2010/main" val="1685683046"/>
+        <p14:creationId xmlns:p14="http://schemas.microsoft.com/office/powerpoint/2010/main" val="1886510980"/>
       </p:ext>
     </p:extLst>
   </p:cSld>
@@ -4347,7 +4304,7 @@
           <p:cNvPr id="2" name="Titolo 1">
             <a:extLst>
               <a:ext uri="{FF2B5EF4-FFF2-40B4-BE49-F238E27FC236}">
-                <a16:creationId xmlns:a16="http://schemas.microsoft.com/office/drawing/2014/main" id="{887B090B-A589-47C6-BADB-8A0D7CF3EF6A}"/>
+                <a16:creationId xmlns:a16="http://schemas.microsoft.com/office/drawing/2014/main" id="{AB948457-65FF-44D5-A021-5D953048AF52}"/>
               </a:ext>
             </a:extLst>
           </p:cNvPr>
@@ -4360,7 +4317,7 @@
         </p:nvSpPr>
         <p:spPr>
           <a:xfrm>
-            <a:off x="367314" y="168653"/>
+            <a:off x="657225" y="307975"/>
             <a:ext cx="10515600" cy="1325563"/>
           </a:xfrm>
         </p:spPr>
@@ -4373,34 +4330,323 @@
                 <a:solidFill>
                   <a:srgbClr val="002060"/>
                 </a:solidFill>
-              </a:rPr>
-              <a:t>5. </a:t>
-            </a:r>
-            <a:r>
-              <a:rPr lang="it-IT" b="1" dirty="0" smtClean="0">
+                <a:ea typeface="Doulos SIL" panose="02000500070000020004" pitchFamily="2" charset="0"/>
+                <a:cs typeface="Doulos SIL" panose="02000500070000020004" pitchFamily="2" charset="0"/>
+              </a:rPr>
+              <a:t>6. Esperimento: 3D senza vincoli</a:t>
+            </a:r>
+            <a:br>
+              <a:rPr lang="it-IT" b="1" dirty="0">
                 <a:solidFill>
                   <a:srgbClr val="002060"/>
                 </a:solidFill>
-              </a:rPr>
-              <a:t>Esperimento: </a:t>
-            </a:r>
-            <a:r>
-              <a:rPr lang="it-IT" b="1" dirty="0">
-                <a:solidFill>
-                  <a:srgbClr val="002060"/>
-                </a:solidFill>
-              </a:rPr>
-              <a:t>2D con vincolo di uguaglianza</a:t>
-            </a:r>
+                <a:ea typeface="Doulos SIL" panose="02000500070000020004" pitchFamily="2" charset="0"/>
+                <a:cs typeface="Doulos SIL" panose="02000500070000020004" pitchFamily="2" charset="0"/>
+              </a:rPr>
+            </a:br>
+            <a:endParaRPr lang="it-IT" dirty="0"/>
           </a:p>
         </p:txBody>
       </p:sp>
       <p:pic>
         <p:nvPicPr>
-          <p:cNvPr id="7" name="Immagine 6">
-            <a:extLst>
-              <a:ext uri="{FF2B5EF4-FFF2-40B4-BE49-F238E27FC236}">
-                <a16:creationId xmlns:a16="http://schemas.microsoft.com/office/drawing/2014/main" id="{D1320C0B-A149-4F67-9373-A14A7DBC929A}"/>
+          <p:cNvPr id="5" name="Segnaposto contenuto 4">
+            <a:extLst>
+              <a:ext uri="{FF2B5EF4-FFF2-40B4-BE49-F238E27FC236}">
+                <a16:creationId xmlns:a16="http://schemas.microsoft.com/office/drawing/2014/main" id="{4CA44DF1-95BE-4B71-A0E3-A35476898812}"/>
+              </a:ext>
+            </a:extLst>
+          </p:cNvPr>
+          <p:cNvPicPr>
+            <a:picLocks noGrp="1" noChangeAspect="1"/>
+          </p:cNvPicPr>
+          <p:nvPr>
+            <p:ph idx="1"/>
+          </p:nvPr>
+        </p:nvPicPr>
+        <p:blipFill>
+          <a:blip r:embed="rId3">
+            <a:extLst>
+              <a:ext uri="{28A0092B-C50C-407E-A947-70E740481C1C}">
+                <a14:useLocalDpi xmlns:a14="http://schemas.microsoft.com/office/drawing/2010/main" val="0"/>
+              </a:ext>
+            </a:extLst>
+          </a:blip>
+          <a:stretch>
+            <a:fillRect/>
+          </a:stretch>
+        </p:blipFill>
+        <p:spPr>
+          <a:xfrm>
+            <a:off x="4570699" y="2143817"/>
+            <a:ext cx="7424673" cy="2303896"/>
+          </a:xfrm>
+        </p:spPr>
+      </p:pic>
+      <p:cxnSp>
+        <p:nvCxnSpPr>
+          <p:cNvPr id="6" name="Connettore diritto 5">
+            <a:extLst>
+              <a:ext uri="{FF2B5EF4-FFF2-40B4-BE49-F238E27FC236}">
+                <a16:creationId xmlns:a16="http://schemas.microsoft.com/office/drawing/2014/main" id="{330FF7A3-0743-4C2B-958A-0EBFDD59668D}"/>
+              </a:ext>
+            </a:extLst>
+          </p:cNvPr>
+          <p:cNvCxnSpPr>
+            <a:cxnSpLocks/>
+          </p:cNvCxnSpPr>
+          <p:nvPr/>
+        </p:nvCxnSpPr>
+        <p:spPr>
+          <a:xfrm>
+            <a:off x="804862" y="1133242"/>
+            <a:ext cx="11110913" cy="0"/>
+          </a:xfrm>
+          <a:prstGeom prst="line">
+            <a:avLst/>
+          </a:prstGeom>
+        </p:spPr>
+        <p:style>
+          <a:lnRef idx="1">
+            <a:schemeClr val="accent1"/>
+          </a:lnRef>
+          <a:fillRef idx="0">
+            <a:schemeClr val="accent1"/>
+          </a:fillRef>
+          <a:effectRef idx="0">
+            <a:schemeClr val="accent1"/>
+          </a:effectRef>
+          <a:fontRef idx="minor">
+            <a:schemeClr val="tx1"/>
+          </a:fontRef>
+        </p:style>
+      </p:cxnSp>
+      <p:cxnSp>
+        <p:nvCxnSpPr>
+          <p:cNvPr id="7" name="Connettore diritto 6">
+            <a:extLst>
+              <a:ext uri="{FF2B5EF4-FFF2-40B4-BE49-F238E27FC236}">
+                <a16:creationId xmlns:a16="http://schemas.microsoft.com/office/drawing/2014/main" id="{BB904809-0BE3-4F68-85A5-707653C68793}"/>
+              </a:ext>
+            </a:extLst>
+          </p:cNvPr>
+          <p:cNvCxnSpPr>
+            <a:cxnSpLocks/>
+          </p:cNvCxnSpPr>
+          <p:nvPr/>
+        </p:nvCxnSpPr>
+        <p:spPr>
+          <a:xfrm>
+            <a:off x="823911" y="6357584"/>
+            <a:ext cx="11171461" cy="0"/>
+          </a:xfrm>
+          <a:prstGeom prst="line">
+            <a:avLst/>
+          </a:prstGeom>
+        </p:spPr>
+        <p:style>
+          <a:lnRef idx="1">
+            <a:schemeClr val="accent1"/>
+          </a:lnRef>
+          <a:fillRef idx="0">
+            <a:schemeClr val="accent1"/>
+          </a:fillRef>
+          <a:effectRef idx="0">
+            <a:schemeClr val="accent1"/>
+          </a:effectRef>
+          <a:fontRef idx="minor">
+            <a:schemeClr val="tx1"/>
+          </a:fontRef>
+        </p:style>
+      </p:cxnSp>
+      <p:sp>
+        <p:nvSpPr>
+          <p:cNvPr id="9" name="CasellaDiTesto 8">
+            <a:extLst>
+              <a:ext uri="{FF2B5EF4-FFF2-40B4-BE49-F238E27FC236}">
+                <a16:creationId xmlns:a16="http://schemas.microsoft.com/office/drawing/2014/main" id="{AF3D50E3-4C50-4CBF-A7B5-F95BAEE71A1F}"/>
+              </a:ext>
+            </a:extLst>
+          </p:cNvPr>
+          <p:cNvSpPr txBox="1"/>
+          <p:nvPr/>
+        </p:nvSpPr>
+        <p:spPr>
+          <a:xfrm>
+            <a:off x="657225" y="1485316"/>
+            <a:ext cx="3790950" cy="4600859"/>
+          </a:xfrm>
+          <a:prstGeom prst="rect">
+            <a:avLst/>
+          </a:prstGeom>
+          <a:noFill/>
+        </p:spPr>
+        <p:txBody>
+          <a:bodyPr wrap="square" rtlCol="0">
+            <a:spAutoFit/>
+          </a:bodyPr>
+          <a:lstStyle/>
+          <a:p>
+            <a:pPr marL="342900" indent="-342900">
+              <a:buFont typeface="Arial" panose="020B0604020202020204" pitchFamily="34" charset="0"/>
+              <a:buChar char="•"/>
+            </a:pPr>
+            <a:r>
+              <a:rPr lang="it-IT" sz="2400" dirty="0">
+                <a:solidFill>
+                  <a:srgbClr val="002060"/>
+                </a:solidFill>
+                <a:latin typeface="+mj-lt"/>
+              </a:rPr>
+              <a:t>Contrariamente a quanto ci aspettavamo la precisione non tende a migliorare all’aumentare del numero di campioni della funzione obiettivo.</a:t>
+            </a:r>
+          </a:p>
+          <a:p>
+            <a:pPr marL="342900" indent="-342900">
+              <a:buFont typeface="Arial" panose="020B0604020202020204" pitchFamily="34" charset="0"/>
+              <a:buChar char="•"/>
+            </a:pPr>
+            <a:r>
+              <a:rPr lang="it-IT" sz="2400" dirty="0">
+                <a:solidFill>
+                  <a:srgbClr val="002060"/>
+                </a:solidFill>
+                <a:latin typeface="+mj-lt"/>
+              </a:rPr>
+              <a:t>Il motivo per il quale invece le prestazioni sono state migliori in presenza di meno campioni `e quello della scelta delle condizioni di arresto.</a:t>
+            </a:r>
+          </a:p>
+        </p:txBody>
+      </p:sp>
+    </p:spTree>
+    <p:extLst>
+      <p:ext uri="{BB962C8B-B14F-4D97-AF65-F5344CB8AC3E}">
+        <p14:creationId xmlns:p14="http://schemas.microsoft.com/office/powerpoint/2010/main" val="540158033"/>
+      </p:ext>
+    </p:extLst>
+  </p:cSld>
+  <p:clrMapOvr>
+    <a:masterClrMapping/>
+  </p:clrMapOvr>
+</p:sld>
+</file>
+
+<file path=ppt/slides/slide13.xml><?xml version="1.0" encoding="utf-8"?>
+<p:sld xmlns:a="http://schemas.openxmlformats.org/drawingml/2006/main" xmlns:r="http://schemas.openxmlformats.org/officeDocument/2006/relationships" xmlns:p="http://schemas.openxmlformats.org/presentationml/2006/main">
+  <p:cSld>
+    <p:bg>
+      <p:bgPr>
+        <a:blipFill dpi="0" rotWithShape="1">
+          <a:blip r:embed="rId2">
+            <a:alphaModFix amt="58000"/>
+            <a:lum/>
+          </a:blip>
+          <a:srcRect/>
+          <a:stretch>
+            <a:fillRect l="-3000" r="-3000"/>
+          </a:stretch>
+        </a:blipFill>
+        <a:effectLst/>
+      </p:bgPr>
+    </p:bg>
+    <p:spTree>
+      <p:nvGrpSpPr>
+        <p:cNvPr id="1" name=""/>
+        <p:cNvGrpSpPr/>
+        <p:nvPr/>
+      </p:nvGrpSpPr>
+      <p:grpSpPr>
+        <a:xfrm>
+          <a:off x="0" y="0"/>
+          <a:ext cx="0" cy="0"/>
+          <a:chOff x="0" y="0"/>
+          <a:chExt cx="0" cy="0"/>
+        </a:xfrm>
+      </p:grpSpPr>
+      <p:sp>
+        <p:nvSpPr>
+          <p:cNvPr id="3" name="Segnaposto contenuto 2">
+            <a:extLst>
+              <a:ext uri="{FF2B5EF4-FFF2-40B4-BE49-F238E27FC236}">
+                <a16:creationId xmlns:a16="http://schemas.microsoft.com/office/drawing/2014/main" id="{6124F91B-5F97-43D8-85F8-545DBB74A356}"/>
+              </a:ext>
+            </a:extLst>
+          </p:cNvPr>
+          <p:cNvSpPr>
+            <a:spLocks noGrp="1"/>
+          </p:cNvSpPr>
+          <p:nvPr>
+            <p:ph idx="1"/>
+          </p:nvPr>
+        </p:nvSpPr>
+        <p:spPr>
+          <a:xfrm>
+            <a:off x="938212" y="1502713"/>
+            <a:ext cx="3672977" cy="4493819"/>
+          </a:xfrm>
+        </p:spPr>
+        <p:txBody>
+          <a:bodyPr>
+            <a:normAutofit/>
+          </a:bodyPr>
+          <a:lstStyle/>
+          <a:p>
+            <a:pPr marL="0" indent="0">
+              <a:buNone/>
+            </a:pPr>
+            <a:r>
+              <a:rPr lang="it-IT" dirty="0">
+                <a:solidFill>
+                  <a:srgbClr val="002060"/>
+                </a:solidFill>
+                <a:latin typeface="+mj-lt"/>
+              </a:rPr>
+              <a:t>Valutiamo i risultati  in presenza di un vincolo di disuguaglianza </a:t>
+            </a:r>
+            <a:r>
+              <a:rPr lang="it-IT" b="1" i="1" dirty="0">
+                <a:solidFill>
+                  <a:srgbClr val="C00000"/>
+                </a:solidFill>
+                <a:latin typeface="+mj-lt"/>
+              </a:rPr>
+              <a:t>R ≤ 2Z</a:t>
+            </a:r>
+            <a:r>
+              <a:rPr lang="it-IT" dirty="0">
+                <a:solidFill>
+                  <a:srgbClr val="002060"/>
+                </a:solidFill>
+                <a:latin typeface="+mj-lt"/>
+              </a:rPr>
+              <a:t>. </a:t>
+            </a:r>
+            <a:br>
+              <a:rPr lang="it-IT" dirty="0">
+                <a:solidFill>
+                  <a:srgbClr val="002060"/>
+                </a:solidFill>
+                <a:latin typeface="+mj-lt"/>
+              </a:rPr>
+            </a:br>
+            <a:r>
+              <a:rPr lang="it-IT" dirty="0">
+                <a:solidFill>
+                  <a:srgbClr val="002060"/>
+                </a:solidFill>
+                <a:latin typeface="+mj-lt"/>
+              </a:rPr>
+              <a:t>Così come ci aspettavamo la percentuale di errore aumenta drasticamente.</a:t>
+            </a:r>
+          </a:p>
+        </p:txBody>
+      </p:sp>
+      <p:pic>
+        <p:nvPicPr>
+          <p:cNvPr id="5" name="Immagine 4">
+            <a:extLst>
+              <a:ext uri="{FF2B5EF4-FFF2-40B4-BE49-F238E27FC236}">
+                <a16:creationId xmlns:a16="http://schemas.microsoft.com/office/drawing/2014/main" id="{00BF9E96-2D50-43BF-A479-21D30323C6AA}"/>
               </a:ext>
             </a:extLst>
           </p:cNvPr>
@@ -4423,98 +4669,56 @@
         </p:blipFill>
         <p:spPr>
           <a:xfrm>
-            <a:off x="4284795" y="4112890"/>
-            <a:ext cx="7824345" cy="2268366"/>
+            <a:off x="5239415" y="1190812"/>
+            <a:ext cx="6689730" cy="2045111"/>
           </a:xfrm>
           <a:prstGeom prst="rect">
             <a:avLst/>
           </a:prstGeom>
         </p:spPr>
       </p:pic>
-      <p:sp>
-        <p:nvSpPr>
-          <p:cNvPr id="11" name="CasellaDiTesto 10">
-            <a:extLst>
-              <a:ext uri="{FF2B5EF4-FFF2-40B4-BE49-F238E27FC236}">
-                <a16:creationId xmlns:a16="http://schemas.microsoft.com/office/drawing/2014/main" id="{8C335ABF-F52B-47ED-BEFA-E213F741892D}"/>
-              </a:ext>
-            </a:extLst>
-          </p:cNvPr>
-          <p:cNvSpPr txBox="1"/>
+      <p:pic>
+        <p:nvPicPr>
+          <p:cNvPr id="7" name="Immagine 6">
+            <a:extLst>
+              <a:ext uri="{FF2B5EF4-FFF2-40B4-BE49-F238E27FC236}">
+                <a16:creationId xmlns:a16="http://schemas.microsoft.com/office/drawing/2014/main" id="{41A86C1C-1B08-4CD6-A7E0-E58DB123F010}"/>
+              </a:ext>
+            </a:extLst>
+          </p:cNvPr>
+          <p:cNvPicPr>
+            <a:picLocks noChangeAspect="1"/>
+          </p:cNvPicPr>
           <p:nvPr/>
-        </p:nvSpPr>
-        <p:spPr>
-          <a:xfrm>
-            <a:off x="367313" y="1494215"/>
-            <a:ext cx="3917481" cy="3539430"/>
+        </p:nvPicPr>
+        <p:blipFill>
+          <a:blip r:embed="rId4">
+            <a:extLst>
+              <a:ext uri="{28A0092B-C50C-407E-A947-70E740481C1C}">
+                <a14:useLocalDpi xmlns:a14="http://schemas.microsoft.com/office/drawing/2010/main" val="0"/>
+              </a:ext>
+            </a:extLst>
+          </a:blip>
+          <a:stretch>
+            <a:fillRect/>
+          </a:stretch>
+        </p:blipFill>
+        <p:spPr>
+          <a:xfrm>
+            <a:off x="5239415" y="3121093"/>
+            <a:ext cx="6689730" cy="3178071"/>
           </a:xfrm>
           <a:prstGeom prst="rect">
             <a:avLst/>
           </a:prstGeom>
-          <a:noFill/>
-        </p:spPr>
-        <p:txBody>
-          <a:bodyPr wrap="square" rtlCol="0">
-            <a:spAutoFit/>
-          </a:bodyPr>
-          <a:lstStyle/>
-          <a:p>
-            <a:r>
-              <a:rPr lang="it-IT" sz="2800" dirty="0">
-                <a:solidFill>
-                  <a:srgbClr val="002060"/>
-                </a:solidFill>
-                <a:latin typeface="+mj-lt"/>
-              </a:rPr>
-              <a:t>Valutiamo i risultati  in presenza di un vincolo di uguaglianza </a:t>
-            </a:r>
-            <a:r>
-              <a:rPr lang="it-IT" sz="2800" b="1" i="1" dirty="0">
-                <a:solidFill>
-                  <a:srgbClr val="C00000"/>
-                </a:solidFill>
-                <a:latin typeface="+mj-lt"/>
-              </a:rPr>
-              <a:t>R = 2Z </a:t>
-            </a:r>
-            <a:r>
-              <a:rPr lang="it-IT" sz="2800" dirty="0">
-                <a:solidFill>
-                  <a:srgbClr val="002060"/>
-                </a:solidFill>
-                <a:latin typeface="+mj-lt"/>
-              </a:rPr>
-              <a:t>in due dimensioni. </a:t>
-            </a:r>
-            <a:br>
-              <a:rPr lang="it-IT" sz="2800" dirty="0">
-                <a:solidFill>
-                  <a:srgbClr val="002060"/>
-                </a:solidFill>
-                <a:latin typeface="+mj-lt"/>
-              </a:rPr>
-            </a:br>
-            <a:r>
-              <a:rPr lang="it-IT" sz="2800" dirty="0">
-                <a:solidFill>
-                  <a:srgbClr val="002060"/>
-                </a:solidFill>
-                <a:latin typeface="+mj-lt"/>
-              </a:rPr>
-              <a:t>Analogamente al caso in 3D, anche qui la percentuale di errore aumenta di molto.</a:t>
-            </a:r>
-            <a:endParaRPr lang="it-IT" dirty="0">
-              <a:latin typeface="+mj-lt"/>
-            </a:endParaRPr>
-          </a:p>
-        </p:txBody>
-      </p:sp>
+        </p:spPr>
+      </p:pic>
       <p:cxnSp>
         <p:nvCxnSpPr>
-          <p:cNvPr id="14" name="Connettore diritto 13">
-            <a:extLst>
-              <a:ext uri="{FF2B5EF4-FFF2-40B4-BE49-F238E27FC236}">
-                <a16:creationId xmlns:a16="http://schemas.microsoft.com/office/drawing/2014/main" id="{7C54C90B-22FF-4C48-A056-52F24CBE6298}"/>
+          <p:cNvPr id="6" name="Connettore diritto 5">
+            <a:extLst>
+              <a:ext uri="{FF2B5EF4-FFF2-40B4-BE49-F238E27FC236}">
+                <a16:creationId xmlns:a16="http://schemas.microsoft.com/office/drawing/2014/main" id="{B55DB0D4-3783-4F5C-AD3E-B5235DE52A3E}"/>
               </a:ext>
             </a:extLst>
           </p:cNvPr>
@@ -4525,8 +4729,340 @@
         </p:nvCxnSpPr>
         <p:spPr>
           <a:xfrm>
+            <a:off x="938212" y="1133242"/>
+            <a:ext cx="10990933" cy="0"/>
+          </a:xfrm>
+          <a:prstGeom prst="line">
+            <a:avLst/>
+          </a:prstGeom>
+        </p:spPr>
+        <p:style>
+          <a:lnRef idx="1">
+            <a:schemeClr val="accent1"/>
+          </a:lnRef>
+          <a:fillRef idx="0">
+            <a:schemeClr val="accent1"/>
+          </a:fillRef>
+          <a:effectRef idx="0">
+            <a:schemeClr val="accent1"/>
+          </a:effectRef>
+          <a:fontRef idx="minor">
+            <a:schemeClr val="tx1"/>
+          </a:fontRef>
+        </p:style>
+      </p:cxnSp>
+      <p:sp>
+        <p:nvSpPr>
+          <p:cNvPr id="8" name="Titolo 1">
+            <a:extLst>
+              <a:ext uri="{FF2B5EF4-FFF2-40B4-BE49-F238E27FC236}">
+                <a16:creationId xmlns:a16="http://schemas.microsoft.com/office/drawing/2014/main" id="{96D2AA62-1AF3-4103-8973-45C0203F85D7}"/>
+              </a:ext>
+            </a:extLst>
+          </p:cNvPr>
+          <p:cNvSpPr txBox="1">
+            <a:spLocks/>
+          </p:cNvSpPr>
+          <p:nvPr/>
+        </p:nvSpPr>
+        <p:spPr>
+          <a:xfrm>
+            <a:off x="823910" y="239436"/>
+            <a:ext cx="10199224" cy="1054100"/>
+          </a:xfrm>
+          <a:prstGeom prst="rect">
+            <a:avLst/>
+          </a:prstGeom>
+        </p:spPr>
+        <p:txBody>
+          <a:bodyPr vert="horz" lIns="91440" tIns="45720" rIns="91440" bIns="45720" rtlCol="0" anchor="ctr">
+            <a:normAutofit fontScale="92500"/>
+          </a:bodyPr>
+          <a:lstStyle>
+            <a:lvl1pPr algn="l" defTabSz="914400" rtl="0" eaLnBrk="1" latinLnBrk="0" hangingPunct="1">
+              <a:lnSpc>
+                <a:spcPct val="90000"/>
+              </a:lnSpc>
+              <a:spcBef>
+                <a:spcPct val="0"/>
+              </a:spcBef>
+              <a:buNone/>
+              <a:defRPr sz="4400" kern="1200">
+                <a:solidFill>
+                  <a:schemeClr val="tx1"/>
+                </a:solidFill>
+                <a:latin typeface="+mj-lt"/>
+                <a:ea typeface="+mj-ea"/>
+                <a:cs typeface="+mj-cs"/>
+              </a:defRPr>
+            </a:lvl1pPr>
+          </a:lstStyle>
+          <a:p>
+            <a:r>
+              <a:rPr lang="it-IT" b="1" dirty="0">
+                <a:solidFill>
+                  <a:srgbClr val="002060"/>
+                </a:solidFill>
+                <a:ea typeface="Doulos SIL" panose="02000500070000020004" pitchFamily="2" charset="0"/>
+                <a:cs typeface="Doulos SIL" panose="02000500070000020004" pitchFamily="2" charset="0"/>
+              </a:rPr>
+              <a:t>6. Esperimento: 3D con vincolo di disuguaglianza</a:t>
+            </a:r>
+          </a:p>
+        </p:txBody>
+      </p:sp>
+      <p:cxnSp>
+        <p:nvCxnSpPr>
+          <p:cNvPr id="9" name="Connettore diritto 8">
+            <a:extLst>
+              <a:ext uri="{FF2B5EF4-FFF2-40B4-BE49-F238E27FC236}">
+                <a16:creationId xmlns:a16="http://schemas.microsoft.com/office/drawing/2014/main" id="{0B514A9B-3468-42BC-8113-7B0794F528BA}"/>
+              </a:ext>
+            </a:extLst>
+          </p:cNvPr>
+          <p:cNvCxnSpPr>
+            <a:cxnSpLocks/>
+          </p:cNvCxnSpPr>
+          <p:nvPr/>
+        </p:nvCxnSpPr>
+        <p:spPr>
+          <a:xfrm>
+            <a:off x="823911" y="6357584"/>
+            <a:ext cx="11105234" cy="0"/>
+          </a:xfrm>
+          <a:prstGeom prst="line">
+            <a:avLst/>
+          </a:prstGeom>
+        </p:spPr>
+        <p:style>
+          <a:lnRef idx="1">
+            <a:schemeClr val="accent1"/>
+          </a:lnRef>
+          <a:fillRef idx="0">
+            <a:schemeClr val="accent1"/>
+          </a:fillRef>
+          <a:effectRef idx="0">
+            <a:schemeClr val="accent1"/>
+          </a:effectRef>
+          <a:fontRef idx="minor">
+            <a:schemeClr val="tx1"/>
+          </a:fontRef>
+        </p:style>
+      </p:cxnSp>
+    </p:spTree>
+    <p:extLst>
+      <p:ext uri="{BB962C8B-B14F-4D97-AF65-F5344CB8AC3E}">
+        <p14:creationId xmlns:p14="http://schemas.microsoft.com/office/powerpoint/2010/main" val="1685683046"/>
+      </p:ext>
+    </p:extLst>
+  </p:cSld>
+  <p:clrMapOvr>
+    <a:masterClrMapping/>
+  </p:clrMapOvr>
+</p:sld>
+</file>
+
+<file path=ppt/slides/slide14.xml><?xml version="1.0" encoding="utf-8"?>
+<p:sld xmlns:a="http://schemas.openxmlformats.org/drawingml/2006/main" xmlns:r="http://schemas.openxmlformats.org/officeDocument/2006/relationships" xmlns:p="http://schemas.openxmlformats.org/presentationml/2006/main">
+  <p:cSld>
+    <p:bg>
+      <p:bgPr>
+        <a:blipFill dpi="0" rotWithShape="1">
+          <a:blip r:embed="rId2">
+            <a:alphaModFix amt="58000"/>
+            <a:lum/>
+          </a:blip>
+          <a:srcRect/>
+          <a:stretch>
+            <a:fillRect l="-3000" r="-3000"/>
+          </a:stretch>
+        </a:blipFill>
+        <a:effectLst/>
+      </p:bgPr>
+    </p:bg>
+    <p:spTree>
+      <p:nvGrpSpPr>
+        <p:cNvPr id="1" name=""/>
+        <p:cNvGrpSpPr/>
+        <p:nvPr/>
+      </p:nvGrpSpPr>
+      <p:grpSpPr>
+        <a:xfrm>
+          <a:off x="0" y="0"/>
+          <a:ext cx="0" cy="0"/>
+          <a:chOff x="0" y="0"/>
+          <a:chExt cx="0" cy="0"/>
+        </a:xfrm>
+      </p:grpSpPr>
+      <p:sp>
+        <p:nvSpPr>
+          <p:cNvPr id="2" name="Titolo 1">
+            <a:extLst>
+              <a:ext uri="{FF2B5EF4-FFF2-40B4-BE49-F238E27FC236}">
+                <a16:creationId xmlns:a16="http://schemas.microsoft.com/office/drawing/2014/main" id="{887B090B-A589-47C6-BADB-8A0D7CF3EF6A}"/>
+              </a:ext>
+            </a:extLst>
+          </p:cNvPr>
+          <p:cNvSpPr>
+            <a:spLocks noGrp="1"/>
+          </p:cNvSpPr>
+          <p:nvPr>
+            <p:ph type="title"/>
+          </p:nvPr>
+        </p:nvSpPr>
+        <p:spPr>
+          <a:xfrm>
+            <a:off x="367314" y="168653"/>
+            <a:ext cx="10515600" cy="1325563"/>
+          </a:xfrm>
+        </p:spPr>
+        <p:txBody>
+          <a:bodyPr/>
+          <a:lstStyle/>
+          <a:p>
+            <a:r>
+              <a:rPr lang="it-IT" b="1" dirty="0">
+                <a:solidFill>
+                  <a:srgbClr val="002060"/>
+                </a:solidFill>
+              </a:rPr>
+              <a:t>6. Esperimento: 2D con vincolo di uguaglianza</a:t>
+            </a:r>
+          </a:p>
+        </p:txBody>
+      </p:sp>
+      <p:pic>
+        <p:nvPicPr>
+          <p:cNvPr id="7" name="Immagine 6">
+            <a:extLst>
+              <a:ext uri="{FF2B5EF4-FFF2-40B4-BE49-F238E27FC236}">
+                <a16:creationId xmlns:a16="http://schemas.microsoft.com/office/drawing/2014/main" id="{D1320C0B-A149-4F67-9373-A14A7DBC929A}"/>
+              </a:ext>
+            </a:extLst>
+          </p:cNvPr>
+          <p:cNvPicPr>
+            <a:picLocks noChangeAspect="1"/>
+          </p:cNvPicPr>
+          <p:nvPr/>
+        </p:nvPicPr>
+        <p:blipFill>
+          <a:blip r:embed="rId3">
+            <a:extLst>
+              <a:ext uri="{28A0092B-C50C-407E-A947-70E740481C1C}">
+                <a14:useLocalDpi xmlns:a14="http://schemas.microsoft.com/office/drawing/2010/main" val="0"/>
+              </a:ext>
+            </a:extLst>
+          </a:blip>
+          <a:stretch>
+            <a:fillRect/>
+          </a:stretch>
+        </p:blipFill>
+        <p:spPr>
+          <a:xfrm>
+            <a:off x="4284795" y="4112890"/>
+            <a:ext cx="7824345" cy="2268366"/>
+          </a:xfrm>
+          <a:prstGeom prst="rect">
+            <a:avLst/>
+          </a:prstGeom>
+        </p:spPr>
+      </p:pic>
+      <p:sp>
+        <p:nvSpPr>
+          <p:cNvPr id="11" name="CasellaDiTesto 10">
+            <a:extLst>
+              <a:ext uri="{FF2B5EF4-FFF2-40B4-BE49-F238E27FC236}">
+                <a16:creationId xmlns:a16="http://schemas.microsoft.com/office/drawing/2014/main" id="{8C335ABF-F52B-47ED-BEFA-E213F741892D}"/>
+              </a:ext>
+            </a:extLst>
+          </p:cNvPr>
+          <p:cNvSpPr txBox="1"/>
+          <p:nvPr/>
+        </p:nvSpPr>
+        <p:spPr>
+          <a:xfrm>
+            <a:off x="367313" y="1494215"/>
+            <a:ext cx="3917481" cy="3539430"/>
+          </a:xfrm>
+          <a:prstGeom prst="rect">
+            <a:avLst/>
+          </a:prstGeom>
+          <a:noFill/>
+        </p:spPr>
+        <p:txBody>
+          <a:bodyPr wrap="square" rtlCol="0">
+            <a:spAutoFit/>
+          </a:bodyPr>
+          <a:lstStyle/>
+          <a:p>
+            <a:r>
+              <a:rPr lang="it-IT" sz="2800" dirty="0">
+                <a:solidFill>
+                  <a:srgbClr val="002060"/>
+                </a:solidFill>
+                <a:latin typeface="+mj-lt"/>
+              </a:rPr>
+              <a:t>Valutiamo i risultati  in presenza di un vincolo di uguaglianza </a:t>
+            </a:r>
+            <a:r>
+              <a:rPr lang="it-IT" sz="2800" b="1" i="1" dirty="0">
+                <a:solidFill>
+                  <a:srgbClr val="C00000"/>
+                </a:solidFill>
+                <a:latin typeface="+mj-lt"/>
+              </a:rPr>
+              <a:t>R = 2Z </a:t>
+            </a:r>
+            <a:r>
+              <a:rPr lang="it-IT" sz="2800" dirty="0">
+                <a:solidFill>
+                  <a:srgbClr val="002060"/>
+                </a:solidFill>
+                <a:latin typeface="+mj-lt"/>
+              </a:rPr>
+              <a:t>in due dimensioni. </a:t>
+            </a:r>
+            <a:br>
+              <a:rPr lang="it-IT" sz="2800" dirty="0">
+                <a:solidFill>
+                  <a:srgbClr val="002060"/>
+                </a:solidFill>
+                <a:latin typeface="+mj-lt"/>
+              </a:rPr>
+            </a:br>
+            <a:r>
+              <a:rPr lang="it-IT" sz="2800" dirty="0">
+                <a:solidFill>
+                  <a:srgbClr val="002060"/>
+                </a:solidFill>
+                <a:latin typeface="+mj-lt"/>
+              </a:rPr>
+              <a:t>Analogamente al caso in 3D, anche qui la percentuale di errore aumenta di molto.</a:t>
+            </a:r>
+            <a:endParaRPr lang="it-IT" dirty="0">
+              <a:latin typeface="+mj-lt"/>
+            </a:endParaRPr>
+          </a:p>
+        </p:txBody>
+      </p:sp>
+      <p:cxnSp>
+        <p:nvCxnSpPr>
+          <p:cNvPr id="14" name="Connettore diritto 13">
+            <a:extLst>
+              <a:ext uri="{FF2B5EF4-FFF2-40B4-BE49-F238E27FC236}">
+                <a16:creationId xmlns:a16="http://schemas.microsoft.com/office/drawing/2014/main" id="{7C54C90B-22FF-4C48-A056-52F24CBE6298}"/>
+              </a:ext>
+            </a:extLst>
+          </p:cNvPr>
+          <p:cNvCxnSpPr>
+            <a:cxnSpLocks/>
+          </p:cNvCxnSpPr>
+          <p:nvPr/>
+        </p:nvCxnSpPr>
+        <p:spPr>
+          <a:xfrm>
             <a:off x="481011" y="1233134"/>
-            <a:ext cx="10301288" cy="0"/>
+            <a:ext cx="11628129" cy="0"/>
           </a:xfrm>
           <a:prstGeom prst="line">
             <a:avLst/>
@@ -4564,7 +5100,7 @@
         <p:spPr>
           <a:xfrm>
             <a:off x="581626" y="6461865"/>
-            <a:ext cx="10301288" cy="0"/>
+            <a:ext cx="11527514" cy="0"/>
           </a:xfrm>
           <a:prstGeom prst="line">
             <a:avLst/>
@@ -4634,9 +5170,24 @@
 </p:sld>
 </file>
 
-<file path=ppt/slides/slide13.xml><?xml version="1.0" encoding="utf-8"?>
+<file path=ppt/slides/slide15.xml><?xml version="1.0" encoding="utf-8"?>
 <p:sld xmlns:a="http://schemas.openxmlformats.org/drawingml/2006/main" xmlns:r="http://schemas.openxmlformats.org/officeDocument/2006/relationships" xmlns:p="http://schemas.openxmlformats.org/presentationml/2006/main">
   <p:cSld>
+    <p:bg>
+      <p:bgPr>
+        <a:blipFill dpi="0" rotWithShape="1">
+          <a:blip r:embed="rId2">
+            <a:alphaModFix amt="58000"/>
+            <a:lum/>
+          </a:blip>
+          <a:srcRect/>
+          <a:stretch>
+            <a:fillRect l="-3000" r="-3000"/>
+          </a:stretch>
+        </a:blipFill>
+        <a:effectLst/>
+      </p:bgPr>
+    </p:bg>
     <p:spTree>
       <p:nvGrpSpPr>
         <p:cNvPr id="1" name=""/>
@@ -4667,7 +5218,12 @@
             <p:ph type="title"/>
           </p:nvPr>
         </p:nvSpPr>
-        <p:spPr/>
+        <p:spPr>
+          <a:xfrm>
+            <a:off x="402430" y="0"/>
+            <a:ext cx="10515600" cy="1325563"/>
+          </a:xfrm>
+        </p:spPr>
         <p:txBody>
           <a:bodyPr/>
           <a:lstStyle/>
@@ -4678,40 +5234,137 @@
                   <a:srgbClr val="002060"/>
                 </a:solidFill>
               </a:rPr>
-              <a:t>6. Risultati e conclusioni</a:t>
-            </a:r>
-          </a:p>
-        </p:txBody>
-      </p:sp>
-      <p:sp>
-        <p:nvSpPr>
-          <p:cNvPr id="3" name="Segnaposto contenuto 2">
-            <a:extLst>
-              <a:ext uri="{FF2B5EF4-FFF2-40B4-BE49-F238E27FC236}">
-                <a16:creationId xmlns:a16="http://schemas.microsoft.com/office/drawing/2014/main" id="{2B8FA12A-408E-444E-87E3-8F0CB4786A26}"/>
-              </a:ext>
-            </a:extLst>
-          </p:cNvPr>
-          <p:cNvSpPr>
-            <a:spLocks noGrp="1"/>
-          </p:cNvSpPr>
+              <a:t>7. Risultati e conclusioni</a:t>
+            </a:r>
+          </a:p>
+        </p:txBody>
+      </p:sp>
+      <p:pic>
+        <p:nvPicPr>
+          <p:cNvPr id="5" name="Segnaposto contenuto 4">
+            <a:extLst>
+              <a:ext uri="{FF2B5EF4-FFF2-40B4-BE49-F238E27FC236}">
+                <a16:creationId xmlns:a16="http://schemas.microsoft.com/office/drawing/2014/main" id="{0B81158C-3B1C-4A82-949E-E1EDE21E9542}"/>
+              </a:ext>
+            </a:extLst>
+          </p:cNvPr>
+          <p:cNvPicPr>
+            <a:picLocks noGrp="1" noChangeAspect="1"/>
+          </p:cNvPicPr>
           <p:nvPr>
             <p:ph idx="1"/>
           </p:nvPr>
-        </p:nvSpPr>
-        <p:spPr/>
-        <p:txBody>
-          <a:bodyPr/>
-          <a:lstStyle/>
-          <a:p>
-            <a:endParaRPr lang="it-IT"/>
-          </a:p>
-        </p:txBody>
-      </p:sp>
+        </p:nvPicPr>
+        <p:blipFill>
+          <a:blip r:embed="rId3">
+            <a:extLst>
+              <a:ext uri="{28A0092B-C50C-407E-A947-70E740481C1C}">
+                <a14:useLocalDpi xmlns:a14="http://schemas.microsoft.com/office/drawing/2010/main" val="0"/>
+              </a:ext>
+            </a:extLst>
+          </a:blip>
+          <a:stretch>
+            <a:fillRect/>
+          </a:stretch>
+        </p:blipFill>
+        <p:spPr>
+          <a:xfrm>
+            <a:off x="620315" y="918809"/>
+            <a:ext cx="10951370" cy="5580646"/>
+          </a:xfrm>
+        </p:spPr>
+      </p:pic>
     </p:spTree>
     <p:extLst>
       <p:ext uri="{BB962C8B-B14F-4D97-AF65-F5344CB8AC3E}">
         <p14:creationId xmlns:p14="http://schemas.microsoft.com/office/powerpoint/2010/main" val="3339314142"/>
+      </p:ext>
+    </p:extLst>
+  </p:cSld>
+  <p:clrMapOvr>
+    <a:masterClrMapping/>
+  </p:clrMapOvr>
+</p:sld>
+</file>
+
+<file path=ppt/slides/slide16.xml><?xml version="1.0" encoding="utf-8"?>
+<p:sld xmlns:a="http://schemas.openxmlformats.org/drawingml/2006/main" xmlns:r="http://schemas.openxmlformats.org/officeDocument/2006/relationships" xmlns:p="http://schemas.openxmlformats.org/presentationml/2006/main">
+  <p:cSld>
+    <p:bg>
+      <p:bgPr>
+        <a:blipFill dpi="0" rotWithShape="1">
+          <a:blip r:embed="rId2">
+            <a:alphaModFix amt="58000"/>
+            <a:lum/>
+          </a:blip>
+          <a:srcRect/>
+          <a:stretch>
+            <a:fillRect l="-3000" r="-3000"/>
+          </a:stretch>
+        </a:blipFill>
+        <a:effectLst/>
+      </p:bgPr>
+    </p:bg>
+    <p:spTree>
+      <p:nvGrpSpPr>
+        <p:cNvPr id="1" name=""/>
+        <p:cNvGrpSpPr/>
+        <p:nvPr/>
+      </p:nvGrpSpPr>
+      <p:grpSpPr>
+        <a:xfrm>
+          <a:off x="0" y="0"/>
+          <a:ext cx="0" cy="0"/>
+          <a:chOff x="0" y="0"/>
+          <a:chExt cx="0" cy="0"/>
+        </a:xfrm>
+      </p:grpSpPr>
+      <p:sp>
+        <p:nvSpPr>
+          <p:cNvPr id="3" name="Segnaposto contenuto 2">
+            <a:extLst>
+              <a:ext uri="{FF2B5EF4-FFF2-40B4-BE49-F238E27FC236}">
+                <a16:creationId xmlns:a16="http://schemas.microsoft.com/office/drawing/2014/main" id="{FB5A967E-4A0C-4138-8107-13A413007CDC}"/>
+              </a:ext>
+            </a:extLst>
+          </p:cNvPr>
+          <p:cNvSpPr>
+            <a:spLocks noGrp="1"/>
+          </p:cNvSpPr>
+          <p:nvPr>
+            <p:ph idx="1"/>
+          </p:nvPr>
+        </p:nvSpPr>
+        <p:spPr>
+          <a:xfrm>
+            <a:off x="4333875" y="2855912"/>
+            <a:ext cx="8239125" cy="1146175"/>
+          </a:xfrm>
+        </p:spPr>
+        <p:txBody>
+          <a:bodyPr>
+            <a:normAutofit/>
+          </a:bodyPr>
+          <a:lstStyle/>
+          <a:p>
+            <a:pPr marL="0" indent="0">
+              <a:buNone/>
+            </a:pPr>
+            <a:r>
+              <a:rPr lang="it-IT" sz="5400" b="1" dirty="0">
+                <a:solidFill>
+                  <a:srgbClr val="002060"/>
+                </a:solidFill>
+              </a:rPr>
+              <a:t>Grazie per l’attenzione!</a:t>
+            </a:r>
+          </a:p>
+        </p:txBody>
+      </p:sp>
+    </p:spTree>
+    <p:extLst>
+      <p:ext uri="{BB962C8B-B14F-4D97-AF65-F5344CB8AC3E}">
+        <p14:creationId xmlns:p14="http://schemas.microsoft.com/office/powerpoint/2010/main" val="637422969"/>
       </p:ext>
     </p:extLst>
   </p:cSld>
@@ -4818,7 +5471,7 @@
         </p:spPr>
         <p:txBody>
           <a:bodyPr>
-            <a:normAutofit/>
+            <a:normAutofit lnSpcReduction="10000"/>
           </a:bodyPr>
           <a:lstStyle/>
           <a:p>
@@ -4887,6 +5540,23 @@
                 <a:cs typeface="Doulos SIL" panose="02000500070000020004" pitchFamily="2" charset="0"/>
               </a:rPr>
               <a:t>Tecnica di minimizzazione</a:t>
+            </a:r>
+          </a:p>
+          <a:p>
+            <a:pPr marL="514350" indent="-514350">
+              <a:buFont typeface="+mj-lt"/>
+              <a:buAutoNum type="arabicPeriod"/>
+            </a:pPr>
+            <a:r>
+              <a:rPr lang="it-IT" sz="3600" dirty="0">
+                <a:solidFill>
+                  <a:srgbClr val="002060"/>
+                </a:solidFill>
+                <a:latin typeface="+mj-lt"/>
+                <a:ea typeface="Doulos SIL" panose="02000500070000020004" pitchFamily="2" charset="0"/>
+                <a:cs typeface="Doulos SIL" panose="02000500070000020004" pitchFamily="2" charset="0"/>
+              </a:rPr>
+              <a:t>Considerazioni preliminari</a:t>
             </a:r>
           </a:p>
           <a:p>
@@ -5241,8 +5911,8 @@
         </p:nvCxnSpPr>
         <p:spPr>
           <a:xfrm>
-            <a:off x="938212" y="1393301"/>
-            <a:ext cx="10301288" cy="0"/>
+            <a:off x="385762" y="1393301"/>
+            <a:ext cx="11630885" cy="0"/>
           </a:xfrm>
           <a:prstGeom prst="line">
             <a:avLst/>
@@ -5279,7 +5949,7 @@
         </p:nvSpPr>
         <p:spPr>
           <a:xfrm>
-            <a:off x="823911" y="499495"/>
+            <a:off x="218113" y="339201"/>
             <a:ext cx="6667458" cy="1054100"/>
           </a:xfrm>
           <a:prstGeom prst="rect">
@@ -5339,8 +6009,8 @@
         </p:nvCxnSpPr>
         <p:spPr>
           <a:xfrm>
-            <a:off x="823911" y="6357584"/>
-            <a:ext cx="10301288" cy="0"/>
+            <a:off x="385762" y="6386159"/>
+            <a:ext cx="11630885" cy="0"/>
           </a:xfrm>
           <a:prstGeom prst="line">
             <a:avLst/>
@@ -5618,7 +6288,7 @@
         <p:spPr>
           <a:xfrm>
             <a:off x="823911" y="6357584"/>
-            <a:ext cx="10301288" cy="0"/>
+            <a:ext cx="10415589" cy="0"/>
           </a:xfrm>
           <a:prstGeom prst="line">
             <a:avLst/>
@@ -6625,10 +7295,12 @@
                 <a:ea typeface="Doulos SIL" panose="02000500070000020004" pitchFamily="2" charset="0"/>
                 <a:cs typeface="Doulos SIL" panose="02000500070000020004" pitchFamily="2" charset="0"/>
               </a:rPr>
-              <a:t>Implementazione in </a:t>
-            </a:r>
-            <a:r>
-              <a:rPr lang="it-IT" dirty="0" smtClean="0">
+              <a:t>Implementazione in MATLAB</a:t>
+            </a:r>
+          </a:p>
+          <a:p>
+            <a:r>
+              <a:rPr lang="it-IT" b="1" i="1" dirty="0">
                 <a:solidFill>
                   <a:srgbClr val="002060"/>
                 </a:solidFill>
@@ -6636,53 +7308,29 @@
                 <a:ea typeface="Doulos SIL" panose="02000500070000020004" pitchFamily="2" charset="0"/>
                 <a:cs typeface="Doulos SIL" panose="02000500070000020004" pitchFamily="2" charset="0"/>
               </a:rPr>
-              <a:t>MATLAB</a:t>
-            </a:r>
-          </a:p>
-          <a:p>
+              <a:t> </a:t>
+            </a:r>
             <a:r>
               <a:rPr lang="it-IT" b="1" i="1" dirty="0">
                 <a:solidFill>
-                  <a:srgbClr val="002060"/>
+                  <a:srgbClr val="C00000"/>
                 </a:solidFill>
                 <a:latin typeface="+mj-lt"/>
                 <a:ea typeface="Doulos SIL" panose="02000500070000020004" pitchFamily="2" charset="0"/>
                 <a:cs typeface="Doulos SIL" panose="02000500070000020004" pitchFamily="2" charset="0"/>
               </a:rPr>
-              <a:t> </a:t>
-            </a:r>
-            <a:r>
-              <a:rPr lang="it-IT" b="1" i="1" dirty="0" smtClean="0">
-                <a:solidFill>
-                  <a:srgbClr val="C00000"/>
+              <a:t>Caratteristiche</a:t>
+            </a:r>
+            <a:r>
+              <a:rPr lang="it-IT" b="1" i="1" dirty="0">
+                <a:solidFill>
+                  <a:srgbClr val="002060"/>
                 </a:solidFill>
                 <a:latin typeface="+mj-lt"/>
                 <a:ea typeface="Doulos SIL" panose="02000500070000020004" pitchFamily="2" charset="0"/>
                 <a:cs typeface="Doulos SIL" panose="02000500070000020004" pitchFamily="2" charset="0"/>
               </a:rPr>
-              <a:t>Caratteristiche</a:t>
-            </a:r>
-            <a:r>
-              <a:rPr lang="it-IT" b="1" i="1" dirty="0">
-                <a:solidFill>
-                  <a:srgbClr val="002060"/>
-                </a:solidFill>
-                <a:latin typeface="+mj-lt"/>
-                <a:ea typeface="Doulos SIL" panose="02000500070000020004" pitchFamily="2" charset="0"/>
-                <a:cs typeface="Doulos SIL" panose="02000500070000020004" pitchFamily="2" charset="0"/>
-              </a:rPr>
               <a:t>:</a:t>
-            </a:r>
-            <a:r>
-              <a:rPr lang="it-IT" dirty="0">
-                <a:solidFill>
-                  <a:srgbClr val="002060"/>
-                </a:solidFill>
-                <a:latin typeface="+mj-lt"/>
-                <a:ea typeface="Doulos SIL" panose="02000500070000020004" pitchFamily="2" charset="0"/>
-                <a:cs typeface="Doulos SIL" panose="02000500070000020004" pitchFamily="2" charset="0"/>
-              </a:rPr>
-              <a:t/>
             </a:r>
             <a:br>
               <a:rPr lang="it-IT" dirty="0">
@@ -6887,7 +7535,7 @@
         <p:spPr>
           <a:xfrm>
             <a:off x="823911" y="6357584"/>
-            <a:ext cx="10301288" cy="0"/>
+            <a:ext cx="11264103" cy="0"/>
           </a:xfrm>
           <a:prstGeom prst="line">
             <a:avLst/>
@@ -6924,6 +7572,21 @@
 <file path=ppt/slides/slide8.xml><?xml version="1.0" encoding="utf-8"?>
 <p:sld xmlns:a="http://schemas.openxmlformats.org/drawingml/2006/main" xmlns:r="http://schemas.openxmlformats.org/officeDocument/2006/relationships" xmlns:p="http://schemas.openxmlformats.org/presentationml/2006/main">
   <p:cSld>
+    <p:bg>
+      <p:bgPr>
+        <a:blipFill dpi="0" rotWithShape="1">
+          <a:blip r:embed="rId4">
+            <a:alphaModFix amt="58000"/>
+            <a:lum/>
+          </a:blip>
+          <a:srcRect/>
+          <a:stretch>
+            <a:fillRect l="-3000" r="-3000"/>
+          </a:stretch>
+        </a:blipFill>
+        <a:effectLst/>
+      </p:bgPr>
+    </p:bg>
     <p:spTree>
       <p:nvGrpSpPr>
         <p:cNvPr id="1" name=""/>
@@ -6954,7 +7617,12 @@
             <p:ph type="title"/>
           </p:nvPr>
         </p:nvSpPr>
-        <p:spPr/>
+        <p:spPr>
+          <a:xfrm>
+            <a:off x="324324" y="17463"/>
+            <a:ext cx="10515600" cy="1325563"/>
+          </a:xfrm>
+        </p:spPr>
         <p:txBody>
           <a:bodyPr/>
           <a:lstStyle/>
@@ -6994,7 +7662,7 @@
           </p:nvPr>
         </p:nvPicPr>
         <p:blipFill>
-          <a:blip r:embed="rId4"/>
+          <a:blip r:embed="rId5"/>
           <a:stretch>
             <a:fillRect/>
           </a:stretch>
@@ -7191,7 +7859,7 @@
           <p:cNvPr id="2" name="Titolo 1">
             <a:extLst>
               <a:ext uri="{FF2B5EF4-FFF2-40B4-BE49-F238E27FC236}">
-                <a16:creationId xmlns:a16="http://schemas.microsoft.com/office/drawing/2014/main" id="{7EF81A92-4651-4D3E-8A4E-E18E0D7967D2}"/>
+                <a16:creationId xmlns:a16="http://schemas.microsoft.com/office/drawing/2014/main" id="{0DEA3B08-BC89-4E8B-8F82-1517FAB647BD}"/>
               </a:ext>
             </a:extLst>
           </p:cNvPr>
@@ -7213,68 +7881,132 @@
                   <a:srgbClr val="002060"/>
                 </a:solidFill>
               </a:rPr>
-              <a:t>5. </a:t>
-            </a:r>
-            <a:r>
-              <a:rPr lang="it-IT" b="1" dirty="0" smtClean="0">
-                <a:solidFill>
-                  <a:srgbClr val="002060"/>
-                </a:solidFill>
-              </a:rPr>
-              <a:t>Esperimento: </a:t>
-            </a:r>
-            <a:r>
-              <a:rPr lang="it-IT" b="1" dirty="0">
-                <a:solidFill>
-                  <a:srgbClr val="002060"/>
-                </a:solidFill>
-              </a:rPr>
-              <a:t>2D senza vincoli</a:t>
-            </a:r>
-          </a:p>
-        </p:txBody>
-      </p:sp>
-      <p:pic>
-        <p:nvPicPr>
-          <p:cNvPr id="5" name="Segnaposto contenuto 4">
-            <a:extLst>
-              <a:ext uri="{FF2B5EF4-FFF2-40B4-BE49-F238E27FC236}">
-                <a16:creationId xmlns:a16="http://schemas.microsoft.com/office/drawing/2014/main" id="{7041A36E-E33B-46A2-A45B-8C680E636972}"/>
-              </a:ext>
-            </a:extLst>
-          </p:cNvPr>
-          <p:cNvPicPr>
-            <a:picLocks noGrp="1" noChangeAspect="1"/>
-          </p:cNvPicPr>
+              <a:t>5. Considerazioni preliminari</a:t>
+            </a:r>
+          </a:p>
+        </p:txBody>
+      </p:sp>
+      <p:sp>
+        <p:nvSpPr>
+          <p:cNvPr id="3" name="Segnaposto contenuto 2">
+            <a:extLst>
+              <a:ext uri="{FF2B5EF4-FFF2-40B4-BE49-F238E27FC236}">
+                <a16:creationId xmlns:a16="http://schemas.microsoft.com/office/drawing/2014/main" id="{20796A1E-54BB-40ED-910E-95CBB951DEF3}"/>
+              </a:ext>
+            </a:extLst>
+          </p:cNvPr>
+          <p:cNvSpPr>
+            <a:spLocks noGrp="1"/>
+          </p:cNvSpPr>
           <p:nvPr>
             <p:ph idx="1"/>
           </p:nvPr>
-        </p:nvPicPr>
-        <p:blipFill>
-          <a:blip r:embed="rId3">
-            <a:extLst>
-              <a:ext uri="{28A0092B-C50C-407E-A947-70E740481C1C}">
-                <a14:useLocalDpi xmlns:a14="http://schemas.microsoft.com/office/drawing/2010/main" val="0"/>
-              </a:ext>
-            </a:extLst>
-          </a:blip>
-          <a:stretch>
-            <a:fillRect/>
-          </a:stretch>
-        </p:blipFill>
-        <p:spPr>
-          <a:xfrm>
-            <a:off x="4864416" y="4103261"/>
-            <a:ext cx="7051358" cy="2221971"/>
-          </a:xfrm>
-        </p:spPr>
-      </p:pic>
-      <p:sp>
-        <p:nvSpPr>
-          <p:cNvPr id="6" name="CasellaDiTesto 5">
-            <a:extLst>
-              <a:ext uri="{FF2B5EF4-FFF2-40B4-BE49-F238E27FC236}">
-                <a16:creationId xmlns:a16="http://schemas.microsoft.com/office/drawing/2014/main" id="{2E784221-8D14-4E30-A107-7E7E2EE2C843}"/>
+        </p:nvSpPr>
+        <p:spPr>
+          <a:xfrm>
+            <a:off x="838199" y="1825625"/>
+            <a:ext cx="10791825" cy="3013075"/>
+          </a:xfrm>
+        </p:spPr>
+        <p:txBody>
+          <a:bodyPr/>
+          <a:lstStyle/>
+          <a:p>
+            <a:r>
+              <a:rPr lang="it-IT" dirty="0">
+                <a:solidFill>
+                  <a:srgbClr val="002060"/>
+                </a:solidFill>
+                <a:latin typeface="+mj-lt"/>
+              </a:rPr>
+              <a:t>Assumeremo </a:t>
+            </a:r>
+            <a:r>
+              <a:rPr lang="it-IT" i="1" dirty="0">
+                <a:solidFill>
+                  <a:srgbClr val="C00000"/>
+                </a:solidFill>
+                <a:latin typeface="+mj-lt"/>
+              </a:rPr>
+              <a:t>raggio</a:t>
+            </a:r>
+            <a:r>
+              <a:rPr lang="it-IT" dirty="0">
+                <a:solidFill>
+                  <a:srgbClr val="002060"/>
+                </a:solidFill>
+                <a:latin typeface="+mj-lt"/>
+              </a:rPr>
+              <a:t> e </a:t>
+            </a:r>
+            <a:r>
+              <a:rPr lang="it-IT" i="1" dirty="0">
+                <a:solidFill>
+                  <a:srgbClr val="C00000"/>
+                </a:solidFill>
+                <a:latin typeface="+mj-lt"/>
+              </a:rPr>
+              <a:t>posizione</a:t>
+            </a:r>
+            <a:r>
+              <a:rPr lang="it-IT" dirty="0">
+                <a:solidFill>
+                  <a:srgbClr val="002060"/>
+                </a:solidFill>
+                <a:latin typeface="+mj-lt"/>
+              </a:rPr>
+              <a:t> validi non oltre la lunghezza di un metro.</a:t>
+            </a:r>
+          </a:p>
+          <a:p>
+            <a:r>
+              <a:rPr lang="it-IT" dirty="0">
+                <a:solidFill>
+                  <a:srgbClr val="002060"/>
+                </a:solidFill>
+                <a:latin typeface="+mj-lt"/>
+              </a:rPr>
+              <a:t>La massima precisione con la quale l’algoritmo si sposterà nello spazio di ricerca così come i risultati degli esperimenti a seguire è della terza cifra significativa dopo la virgola.</a:t>
+            </a:r>
+          </a:p>
+          <a:p>
+            <a:r>
+              <a:rPr lang="it-IT" b="1" dirty="0">
+                <a:solidFill>
+                  <a:srgbClr val="C00000"/>
+                </a:solidFill>
+                <a:latin typeface="+mj-lt"/>
+              </a:rPr>
+              <a:t>Condizioni di arresto:  </a:t>
+            </a:r>
+          </a:p>
+          <a:p>
+            <a:pPr marL="0" indent="0">
+              <a:buNone/>
+            </a:pPr>
+            <a:endParaRPr lang="it-IT" b="1" dirty="0">
+              <a:solidFill>
+                <a:srgbClr val="C00000"/>
+              </a:solidFill>
+              <a:latin typeface="+mj-lt"/>
+            </a:endParaRPr>
+          </a:p>
+          <a:p>
+            <a:endParaRPr lang="it-IT" dirty="0">
+              <a:solidFill>
+                <a:srgbClr val="002060"/>
+              </a:solidFill>
+              <a:latin typeface="+mj-lt"/>
+            </a:endParaRPr>
+          </a:p>
+        </p:txBody>
+      </p:sp>
+      <p:sp>
+        <p:nvSpPr>
+          <p:cNvPr id="4" name="CasellaDiTesto 3">
+            <a:extLst>
+              <a:ext uri="{FF2B5EF4-FFF2-40B4-BE49-F238E27FC236}">
+                <a16:creationId xmlns:a16="http://schemas.microsoft.com/office/drawing/2014/main" id="{BFBD37E8-D4D6-445A-8EF0-C5B53A72A415}"/>
               </a:ext>
             </a:extLst>
           </p:cNvPr>
@@ -7283,8 +8015,8 @@
         </p:nvSpPr>
         <p:spPr>
           <a:xfrm>
-            <a:off x="838200" y="1665169"/>
-            <a:ext cx="3657601" cy="2677656"/>
+            <a:off x="4257675" y="4016375"/>
+            <a:ext cx="5715000" cy="1384995"/>
           </a:xfrm>
           <a:prstGeom prst="rect">
             <a:avLst/>
@@ -7297,6 +8029,10 @@
           </a:bodyPr>
           <a:lstStyle/>
           <a:p>
+            <a:pPr marL="285750" indent="-285750">
+              <a:buFont typeface="Arial" panose="020B0604020202020204" pitchFamily="34" charset="0"/>
+              <a:buChar char="•"/>
+            </a:pPr>
             <a:r>
               <a:rPr lang="it-IT" sz="2800" dirty="0">
                 <a:solidFill>
@@ -7304,16 +8040,31 @@
                 </a:solidFill>
                 <a:latin typeface="+mj-lt"/>
               </a:rPr>
-              <a:t>In questo test fissiamo la variabile </a:t>
-            </a:r>
-            <a:r>
-              <a:rPr lang="it-IT" sz="2800" b="1" i="1" dirty="0">
-                <a:solidFill>
-                  <a:srgbClr val="C00000"/>
+              <a:t>Lunghezza minima del simplesso.</a:t>
+            </a:r>
+          </a:p>
+          <a:p>
+            <a:pPr marL="285750" indent="-285750">
+              <a:buFont typeface="Arial" panose="020B0604020202020204" pitchFamily="34" charset="0"/>
+              <a:buChar char="•"/>
+            </a:pPr>
+            <a:r>
+              <a:rPr lang="it-IT" sz="2800" dirty="0">
+                <a:solidFill>
+                  <a:srgbClr val="002060"/>
                 </a:solidFill>
                 <a:latin typeface="+mj-lt"/>
               </a:rPr>
-              <a:t>Z = 0.7m </a:t>
+              <a:t>Numero massimo di </a:t>
+            </a:r>
+            <a:r>
+              <a:rPr lang="it-IT" sz="2800" dirty="0" err="1">
+                <a:solidFill>
+                  <a:srgbClr val="002060"/>
+                </a:solidFill>
+                <a:latin typeface="+mj-lt"/>
+              </a:rPr>
+              <a:t>flips</a:t>
             </a:r>
             <a:r>
               <a:rPr lang="it-IT" sz="2800" dirty="0">
@@ -7322,17 +8073,32 @@
                 </a:solidFill>
                 <a:latin typeface="+mj-lt"/>
               </a:rPr>
-              <a:t>e andiamo a ricercare il minimo relativo alla corrente e al raggio della spira.</a:t>
+              <a:t>.</a:t>
+            </a:r>
+          </a:p>
+          <a:p>
+            <a:pPr marL="285750" indent="-285750">
+              <a:buFont typeface="Arial" panose="020B0604020202020204" pitchFamily="34" charset="0"/>
+              <a:buChar char="•"/>
+            </a:pPr>
+            <a:r>
+              <a:rPr lang="it-IT" sz="2800" dirty="0">
+                <a:solidFill>
+                  <a:srgbClr val="002060"/>
+                </a:solidFill>
+                <a:latin typeface="+mj-lt"/>
+              </a:rPr>
+              <a:t>Massima percentuale di errore.</a:t>
             </a:r>
           </a:p>
         </p:txBody>
       </p:sp>
       <p:cxnSp>
         <p:nvCxnSpPr>
-          <p:cNvPr id="9" name="Connettore diritto 8">
-            <a:extLst>
-              <a:ext uri="{FF2B5EF4-FFF2-40B4-BE49-F238E27FC236}">
-                <a16:creationId xmlns:a16="http://schemas.microsoft.com/office/drawing/2014/main" id="{41C58AC4-2EEE-4A36-9C98-FEFC7E836516}"/>
+          <p:cNvPr id="5" name="Connettore diritto 4">
+            <a:extLst>
+              <a:ext uri="{FF2B5EF4-FFF2-40B4-BE49-F238E27FC236}">
+                <a16:creationId xmlns:a16="http://schemas.microsoft.com/office/drawing/2014/main" id="{878F07D6-3A8B-42FC-A1EE-9FFA4FA1D40D}"/>
               </a:ext>
             </a:extLst>
           </p:cNvPr>
@@ -7343,7 +8109,7 @@
         </p:nvCxnSpPr>
         <p:spPr>
           <a:xfrm>
-            <a:off x="1052512" y="6443309"/>
+            <a:off x="945356" y="1385534"/>
             <a:ext cx="10301288" cy="0"/>
           </a:xfrm>
           <a:prstGeom prst="line">
@@ -7367,10 +8133,10 @@
       </p:cxnSp>
       <p:cxnSp>
         <p:nvCxnSpPr>
-          <p:cNvPr id="10" name="Connettore diritto 9">
-            <a:extLst>
-              <a:ext uri="{FF2B5EF4-FFF2-40B4-BE49-F238E27FC236}">
-                <a16:creationId xmlns:a16="http://schemas.microsoft.com/office/drawing/2014/main" id="{E93BD0DD-7D3A-4515-B3FD-EA5BA438F94B}"/>
+          <p:cNvPr id="6" name="Connettore diritto 5">
+            <a:extLst>
+              <a:ext uri="{FF2B5EF4-FFF2-40B4-BE49-F238E27FC236}">
+                <a16:creationId xmlns:a16="http://schemas.microsoft.com/office/drawing/2014/main" id="{546DB05B-E0E9-4250-97C9-6143833B2922}"/>
               </a:ext>
             </a:extLst>
           </p:cNvPr>
@@ -7381,7 +8147,7 @@
         </p:nvCxnSpPr>
         <p:spPr>
           <a:xfrm>
-            <a:off x="945356" y="1385534"/>
+            <a:off x="945356" y="6433784"/>
             <a:ext cx="10301288" cy="0"/>
           </a:xfrm>
           <a:prstGeom prst="line">
@@ -7403,46 +8169,10 @@
           </a:fontRef>
         </p:style>
       </p:cxnSp>
-      <p:pic>
-        <p:nvPicPr>
-          <p:cNvPr id="4" name="Immagine 3">
-            <a:extLst>
-              <a:ext uri="{FF2B5EF4-FFF2-40B4-BE49-F238E27FC236}">
-                <a16:creationId xmlns:a16="http://schemas.microsoft.com/office/drawing/2014/main" id="{409FD23B-18C7-414F-BDC5-2A39C53A1839}"/>
-              </a:ext>
-            </a:extLst>
-          </p:cNvPr>
-          <p:cNvPicPr>
-            <a:picLocks noChangeAspect="1"/>
-          </p:cNvPicPr>
-          <p:nvPr/>
-        </p:nvPicPr>
-        <p:blipFill>
-          <a:blip r:embed="rId4">
-            <a:extLst>
-              <a:ext uri="{28A0092B-C50C-407E-A947-70E740481C1C}">
-                <a14:useLocalDpi xmlns:a14="http://schemas.microsoft.com/office/drawing/2010/main" val="0"/>
-              </a:ext>
-            </a:extLst>
-          </a:blip>
-          <a:stretch>
-            <a:fillRect/>
-          </a:stretch>
-        </p:blipFill>
-        <p:spPr>
-          <a:xfrm>
-            <a:off x="4864416" y="1665169"/>
-            <a:ext cx="7051358" cy="2453770"/>
-          </a:xfrm>
-          <a:prstGeom prst="rect">
-            <a:avLst/>
-          </a:prstGeom>
-        </p:spPr>
-      </p:pic>
     </p:spTree>
     <p:extLst>
       <p:ext uri="{BB962C8B-B14F-4D97-AF65-F5344CB8AC3E}">
-        <p14:creationId xmlns:p14="http://schemas.microsoft.com/office/powerpoint/2010/main" val="4084558885"/>
+        <p14:creationId xmlns:p14="http://schemas.microsoft.com/office/powerpoint/2010/main" val="1684565844"/>
       </p:ext>
     </p:extLst>
   </p:cSld>

--- a/writeup/Slides.pptx
+++ b/writeup/Slides.pptx
@@ -20,7 +20,6 @@
     <p:sldId id="265" r:id="rId14"/>
     <p:sldId id="266" r:id="rId15"/>
     <p:sldId id="267" r:id="rId16"/>
-    <p:sldId id="273" r:id="rId17"/>
   </p:sldIdLst>
   <p:sldSz cx="12192000" cy="6858000"/>
   <p:notesSz cx="6858000" cy="9144000"/>
@@ -139,7 +138,6 @@
             <p14:sldId id="265"/>
             <p14:sldId id="266"/>
             <p14:sldId id="267"/>
-            <p14:sldId id="273"/>
           </p14:sldIdLst>
         </p14:section>
       </p14:sectionLst>
@@ -3972,10 +3970,10 @@
       </p:grpSpPr>
       <p:pic>
         <p:nvPicPr>
-          <p:cNvPr id="5" name="Immagine 4">
-            <a:extLst>
-              <a:ext uri="{FF2B5EF4-FFF2-40B4-BE49-F238E27FC236}">
-                <a16:creationId xmlns:a16="http://schemas.microsoft.com/office/drawing/2014/main" id="{AC029425-8F6E-46A2-9E9B-A94D34CD78A7}"/>
+          <p:cNvPr id="7" name="Immagine 6">
+            <a:extLst>
+              <a:ext uri="{FF2B5EF4-FFF2-40B4-BE49-F238E27FC236}">
+                <a16:creationId xmlns:a16="http://schemas.microsoft.com/office/drawing/2014/main" id="{3F0FE11E-DF9F-4E75-91B9-25F5E9FD59CE}"/>
               </a:ext>
             </a:extLst>
           </p:cNvPr>
@@ -3998,56 +3996,20 @@
         </p:blipFill>
         <p:spPr>
           <a:xfrm>
-            <a:off x="3980075" y="1182707"/>
-            <a:ext cx="8143783" cy="2357123"/>
+            <a:off x="4495952" y="1185297"/>
+            <a:ext cx="7143273" cy="2474828"/>
           </a:xfrm>
           <a:prstGeom prst="rect">
             <a:avLst/>
           </a:prstGeom>
         </p:spPr>
       </p:pic>
-      <p:pic>
-        <p:nvPicPr>
-          <p:cNvPr id="7" name="Immagine 6">
-            <a:extLst>
-              <a:ext uri="{FF2B5EF4-FFF2-40B4-BE49-F238E27FC236}">
-                <a16:creationId xmlns:a16="http://schemas.microsoft.com/office/drawing/2014/main" id="{3F0FE11E-DF9F-4E75-91B9-25F5E9FD59CE}"/>
-              </a:ext>
-            </a:extLst>
-          </p:cNvPr>
-          <p:cNvPicPr>
-            <a:picLocks noChangeAspect="1"/>
-          </p:cNvPicPr>
-          <p:nvPr/>
-        </p:nvPicPr>
-        <p:blipFill>
-          <a:blip r:embed="rId4">
-            <a:extLst>
-              <a:ext uri="{28A0092B-C50C-407E-A947-70E740481C1C}">
-                <a14:useLocalDpi xmlns:a14="http://schemas.microsoft.com/office/drawing/2010/main" val="0"/>
-              </a:ext>
-            </a:extLst>
-          </a:blip>
-          <a:stretch>
-            <a:fillRect/>
-          </a:stretch>
-        </p:blipFill>
-        <p:spPr>
-          <a:xfrm>
-            <a:off x="3980075" y="3429000"/>
-            <a:ext cx="8143783" cy="2821461"/>
-          </a:xfrm>
-          <a:prstGeom prst="rect">
-            <a:avLst/>
-          </a:prstGeom>
-        </p:spPr>
-      </p:pic>
       <p:cxnSp>
         <p:nvCxnSpPr>
-          <p:cNvPr id="9" name="Connettore diritto 8">
-            <a:extLst>
-              <a:ext uri="{FF2B5EF4-FFF2-40B4-BE49-F238E27FC236}">
-                <a16:creationId xmlns:a16="http://schemas.microsoft.com/office/drawing/2014/main" id="{4857374A-5FE8-4D62-BA97-7E080FD1086E}"/>
+          <p:cNvPr id="11" name="Connettore diritto 10">
+            <a:extLst>
+              <a:ext uri="{FF2B5EF4-FFF2-40B4-BE49-F238E27FC236}">
+                <a16:creationId xmlns:a16="http://schemas.microsoft.com/office/drawing/2014/main" id="{C7CB4E63-3260-4EA3-9D89-8268DC09EF42}"/>
               </a:ext>
             </a:extLst>
           </p:cNvPr>
@@ -4058,8 +4020,8 @@
         </p:nvCxnSpPr>
         <p:spPr>
           <a:xfrm>
-            <a:off x="823911" y="6357584"/>
-            <a:ext cx="11299947" cy="0"/>
+            <a:off x="938212" y="1133242"/>
+            <a:ext cx="10701013" cy="0"/>
           </a:xfrm>
           <a:prstGeom prst="line">
             <a:avLst/>
@@ -4080,12 +4042,166 @@
           </a:fontRef>
         </p:style>
       </p:cxnSp>
+      <p:sp>
+        <p:nvSpPr>
+          <p:cNvPr id="12" name="Titolo 1">
+            <a:extLst>
+              <a:ext uri="{FF2B5EF4-FFF2-40B4-BE49-F238E27FC236}">
+                <a16:creationId xmlns:a16="http://schemas.microsoft.com/office/drawing/2014/main" id="{03DAF942-BA3D-4AC2-811D-589406C84368}"/>
+              </a:ext>
+            </a:extLst>
+          </p:cNvPr>
+          <p:cNvSpPr txBox="1">
+            <a:spLocks/>
+          </p:cNvSpPr>
+          <p:nvPr/>
+        </p:nvSpPr>
+        <p:spPr>
+          <a:xfrm>
+            <a:off x="742236" y="35234"/>
+            <a:ext cx="10199222" cy="1054100"/>
+          </a:xfrm>
+          <a:prstGeom prst="rect">
+            <a:avLst/>
+          </a:prstGeom>
+        </p:spPr>
+        <p:txBody>
+          <a:bodyPr vert="horz" lIns="91440" tIns="45720" rIns="91440" bIns="45720" rtlCol="0" anchor="ctr">
+            <a:normAutofit/>
+          </a:bodyPr>
+          <a:lstStyle>
+            <a:lvl1pPr algn="l" defTabSz="914400" rtl="0" eaLnBrk="1" latinLnBrk="0" hangingPunct="1">
+              <a:lnSpc>
+                <a:spcPct val="90000"/>
+              </a:lnSpc>
+              <a:spcBef>
+                <a:spcPct val="0"/>
+              </a:spcBef>
+              <a:buNone/>
+              <a:defRPr sz="4400" kern="1200">
+                <a:solidFill>
+                  <a:schemeClr val="tx1"/>
+                </a:solidFill>
+                <a:latin typeface="+mj-lt"/>
+                <a:ea typeface="+mj-ea"/>
+                <a:cs typeface="+mj-cs"/>
+              </a:defRPr>
+            </a:lvl1pPr>
+          </a:lstStyle>
+          <a:p>
+            <a:r>
+              <a:rPr lang="it-IT" b="1" dirty="0">
+                <a:solidFill>
+                  <a:srgbClr val="002060"/>
+                </a:solidFill>
+                <a:ea typeface="Doulos SIL" panose="02000500070000020004" pitchFamily="2" charset="0"/>
+                <a:cs typeface="Doulos SIL" panose="02000500070000020004" pitchFamily="2" charset="0"/>
+              </a:rPr>
+              <a:t>6. Esperimento: 3D senza vincoli</a:t>
+            </a:r>
+          </a:p>
+        </p:txBody>
+      </p:sp>
+      <p:sp>
+        <p:nvSpPr>
+          <p:cNvPr id="2" name="CasellaDiTesto 1">
+            <a:extLst>
+              <a:ext uri="{FF2B5EF4-FFF2-40B4-BE49-F238E27FC236}">
+                <a16:creationId xmlns:a16="http://schemas.microsoft.com/office/drawing/2014/main" id="{5F45F277-79BC-4709-8BCD-92552CDA27AD}"/>
+              </a:ext>
+            </a:extLst>
+          </p:cNvPr>
+          <p:cNvSpPr txBox="1"/>
+          <p:nvPr/>
+        </p:nvSpPr>
+        <p:spPr>
+          <a:xfrm>
+            <a:off x="938212" y="1287962"/>
+            <a:ext cx="3286874" cy="3108543"/>
+          </a:xfrm>
+          <a:prstGeom prst="rect">
+            <a:avLst/>
+          </a:prstGeom>
+          <a:noFill/>
+        </p:spPr>
+        <p:txBody>
+          <a:bodyPr wrap="square" rtlCol="0">
+            <a:spAutoFit/>
+          </a:bodyPr>
+          <a:lstStyle/>
+          <a:p>
+            <a:r>
+              <a:rPr lang="it-IT" sz="2800" dirty="0">
+                <a:solidFill>
+                  <a:srgbClr val="002060"/>
+                </a:solidFill>
+                <a:latin typeface="+mj-lt"/>
+              </a:rPr>
+              <a:t>In questo test, l’algoritmo si ferma quando la </a:t>
+            </a:r>
+            <a:r>
+              <a:rPr lang="it-IT" sz="2800" b="1" i="1" dirty="0">
+                <a:solidFill>
+                  <a:srgbClr val="C00000"/>
+                </a:solidFill>
+                <a:latin typeface="+mj-lt"/>
+              </a:rPr>
+              <a:t>percentuale di errore</a:t>
+            </a:r>
+            <a:r>
+              <a:rPr lang="it-IT" sz="2800" dirty="0">
+                <a:solidFill>
+                  <a:srgbClr val="002060"/>
+                </a:solidFill>
+                <a:latin typeface="+mj-lt"/>
+              </a:rPr>
+              <a:t> scende al di sotto del valore minimo ammesso. </a:t>
+            </a:r>
+          </a:p>
+        </p:txBody>
+      </p:sp>
+      <p:pic>
+        <p:nvPicPr>
+          <p:cNvPr id="8" name="Immagine 7">
+            <a:extLst>
+              <a:ext uri="{FF2B5EF4-FFF2-40B4-BE49-F238E27FC236}">
+                <a16:creationId xmlns:a16="http://schemas.microsoft.com/office/drawing/2014/main" id="{85D4ADCD-91E9-43A4-A4BE-8677C7FA4CA0}"/>
+              </a:ext>
+            </a:extLst>
+          </p:cNvPr>
+          <p:cNvPicPr>
+            <a:picLocks noChangeAspect="1"/>
+          </p:cNvPicPr>
+          <p:nvPr/>
+        </p:nvPicPr>
+        <p:blipFill>
+          <a:blip r:embed="rId4">
+            <a:extLst>
+              <a:ext uri="{28A0092B-C50C-407E-A947-70E740481C1C}">
+                <a14:useLocalDpi xmlns:a14="http://schemas.microsoft.com/office/drawing/2010/main" val="0"/>
+              </a:ext>
+            </a:extLst>
+          </a:blip>
+          <a:stretch>
+            <a:fillRect/>
+          </a:stretch>
+        </p:blipFill>
+        <p:spPr>
+          <a:xfrm>
+            <a:off x="4495953" y="3657501"/>
+            <a:ext cx="7143272" cy="2876443"/>
+          </a:xfrm>
+          <a:prstGeom prst="rect">
+            <a:avLst/>
+          </a:prstGeom>
+        </p:spPr>
+      </p:pic>
       <p:cxnSp>
         <p:nvCxnSpPr>
-          <p:cNvPr id="11" name="Connettore diritto 10">
-            <a:extLst>
-              <a:ext uri="{FF2B5EF4-FFF2-40B4-BE49-F238E27FC236}">
-                <a16:creationId xmlns:a16="http://schemas.microsoft.com/office/drawing/2014/main" id="{C7CB4E63-3260-4EA3-9D89-8268DC09EF42}"/>
+          <p:cNvPr id="13" name="Connettore diritto 12">
+            <a:extLst>
+              <a:ext uri="{FF2B5EF4-FFF2-40B4-BE49-F238E27FC236}">
+                <a16:creationId xmlns:a16="http://schemas.microsoft.com/office/drawing/2014/main" id="{4AD2E82D-8EB6-4371-8A73-EA718A046D41}"/>
               </a:ext>
             </a:extLst>
           </p:cNvPr>
@@ -4096,8 +4212,8 @@
         </p:nvCxnSpPr>
         <p:spPr>
           <a:xfrm>
-            <a:off x="938212" y="1133242"/>
-            <a:ext cx="11185646" cy="0"/>
+            <a:off x="742236" y="6554736"/>
+            <a:ext cx="10896989" cy="0"/>
           </a:xfrm>
           <a:prstGeom prst="line">
             <a:avLst/>
@@ -4118,142 +4234,6 @@
           </a:fontRef>
         </p:style>
       </p:cxnSp>
-      <p:sp>
-        <p:nvSpPr>
-          <p:cNvPr id="12" name="Titolo 1">
-            <a:extLst>
-              <a:ext uri="{FF2B5EF4-FFF2-40B4-BE49-F238E27FC236}">
-                <a16:creationId xmlns:a16="http://schemas.microsoft.com/office/drawing/2014/main" id="{03DAF942-BA3D-4AC2-811D-589406C84368}"/>
-              </a:ext>
-            </a:extLst>
-          </p:cNvPr>
-          <p:cNvSpPr txBox="1">
-            <a:spLocks/>
-          </p:cNvSpPr>
-          <p:nvPr/>
-        </p:nvSpPr>
-        <p:spPr>
-          <a:xfrm>
-            <a:off x="823912" y="239436"/>
-            <a:ext cx="10199222" cy="1054100"/>
-          </a:xfrm>
-          <a:prstGeom prst="rect">
-            <a:avLst/>
-          </a:prstGeom>
-        </p:spPr>
-        <p:txBody>
-          <a:bodyPr vert="horz" lIns="91440" tIns="45720" rIns="91440" bIns="45720" rtlCol="0" anchor="ctr">
-            <a:normAutofit/>
-          </a:bodyPr>
-          <a:lstStyle>
-            <a:lvl1pPr algn="l" defTabSz="914400" rtl="0" eaLnBrk="1" latinLnBrk="0" hangingPunct="1">
-              <a:lnSpc>
-                <a:spcPct val="90000"/>
-              </a:lnSpc>
-              <a:spcBef>
-                <a:spcPct val="0"/>
-              </a:spcBef>
-              <a:buNone/>
-              <a:defRPr sz="4400" kern="1200">
-                <a:solidFill>
-                  <a:schemeClr val="tx1"/>
-                </a:solidFill>
-                <a:latin typeface="+mj-lt"/>
-                <a:ea typeface="+mj-ea"/>
-                <a:cs typeface="+mj-cs"/>
-              </a:defRPr>
-            </a:lvl1pPr>
-          </a:lstStyle>
-          <a:p>
-            <a:r>
-              <a:rPr lang="it-IT" b="1" dirty="0">
-                <a:solidFill>
-                  <a:srgbClr val="002060"/>
-                </a:solidFill>
-                <a:ea typeface="Doulos SIL" panose="02000500070000020004" pitchFamily="2" charset="0"/>
-                <a:cs typeface="Doulos SIL" panose="02000500070000020004" pitchFamily="2" charset="0"/>
-              </a:rPr>
-              <a:t>6. Esperimento: 3D senza vincoli</a:t>
-            </a:r>
-          </a:p>
-        </p:txBody>
-      </p:sp>
-      <p:sp>
-        <p:nvSpPr>
-          <p:cNvPr id="2" name="CasellaDiTesto 1">
-            <a:extLst>
-              <a:ext uri="{FF2B5EF4-FFF2-40B4-BE49-F238E27FC236}">
-                <a16:creationId xmlns:a16="http://schemas.microsoft.com/office/drawing/2014/main" id="{5F45F277-79BC-4709-8BCD-92552CDA27AD}"/>
-              </a:ext>
-            </a:extLst>
-          </p:cNvPr>
-          <p:cNvSpPr txBox="1"/>
-          <p:nvPr/>
-        </p:nvSpPr>
-        <p:spPr>
-          <a:xfrm>
-            <a:off x="823487" y="1293536"/>
-            <a:ext cx="2940222" cy="3539430"/>
-          </a:xfrm>
-          <a:prstGeom prst="rect">
-            <a:avLst/>
-          </a:prstGeom>
-          <a:noFill/>
-        </p:spPr>
-        <p:txBody>
-          <a:bodyPr wrap="square" rtlCol="0">
-            <a:spAutoFit/>
-          </a:bodyPr>
-          <a:lstStyle/>
-          <a:p>
-            <a:r>
-              <a:rPr lang="it-IT" sz="2800" dirty="0">
-                <a:solidFill>
-                  <a:srgbClr val="002060"/>
-                </a:solidFill>
-                <a:latin typeface="+mj-lt"/>
-              </a:rPr>
-              <a:t>In questo test, l’algoritmo si ferma quando la percentuale di errore scende al di sotto del valore di </a:t>
-            </a:r>
-            <a:r>
-              <a:rPr lang="it-IT" sz="2800" b="1" dirty="0">
-                <a:solidFill>
-                  <a:srgbClr val="C00000"/>
-                </a:solidFill>
-                <a:latin typeface="+mj-lt"/>
-              </a:rPr>
-              <a:t>tolleranza</a:t>
-            </a:r>
-            <a:r>
-              <a:rPr lang="it-IT" sz="2800" dirty="0">
-                <a:solidFill>
-                  <a:srgbClr val="C00000"/>
-                </a:solidFill>
-                <a:latin typeface="+mj-lt"/>
-              </a:rPr>
-              <a:t> </a:t>
-            </a:r>
-            <a:r>
-              <a:rPr lang="it-IT" sz="2800" b="1" dirty="0">
-                <a:solidFill>
-                  <a:srgbClr val="C00000"/>
-                </a:solidFill>
-                <a:latin typeface="+mj-lt"/>
-              </a:rPr>
-              <a:t>ammesso</a:t>
-            </a:r>
-            <a:r>
-              <a:rPr lang="it-IT" sz="2800" dirty="0">
-                <a:solidFill>
-                  <a:srgbClr val="002060"/>
-                </a:solidFill>
-                <a:latin typeface="+mj-lt"/>
-              </a:rPr>
-              <a:t>. </a:t>
-            </a:r>
-          </a:p>
-        </p:txBody>
-      </p:sp>
     </p:spTree>
     <p:extLst>
       <p:ext uri="{BB962C8B-B14F-4D97-AF65-F5344CB8AC3E}">
@@ -4348,41 +4328,6 @@
           </a:p>
         </p:txBody>
       </p:sp>
-      <p:pic>
-        <p:nvPicPr>
-          <p:cNvPr id="5" name="Segnaposto contenuto 4">
-            <a:extLst>
-              <a:ext uri="{FF2B5EF4-FFF2-40B4-BE49-F238E27FC236}">
-                <a16:creationId xmlns:a16="http://schemas.microsoft.com/office/drawing/2014/main" id="{4CA44DF1-95BE-4B71-A0E3-A35476898812}"/>
-              </a:ext>
-            </a:extLst>
-          </p:cNvPr>
-          <p:cNvPicPr>
-            <a:picLocks noGrp="1" noChangeAspect="1"/>
-          </p:cNvPicPr>
-          <p:nvPr>
-            <p:ph idx="1"/>
-          </p:nvPr>
-        </p:nvPicPr>
-        <p:blipFill>
-          <a:blip r:embed="rId3">
-            <a:extLst>
-              <a:ext uri="{28A0092B-C50C-407E-A947-70E740481C1C}">
-                <a14:useLocalDpi xmlns:a14="http://schemas.microsoft.com/office/drawing/2010/main" val="0"/>
-              </a:ext>
-            </a:extLst>
-          </a:blip>
-          <a:stretch>
-            <a:fillRect/>
-          </a:stretch>
-        </p:blipFill>
-        <p:spPr>
-          <a:xfrm>
-            <a:off x="4570699" y="2143817"/>
-            <a:ext cx="7424673" cy="2303896"/>
-          </a:xfrm>
-        </p:spPr>
-      </p:pic>
       <p:cxnSp>
         <p:nvCxnSpPr>
           <p:cNvPr id="6" name="Connettore diritto 5">
@@ -4437,7 +4382,7 @@
         </p:nvCxnSpPr>
         <p:spPr>
           <a:xfrm>
-            <a:off x="823911" y="6357584"/>
+            <a:off x="744314" y="6321008"/>
             <a:ext cx="11171461" cy="0"/>
           </a:xfrm>
           <a:prstGeom prst="line">
@@ -4474,7 +4419,7 @@
         <p:spPr>
           <a:xfrm>
             <a:off x="657225" y="1485316"/>
-            <a:ext cx="3790950" cy="4600859"/>
+            <a:ext cx="3790950" cy="4524315"/>
           </a:xfrm>
           <a:prstGeom prst="rect">
             <a:avLst/>
@@ -4498,7 +4443,25 @@
                 </a:solidFill>
                 <a:latin typeface="+mj-lt"/>
               </a:rPr>
-              <a:t>Contrariamente a quanto ci aspettavamo la precisione non tende a migliorare all’aumentare del numero di campioni della funzione obiettivo.</a:t>
+              <a:t>Contrariamente a quanto ci aspettavamo la precisione </a:t>
+            </a:r>
+            <a:r>
+              <a:rPr lang="it-IT" sz="2400" dirty="0">
+                <a:solidFill>
+                  <a:srgbClr val="C00000"/>
+                </a:solidFill>
+                <a:latin typeface="+mj-lt"/>
+              </a:rPr>
+              <a:t>non tende a migliorare</a:t>
+            </a:r>
+            <a:r>
+              <a:rPr lang="it-IT" sz="2400" dirty="0">
+                <a:solidFill>
+                  <a:srgbClr val="002060"/>
+                </a:solidFill>
+                <a:latin typeface="+mj-lt"/>
+              </a:rPr>
+              <a:t> all’aumentare del numero di campioni della funzione obiettivo.</a:t>
             </a:r>
           </a:p>
           <a:p>
@@ -4513,11 +4476,100 @@
                 </a:solidFill>
                 <a:latin typeface="+mj-lt"/>
               </a:rPr>
-              <a:t>Il motivo per il quale invece le prestazioni sono state migliori in presenza di meno campioni `e quello della scelta delle condizioni di arresto.</a:t>
-            </a:r>
-          </a:p>
-        </p:txBody>
-      </p:sp>
+              <a:t>Il motivo per il quale invece le prestazioni sono state migliori in presenza di meno campioni è </a:t>
+            </a:r>
+            <a:r>
+              <a:rPr lang="it-IT" sz="2400" dirty="0">
+                <a:solidFill>
+                  <a:srgbClr val="C00000"/>
+                </a:solidFill>
+                <a:latin typeface="+mj-lt"/>
+              </a:rPr>
+              <a:t>la minore definizione</a:t>
+            </a:r>
+            <a:r>
+              <a:rPr lang="it-IT" sz="2400" dirty="0">
+                <a:solidFill>
+                  <a:srgbClr val="002060"/>
+                </a:solidFill>
+                <a:latin typeface="+mj-lt"/>
+              </a:rPr>
+              <a:t> della funzione obiettivo</a:t>
+            </a:r>
+          </a:p>
+        </p:txBody>
+      </p:sp>
+      <p:pic>
+        <p:nvPicPr>
+          <p:cNvPr id="10" name="Segnaposto contenuto 9">
+            <a:extLst>
+              <a:ext uri="{FF2B5EF4-FFF2-40B4-BE49-F238E27FC236}">
+                <a16:creationId xmlns:a16="http://schemas.microsoft.com/office/drawing/2014/main" id="{1A6C89F9-BC8A-4DCE-B7FC-4A143C50E482}"/>
+              </a:ext>
+            </a:extLst>
+          </p:cNvPr>
+          <p:cNvPicPr>
+            <a:picLocks noGrp="1" noChangeAspect="1"/>
+          </p:cNvPicPr>
+          <p:nvPr>
+            <p:ph idx="1"/>
+          </p:nvPr>
+        </p:nvPicPr>
+        <p:blipFill>
+          <a:blip r:embed="rId3">
+            <a:extLst>
+              <a:ext uri="{28A0092B-C50C-407E-A947-70E740481C1C}">
+                <a14:useLocalDpi xmlns:a14="http://schemas.microsoft.com/office/drawing/2010/main" val="0"/>
+              </a:ext>
+            </a:extLst>
+          </a:blip>
+          <a:stretch>
+            <a:fillRect/>
+          </a:stretch>
+        </p:blipFill>
+        <p:spPr>
+          <a:xfrm>
+            <a:off x="4448175" y="1354674"/>
+            <a:ext cx="7467600" cy="2165815"/>
+          </a:xfrm>
+        </p:spPr>
+      </p:pic>
+      <p:pic>
+        <p:nvPicPr>
+          <p:cNvPr id="12" name="Immagine 11">
+            <a:extLst>
+              <a:ext uri="{FF2B5EF4-FFF2-40B4-BE49-F238E27FC236}">
+                <a16:creationId xmlns:a16="http://schemas.microsoft.com/office/drawing/2014/main" id="{87664EE8-AAE4-458B-9EAC-612C8A237E05}"/>
+              </a:ext>
+            </a:extLst>
+          </p:cNvPr>
+          <p:cNvPicPr>
+            <a:picLocks noChangeAspect="1"/>
+          </p:cNvPicPr>
+          <p:nvPr/>
+        </p:nvPicPr>
+        <p:blipFill>
+          <a:blip r:embed="rId4">
+            <a:extLst>
+              <a:ext uri="{28A0092B-C50C-407E-A947-70E740481C1C}">
+                <a14:useLocalDpi xmlns:a14="http://schemas.microsoft.com/office/drawing/2010/main" val="0"/>
+              </a:ext>
+            </a:extLst>
+          </a:blip>
+          <a:stretch>
+            <a:fillRect/>
+          </a:stretch>
+        </p:blipFill>
+        <p:spPr>
+          <a:xfrm>
+            <a:off x="4448175" y="3520489"/>
+            <a:ext cx="7467600" cy="2317997"/>
+          </a:xfrm>
+          <a:prstGeom prst="rect">
+            <a:avLst/>
+          </a:prstGeom>
+        </p:spPr>
+      </p:pic>
     </p:spTree>
     <p:extLst>
       <p:ext uri="{BB962C8B-B14F-4D97-AF65-F5344CB8AC3E}">
@@ -4959,7 +5011,7 @@
         </p:blipFill>
         <p:spPr>
           <a:xfrm>
-            <a:off x="4284795" y="4112890"/>
+            <a:off x="4284794" y="4097887"/>
             <a:ext cx="7824345" cy="2268366"/>
           </a:xfrm>
           <a:prstGeom prst="rect">
@@ -5278,93 +5330,6 @@
     <p:extLst>
       <p:ext uri="{BB962C8B-B14F-4D97-AF65-F5344CB8AC3E}">
         <p14:creationId xmlns:p14="http://schemas.microsoft.com/office/powerpoint/2010/main" val="3339314142"/>
-      </p:ext>
-    </p:extLst>
-  </p:cSld>
-  <p:clrMapOvr>
-    <a:masterClrMapping/>
-  </p:clrMapOvr>
-</p:sld>
-</file>
-
-<file path=ppt/slides/slide16.xml><?xml version="1.0" encoding="utf-8"?>
-<p:sld xmlns:a="http://schemas.openxmlformats.org/drawingml/2006/main" xmlns:r="http://schemas.openxmlformats.org/officeDocument/2006/relationships" xmlns:p="http://schemas.openxmlformats.org/presentationml/2006/main">
-  <p:cSld>
-    <p:bg>
-      <p:bgPr>
-        <a:blipFill dpi="0" rotWithShape="1">
-          <a:blip r:embed="rId2">
-            <a:alphaModFix amt="58000"/>
-            <a:lum/>
-          </a:blip>
-          <a:srcRect/>
-          <a:stretch>
-            <a:fillRect l="-3000" r="-3000"/>
-          </a:stretch>
-        </a:blipFill>
-        <a:effectLst/>
-      </p:bgPr>
-    </p:bg>
-    <p:spTree>
-      <p:nvGrpSpPr>
-        <p:cNvPr id="1" name=""/>
-        <p:cNvGrpSpPr/>
-        <p:nvPr/>
-      </p:nvGrpSpPr>
-      <p:grpSpPr>
-        <a:xfrm>
-          <a:off x="0" y="0"/>
-          <a:ext cx="0" cy="0"/>
-          <a:chOff x="0" y="0"/>
-          <a:chExt cx="0" cy="0"/>
-        </a:xfrm>
-      </p:grpSpPr>
-      <p:sp>
-        <p:nvSpPr>
-          <p:cNvPr id="3" name="Segnaposto contenuto 2">
-            <a:extLst>
-              <a:ext uri="{FF2B5EF4-FFF2-40B4-BE49-F238E27FC236}">
-                <a16:creationId xmlns:a16="http://schemas.microsoft.com/office/drawing/2014/main" id="{FB5A967E-4A0C-4138-8107-13A413007CDC}"/>
-              </a:ext>
-            </a:extLst>
-          </p:cNvPr>
-          <p:cNvSpPr>
-            <a:spLocks noGrp="1"/>
-          </p:cNvSpPr>
-          <p:nvPr>
-            <p:ph idx="1"/>
-          </p:nvPr>
-        </p:nvSpPr>
-        <p:spPr>
-          <a:xfrm>
-            <a:off x="4333875" y="2855912"/>
-            <a:ext cx="8239125" cy="1146175"/>
-          </a:xfrm>
-        </p:spPr>
-        <p:txBody>
-          <a:bodyPr>
-            <a:normAutofit/>
-          </a:bodyPr>
-          <a:lstStyle/>
-          <a:p>
-            <a:pPr marL="0" indent="0">
-              <a:buNone/>
-            </a:pPr>
-            <a:r>
-              <a:rPr lang="it-IT" sz="5400" b="1" dirty="0">
-                <a:solidFill>
-                  <a:srgbClr val="002060"/>
-                </a:solidFill>
-              </a:rPr>
-              <a:t>Grazie per l’attenzione!</a:t>
-            </a:r>
-          </a:p>
-        </p:txBody>
-      </p:sp>
-    </p:spTree>
-    <p:extLst>
-      <p:ext uri="{BB962C8B-B14F-4D97-AF65-F5344CB8AC3E}">
-        <p14:creationId xmlns:p14="http://schemas.microsoft.com/office/powerpoint/2010/main" val="637422969"/>
       </p:ext>
     </p:extLst>
   </p:cSld>
@@ -7905,7 +7870,7 @@
         <p:spPr>
           <a:xfrm>
             <a:off x="838199" y="1825625"/>
-            <a:ext cx="10791825" cy="3013075"/>
+            <a:ext cx="10791825" cy="3243524"/>
           </a:xfrm>
         </p:spPr>
         <p:txBody>
@@ -7922,7 +7887,7 @@
               <a:t>Assumeremo </a:t>
             </a:r>
             <a:r>
-              <a:rPr lang="it-IT" i="1" dirty="0">
+              <a:rPr lang="it-IT" b="1" i="1" dirty="0">
                 <a:solidFill>
                   <a:srgbClr val="C00000"/>
                 </a:solidFill>
@@ -7940,7 +7905,7 @@
               <a:t> e </a:t>
             </a:r>
             <a:r>
-              <a:rPr lang="it-IT" i="1" dirty="0">
+              <a:rPr lang="it-IT" b="1" i="1" dirty="0">
                 <a:solidFill>
                   <a:srgbClr val="C00000"/>
                 </a:solidFill>
@@ -7966,7 +7931,25 @@
                 </a:solidFill>
                 <a:latin typeface="+mj-lt"/>
               </a:rPr>
-              <a:t>La massima precisione con la quale l’algoritmo si sposterà nello spazio di ricerca così come i risultati degli esperimenti a seguire è della terza cifra significativa dopo la virgola.</a:t>
+              <a:t>La massima precisione con la quale l’algoritmo si sposterà nello spazio di ricerca così come i risultati degli esperimenti a seguire è della </a:t>
+            </a:r>
+            <a:r>
+              <a:rPr lang="it-IT" b="1" i="1" dirty="0">
+                <a:solidFill>
+                  <a:srgbClr val="C00000"/>
+                </a:solidFill>
+                <a:latin typeface="+mj-lt"/>
+              </a:rPr>
+              <a:t>terza cifra significativa </a:t>
+            </a:r>
+            <a:r>
+              <a:rPr lang="it-IT" dirty="0">
+                <a:solidFill>
+                  <a:srgbClr val="002060"/>
+                </a:solidFill>
+                <a:latin typeface="+mj-lt"/>
+              </a:rPr>
+              <a:t>dopo la virgola.</a:t>
             </a:r>
           </a:p>
           <a:p>
@@ -8015,7 +7998,7 @@
         </p:nvSpPr>
         <p:spPr>
           <a:xfrm>
-            <a:off x="4257675" y="4016375"/>
+            <a:off x="4248797" y="3616881"/>
             <a:ext cx="5715000" cy="1384995"/>
           </a:xfrm>
           <a:prstGeom prst="rect">
@@ -8040,7 +8023,7 @@
                 </a:solidFill>
                 <a:latin typeface="+mj-lt"/>
               </a:rPr>
-              <a:t>Lunghezza minima del simplesso.</a:t>
+              <a:t>Lunghezza minima del simplesso</a:t>
             </a:r>
           </a:p>
           <a:p>
@@ -8066,15 +8049,12 @@
               </a:rPr>
               <a:t>flips</a:t>
             </a:r>
-            <a:r>
-              <a:rPr lang="it-IT" sz="2800" dirty="0">
-                <a:solidFill>
-                  <a:srgbClr val="002060"/>
-                </a:solidFill>
-                <a:latin typeface="+mj-lt"/>
-              </a:rPr>
-              <a:t>.</a:t>
-            </a:r>
+            <a:endParaRPr lang="it-IT" sz="2800" dirty="0">
+              <a:solidFill>
+                <a:srgbClr val="002060"/>
+              </a:solidFill>
+              <a:latin typeface="+mj-lt"/>
+            </a:endParaRPr>
           </a:p>
           <a:p>
             <a:pPr marL="285750" indent="-285750">
@@ -8088,7 +8068,7 @@
                 </a:solidFill>
                 <a:latin typeface="+mj-lt"/>
               </a:rPr>
-              <a:t>Massima percentuale di errore.</a:t>
+              <a:t>Massima percentuale di errore</a:t>
             </a:r>
           </a:p>
         </p:txBody>

--- a/writeup/Slides.pptx
+++ b/writeup/Slides.pptx
@@ -6,20 +6,21 @@
   </p:sldMasterIdLst>
   <p:sldIdLst>
     <p:sldId id="256" r:id="rId2"/>
-    <p:sldId id="257" r:id="rId3"/>
-    <p:sldId id="258" r:id="rId4"/>
-    <p:sldId id="259" r:id="rId5"/>
-    <p:sldId id="260" r:id="rId6"/>
-    <p:sldId id="262" r:id="rId7"/>
-    <p:sldId id="263" r:id="rId8"/>
-    <p:sldId id="268" r:id="rId9"/>
-    <p:sldId id="271" r:id="rId10"/>
-    <p:sldId id="269" r:id="rId11"/>
-    <p:sldId id="264" r:id="rId12"/>
-    <p:sldId id="272" r:id="rId13"/>
-    <p:sldId id="265" r:id="rId14"/>
-    <p:sldId id="266" r:id="rId15"/>
-    <p:sldId id="267" r:id="rId16"/>
+    <p:sldId id="273" r:id="rId3"/>
+    <p:sldId id="257" r:id="rId4"/>
+    <p:sldId id="258" r:id="rId5"/>
+    <p:sldId id="259" r:id="rId6"/>
+    <p:sldId id="260" r:id="rId7"/>
+    <p:sldId id="262" r:id="rId8"/>
+    <p:sldId id="263" r:id="rId9"/>
+    <p:sldId id="268" r:id="rId10"/>
+    <p:sldId id="271" r:id="rId11"/>
+    <p:sldId id="269" r:id="rId12"/>
+    <p:sldId id="264" r:id="rId13"/>
+    <p:sldId id="272" r:id="rId14"/>
+    <p:sldId id="265" r:id="rId15"/>
+    <p:sldId id="266" r:id="rId16"/>
+    <p:sldId id="267" r:id="rId17"/>
   </p:sldIdLst>
   <p:sldSz cx="12192000" cy="6858000"/>
   <p:notesSz cx="6858000" cy="9144000"/>
@@ -124,6 +125,7 @@
         <p14:section name="Sezione senza titolo" id="{085B98F1-54A5-4822-B696-96F414106BEC}">
           <p14:sldIdLst>
             <p14:sldId id="256"/>
+            <p14:sldId id="273"/>
             <p14:sldId id="257"/>
             <p14:sldId id="258"/>
             <p14:sldId id="259"/>
@@ -152,10 +154,10 @@
 <file path=ppt/revisionInfo.xml><?xml version="1.0" encoding="utf-8"?>
 <p1510:revInfo xmlns:a="http://schemas.openxmlformats.org/drawingml/2006/main" xmlns:r="http://schemas.openxmlformats.org/officeDocument/2006/relationships" xmlns:p1510="http://schemas.microsoft.com/office/powerpoint/2015/10/main">
   <p1510:revLst>
+    <p1510:client id="{AF234B7E-82A7-444F-B401-35DEC5A5F2CB}" v="86" dt="2018-11-26T21:06:46.933"/>
     <p1510:client id="{E9A3E667-E202-6353-A4E7-75F3F84AD1CD}" v="6" dt="2018-11-27T08:41:12.239"/>
-    <p1510:client id="{AF234B7E-82A7-444F-B401-35DEC5A5F2CB}" v="86" dt="2018-11-26T21:06:46.933"/>
+    <p1510:client id="{7DB06895-C1A9-463A-81DF-B0E1BD81AE50}" v="54" dt="2018-11-26T21:06:41.168"/>
     <p1510:client id="{987B40F4-C2A0-FF56-D036-10FC24EEC81B}" v="12" dt="2018-11-27T08:41:27.046"/>
-    <p1510:client id="{7DB06895-C1A9-463A-81DF-B0E1BD81AE50}" v="54" dt="2018-11-26T21:06:41.168"/>
     <p1510:client id="{F791663E-8F02-4097-8A90-B5990CC7961B}" v="62" dt="2018-11-27T09:06:13.711"/>
   </p1510:revLst>
 </p1510:revInfo>
@@ -3691,7 +3693,7 @@
           <p:cNvPr id="2" name="Titolo 1">
             <a:extLst>
               <a:ext uri="{FF2B5EF4-FFF2-40B4-BE49-F238E27FC236}">
-                <a16:creationId xmlns:a16="http://schemas.microsoft.com/office/drawing/2014/main" id="{7EF81A92-4651-4D3E-8A4E-E18E0D7967D2}"/>
+                <a16:creationId xmlns:a16="http://schemas.microsoft.com/office/drawing/2014/main" id="{0DEA3B08-BC89-4E8B-8F82-1517FAB647BD}"/>
               </a:ext>
             </a:extLst>
           </p:cNvPr>
@@ -3713,52 +3715,168 @@
                   <a:srgbClr val="002060"/>
                 </a:solidFill>
               </a:rPr>
-              <a:t>6. Esperimento: 2D senza vincoli</a:t>
-            </a:r>
-          </a:p>
-        </p:txBody>
-      </p:sp>
-      <p:pic>
-        <p:nvPicPr>
-          <p:cNvPr id="5" name="Segnaposto contenuto 4">
-            <a:extLst>
-              <a:ext uri="{FF2B5EF4-FFF2-40B4-BE49-F238E27FC236}">
-                <a16:creationId xmlns:a16="http://schemas.microsoft.com/office/drawing/2014/main" id="{7041A36E-E33B-46A2-A45B-8C680E636972}"/>
-              </a:ext>
-            </a:extLst>
-          </p:cNvPr>
-          <p:cNvPicPr>
-            <a:picLocks noGrp="1" noChangeAspect="1"/>
-          </p:cNvPicPr>
+              <a:t>5. Considerazioni preliminari</a:t>
+            </a:r>
+          </a:p>
+        </p:txBody>
+      </p:sp>
+      <p:sp>
+        <p:nvSpPr>
+          <p:cNvPr id="3" name="Segnaposto contenuto 2">
+            <a:extLst>
+              <a:ext uri="{FF2B5EF4-FFF2-40B4-BE49-F238E27FC236}">
+                <a16:creationId xmlns:a16="http://schemas.microsoft.com/office/drawing/2014/main" id="{20796A1E-54BB-40ED-910E-95CBB951DEF3}"/>
+              </a:ext>
+            </a:extLst>
+          </p:cNvPr>
+          <p:cNvSpPr>
+            <a:spLocks noGrp="1"/>
+          </p:cNvSpPr>
           <p:nvPr>
             <p:ph idx="1"/>
           </p:nvPr>
-        </p:nvPicPr>
-        <p:blipFill>
-          <a:blip r:embed="rId3">
-            <a:extLst>
-              <a:ext uri="{28A0092B-C50C-407E-A947-70E740481C1C}">
-                <a14:useLocalDpi xmlns:a14="http://schemas.microsoft.com/office/drawing/2010/main" val="0"/>
-              </a:ext>
-            </a:extLst>
-          </a:blip>
-          <a:stretch>
-            <a:fillRect/>
-          </a:stretch>
-        </p:blipFill>
-        <p:spPr>
-          <a:xfrm>
-            <a:off x="4864416" y="4103261"/>
-            <a:ext cx="7051358" cy="2221971"/>
-          </a:xfrm>
-        </p:spPr>
-      </p:pic>
-      <p:sp>
-        <p:nvSpPr>
-          <p:cNvPr id="6" name="CasellaDiTesto 5">
-            <a:extLst>
-              <a:ext uri="{FF2B5EF4-FFF2-40B4-BE49-F238E27FC236}">
-                <a16:creationId xmlns:a16="http://schemas.microsoft.com/office/drawing/2014/main" id="{2E784221-8D14-4E30-A107-7E7E2EE2C843}"/>
+        </p:nvSpPr>
+        <p:spPr>
+          <a:xfrm>
+            <a:off x="838199" y="1825625"/>
+            <a:ext cx="10791825" cy="3243524"/>
+          </a:xfrm>
+        </p:spPr>
+        <p:txBody>
+          <a:bodyPr/>
+          <a:lstStyle/>
+          <a:p>
+            <a:r>
+              <a:rPr lang="it-IT" dirty="0">
+                <a:solidFill>
+                  <a:srgbClr val="002060"/>
+                </a:solidFill>
+                <a:latin typeface="+mj-lt"/>
+              </a:rPr>
+              <a:t>Assumeremo </a:t>
+            </a:r>
+            <a:r>
+              <a:rPr lang="it-IT" b="1" i="1" dirty="0">
+                <a:solidFill>
+                  <a:srgbClr val="C00000"/>
+                </a:solidFill>
+                <a:latin typeface="+mj-lt"/>
+              </a:rPr>
+              <a:t>raggio</a:t>
+            </a:r>
+            <a:r>
+              <a:rPr lang="it-IT" dirty="0">
+                <a:solidFill>
+                  <a:srgbClr val="002060"/>
+                </a:solidFill>
+                <a:latin typeface="+mj-lt"/>
+              </a:rPr>
+              <a:t> e </a:t>
+            </a:r>
+            <a:r>
+              <a:rPr lang="it-IT" b="1" i="1" dirty="0">
+                <a:solidFill>
+                  <a:srgbClr val="C00000"/>
+                </a:solidFill>
+                <a:latin typeface="+mj-lt"/>
+              </a:rPr>
+              <a:t>posizione</a:t>
+            </a:r>
+            <a:r>
+              <a:rPr lang="it-IT" dirty="0">
+                <a:solidFill>
+                  <a:srgbClr val="002060"/>
+                </a:solidFill>
+                <a:latin typeface="+mj-lt"/>
+              </a:rPr>
+              <a:t> validi non oltre la lunghezza di </a:t>
+            </a:r>
+            <a:r>
+              <a:rPr lang="it-IT" b="1" dirty="0">
+                <a:solidFill>
+                  <a:srgbClr val="002060"/>
+                </a:solidFill>
+                <a:latin typeface="+mj-lt"/>
+              </a:rPr>
+              <a:t>un metro</a:t>
+            </a:r>
+            <a:r>
+              <a:rPr lang="it-IT" dirty="0">
+                <a:solidFill>
+                  <a:srgbClr val="002060"/>
+                </a:solidFill>
+                <a:latin typeface="+mj-lt"/>
+              </a:rPr>
+              <a:t>.</a:t>
+            </a:r>
+          </a:p>
+          <a:p>
+            <a:r>
+              <a:rPr lang="it-IT" dirty="0">
+                <a:solidFill>
+                  <a:srgbClr val="002060"/>
+                </a:solidFill>
+                <a:latin typeface="+mj-lt"/>
+              </a:rPr>
+              <a:t>La massima precisione con la quale l’algoritmo si sposterà nello spazio di ricerca così come i risultati degli esperimenti a seguire è della </a:t>
+            </a:r>
+            <a:r>
+              <a:rPr lang="it-IT" b="1" i="1" dirty="0">
+                <a:solidFill>
+                  <a:srgbClr val="C00000"/>
+                </a:solidFill>
+                <a:latin typeface="+mj-lt"/>
+              </a:rPr>
+              <a:t>terza cifra significativa </a:t>
+            </a:r>
+            <a:r>
+              <a:rPr lang="it-IT" dirty="0">
+                <a:solidFill>
+                  <a:srgbClr val="002060"/>
+                </a:solidFill>
+                <a:latin typeface="+mj-lt"/>
+              </a:rPr>
+              <a:t>dopo la virgola.</a:t>
+            </a:r>
+          </a:p>
+          <a:p>
+            <a:r>
+              <a:rPr lang="it-IT" b="1" dirty="0">
+                <a:solidFill>
+                  <a:srgbClr val="C00000"/>
+                </a:solidFill>
+                <a:latin typeface="+mj-lt"/>
+              </a:rPr>
+              <a:t>Condizioni di arresto:  </a:t>
+            </a:r>
+          </a:p>
+          <a:p>
+            <a:pPr marL="0" indent="0">
+              <a:buNone/>
+            </a:pPr>
+            <a:endParaRPr lang="it-IT" b="1" dirty="0">
+              <a:solidFill>
+                <a:srgbClr val="C00000"/>
+              </a:solidFill>
+              <a:latin typeface="+mj-lt"/>
+            </a:endParaRPr>
+          </a:p>
+          <a:p>
+            <a:endParaRPr lang="it-IT" dirty="0">
+              <a:solidFill>
+                <a:srgbClr val="002060"/>
+              </a:solidFill>
+              <a:latin typeface="+mj-lt"/>
+            </a:endParaRPr>
+          </a:p>
+        </p:txBody>
+      </p:sp>
+      <p:sp>
+        <p:nvSpPr>
+          <p:cNvPr id="4" name="CasellaDiTesto 3">
+            <a:extLst>
+              <a:ext uri="{FF2B5EF4-FFF2-40B4-BE49-F238E27FC236}">
+                <a16:creationId xmlns:a16="http://schemas.microsoft.com/office/drawing/2014/main" id="{BFBD37E8-D4D6-445A-8EF0-C5B53A72A415}"/>
               </a:ext>
             </a:extLst>
           </p:cNvPr>
@@ -3767,8 +3885,8 @@
         </p:nvSpPr>
         <p:spPr>
           <a:xfrm>
-            <a:off x="838200" y="1665169"/>
-            <a:ext cx="3657601" cy="2677656"/>
+            <a:off x="4248797" y="3616881"/>
+            <a:ext cx="5715000" cy="1384995"/>
           </a:xfrm>
           <a:prstGeom prst="rect">
             <a:avLst/>
@@ -3781,6 +3899,10 @@
           </a:bodyPr>
           <a:lstStyle/>
           <a:p>
+            <a:pPr marL="285750" indent="-285750">
+              <a:buFont typeface="Arial" panose="020B0604020202020204" pitchFamily="34" charset="0"/>
+              <a:buChar char="•"/>
+            </a:pPr>
             <a:r>
               <a:rPr lang="it-IT" sz="2800" dirty="0">
                 <a:solidFill>
@@ -3788,17 +3910,14 @@
                 </a:solidFill>
                 <a:latin typeface="+mj-lt"/>
               </a:rPr>
-              <a:t>In questo test fissiamo la variabile </a:t>
-            </a:r>
-            <a:r>
-              <a:rPr lang="it-IT" sz="2800" b="1" i="1" dirty="0">
-                <a:solidFill>
-                  <a:srgbClr val="C00000"/>
-                </a:solidFill>
-                <a:latin typeface="+mj-lt"/>
-              </a:rPr>
-              <a:t>Z = 0.7m </a:t>
-            </a:r>
+              <a:t>Lunghezza minima del simplesso</a:t>
+            </a:r>
+          </a:p>
+          <a:p>
+            <a:pPr marL="285750" indent="-285750">
+              <a:buFont typeface="Arial" panose="020B0604020202020204" pitchFamily="34" charset="0"/>
+              <a:buChar char="•"/>
+            </a:pPr>
             <a:r>
               <a:rPr lang="it-IT" sz="2800" dirty="0">
                 <a:solidFill>
@@ -3806,17 +3925,47 @@
                 </a:solidFill>
                 <a:latin typeface="+mj-lt"/>
               </a:rPr>
-              <a:t>e andiamo a ricercare il minimo relativo alla corrente e al raggio della spira.</a:t>
+              <a:t>Numero massimo di </a:t>
+            </a:r>
+            <a:r>
+              <a:rPr lang="it-IT" sz="2800" dirty="0" err="1">
+                <a:solidFill>
+                  <a:srgbClr val="002060"/>
+                </a:solidFill>
+                <a:latin typeface="+mj-lt"/>
+              </a:rPr>
+              <a:t>flips</a:t>
+            </a:r>
+            <a:endParaRPr lang="it-IT" sz="2800" dirty="0">
+              <a:solidFill>
+                <a:srgbClr val="002060"/>
+              </a:solidFill>
+              <a:latin typeface="+mj-lt"/>
+            </a:endParaRPr>
+          </a:p>
+          <a:p>
+            <a:pPr marL="285750" indent="-285750">
+              <a:buFont typeface="Arial" panose="020B0604020202020204" pitchFamily="34" charset="0"/>
+              <a:buChar char="•"/>
+            </a:pPr>
+            <a:r>
+              <a:rPr lang="it-IT" sz="2800" dirty="0">
+                <a:solidFill>
+                  <a:srgbClr val="002060"/>
+                </a:solidFill>
+                <a:latin typeface="+mj-lt"/>
+              </a:rPr>
+              <a:t>Massima percentuale di errore</a:t>
             </a:r>
           </a:p>
         </p:txBody>
       </p:sp>
       <p:cxnSp>
         <p:nvCxnSpPr>
-          <p:cNvPr id="9" name="Connettore diritto 8">
-            <a:extLst>
-              <a:ext uri="{FF2B5EF4-FFF2-40B4-BE49-F238E27FC236}">
-                <a16:creationId xmlns:a16="http://schemas.microsoft.com/office/drawing/2014/main" id="{41C58AC4-2EEE-4A36-9C98-FEFC7E836516}"/>
+          <p:cNvPr id="5" name="Connettore diritto 4">
+            <a:extLst>
+              <a:ext uri="{FF2B5EF4-FFF2-40B4-BE49-F238E27FC236}">
+                <a16:creationId xmlns:a16="http://schemas.microsoft.com/office/drawing/2014/main" id="{878F07D6-3A8B-42FC-A1EE-9FFA4FA1D40D}"/>
               </a:ext>
             </a:extLst>
           </p:cNvPr>
@@ -3827,8 +3976,8 @@
         </p:nvCxnSpPr>
         <p:spPr>
           <a:xfrm>
-            <a:off x="1052512" y="6443309"/>
-            <a:ext cx="10863262" cy="0"/>
+            <a:off x="945356" y="1385534"/>
+            <a:ext cx="10301288" cy="0"/>
           </a:xfrm>
           <a:prstGeom prst="line">
             <a:avLst/>
@@ -3851,10 +4000,10 @@
       </p:cxnSp>
       <p:cxnSp>
         <p:nvCxnSpPr>
-          <p:cNvPr id="10" name="Connettore diritto 9">
-            <a:extLst>
-              <a:ext uri="{FF2B5EF4-FFF2-40B4-BE49-F238E27FC236}">
-                <a16:creationId xmlns:a16="http://schemas.microsoft.com/office/drawing/2014/main" id="{E93BD0DD-7D3A-4515-B3FD-EA5BA438F94B}"/>
+          <p:cNvPr id="6" name="Connettore diritto 5">
+            <a:extLst>
+              <a:ext uri="{FF2B5EF4-FFF2-40B4-BE49-F238E27FC236}">
+                <a16:creationId xmlns:a16="http://schemas.microsoft.com/office/drawing/2014/main" id="{546DB05B-E0E9-4250-97C9-6143833B2922}"/>
               </a:ext>
             </a:extLst>
           </p:cNvPr>
@@ -3865,8 +4014,8 @@
         </p:nvCxnSpPr>
         <p:spPr>
           <a:xfrm>
-            <a:off x="945356" y="1509359"/>
-            <a:ext cx="10970418" cy="0"/>
+            <a:off x="945356" y="6433784"/>
+            <a:ext cx="10301288" cy="0"/>
           </a:xfrm>
           <a:prstGeom prst="line">
             <a:avLst/>
@@ -3887,46 +4036,10 @@
           </a:fontRef>
         </p:style>
       </p:cxnSp>
-      <p:pic>
-        <p:nvPicPr>
-          <p:cNvPr id="4" name="Immagine 3">
-            <a:extLst>
-              <a:ext uri="{FF2B5EF4-FFF2-40B4-BE49-F238E27FC236}">
-                <a16:creationId xmlns:a16="http://schemas.microsoft.com/office/drawing/2014/main" id="{409FD23B-18C7-414F-BDC5-2A39C53A1839}"/>
-              </a:ext>
-            </a:extLst>
-          </p:cNvPr>
-          <p:cNvPicPr>
-            <a:picLocks noChangeAspect="1"/>
-          </p:cNvPicPr>
-          <p:nvPr/>
-        </p:nvPicPr>
-        <p:blipFill>
-          <a:blip r:embed="rId4">
-            <a:extLst>
-              <a:ext uri="{28A0092B-C50C-407E-A947-70E740481C1C}">
-                <a14:useLocalDpi xmlns:a14="http://schemas.microsoft.com/office/drawing/2010/main" val="0"/>
-              </a:ext>
-            </a:extLst>
-          </a:blip>
-          <a:stretch>
-            <a:fillRect/>
-          </a:stretch>
-        </p:blipFill>
-        <p:spPr>
-          <a:xfrm>
-            <a:off x="4864416" y="1665169"/>
-            <a:ext cx="7051358" cy="2453770"/>
-          </a:xfrm>
-          <a:prstGeom prst="rect">
-            <a:avLst/>
-          </a:prstGeom>
-        </p:spPr>
-      </p:pic>
     </p:spTree>
     <p:extLst>
       <p:ext uri="{BB962C8B-B14F-4D97-AF65-F5344CB8AC3E}">
-        <p14:creationId xmlns:p14="http://schemas.microsoft.com/office/powerpoint/2010/main" val="4084558885"/>
+        <p14:creationId xmlns:p14="http://schemas.microsoft.com/office/powerpoint/2010/main" val="1684565844"/>
       </p:ext>
     </p:extLst>
   </p:cSld>
@@ -3968,19 +4081,53 @@
           <a:chExt cx="0" cy="0"/>
         </a:xfrm>
       </p:grpSpPr>
+      <p:sp>
+        <p:nvSpPr>
+          <p:cNvPr id="2" name="Titolo 1">
+            <a:extLst>
+              <a:ext uri="{FF2B5EF4-FFF2-40B4-BE49-F238E27FC236}">
+                <a16:creationId xmlns:a16="http://schemas.microsoft.com/office/drawing/2014/main" id="{7EF81A92-4651-4D3E-8A4E-E18E0D7967D2}"/>
+              </a:ext>
+            </a:extLst>
+          </p:cNvPr>
+          <p:cNvSpPr>
+            <a:spLocks noGrp="1"/>
+          </p:cNvSpPr>
+          <p:nvPr>
+            <p:ph type="title"/>
+          </p:nvPr>
+        </p:nvSpPr>
+        <p:spPr/>
+        <p:txBody>
+          <a:bodyPr/>
+          <a:lstStyle/>
+          <a:p>
+            <a:r>
+              <a:rPr lang="it-IT" b="1" dirty="0">
+                <a:solidFill>
+                  <a:srgbClr val="002060"/>
+                </a:solidFill>
+              </a:rPr>
+              <a:t>6. Esperimento: 2D senza vincoli</a:t>
+            </a:r>
+          </a:p>
+        </p:txBody>
+      </p:sp>
       <p:pic>
         <p:nvPicPr>
-          <p:cNvPr id="7" name="Immagine 6">
-            <a:extLst>
-              <a:ext uri="{FF2B5EF4-FFF2-40B4-BE49-F238E27FC236}">
-                <a16:creationId xmlns:a16="http://schemas.microsoft.com/office/drawing/2014/main" id="{3F0FE11E-DF9F-4E75-91B9-25F5E9FD59CE}"/>
+          <p:cNvPr id="5" name="Segnaposto contenuto 4">
+            <a:extLst>
+              <a:ext uri="{FF2B5EF4-FFF2-40B4-BE49-F238E27FC236}">
+                <a16:creationId xmlns:a16="http://schemas.microsoft.com/office/drawing/2014/main" id="{7041A36E-E33B-46A2-A45B-8C680E636972}"/>
               </a:ext>
             </a:extLst>
           </p:cNvPr>
           <p:cNvPicPr>
-            <a:picLocks noChangeAspect="1"/>
+            <a:picLocks noGrp="1" noChangeAspect="1"/>
           </p:cNvPicPr>
-          <p:nvPr/>
+          <p:nvPr>
+            <p:ph idx="1"/>
+          </p:nvPr>
         </p:nvPicPr>
         <p:blipFill>
           <a:blip r:embed="rId3">
@@ -3996,20 +4143,75 @@
         </p:blipFill>
         <p:spPr>
           <a:xfrm>
-            <a:off x="4495952" y="1185297"/>
-            <a:ext cx="7143273" cy="2474828"/>
+            <a:off x="4864416" y="4103261"/>
+            <a:ext cx="7051358" cy="2221971"/>
+          </a:xfrm>
+        </p:spPr>
+      </p:pic>
+      <p:sp>
+        <p:nvSpPr>
+          <p:cNvPr id="6" name="CasellaDiTesto 5">
+            <a:extLst>
+              <a:ext uri="{FF2B5EF4-FFF2-40B4-BE49-F238E27FC236}">
+                <a16:creationId xmlns:a16="http://schemas.microsoft.com/office/drawing/2014/main" id="{2E784221-8D14-4E30-A107-7E7E2EE2C843}"/>
+              </a:ext>
+            </a:extLst>
+          </p:cNvPr>
+          <p:cNvSpPr txBox="1"/>
+          <p:nvPr/>
+        </p:nvSpPr>
+        <p:spPr>
+          <a:xfrm>
+            <a:off x="838200" y="1665169"/>
+            <a:ext cx="3657601" cy="2677656"/>
           </a:xfrm>
           <a:prstGeom prst="rect">
             <a:avLst/>
           </a:prstGeom>
-        </p:spPr>
-      </p:pic>
+          <a:noFill/>
+        </p:spPr>
+        <p:txBody>
+          <a:bodyPr wrap="square" rtlCol="0">
+            <a:spAutoFit/>
+          </a:bodyPr>
+          <a:lstStyle/>
+          <a:p>
+            <a:r>
+              <a:rPr lang="it-IT" sz="2800" dirty="0">
+                <a:solidFill>
+                  <a:srgbClr val="002060"/>
+                </a:solidFill>
+                <a:latin typeface="+mj-lt"/>
+              </a:rPr>
+              <a:t>In questo test fissiamo la variabile </a:t>
+            </a:r>
+            <a:r>
+              <a:rPr lang="it-IT" sz="2800" b="1" i="1" dirty="0">
+                <a:solidFill>
+                  <a:srgbClr val="C00000"/>
+                </a:solidFill>
+                <a:latin typeface="+mj-lt"/>
+              </a:rPr>
+              <a:t>Z = 0.7m </a:t>
+            </a:r>
+            <a:r>
+              <a:rPr lang="it-IT" sz="2800" dirty="0">
+                <a:solidFill>
+                  <a:srgbClr val="002060"/>
+                </a:solidFill>
+                <a:latin typeface="+mj-lt"/>
+              </a:rPr>
+              <a:t>e andiamo a ricercare il minimo relativo alla corrente e al raggio della spira.</a:t>
+            </a:r>
+          </a:p>
+        </p:txBody>
+      </p:sp>
       <p:cxnSp>
         <p:nvCxnSpPr>
-          <p:cNvPr id="11" name="Connettore diritto 10">
-            <a:extLst>
-              <a:ext uri="{FF2B5EF4-FFF2-40B4-BE49-F238E27FC236}">
-                <a16:creationId xmlns:a16="http://schemas.microsoft.com/office/drawing/2014/main" id="{C7CB4E63-3260-4EA3-9D89-8268DC09EF42}"/>
+          <p:cNvPr id="9" name="Connettore diritto 8">
+            <a:extLst>
+              <a:ext uri="{FF2B5EF4-FFF2-40B4-BE49-F238E27FC236}">
+                <a16:creationId xmlns:a16="http://schemas.microsoft.com/office/drawing/2014/main" id="{41C58AC4-2EEE-4A36-9C98-FEFC7E836516}"/>
               </a:ext>
             </a:extLst>
           </p:cNvPr>
@@ -4020,8 +4222,8 @@
         </p:nvCxnSpPr>
         <p:spPr>
           <a:xfrm>
-            <a:off x="938212" y="1133242"/>
-            <a:ext cx="10701013" cy="0"/>
+            <a:off x="1052512" y="6443309"/>
+            <a:ext cx="10863262" cy="0"/>
           </a:xfrm>
           <a:prstGeom prst="line">
             <a:avLst/>
@@ -4042,166 +4244,12 @@
           </a:fontRef>
         </p:style>
       </p:cxnSp>
-      <p:sp>
-        <p:nvSpPr>
-          <p:cNvPr id="12" name="Titolo 1">
-            <a:extLst>
-              <a:ext uri="{FF2B5EF4-FFF2-40B4-BE49-F238E27FC236}">
-                <a16:creationId xmlns:a16="http://schemas.microsoft.com/office/drawing/2014/main" id="{03DAF942-BA3D-4AC2-811D-589406C84368}"/>
-              </a:ext>
-            </a:extLst>
-          </p:cNvPr>
-          <p:cNvSpPr txBox="1">
-            <a:spLocks/>
-          </p:cNvSpPr>
-          <p:nvPr/>
-        </p:nvSpPr>
-        <p:spPr>
-          <a:xfrm>
-            <a:off x="742236" y="35234"/>
-            <a:ext cx="10199222" cy="1054100"/>
-          </a:xfrm>
-          <a:prstGeom prst="rect">
-            <a:avLst/>
-          </a:prstGeom>
-        </p:spPr>
-        <p:txBody>
-          <a:bodyPr vert="horz" lIns="91440" tIns="45720" rIns="91440" bIns="45720" rtlCol="0" anchor="ctr">
-            <a:normAutofit/>
-          </a:bodyPr>
-          <a:lstStyle>
-            <a:lvl1pPr algn="l" defTabSz="914400" rtl="0" eaLnBrk="1" latinLnBrk="0" hangingPunct="1">
-              <a:lnSpc>
-                <a:spcPct val="90000"/>
-              </a:lnSpc>
-              <a:spcBef>
-                <a:spcPct val="0"/>
-              </a:spcBef>
-              <a:buNone/>
-              <a:defRPr sz="4400" kern="1200">
-                <a:solidFill>
-                  <a:schemeClr val="tx1"/>
-                </a:solidFill>
-                <a:latin typeface="+mj-lt"/>
-                <a:ea typeface="+mj-ea"/>
-                <a:cs typeface="+mj-cs"/>
-              </a:defRPr>
-            </a:lvl1pPr>
-          </a:lstStyle>
-          <a:p>
-            <a:r>
-              <a:rPr lang="it-IT" b="1" dirty="0">
-                <a:solidFill>
-                  <a:srgbClr val="002060"/>
-                </a:solidFill>
-                <a:ea typeface="Doulos SIL" panose="02000500070000020004" pitchFamily="2" charset="0"/>
-                <a:cs typeface="Doulos SIL" panose="02000500070000020004" pitchFamily="2" charset="0"/>
-              </a:rPr>
-              <a:t>6. Esperimento: 3D senza vincoli</a:t>
-            </a:r>
-          </a:p>
-        </p:txBody>
-      </p:sp>
-      <p:sp>
-        <p:nvSpPr>
-          <p:cNvPr id="2" name="CasellaDiTesto 1">
-            <a:extLst>
-              <a:ext uri="{FF2B5EF4-FFF2-40B4-BE49-F238E27FC236}">
-                <a16:creationId xmlns:a16="http://schemas.microsoft.com/office/drawing/2014/main" id="{5F45F277-79BC-4709-8BCD-92552CDA27AD}"/>
-              </a:ext>
-            </a:extLst>
-          </p:cNvPr>
-          <p:cNvSpPr txBox="1"/>
-          <p:nvPr/>
-        </p:nvSpPr>
-        <p:spPr>
-          <a:xfrm>
-            <a:off x="938212" y="1287962"/>
-            <a:ext cx="3286874" cy="3108543"/>
-          </a:xfrm>
-          <a:prstGeom prst="rect">
-            <a:avLst/>
-          </a:prstGeom>
-          <a:noFill/>
-        </p:spPr>
-        <p:txBody>
-          <a:bodyPr wrap="square" rtlCol="0">
-            <a:spAutoFit/>
-          </a:bodyPr>
-          <a:lstStyle/>
-          <a:p>
-            <a:r>
-              <a:rPr lang="it-IT" sz="2800" dirty="0">
-                <a:solidFill>
-                  <a:srgbClr val="002060"/>
-                </a:solidFill>
-                <a:latin typeface="+mj-lt"/>
-              </a:rPr>
-              <a:t>In questo test, l’algoritmo si ferma quando la </a:t>
-            </a:r>
-            <a:r>
-              <a:rPr lang="it-IT" sz="2800" b="1" i="1" dirty="0">
-                <a:solidFill>
-                  <a:srgbClr val="C00000"/>
-                </a:solidFill>
-                <a:latin typeface="+mj-lt"/>
-              </a:rPr>
-              <a:t>percentuale di errore</a:t>
-            </a:r>
-            <a:r>
-              <a:rPr lang="it-IT" sz="2800" dirty="0">
-                <a:solidFill>
-                  <a:srgbClr val="002060"/>
-                </a:solidFill>
-                <a:latin typeface="+mj-lt"/>
-              </a:rPr>
-              <a:t> scende al di sotto del valore minimo ammesso. </a:t>
-            </a:r>
-          </a:p>
-        </p:txBody>
-      </p:sp>
-      <p:pic>
-        <p:nvPicPr>
-          <p:cNvPr id="8" name="Immagine 7">
-            <a:extLst>
-              <a:ext uri="{FF2B5EF4-FFF2-40B4-BE49-F238E27FC236}">
-                <a16:creationId xmlns:a16="http://schemas.microsoft.com/office/drawing/2014/main" id="{85D4ADCD-91E9-43A4-A4BE-8677C7FA4CA0}"/>
-              </a:ext>
-            </a:extLst>
-          </p:cNvPr>
-          <p:cNvPicPr>
-            <a:picLocks noChangeAspect="1"/>
-          </p:cNvPicPr>
-          <p:nvPr/>
-        </p:nvPicPr>
-        <p:blipFill>
-          <a:blip r:embed="rId4">
-            <a:extLst>
-              <a:ext uri="{28A0092B-C50C-407E-A947-70E740481C1C}">
-                <a14:useLocalDpi xmlns:a14="http://schemas.microsoft.com/office/drawing/2010/main" val="0"/>
-              </a:ext>
-            </a:extLst>
-          </a:blip>
-          <a:stretch>
-            <a:fillRect/>
-          </a:stretch>
-        </p:blipFill>
-        <p:spPr>
-          <a:xfrm>
-            <a:off x="4495953" y="3657501"/>
-            <a:ext cx="7143272" cy="2876443"/>
-          </a:xfrm>
-          <a:prstGeom prst="rect">
-            <a:avLst/>
-          </a:prstGeom>
-        </p:spPr>
-      </p:pic>
       <p:cxnSp>
         <p:nvCxnSpPr>
-          <p:cNvPr id="13" name="Connettore diritto 12">
-            <a:extLst>
-              <a:ext uri="{FF2B5EF4-FFF2-40B4-BE49-F238E27FC236}">
-                <a16:creationId xmlns:a16="http://schemas.microsoft.com/office/drawing/2014/main" id="{4AD2E82D-8EB6-4371-8A73-EA718A046D41}"/>
+          <p:cNvPr id="10" name="Connettore diritto 9">
+            <a:extLst>
+              <a:ext uri="{FF2B5EF4-FFF2-40B4-BE49-F238E27FC236}">
+                <a16:creationId xmlns:a16="http://schemas.microsoft.com/office/drawing/2014/main" id="{E93BD0DD-7D3A-4515-B3FD-EA5BA438F94B}"/>
               </a:ext>
             </a:extLst>
           </p:cNvPr>
@@ -4212,8 +4260,8 @@
         </p:nvCxnSpPr>
         <p:spPr>
           <a:xfrm>
-            <a:off x="742236" y="6554736"/>
-            <a:ext cx="10896989" cy="0"/>
+            <a:off x="945356" y="1509359"/>
+            <a:ext cx="10970418" cy="0"/>
           </a:xfrm>
           <a:prstGeom prst="line">
             <a:avLst/>
@@ -4234,10 +4282,46 @@
           </a:fontRef>
         </p:style>
       </p:cxnSp>
+      <p:pic>
+        <p:nvPicPr>
+          <p:cNvPr id="4" name="Immagine 3">
+            <a:extLst>
+              <a:ext uri="{FF2B5EF4-FFF2-40B4-BE49-F238E27FC236}">
+                <a16:creationId xmlns:a16="http://schemas.microsoft.com/office/drawing/2014/main" id="{409FD23B-18C7-414F-BDC5-2A39C53A1839}"/>
+              </a:ext>
+            </a:extLst>
+          </p:cNvPr>
+          <p:cNvPicPr>
+            <a:picLocks noChangeAspect="1"/>
+          </p:cNvPicPr>
+          <p:nvPr/>
+        </p:nvPicPr>
+        <p:blipFill>
+          <a:blip r:embed="rId4">
+            <a:extLst>
+              <a:ext uri="{28A0092B-C50C-407E-A947-70E740481C1C}">
+                <a14:useLocalDpi xmlns:a14="http://schemas.microsoft.com/office/drawing/2010/main" val="0"/>
+              </a:ext>
+            </a:extLst>
+          </a:blip>
+          <a:stretch>
+            <a:fillRect/>
+          </a:stretch>
+        </p:blipFill>
+        <p:spPr>
+          <a:xfrm>
+            <a:off x="4864416" y="1665169"/>
+            <a:ext cx="7051358" cy="2453770"/>
+          </a:xfrm>
+          <a:prstGeom prst="rect">
+            <a:avLst/>
+          </a:prstGeom>
+        </p:spPr>
+      </p:pic>
     </p:spTree>
     <p:extLst>
       <p:ext uri="{BB962C8B-B14F-4D97-AF65-F5344CB8AC3E}">
-        <p14:creationId xmlns:p14="http://schemas.microsoft.com/office/powerpoint/2010/main" val="1886510980"/>
+        <p14:creationId xmlns:p14="http://schemas.microsoft.com/office/powerpoint/2010/main" val="4084558885"/>
       </p:ext>
     </p:extLst>
   </p:cSld>
@@ -4279,61 +4363,48 @@
           <a:chExt cx="0" cy="0"/>
         </a:xfrm>
       </p:grpSpPr>
-      <p:sp>
-        <p:nvSpPr>
-          <p:cNvPr id="2" name="Titolo 1">
-            <a:extLst>
-              <a:ext uri="{FF2B5EF4-FFF2-40B4-BE49-F238E27FC236}">
-                <a16:creationId xmlns:a16="http://schemas.microsoft.com/office/drawing/2014/main" id="{AB948457-65FF-44D5-A021-5D953048AF52}"/>
-              </a:ext>
-            </a:extLst>
-          </p:cNvPr>
-          <p:cNvSpPr>
-            <a:spLocks noGrp="1"/>
-          </p:cNvSpPr>
-          <p:nvPr>
-            <p:ph type="title"/>
-          </p:nvPr>
-        </p:nvSpPr>
-        <p:spPr>
-          <a:xfrm>
-            <a:off x="657225" y="307975"/>
-            <a:ext cx="10515600" cy="1325563"/>
-          </a:xfrm>
-        </p:spPr>
-        <p:txBody>
-          <a:bodyPr/>
-          <a:lstStyle/>
-          <a:p>
-            <a:r>
-              <a:rPr lang="it-IT" b="1" dirty="0">
-                <a:solidFill>
-                  <a:srgbClr val="002060"/>
-                </a:solidFill>
-                <a:ea typeface="Doulos SIL" panose="02000500070000020004" pitchFamily="2" charset="0"/>
-                <a:cs typeface="Doulos SIL" panose="02000500070000020004" pitchFamily="2" charset="0"/>
-              </a:rPr>
-              <a:t>6. Esperimento: 3D senza vincoli</a:t>
-            </a:r>
-            <a:br>
-              <a:rPr lang="it-IT" b="1" dirty="0">
-                <a:solidFill>
-                  <a:srgbClr val="002060"/>
-                </a:solidFill>
-                <a:ea typeface="Doulos SIL" panose="02000500070000020004" pitchFamily="2" charset="0"/>
-                <a:cs typeface="Doulos SIL" panose="02000500070000020004" pitchFamily="2" charset="0"/>
-              </a:rPr>
-            </a:br>
-            <a:endParaRPr lang="it-IT" dirty="0"/>
-          </a:p>
-        </p:txBody>
-      </p:sp>
+      <p:pic>
+        <p:nvPicPr>
+          <p:cNvPr id="7" name="Immagine 6">
+            <a:extLst>
+              <a:ext uri="{FF2B5EF4-FFF2-40B4-BE49-F238E27FC236}">
+                <a16:creationId xmlns:a16="http://schemas.microsoft.com/office/drawing/2014/main" id="{3F0FE11E-DF9F-4E75-91B9-25F5E9FD59CE}"/>
+              </a:ext>
+            </a:extLst>
+          </p:cNvPr>
+          <p:cNvPicPr>
+            <a:picLocks noChangeAspect="1"/>
+          </p:cNvPicPr>
+          <p:nvPr/>
+        </p:nvPicPr>
+        <p:blipFill>
+          <a:blip r:embed="rId3">
+            <a:extLst>
+              <a:ext uri="{28A0092B-C50C-407E-A947-70E740481C1C}">
+                <a14:useLocalDpi xmlns:a14="http://schemas.microsoft.com/office/drawing/2010/main" val="0"/>
+              </a:ext>
+            </a:extLst>
+          </a:blip>
+          <a:stretch>
+            <a:fillRect/>
+          </a:stretch>
+        </p:blipFill>
+        <p:spPr>
+          <a:xfrm>
+            <a:off x="4495952" y="1176908"/>
+            <a:ext cx="7143273" cy="2474828"/>
+          </a:xfrm>
+          <a:prstGeom prst="rect">
+            <a:avLst/>
+          </a:prstGeom>
+        </p:spPr>
+      </p:pic>
       <p:cxnSp>
         <p:nvCxnSpPr>
-          <p:cNvPr id="6" name="Connettore diritto 5">
-            <a:extLst>
-              <a:ext uri="{FF2B5EF4-FFF2-40B4-BE49-F238E27FC236}">
-                <a16:creationId xmlns:a16="http://schemas.microsoft.com/office/drawing/2014/main" id="{330FF7A3-0743-4C2B-958A-0EBFDD59668D}"/>
+          <p:cNvPr id="11" name="Connettore diritto 10">
+            <a:extLst>
+              <a:ext uri="{FF2B5EF4-FFF2-40B4-BE49-F238E27FC236}">
+                <a16:creationId xmlns:a16="http://schemas.microsoft.com/office/drawing/2014/main" id="{C7CB4E63-3260-4EA3-9D89-8268DC09EF42}"/>
               </a:ext>
             </a:extLst>
           </p:cNvPr>
@@ -4344,8 +4415,8 @@
         </p:nvCxnSpPr>
         <p:spPr>
           <a:xfrm>
-            <a:off x="804862" y="1133242"/>
-            <a:ext cx="11110913" cy="0"/>
+            <a:off x="938212" y="1133242"/>
+            <a:ext cx="10701013" cy="0"/>
           </a:xfrm>
           <a:prstGeom prst="line">
             <a:avLst/>
@@ -4366,12 +4437,166 @@
           </a:fontRef>
         </p:style>
       </p:cxnSp>
+      <p:sp>
+        <p:nvSpPr>
+          <p:cNvPr id="12" name="Titolo 1">
+            <a:extLst>
+              <a:ext uri="{FF2B5EF4-FFF2-40B4-BE49-F238E27FC236}">
+                <a16:creationId xmlns:a16="http://schemas.microsoft.com/office/drawing/2014/main" id="{03DAF942-BA3D-4AC2-811D-589406C84368}"/>
+              </a:ext>
+            </a:extLst>
+          </p:cNvPr>
+          <p:cNvSpPr txBox="1">
+            <a:spLocks/>
+          </p:cNvSpPr>
+          <p:nvPr/>
+        </p:nvSpPr>
+        <p:spPr>
+          <a:xfrm>
+            <a:off x="742236" y="35234"/>
+            <a:ext cx="10199222" cy="1054100"/>
+          </a:xfrm>
+          <a:prstGeom prst="rect">
+            <a:avLst/>
+          </a:prstGeom>
+        </p:spPr>
+        <p:txBody>
+          <a:bodyPr vert="horz" lIns="91440" tIns="45720" rIns="91440" bIns="45720" rtlCol="0" anchor="ctr">
+            <a:normAutofit/>
+          </a:bodyPr>
+          <a:lstStyle>
+            <a:lvl1pPr algn="l" defTabSz="914400" rtl="0" eaLnBrk="1" latinLnBrk="0" hangingPunct="1">
+              <a:lnSpc>
+                <a:spcPct val="90000"/>
+              </a:lnSpc>
+              <a:spcBef>
+                <a:spcPct val="0"/>
+              </a:spcBef>
+              <a:buNone/>
+              <a:defRPr sz="4400" kern="1200">
+                <a:solidFill>
+                  <a:schemeClr val="tx1"/>
+                </a:solidFill>
+                <a:latin typeface="+mj-lt"/>
+                <a:ea typeface="+mj-ea"/>
+                <a:cs typeface="+mj-cs"/>
+              </a:defRPr>
+            </a:lvl1pPr>
+          </a:lstStyle>
+          <a:p>
+            <a:r>
+              <a:rPr lang="it-IT" b="1" dirty="0">
+                <a:solidFill>
+                  <a:srgbClr val="002060"/>
+                </a:solidFill>
+                <a:ea typeface="Doulos SIL" panose="02000500070000020004" pitchFamily="2" charset="0"/>
+                <a:cs typeface="Doulos SIL" panose="02000500070000020004" pitchFamily="2" charset="0"/>
+              </a:rPr>
+              <a:t>6. Esperimento: 3D senza vincoli</a:t>
+            </a:r>
+          </a:p>
+        </p:txBody>
+      </p:sp>
+      <p:sp>
+        <p:nvSpPr>
+          <p:cNvPr id="2" name="CasellaDiTesto 1">
+            <a:extLst>
+              <a:ext uri="{FF2B5EF4-FFF2-40B4-BE49-F238E27FC236}">
+                <a16:creationId xmlns:a16="http://schemas.microsoft.com/office/drawing/2014/main" id="{5F45F277-79BC-4709-8BCD-92552CDA27AD}"/>
+              </a:ext>
+            </a:extLst>
+          </p:cNvPr>
+          <p:cNvSpPr txBox="1"/>
+          <p:nvPr/>
+        </p:nvSpPr>
+        <p:spPr>
+          <a:xfrm>
+            <a:off x="837543" y="1287962"/>
+            <a:ext cx="3474397" cy="2677656"/>
+          </a:xfrm>
+          <a:prstGeom prst="rect">
+            <a:avLst/>
+          </a:prstGeom>
+          <a:noFill/>
+        </p:spPr>
+        <p:txBody>
+          <a:bodyPr wrap="square" rtlCol="0">
+            <a:spAutoFit/>
+          </a:bodyPr>
+          <a:lstStyle/>
+          <a:p>
+            <a:r>
+              <a:rPr lang="it-IT" sz="2800" dirty="0">
+                <a:solidFill>
+                  <a:srgbClr val="002060"/>
+                </a:solidFill>
+                <a:latin typeface="+mj-lt"/>
+              </a:rPr>
+              <a:t>In questo test, l’algoritmo si ferma quando la </a:t>
+            </a:r>
+            <a:r>
+              <a:rPr lang="it-IT" sz="2800" b="1" i="1" dirty="0">
+                <a:solidFill>
+                  <a:srgbClr val="C00000"/>
+                </a:solidFill>
+                <a:latin typeface="+mj-lt"/>
+              </a:rPr>
+              <a:t>percentuale di errore</a:t>
+            </a:r>
+            <a:r>
+              <a:rPr lang="it-IT" sz="2800" dirty="0">
+                <a:solidFill>
+                  <a:srgbClr val="002060"/>
+                </a:solidFill>
+                <a:latin typeface="+mj-lt"/>
+              </a:rPr>
+              <a:t> scende al di sotto del valore minimo ammesso. </a:t>
+            </a:r>
+          </a:p>
+        </p:txBody>
+      </p:sp>
+      <p:pic>
+        <p:nvPicPr>
+          <p:cNvPr id="8" name="Immagine 7">
+            <a:extLst>
+              <a:ext uri="{FF2B5EF4-FFF2-40B4-BE49-F238E27FC236}">
+                <a16:creationId xmlns:a16="http://schemas.microsoft.com/office/drawing/2014/main" id="{85D4ADCD-91E9-43A4-A4BE-8677C7FA4CA0}"/>
+              </a:ext>
+            </a:extLst>
+          </p:cNvPr>
+          <p:cNvPicPr>
+            <a:picLocks noChangeAspect="1"/>
+          </p:cNvPicPr>
+          <p:nvPr/>
+        </p:nvPicPr>
+        <p:blipFill>
+          <a:blip r:embed="rId4">
+            <a:extLst>
+              <a:ext uri="{28A0092B-C50C-407E-A947-70E740481C1C}">
+                <a14:useLocalDpi xmlns:a14="http://schemas.microsoft.com/office/drawing/2010/main" val="0"/>
+              </a:ext>
+            </a:extLst>
+          </a:blip>
+          <a:stretch>
+            <a:fillRect/>
+          </a:stretch>
+        </p:blipFill>
+        <p:spPr>
+          <a:xfrm>
+            <a:off x="4495953" y="3649112"/>
+            <a:ext cx="7143272" cy="2876443"/>
+          </a:xfrm>
+          <a:prstGeom prst="rect">
+            <a:avLst/>
+          </a:prstGeom>
+        </p:spPr>
+      </p:pic>
       <p:cxnSp>
         <p:nvCxnSpPr>
-          <p:cNvPr id="7" name="Connettore diritto 6">
-            <a:extLst>
-              <a:ext uri="{FF2B5EF4-FFF2-40B4-BE49-F238E27FC236}">
-                <a16:creationId xmlns:a16="http://schemas.microsoft.com/office/drawing/2014/main" id="{BB904809-0BE3-4F68-85A5-707653C68793}"/>
+          <p:cNvPr id="13" name="Connettore diritto 12">
+            <a:extLst>
+              <a:ext uri="{FF2B5EF4-FFF2-40B4-BE49-F238E27FC236}">
+                <a16:creationId xmlns:a16="http://schemas.microsoft.com/office/drawing/2014/main" id="{4AD2E82D-8EB6-4371-8A73-EA718A046D41}"/>
               </a:ext>
             </a:extLst>
           </p:cNvPr>
@@ -4382,8 +4607,8 @@
         </p:nvCxnSpPr>
         <p:spPr>
           <a:xfrm>
-            <a:off x="744314" y="6321008"/>
-            <a:ext cx="11171461" cy="0"/>
+            <a:off x="742236" y="6554736"/>
+            <a:ext cx="10896989" cy="0"/>
           </a:xfrm>
           <a:prstGeom prst="line">
             <a:avLst/>
@@ -4404,176 +4629,10 @@
           </a:fontRef>
         </p:style>
       </p:cxnSp>
-      <p:sp>
-        <p:nvSpPr>
-          <p:cNvPr id="9" name="CasellaDiTesto 8">
-            <a:extLst>
-              <a:ext uri="{FF2B5EF4-FFF2-40B4-BE49-F238E27FC236}">
-                <a16:creationId xmlns:a16="http://schemas.microsoft.com/office/drawing/2014/main" id="{AF3D50E3-4C50-4CBF-A7B5-F95BAEE71A1F}"/>
-              </a:ext>
-            </a:extLst>
-          </p:cNvPr>
-          <p:cNvSpPr txBox="1"/>
-          <p:nvPr/>
-        </p:nvSpPr>
-        <p:spPr>
-          <a:xfrm>
-            <a:off x="657225" y="1485316"/>
-            <a:ext cx="3790950" cy="4524315"/>
-          </a:xfrm>
-          <a:prstGeom prst="rect">
-            <a:avLst/>
-          </a:prstGeom>
-          <a:noFill/>
-        </p:spPr>
-        <p:txBody>
-          <a:bodyPr wrap="square" rtlCol="0">
-            <a:spAutoFit/>
-          </a:bodyPr>
-          <a:lstStyle/>
-          <a:p>
-            <a:pPr marL="342900" indent="-342900">
-              <a:buFont typeface="Arial" panose="020B0604020202020204" pitchFamily="34" charset="0"/>
-              <a:buChar char="•"/>
-            </a:pPr>
-            <a:r>
-              <a:rPr lang="it-IT" sz="2400" dirty="0">
-                <a:solidFill>
-                  <a:srgbClr val="002060"/>
-                </a:solidFill>
-                <a:latin typeface="+mj-lt"/>
-              </a:rPr>
-              <a:t>Contrariamente a quanto ci aspettavamo la precisione </a:t>
-            </a:r>
-            <a:r>
-              <a:rPr lang="it-IT" sz="2400" dirty="0">
-                <a:solidFill>
-                  <a:srgbClr val="C00000"/>
-                </a:solidFill>
-                <a:latin typeface="+mj-lt"/>
-              </a:rPr>
-              <a:t>non tende a migliorare</a:t>
-            </a:r>
-            <a:r>
-              <a:rPr lang="it-IT" sz="2400" dirty="0">
-                <a:solidFill>
-                  <a:srgbClr val="002060"/>
-                </a:solidFill>
-                <a:latin typeface="+mj-lt"/>
-              </a:rPr>
-              <a:t> all’aumentare del numero di campioni della funzione obiettivo.</a:t>
-            </a:r>
-          </a:p>
-          <a:p>
-            <a:pPr marL="342900" indent="-342900">
-              <a:buFont typeface="Arial" panose="020B0604020202020204" pitchFamily="34" charset="0"/>
-              <a:buChar char="•"/>
-            </a:pPr>
-            <a:r>
-              <a:rPr lang="it-IT" sz="2400" dirty="0">
-                <a:solidFill>
-                  <a:srgbClr val="002060"/>
-                </a:solidFill>
-                <a:latin typeface="+mj-lt"/>
-              </a:rPr>
-              <a:t>Il motivo per il quale invece le prestazioni sono state migliori in presenza di meno campioni è </a:t>
-            </a:r>
-            <a:r>
-              <a:rPr lang="it-IT" sz="2400" dirty="0">
-                <a:solidFill>
-                  <a:srgbClr val="C00000"/>
-                </a:solidFill>
-                <a:latin typeface="+mj-lt"/>
-              </a:rPr>
-              <a:t>la minore definizione</a:t>
-            </a:r>
-            <a:r>
-              <a:rPr lang="it-IT" sz="2400" dirty="0">
-                <a:solidFill>
-                  <a:srgbClr val="002060"/>
-                </a:solidFill>
-                <a:latin typeface="+mj-lt"/>
-              </a:rPr>
-              <a:t> della funzione obiettivo</a:t>
-            </a:r>
-          </a:p>
-        </p:txBody>
-      </p:sp>
-      <p:pic>
-        <p:nvPicPr>
-          <p:cNvPr id="10" name="Segnaposto contenuto 9">
-            <a:extLst>
-              <a:ext uri="{FF2B5EF4-FFF2-40B4-BE49-F238E27FC236}">
-                <a16:creationId xmlns:a16="http://schemas.microsoft.com/office/drawing/2014/main" id="{1A6C89F9-BC8A-4DCE-B7FC-4A143C50E482}"/>
-              </a:ext>
-            </a:extLst>
-          </p:cNvPr>
-          <p:cNvPicPr>
-            <a:picLocks noGrp="1" noChangeAspect="1"/>
-          </p:cNvPicPr>
-          <p:nvPr>
-            <p:ph idx="1"/>
-          </p:nvPr>
-        </p:nvPicPr>
-        <p:blipFill>
-          <a:blip r:embed="rId3">
-            <a:extLst>
-              <a:ext uri="{28A0092B-C50C-407E-A947-70E740481C1C}">
-                <a14:useLocalDpi xmlns:a14="http://schemas.microsoft.com/office/drawing/2010/main" val="0"/>
-              </a:ext>
-            </a:extLst>
-          </a:blip>
-          <a:stretch>
-            <a:fillRect/>
-          </a:stretch>
-        </p:blipFill>
-        <p:spPr>
-          <a:xfrm>
-            <a:off x="4448175" y="1354674"/>
-            <a:ext cx="7467600" cy="2165815"/>
-          </a:xfrm>
-        </p:spPr>
-      </p:pic>
-      <p:pic>
-        <p:nvPicPr>
-          <p:cNvPr id="12" name="Immagine 11">
-            <a:extLst>
-              <a:ext uri="{FF2B5EF4-FFF2-40B4-BE49-F238E27FC236}">
-                <a16:creationId xmlns:a16="http://schemas.microsoft.com/office/drawing/2014/main" id="{87664EE8-AAE4-458B-9EAC-612C8A237E05}"/>
-              </a:ext>
-            </a:extLst>
-          </p:cNvPr>
-          <p:cNvPicPr>
-            <a:picLocks noChangeAspect="1"/>
-          </p:cNvPicPr>
-          <p:nvPr/>
-        </p:nvPicPr>
-        <p:blipFill>
-          <a:blip r:embed="rId4">
-            <a:extLst>
-              <a:ext uri="{28A0092B-C50C-407E-A947-70E740481C1C}">
-                <a14:useLocalDpi xmlns:a14="http://schemas.microsoft.com/office/drawing/2010/main" val="0"/>
-              </a:ext>
-            </a:extLst>
-          </a:blip>
-          <a:stretch>
-            <a:fillRect/>
-          </a:stretch>
-        </p:blipFill>
-        <p:spPr>
-          <a:xfrm>
-            <a:off x="4448175" y="3520489"/>
-            <a:ext cx="7467600" cy="2317997"/>
-          </a:xfrm>
-          <a:prstGeom prst="rect">
-            <a:avLst/>
-          </a:prstGeom>
-        </p:spPr>
-      </p:pic>
     </p:spTree>
     <p:extLst>
       <p:ext uri="{BB962C8B-B14F-4D97-AF65-F5344CB8AC3E}">
-        <p14:creationId xmlns:p14="http://schemas.microsoft.com/office/powerpoint/2010/main" val="540158033"/>
+        <p14:creationId xmlns:p14="http://schemas.microsoft.com/office/powerpoint/2010/main" val="1886510980"/>
       </p:ext>
     </p:extLst>
   </p:cSld>
@@ -4617,10 +4676,10 @@
       </p:grpSpPr>
       <p:sp>
         <p:nvSpPr>
-          <p:cNvPr id="3" name="Segnaposto contenuto 2">
-            <a:extLst>
-              <a:ext uri="{FF2B5EF4-FFF2-40B4-BE49-F238E27FC236}">
-                <a16:creationId xmlns:a16="http://schemas.microsoft.com/office/drawing/2014/main" id="{6124F91B-5F97-43D8-85F8-545DBB74A356}"/>
+          <p:cNvPr id="2" name="Titolo 1">
+            <a:extLst>
+              <a:ext uri="{FF2B5EF4-FFF2-40B4-BE49-F238E27FC236}">
+                <a16:creationId xmlns:a16="http://schemas.microsoft.com/office/drawing/2014/main" id="{AB948457-65FF-44D5-A021-5D953048AF52}"/>
               </a:ext>
             </a:extLst>
           </p:cNvPr>
@@ -4628,149 +4687,48 @@
             <a:spLocks noGrp="1"/>
           </p:cNvSpPr>
           <p:nvPr>
-            <p:ph idx="1"/>
+            <p:ph type="title"/>
           </p:nvPr>
         </p:nvSpPr>
         <p:spPr>
           <a:xfrm>
-            <a:off x="938212" y="1502713"/>
-            <a:ext cx="3672977" cy="4493819"/>
-          </a:xfrm>
-        </p:spPr>
-        <p:txBody>
-          <a:bodyPr>
-            <a:normAutofit/>
-          </a:bodyPr>
+            <a:off x="657225" y="307975"/>
+            <a:ext cx="10515600" cy="1325563"/>
+          </a:xfrm>
+        </p:spPr>
+        <p:txBody>
+          <a:bodyPr/>
           <a:lstStyle/>
           <a:p>
-            <a:pPr marL="0" indent="0">
-              <a:buNone/>
-            </a:pPr>
-            <a:r>
-              <a:rPr lang="it-IT" dirty="0">
+            <a:r>
+              <a:rPr lang="it-IT" b="1" dirty="0">
                 <a:solidFill>
                   <a:srgbClr val="002060"/>
                 </a:solidFill>
-                <a:latin typeface="+mj-lt"/>
-              </a:rPr>
-              <a:t>Valutiamo i risultati  in presenza di un vincolo di disuguaglianza </a:t>
-            </a:r>
-            <a:r>
-              <a:rPr lang="it-IT" b="1" i="1" dirty="0">
-                <a:solidFill>
-                  <a:srgbClr val="C00000"/>
-                </a:solidFill>
-                <a:latin typeface="+mj-lt"/>
-              </a:rPr>
-              <a:t>R ≤ 2Z</a:t>
-            </a:r>
-            <a:r>
-              <a:rPr lang="it-IT" dirty="0">
+                <a:ea typeface="Doulos SIL" panose="02000500070000020004" pitchFamily="2" charset="0"/>
+                <a:cs typeface="Doulos SIL" panose="02000500070000020004" pitchFamily="2" charset="0"/>
+              </a:rPr>
+              <a:t>6. Esperimento: 3D senza vincoli</a:t>
+            </a:r>
+            <a:br>
+              <a:rPr lang="it-IT" b="1" dirty="0">
                 <a:solidFill>
                   <a:srgbClr val="002060"/>
                 </a:solidFill>
-                <a:latin typeface="+mj-lt"/>
-              </a:rPr>
-              <a:t>. </a:t>
-            </a:r>
-            <a:br>
-              <a:rPr lang="it-IT" dirty="0">
-                <a:solidFill>
-                  <a:srgbClr val="002060"/>
-                </a:solidFill>
-                <a:latin typeface="+mj-lt"/>
+                <a:ea typeface="Doulos SIL" panose="02000500070000020004" pitchFamily="2" charset="0"/>
+                <a:cs typeface="Doulos SIL" panose="02000500070000020004" pitchFamily="2" charset="0"/>
               </a:rPr>
             </a:br>
-            <a:r>
-              <a:rPr lang="it-IT" dirty="0">
-                <a:solidFill>
-                  <a:srgbClr val="002060"/>
-                </a:solidFill>
-                <a:latin typeface="+mj-lt"/>
-              </a:rPr>
-              <a:t>Così come ci aspettavamo la percentuale di errore aumenta drasticamente.</a:t>
-            </a:r>
-          </a:p>
-        </p:txBody>
-      </p:sp>
-      <p:pic>
-        <p:nvPicPr>
-          <p:cNvPr id="5" name="Immagine 4">
-            <a:extLst>
-              <a:ext uri="{FF2B5EF4-FFF2-40B4-BE49-F238E27FC236}">
-                <a16:creationId xmlns:a16="http://schemas.microsoft.com/office/drawing/2014/main" id="{00BF9E96-2D50-43BF-A479-21D30323C6AA}"/>
-              </a:ext>
-            </a:extLst>
-          </p:cNvPr>
-          <p:cNvPicPr>
-            <a:picLocks noChangeAspect="1"/>
-          </p:cNvPicPr>
-          <p:nvPr/>
-        </p:nvPicPr>
-        <p:blipFill>
-          <a:blip r:embed="rId3">
-            <a:extLst>
-              <a:ext uri="{28A0092B-C50C-407E-A947-70E740481C1C}">
-                <a14:useLocalDpi xmlns:a14="http://schemas.microsoft.com/office/drawing/2010/main" val="0"/>
-              </a:ext>
-            </a:extLst>
-          </a:blip>
-          <a:stretch>
-            <a:fillRect/>
-          </a:stretch>
-        </p:blipFill>
-        <p:spPr>
-          <a:xfrm>
-            <a:off x="5239415" y="1190812"/>
-            <a:ext cx="6689730" cy="2045111"/>
-          </a:xfrm>
-          <a:prstGeom prst="rect">
-            <a:avLst/>
-          </a:prstGeom>
-        </p:spPr>
-      </p:pic>
-      <p:pic>
-        <p:nvPicPr>
-          <p:cNvPr id="7" name="Immagine 6">
-            <a:extLst>
-              <a:ext uri="{FF2B5EF4-FFF2-40B4-BE49-F238E27FC236}">
-                <a16:creationId xmlns:a16="http://schemas.microsoft.com/office/drawing/2014/main" id="{41A86C1C-1B08-4CD6-A7E0-E58DB123F010}"/>
-              </a:ext>
-            </a:extLst>
-          </p:cNvPr>
-          <p:cNvPicPr>
-            <a:picLocks noChangeAspect="1"/>
-          </p:cNvPicPr>
-          <p:nvPr/>
-        </p:nvPicPr>
-        <p:blipFill>
-          <a:blip r:embed="rId4">
-            <a:extLst>
-              <a:ext uri="{28A0092B-C50C-407E-A947-70E740481C1C}">
-                <a14:useLocalDpi xmlns:a14="http://schemas.microsoft.com/office/drawing/2010/main" val="0"/>
-              </a:ext>
-            </a:extLst>
-          </a:blip>
-          <a:stretch>
-            <a:fillRect/>
-          </a:stretch>
-        </p:blipFill>
-        <p:spPr>
-          <a:xfrm>
-            <a:off x="5239415" y="3121093"/>
-            <a:ext cx="6689730" cy="3178071"/>
-          </a:xfrm>
-          <a:prstGeom prst="rect">
-            <a:avLst/>
-          </a:prstGeom>
-        </p:spPr>
-      </p:pic>
+            <a:endParaRPr lang="it-IT" dirty="0"/>
+          </a:p>
+        </p:txBody>
+      </p:sp>
       <p:cxnSp>
         <p:nvCxnSpPr>
           <p:cNvPr id="6" name="Connettore diritto 5">
             <a:extLst>
               <a:ext uri="{FF2B5EF4-FFF2-40B4-BE49-F238E27FC236}">
-                <a16:creationId xmlns:a16="http://schemas.microsoft.com/office/drawing/2014/main" id="{B55DB0D4-3783-4F5C-AD3E-B5235DE52A3E}"/>
+                <a16:creationId xmlns:a16="http://schemas.microsoft.com/office/drawing/2014/main" id="{330FF7A3-0743-4C2B-958A-0EBFDD59668D}"/>
               </a:ext>
             </a:extLst>
           </p:cNvPr>
@@ -4781,8 +4739,8 @@
         </p:nvCxnSpPr>
         <p:spPr>
           <a:xfrm>
-            <a:off x="938212" y="1133242"/>
-            <a:ext cx="10990933" cy="0"/>
+            <a:off x="804862" y="1133242"/>
+            <a:ext cx="11110913" cy="0"/>
           </a:xfrm>
           <a:prstGeom prst="line">
             <a:avLst/>
@@ -4803,72 +4761,12 @@
           </a:fontRef>
         </p:style>
       </p:cxnSp>
-      <p:sp>
-        <p:nvSpPr>
-          <p:cNvPr id="8" name="Titolo 1">
-            <a:extLst>
-              <a:ext uri="{FF2B5EF4-FFF2-40B4-BE49-F238E27FC236}">
-                <a16:creationId xmlns:a16="http://schemas.microsoft.com/office/drawing/2014/main" id="{96D2AA62-1AF3-4103-8973-45C0203F85D7}"/>
-              </a:ext>
-            </a:extLst>
-          </p:cNvPr>
-          <p:cNvSpPr txBox="1">
-            <a:spLocks/>
-          </p:cNvSpPr>
-          <p:nvPr/>
-        </p:nvSpPr>
-        <p:spPr>
-          <a:xfrm>
-            <a:off x="823910" y="239436"/>
-            <a:ext cx="10199224" cy="1054100"/>
-          </a:xfrm>
-          <a:prstGeom prst="rect">
-            <a:avLst/>
-          </a:prstGeom>
-        </p:spPr>
-        <p:txBody>
-          <a:bodyPr vert="horz" lIns="91440" tIns="45720" rIns="91440" bIns="45720" rtlCol="0" anchor="ctr">
-            <a:normAutofit fontScale="92500"/>
-          </a:bodyPr>
-          <a:lstStyle>
-            <a:lvl1pPr algn="l" defTabSz="914400" rtl="0" eaLnBrk="1" latinLnBrk="0" hangingPunct="1">
-              <a:lnSpc>
-                <a:spcPct val="90000"/>
-              </a:lnSpc>
-              <a:spcBef>
-                <a:spcPct val="0"/>
-              </a:spcBef>
-              <a:buNone/>
-              <a:defRPr sz="4400" kern="1200">
-                <a:solidFill>
-                  <a:schemeClr val="tx1"/>
-                </a:solidFill>
-                <a:latin typeface="+mj-lt"/>
-                <a:ea typeface="+mj-ea"/>
-                <a:cs typeface="+mj-cs"/>
-              </a:defRPr>
-            </a:lvl1pPr>
-          </a:lstStyle>
-          <a:p>
-            <a:r>
-              <a:rPr lang="it-IT" b="1" dirty="0">
-                <a:solidFill>
-                  <a:srgbClr val="002060"/>
-                </a:solidFill>
-                <a:ea typeface="Doulos SIL" panose="02000500070000020004" pitchFamily="2" charset="0"/>
-                <a:cs typeface="Doulos SIL" panose="02000500070000020004" pitchFamily="2" charset="0"/>
-              </a:rPr>
-              <a:t>6. Esperimento: 3D con vincolo di disuguaglianza</a:t>
-            </a:r>
-          </a:p>
-        </p:txBody>
-      </p:sp>
       <p:cxnSp>
         <p:nvCxnSpPr>
-          <p:cNvPr id="9" name="Connettore diritto 8">
-            <a:extLst>
-              <a:ext uri="{FF2B5EF4-FFF2-40B4-BE49-F238E27FC236}">
-                <a16:creationId xmlns:a16="http://schemas.microsoft.com/office/drawing/2014/main" id="{0B514A9B-3468-42BC-8113-7B0794F528BA}"/>
+          <p:cNvPr id="7" name="Connettore diritto 6">
+            <a:extLst>
+              <a:ext uri="{FF2B5EF4-FFF2-40B4-BE49-F238E27FC236}">
+                <a16:creationId xmlns:a16="http://schemas.microsoft.com/office/drawing/2014/main" id="{BB904809-0BE3-4F68-85A5-707653C68793}"/>
               </a:ext>
             </a:extLst>
           </p:cNvPr>
@@ -4879,8 +4777,8 @@
         </p:nvCxnSpPr>
         <p:spPr>
           <a:xfrm>
-            <a:off x="823911" y="6357584"/>
-            <a:ext cx="11105234" cy="0"/>
+            <a:off x="744314" y="6321008"/>
+            <a:ext cx="11171461" cy="0"/>
           </a:xfrm>
           <a:prstGeom prst="line">
             <a:avLst/>
@@ -4901,10 +4799,194 @@
           </a:fontRef>
         </p:style>
       </p:cxnSp>
+      <p:sp>
+        <p:nvSpPr>
+          <p:cNvPr id="9" name="CasellaDiTesto 8">
+            <a:extLst>
+              <a:ext uri="{FF2B5EF4-FFF2-40B4-BE49-F238E27FC236}">
+                <a16:creationId xmlns:a16="http://schemas.microsoft.com/office/drawing/2014/main" id="{AF3D50E3-4C50-4CBF-A7B5-F95BAEE71A1F}"/>
+              </a:ext>
+            </a:extLst>
+          </p:cNvPr>
+          <p:cNvSpPr txBox="1"/>
+          <p:nvPr/>
+        </p:nvSpPr>
+        <p:spPr>
+          <a:xfrm>
+            <a:off x="657225" y="1443371"/>
+            <a:ext cx="3790950" cy="4524315"/>
+          </a:xfrm>
+          <a:prstGeom prst="rect">
+            <a:avLst/>
+          </a:prstGeom>
+          <a:noFill/>
+        </p:spPr>
+        <p:txBody>
+          <a:bodyPr wrap="square" rtlCol="0">
+            <a:spAutoFit/>
+          </a:bodyPr>
+          <a:lstStyle/>
+          <a:p>
+            <a:pPr marL="342900" indent="-342900">
+              <a:buFont typeface="Arial" panose="020B0604020202020204" pitchFamily="34" charset="0"/>
+              <a:buChar char="•"/>
+            </a:pPr>
+            <a:r>
+              <a:rPr lang="it-IT" sz="2400" dirty="0">
+                <a:solidFill>
+                  <a:srgbClr val="002060"/>
+                </a:solidFill>
+                <a:latin typeface="+mj-lt"/>
+              </a:rPr>
+              <a:t>Contrariamente a quanto ci aspettavamo la </a:t>
+            </a:r>
+            <a:r>
+              <a:rPr lang="it-IT" sz="2400" i="1" dirty="0">
+                <a:solidFill>
+                  <a:srgbClr val="002060"/>
+                </a:solidFill>
+                <a:latin typeface="+mj-lt"/>
+              </a:rPr>
+              <a:t>precisione</a:t>
+            </a:r>
+            <a:r>
+              <a:rPr lang="it-IT" sz="2400" dirty="0">
+                <a:solidFill>
+                  <a:srgbClr val="002060"/>
+                </a:solidFill>
+                <a:latin typeface="+mj-lt"/>
+              </a:rPr>
+              <a:t> </a:t>
+            </a:r>
+            <a:r>
+              <a:rPr lang="it-IT" sz="2400" dirty="0">
+                <a:solidFill>
+                  <a:srgbClr val="C00000"/>
+                </a:solidFill>
+                <a:latin typeface="+mj-lt"/>
+              </a:rPr>
+              <a:t>non tende a migliorare</a:t>
+            </a:r>
+            <a:r>
+              <a:rPr lang="it-IT" sz="2400" dirty="0">
+                <a:solidFill>
+                  <a:srgbClr val="002060"/>
+                </a:solidFill>
+                <a:latin typeface="+mj-lt"/>
+              </a:rPr>
+              <a:t> all’aumentare del numero di campioni della funzione obiettivo.</a:t>
+            </a:r>
+          </a:p>
+          <a:p>
+            <a:pPr marL="342900" indent="-342900">
+              <a:buFont typeface="Arial" panose="020B0604020202020204" pitchFamily="34" charset="0"/>
+              <a:buChar char="•"/>
+            </a:pPr>
+            <a:r>
+              <a:rPr lang="it-IT" sz="2400" dirty="0">
+                <a:solidFill>
+                  <a:srgbClr val="002060"/>
+                </a:solidFill>
+                <a:latin typeface="+mj-lt"/>
+              </a:rPr>
+              <a:t>Il motivo per il quale invece le prestazioni sono state migliori in presenza di meno campioni è </a:t>
+            </a:r>
+            <a:r>
+              <a:rPr lang="it-IT" sz="2400" dirty="0">
+                <a:solidFill>
+                  <a:srgbClr val="C00000"/>
+                </a:solidFill>
+                <a:latin typeface="+mj-lt"/>
+              </a:rPr>
+              <a:t>la minore definizione</a:t>
+            </a:r>
+            <a:r>
+              <a:rPr lang="it-IT" sz="2400" dirty="0">
+                <a:solidFill>
+                  <a:srgbClr val="002060"/>
+                </a:solidFill>
+                <a:latin typeface="+mj-lt"/>
+              </a:rPr>
+              <a:t> della funzione obiettivo</a:t>
+            </a:r>
+          </a:p>
+        </p:txBody>
+      </p:sp>
+      <p:pic>
+        <p:nvPicPr>
+          <p:cNvPr id="10" name="Segnaposto contenuto 9">
+            <a:extLst>
+              <a:ext uri="{FF2B5EF4-FFF2-40B4-BE49-F238E27FC236}">
+                <a16:creationId xmlns:a16="http://schemas.microsoft.com/office/drawing/2014/main" id="{1A6C89F9-BC8A-4DCE-B7FC-4A143C50E482}"/>
+              </a:ext>
+            </a:extLst>
+          </p:cNvPr>
+          <p:cNvPicPr>
+            <a:picLocks noGrp="1" noChangeAspect="1"/>
+          </p:cNvPicPr>
+          <p:nvPr>
+            <p:ph idx="1"/>
+          </p:nvPr>
+        </p:nvPicPr>
+        <p:blipFill>
+          <a:blip r:embed="rId3">
+            <a:extLst>
+              <a:ext uri="{28A0092B-C50C-407E-A947-70E740481C1C}">
+                <a14:useLocalDpi xmlns:a14="http://schemas.microsoft.com/office/drawing/2010/main" val="0"/>
+              </a:ext>
+            </a:extLst>
+          </a:blip>
+          <a:stretch>
+            <a:fillRect/>
+          </a:stretch>
+        </p:blipFill>
+        <p:spPr>
+          <a:xfrm>
+            <a:off x="4448175" y="1463731"/>
+            <a:ext cx="7467600" cy="2165815"/>
+          </a:xfrm>
+        </p:spPr>
+      </p:pic>
+      <p:pic>
+        <p:nvPicPr>
+          <p:cNvPr id="12" name="Immagine 11">
+            <a:extLst>
+              <a:ext uri="{FF2B5EF4-FFF2-40B4-BE49-F238E27FC236}">
+                <a16:creationId xmlns:a16="http://schemas.microsoft.com/office/drawing/2014/main" id="{87664EE8-AAE4-458B-9EAC-612C8A237E05}"/>
+              </a:ext>
+            </a:extLst>
+          </p:cNvPr>
+          <p:cNvPicPr>
+            <a:picLocks noChangeAspect="1"/>
+          </p:cNvPicPr>
+          <p:nvPr/>
+        </p:nvPicPr>
+        <p:blipFill>
+          <a:blip r:embed="rId4">
+            <a:extLst>
+              <a:ext uri="{28A0092B-C50C-407E-A947-70E740481C1C}">
+                <a14:useLocalDpi xmlns:a14="http://schemas.microsoft.com/office/drawing/2010/main" val="0"/>
+              </a:ext>
+            </a:extLst>
+          </a:blip>
+          <a:stretch>
+            <a:fillRect/>
+          </a:stretch>
+        </p:blipFill>
+        <p:spPr>
+          <a:xfrm>
+            <a:off x="4448175" y="3629546"/>
+            <a:ext cx="7467600" cy="2317997"/>
+          </a:xfrm>
+          <a:prstGeom prst="rect">
+            <a:avLst/>
+          </a:prstGeom>
+        </p:spPr>
+      </p:pic>
     </p:spTree>
     <p:extLst>
       <p:ext uri="{BB962C8B-B14F-4D97-AF65-F5344CB8AC3E}">
-        <p14:creationId xmlns:p14="http://schemas.microsoft.com/office/powerpoint/2010/main" val="1685683046"/>
+        <p14:creationId xmlns:p14="http://schemas.microsoft.com/office/powerpoint/2010/main" val="540158033"/>
       </p:ext>
     </p:extLst>
   </p:cSld>
@@ -4948,10 +5030,10 @@
       </p:grpSpPr>
       <p:sp>
         <p:nvSpPr>
-          <p:cNvPr id="2" name="Titolo 1">
-            <a:extLst>
-              <a:ext uri="{FF2B5EF4-FFF2-40B4-BE49-F238E27FC236}">
-                <a16:creationId xmlns:a16="http://schemas.microsoft.com/office/drawing/2014/main" id="{887B090B-A589-47C6-BADB-8A0D7CF3EF6A}"/>
+          <p:cNvPr id="3" name="Segnaposto contenuto 2">
+            <a:extLst>
+              <a:ext uri="{FF2B5EF4-FFF2-40B4-BE49-F238E27FC236}">
+                <a16:creationId xmlns:a16="http://schemas.microsoft.com/office/drawing/2014/main" id="{6124F91B-5F97-43D8-85F8-545DBB74A356}"/>
               </a:ext>
             </a:extLst>
           </p:cNvPr>
@@ -4959,36 +5041,77 @@
             <a:spLocks noGrp="1"/>
           </p:cNvSpPr>
           <p:nvPr>
-            <p:ph type="title"/>
+            <p:ph idx="1"/>
           </p:nvPr>
         </p:nvSpPr>
         <p:spPr>
           <a:xfrm>
-            <a:off x="367314" y="168653"/>
-            <a:ext cx="10515600" cy="1325563"/>
-          </a:xfrm>
-        </p:spPr>
-        <p:txBody>
-          <a:bodyPr/>
+            <a:off x="938212" y="1502713"/>
+            <a:ext cx="3672977" cy="4493819"/>
+          </a:xfrm>
+        </p:spPr>
+        <p:txBody>
+          <a:bodyPr>
+            <a:normAutofit/>
+          </a:bodyPr>
           <a:lstStyle/>
           <a:p>
-            <a:r>
-              <a:rPr lang="it-IT" b="1" dirty="0">
+            <a:pPr marL="0" indent="0">
+              <a:buNone/>
+            </a:pPr>
+            <a:r>
+              <a:rPr lang="it-IT" dirty="0">
                 <a:solidFill>
                   <a:srgbClr val="002060"/>
                 </a:solidFill>
-              </a:rPr>
-              <a:t>6. Esperimento: 2D con vincolo di uguaglianza</a:t>
+                <a:latin typeface="+mj-lt"/>
+              </a:rPr>
+              <a:t>Valutiamo i risultati  in presenza di un vincolo di disuguaglianza </a:t>
+            </a:r>
+            <a:r>
+              <a:rPr lang="it-IT" b="1" i="1" dirty="0">
+                <a:solidFill>
+                  <a:srgbClr val="C00000"/>
+                </a:solidFill>
+                <a:latin typeface="+mj-lt"/>
+              </a:rPr>
+              <a:t>R ≤ 2Z</a:t>
+            </a:r>
+            <a:r>
+              <a:rPr lang="it-IT" dirty="0">
+                <a:solidFill>
+                  <a:srgbClr val="002060"/>
+                </a:solidFill>
+                <a:latin typeface="+mj-lt"/>
+              </a:rPr>
+              <a:t>. </a:t>
+            </a:r>
+            <a:br>
+              <a:rPr lang="it-IT" dirty="0">
+                <a:solidFill>
+                  <a:srgbClr val="002060"/>
+                </a:solidFill>
+                <a:latin typeface="+mj-lt"/>
+              </a:rPr>
+            </a:br>
+            <a:r>
+              <a:rPr lang="it-IT" dirty="0">
+                <a:solidFill>
+                  <a:srgbClr val="002060"/>
+                </a:solidFill>
+                <a:latin typeface="+mj-lt"/>
+              </a:rPr>
+              <a:t>Così come ci aspettavamo la percentuale di errore aumenta drasticamente.</a:t>
             </a:r>
           </a:p>
         </p:txBody>
       </p:sp>
       <p:pic>
         <p:nvPicPr>
-          <p:cNvPr id="7" name="Immagine 6">
-            <a:extLst>
-              <a:ext uri="{FF2B5EF4-FFF2-40B4-BE49-F238E27FC236}">
-                <a16:creationId xmlns:a16="http://schemas.microsoft.com/office/drawing/2014/main" id="{D1320C0B-A149-4F67-9373-A14A7DBC929A}"/>
+          <p:cNvPr id="5" name="Immagine 4">
+            <a:extLst>
+              <a:ext uri="{FF2B5EF4-FFF2-40B4-BE49-F238E27FC236}">
+                <a16:creationId xmlns:a16="http://schemas.microsoft.com/office/drawing/2014/main" id="{00BF9E96-2D50-43BF-A479-21D30323C6AA}"/>
               </a:ext>
             </a:extLst>
           </p:cNvPr>
@@ -5011,98 +5134,56 @@
         </p:blipFill>
         <p:spPr>
           <a:xfrm>
-            <a:off x="4284794" y="4097887"/>
-            <a:ext cx="7824345" cy="2268366"/>
+            <a:off x="5239415" y="1190812"/>
+            <a:ext cx="6689730" cy="2045111"/>
           </a:xfrm>
           <a:prstGeom prst="rect">
             <a:avLst/>
           </a:prstGeom>
         </p:spPr>
       </p:pic>
-      <p:sp>
-        <p:nvSpPr>
-          <p:cNvPr id="11" name="CasellaDiTesto 10">
-            <a:extLst>
-              <a:ext uri="{FF2B5EF4-FFF2-40B4-BE49-F238E27FC236}">
-                <a16:creationId xmlns:a16="http://schemas.microsoft.com/office/drawing/2014/main" id="{8C335ABF-F52B-47ED-BEFA-E213F741892D}"/>
-              </a:ext>
-            </a:extLst>
-          </p:cNvPr>
-          <p:cNvSpPr txBox="1"/>
+      <p:pic>
+        <p:nvPicPr>
+          <p:cNvPr id="7" name="Immagine 6">
+            <a:extLst>
+              <a:ext uri="{FF2B5EF4-FFF2-40B4-BE49-F238E27FC236}">
+                <a16:creationId xmlns:a16="http://schemas.microsoft.com/office/drawing/2014/main" id="{41A86C1C-1B08-4CD6-A7E0-E58DB123F010}"/>
+              </a:ext>
+            </a:extLst>
+          </p:cNvPr>
+          <p:cNvPicPr>
+            <a:picLocks noChangeAspect="1"/>
+          </p:cNvPicPr>
           <p:nvPr/>
-        </p:nvSpPr>
-        <p:spPr>
-          <a:xfrm>
-            <a:off x="367313" y="1494215"/>
-            <a:ext cx="3917481" cy="3539430"/>
+        </p:nvPicPr>
+        <p:blipFill>
+          <a:blip r:embed="rId4">
+            <a:extLst>
+              <a:ext uri="{28A0092B-C50C-407E-A947-70E740481C1C}">
+                <a14:useLocalDpi xmlns:a14="http://schemas.microsoft.com/office/drawing/2010/main" val="0"/>
+              </a:ext>
+            </a:extLst>
+          </a:blip>
+          <a:stretch>
+            <a:fillRect/>
+          </a:stretch>
+        </p:blipFill>
+        <p:spPr>
+          <a:xfrm>
+            <a:off x="5239415" y="3121093"/>
+            <a:ext cx="6689730" cy="3178071"/>
           </a:xfrm>
           <a:prstGeom prst="rect">
             <a:avLst/>
           </a:prstGeom>
-          <a:noFill/>
-        </p:spPr>
-        <p:txBody>
-          <a:bodyPr wrap="square" rtlCol="0">
-            <a:spAutoFit/>
-          </a:bodyPr>
-          <a:lstStyle/>
-          <a:p>
-            <a:r>
-              <a:rPr lang="it-IT" sz="2800" dirty="0">
-                <a:solidFill>
-                  <a:srgbClr val="002060"/>
-                </a:solidFill>
-                <a:latin typeface="+mj-lt"/>
-              </a:rPr>
-              <a:t>Valutiamo i risultati  in presenza di un vincolo di uguaglianza </a:t>
-            </a:r>
-            <a:r>
-              <a:rPr lang="it-IT" sz="2800" b="1" i="1" dirty="0">
-                <a:solidFill>
-                  <a:srgbClr val="C00000"/>
-                </a:solidFill>
-                <a:latin typeface="+mj-lt"/>
-              </a:rPr>
-              <a:t>R = 2Z </a:t>
-            </a:r>
-            <a:r>
-              <a:rPr lang="it-IT" sz="2800" dirty="0">
-                <a:solidFill>
-                  <a:srgbClr val="002060"/>
-                </a:solidFill>
-                <a:latin typeface="+mj-lt"/>
-              </a:rPr>
-              <a:t>in due dimensioni. </a:t>
-            </a:r>
-            <a:br>
-              <a:rPr lang="it-IT" sz="2800" dirty="0">
-                <a:solidFill>
-                  <a:srgbClr val="002060"/>
-                </a:solidFill>
-                <a:latin typeface="+mj-lt"/>
-              </a:rPr>
-            </a:br>
-            <a:r>
-              <a:rPr lang="it-IT" sz="2800" dirty="0">
-                <a:solidFill>
-                  <a:srgbClr val="002060"/>
-                </a:solidFill>
-                <a:latin typeface="+mj-lt"/>
-              </a:rPr>
-              <a:t>Analogamente al caso in 3D, anche qui la percentuale di errore aumenta di molto.</a:t>
-            </a:r>
-            <a:endParaRPr lang="it-IT" dirty="0">
-              <a:latin typeface="+mj-lt"/>
-            </a:endParaRPr>
-          </a:p>
-        </p:txBody>
-      </p:sp>
+        </p:spPr>
+      </p:pic>
       <p:cxnSp>
         <p:nvCxnSpPr>
-          <p:cNvPr id="14" name="Connettore diritto 13">
-            <a:extLst>
-              <a:ext uri="{FF2B5EF4-FFF2-40B4-BE49-F238E27FC236}">
-                <a16:creationId xmlns:a16="http://schemas.microsoft.com/office/drawing/2014/main" id="{7C54C90B-22FF-4C48-A056-52F24CBE6298}"/>
+          <p:cNvPr id="6" name="Connettore diritto 5">
+            <a:extLst>
+              <a:ext uri="{FF2B5EF4-FFF2-40B4-BE49-F238E27FC236}">
+                <a16:creationId xmlns:a16="http://schemas.microsoft.com/office/drawing/2014/main" id="{B55DB0D4-3783-4F5C-AD3E-B5235DE52A3E}"/>
               </a:ext>
             </a:extLst>
           </p:cNvPr>
@@ -5113,8 +5194,8 @@
         </p:nvCxnSpPr>
         <p:spPr>
           <a:xfrm>
-            <a:off x="481011" y="1233134"/>
-            <a:ext cx="11628129" cy="0"/>
+            <a:off x="938212" y="1133242"/>
+            <a:ext cx="10990933" cy="0"/>
           </a:xfrm>
           <a:prstGeom prst="line">
             <a:avLst/>
@@ -5135,12 +5216,72 @@
           </a:fontRef>
         </p:style>
       </p:cxnSp>
+      <p:sp>
+        <p:nvSpPr>
+          <p:cNvPr id="8" name="Titolo 1">
+            <a:extLst>
+              <a:ext uri="{FF2B5EF4-FFF2-40B4-BE49-F238E27FC236}">
+                <a16:creationId xmlns:a16="http://schemas.microsoft.com/office/drawing/2014/main" id="{96D2AA62-1AF3-4103-8973-45C0203F85D7}"/>
+              </a:ext>
+            </a:extLst>
+          </p:cNvPr>
+          <p:cNvSpPr txBox="1">
+            <a:spLocks/>
+          </p:cNvSpPr>
+          <p:nvPr/>
+        </p:nvSpPr>
+        <p:spPr>
+          <a:xfrm>
+            <a:off x="823910" y="239436"/>
+            <a:ext cx="10199224" cy="1054100"/>
+          </a:xfrm>
+          <a:prstGeom prst="rect">
+            <a:avLst/>
+          </a:prstGeom>
+        </p:spPr>
+        <p:txBody>
+          <a:bodyPr vert="horz" lIns="91440" tIns="45720" rIns="91440" bIns="45720" rtlCol="0" anchor="ctr">
+            <a:normAutofit fontScale="92500"/>
+          </a:bodyPr>
+          <a:lstStyle>
+            <a:lvl1pPr algn="l" defTabSz="914400" rtl="0" eaLnBrk="1" latinLnBrk="0" hangingPunct="1">
+              <a:lnSpc>
+                <a:spcPct val="90000"/>
+              </a:lnSpc>
+              <a:spcBef>
+                <a:spcPct val="0"/>
+              </a:spcBef>
+              <a:buNone/>
+              <a:defRPr sz="4400" kern="1200">
+                <a:solidFill>
+                  <a:schemeClr val="tx1"/>
+                </a:solidFill>
+                <a:latin typeface="+mj-lt"/>
+                <a:ea typeface="+mj-ea"/>
+                <a:cs typeface="+mj-cs"/>
+              </a:defRPr>
+            </a:lvl1pPr>
+          </a:lstStyle>
+          <a:p>
+            <a:r>
+              <a:rPr lang="it-IT" b="1" dirty="0">
+                <a:solidFill>
+                  <a:srgbClr val="002060"/>
+                </a:solidFill>
+                <a:ea typeface="Doulos SIL" panose="02000500070000020004" pitchFamily="2" charset="0"/>
+                <a:cs typeface="Doulos SIL" panose="02000500070000020004" pitchFamily="2" charset="0"/>
+              </a:rPr>
+              <a:t>6. Esperimento: 3D con vincolo di disuguaglianza</a:t>
+            </a:r>
+          </a:p>
+        </p:txBody>
+      </p:sp>
       <p:cxnSp>
         <p:nvCxnSpPr>
-          <p:cNvPr id="15" name="Connettore diritto 14">
-            <a:extLst>
-              <a:ext uri="{FF2B5EF4-FFF2-40B4-BE49-F238E27FC236}">
-                <a16:creationId xmlns:a16="http://schemas.microsoft.com/office/drawing/2014/main" id="{309BBCB1-CED9-44B0-9338-7D96441AB710}"/>
+          <p:cNvPr id="9" name="Connettore diritto 8">
+            <a:extLst>
+              <a:ext uri="{FF2B5EF4-FFF2-40B4-BE49-F238E27FC236}">
+                <a16:creationId xmlns:a16="http://schemas.microsoft.com/office/drawing/2014/main" id="{0B514A9B-3468-42BC-8113-7B0794F528BA}"/>
               </a:ext>
             </a:extLst>
           </p:cNvPr>
@@ -5151,8 +5292,8 @@
         </p:nvCxnSpPr>
         <p:spPr>
           <a:xfrm>
-            <a:off x="581626" y="6461865"/>
-            <a:ext cx="11527514" cy="0"/>
+            <a:off x="823911" y="6357584"/>
+            <a:ext cx="11105234" cy="0"/>
           </a:xfrm>
           <a:prstGeom prst="line">
             <a:avLst/>
@@ -5173,46 +5314,10 @@
           </a:fontRef>
         </p:style>
       </p:cxnSp>
-      <p:pic>
-        <p:nvPicPr>
-          <p:cNvPr id="4" name="Immagine 3">
-            <a:extLst>
-              <a:ext uri="{FF2B5EF4-FFF2-40B4-BE49-F238E27FC236}">
-                <a16:creationId xmlns:a16="http://schemas.microsoft.com/office/drawing/2014/main" id="{328F42EE-0A52-43DC-BABB-5FCE70603FC9}"/>
-              </a:ext>
-            </a:extLst>
-          </p:cNvPr>
-          <p:cNvPicPr>
-            <a:picLocks noChangeAspect="1"/>
-          </p:cNvPicPr>
-          <p:nvPr/>
-        </p:nvPicPr>
-        <p:blipFill>
-          <a:blip r:embed="rId4">
-            <a:extLst>
-              <a:ext uri="{28A0092B-C50C-407E-A947-70E740481C1C}">
-                <a14:useLocalDpi xmlns:a14="http://schemas.microsoft.com/office/drawing/2010/main" val="0"/>
-              </a:ext>
-            </a:extLst>
-          </a:blip>
-          <a:stretch>
-            <a:fillRect/>
-          </a:stretch>
-        </p:blipFill>
-        <p:spPr>
-          <a:xfrm>
-            <a:off x="4284794" y="1509218"/>
-            <a:ext cx="7824346" cy="2588669"/>
-          </a:xfrm>
-          <a:prstGeom prst="rect">
-            <a:avLst/>
-          </a:prstGeom>
-        </p:spPr>
-      </p:pic>
     </p:spTree>
     <p:extLst>
       <p:ext uri="{BB962C8B-B14F-4D97-AF65-F5344CB8AC3E}">
-        <p14:creationId xmlns:p14="http://schemas.microsoft.com/office/powerpoint/2010/main" val="1723690821"/>
+        <p14:creationId xmlns:p14="http://schemas.microsoft.com/office/powerpoint/2010/main" val="1685683046"/>
       </p:ext>
     </p:extLst>
   </p:cSld>
@@ -5259,7 +5364,7 @@
           <p:cNvPr id="2" name="Titolo 1">
             <a:extLst>
               <a:ext uri="{FF2B5EF4-FFF2-40B4-BE49-F238E27FC236}">
-                <a16:creationId xmlns:a16="http://schemas.microsoft.com/office/drawing/2014/main" id="{A9323D79-27CA-4EC6-9E43-055ACC146F48}"/>
+                <a16:creationId xmlns:a16="http://schemas.microsoft.com/office/drawing/2014/main" id="{887B090B-A589-47C6-BADB-8A0D7CF3EF6A}"/>
               </a:ext>
             </a:extLst>
           </p:cNvPr>
@@ -5272,8 +5377,316 @@
         </p:nvSpPr>
         <p:spPr>
           <a:xfrm>
-            <a:off x="402430" y="0"/>
+            <a:off x="367314" y="168653"/>
             <a:ext cx="10515600" cy="1325563"/>
+          </a:xfrm>
+        </p:spPr>
+        <p:txBody>
+          <a:bodyPr/>
+          <a:lstStyle/>
+          <a:p>
+            <a:r>
+              <a:rPr lang="it-IT" b="1" dirty="0">
+                <a:solidFill>
+                  <a:srgbClr val="002060"/>
+                </a:solidFill>
+              </a:rPr>
+              <a:t>6. Esperimento: 2D con vincolo di uguaglianza</a:t>
+            </a:r>
+          </a:p>
+        </p:txBody>
+      </p:sp>
+      <p:pic>
+        <p:nvPicPr>
+          <p:cNvPr id="7" name="Immagine 6">
+            <a:extLst>
+              <a:ext uri="{FF2B5EF4-FFF2-40B4-BE49-F238E27FC236}">
+                <a16:creationId xmlns:a16="http://schemas.microsoft.com/office/drawing/2014/main" id="{D1320C0B-A149-4F67-9373-A14A7DBC929A}"/>
+              </a:ext>
+            </a:extLst>
+          </p:cNvPr>
+          <p:cNvPicPr>
+            <a:picLocks noChangeAspect="1"/>
+          </p:cNvPicPr>
+          <p:nvPr/>
+        </p:nvPicPr>
+        <p:blipFill>
+          <a:blip r:embed="rId3">
+            <a:extLst>
+              <a:ext uri="{28A0092B-C50C-407E-A947-70E740481C1C}">
+                <a14:useLocalDpi xmlns:a14="http://schemas.microsoft.com/office/drawing/2010/main" val="0"/>
+              </a:ext>
+            </a:extLst>
+          </a:blip>
+          <a:stretch>
+            <a:fillRect/>
+          </a:stretch>
+        </p:blipFill>
+        <p:spPr>
+          <a:xfrm>
+            <a:off x="4284794" y="4097887"/>
+            <a:ext cx="7824345" cy="2268366"/>
+          </a:xfrm>
+          <a:prstGeom prst="rect">
+            <a:avLst/>
+          </a:prstGeom>
+        </p:spPr>
+      </p:pic>
+      <p:sp>
+        <p:nvSpPr>
+          <p:cNvPr id="11" name="CasellaDiTesto 10">
+            <a:extLst>
+              <a:ext uri="{FF2B5EF4-FFF2-40B4-BE49-F238E27FC236}">
+                <a16:creationId xmlns:a16="http://schemas.microsoft.com/office/drawing/2014/main" id="{8C335ABF-F52B-47ED-BEFA-E213F741892D}"/>
+              </a:ext>
+            </a:extLst>
+          </p:cNvPr>
+          <p:cNvSpPr txBox="1"/>
+          <p:nvPr/>
+        </p:nvSpPr>
+        <p:spPr>
+          <a:xfrm>
+            <a:off x="367313" y="1494215"/>
+            <a:ext cx="3917481" cy="3539430"/>
+          </a:xfrm>
+          <a:prstGeom prst="rect">
+            <a:avLst/>
+          </a:prstGeom>
+          <a:noFill/>
+        </p:spPr>
+        <p:txBody>
+          <a:bodyPr wrap="square" rtlCol="0">
+            <a:spAutoFit/>
+          </a:bodyPr>
+          <a:lstStyle/>
+          <a:p>
+            <a:r>
+              <a:rPr lang="it-IT" sz="2800" dirty="0">
+                <a:solidFill>
+                  <a:srgbClr val="002060"/>
+                </a:solidFill>
+                <a:latin typeface="+mj-lt"/>
+              </a:rPr>
+              <a:t>Valutiamo i risultati  in presenza di un vincolo di uguaglianza </a:t>
+            </a:r>
+            <a:r>
+              <a:rPr lang="it-IT" sz="2800" b="1" i="1" dirty="0">
+                <a:solidFill>
+                  <a:srgbClr val="C00000"/>
+                </a:solidFill>
+                <a:latin typeface="+mj-lt"/>
+              </a:rPr>
+              <a:t>R = 2Z </a:t>
+            </a:r>
+            <a:r>
+              <a:rPr lang="it-IT" sz="2800" dirty="0">
+                <a:solidFill>
+                  <a:srgbClr val="002060"/>
+                </a:solidFill>
+                <a:latin typeface="+mj-lt"/>
+              </a:rPr>
+              <a:t>in due dimensioni. </a:t>
+            </a:r>
+            <a:br>
+              <a:rPr lang="it-IT" sz="2800" dirty="0">
+                <a:solidFill>
+                  <a:srgbClr val="002060"/>
+                </a:solidFill>
+                <a:latin typeface="+mj-lt"/>
+              </a:rPr>
+            </a:br>
+            <a:r>
+              <a:rPr lang="it-IT" sz="2800" dirty="0">
+                <a:solidFill>
+                  <a:srgbClr val="002060"/>
+                </a:solidFill>
+                <a:latin typeface="+mj-lt"/>
+              </a:rPr>
+              <a:t>Analogamente al caso in 3D, anche qui la percentuale di errore aumenta di molto.</a:t>
+            </a:r>
+            <a:endParaRPr lang="it-IT" dirty="0">
+              <a:latin typeface="+mj-lt"/>
+            </a:endParaRPr>
+          </a:p>
+        </p:txBody>
+      </p:sp>
+      <p:cxnSp>
+        <p:nvCxnSpPr>
+          <p:cNvPr id="14" name="Connettore diritto 13">
+            <a:extLst>
+              <a:ext uri="{FF2B5EF4-FFF2-40B4-BE49-F238E27FC236}">
+                <a16:creationId xmlns:a16="http://schemas.microsoft.com/office/drawing/2014/main" id="{7C54C90B-22FF-4C48-A056-52F24CBE6298}"/>
+              </a:ext>
+            </a:extLst>
+          </p:cNvPr>
+          <p:cNvCxnSpPr>
+            <a:cxnSpLocks/>
+          </p:cNvCxnSpPr>
+          <p:nvPr/>
+        </p:nvCxnSpPr>
+        <p:spPr>
+          <a:xfrm>
+            <a:off x="481011" y="1233134"/>
+            <a:ext cx="11628129" cy="0"/>
+          </a:xfrm>
+          <a:prstGeom prst="line">
+            <a:avLst/>
+          </a:prstGeom>
+        </p:spPr>
+        <p:style>
+          <a:lnRef idx="1">
+            <a:schemeClr val="accent1"/>
+          </a:lnRef>
+          <a:fillRef idx="0">
+            <a:schemeClr val="accent1"/>
+          </a:fillRef>
+          <a:effectRef idx="0">
+            <a:schemeClr val="accent1"/>
+          </a:effectRef>
+          <a:fontRef idx="minor">
+            <a:schemeClr val="tx1"/>
+          </a:fontRef>
+        </p:style>
+      </p:cxnSp>
+      <p:cxnSp>
+        <p:nvCxnSpPr>
+          <p:cNvPr id="15" name="Connettore diritto 14">
+            <a:extLst>
+              <a:ext uri="{FF2B5EF4-FFF2-40B4-BE49-F238E27FC236}">
+                <a16:creationId xmlns:a16="http://schemas.microsoft.com/office/drawing/2014/main" id="{309BBCB1-CED9-44B0-9338-7D96441AB710}"/>
+              </a:ext>
+            </a:extLst>
+          </p:cNvPr>
+          <p:cNvCxnSpPr>
+            <a:cxnSpLocks/>
+          </p:cNvCxnSpPr>
+          <p:nvPr/>
+        </p:nvCxnSpPr>
+        <p:spPr>
+          <a:xfrm>
+            <a:off x="581626" y="6461865"/>
+            <a:ext cx="11527514" cy="0"/>
+          </a:xfrm>
+          <a:prstGeom prst="line">
+            <a:avLst/>
+          </a:prstGeom>
+        </p:spPr>
+        <p:style>
+          <a:lnRef idx="1">
+            <a:schemeClr val="accent1"/>
+          </a:lnRef>
+          <a:fillRef idx="0">
+            <a:schemeClr val="accent1"/>
+          </a:fillRef>
+          <a:effectRef idx="0">
+            <a:schemeClr val="accent1"/>
+          </a:effectRef>
+          <a:fontRef idx="minor">
+            <a:schemeClr val="tx1"/>
+          </a:fontRef>
+        </p:style>
+      </p:cxnSp>
+      <p:pic>
+        <p:nvPicPr>
+          <p:cNvPr id="4" name="Immagine 3">
+            <a:extLst>
+              <a:ext uri="{FF2B5EF4-FFF2-40B4-BE49-F238E27FC236}">
+                <a16:creationId xmlns:a16="http://schemas.microsoft.com/office/drawing/2014/main" id="{328F42EE-0A52-43DC-BABB-5FCE70603FC9}"/>
+              </a:ext>
+            </a:extLst>
+          </p:cNvPr>
+          <p:cNvPicPr>
+            <a:picLocks noChangeAspect="1"/>
+          </p:cNvPicPr>
+          <p:nvPr/>
+        </p:nvPicPr>
+        <p:blipFill>
+          <a:blip r:embed="rId4">
+            <a:extLst>
+              <a:ext uri="{28A0092B-C50C-407E-A947-70E740481C1C}">
+                <a14:useLocalDpi xmlns:a14="http://schemas.microsoft.com/office/drawing/2010/main" val="0"/>
+              </a:ext>
+            </a:extLst>
+          </a:blip>
+          <a:stretch>
+            <a:fillRect/>
+          </a:stretch>
+        </p:blipFill>
+        <p:spPr>
+          <a:xfrm>
+            <a:off x="4284794" y="1509218"/>
+            <a:ext cx="7824346" cy="2588669"/>
+          </a:xfrm>
+          <a:prstGeom prst="rect">
+            <a:avLst/>
+          </a:prstGeom>
+        </p:spPr>
+      </p:pic>
+    </p:spTree>
+    <p:extLst>
+      <p:ext uri="{BB962C8B-B14F-4D97-AF65-F5344CB8AC3E}">
+        <p14:creationId xmlns:p14="http://schemas.microsoft.com/office/powerpoint/2010/main" val="1723690821"/>
+      </p:ext>
+    </p:extLst>
+  </p:cSld>
+  <p:clrMapOvr>
+    <a:masterClrMapping/>
+  </p:clrMapOvr>
+</p:sld>
+</file>
+
+<file path=ppt/slides/slide16.xml><?xml version="1.0" encoding="utf-8"?>
+<p:sld xmlns:a="http://schemas.openxmlformats.org/drawingml/2006/main" xmlns:r="http://schemas.openxmlformats.org/officeDocument/2006/relationships" xmlns:p="http://schemas.openxmlformats.org/presentationml/2006/main">
+  <p:cSld>
+    <p:bg>
+      <p:bgPr>
+        <a:blipFill dpi="0" rotWithShape="1">
+          <a:blip r:embed="rId2">
+            <a:alphaModFix amt="58000"/>
+            <a:lum/>
+          </a:blip>
+          <a:srcRect/>
+          <a:stretch>
+            <a:fillRect l="-3000" r="-3000"/>
+          </a:stretch>
+        </a:blipFill>
+        <a:effectLst/>
+      </p:bgPr>
+    </p:bg>
+    <p:spTree>
+      <p:nvGrpSpPr>
+        <p:cNvPr id="1" name=""/>
+        <p:cNvGrpSpPr/>
+        <p:nvPr/>
+      </p:nvGrpSpPr>
+      <p:grpSpPr>
+        <a:xfrm>
+          <a:off x="0" y="0"/>
+          <a:ext cx="0" cy="0"/>
+          <a:chOff x="0" y="0"/>
+          <a:chExt cx="0" cy="0"/>
+        </a:xfrm>
+      </p:grpSpPr>
+      <p:sp>
+        <p:nvSpPr>
+          <p:cNvPr id="2" name="Titolo 1">
+            <a:extLst>
+              <a:ext uri="{FF2B5EF4-FFF2-40B4-BE49-F238E27FC236}">
+                <a16:creationId xmlns:a16="http://schemas.microsoft.com/office/drawing/2014/main" id="{A9323D79-27CA-4EC6-9E43-055ACC146F48}"/>
+              </a:ext>
+            </a:extLst>
+          </p:cNvPr>
+          <p:cNvSpPr>
+            <a:spLocks noGrp="1"/>
+          </p:cNvSpPr>
+          <p:nvPr>
+            <p:ph type="title"/>
+          </p:nvPr>
+        </p:nvSpPr>
+        <p:spPr>
+          <a:xfrm>
+            <a:off x="481011" y="344690"/>
+            <a:ext cx="10515600" cy="837000"/>
           </a:xfrm>
         </p:spPr>
         <p:txBody>
@@ -5321,11 +5734,87 @@
         </p:blipFill>
         <p:spPr>
           <a:xfrm>
-            <a:off x="620315" y="918809"/>
-            <a:ext cx="10951370" cy="5580646"/>
+            <a:off x="1066565" y="1284579"/>
+            <a:ext cx="10058870" cy="5125842"/>
           </a:xfrm>
         </p:spPr>
       </p:pic>
+      <p:cxnSp>
+        <p:nvCxnSpPr>
+          <p:cNvPr id="4" name="Connettore diritto 3">
+            <a:extLst>
+              <a:ext uri="{FF2B5EF4-FFF2-40B4-BE49-F238E27FC236}">
+                <a16:creationId xmlns:a16="http://schemas.microsoft.com/office/drawing/2014/main" id="{D37A71E1-DF52-4E56-BE92-F9CAB8BB1E10}"/>
+              </a:ext>
+            </a:extLst>
+          </p:cNvPr>
+          <p:cNvCxnSpPr>
+            <a:cxnSpLocks/>
+          </p:cNvCxnSpPr>
+          <p:nvPr/>
+        </p:nvCxnSpPr>
+        <p:spPr>
+          <a:xfrm>
+            <a:off x="481011" y="1233134"/>
+            <a:ext cx="11162908" cy="0"/>
+          </a:xfrm>
+          <a:prstGeom prst="line">
+            <a:avLst/>
+          </a:prstGeom>
+        </p:spPr>
+        <p:style>
+          <a:lnRef idx="1">
+            <a:schemeClr val="accent1"/>
+          </a:lnRef>
+          <a:fillRef idx="0">
+            <a:schemeClr val="accent1"/>
+          </a:fillRef>
+          <a:effectRef idx="0">
+            <a:schemeClr val="accent1"/>
+          </a:effectRef>
+          <a:fontRef idx="minor">
+            <a:schemeClr val="tx1"/>
+          </a:fontRef>
+        </p:style>
+      </p:cxnSp>
+      <p:cxnSp>
+        <p:nvCxnSpPr>
+          <p:cNvPr id="6" name="Connettore diritto 5">
+            <a:extLst>
+              <a:ext uri="{FF2B5EF4-FFF2-40B4-BE49-F238E27FC236}">
+                <a16:creationId xmlns:a16="http://schemas.microsoft.com/office/drawing/2014/main" id="{4B7D4BDD-1533-47D3-AF97-9899B5BFBD08}"/>
+              </a:ext>
+            </a:extLst>
+          </p:cNvPr>
+          <p:cNvCxnSpPr>
+            <a:cxnSpLocks/>
+          </p:cNvCxnSpPr>
+          <p:nvPr/>
+        </p:nvCxnSpPr>
+        <p:spPr>
+          <a:xfrm>
+            <a:off x="581626" y="6461865"/>
+            <a:ext cx="11062293" cy="0"/>
+          </a:xfrm>
+          <a:prstGeom prst="line">
+            <a:avLst/>
+          </a:prstGeom>
+        </p:spPr>
+        <p:style>
+          <a:lnRef idx="1">
+            <a:schemeClr val="accent1"/>
+          </a:lnRef>
+          <a:fillRef idx="0">
+            <a:schemeClr val="accent1"/>
+          </a:fillRef>
+          <a:effectRef idx="0">
+            <a:schemeClr val="accent1"/>
+          </a:effectRef>
+          <a:fontRef idx="minor">
+            <a:schemeClr val="tx1"/>
+          </a:fontRef>
+        </p:style>
+      </p:cxnSp>
     </p:spTree>
     <p:extLst>
       <p:ext uri="{BB962C8B-B14F-4D97-AF65-F5344CB8AC3E}">
@@ -5390,12 +5879,12 @@
         <p:spPr>
           <a:xfrm>
             <a:off x="823911" y="499495"/>
-            <a:ext cx="2266950" cy="1054100"/>
+            <a:ext cx="4402430" cy="1054100"/>
           </a:xfrm>
         </p:spPr>
         <p:txBody>
           <a:bodyPr>
-            <a:normAutofit/>
+            <a:normAutofit fontScale="90000"/>
           </a:bodyPr>
           <a:lstStyle/>
           <a:p>
@@ -5407,8 +5896,25 @@
                 <a:ea typeface="Doulos SIL" panose="02000500070000020004" pitchFamily="2" charset="0"/>
                 <a:cs typeface="Doulos SIL" panose="02000500070000020004" pitchFamily="2" charset="0"/>
               </a:rPr>
-              <a:t>Indice</a:t>
-            </a:r>
+              <a:t>Executive </a:t>
+            </a:r>
+            <a:r>
+              <a:rPr lang="it-IT" b="1" dirty="0" err="1">
+                <a:solidFill>
+                  <a:srgbClr val="002060"/>
+                </a:solidFill>
+                <a:ea typeface="Doulos SIL" panose="02000500070000020004" pitchFamily="2" charset="0"/>
+                <a:cs typeface="Doulos SIL" panose="02000500070000020004" pitchFamily="2" charset="0"/>
+              </a:rPr>
+              <a:t>summary</a:t>
+            </a:r>
+            <a:endParaRPr lang="it-IT" b="1" dirty="0">
+              <a:solidFill>
+                <a:srgbClr val="002060"/>
+              </a:solidFill>
+              <a:ea typeface="Doulos SIL" panose="02000500070000020004" pitchFamily="2" charset="0"/>
+              <a:cs typeface="Doulos SIL" panose="02000500070000020004" pitchFamily="2" charset="0"/>
+            </a:endParaRPr>
           </a:p>
         </p:txBody>
       </p:sp>
@@ -5430,133 +5936,27 @@
         </p:nvSpPr>
         <p:spPr>
           <a:xfrm>
-            <a:off x="3083718" y="1771646"/>
-            <a:ext cx="6010275" cy="4090988"/>
+            <a:off x="938212" y="1493244"/>
+            <a:ext cx="10201276" cy="4278382"/>
           </a:xfrm>
         </p:spPr>
         <p:txBody>
           <a:bodyPr>
-            <a:normAutofit lnSpcReduction="10000"/>
+            <a:normAutofit/>
           </a:bodyPr>
           <a:lstStyle/>
           <a:p>
-            <a:pPr marL="514350" indent="-514350">
-              <a:buFont typeface="+mj-lt"/>
-              <a:buAutoNum type="arabicPeriod"/>
+            <a:pPr marL="0" indent="0">
+              <a:buNone/>
             </a:pPr>
-            <a:r>
-              <a:rPr lang="it-IT" sz="3600" dirty="0">
-                <a:solidFill>
-                  <a:srgbClr val="002060"/>
-                </a:solidFill>
-                <a:latin typeface="+mj-lt"/>
-                <a:ea typeface="Doulos SIL" panose="02000500070000020004" pitchFamily="2" charset="0"/>
-                <a:cs typeface="Doulos SIL" panose="02000500070000020004" pitchFamily="2" charset="0"/>
-              </a:rPr>
-              <a:t>Descrizione del problema</a:t>
-            </a:r>
-          </a:p>
-          <a:p>
-            <a:pPr marL="514350" indent="-514350">
-              <a:buFont typeface="+mj-lt"/>
-              <a:buAutoNum type="arabicPeriod"/>
-            </a:pPr>
-            <a:r>
-              <a:rPr lang="it-IT" sz="3600" dirty="0">
-                <a:solidFill>
-                  <a:srgbClr val="002060"/>
-                </a:solidFill>
-                <a:latin typeface="+mj-lt"/>
-                <a:ea typeface="Doulos SIL" panose="02000500070000020004" pitchFamily="2" charset="0"/>
-                <a:cs typeface="Doulos SIL" panose="02000500070000020004" pitchFamily="2" charset="0"/>
-              </a:rPr>
-              <a:t>Obiettivo</a:t>
-            </a:r>
-          </a:p>
-          <a:p>
-            <a:pPr marL="514350" indent="-514350">
-              <a:buFont typeface="+mj-lt"/>
-              <a:buAutoNum type="arabicPeriod"/>
-            </a:pPr>
-            <a:r>
-              <a:rPr lang="it-IT" sz="3600" dirty="0">
-                <a:solidFill>
-                  <a:srgbClr val="002060"/>
-                </a:solidFill>
-                <a:latin typeface="+mj-lt"/>
-                <a:ea typeface="Doulos SIL" panose="02000500070000020004" pitchFamily="2" charset="0"/>
-                <a:cs typeface="Doulos SIL" panose="02000500070000020004" pitchFamily="2" charset="0"/>
-              </a:rPr>
-              <a:t>Formulazione matematica</a:t>
-            </a:r>
-          </a:p>
-          <a:p>
-            <a:pPr marL="514350" indent="-514350">
-              <a:buFont typeface="+mj-lt"/>
-              <a:buAutoNum type="arabicPeriod"/>
-            </a:pPr>
-            <a:r>
-              <a:rPr lang="it-IT" sz="3600" dirty="0">
-                <a:solidFill>
-                  <a:srgbClr val="002060"/>
-                </a:solidFill>
-                <a:latin typeface="+mj-lt"/>
-                <a:ea typeface="Doulos SIL" panose="02000500070000020004" pitchFamily="2" charset="0"/>
-                <a:cs typeface="Doulos SIL" panose="02000500070000020004" pitchFamily="2" charset="0"/>
-              </a:rPr>
-              <a:t>Tecnica di minimizzazione</a:t>
-            </a:r>
-          </a:p>
-          <a:p>
-            <a:pPr marL="514350" indent="-514350">
-              <a:buFont typeface="+mj-lt"/>
-              <a:buAutoNum type="arabicPeriod"/>
-            </a:pPr>
-            <a:r>
-              <a:rPr lang="it-IT" sz="3600" dirty="0">
-                <a:solidFill>
-                  <a:srgbClr val="002060"/>
-                </a:solidFill>
-                <a:latin typeface="+mj-lt"/>
-                <a:ea typeface="Doulos SIL" panose="02000500070000020004" pitchFamily="2" charset="0"/>
-                <a:cs typeface="Doulos SIL" panose="02000500070000020004" pitchFamily="2" charset="0"/>
-              </a:rPr>
-              <a:t>Considerazioni preliminari</a:t>
-            </a:r>
-          </a:p>
-          <a:p>
-            <a:pPr marL="514350" indent="-514350">
-              <a:buFont typeface="+mj-lt"/>
-              <a:buAutoNum type="arabicPeriod"/>
-            </a:pPr>
-            <a:r>
-              <a:rPr lang="it-IT" sz="3600" dirty="0">
-                <a:solidFill>
-                  <a:srgbClr val="002060"/>
-                </a:solidFill>
-                <a:latin typeface="+mj-lt"/>
-                <a:ea typeface="Doulos SIL" panose="02000500070000020004" pitchFamily="2" charset="0"/>
-                <a:cs typeface="Doulos SIL" panose="02000500070000020004" pitchFamily="2" charset="0"/>
-              </a:rPr>
-              <a:t>Esperimenti</a:t>
-            </a:r>
-          </a:p>
-          <a:p>
-            <a:pPr marL="514350" indent="-514350">
-              <a:buFont typeface="+mj-lt"/>
-              <a:buAutoNum type="arabicPeriod"/>
-            </a:pPr>
-            <a:r>
-              <a:rPr lang="it-IT" sz="3600" dirty="0">
-                <a:solidFill>
-                  <a:srgbClr val="002060"/>
-                </a:solidFill>
-                <a:latin typeface="+mj-lt"/>
-                <a:ea typeface="Doulos SIL" panose="02000500070000020004" pitchFamily="2" charset="0"/>
-                <a:cs typeface="Doulos SIL" panose="02000500070000020004" pitchFamily="2" charset="0"/>
-              </a:rPr>
-              <a:t>Risultati e conclusioni</a:t>
-            </a:r>
+            <a:endParaRPr lang="it-IT" sz="3600" u="sng" dirty="0">
+              <a:solidFill>
+                <a:srgbClr val="002060"/>
+              </a:solidFill>
+              <a:latin typeface="+mj-lt"/>
+              <a:ea typeface="Doulos SIL" panose="02000500070000020004" pitchFamily="2" charset="0"/>
+              <a:cs typeface="Doulos SIL" panose="02000500070000020004" pitchFamily="2" charset="0"/>
+            </a:endParaRPr>
           </a:p>
         </p:txBody>
       </p:sp>
@@ -5639,7 +6039,7 @@
     </p:spTree>
     <p:extLst>
       <p:ext uri="{BB962C8B-B14F-4D97-AF65-F5344CB8AC3E}">
-        <p14:creationId xmlns:p14="http://schemas.microsoft.com/office/powerpoint/2010/main" val="831528128"/>
+        <p14:creationId xmlns:p14="http://schemas.microsoft.com/office/powerpoint/2010/main" val="3523414484"/>
       </p:ext>
     </p:extLst>
   </p:cSld>
@@ -5683,10 +6083,51 @@
       </p:grpSpPr>
       <p:sp>
         <p:nvSpPr>
+          <p:cNvPr id="2" name="Titolo 1">
+            <a:extLst>
+              <a:ext uri="{FF2B5EF4-FFF2-40B4-BE49-F238E27FC236}">
+                <a16:creationId xmlns:a16="http://schemas.microsoft.com/office/drawing/2014/main" id="{0192EE08-AB7D-4828-99B7-AA047875736F}"/>
+              </a:ext>
+            </a:extLst>
+          </p:cNvPr>
+          <p:cNvSpPr>
+            <a:spLocks noGrp="1"/>
+          </p:cNvSpPr>
+          <p:nvPr>
+            <p:ph type="title"/>
+          </p:nvPr>
+        </p:nvSpPr>
+        <p:spPr>
+          <a:xfrm>
+            <a:off x="823911" y="499495"/>
+            <a:ext cx="2266950" cy="1054100"/>
+          </a:xfrm>
+        </p:spPr>
+        <p:txBody>
+          <a:bodyPr>
+            <a:normAutofit/>
+          </a:bodyPr>
+          <a:lstStyle/>
+          <a:p>
+            <a:r>
+              <a:rPr lang="it-IT" b="1" dirty="0">
+                <a:solidFill>
+                  <a:srgbClr val="002060"/>
+                </a:solidFill>
+                <a:ea typeface="Doulos SIL" panose="02000500070000020004" pitchFamily="2" charset="0"/>
+                <a:cs typeface="Doulos SIL" panose="02000500070000020004" pitchFamily="2" charset="0"/>
+              </a:rPr>
+              <a:t>Indice</a:t>
+            </a:r>
+          </a:p>
+        </p:txBody>
+      </p:sp>
+      <p:sp>
+        <p:nvSpPr>
           <p:cNvPr id="3" name="Segnaposto contenuto 2">
             <a:extLst>
               <a:ext uri="{FF2B5EF4-FFF2-40B4-BE49-F238E27FC236}">
-                <a16:creationId xmlns:a16="http://schemas.microsoft.com/office/drawing/2014/main" id="{EAABDBD9-73BC-40DB-8003-5BB006B3DF81}"/>
+                <a16:creationId xmlns:a16="http://schemas.microsoft.com/office/drawing/2014/main" id="{4203DB60-CF1D-4156-B591-DFA8D09E2E83}"/>
               </a:ext>
             </a:extLst>
           </p:cNvPr>
@@ -5699,18 +6140,22 @@
         </p:nvSpPr>
         <p:spPr>
           <a:xfrm>
-            <a:off x="218113" y="1576174"/>
-            <a:ext cx="3836201" cy="4667250"/>
-          </a:xfrm>
-        </p:spPr>
-        <p:txBody>
-          <a:bodyPr vert="horz" lIns="91440" tIns="45720" rIns="91440" bIns="45720" rtlCol="0" anchor="t">
-            <a:normAutofit/>
+            <a:off x="3083718" y="1771646"/>
+            <a:ext cx="6010275" cy="4090988"/>
+          </a:xfrm>
+        </p:spPr>
+        <p:txBody>
+          <a:bodyPr>
+            <a:normAutofit lnSpcReduction="10000"/>
           </a:bodyPr>
           <a:lstStyle/>
           <a:p>
-            <a:r>
-              <a:rPr lang="it-IT" dirty="0">
+            <a:pPr marL="514350" indent="-514350">
+              <a:buFont typeface="+mj-lt"/>
+              <a:buAutoNum type="arabicPeriod"/>
+            </a:pPr>
+            <a:r>
+              <a:rPr lang="it-IT" sz="3600" dirty="0">
                 <a:solidFill>
                   <a:srgbClr val="002060"/>
                 </a:solidFill>
@@ -5718,21 +6163,33 @@
                 <a:ea typeface="Doulos SIL" panose="02000500070000020004" pitchFamily="2" charset="0"/>
                 <a:cs typeface="Doulos SIL" panose="02000500070000020004" pitchFamily="2" charset="0"/>
               </a:rPr>
-              <a:t>Il sistema è composto da </a:t>
-            </a:r>
-            <a:r>
-              <a:rPr lang="it-IT" b="1" i="1" dirty="0">
-                <a:solidFill>
-                  <a:srgbClr val="C00000"/>
+              <a:t>Descrizione del problema</a:t>
+            </a:r>
+          </a:p>
+          <a:p>
+            <a:pPr marL="514350" indent="-514350">
+              <a:buFont typeface="+mj-lt"/>
+              <a:buAutoNum type="arabicPeriod"/>
+            </a:pPr>
+            <a:r>
+              <a:rPr lang="it-IT" sz="3600" dirty="0">
+                <a:solidFill>
+                  <a:srgbClr val="002060"/>
                 </a:solidFill>
                 <a:latin typeface="+mj-lt"/>
                 <a:ea typeface="Doulos SIL" panose="02000500070000020004" pitchFamily="2" charset="0"/>
                 <a:cs typeface="Doulos SIL" panose="02000500070000020004" pitchFamily="2" charset="0"/>
               </a:rPr>
-              <a:t>6 spire simmetriche </a:t>
-            </a:r>
-            <a:r>
-              <a:rPr lang="it-IT" dirty="0">
+              <a:t>Obiettivo</a:t>
+            </a:r>
+          </a:p>
+          <a:p>
+            <a:pPr marL="514350" indent="-514350">
+              <a:buFont typeface="+mj-lt"/>
+              <a:buAutoNum type="arabicPeriod"/>
+            </a:pPr>
+            <a:r>
+              <a:rPr lang="it-IT" sz="3600" dirty="0">
                 <a:solidFill>
                   <a:srgbClr val="002060"/>
                 </a:solidFill>
@@ -5740,12 +6197,16 @@
                 <a:ea typeface="Doulos SIL" panose="02000500070000020004" pitchFamily="2" charset="0"/>
                 <a:cs typeface="Doulos SIL" panose="02000500070000020004" pitchFamily="2" charset="0"/>
               </a:rPr>
-              <a:t>e concentriche rispetto all'asse z.</a:t>
-            </a:r>
-          </a:p>
-          <a:p>
-            <a:r>
-              <a:rPr lang="it-IT" dirty="0">
+              <a:t>Formulazione matematica</a:t>
+            </a:r>
+          </a:p>
+          <a:p>
+            <a:pPr marL="514350" indent="-514350">
+              <a:buFont typeface="+mj-lt"/>
+              <a:buAutoNum type="arabicPeriod"/>
+            </a:pPr>
+            <a:r>
+              <a:rPr lang="it-IT" sz="3600" dirty="0">
                 <a:solidFill>
                   <a:srgbClr val="002060"/>
                 </a:solidFill>
@@ -5753,21 +6214,33 @@
                 <a:ea typeface="Doulos SIL" panose="02000500070000020004" pitchFamily="2" charset="0"/>
                 <a:cs typeface="Doulos SIL" panose="02000500070000020004" pitchFamily="2" charset="0"/>
               </a:rPr>
-              <a:t>I parametri di progetto, ovvero </a:t>
-            </a:r>
-            <a:r>
-              <a:rPr lang="it-IT" b="1" i="1" dirty="0">
-                <a:solidFill>
-                  <a:srgbClr val="C00000"/>
+              <a:t>Tecnica di minimizzazione</a:t>
+            </a:r>
+          </a:p>
+          <a:p>
+            <a:pPr marL="514350" indent="-514350">
+              <a:buFont typeface="+mj-lt"/>
+              <a:buAutoNum type="arabicPeriod"/>
+            </a:pPr>
+            <a:r>
+              <a:rPr lang="it-IT" sz="3600" dirty="0">
+                <a:solidFill>
+                  <a:srgbClr val="002060"/>
                 </a:solidFill>
                 <a:latin typeface="+mj-lt"/>
                 <a:ea typeface="Doulos SIL" panose="02000500070000020004" pitchFamily="2" charset="0"/>
                 <a:cs typeface="Doulos SIL" panose="02000500070000020004" pitchFamily="2" charset="0"/>
               </a:rPr>
-              <a:t>posizione</a:t>
-            </a:r>
-            <a:r>
-              <a:rPr lang="it-IT" dirty="0">
+              <a:t>Considerazioni preliminari</a:t>
+            </a:r>
+          </a:p>
+          <a:p>
+            <a:pPr marL="514350" indent="-514350">
+              <a:buFont typeface="+mj-lt"/>
+              <a:buAutoNum type="arabicPeriod"/>
+            </a:pPr>
+            <a:r>
+              <a:rPr lang="it-IT" sz="3600" dirty="0">
                 <a:solidFill>
                   <a:srgbClr val="002060"/>
                 </a:solidFill>
@@ -5775,97 +6248,34 @@
                 <a:ea typeface="Doulos SIL" panose="02000500070000020004" pitchFamily="2" charset="0"/>
                 <a:cs typeface="Doulos SIL" panose="02000500070000020004" pitchFamily="2" charset="0"/>
               </a:rPr>
-              <a:t>, </a:t>
-            </a:r>
-            <a:r>
-              <a:rPr lang="it-IT" b="1" i="1" dirty="0">
-                <a:solidFill>
-                  <a:srgbClr val="C00000"/>
+              <a:t>Esperimenti</a:t>
+            </a:r>
+          </a:p>
+          <a:p>
+            <a:pPr marL="514350" indent="-514350">
+              <a:buFont typeface="+mj-lt"/>
+              <a:buAutoNum type="arabicPeriod"/>
+            </a:pPr>
+            <a:r>
+              <a:rPr lang="it-IT" sz="3600" dirty="0">
+                <a:solidFill>
+                  <a:srgbClr val="002060"/>
                 </a:solidFill>
                 <a:latin typeface="+mj-lt"/>
                 <a:ea typeface="Doulos SIL" panose="02000500070000020004" pitchFamily="2" charset="0"/>
                 <a:cs typeface="Doulos SIL" panose="02000500070000020004" pitchFamily="2" charset="0"/>
               </a:rPr>
-              <a:t>raggio</a:t>
-            </a:r>
-            <a:r>
-              <a:rPr lang="it-IT" dirty="0">
-                <a:solidFill>
-                  <a:srgbClr val="002060"/>
-                </a:solidFill>
-                <a:latin typeface="+mj-lt"/>
-                <a:ea typeface="Doulos SIL" panose="02000500070000020004" pitchFamily="2" charset="0"/>
-                <a:cs typeface="Doulos SIL" panose="02000500070000020004" pitchFamily="2" charset="0"/>
-              </a:rPr>
-              <a:t> e intensità di </a:t>
-            </a:r>
-            <a:r>
-              <a:rPr lang="it-IT" b="1" i="1" dirty="0">
-                <a:solidFill>
-                  <a:srgbClr val="C00000"/>
-                </a:solidFill>
-                <a:latin typeface="+mj-lt"/>
-                <a:ea typeface="Doulos SIL" panose="02000500070000020004" pitchFamily="2" charset="0"/>
-                <a:cs typeface="Doulos SIL" panose="02000500070000020004" pitchFamily="2" charset="0"/>
-              </a:rPr>
-              <a:t>corrente</a:t>
-            </a:r>
-            <a:r>
-              <a:rPr lang="it-IT" dirty="0">
-                <a:solidFill>
-                  <a:srgbClr val="002060"/>
-                </a:solidFill>
-                <a:latin typeface="+mj-lt"/>
-                <a:ea typeface="Doulos SIL" panose="02000500070000020004" pitchFamily="2" charset="0"/>
-                <a:cs typeface="Doulos SIL" panose="02000500070000020004" pitchFamily="2" charset="0"/>
-              </a:rPr>
-              <a:t>, sono noti per tutte le spire tranne che per una coppia.</a:t>
-            </a:r>
-          </a:p>
-        </p:txBody>
-      </p:sp>
-      <p:pic>
-        <p:nvPicPr>
-          <p:cNvPr id="5" name="Immagine 4">
-            <a:extLst>
-              <a:ext uri="{FF2B5EF4-FFF2-40B4-BE49-F238E27FC236}">
-                <a16:creationId xmlns:a16="http://schemas.microsoft.com/office/drawing/2014/main" id="{E6D75EDA-0A93-475A-87AC-16E1391F9465}"/>
-              </a:ext>
-            </a:extLst>
-          </p:cNvPr>
-          <p:cNvPicPr>
-            <a:picLocks noChangeAspect="1"/>
-          </p:cNvPicPr>
-          <p:nvPr/>
-        </p:nvPicPr>
-        <p:blipFill>
-          <a:blip r:embed="rId3">
-            <a:extLst>
-              <a:ext uri="{28A0092B-C50C-407E-A947-70E740481C1C}">
-                <a14:useLocalDpi xmlns:a14="http://schemas.microsoft.com/office/drawing/2010/main" val="0"/>
-              </a:ext>
-            </a:extLst>
-          </a:blip>
-          <a:stretch>
-            <a:fillRect/>
-          </a:stretch>
-        </p:blipFill>
-        <p:spPr>
-          <a:xfrm>
-            <a:off x="3987202" y="1507469"/>
-            <a:ext cx="8029445" cy="4735955"/>
-          </a:xfrm>
-          <a:prstGeom prst="rect">
-            <a:avLst/>
-          </a:prstGeom>
-        </p:spPr>
-      </p:pic>
+              <a:t>Risultati e conclusioni</a:t>
+            </a:r>
+          </a:p>
+        </p:txBody>
+      </p:sp>
       <p:cxnSp>
         <p:nvCxnSpPr>
-          <p:cNvPr id="6" name="Connettore diritto 5">
-            <a:extLst>
-              <a:ext uri="{FF2B5EF4-FFF2-40B4-BE49-F238E27FC236}">
-                <a16:creationId xmlns:a16="http://schemas.microsoft.com/office/drawing/2014/main" id="{9B7E032F-EC43-47DB-AD1D-CC926507FE94}"/>
+          <p:cNvPr id="4" name="Connettore diritto 3">
+            <a:extLst>
+              <a:ext uri="{FF2B5EF4-FFF2-40B4-BE49-F238E27FC236}">
+                <a16:creationId xmlns:a16="http://schemas.microsoft.com/office/drawing/2014/main" id="{8D6621C6-55DA-4B28-8D31-0A3DC6C5BA3C}"/>
               </a:ext>
             </a:extLst>
           </p:cNvPr>
@@ -5876,8 +6286,8 @@
         </p:nvCxnSpPr>
         <p:spPr>
           <a:xfrm>
-            <a:off x="385762" y="1393301"/>
-            <a:ext cx="11630885" cy="0"/>
+            <a:off x="938212" y="1393301"/>
+            <a:ext cx="10301288" cy="0"/>
           </a:xfrm>
           <a:prstGeom prst="line">
             <a:avLst/>
@@ -5898,72 +6308,12 @@
           </a:fontRef>
         </p:style>
       </p:cxnSp>
-      <p:sp>
-        <p:nvSpPr>
-          <p:cNvPr id="9" name="Titolo 1">
-            <a:extLst>
-              <a:ext uri="{FF2B5EF4-FFF2-40B4-BE49-F238E27FC236}">
-                <a16:creationId xmlns:a16="http://schemas.microsoft.com/office/drawing/2014/main" id="{4F0540AC-109D-4711-B16A-41D5A29BFEA6}"/>
-              </a:ext>
-            </a:extLst>
-          </p:cNvPr>
-          <p:cNvSpPr txBox="1">
-            <a:spLocks/>
-          </p:cNvSpPr>
-          <p:nvPr/>
-        </p:nvSpPr>
-        <p:spPr>
-          <a:xfrm>
-            <a:off x="218113" y="339201"/>
-            <a:ext cx="6667458" cy="1054100"/>
-          </a:xfrm>
-          <a:prstGeom prst="rect">
-            <a:avLst/>
-          </a:prstGeom>
-        </p:spPr>
-        <p:txBody>
-          <a:bodyPr vert="horz" lIns="91440" tIns="45720" rIns="91440" bIns="45720" rtlCol="0" anchor="ctr">
-            <a:normAutofit/>
-          </a:bodyPr>
-          <a:lstStyle>
-            <a:lvl1pPr algn="l" defTabSz="914400" rtl="0" eaLnBrk="1" latinLnBrk="0" hangingPunct="1">
-              <a:lnSpc>
-                <a:spcPct val="90000"/>
-              </a:lnSpc>
-              <a:spcBef>
-                <a:spcPct val="0"/>
-              </a:spcBef>
-              <a:buNone/>
-              <a:defRPr sz="4400" kern="1200">
-                <a:solidFill>
-                  <a:schemeClr val="tx1"/>
-                </a:solidFill>
-                <a:latin typeface="+mj-lt"/>
-                <a:ea typeface="+mj-ea"/>
-                <a:cs typeface="+mj-cs"/>
-              </a:defRPr>
-            </a:lvl1pPr>
-          </a:lstStyle>
-          <a:p>
-            <a:r>
-              <a:rPr lang="it-IT" b="1" dirty="0">
-                <a:solidFill>
-                  <a:srgbClr val="002060"/>
-                </a:solidFill>
-                <a:ea typeface="Doulos SIL" panose="02000500070000020004" pitchFamily="2" charset="0"/>
-                <a:cs typeface="Doulos SIL" panose="02000500070000020004" pitchFamily="2" charset="0"/>
-              </a:rPr>
-              <a:t>1. Descrizione del problema</a:t>
-            </a:r>
-          </a:p>
-        </p:txBody>
-      </p:sp>
       <p:cxnSp>
         <p:nvCxnSpPr>
-          <p:cNvPr id="10" name="Connettore diritto 9">
-            <a:extLst>
-              <a:ext uri="{FF2B5EF4-FFF2-40B4-BE49-F238E27FC236}">
-                <a16:creationId xmlns:a16="http://schemas.microsoft.com/office/drawing/2014/main" id="{F2FEB4DF-C1C8-4A18-B8A7-0B272D1DBD53}"/>
+          <p:cNvPr id="5" name="Connettore diritto 4">
+            <a:extLst>
+              <a:ext uri="{FF2B5EF4-FFF2-40B4-BE49-F238E27FC236}">
+                <a16:creationId xmlns:a16="http://schemas.microsoft.com/office/drawing/2014/main" id="{85B3FF9A-34EF-4BDC-A5D5-D677A6E88F89}"/>
               </a:ext>
             </a:extLst>
           </p:cNvPr>
@@ -5974,8 +6324,8 @@
         </p:nvCxnSpPr>
         <p:spPr>
           <a:xfrm>
-            <a:off x="385762" y="6386159"/>
-            <a:ext cx="11630885" cy="0"/>
+            <a:off x="838200" y="5862634"/>
+            <a:ext cx="10301288" cy="0"/>
           </a:xfrm>
           <a:prstGeom prst="line">
             <a:avLst/>
@@ -5999,7 +6349,7 @@
     </p:spTree>
     <p:extLst>
       <p:ext uri="{BB962C8B-B14F-4D97-AF65-F5344CB8AC3E}">
-        <p14:creationId xmlns:p14="http://schemas.microsoft.com/office/powerpoint/2010/main" val="1318068537"/>
+        <p14:creationId xmlns:p14="http://schemas.microsoft.com/office/powerpoint/2010/main" val="831528128"/>
       </p:ext>
     </p:extLst>
   </p:cSld>
@@ -6046,7 +6396,7 @@
           <p:cNvPr id="3" name="Segnaposto contenuto 2">
             <a:extLst>
               <a:ext uri="{FF2B5EF4-FFF2-40B4-BE49-F238E27FC236}">
-                <a16:creationId xmlns:a16="http://schemas.microsoft.com/office/drawing/2014/main" id="{9F9163AC-4574-4AAA-9DA9-25E379CCED28}"/>
+                <a16:creationId xmlns:a16="http://schemas.microsoft.com/office/drawing/2014/main" id="{EAABDBD9-73BC-40DB-8003-5BB006B3DF81}"/>
               </a:ext>
             </a:extLst>
           </p:cNvPr>
@@ -6059,8 +6409,8 @@
         </p:nvSpPr>
         <p:spPr>
           <a:xfrm>
-            <a:off x="952499" y="1553595"/>
-            <a:ext cx="3283941" cy="4755106"/>
+            <a:off x="218113" y="1576174"/>
+            <a:ext cx="3836201" cy="4667250"/>
           </a:xfrm>
         </p:spPr>
         <p:txBody>
@@ -6069,9 +6419,6 @@
           </a:bodyPr>
           <a:lstStyle/>
           <a:p>
-            <a:pPr marL="0" indent="0">
-              <a:buNone/>
-            </a:pPr>
             <a:r>
               <a:rPr lang="it-IT" dirty="0">
                 <a:solidFill>
@@ -6081,7 +6428,7 @@
                 <a:ea typeface="Doulos SIL" panose="02000500070000020004" pitchFamily="2" charset="0"/>
                 <a:cs typeface="Doulos SIL" panose="02000500070000020004" pitchFamily="2" charset="0"/>
               </a:rPr>
-              <a:t>L’obiettivo del progetto delle spire incognite è quello di </a:t>
+              <a:t>Il sistema è composto da </a:t>
             </a:r>
             <a:r>
               <a:rPr lang="it-IT" b="1" i="1" dirty="0">
@@ -6092,7 +6439,7 @@
                 <a:ea typeface="Doulos SIL" panose="02000500070000020004" pitchFamily="2" charset="0"/>
                 <a:cs typeface="Doulos SIL" panose="02000500070000020004" pitchFamily="2" charset="0"/>
               </a:rPr>
-              <a:t>approssimare quanto più possibile </a:t>
+              <a:t>6 spire simmetriche </a:t>
             </a:r>
             <a:r>
               <a:rPr lang="it-IT" dirty="0">
@@ -6103,17 +6450,96 @@
                 <a:ea typeface="Doulos SIL" panose="02000500070000020004" pitchFamily="2" charset="0"/>
                 <a:cs typeface="Doulos SIL" panose="02000500070000020004" pitchFamily="2" charset="0"/>
               </a:rPr>
-              <a:t>un campo magnetico della seguente caratteristica.</a:t>
+              <a:t>e concentriche rispetto all'asse z.</a:t>
+            </a:r>
+          </a:p>
+          <a:p>
+            <a:r>
+              <a:rPr lang="it-IT" dirty="0">
+                <a:solidFill>
+                  <a:srgbClr val="002060"/>
+                </a:solidFill>
+                <a:latin typeface="+mj-lt"/>
+                <a:ea typeface="Doulos SIL" panose="02000500070000020004" pitchFamily="2" charset="0"/>
+                <a:cs typeface="Doulos SIL" panose="02000500070000020004" pitchFamily="2" charset="0"/>
+              </a:rPr>
+              <a:t>I parametri di progetto, ovvero </a:t>
+            </a:r>
+            <a:r>
+              <a:rPr lang="it-IT" b="1" i="1" dirty="0">
+                <a:solidFill>
+                  <a:srgbClr val="C00000"/>
+                </a:solidFill>
+                <a:latin typeface="+mj-lt"/>
+                <a:ea typeface="Doulos SIL" panose="02000500070000020004" pitchFamily="2" charset="0"/>
+                <a:cs typeface="Doulos SIL" panose="02000500070000020004" pitchFamily="2" charset="0"/>
+              </a:rPr>
+              <a:t>posizione</a:t>
+            </a:r>
+            <a:r>
+              <a:rPr lang="it-IT" dirty="0">
+                <a:solidFill>
+                  <a:srgbClr val="002060"/>
+                </a:solidFill>
+                <a:latin typeface="+mj-lt"/>
+                <a:ea typeface="Doulos SIL" panose="02000500070000020004" pitchFamily="2" charset="0"/>
+                <a:cs typeface="Doulos SIL" panose="02000500070000020004" pitchFamily="2" charset="0"/>
+              </a:rPr>
+              <a:t>, </a:t>
+            </a:r>
+            <a:r>
+              <a:rPr lang="it-IT" b="1" i="1" dirty="0">
+                <a:solidFill>
+                  <a:srgbClr val="C00000"/>
+                </a:solidFill>
+                <a:latin typeface="+mj-lt"/>
+                <a:ea typeface="Doulos SIL" panose="02000500070000020004" pitchFamily="2" charset="0"/>
+                <a:cs typeface="Doulos SIL" panose="02000500070000020004" pitchFamily="2" charset="0"/>
+              </a:rPr>
+              <a:t>raggio</a:t>
+            </a:r>
+            <a:r>
+              <a:rPr lang="it-IT" dirty="0">
+                <a:solidFill>
+                  <a:srgbClr val="002060"/>
+                </a:solidFill>
+                <a:latin typeface="+mj-lt"/>
+                <a:ea typeface="Doulos SIL" panose="02000500070000020004" pitchFamily="2" charset="0"/>
+                <a:cs typeface="Doulos SIL" panose="02000500070000020004" pitchFamily="2" charset="0"/>
+              </a:rPr>
+              <a:t> e intensità di </a:t>
+            </a:r>
+            <a:r>
+              <a:rPr lang="it-IT" b="1" i="1" dirty="0">
+                <a:solidFill>
+                  <a:srgbClr val="C00000"/>
+                </a:solidFill>
+                <a:latin typeface="+mj-lt"/>
+                <a:ea typeface="Doulos SIL" panose="02000500070000020004" pitchFamily="2" charset="0"/>
+                <a:cs typeface="Doulos SIL" panose="02000500070000020004" pitchFamily="2" charset="0"/>
+              </a:rPr>
+              <a:t>corrente</a:t>
+            </a:r>
+            <a:r>
+              <a:rPr lang="it-IT" dirty="0">
+                <a:solidFill>
+                  <a:srgbClr val="002060"/>
+                </a:solidFill>
+                <a:latin typeface="+mj-lt"/>
+                <a:ea typeface="Doulos SIL" panose="02000500070000020004" pitchFamily="2" charset="0"/>
+                <a:cs typeface="Doulos SIL" panose="02000500070000020004" pitchFamily="2" charset="0"/>
+              </a:rPr>
+              <a:t>, sono noti per tutte le spire tranne che per una coppia.</a:t>
             </a:r>
           </a:p>
         </p:txBody>
       </p:sp>
       <p:pic>
         <p:nvPicPr>
-          <p:cNvPr id="4" name="Immagine 5" descr="Immagine che contiene cielo, diverso, fotografia, oggetto&#10;&#10;Descrizione generata con affidabilità molto elevata">
-            <a:extLst>
-              <a:ext uri="{FF2B5EF4-FFF2-40B4-BE49-F238E27FC236}">
-                <a16:creationId xmlns:a16="http://schemas.microsoft.com/office/drawing/2014/main" id="{958E7C71-F531-49D7-9389-7EDD91B5A449}"/>
+          <p:cNvPr id="5" name="Immagine 4">
+            <a:extLst>
+              <a:ext uri="{FF2B5EF4-FFF2-40B4-BE49-F238E27FC236}">
+                <a16:creationId xmlns:a16="http://schemas.microsoft.com/office/drawing/2014/main" id="{E6D75EDA-0A93-475A-87AC-16E1391F9465}"/>
               </a:ext>
             </a:extLst>
           </p:cNvPr>
@@ -6123,15 +6549,21 @@
           <p:nvPr/>
         </p:nvPicPr>
         <p:blipFill>
-          <a:blip r:embed="rId3"/>
+          <a:blip r:embed="rId3">
+            <a:extLst>
+              <a:ext uri="{28A0092B-C50C-407E-A947-70E740481C1C}">
+                <a14:useLocalDpi xmlns:a14="http://schemas.microsoft.com/office/drawing/2010/main" val="0"/>
+              </a:ext>
+            </a:extLst>
+          </a:blip>
           <a:stretch>
             <a:fillRect/>
           </a:stretch>
         </p:blipFill>
         <p:spPr>
           <a:xfrm>
-            <a:off x="4471820" y="1442184"/>
-            <a:ext cx="6767680" cy="4866518"/>
+            <a:off x="3987202" y="1507469"/>
+            <a:ext cx="8029445" cy="4735955"/>
           </a:xfrm>
           <a:prstGeom prst="rect">
             <a:avLst/>
@@ -6140,10 +6572,10 @@
       </p:pic>
       <p:cxnSp>
         <p:nvCxnSpPr>
-          <p:cNvPr id="5" name="Connettore diritto 4">
-            <a:extLst>
-              <a:ext uri="{FF2B5EF4-FFF2-40B4-BE49-F238E27FC236}">
-                <a16:creationId xmlns:a16="http://schemas.microsoft.com/office/drawing/2014/main" id="{D088D6EF-65E6-45E7-8272-456AB75B3EA5}"/>
+          <p:cNvPr id="6" name="Connettore diritto 5">
+            <a:extLst>
+              <a:ext uri="{FF2B5EF4-FFF2-40B4-BE49-F238E27FC236}">
+                <a16:creationId xmlns:a16="http://schemas.microsoft.com/office/drawing/2014/main" id="{9B7E032F-EC43-47DB-AD1D-CC926507FE94}"/>
               </a:ext>
             </a:extLst>
           </p:cNvPr>
@@ -6154,8 +6586,8 @@
         </p:nvCxnSpPr>
         <p:spPr>
           <a:xfrm>
-            <a:off x="938212" y="1393301"/>
-            <a:ext cx="10301288" cy="0"/>
+            <a:off x="385762" y="1393301"/>
+            <a:ext cx="11630885" cy="0"/>
           </a:xfrm>
           <a:prstGeom prst="line">
             <a:avLst/>
@@ -6178,10 +6610,10 @@
       </p:cxnSp>
       <p:sp>
         <p:nvSpPr>
-          <p:cNvPr id="6" name="Titolo 1">
-            <a:extLst>
-              <a:ext uri="{FF2B5EF4-FFF2-40B4-BE49-F238E27FC236}">
-                <a16:creationId xmlns:a16="http://schemas.microsoft.com/office/drawing/2014/main" id="{CCC13261-5023-4ACE-A375-4AAAEE7F9627}"/>
+          <p:cNvPr id="9" name="Titolo 1">
+            <a:extLst>
+              <a:ext uri="{FF2B5EF4-FFF2-40B4-BE49-F238E27FC236}">
+                <a16:creationId xmlns:a16="http://schemas.microsoft.com/office/drawing/2014/main" id="{4F0540AC-109D-4711-B16A-41D5A29BFEA6}"/>
               </a:ext>
             </a:extLst>
           </p:cNvPr>
@@ -6192,7 +6624,7 @@
         </p:nvSpPr>
         <p:spPr>
           <a:xfrm>
-            <a:off x="823911" y="499495"/>
+            <a:off x="218113" y="339201"/>
             <a:ext cx="6667458" cy="1054100"/>
           </a:xfrm>
           <a:prstGeom prst="rect">
@@ -6231,17 +6663,17 @@
                 <a:ea typeface="Doulos SIL" panose="02000500070000020004" pitchFamily="2" charset="0"/>
                 <a:cs typeface="Doulos SIL" panose="02000500070000020004" pitchFamily="2" charset="0"/>
               </a:rPr>
-              <a:t>2. Obiettivo</a:t>
+              <a:t>1. Descrizione del problema</a:t>
             </a:r>
           </a:p>
         </p:txBody>
       </p:sp>
       <p:cxnSp>
         <p:nvCxnSpPr>
-          <p:cNvPr id="7" name="Connettore diritto 6">
-            <a:extLst>
-              <a:ext uri="{FF2B5EF4-FFF2-40B4-BE49-F238E27FC236}">
-                <a16:creationId xmlns:a16="http://schemas.microsoft.com/office/drawing/2014/main" id="{8C199ED7-CCC3-4C0B-90C6-AC261848E9CE}"/>
+          <p:cNvPr id="10" name="Connettore diritto 9">
+            <a:extLst>
+              <a:ext uri="{FF2B5EF4-FFF2-40B4-BE49-F238E27FC236}">
+                <a16:creationId xmlns:a16="http://schemas.microsoft.com/office/drawing/2014/main" id="{F2FEB4DF-C1C8-4A18-B8A7-0B272D1DBD53}"/>
               </a:ext>
             </a:extLst>
           </p:cNvPr>
@@ -6252,8 +6684,8 @@
         </p:nvCxnSpPr>
         <p:spPr>
           <a:xfrm>
-            <a:off x="823911" y="6357584"/>
-            <a:ext cx="10415589" cy="0"/>
+            <a:off x="385762" y="6386159"/>
+            <a:ext cx="11630885" cy="0"/>
           </a:xfrm>
           <a:prstGeom prst="line">
             <a:avLst/>
@@ -6277,7 +6709,7 @@
     </p:spTree>
     <p:extLst>
       <p:ext uri="{BB962C8B-B14F-4D97-AF65-F5344CB8AC3E}">
-        <p14:creationId xmlns:p14="http://schemas.microsoft.com/office/powerpoint/2010/main" val="3065245299"/>
+        <p14:creationId xmlns:p14="http://schemas.microsoft.com/office/powerpoint/2010/main" val="1318068537"/>
       </p:ext>
     </p:extLst>
   </p:cSld>
@@ -6324,7 +6756,7 @@
           <p:cNvPr id="3" name="Segnaposto contenuto 2">
             <a:extLst>
               <a:ext uri="{FF2B5EF4-FFF2-40B4-BE49-F238E27FC236}">
-                <a16:creationId xmlns:a16="http://schemas.microsoft.com/office/drawing/2014/main" id="{8E78F1CB-0898-4124-857B-08801E034C11}"/>
+                <a16:creationId xmlns:a16="http://schemas.microsoft.com/office/drawing/2014/main" id="{9F9163AC-4574-4AAA-9DA9-25E379CCED28}"/>
               </a:ext>
             </a:extLst>
           </p:cNvPr>
@@ -6337,20 +6769,17 @@
         </p:nvSpPr>
         <p:spPr>
           <a:xfrm>
-            <a:off x="851874" y="1335991"/>
-            <a:ext cx="10205622" cy="1073614"/>
-          </a:xfrm>
-        </p:spPr>
-        <p:txBody>
-          <a:bodyPr>
-            <a:normAutofit fontScale="92500"/>
+            <a:off x="952499" y="1553595"/>
+            <a:ext cx="3283941" cy="4755106"/>
+          </a:xfrm>
+        </p:spPr>
+        <p:txBody>
+          <a:bodyPr vert="horz" lIns="91440" tIns="45720" rIns="91440" bIns="45720" rtlCol="0" anchor="t">
+            <a:normAutofit/>
           </a:bodyPr>
           <a:lstStyle/>
           <a:p>
             <a:pPr marL="0" indent="0">
-              <a:lnSpc>
-                <a:spcPct val="110000"/>
-              </a:lnSpc>
               <a:buNone/>
             </a:pPr>
             <a:r>
@@ -6362,7 +6791,7 @@
                 <a:ea typeface="Doulos SIL" panose="02000500070000020004" pitchFamily="2" charset="0"/>
                 <a:cs typeface="Doulos SIL" panose="02000500070000020004" pitchFamily="2" charset="0"/>
               </a:rPr>
-              <a:t>La legge di </a:t>
+              <a:t>L’obiettivo del progetto delle spire incognite è quello di </a:t>
             </a:r>
             <a:r>
               <a:rPr lang="it-IT" b="1" i="1" dirty="0">
@@ -6373,180 +6802,28 @@
                 <a:ea typeface="Doulos SIL" panose="02000500070000020004" pitchFamily="2" charset="0"/>
                 <a:cs typeface="Doulos SIL" panose="02000500070000020004" pitchFamily="2" charset="0"/>
               </a:rPr>
-              <a:t>Biot-</a:t>
-            </a:r>
-            <a:r>
-              <a:rPr lang="it-IT" b="1" i="1" dirty="0" err="1">
-                <a:solidFill>
-                  <a:srgbClr val="C00000"/>
+              <a:t>approssimare quanto più possibile </a:t>
+            </a:r>
+            <a:r>
+              <a:rPr lang="it-IT" dirty="0">
+                <a:solidFill>
+                  <a:srgbClr val="002060"/>
                 </a:solidFill>
                 <a:latin typeface="+mj-lt"/>
                 <a:ea typeface="Doulos SIL" panose="02000500070000020004" pitchFamily="2" charset="0"/>
                 <a:cs typeface="Doulos SIL" panose="02000500070000020004" pitchFamily="2" charset="0"/>
               </a:rPr>
-              <a:t>Savart</a:t>
-            </a:r>
-            <a:r>
-              <a:rPr lang="it-IT" dirty="0">
-                <a:solidFill>
-                  <a:srgbClr val="002060"/>
-                </a:solidFill>
-                <a:latin typeface="+mj-lt"/>
-                <a:ea typeface="Doulos SIL" panose="02000500070000020004" pitchFamily="2" charset="0"/>
-                <a:cs typeface="Doulos SIL" panose="02000500070000020004" pitchFamily="2" charset="0"/>
-              </a:rPr>
-              <a:t> permette di valutare il campo magnetico </a:t>
-            </a:r>
-            <a:r>
-              <a:rPr lang="it-IT" b="1" i="1" dirty="0">
-                <a:solidFill>
-                  <a:srgbClr val="C00000"/>
-                </a:solidFill>
-                <a:latin typeface="+mj-lt"/>
-                <a:ea typeface="Doulos SIL" panose="02000500070000020004" pitchFamily="2" charset="0"/>
-                <a:cs typeface="Doulos SIL" panose="02000500070000020004" pitchFamily="2" charset="0"/>
-              </a:rPr>
-              <a:t>B</a:t>
-            </a:r>
-            <a:r>
-              <a:rPr lang="it-IT" dirty="0">
-                <a:solidFill>
-                  <a:srgbClr val="002060"/>
-                </a:solidFill>
-                <a:latin typeface="+mj-lt"/>
-                <a:ea typeface="Doulos SIL" panose="02000500070000020004" pitchFamily="2" charset="0"/>
-                <a:cs typeface="Doulos SIL" panose="02000500070000020004" pitchFamily="2" charset="0"/>
-              </a:rPr>
-              <a:t> prodotto in un punto dello spazio da una spira percorsa da corrente elettrica:</a:t>
-            </a:r>
-          </a:p>
-        </p:txBody>
-      </p:sp>
-      <p:sp>
-        <p:nvSpPr>
-          <p:cNvPr id="11" name="CasellaDiTesto 10">
-            <a:extLst>
-              <a:ext uri="{FF2B5EF4-FFF2-40B4-BE49-F238E27FC236}">
-                <a16:creationId xmlns:a16="http://schemas.microsoft.com/office/drawing/2014/main" id="{EB2106D2-4420-4B48-AE5B-6BC2F247A8B3}"/>
-              </a:ext>
-            </a:extLst>
-          </p:cNvPr>
-          <p:cNvSpPr txBox="1"/>
-          <p:nvPr/>
-        </p:nvSpPr>
-        <p:spPr>
-          <a:xfrm>
-            <a:off x="938212" y="3261129"/>
-            <a:ext cx="10119284" cy="1384995"/>
-          </a:xfrm>
-          <a:prstGeom prst="rect">
-            <a:avLst/>
-          </a:prstGeom>
-          <a:noFill/>
-        </p:spPr>
-        <p:txBody>
-          <a:bodyPr wrap="square" rtlCol="0">
-            <a:spAutoFit/>
-          </a:bodyPr>
-          <a:lstStyle/>
-          <a:p>
-            <a:r>
-              <a:rPr lang="it-IT" sz="2800" dirty="0">
-                <a:solidFill>
-                  <a:srgbClr val="002060"/>
-                </a:solidFill>
-                <a:latin typeface="+mj-lt"/>
-                <a:ea typeface="Doulos SIL" panose="02000500070000020004" pitchFamily="2" charset="0"/>
-                <a:cs typeface="Doulos SIL" panose="02000500070000020004" pitchFamily="2" charset="0"/>
-              </a:rPr>
-              <a:t>Considerando adesso la </a:t>
-            </a:r>
-            <a:r>
-              <a:rPr lang="it-IT" sz="2800" b="1" i="1" dirty="0">
-                <a:solidFill>
-                  <a:srgbClr val="C00000"/>
-                </a:solidFill>
-                <a:latin typeface="+mj-lt"/>
-                <a:ea typeface="Doulos SIL" panose="02000500070000020004" pitchFamily="2" charset="0"/>
-                <a:cs typeface="Doulos SIL" panose="02000500070000020004" pitchFamily="2" charset="0"/>
-              </a:rPr>
-              <a:t>sovrapposizione degli effetti </a:t>
-            </a:r>
-            <a:r>
-              <a:rPr lang="it-IT" sz="2800" dirty="0">
-                <a:solidFill>
-                  <a:srgbClr val="002060"/>
-                </a:solidFill>
-                <a:latin typeface="+mj-lt"/>
-                <a:ea typeface="Doulos SIL" panose="02000500070000020004" pitchFamily="2" charset="0"/>
-                <a:cs typeface="Doulos SIL" panose="02000500070000020004" pitchFamily="2" charset="0"/>
-              </a:rPr>
-              <a:t>di tutte le spire del sistema e tenendo presente che </a:t>
-            </a:r>
-            <a:r>
-              <a:rPr lang="it-IT" sz="2800" b="1" i="1" dirty="0">
-                <a:solidFill>
-                  <a:srgbClr val="C00000"/>
-                </a:solidFill>
-                <a:latin typeface="+mj-lt"/>
-                <a:ea typeface="Doulos SIL" panose="02000500070000020004" pitchFamily="2" charset="0"/>
-                <a:cs typeface="Doulos SIL" panose="02000500070000020004" pitchFamily="2" charset="0"/>
-              </a:rPr>
-              <a:t>le spire sono simmetriche rispetto al piano </a:t>
-            </a:r>
-            <a:r>
-              <a:rPr lang="it-IT" sz="2800" b="1" i="1" dirty="0" err="1">
-                <a:solidFill>
-                  <a:srgbClr val="C00000"/>
-                </a:solidFill>
-                <a:latin typeface="+mj-lt"/>
-                <a:ea typeface="Doulos SIL" panose="02000500070000020004" pitchFamily="2" charset="0"/>
-                <a:cs typeface="Doulos SIL" panose="02000500070000020004" pitchFamily="2" charset="0"/>
-              </a:rPr>
-              <a:t>rθ</a:t>
-            </a:r>
-            <a:r>
-              <a:rPr lang="it-IT" sz="2800" dirty="0">
-                <a:solidFill>
-                  <a:srgbClr val="002060"/>
-                </a:solidFill>
-                <a:latin typeface="+mj-lt"/>
-                <a:ea typeface="Doulos SIL" panose="02000500070000020004" pitchFamily="2" charset="0"/>
-                <a:cs typeface="Doulos SIL" panose="02000500070000020004" pitchFamily="2" charset="0"/>
-              </a:rPr>
-              <a:t>, il campo magnetico complessivo sull’asse </a:t>
-            </a:r>
-            <a:r>
-              <a:rPr lang="it-IT" sz="2800" i="1" dirty="0">
-                <a:solidFill>
-                  <a:srgbClr val="002060"/>
-                </a:solidFill>
-                <a:latin typeface="+mj-lt"/>
-                <a:ea typeface="Doulos SIL" panose="02000500070000020004" pitchFamily="2" charset="0"/>
-                <a:cs typeface="Doulos SIL" panose="02000500070000020004" pitchFamily="2" charset="0"/>
-              </a:rPr>
-              <a:t>z</a:t>
-            </a:r>
-            <a:r>
-              <a:rPr lang="it-IT" sz="2800" dirty="0">
-                <a:solidFill>
-                  <a:srgbClr val="002060"/>
-                </a:solidFill>
-                <a:latin typeface="+mj-lt"/>
-                <a:ea typeface="Doulos SIL" panose="02000500070000020004" pitchFamily="2" charset="0"/>
-                <a:cs typeface="Doulos SIL" panose="02000500070000020004" pitchFamily="2" charset="0"/>
-              </a:rPr>
-              <a:t> sarà:</a:t>
+              <a:t>un campo magnetico della seguente caratteristica.</a:t>
             </a:r>
           </a:p>
         </p:txBody>
       </p:sp>
       <p:pic>
         <p:nvPicPr>
-          <p:cNvPr id="4" name="Immagine 4" descr="Immagine che contiene oggetto&#10;&#10;Descrizione generata con affidabilità elevata">
-            <a:extLst>
-              <a:ext uri="{FF2B5EF4-FFF2-40B4-BE49-F238E27FC236}">
-                <a16:creationId xmlns:a16="http://schemas.microsoft.com/office/drawing/2014/main" id="{2EB9586C-A9BE-4D2B-AA1C-51A34FEBC346}"/>
+          <p:cNvPr id="4" name="Immagine 5" descr="Immagine che contiene cielo, diverso, fotografia, oggetto&#10;&#10;Descrizione generata con affidabilità molto elevata">
+            <a:extLst>
+              <a:ext uri="{FF2B5EF4-FFF2-40B4-BE49-F238E27FC236}">
+                <a16:creationId xmlns:a16="http://schemas.microsoft.com/office/drawing/2014/main" id="{958E7C71-F531-49D7-9389-7EDD91B5A449}"/>
               </a:ext>
             </a:extLst>
           </p:cNvPr>
@@ -6563,50 +6840,20 @@
         </p:blipFill>
         <p:spPr>
           <a:xfrm>
-            <a:off x="3830794" y="2409605"/>
-            <a:ext cx="4287521" cy="956992"/>
+            <a:off x="4471820" y="1442184"/>
+            <a:ext cx="6767680" cy="4866518"/>
           </a:xfrm>
           <a:prstGeom prst="rect">
             <a:avLst/>
           </a:prstGeom>
         </p:spPr>
       </p:pic>
-      <p:pic>
-        <p:nvPicPr>
-          <p:cNvPr id="6" name="Immagine 6">
-            <a:extLst>
-              <a:ext uri="{FF2B5EF4-FFF2-40B4-BE49-F238E27FC236}">
-                <a16:creationId xmlns:a16="http://schemas.microsoft.com/office/drawing/2014/main" id="{8614A75A-CFE3-4937-AFBA-A33E09422A72}"/>
-              </a:ext>
-            </a:extLst>
-          </p:cNvPr>
-          <p:cNvPicPr>
-            <a:picLocks noChangeAspect="1"/>
-          </p:cNvPicPr>
-          <p:nvPr/>
-        </p:nvPicPr>
-        <p:blipFill>
-          <a:blip r:embed="rId4"/>
-          <a:stretch>
-            <a:fillRect/>
-          </a:stretch>
-        </p:blipFill>
-        <p:spPr>
-          <a:xfrm>
-            <a:off x="3174673" y="4414177"/>
-            <a:ext cx="5161755" cy="1908003"/>
-          </a:xfrm>
-          <a:prstGeom prst="rect">
-            <a:avLst/>
-          </a:prstGeom>
-        </p:spPr>
-      </p:pic>
       <p:cxnSp>
         <p:nvCxnSpPr>
-          <p:cNvPr id="7" name="Connettore diritto 6">
-            <a:extLst>
-              <a:ext uri="{FF2B5EF4-FFF2-40B4-BE49-F238E27FC236}">
-                <a16:creationId xmlns:a16="http://schemas.microsoft.com/office/drawing/2014/main" id="{A2CCD224-FA33-4053-A5D5-F69F1A0CE68B}"/>
+          <p:cNvPr id="5" name="Connettore diritto 4">
+            <a:extLst>
+              <a:ext uri="{FF2B5EF4-FFF2-40B4-BE49-F238E27FC236}">
+                <a16:creationId xmlns:a16="http://schemas.microsoft.com/office/drawing/2014/main" id="{D088D6EF-65E6-45E7-8272-456AB75B3EA5}"/>
               </a:ext>
             </a:extLst>
           </p:cNvPr>
@@ -6617,7 +6864,7 @@
         </p:nvCxnSpPr>
         <p:spPr>
           <a:xfrm>
-            <a:off x="938212" y="1200354"/>
+            <a:off x="938212" y="1393301"/>
             <a:ext cx="10301288" cy="0"/>
           </a:xfrm>
           <a:prstGeom prst="line">
@@ -6641,10 +6888,10 @@
       </p:cxnSp>
       <p:sp>
         <p:nvSpPr>
-          <p:cNvPr id="8" name="Titolo 1">
-            <a:extLst>
-              <a:ext uri="{FF2B5EF4-FFF2-40B4-BE49-F238E27FC236}">
-                <a16:creationId xmlns:a16="http://schemas.microsoft.com/office/drawing/2014/main" id="{F3B3B60C-1094-4F04-A837-AAC8ECA2A354}"/>
+          <p:cNvPr id="6" name="Titolo 1">
+            <a:extLst>
+              <a:ext uri="{FF2B5EF4-FFF2-40B4-BE49-F238E27FC236}">
+                <a16:creationId xmlns:a16="http://schemas.microsoft.com/office/drawing/2014/main" id="{CCC13261-5023-4ACE-A375-4AAAEE7F9627}"/>
               </a:ext>
             </a:extLst>
           </p:cNvPr>
@@ -6655,7 +6902,7 @@
         </p:nvSpPr>
         <p:spPr>
           <a:xfrm>
-            <a:off x="823911" y="306548"/>
+            <a:off x="823911" y="499495"/>
             <a:ext cx="6667458" cy="1054100"/>
           </a:xfrm>
           <a:prstGeom prst="rect">
@@ -6694,17 +6941,17 @@
                 <a:ea typeface="Doulos SIL" panose="02000500070000020004" pitchFamily="2" charset="0"/>
                 <a:cs typeface="Doulos SIL" panose="02000500070000020004" pitchFamily="2" charset="0"/>
               </a:rPr>
-              <a:t>3. Formulazione matematica</a:t>
+              <a:t>2. Obiettivo</a:t>
             </a:r>
           </a:p>
         </p:txBody>
       </p:sp>
       <p:cxnSp>
         <p:nvCxnSpPr>
-          <p:cNvPr id="9" name="Connettore diritto 8">
-            <a:extLst>
-              <a:ext uri="{FF2B5EF4-FFF2-40B4-BE49-F238E27FC236}">
-                <a16:creationId xmlns:a16="http://schemas.microsoft.com/office/drawing/2014/main" id="{E13D47E6-C857-40DE-A25B-9322EB3C39FC}"/>
+          <p:cNvPr id="7" name="Connettore diritto 6">
+            <a:extLst>
+              <a:ext uri="{FF2B5EF4-FFF2-40B4-BE49-F238E27FC236}">
+                <a16:creationId xmlns:a16="http://schemas.microsoft.com/office/drawing/2014/main" id="{8C199ED7-CCC3-4C0B-90C6-AC261848E9CE}"/>
               </a:ext>
             </a:extLst>
           </p:cNvPr>
@@ -6715,8 +6962,8 @@
         </p:nvCxnSpPr>
         <p:spPr>
           <a:xfrm>
-            <a:off x="823911" y="6362854"/>
-            <a:ext cx="10301288" cy="0"/>
+            <a:off x="823911" y="6357584"/>
+            <a:ext cx="10415589" cy="0"/>
           </a:xfrm>
           <a:prstGeom prst="line">
             <a:avLst/>
@@ -6740,7 +6987,7 @@
     </p:spTree>
     <p:extLst>
       <p:ext uri="{BB962C8B-B14F-4D97-AF65-F5344CB8AC3E}">
-        <p14:creationId xmlns:p14="http://schemas.microsoft.com/office/powerpoint/2010/main" val="2207508470"/>
+        <p14:creationId xmlns:p14="http://schemas.microsoft.com/office/powerpoint/2010/main" val="3065245299"/>
       </p:ext>
     </p:extLst>
   </p:cSld>
@@ -6782,223 +7029,264 @@
           <a:chExt cx="0" cy="0"/>
         </a:xfrm>
       </p:grpSpPr>
-      <mc:AlternateContent xmlns:mc="http://schemas.openxmlformats.org/markup-compatibility/2006" xmlns:a14="http://schemas.microsoft.com/office/drawing/2010/main">
-        <mc:Choice Requires="a14">
-          <p:sp>
-            <p:nvSpPr>
-              <p:cNvPr id="3" name="Segnaposto contenuto 2">
-                <a:extLst>
-                  <a:ext uri="{FF2B5EF4-FFF2-40B4-BE49-F238E27FC236}">
-                    <a16:creationId xmlns:a16="http://schemas.microsoft.com/office/drawing/2014/main" id="{C319475E-FE82-42AE-BA36-D2EB7E4F9A6E}"/>
-                  </a:ext>
-                </a:extLst>
-              </p:cNvPr>
-              <p:cNvSpPr>
-                <a:spLocks noGrp="1"/>
-              </p:cNvSpPr>
-              <p:nvPr>
-                <p:ph idx="1"/>
-              </p:nvPr>
-            </p:nvSpPr>
-            <p:spPr>
-              <a:xfrm>
-                <a:off x="1064047" y="1623533"/>
-                <a:ext cx="9866808" cy="1327150"/>
-              </a:xfrm>
-            </p:spPr>
-            <p:txBody>
-              <a:bodyPr/>
-              <a:lstStyle/>
-              <a:p>
-                <a:pPr marL="0" indent="0">
-                  <a:buNone/>
-                </a:pPr>
-                <a:r>
-                  <a:rPr lang="it-IT" dirty="0">
-                    <a:solidFill>
-                      <a:srgbClr val="002060"/>
-                    </a:solidFill>
-                    <a:latin typeface="+mj-lt"/>
-                    <a:ea typeface="Doulos SIL" panose="02000500070000020004" pitchFamily="2" charset="0"/>
-                    <a:cs typeface="Doulos SIL" panose="02000500070000020004" pitchFamily="2" charset="0"/>
-                  </a:rPr>
-                  <a:t>La funzione verrà campionata su </a:t>
-                </a:r>
-                <a14:m>
-                  <m:oMath xmlns:m="http://schemas.openxmlformats.org/officeDocument/2006/math">
-                    <m:sSub>
-                      <m:sSubPr>
-                        <m:ctrlPr>
-                          <a:rPr lang="it-IT" i="1" smtClean="0">
-                            <a:solidFill>
-                              <a:srgbClr val="C00000"/>
-                            </a:solidFill>
-                            <a:latin typeface="Cambria Math" panose="02040503050406030204" pitchFamily="18" charset="0"/>
-                          </a:rPr>
-                        </m:ctrlPr>
-                      </m:sSubPr>
-                      <m:e>
-                        <m:r>
-                          <a:rPr lang="it-IT" b="0" i="1" smtClean="0">
-                            <a:solidFill>
-                              <a:srgbClr val="C00000"/>
-                            </a:solidFill>
-                            <a:latin typeface="Cambria Math" panose="02040503050406030204" pitchFamily="18" charset="0"/>
-                          </a:rPr>
-                          <m:t>𝑁</m:t>
-                        </m:r>
-                      </m:e>
-                      <m:sub>
-                        <m:r>
-                          <a:rPr lang="it-IT" b="0" i="1" smtClean="0">
-                            <a:solidFill>
-                              <a:srgbClr val="C00000"/>
-                            </a:solidFill>
-                            <a:latin typeface="Cambria Math" panose="02040503050406030204" pitchFamily="18" charset="0"/>
-                          </a:rPr>
-                          <m:t>𝑝</m:t>
-                        </m:r>
-                      </m:sub>
-                    </m:sSub>
-                  </m:oMath>
-                </a14:m>
-                <a:r>
-                  <a:rPr lang="it-IT" dirty="0">
-                    <a:solidFill>
-                      <a:srgbClr val="C00000"/>
-                    </a:solidFill>
-                    <a:latin typeface="+mj-lt"/>
-                    <a:ea typeface="Doulos SIL" panose="02000500070000020004" pitchFamily="2" charset="0"/>
-                    <a:cs typeface="Doulos SIL" panose="02000500070000020004" pitchFamily="2" charset="0"/>
-                  </a:rPr>
-                  <a:t> </a:t>
-                </a:r>
-                <a:r>
-                  <a:rPr lang="it-IT" dirty="0">
-                    <a:solidFill>
-                      <a:srgbClr val="002060"/>
-                    </a:solidFill>
-                    <a:latin typeface="+mj-lt"/>
-                    <a:ea typeface="Doulos SIL" panose="02000500070000020004" pitchFamily="2" charset="0"/>
-                    <a:cs typeface="Doulos SIL" panose="02000500070000020004" pitchFamily="2" charset="0"/>
-                  </a:rPr>
-                  <a:t>valori dell’asse z. La funzione campionata verrà poi normalizzata e mediata sul valor medio di </a:t>
-                </a:r>
-                <a14:m>
-                  <m:oMath xmlns:m="http://schemas.openxmlformats.org/officeDocument/2006/math">
-                    <m:acc>
-                      <m:accPr>
-                        <m:chr m:val="̃"/>
-                        <m:ctrlPr>
-                          <a:rPr lang="it-IT" i="1" smtClean="0">
-                            <a:solidFill>
-                              <a:srgbClr val="C00000"/>
-                            </a:solidFill>
-                            <a:latin typeface="Cambria Math" panose="02040503050406030204" pitchFamily="18" charset="0"/>
-                          </a:rPr>
-                        </m:ctrlPr>
-                      </m:accPr>
-                      <m:e>
-                        <m:r>
-                          <a:rPr lang="it-IT" i="1">
-                            <a:solidFill>
-                              <a:srgbClr val="C00000"/>
-                            </a:solidFill>
-                            <a:latin typeface="Cambria Math" panose="02040503050406030204" pitchFamily="18" charset="0"/>
-                          </a:rPr>
-                          <m:t>𝐵</m:t>
-                        </m:r>
-                      </m:e>
-                    </m:acc>
-                  </m:oMath>
-                </a14:m>
-                <a:r>
-                  <a:rPr lang="it-IT" i="1" dirty="0">
-                    <a:solidFill>
-                      <a:srgbClr val="C00000"/>
-                    </a:solidFill>
-                    <a:latin typeface="+mj-lt"/>
-                    <a:ea typeface="Doulos SIL" panose="02000500070000020004" pitchFamily="2" charset="0"/>
-                    <a:cs typeface="Doulos SIL" panose="02000500070000020004" pitchFamily="2" charset="0"/>
-                  </a:rPr>
-                  <a:t>z</a:t>
-                </a:r>
-                <a:r>
-                  <a:rPr lang="it-IT" i="1" dirty="0">
-                    <a:solidFill>
-                      <a:srgbClr val="002060"/>
-                    </a:solidFill>
-                    <a:latin typeface="+mj-lt"/>
-                    <a:ea typeface="Doulos SIL" panose="02000500070000020004" pitchFamily="2" charset="0"/>
-                    <a:cs typeface="Doulos SIL" panose="02000500070000020004" pitchFamily="2" charset="0"/>
-                  </a:rPr>
-                  <a:t>.</a:t>
-                </a:r>
-                <a:r>
-                  <a:rPr lang="it-IT" dirty="0">
-                    <a:solidFill>
-                      <a:srgbClr val="002060"/>
-                    </a:solidFill>
-                    <a:latin typeface="+mj-lt"/>
-                    <a:ea typeface="Doulos SIL" panose="02000500070000020004" pitchFamily="2" charset="0"/>
-                    <a:cs typeface="Doulos SIL" panose="02000500070000020004" pitchFamily="2" charset="0"/>
-                  </a:rPr>
-                  <a:t> La funzione obiettivo si scriverà come:</a:t>
-                </a:r>
-              </a:p>
-            </p:txBody>
-          </p:sp>
-        </mc:Choice>
-        <mc:Fallback xmlns="">
-          <p:sp>
-            <p:nvSpPr>
-              <p:cNvPr id="3" name="Segnaposto contenuto 2">
-                <a:extLst>
-                  <a:ext uri="{FF2B5EF4-FFF2-40B4-BE49-F238E27FC236}">
-                    <a16:creationId xmlns:a16="http://schemas.microsoft.com/office/drawing/2014/main" id="{C319475E-FE82-42AE-BA36-D2EB7E4F9A6E}"/>
-                  </a:ext>
-                </a:extLst>
-              </p:cNvPr>
-              <p:cNvSpPr>
-                <a:spLocks noGrp="1" noRot="1" noChangeAspect="1" noMove="1" noResize="1" noEditPoints="1" noAdjustHandles="1" noChangeArrowheads="1" noChangeShapeType="1" noTextEdit="1"/>
-              </p:cNvSpPr>
-              <p:nvPr>
-                <p:ph idx="1"/>
-              </p:nvPr>
-            </p:nvSpPr>
-            <p:spPr>
-              <a:xfrm>
-                <a:off x="1064047" y="1623533"/>
-                <a:ext cx="9866808" cy="1327150"/>
-              </a:xfrm>
-              <a:blipFill>
-                <a:blip r:embed="rId3"/>
-                <a:stretch>
-                  <a:fillRect l="-1298" t="-6422" b="-9633"/>
-                </a:stretch>
-              </a:blipFill>
-            </p:spPr>
-            <p:txBody>
-              <a:bodyPr/>
-              <a:lstStyle/>
-              <a:p>
-                <a:r>
-                  <a:rPr lang="it-IT">
-                    <a:noFill/>
-                  </a:rPr>
-                  <a:t> </a:t>
-                </a:r>
-              </a:p>
-            </p:txBody>
-          </p:sp>
-        </mc:Fallback>
-      </mc:AlternateContent>
+      <p:sp>
+        <p:nvSpPr>
+          <p:cNvPr id="3" name="Segnaposto contenuto 2">
+            <a:extLst>
+              <a:ext uri="{FF2B5EF4-FFF2-40B4-BE49-F238E27FC236}">
+                <a16:creationId xmlns:a16="http://schemas.microsoft.com/office/drawing/2014/main" id="{8E78F1CB-0898-4124-857B-08801E034C11}"/>
+              </a:ext>
+            </a:extLst>
+          </p:cNvPr>
+          <p:cNvSpPr>
+            <a:spLocks noGrp="1"/>
+          </p:cNvSpPr>
+          <p:nvPr>
+            <p:ph idx="1"/>
+          </p:nvPr>
+        </p:nvSpPr>
+        <p:spPr>
+          <a:xfrm>
+            <a:off x="851874" y="1335991"/>
+            <a:ext cx="10205622" cy="1073614"/>
+          </a:xfrm>
+        </p:spPr>
+        <p:txBody>
+          <a:bodyPr>
+            <a:normAutofit fontScale="92500"/>
+          </a:bodyPr>
+          <a:lstStyle/>
+          <a:p>
+            <a:pPr marL="0" indent="0">
+              <a:lnSpc>
+                <a:spcPct val="110000"/>
+              </a:lnSpc>
+              <a:buNone/>
+            </a:pPr>
+            <a:r>
+              <a:rPr lang="it-IT" dirty="0">
+                <a:solidFill>
+                  <a:srgbClr val="002060"/>
+                </a:solidFill>
+                <a:latin typeface="+mj-lt"/>
+                <a:ea typeface="Doulos SIL" panose="02000500070000020004" pitchFamily="2" charset="0"/>
+                <a:cs typeface="Doulos SIL" panose="02000500070000020004" pitchFamily="2" charset="0"/>
+              </a:rPr>
+              <a:t>La legge di </a:t>
+            </a:r>
+            <a:r>
+              <a:rPr lang="it-IT" b="1" i="1" dirty="0">
+                <a:solidFill>
+                  <a:srgbClr val="C00000"/>
+                </a:solidFill>
+                <a:latin typeface="+mj-lt"/>
+                <a:ea typeface="Doulos SIL" panose="02000500070000020004" pitchFamily="2" charset="0"/>
+                <a:cs typeface="Doulos SIL" panose="02000500070000020004" pitchFamily="2" charset="0"/>
+              </a:rPr>
+              <a:t>Biot-</a:t>
+            </a:r>
+            <a:r>
+              <a:rPr lang="it-IT" b="1" i="1" dirty="0" err="1">
+                <a:solidFill>
+                  <a:srgbClr val="C00000"/>
+                </a:solidFill>
+                <a:latin typeface="+mj-lt"/>
+                <a:ea typeface="Doulos SIL" panose="02000500070000020004" pitchFamily="2" charset="0"/>
+                <a:cs typeface="Doulos SIL" panose="02000500070000020004" pitchFamily="2" charset="0"/>
+              </a:rPr>
+              <a:t>Savart</a:t>
+            </a:r>
+            <a:r>
+              <a:rPr lang="it-IT" dirty="0">
+                <a:solidFill>
+                  <a:srgbClr val="002060"/>
+                </a:solidFill>
+                <a:latin typeface="+mj-lt"/>
+                <a:ea typeface="Doulos SIL" panose="02000500070000020004" pitchFamily="2" charset="0"/>
+                <a:cs typeface="Doulos SIL" panose="02000500070000020004" pitchFamily="2" charset="0"/>
+              </a:rPr>
+              <a:t> permette di valutare il campo magnetico </a:t>
+            </a:r>
+            <a:r>
+              <a:rPr lang="it-IT" b="1" i="1" dirty="0">
+                <a:solidFill>
+                  <a:srgbClr val="C00000"/>
+                </a:solidFill>
+                <a:latin typeface="+mj-lt"/>
+                <a:ea typeface="Doulos SIL" panose="02000500070000020004" pitchFamily="2" charset="0"/>
+                <a:cs typeface="Doulos SIL" panose="02000500070000020004" pitchFamily="2" charset="0"/>
+              </a:rPr>
+              <a:t>B</a:t>
+            </a:r>
+            <a:r>
+              <a:rPr lang="it-IT" dirty="0">
+                <a:solidFill>
+                  <a:srgbClr val="002060"/>
+                </a:solidFill>
+                <a:latin typeface="+mj-lt"/>
+                <a:ea typeface="Doulos SIL" panose="02000500070000020004" pitchFamily="2" charset="0"/>
+                <a:cs typeface="Doulos SIL" panose="02000500070000020004" pitchFamily="2" charset="0"/>
+              </a:rPr>
+              <a:t> prodotto in un punto dello spazio da una spira percorsa da corrente elettrica:</a:t>
+            </a:r>
+          </a:p>
+        </p:txBody>
+      </p:sp>
+      <p:sp>
+        <p:nvSpPr>
+          <p:cNvPr id="11" name="CasellaDiTesto 10">
+            <a:extLst>
+              <a:ext uri="{FF2B5EF4-FFF2-40B4-BE49-F238E27FC236}">
+                <a16:creationId xmlns:a16="http://schemas.microsoft.com/office/drawing/2014/main" id="{EB2106D2-4420-4B48-AE5B-6BC2F247A8B3}"/>
+              </a:ext>
+            </a:extLst>
+          </p:cNvPr>
+          <p:cNvSpPr txBox="1"/>
+          <p:nvPr/>
+        </p:nvSpPr>
+        <p:spPr>
+          <a:xfrm>
+            <a:off x="938212" y="3261129"/>
+            <a:ext cx="10119284" cy="1384995"/>
+          </a:xfrm>
+          <a:prstGeom prst="rect">
+            <a:avLst/>
+          </a:prstGeom>
+          <a:noFill/>
+        </p:spPr>
+        <p:txBody>
+          <a:bodyPr wrap="square" rtlCol="0">
+            <a:spAutoFit/>
+          </a:bodyPr>
+          <a:lstStyle/>
+          <a:p>
+            <a:r>
+              <a:rPr lang="it-IT" sz="2800" dirty="0">
+                <a:solidFill>
+                  <a:srgbClr val="002060"/>
+                </a:solidFill>
+                <a:latin typeface="+mj-lt"/>
+                <a:ea typeface="Doulos SIL" panose="02000500070000020004" pitchFamily="2" charset="0"/>
+                <a:cs typeface="Doulos SIL" panose="02000500070000020004" pitchFamily="2" charset="0"/>
+              </a:rPr>
+              <a:t>Considerando adesso la </a:t>
+            </a:r>
+            <a:r>
+              <a:rPr lang="it-IT" sz="2800" b="1" i="1" dirty="0">
+                <a:solidFill>
+                  <a:srgbClr val="C00000"/>
+                </a:solidFill>
+                <a:latin typeface="+mj-lt"/>
+                <a:ea typeface="Doulos SIL" panose="02000500070000020004" pitchFamily="2" charset="0"/>
+                <a:cs typeface="Doulos SIL" panose="02000500070000020004" pitchFamily="2" charset="0"/>
+              </a:rPr>
+              <a:t>sovrapposizione degli effetti </a:t>
+            </a:r>
+            <a:r>
+              <a:rPr lang="it-IT" sz="2800" dirty="0">
+                <a:solidFill>
+                  <a:srgbClr val="002060"/>
+                </a:solidFill>
+                <a:latin typeface="+mj-lt"/>
+                <a:ea typeface="Doulos SIL" panose="02000500070000020004" pitchFamily="2" charset="0"/>
+                <a:cs typeface="Doulos SIL" panose="02000500070000020004" pitchFamily="2" charset="0"/>
+              </a:rPr>
+              <a:t>di tutte le spire del sistema e tenendo presente che </a:t>
+            </a:r>
+            <a:r>
+              <a:rPr lang="it-IT" sz="2800" b="1" i="1" dirty="0">
+                <a:solidFill>
+                  <a:srgbClr val="C00000"/>
+                </a:solidFill>
+                <a:latin typeface="+mj-lt"/>
+                <a:ea typeface="Doulos SIL" panose="02000500070000020004" pitchFamily="2" charset="0"/>
+                <a:cs typeface="Doulos SIL" panose="02000500070000020004" pitchFamily="2" charset="0"/>
+              </a:rPr>
+              <a:t>le spire sono simmetriche rispetto al piano </a:t>
+            </a:r>
+            <a:r>
+              <a:rPr lang="it-IT" sz="2800" b="1" i="1" dirty="0" err="1">
+                <a:solidFill>
+                  <a:srgbClr val="C00000"/>
+                </a:solidFill>
+                <a:latin typeface="+mj-lt"/>
+                <a:ea typeface="Doulos SIL" panose="02000500070000020004" pitchFamily="2" charset="0"/>
+                <a:cs typeface="Doulos SIL" panose="02000500070000020004" pitchFamily="2" charset="0"/>
+              </a:rPr>
+              <a:t>rθ</a:t>
+            </a:r>
+            <a:r>
+              <a:rPr lang="it-IT" sz="2800" dirty="0">
+                <a:solidFill>
+                  <a:srgbClr val="002060"/>
+                </a:solidFill>
+                <a:latin typeface="+mj-lt"/>
+                <a:ea typeface="Doulos SIL" panose="02000500070000020004" pitchFamily="2" charset="0"/>
+                <a:cs typeface="Doulos SIL" panose="02000500070000020004" pitchFamily="2" charset="0"/>
+              </a:rPr>
+              <a:t>, il campo magnetico complessivo sull’asse </a:t>
+            </a:r>
+            <a:r>
+              <a:rPr lang="it-IT" sz="2800" i="1" dirty="0">
+                <a:solidFill>
+                  <a:srgbClr val="002060"/>
+                </a:solidFill>
+                <a:latin typeface="+mj-lt"/>
+                <a:ea typeface="Doulos SIL" panose="02000500070000020004" pitchFamily="2" charset="0"/>
+                <a:cs typeface="Doulos SIL" panose="02000500070000020004" pitchFamily="2" charset="0"/>
+              </a:rPr>
+              <a:t>z</a:t>
+            </a:r>
+            <a:r>
+              <a:rPr lang="it-IT" sz="2800" dirty="0">
+                <a:solidFill>
+                  <a:srgbClr val="002060"/>
+                </a:solidFill>
+                <a:latin typeface="+mj-lt"/>
+                <a:ea typeface="Doulos SIL" panose="02000500070000020004" pitchFamily="2" charset="0"/>
+                <a:cs typeface="Doulos SIL" panose="02000500070000020004" pitchFamily="2" charset="0"/>
+              </a:rPr>
+              <a:t> sarà:</a:t>
+            </a:r>
+          </a:p>
+        </p:txBody>
+      </p:sp>
       <p:pic>
         <p:nvPicPr>
-          <p:cNvPr id="4" name="Immagine 5">
-            <a:extLst>
-              <a:ext uri="{FF2B5EF4-FFF2-40B4-BE49-F238E27FC236}">
-                <a16:creationId xmlns:a16="http://schemas.microsoft.com/office/drawing/2014/main" id="{17E93A69-8C14-4638-AD31-46D0CECF06CA}"/>
+          <p:cNvPr id="4" name="Immagine 4" descr="Immagine che contiene oggetto&#10;&#10;Descrizione generata con affidabilità elevata">
+            <a:extLst>
+              <a:ext uri="{FF2B5EF4-FFF2-40B4-BE49-F238E27FC236}">
+                <a16:creationId xmlns:a16="http://schemas.microsoft.com/office/drawing/2014/main" id="{2EB9586C-A9BE-4D2B-AA1C-51A34FEBC346}"/>
+              </a:ext>
+            </a:extLst>
+          </p:cNvPr>
+          <p:cNvPicPr>
+            <a:picLocks noChangeAspect="1"/>
+          </p:cNvPicPr>
+          <p:nvPr/>
+        </p:nvPicPr>
+        <p:blipFill>
+          <a:blip r:embed="rId3"/>
+          <a:stretch>
+            <a:fillRect/>
+          </a:stretch>
+        </p:blipFill>
+        <p:spPr>
+          <a:xfrm>
+            <a:off x="3830794" y="2409605"/>
+            <a:ext cx="4287521" cy="956992"/>
+          </a:xfrm>
+          <a:prstGeom prst="rect">
+            <a:avLst/>
+          </a:prstGeom>
+        </p:spPr>
+      </p:pic>
+      <p:pic>
+        <p:nvPicPr>
+          <p:cNvPr id="6" name="Immagine 6">
+            <a:extLst>
+              <a:ext uri="{FF2B5EF4-FFF2-40B4-BE49-F238E27FC236}">
+                <a16:creationId xmlns:a16="http://schemas.microsoft.com/office/drawing/2014/main" id="{8614A75A-CFE3-4937-AFBA-A33E09422A72}"/>
               </a:ext>
             </a:extLst>
           </p:cNvPr>
@@ -7015,8 +7303,8 @@
         </p:blipFill>
         <p:spPr>
           <a:xfrm>
-            <a:off x="1189584" y="3294626"/>
-            <a:ext cx="9544718" cy="1939841"/>
+            <a:off x="3174673" y="4414177"/>
+            <a:ext cx="5161755" cy="1908003"/>
           </a:xfrm>
           <a:prstGeom prst="rect">
             <a:avLst/>
@@ -7025,10 +7313,10 @@
       </p:pic>
       <p:cxnSp>
         <p:nvCxnSpPr>
-          <p:cNvPr id="5" name="Connettore diritto 4">
-            <a:extLst>
-              <a:ext uri="{FF2B5EF4-FFF2-40B4-BE49-F238E27FC236}">
-                <a16:creationId xmlns:a16="http://schemas.microsoft.com/office/drawing/2014/main" id="{76F4B5E1-0310-4D0B-91AB-2CBFCF073034}"/>
+          <p:cNvPr id="7" name="Connettore diritto 6">
+            <a:extLst>
+              <a:ext uri="{FF2B5EF4-FFF2-40B4-BE49-F238E27FC236}">
+                <a16:creationId xmlns:a16="http://schemas.microsoft.com/office/drawing/2014/main" id="{A2CCD224-FA33-4053-A5D5-F69F1A0CE68B}"/>
               </a:ext>
             </a:extLst>
           </p:cNvPr>
@@ -7039,7 +7327,7 @@
         </p:nvCxnSpPr>
         <p:spPr>
           <a:xfrm>
-            <a:off x="938212" y="1393301"/>
+            <a:off x="938212" y="1200354"/>
             <a:ext cx="10301288" cy="0"/>
           </a:xfrm>
           <a:prstGeom prst="line">
@@ -7063,10 +7351,10 @@
       </p:cxnSp>
       <p:sp>
         <p:nvSpPr>
-          <p:cNvPr id="6" name="Titolo 1">
-            <a:extLst>
-              <a:ext uri="{FF2B5EF4-FFF2-40B4-BE49-F238E27FC236}">
-                <a16:creationId xmlns:a16="http://schemas.microsoft.com/office/drawing/2014/main" id="{9A05E275-3A55-496F-9D2D-85F0BCDCBCE0}"/>
+          <p:cNvPr id="8" name="Titolo 1">
+            <a:extLst>
+              <a:ext uri="{FF2B5EF4-FFF2-40B4-BE49-F238E27FC236}">
+                <a16:creationId xmlns:a16="http://schemas.microsoft.com/office/drawing/2014/main" id="{F3B3B60C-1094-4F04-A837-AAC8ECA2A354}"/>
               </a:ext>
             </a:extLst>
           </p:cNvPr>
@@ -7077,8 +7365,8 @@
         </p:nvSpPr>
         <p:spPr>
           <a:xfrm>
-            <a:off x="823910" y="499495"/>
-            <a:ext cx="8178047" cy="1054100"/>
+            <a:off x="823911" y="306548"/>
+            <a:ext cx="6667458" cy="1054100"/>
           </a:xfrm>
           <a:prstGeom prst="rect">
             <a:avLst/>
@@ -7086,7 +7374,7 @@
         </p:spPr>
         <p:txBody>
           <a:bodyPr vert="horz" lIns="91440" tIns="45720" rIns="91440" bIns="45720" rtlCol="0" anchor="ctr">
-            <a:normAutofit fontScale="92500" lnSpcReduction="20000"/>
+            <a:normAutofit/>
           </a:bodyPr>
           <a:lstStyle>
             <a:lvl1pPr algn="l" defTabSz="914400" rtl="0" eaLnBrk="1" latinLnBrk="0" hangingPunct="1">
@@ -7116,36 +7404,17 @@
                 <a:ea typeface="Doulos SIL" panose="02000500070000020004" pitchFamily="2" charset="0"/>
                 <a:cs typeface="Doulos SIL" panose="02000500070000020004" pitchFamily="2" charset="0"/>
               </a:rPr>
-              <a:t>3. Formulazione matematica:</a:t>
-            </a:r>
-            <a:br>
-              <a:rPr lang="it-IT" b="1" dirty="0">
-                <a:solidFill>
-                  <a:srgbClr val="002060"/>
-                </a:solidFill>
-                <a:ea typeface="Doulos SIL" panose="02000500070000020004" pitchFamily="2" charset="0"/>
-                <a:cs typeface="Doulos SIL" panose="02000500070000020004" pitchFamily="2" charset="0"/>
-              </a:rPr>
-            </a:br>
-            <a:r>
-              <a:rPr lang="it-IT" b="1" dirty="0">
-                <a:solidFill>
-                  <a:srgbClr val="002060"/>
-                </a:solidFill>
-                <a:ea typeface="Doulos SIL" panose="02000500070000020004" pitchFamily="2" charset="0"/>
-                <a:cs typeface="Doulos SIL" panose="02000500070000020004" pitchFamily="2" charset="0"/>
-              </a:rPr>
-              <a:t>Campionamento e normalizzazione</a:t>
+              <a:t>3. Formulazione matematica</a:t>
             </a:r>
           </a:p>
         </p:txBody>
       </p:sp>
       <p:cxnSp>
         <p:nvCxnSpPr>
-          <p:cNvPr id="7" name="Connettore diritto 6">
-            <a:extLst>
-              <a:ext uri="{FF2B5EF4-FFF2-40B4-BE49-F238E27FC236}">
-                <a16:creationId xmlns:a16="http://schemas.microsoft.com/office/drawing/2014/main" id="{2BB24FB4-2002-4B24-AA5E-14C95BD682EB}"/>
+          <p:cNvPr id="9" name="Connettore diritto 8">
+            <a:extLst>
+              <a:ext uri="{FF2B5EF4-FFF2-40B4-BE49-F238E27FC236}">
+                <a16:creationId xmlns:a16="http://schemas.microsoft.com/office/drawing/2014/main" id="{E13D47E6-C857-40DE-A25B-9322EB3C39FC}"/>
               </a:ext>
             </a:extLst>
           </p:cNvPr>
@@ -7156,7 +7425,7 @@
         </p:nvCxnSpPr>
         <p:spPr>
           <a:xfrm>
-            <a:off x="823911" y="6357584"/>
+            <a:off x="823911" y="6362854"/>
             <a:ext cx="10301288" cy="0"/>
           </a:xfrm>
           <a:prstGeom prst="line">
@@ -7181,7 +7450,7 @@
     </p:spTree>
     <p:extLst>
       <p:ext uri="{BB962C8B-B14F-4D97-AF65-F5344CB8AC3E}">
-        <p14:creationId xmlns:p14="http://schemas.microsoft.com/office/powerpoint/2010/main" val="3933012525"/>
+        <p14:creationId xmlns:p14="http://schemas.microsoft.com/office/powerpoint/2010/main" val="2207508470"/>
       </p:ext>
     </p:extLst>
   </p:cSld>
@@ -7223,6 +7492,638 @@
           <a:chExt cx="0" cy="0"/>
         </a:xfrm>
       </p:grpSpPr>
+      <mc:AlternateContent xmlns:mc="http://schemas.openxmlformats.org/markup-compatibility/2006">
+        <mc:Choice xmlns:a14="http://schemas.microsoft.com/office/drawing/2010/main" Requires="a14">
+          <p:sp>
+            <p:nvSpPr>
+              <p:cNvPr id="3" name="Segnaposto contenuto 2">
+                <a:extLst>
+                  <a:ext uri="{FF2B5EF4-FFF2-40B4-BE49-F238E27FC236}">
+                    <a16:creationId xmlns:a16="http://schemas.microsoft.com/office/drawing/2014/main" id="{C319475E-FE82-42AE-BA36-D2EB7E4F9A6E}"/>
+                  </a:ext>
+                </a:extLst>
+              </p:cNvPr>
+              <p:cNvSpPr>
+                <a:spLocks noGrp="1"/>
+              </p:cNvSpPr>
+              <p:nvPr>
+                <p:ph idx="1"/>
+              </p:nvPr>
+            </p:nvSpPr>
+            <p:spPr>
+              <a:xfrm>
+                <a:off x="1064047" y="1623533"/>
+                <a:ext cx="9866808" cy="4634654"/>
+              </a:xfrm>
+            </p:spPr>
+            <p:txBody>
+              <a:bodyPr>
+                <a:normAutofit/>
+              </a:bodyPr>
+              <a:lstStyle/>
+              <a:p>
+                <a:pPr marL="0" indent="0">
+                  <a:buNone/>
+                </a:pPr>
+                <a:r>
+                  <a:rPr lang="it-IT" sz="2400" dirty="0">
+                    <a:solidFill>
+                      <a:srgbClr val="002060"/>
+                    </a:solidFill>
+                    <a:latin typeface="+mj-lt"/>
+                    <a:ea typeface="Doulos SIL" panose="02000500070000020004" pitchFamily="2" charset="0"/>
+                    <a:cs typeface="Doulos SIL" panose="02000500070000020004" pitchFamily="2" charset="0"/>
+                  </a:rPr>
+                  <a:t>Per la simmetria del problema, i contributi relativi alle spire </a:t>
+                </a:r>
+                <a:r>
+                  <a:rPr lang="it-IT" sz="2400" i="1" dirty="0">
+                    <a:solidFill>
+                      <a:srgbClr val="002060"/>
+                    </a:solidFill>
+                    <a:latin typeface="+mj-lt"/>
+                    <a:ea typeface="Doulos SIL" panose="02000500070000020004" pitchFamily="2" charset="0"/>
+                    <a:cs typeface="Doulos SIL" panose="02000500070000020004" pitchFamily="2" charset="0"/>
+                  </a:rPr>
+                  <a:t>1</a:t>
+                </a:r>
+                <a:r>
+                  <a:rPr lang="it-IT" sz="2400" dirty="0">
+                    <a:solidFill>
+                      <a:srgbClr val="002060"/>
+                    </a:solidFill>
+                    <a:latin typeface="+mj-lt"/>
+                    <a:ea typeface="Doulos SIL" panose="02000500070000020004" pitchFamily="2" charset="0"/>
+                    <a:cs typeface="Doulos SIL" panose="02000500070000020004" pitchFamily="2" charset="0"/>
+                  </a:rPr>
+                  <a:t> e </a:t>
+                </a:r>
+                <a:r>
+                  <a:rPr lang="it-IT" sz="2400" i="1" dirty="0">
+                    <a:solidFill>
+                      <a:srgbClr val="002060"/>
+                    </a:solidFill>
+                    <a:latin typeface="+mj-lt"/>
+                    <a:ea typeface="Doulos SIL" panose="02000500070000020004" pitchFamily="2" charset="0"/>
+                    <a:cs typeface="Doulos SIL" panose="02000500070000020004" pitchFamily="2" charset="0"/>
+                  </a:rPr>
+                  <a:t>3</a:t>
+                </a:r>
+                <a:r>
+                  <a:rPr lang="it-IT" sz="2400" dirty="0">
+                    <a:solidFill>
+                      <a:srgbClr val="002060"/>
+                    </a:solidFill>
+                    <a:latin typeface="+mj-lt"/>
+                    <a:ea typeface="Doulos SIL" panose="02000500070000020004" pitchFamily="2" charset="0"/>
+                    <a:cs typeface="Doulos SIL" panose="02000500070000020004" pitchFamily="2" charset="0"/>
+                  </a:rPr>
+                  <a:t> si annullano a vicenda.</a:t>
+                </a:r>
+                <a:endParaRPr lang="it-IT" sz="2400" i="1" dirty="0">
+                  <a:solidFill>
+                    <a:srgbClr val="002060"/>
+                  </a:solidFill>
+                  <a:latin typeface="+mj-lt"/>
+                  <a:ea typeface="Doulos SIL" panose="02000500070000020004" pitchFamily="2" charset="0"/>
+                  <a:cs typeface="Doulos SIL" panose="02000500070000020004" pitchFamily="2" charset="0"/>
+                </a:endParaRPr>
+              </a:p>
+              <a:p>
+                <a:pPr marL="0" indent="0">
+                  <a:buNone/>
+                </a:pPr>
+                <a:endParaRPr lang="it-IT" sz="2400" dirty="0">
+                  <a:solidFill>
+                    <a:srgbClr val="002060"/>
+                  </a:solidFill>
+                  <a:latin typeface="+mj-lt"/>
+                  <a:ea typeface="Doulos SIL" panose="02000500070000020004" pitchFamily="2" charset="0"/>
+                  <a:cs typeface="Doulos SIL" panose="02000500070000020004" pitchFamily="2" charset="0"/>
+                </a:endParaRPr>
+              </a:p>
+              <a:p>
+                <a:pPr marL="0" indent="0">
+                  <a:buNone/>
+                </a:pPr>
+                <a:r>
+                  <a:rPr lang="it-IT" sz="2400" dirty="0">
+                    <a:solidFill>
+                      <a:srgbClr val="002060"/>
+                    </a:solidFill>
+                    <a:latin typeface="+mj-lt"/>
+                    <a:ea typeface="Doulos SIL" panose="02000500070000020004" pitchFamily="2" charset="0"/>
+                    <a:cs typeface="Doulos SIL" panose="02000500070000020004" pitchFamily="2" charset="0"/>
+                  </a:rPr>
+                  <a:t>La funzione verrà campionata su </a:t>
+                </a:r>
+                <a14:m>
+                  <m:oMath xmlns:m="http://schemas.openxmlformats.org/officeDocument/2006/math">
+                    <m:sSub>
+                      <m:sSubPr>
+                        <m:ctrlPr>
+                          <a:rPr lang="it-IT" sz="2400" i="1" smtClean="0">
+                            <a:solidFill>
+                              <a:srgbClr val="C00000"/>
+                            </a:solidFill>
+                            <a:latin typeface="Cambria Math" panose="02040503050406030204" pitchFamily="18" charset="0"/>
+                          </a:rPr>
+                        </m:ctrlPr>
+                      </m:sSubPr>
+                      <m:e>
+                        <m:r>
+                          <a:rPr lang="it-IT" sz="2400" b="0" i="1" smtClean="0">
+                            <a:solidFill>
+                              <a:srgbClr val="C00000"/>
+                            </a:solidFill>
+                            <a:latin typeface="Cambria Math" panose="02040503050406030204" pitchFamily="18" charset="0"/>
+                          </a:rPr>
+                          <m:t>𝑁</m:t>
+                        </m:r>
+                      </m:e>
+                      <m:sub>
+                        <m:r>
+                          <a:rPr lang="it-IT" sz="2400" b="0" i="1" smtClean="0">
+                            <a:solidFill>
+                              <a:srgbClr val="C00000"/>
+                            </a:solidFill>
+                            <a:latin typeface="Cambria Math" panose="02040503050406030204" pitchFamily="18" charset="0"/>
+                          </a:rPr>
+                          <m:t>𝑝</m:t>
+                        </m:r>
+                      </m:sub>
+                    </m:sSub>
+                  </m:oMath>
+                </a14:m>
+                <a:r>
+                  <a:rPr lang="it-IT" sz="2400" dirty="0">
+                    <a:solidFill>
+                      <a:srgbClr val="C00000"/>
+                    </a:solidFill>
+                    <a:latin typeface="+mj-lt"/>
+                    <a:ea typeface="Doulos SIL" panose="02000500070000020004" pitchFamily="2" charset="0"/>
+                    <a:cs typeface="Doulos SIL" panose="02000500070000020004" pitchFamily="2" charset="0"/>
+                  </a:rPr>
+                  <a:t> </a:t>
+                </a:r>
+                <a:r>
+                  <a:rPr lang="it-IT" sz="2400" dirty="0">
+                    <a:solidFill>
+                      <a:srgbClr val="002060"/>
+                    </a:solidFill>
+                    <a:latin typeface="+mj-lt"/>
+                    <a:ea typeface="Doulos SIL" panose="02000500070000020004" pitchFamily="2" charset="0"/>
+                    <a:cs typeface="Doulos SIL" panose="02000500070000020004" pitchFamily="2" charset="0"/>
+                  </a:rPr>
+                  <a:t>valori dell’asse z. La funzione campionata verrà poi normalizzata su</a:t>
+                </a:r>
+                <a14:m>
+                  <m:oMath xmlns:m="http://schemas.openxmlformats.org/officeDocument/2006/math">
+                    <m:r>
+                      <a:rPr lang="it-IT" sz="2400">
+                        <a:solidFill>
+                          <a:srgbClr val="002060"/>
+                        </a:solidFill>
+                        <a:latin typeface="Cambria Math" panose="02040503050406030204" pitchFamily="18" charset="0"/>
+                        <a:ea typeface="Doulos SIL" panose="02000500070000020004" pitchFamily="2" charset="0"/>
+                        <a:cs typeface="Doulos SIL" panose="02000500070000020004" pitchFamily="2" charset="0"/>
+                      </a:rPr>
+                      <m:t> </m:t>
+                    </m:r>
+                    <m:f>
+                      <m:fPr>
+                        <m:ctrlPr>
+                          <a:rPr lang="it-IT" sz="2400" i="1" smtClean="0">
+                            <a:solidFill>
+                              <a:srgbClr val="C00000"/>
+                            </a:solidFill>
+                            <a:latin typeface="Cambria Math" panose="02040503050406030204" pitchFamily="18" charset="0"/>
+                            <a:ea typeface="Doulos SIL" panose="02000500070000020004" pitchFamily="2" charset="0"/>
+                            <a:cs typeface="Doulos SIL" panose="02000500070000020004" pitchFamily="2" charset="0"/>
+                          </a:rPr>
+                        </m:ctrlPr>
+                      </m:fPr>
+                      <m:num>
+                        <m:sSub>
+                          <m:sSubPr>
+                            <m:ctrlPr>
+                              <a:rPr lang="it-IT" sz="2400" i="1">
+                                <a:solidFill>
+                                  <a:srgbClr val="C00000"/>
+                                </a:solidFill>
+                                <a:latin typeface="Cambria Math" panose="02040503050406030204" pitchFamily="18" charset="0"/>
+                                <a:ea typeface="Doulos SIL" panose="02000500070000020004" pitchFamily="2" charset="0"/>
+                                <a:cs typeface="Doulos SIL" panose="02000500070000020004" pitchFamily="2" charset="0"/>
+                              </a:rPr>
+                            </m:ctrlPr>
+                          </m:sSubPr>
+                          <m:e>
+                            <m:r>
+                              <a:rPr lang="it-IT" sz="2400" i="1">
+                                <a:solidFill>
+                                  <a:srgbClr val="C00000"/>
+                                </a:solidFill>
+                                <a:latin typeface="Cambria Math" panose="02040503050406030204" pitchFamily="18" charset="0"/>
+                                <a:ea typeface="Cambria Math" panose="02040503050406030204" pitchFamily="18" charset="0"/>
+                                <a:cs typeface="Doulos SIL" panose="02000500070000020004" pitchFamily="2" charset="0"/>
+                              </a:rPr>
+                              <m:t>𝜇</m:t>
+                            </m:r>
+                          </m:e>
+                          <m:sub>
+                            <m:r>
+                              <a:rPr lang="it-IT" sz="2400" i="1">
+                                <a:solidFill>
+                                  <a:srgbClr val="C00000"/>
+                                </a:solidFill>
+                                <a:latin typeface="Cambria Math" panose="02040503050406030204" pitchFamily="18" charset="0"/>
+                                <a:ea typeface="Doulos SIL" panose="02000500070000020004" pitchFamily="2" charset="0"/>
+                                <a:cs typeface="Doulos SIL" panose="02000500070000020004" pitchFamily="2" charset="0"/>
+                              </a:rPr>
+                              <m:t>0</m:t>
+                            </m:r>
+                          </m:sub>
+                        </m:sSub>
+                      </m:num>
+                      <m:den>
+                        <m:r>
+                          <a:rPr lang="it-IT" sz="2400" i="1">
+                            <a:solidFill>
+                              <a:srgbClr val="C00000"/>
+                            </a:solidFill>
+                            <a:latin typeface="Cambria Math" panose="02040503050406030204" pitchFamily="18" charset="0"/>
+                            <a:ea typeface="Doulos SIL" panose="02000500070000020004" pitchFamily="2" charset="0"/>
+                            <a:cs typeface="Doulos SIL" panose="02000500070000020004" pitchFamily="2" charset="0"/>
+                          </a:rPr>
+                          <m:t>2</m:t>
+                        </m:r>
+                      </m:den>
+                    </m:f>
+                  </m:oMath>
+                </a14:m>
+                <a:r>
+                  <a:rPr lang="it-IT" sz="2400" dirty="0">
+                    <a:solidFill>
+                      <a:srgbClr val="002060"/>
+                    </a:solidFill>
+                    <a:latin typeface="+mj-lt"/>
+                    <a:ea typeface="Doulos SIL" panose="02000500070000020004" pitchFamily="2" charset="0"/>
+                    <a:cs typeface="Doulos SIL" panose="02000500070000020004" pitchFamily="2" charset="0"/>
+                  </a:rPr>
+                  <a:t> e sul valor medio di </a:t>
+                </a:r>
+                <a14:m>
+                  <m:oMath xmlns:m="http://schemas.openxmlformats.org/officeDocument/2006/math">
+                    <m:acc>
+                      <m:accPr>
+                        <m:chr m:val="̃"/>
+                        <m:ctrlPr>
+                          <a:rPr lang="it-IT" sz="2400" i="1" smtClean="0">
+                            <a:solidFill>
+                              <a:srgbClr val="C00000"/>
+                            </a:solidFill>
+                            <a:latin typeface="Cambria Math" panose="02040503050406030204" pitchFamily="18" charset="0"/>
+                          </a:rPr>
+                        </m:ctrlPr>
+                      </m:accPr>
+                      <m:e>
+                        <m:r>
+                          <a:rPr lang="it-IT" sz="2400" i="1">
+                            <a:solidFill>
+                              <a:srgbClr val="C00000"/>
+                            </a:solidFill>
+                            <a:latin typeface="Cambria Math" panose="02040503050406030204" pitchFamily="18" charset="0"/>
+                          </a:rPr>
+                          <m:t>𝐵</m:t>
+                        </m:r>
+                      </m:e>
+                    </m:acc>
+                  </m:oMath>
+                </a14:m>
+                <a:r>
+                  <a:rPr lang="it-IT" sz="2400" i="1" dirty="0">
+                    <a:solidFill>
+                      <a:srgbClr val="C00000"/>
+                    </a:solidFill>
+                    <a:latin typeface="+mj-lt"/>
+                    <a:ea typeface="Doulos SIL" panose="02000500070000020004" pitchFamily="2" charset="0"/>
+                    <a:cs typeface="Doulos SIL" panose="02000500070000020004" pitchFamily="2" charset="0"/>
+                  </a:rPr>
+                  <a:t>z</a:t>
+                </a:r>
+                <a:r>
+                  <a:rPr lang="it-IT" sz="2400" i="1" dirty="0">
+                    <a:solidFill>
+                      <a:srgbClr val="002060"/>
+                    </a:solidFill>
+                    <a:latin typeface="+mj-lt"/>
+                    <a:ea typeface="Doulos SIL" panose="02000500070000020004" pitchFamily="2" charset="0"/>
+                    <a:cs typeface="Doulos SIL" panose="02000500070000020004" pitchFamily="2" charset="0"/>
+                  </a:rPr>
+                  <a:t>.</a:t>
+                </a:r>
+                <a:endParaRPr lang="it-IT" sz="2400" dirty="0">
+                  <a:solidFill>
+                    <a:srgbClr val="002060"/>
+                  </a:solidFill>
+                  <a:latin typeface="+mj-lt"/>
+                  <a:ea typeface="Doulos SIL" panose="02000500070000020004" pitchFamily="2" charset="0"/>
+                  <a:cs typeface="Doulos SIL" panose="02000500070000020004" pitchFamily="2" charset="0"/>
+                </a:endParaRPr>
+              </a:p>
+              <a:p>
+                <a:pPr marL="0" indent="0">
+                  <a:buNone/>
+                </a:pPr>
+                <a:r>
+                  <a:rPr lang="it-IT" sz="2400" dirty="0">
+                    <a:solidFill>
+                      <a:srgbClr val="002060"/>
+                    </a:solidFill>
+                    <a:latin typeface="+mj-lt"/>
+                    <a:ea typeface="Doulos SIL" panose="02000500070000020004" pitchFamily="2" charset="0"/>
+                    <a:cs typeface="Doulos SIL" panose="02000500070000020004" pitchFamily="2" charset="0"/>
+                  </a:rPr>
+                  <a:t>La funzione obiettivo si scriverà come:</a:t>
+                </a:r>
+              </a:p>
+            </p:txBody>
+          </p:sp>
+        </mc:Choice>
+        <mc:Fallback>
+          <p:sp>
+            <p:nvSpPr>
+              <p:cNvPr id="3" name="Segnaposto contenuto 2">
+                <a:extLst>
+                  <a:ext uri="{FF2B5EF4-FFF2-40B4-BE49-F238E27FC236}">
+                    <a16:creationId xmlns:a16="http://schemas.microsoft.com/office/drawing/2014/main" id="{C319475E-FE82-42AE-BA36-D2EB7E4F9A6E}"/>
+                  </a:ext>
+                </a:extLst>
+              </p:cNvPr>
+              <p:cNvSpPr>
+                <a:spLocks noGrp="1" noRot="1" noChangeAspect="1" noMove="1" noResize="1" noEditPoints="1" noAdjustHandles="1" noChangeArrowheads="1" noChangeShapeType="1" noTextEdit="1"/>
+              </p:cNvSpPr>
+              <p:nvPr>
+                <p:ph idx="1"/>
+              </p:nvPr>
+            </p:nvSpPr>
+            <p:spPr>
+              <a:xfrm>
+                <a:off x="1064047" y="1623533"/>
+                <a:ext cx="9866808" cy="4634654"/>
+              </a:xfrm>
+              <a:blipFill>
+                <a:blip r:embed="rId3"/>
+                <a:stretch>
+                  <a:fillRect l="-989" t="-1840" r="-865"/>
+                </a:stretch>
+              </a:blipFill>
+            </p:spPr>
+            <p:txBody>
+              <a:bodyPr/>
+              <a:lstStyle/>
+              <a:p>
+                <a:r>
+                  <a:rPr lang="it-IT">
+                    <a:noFill/>
+                  </a:rPr>
+                  <a:t> </a:t>
+                </a:r>
+              </a:p>
+            </p:txBody>
+          </p:sp>
+        </mc:Fallback>
+      </mc:AlternateContent>
+      <p:pic>
+        <p:nvPicPr>
+          <p:cNvPr id="4" name="Immagine 5">
+            <a:extLst>
+              <a:ext uri="{FF2B5EF4-FFF2-40B4-BE49-F238E27FC236}">
+                <a16:creationId xmlns:a16="http://schemas.microsoft.com/office/drawing/2014/main" id="{17E93A69-8C14-4638-AD31-46D0CECF06CA}"/>
+              </a:ext>
+            </a:extLst>
+          </p:cNvPr>
+          <p:cNvPicPr>
+            <a:picLocks noChangeAspect="1"/>
+          </p:cNvPicPr>
+          <p:nvPr/>
+        </p:nvPicPr>
+        <p:blipFill>
+          <a:blip r:embed="rId4"/>
+          <a:stretch>
+            <a:fillRect/>
+          </a:stretch>
+        </p:blipFill>
+        <p:spPr>
+          <a:xfrm>
+            <a:off x="1202196" y="4318346"/>
+            <a:ext cx="9544718" cy="1939841"/>
+          </a:xfrm>
+          <a:prstGeom prst="rect">
+            <a:avLst/>
+          </a:prstGeom>
+        </p:spPr>
+      </p:pic>
+      <p:cxnSp>
+        <p:nvCxnSpPr>
+          <p:cNvPr id="5" name="Connettore diritto 4">
+            <a:extLst>
+              <a:ext uri="{FF2B5EF4-FFF2-40B4-BE49-F238E27FC236}">
+                <a16:creationId xmlns:a16="http://schemas.microsoft.com/office/drawing/2014/main" id="{76F4B5E1-0310-4D0B-91AB-2CBFCF073034}"/>
+              </a:ext>
+            </a:extLst>
+          </p:cNvPr>
+          <p:cNvCxnSpPr>
+            <a:cxnSpLocks/>
+          </p:cNvCxnSpPr>
+          <p:nvPr/>
+        </p:nvCxnSpPr>
+        <p:spPr>
+          <a:xfrm>
+            <a:off x="938212" y="1393301"/>
+            <a:ext cx="10301288" cy="0"/>
+          </a:xfrm>
+          <a:prstGeom prst="line">
+            <a:avLst/>
+          </a:prstGeom>
+        </p:spPr>
+        <p:style>
+          <a:lnRef idx="1">
+            <a:schemeClr val="accent1"/>
+          </a:lnRef>
+          <a:fillRef idx="0">
+            <a:schemeClr val="accent1"/>
+          </a:fillRef>
+          <a:effectRef idx="0">
+            <a:schemeClr val="accent1"/>
+          </a:effectRef>
+          <a:fontRef idx="minor">
+            <a:schemeClr val="tx1"/>
+          </a:fontRef>
+        </p:style>
+      </p:cxnSp>
+      <p:sp>
+        <p:nvSpPr>
+          <p:cNvPr id="6" name="Titolo 1">
+            <a:extLst>
+              <a:ext uri="{FF2B5EF4-FFF2-40B4-BE49-F238E27FC236}">
+                <a16:creationId xmlns:a16="http://schemas.microsoft.com/office/drawing/2014/main" id="{9A05E275-3A55-496F-9D2D-85F0BCDCBCE0}"/>
+              </a:ext>
+            </a:extLst>
+          </p:cNvPr>
+          <p:cNvSpPr txBox="1">
+            <a:spLocks/>
+          </p:cNvSpPr>
+          <p:nvPr/>
+        </p:nvSpPr>
+        <p:spPr>
+          <a:xfrm>
+            <a:off x="823910" y="499495"/>
+            <a:ext cx="8178047" cy="1054100"/>
+          </a:xfrm>
+          <a:prstGeom prst="rect">
+            <a:avLst/>
+          </a:prstGeom>
+        </p:spPr>
+        <p:txBody>
+          <a:bodyPr vert="horz" lIns="91440" tIns="45720" rIns="91440" bIns="45720" rtlCol="0" anchor="ctr">
+            <a:normAutofit fontScale="92500" lnSpcReduction="20000"/>
+          </a:bodyPr>
+          <a:lstStyle>
+            <a:lvl1pPr algn="l" defTabSz="914400" rtl="0" eaLnBrk="1" latinLnBrk="0" hangingPunct="1">
+              <a:lnSpc>
+                <a:spcPct val="90000"/>
+              </a:lnSpc>
+              <a:spcBef>
+                <a:spcPct val="0"/>
+              </a:spcBef>
+              <a:buNone/>
+              <a:defRPr sz="4400" kern="1200">
+                <a:solidFill>
+                  <a:schemeClr val="tx1"/>
+                </a:solidFill>
+                <a:latin typeface="+mj-lt"/>
+                <a:ea typeface="+mj-ea"/>
+                <a:cs typeface="+mj-cs"/>
+              </a:defRPr>
+            </a:lvl1pPr>
+          </a:lstStyle>
+          <a:p>
+            <a:r>
+              <a:rPr lang="it-IT" b="1" dirty="0">
+                <a:solidFill>
+                  <a:srgbClr val="002060"/>
+                </a:solidFill>
+                <a:ea typeface="Doulos SIL" panose="02000500070000020004" pitchFamily="2" charset="0"/>
+                <a:cs typeface="Doulos SIL" panose="02000500070000020004" pitchFamily="2" charset="0"/>
+              </a:rPr>
+              <a:t>3. Formulazione matematica:</a:t>
+            </a:r>
+            <a:br>
+              <a:rPr lang="it-IT" b="1" dirty="0">
+                <a:solidFill>
+                  <a:srgbClr val="002060"/>
+                </a:solidFill>
+                <a:ea typeface="Doulos SIL" panose="02000500070000020004" pitchFamily="2" charset="0"/>
+                <a:cs typeface="Doulos SIL" panose="02000500070000020004" pitchFamily="2" charset="0"/>
+              </a:rPr>
+            </a:br>
+            <a:r>
+              <a:rPr lang="it-IT" b="1" dirty="0">
+                <a:solidFill>
+                  <a:srgbClr val="002060"/>
+                </a:solidFill>
+                <a:ea typeface="Doulos SIL" panose="02000500070000020004" pitchFamily="2" charset="0"/>
+                <a:cs typeface="Doulos SIL" panose="02000500070000020004" pitchFamily="2" charset="0"/>
+              </a:rPr>
+              <a:t>Campionamento e normalizzazione</a:t>
+            </a:r>
+          </a:p>
+        </p:txBody>
+      </p:sp>
+      <p:cxnSp>
+        <p:nvCxnSpPr>
+          <p:cNvPr id="7" name="Connettore diritto 6">
+            <a:extLst>
+              <a:ext uri="{FF2B5EF4-FFF2-40B4-BE49-F238E27FC236}">
+                <a16:creationId xmlns:a16="http://schemas.microsoft.com/office/drawing/2014/main" id="{2BB24FB4-2002-4B24-AA5E-14C95BD682EB}"/>
+              </a:ext>
+            </a:extLst>
+          </p:cNvPr>
+          <p:cNvCxnSpPr>
+            <a:cxnSpLocks/>
+          </p:cNvCxnSpPr>
+          <p:nvPr/>
+        </p:nvCxnSpPr>
+        <p:spPr>
+          <a:xfrm>
+            <a:off x="823911" y="6357584"/>
+            <a:ext cx="10301288" cy="0"/>
+          </a:xfrm>
+          <a:prstGeom prst="line">
+            <a:avLst/>
+          </a:prstGeom>
+        </p:spPr>
+        <p:style>
+          <a:lnRef idx="1">
+            <a:schemeClr val="accent1"/>
+          </a:lnRef>
+          <a:fillRef idx="0">
+            <a:schemeClr val="accent1"/>
+          </a:fillRef>
+          <a:effectRef idx="0">
+            <a:schemeClr val="accent1"/>
+          </a:effectRef>
+          <a:fontRef idx="minor">
+            <a:schemeClr val="tx1"/>
+          </a:fontRef>
+        </p:style>
+      </p:cxnSp>
+    </p:spTree>
+    <p:extLst>
+      <p:ext uri="{BB962C8B-B14F-4D97-AF65-F5344CB8AC3E}">
+        <p14:creationId xmlns:p14="http://schemas.microsoft.com/office/powerpoint/2010/main" val="3933012525"/>
+      </p:ext>
+    </p:extLst>
+  </p:cSld>
+  <p:clrMapOvr>
+    <a:masterClrMapping/>
+  </p:clrMapOvr>
+</p:sld>
+</file>
+
+<file path=ppt/slides/slide8.xml><?xml version="1.0" encoding="utf-8"?>
+<p:sld xmlns:a="http://schemas.openxmlformats.org/drawingml/2006/main" xmlns:r="http://schemas.openxmlformats.org/officeDocument/2006/relationships" xmlns:p="http://schemas.openxmlformats.org/presentationml/2006/main">
+  <p:cSld>
+    <p:bg>
+      <p:bgPr>
+        <a:blipFill dpi="0" rotWithShape="1">
+          <a:blip r:embed="rId2">
+            <a:alphaModFix amt="58000"/>
+            <a:lum/>
+          </a:blip>
+          <a:srcRect/>
+          <a:stretch>
+            <a:fillRect l="-3000" r="-3000"/>
+          </a:stretch>
+        </a:blipFill>
+        <a:effectLst/>
+      </p:bgPr>
+    </p:bg>
+    <p:spTree>
+      <p:nvGrpSpPr>
+        <p:cNvPr id="1" name=""/>
+        <p:cNvGrpSpPr/>
+        <p:nvPr/>
+      </p:nvGrpSpPr>
+      <p:grpSpPr>
+        <a:xfrm>
+          <a:off x="0" y="0"/>
+          <a:ext cx="0" cy="0"/>
+          <a:chOff x="0" y="0"/>
+          <a:chExt cx="0" cy="0"/>
+        </a:xfrm>
+      </p:grpSpPr>
       <p:sp>
         <p:nvSpPr>
           <p:cNvPr id="3" name="Segnaposto contenuto 2">
@@ -7439,7 +8340,7 @@
         </p:nvSpPr>
         <p:spPr>
           <a:xfrm>
-            <a:off x="699622" y="407263"/>
+            <a:off x="431174" y="420904"/>
             <a:ext cx="7044326" cy="1054100"/>
           </a:xfrm>
           <a:prstGeom prst="rect">
@@ -7534,7 +8435,7 @@
 </p:sld>
 </file>
 
-<file path=ppt/slides/slide8.xml><?xml version="1.0" encoding="utf-8"?>
+<file path=ppt/slides/slide9.xml><?xml version="1.0" encoding="utf-8"?>
 <p:sld xmlns:a="http://schemas.openxmlformats.org/drawingml/2006/main" xmlns:r="http://schemas.openxmlformats.org/officeDocument/2006/relationships" xmlns:p="http://schemas.openxmlformats.org/presentationml/2006/main">
   <p:cSld>
     <p:bg>
@@ -7784,381 +8685,6 @@
       </p:par>
     </p:tnLst>
   </p:timing>
-</p:sld>
-</file>
-
-<file path=ppt/slides/slide9.xml><?xml version="1.0" encoding="utf-8"?>
-<p:sld xmlns:a="http://schemas.openxmlformats.org/drawingml/2006/main" xmlns:r="http://schemas.openxmlformats.org/officeDocument/2006/relationships" xmlns:p="http://schemas.openxmlformats.org/presentationml/2006/main">
-  <p:cSld>
-    <p:bg>
-      <p:bgPr>
-        <a:blipFill dpi="0" rotWithShape="1">
-          <a:blip r:embed="rId2">
-            <a:alphaModFix amt="58000"/>
-            <a:lum/>
-          </a:blip>
-          <a:srcRect/>
-          <a:stretch>
-            <a:fillRect l="-3000" r="-3000"/>
-          </a:stretch>
-        </a:blipFill>
-        <a:effectLst/>
-      </p:bgPr>
-    </p:bg>
-    <p:spTree>
-      <p:nvGrpSpPr>
-        <p:cNvPr id="1" name=""/>
-        <p:cNvGrpSpPr/>
-        <p:nvPr/>
-      </p:nvGrpSpPr>
-      <p:grpSpPr>
-        <a:xfrm>
-          <a:off x="0" y="0"/>
-          <a:ext cx="0" cy="0"/>
-          <a:chOff x="0" y="0"/>
-          <a:chExt cx="0" cy="0"/>
-        </a:xfrm>
-      </p:grpSpPr>
-      <p:sp>
-        <p:nvSpPr>
-          <p:cNvPr id="2" name="Titolo 1">
-            <a:extLst>
-              <a:ext uri="{FF2B5EF4-FFF2-40B4-BE49-F238E27FC236}">
-                <a16:creationId xmlns:a16="http://schemas.microsoft.com/office/drawing/2014/main" id="{0DEA3B08-BC89-4E8B-8F82-1517FAB647BD}"/>
-              </a:ext>
-            </a:extLst>
-          </p:cNvPr>
-          <p:cNvSpPr>
-            <a:spLocks noGrp="1"/>
-          </p:cNvSpPr>
-          <p:nvPr>
-            <p:ph type="title"/>
-          </p:nvPr>
-        </p:nvSpPr>
-        <p:spPr/>
-        <p:txBody>
-          <a:bodyPr/>
-          <a:lstStyle/>
-          <a:p>
-            <a:r>
-              <a:rPr lang="it-IT" b="1" dirty="0">
-                <a:solidFill>
-                  <a:srgbClr val="002060"/>
-                </a:solidFill>
-              </a:rPr>
-              <a:t>5. Considerazioni preliminari</a:t>
-            </a:r>
-          </a:p>
-        </p:txBody>
-      </p:sp>
-      <p:sp>
-        <p:nvSpPr>
-          <p:cNvPr id="3" name="Segnaposto contenuto 2">
-            <a:extLst>
-              <a:ext uri="{FF2B5EF4-FFF2-40B4-BE49-F238E27FC236}">
-                <a16:creationId xmlns:a16="http://schemas.microsoft.com/office/drawing/2014/main" id="{20796A1E-54BB-40ED-910E-95CBB951DEF3}"/>
-              </a:ext>
-            </a:extLst>
-          </p:cNvPr>
-          <p:cNvSpPr>
-            <a:spLocks noGrp="1"/>
-          </p:cNvSpPr>
-          <p:nvPr>
-            <p:ph idx="1"/>
-          </p:nvPr>
-        </p:nvSpPr>
-        <p:spPr>
-          <a:xfrm>
-            <a:off x="838199" y="1825625"/>
-            <a:ext cx="10791825" cy="3243524"/>
-          </a:xfrm>
-        </p:spPr>
-        <p:txBody>
-          <a:bodyPr/>
-          <a:lstStyle/>
-          <a:p>
-            <a:r>
-              <a:rPr lang="it-IT" dirty="0">
-                <a:solidFill>
-                  <a:srgbClr val="002060"/>
-                </a:solidFill>
-                <a:latin typeface="+mj-lt"/>
-              </a:rPr>
-              <a:t>Assumeremo </a:t>
-            </a:r>
-            <a:r>
-              <a:rPr lang="it-IT" b="1" i="1" dirty="0">
-                <a:solidFill>
-                  <a:srgbClr val="C00000"/>
-                </a:solidFill>
-                <a:latin typeface="+mj-lt"/>
-              </a:rPr>
-              <a:t>raggio</a:t>
-            </a:r>
-            <a:r>
-              <a:rPr lang="it-IT" dirty="0">
-                <a:solidFill>
-                  <a:srgbClr val="002060"/>
-                </a:solidFill>
-                <a:latin typeface="+mj-lt"/>
-              </a:rPr>
-              <a:t> e </a:t>
-            </a:r>
-            <a:r>
-              <a:rPr lang="it-IT" b="1" i="1" dirty="0">
-                <a:solidFill>
-                  <a:srgbClr val="C00000"/>
-                </a:solidFill>
-                <a:latin typeface="+mj-lt"/>
-              </a:rPr>
-              <a:t>posizione</a:t>
-            </a:r>
-            <a:r>
-              <a:rPr lang="it-IT" dirty="0">
-                <a:solidFill>
-                  <a:srgbClr val="002060"/>
-                </a:solidFill>
-                <a:latin typeface="+mj-lt"/>
-              </a:rPr>
-              <a:t> validi non oltre la lunghezza di un metro.</a:t>
-            </a:r>
-          </a:p>
-          <a:p>
-            <a:r>
-              <a:rPr lang="it-IT" dirty="0">
-                <a:solidFill>
-                  <a:srgbClr val="002060"/>
-                </a:solidFill>
-                <a:latin typeface="+mj-lt"/>
-              </a:rPr>
-              <a:t>La massima precisione con la quale l’algoritmo si sposterà nello spazio di ricerca così come i risultati degli esperimenti a seguire è della </a:t>
-            </a:r>
-            <a:r>
-              <a:rPr lang="it-IT" b="1" i="1" dirty="0">
-                <a:solidFill>
-                  <a:srgbClr val="C00000"/>
-                </a:solidFill>
-                <a:latin typeface="+mj-lt"/>
-              </a:rPr>
-              <a:t>terza cifra significativa </a:t>
-            </a:r>
-            <a:r>
-              <a:rPr lang="it-IT" dirty="0">
-                <a:solidFill>
-                  <a:srgbClr val="002060"/>
-                </a:solidFill>
-                <a:latin typeface="+mj-lt"/>
-              </a:rPr>
-              <a:t>dopo la virgola.</a:t>
-            </a:r>
-          </a:p>
-          <a:p>
-            <a:r>
-              <a:rPr lang="it-IT" b="1" dirty="0">
-                <a:solidFill>
-                  <a:srgbClr val="C00000"/>
-                </a:solidFill>
-                <a:latin typeface="+mj-lt"/>
-              </a:rPr>
-              <a:t>Condizioni di arresto:  </a:t>
-            </a:r>
-          </a:p>
-          <a:p>
-            <a:pPr marL="0" indent="0">
-              <a:buNone/>
-            </a:pPr>
-            <a:endParaRPr lang="it-IT" b="1" dirty="0">
-              <a:solidFill>
-                <a:srgbClr val="C00000"/>
-              </a:solidFill>
-              <a:latin typeface="+mj-lt"/>
-            </a:endParaRPr>
-          </a:p>
-          <a:p>
-            <a:endParaRPr lang="it-IT" dirty="0">
-              <a:solidFill>
-                <a:srgbClr val="002060"/>
-              </a:solidFill>
-              <a:latin typeface="+mj-lt"/>
-            </a:endParaRPr>
-          </a:p>
-        </p:txBody>
-      </p:sp>
-      <p:sp>
-        <p:nvSpPr>
-          <p:cNvPr id="4" name="CasellaDiTesto 3">
-            <a:extLst>
-              <a:ext uri="{FF2B5EF4-FFF2-40B4-BE49-F238E27FC236}">
-                <a16:creationId xmlns:a16="http://schemas.microsoft.com/office/drawing/2014/main" id="{BFBD37E8-D4D6-445A-8EF0-C5B53A72A415}"/>
-              </a:ext>
-            </a:extLst>
-          </p:cNvPr>
-          <p:cNvSpPr txBox="1"/>
-          <p:nvPr/>
-        </p:nvSpPr>
-        <p:spPr>
-          <a:xfrm>
-            <a:off x="4248797" y="3616881"/>
-            <a:ext cx="5715000" cy="1384995"/>
-          </a:xfrm>
-          <a:prstGeom prst="rect">
-            <a:avLst/>
-          </a:prstGeom>
-          <a:noFill/>
-        </p:spPr>
-        <p:txBody>
-          <a:bodyPr wrap="square" rtlCol="0">
-            <a:spAutoFit/>
-          </a:bodyPr>
-          <a:lstStyle/>
-          <a:p>
-            <a:pPr marL="285750" indent="-285750">
-              <a:buFont typeface="Arial" panose="020B0604020202020204" pitchFamily="34" charset="0"/>
-              <a:buChar char="•"/>
-            </a:pPr>
-            <a:r>
-              <a:rPr lang="it-IT" sz="2800" dirty="0">
-                <a:solidFill>
-                  <a:srgbClr val="002060"/>
-                </a:solidFill>
-                <a:latin typeface="+mj-lt"/>
-              </a:rPr>
-              <a:t>Lunghezza minima del simplesso</a:t>
-            </a:r>
-          </a:p>
-          <a:p>
-            <a:pPr marL="285750" indent="-285750">
-              <a:buFont typeface="Arial" panose="020B0604020202020204" pitchFamily="34" charset="0"/>
-              <a:buChar char="•"/>
-            </a:pPr>
-            <a:r>
-              <a:rPr lang="it-IT" sz="2800" dirty="0">
-                <a:solidFill>
-                  <a:srgbClr val="002060"/>
-                </a:solidFill>
-                <a:latin typeface="+mj-lt"/>
-              </a:rPr>
-              <a:t>Numero massimo di </a:t>
-            </a:r>
-            <a:r>
-              <a:rPr lang="it-IT" sz="2800" dirty="0" err="1">
-                <a:solidFill>
-                  <a:srgbClr val="002060"/>
-                </a:solidFill>
-                <a:latin typeface="+mj-lt"/>
-              </a:rPr>
-              <a:t>flips</a:t>
-            </a:r>
-            <a:endParaRPr lang="it-IT" sz="2800" dirty="0">
-              <a:solidFill>
-                <a:srgbClr val="002060"/>
-              </a:solidFill>
-              <a:latin typeface="+mj-lt"/>
-            </a:endParaRPr>
-          </a:p>
-          <a:p>
-            <a:pPr marL="285750" indent="-285750">
-              <a:buFont typeface="Arial" panose="020B0604020202020204" pitchFamily="34" charset="0"/>
-              <a:buChar char="•"/>
-            </a:pPr>
-            <a:r>
-              <a:rPr lang="it-IT" sz="2800" dirty="0">
-                <a:solidFill>
-                  <a:srgbClr val="002060"/>
-                </a:solidFill>
-                <a:latin typeface="+mj-lt"/>
-              </a:rPr>
-              <a:t>Massima percentuale di errore</a:t>
-            </a:r>
-          </a:p>
-        </p:txBody>
-      </p:sp>
-      <p:cxnSp>
-        <p:nvCxnSpPr>
-          <p:cNvPr id="5" name="Connettore diritto 4">
-            <a:extLst>
-              <a:ext uri="{FF2B5EF4-FFF2-40B4-BE49-F238E27FC236}">
-                <a16:creationId xmlns:a16="http://schemas.microsoft.com/office/drawing/2014/main" id="{878F07D6-3A8B-42FC-A1EE-9FFA4FA1D40D}"/>
-              </a:ext>
-            </a:extLst>
-          </p:cNvPr>
-          <p:cNvCxnSpPr>
-            <a:cxnSpLocks/>
-          </p:cNvCxnSpPr>
-          <p:nvPr/>
-        </p:nvCxnSpPr>
-        <p:spPr>
-          <a:xfrm>
-            <a:off x="945356" y="1385534"/>
-            <a:ext cx="10301288" cy="0"/>
-          </a:xfrm>
-          <a:prstGeom prst="line">
-            <a:avLst/>
-          </a:prstGeom>
-        </p:spPr>
-        <p:style>
-          <a:lnRef idx="1">
-            <a:schemeClr val="accent1"/>
-          </a:lnRef>
-          <a:fillRef idx="0">
-            <a:schemeClr val="accent1"/>
-          </a:fillRef>
-          <a:effectRef idx="0">
-            <a:schemeClr val="accent1"/>
-          </a:effectRef>
-          <a:fontRef idx="minor">
-            <a:schemeClr val="tx1"/>
-          </a:fontRef>
-        </p:style>
-      </p:cxnSp>
-      <p:cxnSp>
-        <p:nvCxnSpPr>
-          <p:cNvPr id="6" name="Connettore diritto 5">
-            <a:extLst>
-              <a:ext uri="{FF2B5EF4-FFF2-40B4-BE49-F238E27FC236}">
-                <a16:creationId xmlns:a16="http://schemas.microsoft.com/office/drawing/2014/main" id="{546DB05B-E0E9-4250-97C9-6143833B2922}"/>
-              </a:ext>
-            </a:extLst>
-          </p:cNvPr>
-          <p:cNvCxnSpPr>
-            <a:cxnSpLocks/>
-          </p:cNvCxnSpPr>
-          <p:nvPr/>
-        </p:nvCxnSpPr>
-        <p:spPr>
-          <a:xfrm>
-            <a:off x="945356" y="6433784"/>
-            <a:ext cx="10301288" cy="0"/>
-          </a:xfrm>
-          <a:prstGeom prst="line">
-            <a:avLst/>
-          </a:prstGeom>
-        </p:spPr>
-        <p:style>
-          <a:lnRef idx="1">
-            <a:schemeClr val="accent1"/>
-          </a:lnRef>
-          <a:fillRef idx="0">
-            <a:schemeClr val="accent1"/>
-          </a:fillRef>
-          <a:effectRef idx="0">
-            <a:schemeClr val="accent1"/>
-          </a:effectRef>
-          <a:fontRef idx="minor">
-            <a:schemeClr val="tx1"/>
-          </a:fontRef>
-        </p:style>
-      </p:cxnSp>
-    </p:spTree>
-    <p:extLst>
-      <p:ext uri="{BB962C8B-B14F-4D97-AF65-F5344CB8AC3E}">
-        <p14:creationId xmlns:p14="http://schemas.microsoft.com/office/powerpoint/2010/main" val="1684565844"/>
-      </p:ext>
-    </p:extLst>
-  </p:cSld>
-  <p:clrMapOvr>
-    <a:masterClrMapping/>
-  </p:clrMapOvr>
 </p:sld>
 </file>
 

--- a/writeup/Slides.pptx
+++ b/writeup/Slides.pptx
@@ -11,16 +11,17 @@
     <p:sldId id="258" r:id="rId5"/>
     <p:sldId id="259" r:id="rId6"/>
     <p:sldId id="260" r:id="rId7"/>
-    <p:sldId id="262" r:id="rId8"/>
-    <p:sldId id="263" r:id="rId9"/>
-    <p:sldId id="268" r:id="rId10"/>
-    <p:sldId id="271" r:id="rId11"/>
-    <p:sldId id="269" r:id="rId12"/>
-    <p:sldId id="264" r:id="rId13"/>
-    <p:sldId id="272" r:id="rId14"/>
-    <p:sldId id="265" r:id="rId15"/>
-    <p:sldId id="266" r:id="rId16"/>
-    <p:sldId id="267" r:id="rId17"/>
+    <p:sldId id="275" r:id="rId8"/>
+    <p:sldId id="262" r:id="rId9"/>
+    <p:sldId id="263" r:id="rId10"/>
+    <p:sldId id="268" r:id="rId11"/>
+    <p:sldId id="271" r:id="rId12"/>
+    <p:sldId id="269" r:id="rId13"/>
+    <p:sldId id="264" r:id="rId14"/>
+    <p:sldId id="272" r:id="rId15"/>
+    <p:sldId id="265" r:id="rId16"/>
+    <p:sldId id="266" r:id="rId17"/>
+    <p:sldId id="267" r:id="rId18"/>
   </p:sldIdLst>
   <p:sldSz cx="12192000" cy="6858000"/>
   <p:notesSz cx="6858000" cy="9144000"/>
@@ -130,6 +131,7 @@
             <p14:sldId id="258"/>
             <p14:sldId id="259"/>
             <p14:sldId id="260"/>
+            <p14:sldId id="275"/>
             <p14:sldId id="262"/>
             <p14:sldId id="263"/>
             <p14:sldId id="268"/>
@@ -3662,7 +3664,7 @@
     <p:bg>
       <p:bgPr>
         <a:blipFill dpi="0" rotWithShape="1">
-          <a:blip r:embed="rId2">
+          <a:blip r:embed="rId4">
             <a:alphaModFix amt="58000"/>
             <a:lum/>
           </a:blip>
@@ -3693,7 +3695,7 @@
           <p:cNvPr id="2" name="Titolo 1">
             <a:extLst>
               <a:ext uri="{FF2B5EF4-FFF2-40B4-BE49-F238E27FC236}">
-                <a16:creationId xmlns:a16="http://schemas.microsoft.com/office/drawing/2014/main" id="{0DEA3B08-BC89-4E8B-8F82-1517FAB647BD}"/>
+                <a16:creationId xmlns:a16="http://schemas.microsoft.com/office/drawing/2014/main" id="{6180F296-6B14-4D8F-930D-0EA59AA4CBB3}"/>
               </a:ext>
             </a:extLst>
           </p:cNvPr>
@@ -3704,7 +3706,12 @@
             <p:ph type="title"/>
           </p:nvPr>
         </p:nvSpPr>
-        <p:spPr/>
+        <p:spPr>
+          <a:xfrm>
+            <a:off x="324324" y="17463"/>
+            <a:ext cx="10515600" cy="1325563"/>
+          </a:xfrm>
+        </p:spPr>
         <p:txBody>
           <a:bodyPr/>
           <a:lstStyle/>
@@ -3715,337 +3722,192 @@
                   <a:srgbClr val="002060"/>
                 </a:solidFill>
               </a:rPr>
-              <a:t>5. Considerazioni preliminari</a:t>
-            </a:r>
-          </a:p>
-        </p:txBody>
-      </p:sp>
-      <p:sp>
-        <p:nvSpPr>
-          <p:cNvPr id="3" name="Segnaposto contenuto 2">
-            <a:extLst>
-              <a:ext uri="{FF2B5EF4-FFF2-40B4-BE49-F238E27FC236}">
-                <a16:creationId xmlns:a16="http://schemas.microsoft.com/office/drawing/2014/main" id="{20796A1E-54BB-40ED-910E-95CBB951DEF3}"/>
-              </a:ext>
-            </a:extLst>
-          </p:cNvPr>
-          <p:cNvSpPr>
-            <a:spLocks noGrp="1"/>
-          </p:cNvSpPr>
+              <a:t>4. Demo simplesso</a:t>
+            </a:r>
+          </a:p>
+        </p:txBody>
+      </p:sp>
+      <p:pic>
+        <p:nvPicPr>
+          <p:cNvPr id="4" name="test1crop">
+            <a:hlinkClick r:id="" action="ppaction://media"/>
+            <a:extLst>
+              <a:ext uri="{FF2B5EF4-FFF2-40B4-BE49-F238E27FC236}">
+                <a16:creationId xmlns:a16="http://schemas.microsoft.com/office/drawing/2014/main" id="{5D42BEA7-2F83-4397-957C-277DBF658935}"/>
+              </a:ext>
+            </a:extLst>
+          </p:cNvPr>
+          <p:cNvPicPr>
+            <a:picLocks noGrp="1" noChangeAspect="1"/>
+          </p:cNvPicPr>
           <p:nvPr>
             <p:ph idx="1"/>
+            <a:videoFile r:link="rId2"/>
+            <p:extLst>
+              <p:ext uri="{DAA4B4D4-6D71-4841-9C94-3DE7FCFB9230}">
+                <p14:media xmlns:p14="http://schemas.microsoft.com/office/powerpoint/2010/main" r:embed="rId1"/>
+              </p:ext>
+            </p:extLst>
           </p:nvPr>
-        </p:nvSpPr>
-        <p:spPr>
-          <a:xfrm>
-            <a:off x="838199" y="1825625"/>
-            <a:ext cx="10791825" cy="3243524"/>
-          </a:xfrm>
-        </p:spPr>
-        <p:txBody>
-          <a:bodyPr/>
-          <a:lstStyle/>
-          <a:p>
-            <a:r>
-              <a:rPr lang="it-IT" dirty="0">
-                <a:solidFill>
-                  <a:srgbClr val="002060"/>
-                </a:solidFill>
-                <a:latin typeface="+mj-lt"/>
-              </a:rPr>
-              <a:t>Assumeremo </a:t>
-            </a:r>
-            <a:r>
-              <a:rPr lang="it-IT" b="1" i="1" dirty="0">
-                <a:solidFill>
-                  <a:srgbClr val="C00000"/>
-                </a:solidFill>
-                <a:latin typeface="+mj-lt"/>
-              </a:rPr>
-              <a:t>raggio</a:t>
-            </a:r>
-            <a:r>
-              <a:rPr lang="it-IT" dirty="0">
-                <a:solidFill>
-                  <a:srgbClr val="002060"/>
-                </a:solidFill>
-                <a:latin typeface="+mj-lt"/>
-              </a:rPr>
-              <a:t> e </a:t>
-            </a:r>
-            <a:r>
-              <a:rPr lang="it-IT" b="1" i="1" dirty="0">
-                <a:solidFill>
-                  <a:srgbClr val="C00000"/>
-                </a:solidFill>
-                <a:latin typeface="+mj-lt"/>
-              </a:rPr>
-              <a:t>posizione</a:t>
-            </a:r>
-            <a:r>
-              <a:rPr lang="it-IT" dirty="0">
-                <a:solidFill>
-                  <a:srgbClr val="002060"/>
-                </a:solidFill>
-                <a:latin typeface="+mj-lt"/>
-              </a:rPr>
-              <a:t> validi non oltre la lunghezza di </a:t>
-            </a:r>
-            <a:r>
-              <a:rPr lang="it-IT" b="1" dirty="0">
-                <a:solidFill>
-                  <a:srgbClr val="002060"/>
-                </a:solidFill>
-                <a:latin typeface="+mj-lt"/>
-              </a:rPr>
-              <a:t>un metro</a:t>
-            </a:r>
-            <a:r>
-              <a:rPr lang="it-IT" dirty="0">
-                <a:solidFill>
-                  <a:srgbClr val="002060"/>
-                </a:solidFill>
-                <a:latin typeface="+mj-lt"/>
-              </a:rPr>
-              <a:t>.</a:t>
-            </a:r>
-          </a:p>
-          <a:p>
-            <a:r>
-              <a:rPr lang="it-IT" dirty="0">
-                <a:solidFill>
-                  <a:srgbClr val="002060"/>
-                </a:solidFill>
-                <a:latin typeface="+mj-lt"/>
-              </a:rPr>
-              <a:t>La massima precisione con la quale l’algoritmo si sposterà nello spazio di ricerca così come i risultati degli esperimenti a seguire è della </a:t>
-            </a:r>
-            <a:r>
-              <a:rPr lang="it-IT" b="1" i="1" dirty="0">
-                <a:solidFill>
-                  <a:srgbClr val="C00000"/>
-                </a:solidFill>
-                <a:latin typeface="+mj-lt"/>
-              </a:rPr>
-              <a:t>terza cifra significativa </a:t>
-            </a:r>
-            <a:r>
-              <a:rPr lang="it-IT" dirty="0">
-                <a:solidFill>
-                  <a:srgbClr val="002060"/>
-                </a:solidFill>
-                <a:latin typeface="+mj-lt"/>
-              </a:rPr>
-              <a:t>dopo la virgola.</a:t>
-            </a:r>
-          </a:p>
-          <a:p>
-            <a:r>
-              <a:rPr lang="it-IT" b="1" dirty="0">
-                <a:solidFill>
-                  <a:srgbClr val="C00000"/>
-                </a:solidFill>
-                <a:latin typeface="+mj-lt"/>
-              </a:rPr>
-              <a:t>Condizioni di arresto:  </a:t>
-            </a:r>
-          </a:p>
-          <a:p>
-            <a:pPr marL="0" indent="0">
-              <a:buNone/>
-            </a:pPr>
-            <a:endParaRPr lang="it-IT" b="1" dirty="0">
-              <a:solidFill>
-                <a:srgbClr val="C00000"/>
-              </a:solidFill>
-              <a:latin typeface="+mj-lt"/>
-            </a:endParaRPr>
-          </a:p>
-          <a:p>
-            <a:endParaRPr lang="it-IT" dirty="0">
-              <a:solidFill>
-                <a:srgbClr val="002060"/>
-              </a:solidFill>
-              <a:latin typeface="+mj-lt"/>
-            </a:endParaRPr>
-          </a:p>
-        </p:txBody>
-      </p:sp>
-      <p:sp>
-        <p:nvSpPr>
-          <p:cNvPr id="4" name="CasellaDiTesto 3">
-            <a:extLst>
-              <a:ext uri="{FF2B5EF4-FFF2-40B4-BE49-F238E27FC236}">
-                <a16:creationId xmlns:a16="http://schemas.microsoft.com/office/drawing/2014/main" id="{BFBD37E8-D4D6-445A-8EF0-C5B53A72A415}"/>
-              </a:ext>
-            </a:extLst>
-          </p:cNvPr>
-          <p:cNvSpPr txBox="1"/>
-          <p:nvPr/>
-        </p:nvSpPr>
-        <p:spPr>
-          <a:xfrm>
-            <a:off x="4248797" y="3616881"/>
-            <a:ext cx="5715000" cy="1384995"/>
-          </a:xfrm>
-          <a:prstGeom prst="rect">
-            <a:avLst/>
-          </a:prstGeom>
-          <a:noFill/>
-        </p:spPr>
-        <p:txBody>
-          <a:bodyPr wrap="square" rtlCol="0">
-            <a:spAutoFit/>
-          </a:bodyPr>
-          <a:lstStyle/>
-          <a:p>
-            <a:pPr marL="285750" indent="-285750">
-              <a:buFont typeface="Arial" panose="020B0604020202020204" pitchFamily="34" charset="0"/>
-              <a:buChar char="•"/>
-            </a:pPr>
-            <a:r>
-              <a:rPr lang="it-IT" sz="2800" dirty="0">
-                <a:solidFill>
-                  <a:srgbClr val="002060"/>
-                </a:solidFill>
-                <a:latin typeface="+mj-lt"/>
-              </a:rPr>
-              <a:t>Lunghezza minima del simplesso</a:t>
-            </a:r>
-          </a:p>
-          <a:p>
-            <a:pPr marL="285750" indent="-285750">
-              <a:buFont typeface="Arial" panose="020B0604020202020204" pitchFamily="34" charset="0"/>
-              <a:buChar char="•"/>
-            </a:pPr>
-            <a:r>
-              <a:rPr lang="it-IT" sz="2800" dirty="0">
-                <a:solidFill>
-                  <a:srgbClr val="002060"/>
-                </a:solidFill>
-                <a:latin typeface="+mj-lt"/>
-              </a:rPr>
-              <a:t>Numero massimo di </a:t>
-            </a:r>
-            <a:r>
-              <a:rPr lang="it-IT" sz="2800" dirty="0" err="1">
-                <a:solidFill>
-                  <a:srgbClr val="002060"/>
-                </a:solidFill>
-                <a:latin typeface="+mj-lt"/>
-              </a:rPr>
-              <a:t>flips</a:t>
-            </a:r>
-            <a:endParaRPr lang="it-IT" sz="2800" dirty="0">
-              <a:solidFill>
-                <a:srgbClr val="002060"/>
-              </a:solidFill>
-              <a:latin typeface="+mj-lt"/>
-            </a:endParaRPr>
-          </a:p>
-          <a:p>
-            <a:pPr marL="285750" indent="-285750">
-              <a:buFont typeface="Arial" panose="020B0604020202020204" pitchFamily="34" charset="0"/>
-              <a:buChar char="•"/>
-            </a:pPr>
-            <a:r>
-              <a:rPr lang="it-IT" sz="2800" dirty="0">
-                <a:solidFill>
-                  <a:srgbClr val="002060"/>
-                </a:solidFill>
-                <a:latin typeface="+mj-lt"/>
-              </a:rPr>
-              <a:t>Massima percentuale di errore</a:t>
-            </a:r>
-          </a:p>
-        </p:txBody>
-      </p:sp>
-      <p:cxnSp>
-        <p:nvCxnSpPr>
-          <p:cNvPr id="5" name="Connettore diritto 4">
-            <a:extLst>
-              <a:ext uri="{FF2B5EF4-FFF2-40B4-BE49-F238E27FC236}">
-                <a16:creationId xmlns:a16="http://schemas.microsoft.com/office/drawing/2014/main" id="{878F07D6-3A8B-42FC-A1EE-9FFA4FA1D40D}"/>
-              </a:ext>
-            </a:extLst>
-          </p:cNvPr>
-          <p:cNvCxnSpPr>
-            <a:cxnSpLocks/>
-          </p:cNvCxnSpPr>
-          <p:nvPr/>
-        </p:nvCxnSpPr>
-        <p:spPr>
-          <a:xfrm>
-            <a:off x="945356" y="1385534"/>
-            <a:ext cx="10301288" cy="0"/>
-          </a:xfrm>
-          <a:prstGeom prst="line">
-            <a:avLst/>
-          </a:prstGeom>
-        </p:spPr>
-        <p:style>
-          <a:lnRef idx="1">
-            <a:schemeClr val="accent1"/>
-          </a:lnRef>
-          <a:fillRef idx="0">
-            <a:schemeClr val="accent1"/>
-          </a:fillRef>
-          <a:effectRef idx="0">
-            <a:schemeClr val="accent1"/>
-          </a:effectRef>
-          <a:fontRef idx="minor">
-            <a:schemeClr val="tx1"/>
-          </a:fontRef>
-        </p:style>
-      </p:cxnSp>
-      <p:cxnSp>
-        <p:nvCxnSpPr>
-          <p:cNvPr id="6" name="Connettore diritto 5">
-            <a:extLst>
-              <a:ext uri="{FF2B5EF4-FFF2-40B4-BE49-F238E27FC236}">
-                <a16:creationId xmlns:a16="http://schemas.microsoft.com/office/drawing/2014/main" id="{546DB05B-E0E9-4250-97C9-6143833B2922}"/>
-              </a:ext>
-            </a:extLst>
-          </p:cNvPr>
-          <p:cNvCxnSpPr>
-            <a:cxnSpLocks/>
-          </p:cNvCxnSpPr>
-          <p:nvPr/>
-        </p:nvCxnSpPr>
-        <p:spPr>
-          <a:xfrm>
-            <a:off x="945356" y="6433784"/>
-            <a:ext cx="10301288" cy="0"/>
-          </a:xfrm>
-          <a:prstGeom prst="line">
-            <a:avLst/>
-          </a:prstGeom>
-        </p:spPr>
-        <p:style>
-          <a:lnRef idx="1">
-            <a:schemeClr val="accent1"/>
-          </a:lnRef>
-          <a:fillRef idx="0">
-            <a:schemeClr val="accent1"/>
-          </a:fillRef>
-          <a:effectRef idx="0">
-            <a:schemeClr val="accent1"/>
-          </a:effectRef>
-          <a:fontRef idx="minor">
-            <a:schemeClr val="tx1"/>
-          </a:fontRef>
-        </p:style>
-      </p:cxnSp>
+        </p:nvPicPr>
+        <p:blipFill>
+          <a:blip r:embed="rId5"/>
+          <a:stretch>
+            <a:fillRect/>
+          </a:stretch>
+        </p:blipFill>
+        <p:spPr>
+          <a:xfrm>
+            <a:off x="324324" y="1343026"/>
+            <a:ext cx="11543352" cy="4618038"/>
+          </a:xfrm>
+        </p:spPr>
+      </p:pic>
     </p:spTree>
     <p:extLst>
       <p:ext uri="{BB962C8B-B14F-4D97-AF65-F5344CB8AC3E}">
-        <p14:creationId xmlns:p14="http://schemas.microsoft.com/office/powerpoint/2010/main" val="1684565844"/>
+        <p14:creationId xmlns:p14="http://schemas.microsoft.com/office/powerpoint/2010/main" val="3127330751"/>
       </p:ext>
     </p:extLst>
   </p:cSld>
   <p:clrMapOvr>
     <a:masterClrMapping/>
   </p:clrMapOvr>
+  <p:timing>
+    <p:tnLst>
+      <p:par>
+        <p:cTn id="1" dur="indefinite" restart="never" nodeType="tmRoot">
+          <p:childTnLst>
+            <p:seq concurrent="1" nextAc="seek">
+              <p:cTn id="2" dur="indefinite" nodeType="mainSeq">
+                <p:childTnLst>
+                  <p:par>
+                    <p:cTn id="3" fill="hold">
+                      <p:stCondLst>
+                        <p:cond delay="indefinite"/>
+                      </p:stCondLst>
+                      <p:childTnLst>
+                        <p:par>
+                          <p:cTn id="4" fill="hold">
+                            <p:stCondLst>
+                              <p:cond delay="0"/>
+                            </p:stCondLst>
+                            <p:childTnLst>
+                              <p:par>
+                                <p:cTn id="5" presetID="1" presetClass="mediacall" presetSubtype="0" fill="hold" nodeType="clickEffect">
+                                  <p:stCondLst>
+                                    <p:cond delay="0"/>
+                                  </p:stCondLst>
+                                  <p:childTnLst>
+                                    <p:cmd type="call" cmd="playFrom(0.0)">
+                                      <p:cBhvr>
+                                        <p:cTn id="6" dur="23290" fill="hold"/>
+                                        <p:tgtEl>
+                                          <p:spTgt spid="4"/>
+                                        </p:tgtEl>
+                                      </p:cBhvr>
+                                    </p:cmd>
+                                  </p:childTnLst>
+                                </p:cTn>
+                              </p:par>
+                            </p:childTnLst>
+                          </p:cTn>
+                        </p:par>
+                      </p:childTnLst>
+                    </p:cTn>
+                  </p:par>
+                </p:childTnLst>
+              </p:cTn>
+              <p:prevCondLst>
+                <p:cond evt="onPrev" delay="0">
+                  <p:tgtEl>
+                    <p:sldTgt/>
+                  </p:tgtEl>
+                </p:cond>
+              </p:prevCondLst>
+              <p:nextCondLst>
+                <p:cond evt="onNext" delay="0">
+                  <p:tgtEl>
+                    <p:sldTgt/>
+                  </p:tgtEl>
+                </p:cond>
+              </p:nextCondLst>
+            </p:seq>
+            <p:video>
+              <p:cMediaNode vol="80000">
+                <p:cTn id="7" fill="hold" display="0">
+                  <p:stCondLst>
+                    <p:cond delay="indefinite"/>
+                  </p:stCondLst>
+                </p:cTn>
+                <p:tgtEl>
+                  <p:spTgt spid="4"/>
+                </p:tgtEl>
+              </p:cMediaNode>
+            </p:video>
+            <p:seq concurrent="1" nextAc="seek">
+              <p:cTn id="8" restart="whenNotActive" fill="hold" evtFilter="cancelBubble" nodeType="interactiveSeq">
+                <p:stCondLst>
+                  <p:cond evt="onClick" delay="0">
+                    <p:tgtEl>
+                      <p:spTgt spid="4"/>
+                    </p:tgtEl>
+                  </p:cond>
+                </p:stCondLst>
+                <p:endSync evt="end" delay="0">
+                  <p:rtn val="all"/>
+                </p:endSync>
+                <p:childTnLst>
+                  <p:par>
+                    <p:cTn id="9" fill="hold">
+                      <p:stCondLst>
+                        <p:cond delay="0"/>
+                      </p:stCondLst>
+                      <p:childTnLst>
+                        <p:par>
+                          <p:cTn id="10" fill="hold">
+                            <p:stCondLst>
+                              <p:cond delay="0"/>
+                            </p:stCondLst>
+                            <p:childTnLst>
+                              <p:par>
+                                <p:cTn id="11" presetID="2" presetClass="mediacall" presetSubtype="0" fill="hold" nodeType="clickEffect">
+                                  <p:stCondLst>
+                                    <p:cond delay="0"/>
+                                  </p:stCondLst>
+                                  <p:childTnLst>
+                                    <p:cmd type="call" cmd="togglePause">
+                                      <p:cBhvr>
+                                        <p:cTn id="12" dur="1" fill="hold"/>
+                                        <p:tgtEl>
+                                          <p:spTgt spid="4"/>
+                                        </p:tgtEl>
+                                      </p:cBhvr>
+                                    </p:cmd>
+                                  </p:childTnLst>
+                                </p:cTn>
+                              </p:par>
+                            </p:childTnLst>
+                          </p:cTn>
+                        </p:par>
+                      </p:childTnLst>
+                    </p:cTn>
+                  </p:par>
+                </p:childTnLst>
+              </p:cTn>
+              <p:nextCondLst>
+                <p:cond evt="onClick" delay="0">
+                  <p:tgtEl>
+                    <p:spTgt spid="4"/>
+                  </p:tgtEl>
+                </p:cond>
+              </p:nextCondLst>
+            </p:seq>
+          </p:childTnLst>
+        </p:cTn>
+      </p:par>
+    </p:tnLst>
+  </p:timing>
 </p:sld>
 </file>
 
@@ -4086,7 +3948,7 @@
           <p:cNvPr id="2" name="Titolo 1">
             <a:extLst>
               <a:ext uri="{FF2B5EF4-FFF2-40B4-BE49-F238E27FC236}">
-                <a16:creationId xmlns:a16="http://schemas.microsoft.com/office/drawing/2014/main" id="{7EF81A92-4651-4D3E-8A4E-E18E0D7967D2}"/>
+                <a16:creationId xmlns:a16="http://schemas.microsoft.com/office/drawing/2014/main" id="{0DEA3B08-BC89-4E8B-8F82-1517FAB647BD}"/>
               </a:ext>
             </a:extLst>
           </p:cNvPr>
@@ -4108,52 +3970,168 @@
                   <a:srgbClr val="002060"/>
                 </a:solidFill>
               </a:rPr>
-              <a:t>6. Esperimento: 2D senza vincoli</a:t>
-            </a:r>
-          </a:p>
-        </p:txBody>
-      </p:sp>
-      <p:pic>
-        <p:nvPicPr>
-          <p:cNvPr id="5" name="Segnaposto contenuto 4">
-            <a:extLst>
-              <a:ext uri="{FF2B5EF4-FFF2-40B4-BE49-F238E27FC236}">
-                <a16:creationId xmlns:a16="http://schemas.microsoft.com/office/drawing/2014/main" id="{7041A36E-E33B-46A2-A45B-8C680E636972}"/>
-              </a:ext>
-            </a:extLst>
-          </p:cNvPr>
-          <p:cNvPicPr>
-            <a:picLocks noGrp="1" noChangeAspect="1"/>
-          </p:cNvPicPr>
+              <a:t>5. Considerazioni preliminari</a:t>
+            </a:r>
+          </a:p>
+        </p:txBody>
+      </p:sp>
+      <p:sp>
+        <p:nvSpPr>
+          <p:cNvPr id="3" name="Segnaposto contenuto 2">
+            <a:extLst>
+              <a:ext uri="{FF2B5EF4-FFF2-40B4-BE49-F238E27FC236}">
+                <a16:creationId xmlns:a16="http://schemas.microsoft.com/office/drawing/2014/main" id="{20796A1E-54BB-40ED-910E-95CBB951DEF3}"/>
+              </a:ext>
+            </a:extLst>
+          </p:cNvPr>
+          <p:cNvSpPr>
+            <a:spLocks noGrp="1"/>
+          </p:cNvSpPr>
           <p:nvPr>
             <p:ph idx="1"/>
           </p:nvPr>
-        </p:nvPicPr>
-        <p:blipFill>
-          <a:blip r:embed="rId3">
-            <a:extLst>
-              <a:ext uri="{28A0092B-C50C-407E-A947-70E740481C1C}">
-                <a14:useLocalDpi xmlns:a14="http://schemas.microsoft.com/office/drawing/2010/main" val="0"/>
-              </a:ext>
-            </a:extLst>
-          </a:blip>
-          <a:stretch>
-            <a:fillRect/>
-          </a:stretch>
-        </p:blipFill>
-        <p:spPr>
-          <a:xfrm>
-            <a:off x="4864416" y="4103261"/>
-            <a:ext cx="7051358" cy="2221971"/>
-          </a:xfrm>
-        </p:spPr>
-      </p:pic>
-      <p:sp>
-        <p:nvSpPr>
-          <p:cNvPr id="6" name="CasellaDiTesto 5">
-            <a:extLst>
-              <a:ext uri="{FF2B5EF4-FFF2-40B4-BE49-F238E27FC236}">
-                <a16:creationId xmlns:a16="http://schemas.microsoft.com/office/drawing/2014/main" id="{2E784221-8D14-4E30-A107-7E7E2EE2C843}"/>
+        </p:nvSpPr>
+        <p:spPr>
+          <a:xfrm>
+            <a:off x="838199" y="1825625"/>
+            <a:ext cx="10791825" cy="3243524"/>
+          </a:xfrm>
+        </p:spPr>
+        <p:txBody>
+          <a:bodyPr/>
+          <a:lstStyle/>
+          <a:p>
+            <a:r>
+              <a:rPr lang="it-IT" dirty="0">
+                <a:solidFill>
+                  <a:srgbClr val="002060"/>
+                </a:solidFill>
+                <a:latin typeface="+mj-lt"/>
+              </a:rPr>
+              <a:t>Assumeremo </a:t>
+            </a:r>
+            <a:r>
+              <a:rPr lang="it-IT" b="1" i="1" dirty="0">
+                <a:solidFill>
+                  <a:srgbClr val="C00000"/>
+                </a:solidFill>
+                <a:latin typeface="+mj-lt"/>
+              </a:rPr>
+              <a:t>raggio</a:t>
+            </a:r>
+            <a:r>
+              <a:rPr lang="it-IT" dirty="0">
+                <a:solidFill>
+                  <a:srgbClr val="002060"/>
+                </a:solidFill>
+                <a:latin typeface="+mj-lt"/>
+              </a:rPr>
+              <a:t> e </a:t>
+            </a:r>
+            <a:r>
+              <a:rPr lang="it-IT" b="1" i="1" dirty="0">
+                <a:solidFill>
+                  <a:srgbClr val="C00000"/>
+                </a:solidFill>
+                <a:latin typeface="+mj-lt"/>
+              </a:rPr>
+              <a:t>posizione</a:t>
+            </a:r>
+            <a:r>
+              <a:rPr lang="it-IT" dirty="0">
+                <a:solidFill>
+                  <a:srgbClr val="002060"/>
+                </a:solidFill>
+                <a:latin typeface="+mj-lt"/>
+              </a:rPr>
+              <a:t> validi non oltre la lunghezza di </a:t>
+            </a:r>
+            <a:r>
+              <a:rPr lang="it-IT" b="1" dirty="0">
+                <a:solidFill>
+                  <a:srgbClr val="002060"/>
+                </a:solidFill>
+                <a:latin typeface="+mj-lt"/>
+              </a:rPr>
+              <a:t>un metro</a:t>
+            </a:r>
+            <a:r>
+              <a:rPr lang="it-IT" dirty="0">
+                <a:solidFill>
+                  <a:srgbClr val="002060"/>
+                </a:solidFill>
+                <a:latin typeface="+mj-lt"/>
+              </a:rPr>
+              <a:t>.</a:t>
+            </a:r>
+          </a:p>
+          <a:p>
+            <a:r>
+              <a:rPr lang="it-IT" dirty="0">
+                <a:solidFill>
+                  <a:srgbClr val="002060"/>
+                </a:solidFill>
+                <a:latin typeface="+mj-lt"/>
+              </a:rPr>
+              <a:t>La massima precisione con la quale l’algoritmo si sposterà nello spazio di ricerca così come i risultati degli esperimenti a seguire è della </a:t>
+            </a:r>
+            <a:r>
+              <a:rPr lang="it-IT" b="1" i="1" dirty="0">
+                <a:solidFill>
+                  <a:srgbClr val="C00000"/>
+                </a:solidFill>
+                <a:latin typeface="+mj-lt"/>
+              </a:rPr>
+              <a:t>terza cifra significativa </a:t>
+            </a:r>
+            <a:r>
+              <a:rPr lang="it-IT" dirty="0">
+                <a:solidFill>
+                  <a:srgbClr val="002060"/>
+                </a:solidFill>
+                <a:latin typeface="+mj-lt"/>
+              </a:rPr>
+              <a:t>dopo la virgola.</a:t>
+            </a:r>
+          </a:p>
+          <a:p>
+            <a:r>
+              <a:rPr lang="it-IT" b="1" dirty="0">
+                <a:solidFill>
+                  <a:srgbClr val="C00000"/>
+                </a:solidFill>
+                <a:latin typeface="+mj-lt"/>
+              </a:rPr>
+              <a:t>Condizioni di arresto:  </a:t>
+            </a:r>
+          </a:p>
+          <a:p>
+            <a:pPr marL="0" indent="0">
+              <a:buNone/>
+            </a:pPr>
+            <a:endParaRPr lang="it-IT" b="1" dirty="0">
+              <a:solidFill>
+                <a:srgbClr val="C00000"/>
+              </a:solidFill>
+              <a:latin typeface="+mj-lt"/>
+            </a:endParaRPr>
+          </a:p>
+          <a:p>
+            <a:endParaRPr lang="it-IT" dirty="0">
+              <a:solidFill>
+                <a:srgbClr val="002060"/>
+              </a:solidFill>
+              <a:latin typeface="+mj-lt"/>
+            </a:endParaRPr>
+          </a:p>
+        </p:txBody>
+      </p:sp>
+      <p:sp>
+        <p:nvSpPr>
+          <p:cNvPr id="4" name="CasellaDiTesto 3">
+            <a:extLst>
+              <a:ext uri="{FF2B5EF4-FFF2-40B4-BE49-F238E27FC236}">
+                <a16:creationId xmlns:a16="http://schemas.microsoft.com/office/drawing/2014/main" id="{BFBD37E8-D4D6-445A-8EF0-C5B53A72A415}"/>
               </a:ext>
             </a:extLst>
           </p:cNvPr>
@@ -4162,8 +4140,8 @@
         </p:nvSpPr>
         <p:spPr>
           <a:xfrm>
-            <a:off x="838200" y="1665169"/>
-            <a:ext cx="3657601" cy="2677656"/>
+            <a:off x="4248797" y="3616881"/>
+            <a:ext cx="5715000" cy="1384995"/>
           </a:xfrm>
           <a:prstGeom prst="rect">
             <a:avLst/>
@@ -4176,6 +4154,10 @@
           </a:bodyPr>
           <a:lstStyle/>
           <a:p>
+            <a:pPr marL="285750" indent="-285750">
+              <a:buFont typeface="Arial" panose="020B0604020202020204" pitchFamily="34" charset="0"/>
+              <a:buChar char="•"/>
+            </a:pPr>
             <a:r>
               <a:rPr lang="it-IT" sz="2800" dirty="0">
                 <a:solidFill>
@@ -4183,17 +4165,44 @@
                 </a:solidFill>
                 <a:latin typeface="+mj-lt"/>
               </a:rPr>
-              <a:t>In questo test fissiamo la variabile </a:t>
-            </a:r>
-            <a:r>
-              <a:rPr lang="it-IT" sz="2800" b="1" i="1" dirty="0">
-                <a:solidFill>
-                  <a:srgbClr val="C00000"/>
+              <a:t>Lunghezza minima del simplesso</a:t>
+            </a:r>
+          </a:p>
+          <a:p>
+            <a:pPr marL="285750" indent="-285750">
+              <a:buFont typeface="Arial" panose="020B0604020202020204" pitchFamily="34" charset="0"/>
+              <a:buChar char="•"/>
+            </a:pPr>
+            <a:r>
+              <a:rPr lang="it-IT" sz="2800" dirty="0">
+                <a:solidFill>
+                  <a:srgbClr val="002060"/>
                 </a:solidFill>
                 <a:latin typeface="+mj-lt"/>
               </a:rPr>
-              <a:t>Z = 0.7m </a:t>
-            </a:r>
+              <a:t>Numero massimo di </a:t>
+            </a:r>
+            <a:r>
+              <a:rPr lang="it-IT" sz="2800" dirty="0" err="1">
+                <a:solidFill>
+                  <a:srgbClr val="002060"/>
+                </a:solidFill>
+                <a:latin typeface="+mj-lt"/>
+              </a:rPr>
+              <a:t>flips</a:t>
+            </a:r>
+            <a:endParaRPr lang="it-IT" sz="2800" dirty="0">
+              <a:solidFill>
+                <a:srgbClr val="002060"/>
+              </a:solidFill>
+              <a:latin typeface="+mj-lt"/>
+            </a:endParaRPr>
+          </a:p>
+          <a:p>
+            <a:pPr marL="285750" indent="-285750">
+              <a:buFont typeface="Arial" panose="020B0604020202020204" pitchFamily="34" charset="0"/>
+              <a:buChar char="•"/>
+            </a:pPr>
             <a:r>
               <a:rPr lang="it-IT" sz="2800" dirty="0">
                 <a:solidFill>
@@ -4201,17 +4210,17 @@
                 </a:solidFill>
                 <a:latin typeface="+mj-lt"/>
               </a:rPr>
-              <a:t>e andiamo a ricercare il minimo relativo alla corrente e al raggio della spira.</a:t>
+              <a:t>Massima percentuale di errore</a:t>
             </a:r>
           </a:p>
         </p:txBody>
       </p:sp>
       <p:cxnSp>
         <p:nvCxnSpPr>
-          <p:cNvPr id="9" name="Connettore diritto 8">
-            <a:extLst>
-              <a:ext uri="{FF2B5EF4-FFF2-40B4-BE49-F238E27FC236}">
-                <a16:creationId xmlns:a16="http://schemas.microsoft.com/office/drawing/2014/main" id="{41C58AC4-2EEE-4A36-9C98-FEFC7E836516}"/>
+          <p:cNvPr id="5" name="Connettore diritto 4">
+            <a:extLst>
+              <a:ext uri="{FF2B5EF4-FFF2-40B4-BE49-F238E27FC236}">
+                <a16:creationId xmlns:a16="http://schemas.microsoft.com/office/drawing/2014/main" id="{878F07D6-3A8B-42FC-A1EE-9FFA4FA1D40D}"/>
               </a:ext>
             </a:extLst>
           </p:cNvPr>
@@ -4222,8 +4231,8 @@
         </p:nvCxnSpPr>
         <p:spPr>
           <a:xfrm>
-            <a:off x="1052512" y="6443309"/>
-            <a:ext cx="10863262" cy="0"/>
+            <a:off x="945356" y="1385534"/>
+            <a:ext cx="10301288" cy="0"/>
           </a:xfrm>
           <a:prstGeom prst="line">
             <a:avLst/>
@@ -4246,10 +4255,10 @@
       </p:cxnSp>
       <p:cxnSp>
         <p:nvCxnSpPr>
-          <p:cNvPr id="10" name="Connettore diritto 9">
-            <a:extLst>
-              <a:ext uri="{FF2B5EF4-FFF2-40B4-BE49-F238E27FC236}">
-                <a16:creationId xmlns:a16="http://schemas.microsoft.com/office/drawing/2014/main" id="{E93BD0DD-7D3A-4515-B3FD-EA5BA438F94B}"/>
+          <p:cNvPr id="6" name="Connettore diritto 5">
+            <a:extLst>
+              <a:ext uri="{FF2B5EF4-FFF2-40B4-BE49-F238E27FC236}">
+                <a16:creationId xmlns:a16="http://schemas.microsoft.com/office/drawing/2014/main" id="{546DB05B-E0E9-4250-97C9-6143833B2922}"/>
               </a:ext>
             </a:extLst>
           </p:cNvPr>
@@ -4260,8 +4269,8 @@
         </p:nvCxnSpPr>
         <p:spPr>
           <a:xfrm>
-            <a:off x="945356" y="1509359"/>
-            <a:ext cx="10970418" cy="0"/>
+            <a:off x="945356" y="6433784"/>
+            <a:ext cx="10301288" cy="0"/>
           </a:xfrm>
           <a:prstGeom prst="line">
             <a:avLst/>
@@ -4282,46 +4291,10 @@
           </a:fontRef>
         </p:style>
       </p:cxnSp>
-      <p:pic>
-        <p:nvPicPr>
-          <p:cNvPr id="4" name="Immagine 3">
-            <a:extLst>
-              <a:ext uri="{FF2B5EF4-FFF2-40B4-BE49-F238E27FC236}">
-                <a16:creationId xmlns:a16="http://schemas.microsoft.com/office/drawing/2014/main" id="{409FD23B-18C7-414F-BDC5-2A39C53A1839}"/>
-              </a:ext>
-            </a:extLst>
-          </p:cNvPr>
-          <p:cNvPicPr>
-            <a:picLocks noChangeAspect="1"/>
-          </p:cNvPicPr>
-          <p:nvPr/>
-        </p:nvPicPr>
-        <p:blipFill>
-          <a:blip r:embed="rId4">
-            <a:extLst>
-              <a:ext uri="{28A0092B-C50C-407E-A947-70E740481C1C}">
-                <a14:useLocalDpi xmlns:a14="http://schemas.microsoft.com/office/drawing/2010/main" val="0"/>
-              </a:ext>
-            </a:extLst>
-          </a:blip>
-          <a:stretch>
-            <a:fillRect/>
-          </a:stretch>
-        </p:blipFill>
-        <p:spPr>
-          <a:xfrm>
-            <a:off x="4864416" y="1665169"/>
-            <a:ext cx="7051358" cy="2453770"/>
-          </a:xfrm>
-          <a:prstGeom prst="rect">
-            <a:avLst/>
-          </a:prstGeom>
-        </p:spPr>
-      </p:pic>
     </p:spTree>
     <p:extLst>
       <p:ext uri="{BB962C8B-B14F-4D97-AF65-F5344CB8AC3E}">
-        <p14:creationId xmlns:p14="http://schemas.microsoft.com/office/powerpoint/2010/main" val="4084558885"/>
+        <p14:creationId xmlns:p14="http://schemas.microsoft.com/office/powerpoint/2010/main" val="1684565844"/>
       </p:ext>
     </p:extLst>
   </p:cSld>
@@ -4363,19 +4336,53 @@
           <a:chExt cx="0" cy="0"/>
         </a:xfrm>
       </p:grpSpPr>
+      <p:sp>
+        <p:nvSpPr>
+          <p:cNvPr id="2" name="Titolo 1">
+            <a:extLst>
+              <a:ext uri="{FF2B5EF4-FFF2-40B4-BE49-F238E27FC236}">
+                <a16:creationId xmlns:a16="http://schemas.microsoft.com/office/drawing/2014/main" id="{7EF81A92-4651-4D3E-8A4E-E18E0D7967D2}"/>
+              </a:ext>
+            </a:extLst>
+          </p:cNvPr>
+          <p:cNvSpPr>
+            <a:spLocks noGrp="1"/>
+          </p:cNvSpPr>
+          <p:nvPr>
+            <p:ph type="title"/>
+          </p:nvPr>
+        </p:nvSpPr>
+        <p:spPr/>
+        <p:txBody>
+          <a:bodyPr/>
+          <a:lstStyle/>
+          <a:p>
+            <a:r>
+              <a:rPr lang="it-IT" b="1" dirty="0">
+                <a:solidFill>
+                  <a:srgbClr val="002060"/>
+                </a:solidFill>
+              </a:rPr>
+              <a:t>6. Esperimento: 2D senza vincoli</a:t>
+            </a:r>
+          </a:p>
+        </p:txBody>
+      </p:sp>
       <p:pic>
         <p:nvPicPr>
-          <p:cNvPr id="7" name="Immagine 6">
-            <a:extLst>
-              <a:ext uri="{FF2B5EF4-FFF2-40B4-BE49-F238E27FC236}">
-                <a16:creationId xmlns:a16="http://schemas.microsoft.com/office/drawing/2014/main" id="{3F0FE11E-DF9F-4E75-91B9-25F5E9FD59CE}"/>
+          <p:cNvPr id="5" name="Segnaposto contenuto 4">
+            <a:extLst>
+              <a:ext uri="{FF2B5EF4-FFF2-40B4-BE49-F238E27FC236}">
+                <a16:creationId xmlns:a16="http://schemas.microsoft.com/office/drawing/2014/main" id="{7041A36E-E33B-46A2-A45B-8C680E636972}"/>
               </a:ext>
             </a:extLst>
           </p:cNvPr>
           <p:cNvPicPr>
-            <a:picLocks noChangeAspect="1"/>
+            <a:picLocks noGrp="1" noChangeAspect="1"/>
           </p:cNvPicPr>
-          <p:nvPr/>
+          <p:nvPr>
+            <p:ph idx="1"/>
+          </p:nvPr>
         </p:nvPicPr>
         <p:blipFill>
           <a:blip r:embed="rId3">
@@ -4391,20 +4398,75 @@
         </p:blipFill>
         <p:spPr>
           <a:xfrm>
-            <a:off x="4495952" y="1176908"/>
-            <a:ext cx="7143273" cy="2474828"/>
+            <a:off x="4864416" y="4103261"/>
+            <a:ext cx="7051358" cy="2221971"/>
+          </a:xfrm>
+        </p:spPr>
+      </p:pic>
+      <p:sp>
+        <p:nvSpPr>
+          <p:cNvPr id="6" name="CasellaDiTesto 5">
+            <a:extLst>
+              <a:ext uri="{FF2B5EF4-FFF2-40B4-BE49-F238E27FC236}">
+                <a16:creationId xmlns:a16="http://schemas.microsoft.com/office/drawing/2014/main" id="{2E784221-8D14-4E30-A107-7E7E2EE2C843}"/>
+              </a:ext>
+            </a:extLst>
+          </p:cNvPr>
+          <p:cNvSpPr txBox="1"/>
+          <p:nvPr/>
+        </p:nvSpPr>
+        <p:spPr>
+          <a:xfrm>
+            <a:off x="838200" y="1665169"/>
+            <a:ext cx="3657601" cy="2677656"/>
           </a:xfrm>
           <a:prstGeom prst="rect">
             <a:avLst/>
           </a:prstGeom>
-        </p:spPr>
-      </p:pic>
+          <a:noFill/>
+        </p:spPr>
+        <p:txBody>
+          <a:bodyPr wrap="square" rtlCol="0">
+            <a:spAutoFit/>
+          </a:bodyPr>
+          <a:lstStyle/>
+          <a:p>
+            <a:r>
+              <a:rPr lang="it-IT" sz="2800" dirty="0">
+                <a:solidFill>
+                  <a:srgbClr val="002060"/>
+                </a:solidFill>
+                <a:latin typeface="+mj-lt"/>
+              </a:rPr>
+              <a:t>In questo test fissiamo la variabile </a:t>
+            </a:r>
+            <a:r>
+              <a:rPr lang="it-IT" sz="2800" b="1" i="1" dirty="0">
+                <a:solidFill>
+                  <a:srgbClr val="C00000"/>
+                </a:solidFill>
+                <a:latin typeface="+mj-lt"/>
+              </a:rPr>
+              <a:t>Z = 0.7m </a:t>
+            </a:r>
+            <a:r>
+              <a:rPr lang="it-IT" sz="2800" dirty="0">
+                <a:solidFill>
+                  <a:srgbClr val="002060"/>
+                </a:solidFill>
+                <a:latin typeface="+mj-lt"/>
+              </a:rPr>
+              <a:t>e andiamo a ricercare il minimo relativo alla corrente e al raggio della spira.</a:t>
+            </a:r>
+          </a:p>
+        </p:txBody>
+      </p:sp>
       <p:cxnSp>
         <p:nvCxnSpPr>
-          <p:cNvPr id="11" name="Connettore diritto 10">
-            <a:extLst>
-              <a:ext uri="{FF2B5EF4-FFF2-40B4-BE49-F238E27FC236}">
-                <a16:creationId xmlns:a16="http://schemas.microsoft.com/office/drawing/2014/main" id="{C7CB4E63-3260-4EA3-9D89-8268DC09EF42}"/>
+          <p:cNvPr id="9" name="Connettore diritto 8">
+            <a:extLst>
+              <a:ext uri="{FF2B5EF4-FFF2-40B4-BE49-F238E27FC236}">
+                <a16:creationId xmlns:a16="http://schemas.microsoft.com/office/drawing/2014/main" id="{41C58AC4-2EEE-4A36-9C98-FEFC7E836516}"/>
               </a:ext>
             </a:extLst>
           </p:cNvPr>
@@ -4415,8 +4477,8 @@
         </p:nvCxnSpPr>
         <p:spPr>
           <a:xfrm>
-            <a:off x="938212" y="1133242"/>
-            <a:ext cx="10701013" cy="0"/>
+            <a:off x="1052512" y="6443309"/>
+            <a:ext cx="10863262" cy="0"/>
           </a:xfrm>
           <a:prstGeom prst="line">
             <a:avLst/>
@@ -4437,166 +4499,12 @@
           </a:fontRef>
         </p:style>
       </p:cxnSp>
-      <p:sp>
-        <p:nvSpPr>
-          <p:cNvPr id="12" name="Titolo 1">
-            <a:extLst>
-              <a:ext uri="{FF2B5EF4-FFF2-40B4-BE49-F238E27FC236}">
-                <a16:creationId xmlns:a16="http://schemas.microsoft.com/office/drawing/2014/main" id="{03DAF942-BA3D-4AC2-811D-589406C84368}"/>
-              </a:ext>
-            </a:extLst>
-          </p:cNvPr>
-          <p:cNvSpPr txBox="1">
-            <a:spLocks/>
-          </p:cNvSpPr>
-          <p:nvPr/>
-        </p:nvSpPr>
-        <p:spPr>
-          <a:xfrm>
-            <a:off x="742236" y="35234"/>
-            <a:ext cx="10199222" cy="1054100"/>
-          </a:xfrm>
-          <a:prstGeom prst="rect">
-            <a:avLst/>
-          </a:prstGeom>
-        </p:spPr>
-        <p:txBody>
-          <a:bodyPr vert="horz" lIns="91440" tIns="45720" rIns="91440" bIns="45720" rtlCol="0" anchor="ctr">
-            <a:normAutofit/>
-          </a:bodyPr>
-          <a:lstStyle>
-            <a:lvl1pPr algn="l" defTabSz="914400" rtl="0" eaLnBrk="1" latinLnBrk="0" hangingPunct="1">
-              <a:lnSpc>
-                <a:spcPct val="90000"/>
-              </a:lnSpc>
-              <a:spcBef>
-                <a:spcPct val="0"/>
-              </a:spcBef>
-              <a:buNone/>
-              <a:defRPr sz="4400" kern="1200">
-                <a:solidFill>
-                  <a:schemeClr val="tx1"/>
-                </a:solidFill>
-                <a:latin typeface="+mj-lt"/>
-                <a:ea typeface="+mj-ea"/>
-                <a:cs typeface="+mj-cs"/>
-              </a:defRPr>
-            </a:lvl1pPr>
-          </a:lstStyle>
-          <a:p>
-            <a:r>
-              <a:rPr lang="it-IT" b="1" dirty="0">
-                <a:solidFill>
-                  <a:srgbClr val="002060"/>
-                </a:solidFill>
-                <a:ea typeface="Doulos SIL" panose="02000500070000020004" pitchFamily="2" charset="0"/>
-                <a:cs typeface="Doulos SIL" panose="02000500070000020004" pitchFamily="2" charset="0"/>
-              </a:rPr>
-              <a:t>6. Esperimento: 3D senza vincoli</a:t>
-            </a:r>
-          </a:p>
-        </p:txBody>
-      </p:sp>
-      <p:sp>
-        <p:nvSpPr>
-          <p:cNvPr id="2" name="CasellaDiTesto 1">
-            <a:extLst>
-              <a:ext uri="{FF2B5EF4-FFF2-40B4-BE49-F238E27FC236}">
-                <a16:creationId xmlns:a16="http://schemas.microsoft.com/office/drawing/2014/main" id="{5F45F277-79BC-4709-8BCD-92552CDA27AD}"/>
-              </a:ext>
-            </a:extLst>
-          </p:cNvPr>
-          <p:cNvSpPr txBox="1"/>
-          <p:nvPr/>
-        </p:nvSpPr>
-        <p:spPr>
-          <a:xfrm>
-            <a:off x="837543" y="1287962"/>
-            <a:ext cx="3474397" cy="2677656"/>
-          </a:xfrm>
-          <a:prstGeom prst="rect">
-            <a:avLst/>
-          </a:prstGeom>
-          <a:noFill/>
-        </p:spPr>
-        <p:txBody>
-          <a:bodyPr wrap="square" rtlCol="0">
-            <a:spAutoFit/>
-          </a:bodyPr>
-          <a:lstStyle/>
-          <a:p>
-            <a:r>
-              <a:rPr lang="it-IT" sz="2800" dirty="0">
-                <a:solidFill>
-                  <a:srgbClr val="002060"/>
-                </a:solidFill>
-                <a:latin typeface="+mj-lt"/>
-              </a:rPr>
-              <a:t>In questo test, l’algoritmo si ferma quando la </a:t>
-            </a:r>
-            <a:r>
-              <a:rPr lang="it-IT" sz="2800" b="1" i="1" dirty="0">
-                <a:solidFill>
-                  <a:srgbClr val="C00000"/>
-                </a:solidFill>
-                <a:latin typeface="+mj-lt"/>
-              </a:rPr>
-              <a:t>percentuale di errore</a:t>
-            </a:r>
-            <a:r>
-              <a:rPr lang="it-IT" sz="2800" dirty="0">
-                <a:solidFill>
-                  <a:srgbClr val="002060"/>
-                </a:solidFill>
-                <a:latin typeface="+mj-lt"/>
-              </a:rPr>
-              <a:t> scende al di sotto del valore minimo ammesso. </a:t>
-            </a:r>
-          </a:p>
-        </p:txBody>
-      </p:sp>
-      <p:pic>
-        <p:nvPicPr>
-          <p:cNvPr id="8" name="Immagine 7">
-            <a:extLst>
-              <a:ext uri="{FF2B5EF4-FFF2-40B4-BE49-F238E27FC236}">
-                <a16:creationId xmlns:a16="http://schemas.microsoft.com/office/drawing/2014/main" id="{85D4ADCD-91E9-43A4-A4BE-8677C7FA4CA0}"/>
-              </a:ext>
-            </a:extLst>
-          </p:cNvPr>
-          <p:cNvPicPr>
-            <a:picLocks noChangeAspect="1"/>
-          </p:cNvPicPr>
-          <p:nvPr/>
-        </p:nvPicPr>
-        <p:blipFill>
-          <a:blip r:embed="rId4">
-            <a:extLst>
-              <a:ext uri="{28A0092B-C50C-407E-A947-70E740481C1C}">
-                <a14:useLocalDpi xmlns:a14="http://schemas.microsoft.com/office/drawing/2010/main" val="0"/>
-              </a:ext>
-            </a:extLst>
-          </a:blip>
-          <a:stretch>
-            <a:fillRect/>
-          </a:stretch>
-        </p:blipFill>
-        <p:spPr>
-          <a:xfrm>
-            <a:off x="4495953" y="3649112"/>
-            <a:ext cx="7143272" cy="2876443"/>
-          </a:xfrm>
-          <a:prstGeom prst="rect">
-            <a:avLst/>
-          </a:prstGeom>
-        </p:spPr>
-      </p:pic>
       <p:cxnSp>
         <p:nvCxnSpPr>
-          <p:cNvPr id="13" name="Connettore diritto 12">
-            <a:extLst>
-              <a:ext uri="{FF2B5EF4-FFF2-40B4-BE49-F238E27FC236}">
-                <a16:creationId xmlns:a16="http://schemas.microsoft.com/office/drawing/2014/main" id="{4AD2E82D-8EB6-4371-8A73-EA718A046D41}"/>
+          <p:cNvPr id="10" name="Connettore diritto 9">
+            <a:extLst>
+              <a:ext uri="{FF2B5EF4-FFF2-40B4-BE49-F238E27FC236}">
+                <a16:creationId xmlns:a16="http://schemas.microsoft.com/office/drawing/2014/main" id="{E93BD0DD-7D3A-4515-B3FD-EA5BA438F94B}"/>
               </a:ext>
             </a:extLst>
           </p:cNvPr>
@@ -4607,8 +4515,8 @@
         </p:nvCxnSpPr>
         <p:spPr>
           <a:xfrm>
-            <a:off x="742236" y="6554736"/>
-            <a:ext cx="10896989" cy="0"/>
+            <a:off x="945356" y="1509359"/>
+            <a:ext cx="10970418" cy="0"/>
           </a:xfrm>
           <a:prstGeom prst="line">
             <a:avLst/>
@@ -4629,10 +4537,46 @@
           </a:fontRef>
         </p:style>
       </p:cxnSp>
+      <p:pic>
+        <p:nvPicPr>
+          <p:cNvPr id="4" name="Immagine 3">
+            <a:extLst>
+              <a:ext uri="{FF2B5EF4-FFF2-40B4-BE49-F238E27FC236}">
+                <a16:creationId xmlns:a16="http://schemas.microsoft.com/office/drawing/2014/main" id="{409FD23B-18C7-414F-BDC5-2A39C53A1839}"/>
+              </a:ext>
+            </a:extLst>
+          </p:cNvPr>
+          <p:cNvPicPr>
+            <a:picLocks noChangeAspect="1"/>
+          </p:cNvPicPr>
+          <p:nvPr/>
+        </p:nvPicPr>
+        <p:blipFill>
+          <a:blip r:embed="rId4">
+            <a:extLst>
+              <a:ext uri="{28A0092B-C50C-407E-A947-70E740481C1C}">
+                <a14:useLocalDpi xmlns:a14="http://schemas.microsoft.com/office/drawing/2010/main" val="0"/>
+              </a:ext>
+            </a:extLst>
+          </a:blip>
+          <a:stretch>
+            <a:fillRect/>
+          </a:stretch>
+        </p:blipFill>
+        <p:spPr>
+          <a:xfrm>
+            <a:off x="4864416" y="1665169"/>
+            <a:ext cx="7051358" cy="2453770"/>
+          </a:xfrm>
+          <a:prstGeom prst="rect">
+            <a:avLst/>
+          </a:prstGeom>
+        </p:spPr>
+      </p:pic>
     </p:spTree>
     <p:extLst>
       <p:ext uri="{BB962C8B-B14F-4D97-AF65-F5344CB8AC3E}">
-        <p14:creationId xmlns:p14="http://schemas.microsoft.com/office/powerpoint/2010/main" val="1886510980"/>
+        <p14:creationId xmlns:p14="http://schemas.microsoft.com/office/powerpoint/2010/main" val="4084558885"/>
       </p:ext>
     </p:extLst>
   </p:cSld>
@@ -4674,61 +4618,48 @@
           <a:chExt cx="0" cy="0"/>
         </a:xfrm>
       </p:grpSpPr>
-      <p:sp>
-        <p:nvSpPr>
-          <p:cNvPr id="2" name="Titolo 1">
-            <a:extLst>
-              <a:ext uri="{FF2B5EF4-FFF2-40B4-BE49-F238E27FC236}">
-                <a16:creationId xmlns:a16="http://schemas.microsoft.com/office/drawing/2014/main" id="{AB948457-65FF-44D5-A021-5D953048AF52}"/>
-              </a:ext>
-            </a:extLst>
-          </p:cNvPr>
-          <p:cNvSpPr>
-            <a:spLocks noGrp="1"/>
-          </p:cNvSpPr>
-          <p:nvPr>
-            <p:ph type="title"/>
-          </p:nvPr>
-        </p:nvSpPr>
-        <p:spPr>
-          <a:xfrm>
-            <a:off x="657225" y="307975"/>
-            <a:ext cx="10515600" cy="1325563"/>
-          </a:xfrm>
-        </p:spPr>
-        <p:txBody>
-          <a:bodyPr/>
-          <a:lstStyle/>
-          <a:p>
-            <a:r>
-              <a:rPr lang="it-IT" b="1" dirty="0">
-                <a:solidFill>
-                  <a:srgbClr val="002060"/>
-                </a:solidFill>
-                <a:ea typeface="Doulos SIL" panose="02000500070000020004" pitchFamily="2" charset="0"/>
-                <a:cs typeface="Doulos SIL" panose="02000500070000020004" pitchFamily="2" charset="0"/>
-              </a:rPr>
-              <a:t>6. Esperimento: 3D senza vincoli</a:t>
-            </a:r>
-            <a:br>
-              <a:rPr lang="it-IT" b="1" dirty="0">
-                <a:solidFill>
-                  <a:srgbClr val="002060"/>
-                </a:solidFill>
-                <a:ea typeface="Doulos SIL" panose="02000500070000020004" pitchFamily="2" charset="0"/>
-                <a:cs typeface="Doulos SIL" panose="02000500070000020004" pitchFamily="2" charset="0"/>
-              </a:rPr>
-            </a:br>
-            <a:endParaRPr lang="it-IT" dirty="0"/>
-          </a:p>
-        </p:txBody>
-      </p:sp>
+      <p:pic>
+        <p:nvPicPr>
+          <p:cNvPr id="7" name="Immagine 6">
+            <a:extLst>
+              <a:ext uri="{FF2B5EF4-FFF2-40B4-BE49-F238E27FC236}">
+                <a16:creationId xmlns:a16="http://schemas.microsoft.com/office/drawing/2014/main" id="{3F0FE11E-DF9F-4E75-91B9-25F5E9FD59CE}"/>
+              </a:ext>
+            </a:extLst>
+          </p:cNvPr>
+          <p:cNvPicPr>
+            <a:picLocks noChangeAspect="1"/>
+          </p:cNvPicPr>
+          <p:nvPr/>
+        </p:nvPicPr>
+        <p:blipFill>
+          <a:blip r:embed="rId3">
+            <a:extLst>
+              <a:ext uri="{28A0092B-C50C-407E-A947-70E740481C1C}">
+                <a14:useLocalDpi xmlns:a14="http://schemas.microsoft.com/office/drawing/2010/main" val="0"/>
+              </a:ext>
+            </a:extLst>
+          </a:blip>
+          <a:stretch>
+            <a:fillRect/>
+          </a:stretch>
+        </p:blipFill>
+        <p:spPr>
+          <a:xfrm>
+            <a:off x="4495952" y="1176908"/>
+            <a:ext cx="7143273" cy="2474828"/>
+          </a:xfrm>
+          <a:prstGeom prst="rect">
+            <a:avLst/>
+          </a:prstGeom>
+        </p:spPr>
+      </p:pic>
       <p:cxnSp>
         <p:nvCxnSpPr>
-          <p:cNvPr id="6" name="Connettore diritto 5">
-            <a:extLst>
-              <a:ext uri="{FF2B5EF4-FFF2-40B4-BE49-F238E27FC236}">
-                <a16:creationId xmlns:a16="http://schemas.microsoft.com/office/drawing/2014/main" id="{330FF7A3-0743-4C2B-958A-0EBFDD59668D}"/>
+          <p:cNvPr id="11" name="Connettore diritto 10">
+            <a:extLst>
+              <a:ext uri="{FF2B5EF4-FFF2-40B4-BE49-F238E27FC236}">
+                <a16:creationId xmlns:a16="http://schemas.microsoft.com/office/drawing/2014/main" id="{C7CB4E63-3260-4EA3-9D89-8268DC09EF42}"/>
               </a:ext>
             </a:extLst>
           </p:cNvPr>
@@ -4739,8 +4670,8 @@
         </p:nvCxnSpPr>
         <p:spPr>
           <a:xfrm>
-            <a:off x="804862" y="1133242"/>
-            <a:ext cx="11110913" cy="0"/>
+            <a:off x="938212" y="1133242"/>
+            <a:ext cx="10701013" cy="0"/>
           </a:xfrm>
           <a:prstGeom prst="line">
             <a:avLst/>
@@ -4761,12 +4692,166 @@
           </a:fontRef>
         </p:style>
       </p:cxnSp>
+      <p:sp>
+        <p:nvSpPr>
+          <p:cNvPr id="12" name="Titolo 1">
+            <a:extLst>
+              <a:ext uri="{FF2B5EF4-FFF2-40B4-BE49-F238E27FC236}">
+                <a16:creationId xmlns:a16="http://schemas.microsoft.com/office/drawing/2014/main" id="{03DAF942-BA3D-4AC2-811D-589406C84368}"/>
+              </a:ext>
+            </a:extLst>
+          </p:cNvPr>
+          <p:cNvSpPr txBox="1">
+            <a:spLocks/>
+          </p:cNvSpPr>
+          <p:nvPr/>
+        </p:nvSpPr>
+        <p:spPr>
+          <a:xfrm>
+            <a:off x="742236" y="35234"/>
+            <a:ext cx="10199222" cy="1054100"/>
+          </a:xfrm>
+          <a:prstGeom prst="rect">
+            <a:avLst/>
+          </a:prstGeom>
+        </p:spPr>
+        <p:txBody>
+          <a:bodyPr vert="horz" lIns="91440" tIns="45720" rIns="91440" bIns="45720" rtlCol="0" anchor="ctr">
+            <a:normAutofit/>
+          </a:bodyPr>
+          <a:lstStyle>
+            <a:lvl1pPr algn="l" defTabSz="914400" rtl="0" eaLnBrk="1" latinLnBrk="0" hangingPunct="1">
+              <a:lnSpc>
+                <a:spcPct val="90000"/>
+              </a:lnSpc>
+              <a:spcBef>
+                <a:spcPct val="0"/>
+              </a:spcBef>
+              <a:buNone/>
+              <a:defRPr sz="4400" kern="1200">
+                <a:solidFill>
+                  <a:schemeClr val="tx1"/>
+                </a:solidFill>
+                <a:latin typeface="+mj-lt"/>
+                <a:ea typeface="+mj-ea"/>
+                <a:cs typeface="+mj-cs"/>
+              </a:defRPr>
+            </a:lvl1pPr>
+          </a:lstStyle>
+          <a:p>
+            <a:r>
+              <a:rPr lang="it-IT" b="1" dirty="0">
+                <a:solidFill>
+                  <a:srgbClr val="002060"/>
+                </a:solidFill>
+                <a:ea typeface="Doulos SIL" panose="02000500070000020004" pitchFamily="2" charset="0"/>
+                <a:cs typeface="Doulos SIL" panose="02000500070000020004" pitchFamily="2" charset="0"/>
+              </a:rPr>
+              <a:t>6. Esperimento: 3D senza vincoli</a:t>
+            </a:r>
+          </a:p>
+        </p:txBody>
+      </p:sp>
+      <p:sp>
+        <p:nvSpPr>
+          <p:cNvPr id="2" name="CasellaDiTesto 1">
+            <a:extLst>
+              <a:ext uri="{FF2B5EF4-FFF2-40B4-BE49-F238E27FC236}">
+                <a16:creationId xmlns:a16="http://schemas.microsoft.com/office/drawing/2014/main" id="{5F45F277-79BC-4709-8BCD-92552CDA27AD}"/>
+              </a:ext>
+            </a:extLst>
+          </p:cNvPr>
+          <p:cNvSpPr txBox="1"/>
+          <p:nvPr/>
+        </p:nvSpPr>
+        <p:spPr>
+          <a:xfrm>
+            <a:off x="837543" y="1287962"/>
+            <a:ext cx="3474397" cy="2677656"/>
+          </a:xfrm>
+          <a:prstGeom prst="rect">
+            <a:avLst/>
+          </a:prstGeom>
+          <a:noFill/>
+        </p:spPr>
+        <p:txBody>
+          <a:bodyPr wrap="square" rtlCol="0">
+            <a:spAutoFit/>
+          </a:bodyPr>
+          <a:lstStyle/>
+          <a:p>
+            <a:r>
+              <a:rPr lang="it-IT" sz="2800" dirty="0">
+                <a:solidFill>
+                  <a:srgbClr val="002060"/>
+                </a:solidFill>
+                <a:latin typeface="+mj-lt"/>
+              </a:rPr>
+              <a:t>In questo test, l’algoritmo si ferma quando la </a:t>
+            </a:r>
+            <a:r>
+              <a:rPr lang="it-IT" sz="2800" b="1" i="1" dirty="0">
+                <a:solidFill>
+                  <a:srgbClr val="C00000"/>
+                </a:solidFill>
+                <a:latin typeface="+mj-lt"/>
+              </a:rPr>
+              <a:t>percentuale di errore</a:t>
+            </a:r>
+            <a:r>
+              <a:rPr lang="it-IT" sz="2800" dirty="0">
+                <a:solidFill>
+                  <a:srgbClr val="002060"/>
+                </a:solidFill>
+                <a:latin typeface="+mj-lt"/>
+              </a:rPr>
+              <a:t> scende al di sotto del valore minimo ammesso. </a:t>
+            </a:r>
+          </a:p>
+        </p:txBody>
+      </p:sp>
+      <p:pic>
+        <p:nvPicPr>
+          <p:cNvPr id="8" name="Immagine 7">
+            <a:extLst>
+              <a:ext uri="{FF2B5EF4-FFF2-40B4-BE49-F238E27FC236}">
+                <a16:creationId xmlns:a16="http://schemas.microsoft.com/office/drawing/2014/main" id="{85D4ADCD-91E9-43A4-A4BE-8677C7FA4CA0}"/>
+              </a:ext>
+            </a:extLst>
+          </p:cNvPr>
+          <p:cNvPicPr>
+            <a:picLocks noChangeAspect="1"/>
+          </p:cNvPicPr>
+          <p:nvPr/>
+        </p:nvPicPr>
+        <p:blipFill>
+          <a:blip r:embed="rId4">
+            <a:extLst>
+              <a:ext uri="{28A0092B-C50C-407E-A947-70E740481C1C}">
+                <a14:useLocalDpi xmlns:a14="http://schemas.microsoft.com/office/drawing/2010/main" val="0"/>
+              </a:ext>
+            </a:extLst>
+          </a:blip>
+          <a:stretch>
+            <a:fillRect/>
+          </a:stretch>
+        </p:blipFill>
+        <p:spPr>
+          <a:xfrm>
+            <a:off x="4495953" y="3649112"/>
+            <a:ext cx="7143272" cy="2876443"/>
+          </a:xfrm>
+          <a:prstGeom prst="rect">
+            <a:avLst/>
+          </a:prstGeom>
+        </p:spPr>
+      </p:pic>
       <p:cxnSp>
         <p:nvCxnSpPr>
-          <p:cNvPr id="7" name="Connettore diritto 6">
-            <a:extLst>
-              <a:ext uri="{FF2B5EF4-FFF2-40B4-BE49-F238E27FC236}">
-                <a16:creationId xmlns:a16="http://schemas.microsoft.com/office/drawing/2014/main" id="{BB904809-0BE3-4F68-85A5-707653C68793}"/>
+          <p:cNvPr id="13" name="Connettore diritto 12">
+            <a:extLst>
+              <a:ext uri="{FF2B5EF4-FFF2-40B4-BE49-F238E27FC236}">
+                <a16:creationId xmlns:a16="http://schemas.microsoft.com/office/drawing/2014/main" id="{4AD2E82D-8EB6-4371-8A73-EA718A046D41}"/>
               </a:ext>
             </a:extLst>
           </p:cNvPr>
@@ -4777,8 +4862,8 @@
         </p:nvCxnSpPr>
         <p:spPr>
           <a:xfrm>
-            <a:off x="744314" y="6321008"/>
-            <a:ext cx="11171461" cy="0"/>
+            <a:off x="742236" y="6554736"/>
+            <a:ext cx="10896989" cy="0"/>
           </a:xfrm>
           <a:prstGeom prst="line">
             <a:avLst/>
@@ -4799,194 +4884,10 @@
           </a:fontRef>
         </p:style>
       </p:cxnSp>
-      <p:sp>
-        <p:nvSpPr>
-          <p:cNvPr id="9" name="CasellaDiTesto 8">
-            <a:extLst>
-              <a:ext uri="{FF2B5EF4-FFF2-40B4-BE49-F238E27FC236}">
-                <a16:creationId xmlns:a16="http://schemas.microsoft.com/office/drawing/2014/main" id="{AF3D50E3-4C50-4CBF-A7B5-F95BAEE71A1F}"/>
-              </a:ext>
-            </a:extLst>
-          </p:cNvPr>
-          <p:cNvSpPr txBox="1"/>
-          <p:nvPr/>
-        </p:nvSpPr>
-        <p:spPr>
-          <a:xfrm>
-            <a:off x="657225" y="1443371"/>
-            <a:ext cx="3790950" cy="4524315"/>
-          </a:xfrm>
-          <a:prstGeom prst="rect">
-            <a:avLst/>
-          </a:prstGeom>
-          <a:noFill/>
-        </p:spPr>
-        <p:txBody>
-          <a:bodyPr wrap="square" rtlCol="0">
-            <a:spAutoFit/>
-          </a:bodyPr>
-          <a:lstStyle/>
-          <a:p>
-            <a:pPr marL="342900" indent="-342900">
-              <a:buFont typeface="Arial" panose="020B0604020202020204" pitchFamily="34" charset="0"/>
-              <a:buChar char="•"/>
-            </a:pPr>
-            <a:r>
-              <a:rPr lang="it-IT" sz="2400" dirty="0">
-                <a:solidFill>
-                  <a:srgbClr val="002060"/>
-                </a:solidFill>
-                <a:latin typeface="+mj-lt"/>
-              </a:rPr>
-              <a:t>Contrariamente a quanto ci aspettavamo la </a:t>
-            </a:r>
-            <a:r>
-              <a:rPr lang="it-IT" sz="2400" i="1" dirty="0">
-                <a:solidFill>
-                  <a:srgbClr val="002060"/>
-                </a:solidFill>
-                <a:latin typeface="+mj-lt"/>
-              </a:rPr>
-              <a:t>precisione</a:t>
-            </a:r>
-            <a:r>
-              <a:rPr lang="it-IT" sz="2400" dirty="0">
-                <a:solidFill>
-                  <a:srgbClr val="002060"/>
-                </a:solidFill>
-                <a:latin typeface="+mj-lt"/>
-              </a:rPr>
-              <a:t> </a:t>
-            </a:r>
-            <a:r>
-              <a:rPr lang="it-IT" sz="2400" dirty="0">
-                <a:solidFill>
-                  <a:srgbClr val="C00000"/>
-                </a:solidFill>
-                <a:latin typeface="+mj-lt"/>
-              </a:rPr>
-              <a:t>non tende a migliorare</a:t>
-            </a:r>
-            <a:r>
-              <a:rPr lang="it-IT" sz="2400" dirty="0">
-                <a:solidFill>
-                  <a:srgbClr val="002060"/>
-                </a:solidFill>
-                <a:latin typeface="+mj-lt"/>
-              </a:rPr>
-              <a:t> all’aumentare del numero di campioni della funzione obiettivo.</a:t>
-            </a:r>
-          </a:p>
-          <a:p>
-            <a:pPr marL="342900" indent="-342900">
-              <a:buFont typeface="Arial" panose="020B0604020202020204" pitchFamily="34" charset="0"/>
-              <a:buChar char="•"/>
-            </a:pPr>
-            <a:r>
-              <a:rPr lang="it-IT" sz="2400" dirty="0">
-                <a:solidFill>
-                  <a:srgbClr val="002060"/>
-                </a:solidFill>
-                <a:latin typeface="+mj-lt"/>
-              </a:rPr>
-              <a:t>Il motivo per il quale invece le prestazioni sono state migliori in presenza di meno campioni è </a:t>
-            </a:r>
-            <a:r>
-              <a:rPr lang="it-IT" sz="2400" dirty="0">
-                <a:solidFill>
-                  <a:srgbClr val="C00000"/>
-                </a:solidFill>
-                <a:latin typeface="+mj-lt"/>
-              </a:rPr>
-              <a:t>la minore definizione</a:t>
-            </a:r>
-            <a:r>
-              <a:rPr lang="it-IT" sz="2400" dirty="0">
-                <a:solidFill>
-                  <a:srgbClr val="002060"/>
-                </a:solidFill>
-                <a:latin typeface="+mj-lt"/>
-              </a:rPr>
-              <a:t> della funzione obiettivo</a:t>
-            </a:r>
-          </a:p>
-        </p:txBody>
-      </p:sp>
-      <p:pic>
-        <p:nvPicPr>
-          <p:cNvPr id="10" name="Segnaposto contenuto 9">
-            <a:extLst>
-              <a:ext uri="{FF2B5EF4-FFF2-40B4-BE49-F238E27FC236}">
-                <a16:creationId xmlns:a16="http://schemas.microsoft.com/office/drawing/2014/main" id="{1A6C89F9-BC8A-4DCE-B7FC-4A143C50E482}"/>
-              </a:ext>
-            </a:extLst>
-          </p:cNvPr>
-          <p:cNvPicPr>
-            <a:picLocks noGrp="1" noChangeAspect="1"/>
-          </p:cNvPicPr>
-          <p:nvPr>
-            <p:ph idx="1"/>
-          </p:nvPr>
-        </p:nvPicPr>
-        <p:blipFill>
-          <a:blip r:embed="rId3">
-            <a:extLst>
-              <a:ext uri="{28A0092B-C50C-407E-A947-70E740481C1C}">
-                <a14:useLocalDpi xmlns:a14="http://schemas.microsoft.com/office/drawing/2010/main" val="0"/>
-              </a:ext>
-            </a:extLst>
-          </a:blip>
-          <a:stretch>
-            <a:fillRect/>
-          </a:stretch>
-        </p:blipFill>
-        <p:spPr>
-          <a:xfrm>
-            <a:off x="4448175" y="1463731"/>
-            <a:ext cx="7467600" cy="2165815"/>
-          </a:xfrm>
-        </p:spPr>
-      </p:pic>
-      <p:pic>
-        <p:nvPicPr>
-          <p:cNvPr id="12" name="Immagine 11">
-            <a:extLst>
-              <a:ext uri="{FF2B5EF4-FFF2-40B4-BE49-F238E27FC236}">
-                <a16:creationId xmlns:a16="http://schemas.microsoft.com/office/drawing/2014/main" id="{87664EE8-AAE4-458B-9EAC-612C8A237E05}"/>
-              </a:ext>
-            </a:extLst>
-          </p:cNvPr>
-          <p:cNvPicPr>
-            <a:picLocks noChangeAspect="1"/>
-          </p:cNvPicPr>
-          <p:nvPr/>
-        </p:nvPicPr>
-        <p:blipFill>
-          <a:blip r:embed="rId4">
-            <a:extLst>
-              <a:ext uri="{28A0092B-C50C-407E-A947-70E740481C1C}">
-                <a14:useLocalDpi xmlns:a14="http://schemas.microsoft.com/office/drawing/2010/main" val="0"/>
-              </a:ext>
-            </a:extLst>
-          </a:blip>
-          <a:stretch>
-            <a:fillRect/>
-          </a:stretch>
-        </p:blipFill>
-        <p:spPr>
-          <a:xfrm>
-            <a:off x="4448175" y="3629546"/>
-            <a:ext cx="7467600" cy="2317997"/>
-          </a:xfrm>
-          <a:prstGeom prst="rect">
-            <a:avLst/>
-          </a:prstGeom>
-        </p:spPr>
-      </p:pic>
     </p:spTree>
     <p:extLst>
       <p:ext uri="{BB962C8B-B14F-4D97-AF65-F5344CB8AC3E}">
-        <p14:creationId xmlns:p14="http://schemas.microsoft.com/office/powerpoint/2010/main" val="540158033"/>
+        <p14:creationId xmlns:p14="http://schemas.microsoft.com/office/powerpoint/2010/main" val="1886510980"/>
       </p:ext>
     </p:extLst>
   </p:cSld>
@@ -5030,10 +4931,10 @@
       </p:grpSpPr>
       <p:sp>
         <p:nvSpPr>
-          <p:cNvPr id="3" name="Segnaposto contenuto 2">
-            <a:extLst>
-              <a:ext uri="{FF2B5EF4-FFF2-40B4-BE49-F238E27FC236}">
-                <a16:creationId xmlns:a16="http://schemas.microsoft.com/office/drawing/2014/main" id="{6124F91B-5F97-43D8-85F8-545DBB74A356}"/>
+          <p:cNvPr id="2" name="Titolo 1">
+            <a:extLst>
+              <a:ext uri="{FF2B5EF4-FFF2-40B4-BE49-F238E27FC236}">
+                <a16:creationId xmlns:a16="http://schemas.microsoft.com/office/drawing/2014/main" id="{AB948457-65FF-44D5-A021-5D953048AF52}"/>
               </a:ext>
             </a:extLst>
           </p:cNvPr>
@@ -5041,149 +4942,48 @@
             <a:spLocks noGrp="1"/>
           </p:cNvSpPr>
           <p:nvPr>
-            <p:ph idx="1"/>
+            <p:ph type="title"/>
           </p:nvPr>
         </p:nvSpPr>
         <p:spPr>
           <a:xfrm>
-            <a:off x="938212" y="1502713"/>
-            <a:ext cx="3672977" cy="4493819"/>
-          </a:xfrm>
-        </p:spPr>
-        <p:txBody>
-          <a:bodyPr>
-            <a:normAutofit/>
-          </a:bodyPr>
+            <a:off x="657225" y="307975"/>
+            <a:ext cx="10515600" cy="1325563"/>
+          </a:xfrm>
+        </p:spPr>
+        <p:txBody>
+          <a:bodyPr/>
           <a:lstStyle/>
           <a:p>
-            <a:pPr marL="0" indent="0">
-              <a:buNone/>
-            </a:pPr>
-            <a:r>
-              <a:rPr lang="it-IT" dirty="0">
+            <a:r>
+              <a:rPr lang="it-IT" b="1" dirty="0">
                 <a:solidFill>
                   <a:srgbClr val="002060"/>
                 </a:solidFill>
-                <a:latin typeface="+mj-lt"/>
-              </a:rPr>
-              <a:t>Valutiamo i risultati  in presenza di un vincolo di disuguaglianza </a:t>
-            </a:r>
-            <a:r>
-              <a:rPr lang="it-IT" b="1" i="1" dirty="0">
-                <a:solidFill>
-                  <a:srgbClr val="C00000"/>
-                </a:solidFill>
-                <a:latin typeface="+mj-lt"/>
-              </a:rPr>
-              <a:t>R ≤ 2Z</a:t>
-            </a:r>
-            <a:r>
-              <a:rPr lang="it-IT" dirty="0">
+                <a:ea typeface="Doulos SIL" panose="02000500070000020004" pitchFamily="2" charset="0"/>
+                <a:cs typeface="Doulos SIL" panose="02000500070000020004" pitchFamily="2" charset="0"/>
+              </a:rPr>
+              <a:t>6. Esperimento: 3D senza vincoli</a:t>
+            </a:r>
+            <a:br>
+              <a:rPr lang="it-IT" b="1" dirty="0">
                 <a:solidFill>
                   <a:srgbClr val="002060"/>
                 </a:solidFill>
-                <a:latin typeface="+mj-lt"/>
-              </a:rPr>
-              <a:t>. </a:t>
-            </a:r>
-            <a:br>
-              <a:rPr lang="it-IT" dirty="0">
-                <a:solidFill>
-                  <a:srgbClr val="002060"/>
-                </a:solidFill>
-                <a:latin typeface="+mj-lt"/>
+                <a:ea typeface="Doulos SIL" panose="02000500070000020004" pitchFamily="2" charset="0"/>
+                <a:cs typeface="Doulos SIL" panose="02000500070000020004" pitchFamily="2" charset="0"/>
               </a:rPr>
             </a:br>
-            <a:r>
-              <a:rPr lang="it-IT" dirty="0">
-                <a:solidFill>
-                  <a:srgbClr val="002060"/>
-                </a:solidFill>
-                <a:latin typeface="+mj-lt"/>
-              </a:rPr>
-              <a:t>Così come ci aspettavamo la percentuale di errore aumenta drasticamente.</a:t>
-            </a:r>
-          </a:p>
-        </p:txBody>
-      </p:sp>
-      <p:pic>
-        <p:nvPicPr>
-          <p:cNvPr id="5" name="Immagine 4">
-            <a:extLst>
-              <a:ext uri="{FF2B5EF4-FFF2-40B4-BE49-F238E27FC236}">
-                <a16:creationId xmlns:a16="http://schemas.microsoft.com/office/drawing/2014/main" id="{00BF9E96-2D50-43BF-A479-21D30323C6AA}"/>
-              </a:ext>
-            </a:extLst>
-          </p:cNvPr>
-          <p:cNvPicPr>
-            <a:picLocks noChangeAspect="1"/>
-          </p:cNvPicPr>
-          <p:nvPr/>
-        </p:nvPicPr>
-        <p:blipFill>
-          <a:blip r:embed="rId3">
-            <a:extLst>
-              <a:ext uri="{28A0092B-C50C-407E-A947-70E740481C1C}">
-                <a14:useLocalDpi xmlns:a14="http://schemas.microsoft.com/office/drawing/2010/main" val="0"/>
-              </a:ext>
-            </a:extLst>
-          </a:blip>
-          <a:stretch>
-            <a:fillRect/>
-          </a:stretch>
-        </p:blipFill>
-        <p:spPr>
-          <a:xfrm>
-            <a:off x="5239415" y="1190812"/>
-            <a:ext cx="6689730" cy="2045111"/>
-          </a:xfrm>
-          <a:prstGeom prst="rect">
-            <a:avLst/>
-          </a:prstGeom>
-        </p:spPr>
-      </p:pic>
-      <p:pic>
-        <p:nvPicPr>
-          <p:cNvPr id="7" name="Immagine 6">
-            <a:extLst>
-              <a:ext uri="{FF2B5EF4-FFF2-40B4-BE49-F238E27FC236}">
-                <a16:creationId xmlns:a16="http://schemas.microsoft.com/office/drawing/2014/main" id="{41A86C1C-1B08-4CD6-A7E0-E58DB123F010}"/>
-              </a:ext>
-            </a:extLst>
-          </p:cNvPr>
-          <p:cNvPicPr>
-            <a:picLocks noChangeAspect="1"/>
-          </p:cNvPicPr>
-          <p:nvPr/>
-        </p:nvPicPr>
-        <p:blipFill>
-          <a:blip r:embed="rId4">
-            <a:extLst>
-              <a:ext uri="{28A0092B-C50C-407E-A947-70E740481C1C}">
-                <a14:useLocalDpi xmlns:a14="http://schemas.microsoft.com/office/drawing/2010/main" val="0"/>
-              </a:ext>
-            </a:extLst>
-          </a:blip>
-          <a:stretch>
-            <a:fillRect/>
-          </a:stretch>
-        </p:blipFill>
-        <p:spPr>
-          <a:xfrm>
-            <a:off x="5239415" y="3121093"/>
-            <a:ext cx="6689730" cy="3178071"/>
-          </a:xfrm>
-          <a:prstGeom prst="rect">
-            <a:avLst/>
-          </a:prstGeom>
-        </p:spPr>
-      </p:pic>
+            <a:endParaRPr lang="it-IT" dirty="0"/>
+          </a:p>
+        </p:txBody>
+      </p:sp>
       <p:cxnSp>
         <p:nvCxnSpPr>
           <p:cNvPr id="6" name="Connettore diritto 5">
             <a:extLst>
               <a:ext uri="{FF2B5EF4-FFF2-40B4-BE49-F238E27FC236}">
-                <a16:creationId xmlns:a16="http://schemas.microsoft.com/office/drawing/2014/main" id="{B55DB0D4-3783-4F5C-AD3E-B5235DE52A3E}"/>
+                <a16:creationId xmlns:a16="http://schemas.microsoft.com/office/drawing/2014/main" id="{330FF7A3-0743-4C2B-958A-0EBFDD59668D}"/>
               </a:ext>
             </a:extLst>
           </p:cNvPr>
@@ -5194,8 +4994,8 @@
         </p:nvCxnSpPr>
         <p:spPr>
           <a:xfrm>
-            <a:off x="938212" y="1133242"/>
-            <a:ext cx="10990933" cy="0"/>
+            <a:off x="804862" y="1133242"/>
+            <a:ext cx="11110913" cy="0"/>
           </a:xfrm>
           <a:prstGeom prst="line">
             <a:avLst/>
@@ -5216,72 +5016,12 @@
           </a:fontRef>
         </p:style>
       </p:cxnSp>
-      <p:sp>
-        <p:nvSpPr>
-          <p:cNvPr id="8" name="Titolo 1">
-            <a:extLst>
-              <a:ext uri="{FF2B5EF4-FFF2-40B4-BE49-F238E27FC236}">
-                <a16:creationId xmlns:a16="http://schemas.microsoft.com/office/drawing/2014/main" id="{96D2AA62-1AF3-4103-8973-45C0203F85D7}"/>
-              </a:ext>
-            </a:extLst>
-          </p:cNvPr>
-          <p:cNvSpPr txBox="1">
-            <a:spLocks/>
-          </p:cNvSpPr>
-          <p:nvPr/>
-        </p:nvSpPr>
-        <p:spPr>
-          <a:xfrm>
-            <a:off x="823910" y="239436"/>
-            <a:ext cx="10199224" cy="1054100"/>
-          </a:xfrm>
-          <a:prstGeom prst="rect">
-            <a:avLst/>
-          </a:prstGeom>
-        </p:spPr>
-        <p:txBody>
-          <a:bodyPr vert="horz" lIns="91440" tIns="45720" rIns="91440" bIns="45720" rtlCol="0" anchor="ctr">
-            <a:normAutofit fontScale="92500"/>
-          </a:bodyPr>
-          <a:lstStyle>
-            <a:lvl1pPr algn="l" defTabSz="914400" rtl="0" eaLnBrk="1" latinLnBrk="0" hangingPunct="1">
-              <a:lnSpc>
-                <a:spcPct val="90000"/>
-              </a:lnSpc>
-              <a:spcBef>
-                <a:spcPct val="0"/>
-              </a:spcBef>
-              <a:buNone/>
-              <a:defRPr sz="4400" kern="1200">
-                <a:solidFill>
-                  <a:schemeClr val="tx1"/>
-                </a:solidFill>
-                <a:latin typeface="+mj-lt"/>
-                <a:ea typeface="+mj-ea"/>
-                <a:cs typeface="+mj-cs"/>
-              </a:defRPr>
-            </a:lvl1pPr>
-          </a:lstStyle>
-          <a:p>
-            <a:r>
-              <a:rPr lang="it-IT" b="1" dirty="0">
-                <a:solidFill>
-                  <a:srgbClr val="002060"/>
-                </a:solidFill>
-                <a:ea typeface="Doulos SIL" panose="02000500070000020004" pitchFamily="2" charset="0"/>
-                <a:cs typeface="Doulos SIL" panose="02000500070000020004" pitchFamily="2" charset="0"/>
-              </a:rPr>
-              <a:t>6. Esperimento: 3D con vincolo di disuguaglianza</a:t>
-            </a:r>
-          </a:p>
-        </p:txBody>
-      </p:sp>
       <p:cxnSp>
         <p:nvCxnSpPr>
-          <p:cNvPr id="9" name="Connettore diritto 8">
-            <a:extLst>
-              <a:ext uri="{FF2B5EF4-FFF2-40B4-BE49-F238E27FC236}">
-                <a16:creationId xmlns:a16="http://schemas.microsoft.com/office/drawing/2014/main" id="{0B514A9B-3468-42BC-8113-7B0794F528BA}"/>
+          <p:cNvPr id="7" name="Connettore diritto 6">
+            <a:extLst>
+              <a:ext uri="{FF2B5EF4-FFF2-40B4-BE49-F238E27FC236}">
+                <a16:creationId xmlns:a16="http://schemas.microsoft.com/office/drawing/2014/main" id="{BB904809-0BE3-4F68-85A5-707653C68793}"/>
               </a:ext>
             </a:extLst>
           </p:cNvPr>
@@ -5292,8 +5032,8 @@
         </p:nvCxnSpPr>
         <p:spPr>
           <a:xfrm>
-            <a:off x="823911" y="6357584"/>
-            <a:ext cx="11105234" cy="0"/>
+            <a:off x="744314" y="6321008"/>
+            <a:ext cx="11171461" cy="0"/>
           </a:xfrm>
           <a:prstGeom prst="line">
             <a:avLst/>
@@ -5314,10 +5054,194 @@
           </a:fontRef>
         </p:style>
       </p:cxnSp>
+      <p:sp>
+        <p:nvSpPr>
+          <p:cNvPr id="9" name="CasellaDiTesto 8">
+            <a:extLst>
+              <a:ext uri="{FF2B5EF4-FFF2-40B4-BE49-F238E27FC236}">
+                <a16:creationId xmlns:a16="http://schemas.microsoft.com/office/drawing/2014/main" id="{AF3D50E3-4C50-4CBF-A7B5-F95BAEE71A1F}"/>
+              </a:ext>
+            </a:extLst>
+          </p:cNvPr>
+          <p:cNvSpPr txBox="1"/>
+          <p:nvPr/>
+        </p:nvSpPr>
+        <p:spPr>
+          <a:xfrm>
+            <a:off x="657225" y="1443371"/>
+            <a:ext cx="3790950" cy="4524315"/>
+          </a:xfrm>
+          <a:prstGeom prst="rect">
+            <a:avLst/>
+          </a:prstGeom>
+          <a:noFill/>
+        </p:spPr>
+        <p:txBody>
+          <a:bodyPr wrap="square" rtlCol="0">
+            <a:spAutoFit/>
+          </a:bodyPr>
+          <a:lstStyle/>
+          <a:p>
+            <a:pPr marL="342900" indent="-342900">
+              <a:buFont typeface="Arial" panose="020B0604020202020204" pitchFamily="34" charset="0"/>
+              <a:buChar char="•"/>
+            </a:pPr>
+            <a:r>
+              <a:rPr lang="it-IT" sz="2400" dirty="0">
+                <a:solidFill>
+                  <a:srgbClr val="002060"/>
+                </a:solidFill>
+                <a:latin typeface="+mj-lt"/>
+              </a:rPr>
+              <a:t>Contrariamente a quanto ci aspettavamo la </a:t>
+            </a:r>
+            <a:r>
+              <a:rPr lang="it-IT" sz="2400" i="1" dirty="0">
+                <a:solidFill>
+                  <a:srgbClr val="002060"/>
+                </a:solidFill>
+                <a:latin typeface="+mj-lt"/>
+              </a:rPr>
+              <a:t>precisione</a:t>
+            </a:r>
+            <a:r>
+              <a:rPr lang="it-IT" sz="2400" dirty="0">
+                <a:solidFill>
+                  <a:srgbClr val="002060"/>
+                </a:solidFill>
+                <a:latin typeface="+mj-lt"/>
+              </a:rPr>
+              <a:t> </a:t>
+            </a:r>
+            <a:r>
+              <a:rPr lang="it-IT" sz="2400" dirty="0">
+                <a:solidFill>
+                  <a:srgbClr val="C00000"/>
+                </a:solidFill>
+                <a:latin typeface="+mj-lt"/>
+              </a:rPr>
+              <a:t>non tende a migliorare</a:t>
+            </a:r>
+            <a:r>
+              <a:rPr lang="it-IT" sz="2400" dirty="0">
+                <a:solidFill>
+                  <a:srgbClr val="002060"/>
+                </a:solidFill>
+                <a:latin typeface="+mj-lt"/>
+              </a:rPr>
+              <a:t> all’aumentare del numero di campioni della funzione obiettivo.</a:t>
+            </a:r>
+          </a:p>
+          <a:p>
+            <a:pPr marL="342900" indent="-342900">
+              <a:buFont typeface="Arial" panose="020B0604020202020204" pitchFamily="34" charset="0"/>
+              <a:buChar char="•"/>
+            </a:pPr>
+            <a:r>
+              <a:rPr lang="it-IT" sz="2400" dirty="0">
+                <a:solidFill>
+                  <a:srgbClr val="002060"/>
+                </a:solidFill>
+                <a:latin typeface="+mj-lt"/>
+              </a:rPr>
+              <a:t>Il motivo per il quale invece le prestazioni sono state migliori in presenza di meno campioni è </a:t>
+            </a:r>
+            <a:r>
+              <a:rPr lang="it-IT" sz="2400" dirty="0">
+                <a:solidFill>
+                  <a:srgbClr val="C00000"/>
+                </a:solidFill>
+                <a:latin typeface="+mj-lt"/>
+              </a:rPr>
+              <a:t>la minore definizione</a:t>
+            </a:r>
+            <a:r>
+              <a:rPr lang="it-IT" sz="2400" dirty="0">
+                <a:solidFill>
+                  <a:srgbClr val="002060"/>
+                </a:solidFill>
+                <a:latin typeface="+mj-lt"/>
+              </a:rPr>
+              <a:t> della funzione obiettivo</a:t>
+            </a:r>
+          </a:p>
+        </p:txBody>
+      </p:sp>
+      <p:pic>
+        <p:nvPicPr>
+          <p:cNvPr id="10" name="Segnaposto contenuto 9">
+            <a:extLst>
+              <a:ext uri="{FF2B5EF4-FFF2-40B4-BE49-F238E27FC236}">
+                <a16:creationId xmlns:a16="http://schemas.microsoft.com/office/drawing/2014/main" id="{1A6C89F9-BC8A-4DCE-B7FC-4A143C50E482}"/>
+              </a:ext>
+            </a:extLst>
+          </p:cNvPr>
+          <p:cNvPicPr>
+            <a:picLocks noGrp="1" noChangeAspect="1"/>
+          </p:cNvPicPr>
+          <p:nvPr>
+            <p:ph idx="1"/>
+          </p:nvPr>
+        </p:nvPicPr>
+        <p:blipFill>
+          <a:blip r:embed="rId3">
+            <a:extLst>
+              <a:ext uri="{28A0092B-C50C-407E-A947-70E740481C1C}">
+                <a14:useLocalDpi xmlns:a14="http://schemas.microsoft.com/office/drawing/2010/main" val="0"/>
+              </a:ext>
+            </a:extLst>
+          </a:blip>
+          <a:stretch>
+            <a:fillRect/>
+          </a:stretch>
+        </p:blipFill>
+        <p:spPr>
+          <a:xfrm>
+            <a:off x="4448175" y="1463731"/>
+            <a:ext cx="7467600" cy="2165815"/>
+          </a:xfrm>
+        </p:spPr>
+      </p:pic>
+      <p:pic>
+        <p:nvPicPr>
+          <p:cNvPr id="12" name="Immagine 11">
+            <a:extLst>
+              <a:ext uri="{FF2B5EF4-FFF2-40B4-BE49-F238E27FC236}">
+                <a16:creationId xmlns:a16="http://schemas.microsoft.com/office/drawing/2014/main" id="{87664EE8-AAE4-458B-9EAC-612C8A237E05}"/>
+              </a:ext>
+            </a:extLst>
+          </p:cNvPr>
+          <p:cNvPicPr>
+            <a:picLocks noChangeAspect="1"/>
+          </p:cNvPicPr>
+          <p:nvPr/>
+        </p:nvPicPr>
+        <p:blipFill>
+          <a:blip r:embed="rId4">
+            <a:extLst>
+              <a:ext uri="{28A0092B-C50C-407E-A947-70E740481C1C}">
+                <a14:useLocalDpi xmlns:a14="http://schemas.microsoft.com/office/drawing/2010/main" val="0"/>
+              </a:ext>
+            </a:extLst>
+          </a:blip>
+          <a:stretch>
+            <a:fillRect/>
+          </a:stretch>
+        </p:blipFill>
+        <p:spPr>
+          <a:xfrm>
+            <a:off x="4448175" y="3629546"/>
+            <a:ext cx="7467600" cy="2317997"/>
+          </a:xfrm>
+          <a:prstGeom prst="rect">
+            <a:avLst/>
+          </a:prstGeom>
+        </p:spPr>
+      </p:pic>
     </p:spTree>
     <p:extLst>
       <p:ext uri="{BB962C8B-B14F-4D97-AF65-F5344CB8AC3E}">
-        <p14:creationId xmlns:p14="http://schemas.microsoft.com/office/powerpoint/2010/main" val="1685683046"/>
+        <p14:creationId xmlns:p14="http://schemas.microsoft.com/office/powerpoint/2010/main" val="540158033"/>
       </p:ext>
     </p:extLst>
   </p:cSld>
@@ -5361,6 +5285,337 @@
       </p:grpSpPr>
       <p:sp>
         <p:nvSpPr>
+          <p:cNvPr id="3" name="Segnaposto contenuto 2">
+            <a:extLst>
+              <a:ext uri="{FF2B5EF4-FFF2-40B4-BE49-F238E27FC236}">
+                <a16:creationId xmlns:a16="http://schemas.microsoft.com/office/drawing/2014/main" id="{6124F91B-5F97-43D8-85F8-545DBB74A356}"/>
+              </a:ext>
+            </a:extLst>
+          </p:cNvPr>
+          <p:cNvSpPr>
+            <a:spLocks noGrp="1"/>
+          </p:cNvSpPr>
+          <p:nvPr>
+            <p:ph idx="1"/>
+          </p:nvPr>
+        </p:nvSpPr>
+        <p:spPr>
+          <a:xfrm>
+            <a:off x="938212" y="1502713"/>
+            <a:ext cx="3672977" cy="4493819"/>
+          </a:xfrm>
+        </p:spPr>
+        <p:txBody>
+          <a:bodyPr>
+            <a:normAutofit/>
+          </a:bodyPr>
+          <a:lstStyle/>
+          <a:p>
+            <a:pPr marL="0" indent="0">
+              <a:buNone/>
+            </a:pPr>
+            <a:r>
+              <a:rPr lang="it-IT" dirty="0">
+                <a:solidFill>
+                  <a:srgbClr val="002060"/>
+                </a:solidFill>
+                <a:latin typeface="+mj-lt"/>
+              </a:rPr>
+              <a:t>Valutiamo i risultati  in presenza di un vincolo di disuguaglianza </a:t>
+            </a:r>
+            <a:r>
+              <a:rPr lang="it-IT" b="1" i="1" dirty="0">
+                <a:solidFill>
+                  <a:srgbClr val="C00000"/>
+                </a:solidFill>
+                <a:latin typeface="+mj-lt"/>
+              </a:rPr>
+              <a:t>R ≤ 2Z</a:t>
+            </a:r>
+            <a:r>
+              <a:rPr lang="it-IT" dirty="0">
+                <a:solidFill>
+                  <a:srgbClr val="002060"/>
+                </a:solidFill>
+                <a:latin typeface="+mj-lt"/>
+              </a:rPr>
+              <a:t>. </a:t>
+            </a:r>
+            <a:br>
+              <a:rPr lang="it-IT" dirty="0">
+                <a:solidFill>
+                  <a:srgbClr val="002060"/>
+                </a:solidFill>
+                <a:latin typeface="+mj-lt"/>
+              </a:rPr>
+            </a:br>
+            <a:r>
+              <a:rPr lang="it-IT" dirty="0">
+                <a:solidFill>
+                  <a:srgbClr val="002060"/>
+                </a:solidFill>
+                <a:latin typeface="+mj-lt"/>
+              </a:rPr>
+              <a:t>Così come ci aspettavamo la percentuale di errore aumenta drasticamente.</a:t>
+            </a:r>
+          </a:p>
+        </p:txBody>
+      </p:sp>
+      <p:pic>
+        <p:nvPicPr>
+          <p:cNvPr id="5" name="Immagine 4">
+            <a:extLst>
+              <a:ext uri="{FF2B5EF4-FFF2-40B4-BE49-F238E27FC236}">
+                <a16:creationId xmlns:a16="http://schemas.microsoft.com/office/drawing/2014/main" id="{00BF9E96-2D50-43BF-A479-21D30323C6AA}"/>
+              </a:ext>
+            </a:extLst>
+          </p:cNvPr>
+          <p:cNvPicPr>
+            <a:picLocks noChangeAspect="1"/>
+          </p:cNvPicPr>
+          <p:nvPr/>
+        </p:nvPicPr>
+        <p:blipFill>
+          <a:blip r:embed="rId3">
+            <a:extLst>
+              <a:ext uri="{28A0092B-C50C-407E-A947-70E740481C1C}">
+                <a14:useLocalDpi xmlns:a14="http://schemas.microsoft.com/office/drawing/2010/main" val="0"/>
+              </a:ext>
+            </a:extLst>
+          </a:blip>
+          <a:stretch>
+            <a:fillRect/>
+          </a:stretch>
+        </p:blipFill>
+        <p:spPr>
+          <a:xfrm>
+            <a:off x="5239415" y="1190812"/>
+            <a:ext cx="6689730" cy="2045111"/>
+          </a:xfrm>
+          <a:prstGeom prst="rect">
+            <a:avLst/>
+          </a:prstGeom>
+        </p:spPr>
+      </p:pic>
+      <p:pic>
+        <p:nvPicPr>
+          <p:cNvPr id="7" name="Immagine 6">
+            <a:extLst>
+              <a:ext uri="{FF2B5EF4-FFF2-40B4-BE49-F238E27FC236}">
+                <a16:creationId xmlns:a16="http://schemas.microsoft.com/office/drawing/2014/main" id="{41A86C1C-1B08-4CD6-A7E0-E58DB123F010}"/>
+              </a:ext>
+            </a:extLst>
+          </p:cNvPr>
+          <p:cNvPicPr>
+            <a:picLocks noChangeAspect="1"/>
+          </p:cNvPicPr>
+          <p:nvPr/>
+        </p:nvPicPr>
+        <p:blipFill>
+          <a:blip r:embed="rId4">
+            <a:extLst>
+              <a:ext uri="{28A0092B-C50C-407E-A947-70E740481C1C}">
+                <a14:useLocalDpi xmlns:a14="http://schemas.microsoft.com/office/drawing/2010/main" val="0"/>
+              </a:ext>
+            </a:extLst>
+          </a:blip>
+          <a:stretch>
+            <a:fillRect/>
+          </a:stretch>
+        </p:blipFill>
+        <p:spPr>
+          <a:xfrm>
+            <a:off x="5239415" y="3121093"/>
+            <a:ext cx="6689730" cy="3178071"/>
+          </a:xfrm>
+          <a:prstGeom prst="rect">
+            <a:avLst/>
+          </a:prstGeom>
+        </p:spPr>
+      </p:pic>
+      <p:cxnSp>
+        <p:nvCxnSpPr>
+          <p:cNvPr id="6" name="Connettore diritto 5">
+            <a:extLst>
+              <a:ext uri="{FF2B5EF4-FFF2-40B4-BE49-F238E27FC236}">
+                <a16:creationId xmlns:a16="http://schemas.microsoft.com/office/drawing/2014/main" id="{B55DB0D4-3783-4F5C-AD3E-B5235DE52A3E}"/>
+              </a:ext>
+            </a:extLst>
+          </p:cNvPr>
+          <p:cNvCxnSpPr>
+            <a:cxnSpLocks/>
+          </p:cNvCxnSpPr>
+          <p:nvPr/>
+        </p:nvCxnSpPr>
+        <p:spPr>
+          <a:xfrm>
+            <a:off x="938212" y="1133242"/>
+            <a:ext cx="10990933" cy="0"/>
+          </a:xfrm>
+          <a:prstGeom prst="line">
+            <a:avLst/>
+          </a:prstGeom>
+        </p:spPr>
+        <p:style>
+          <a:lnRef idx="1">
+            <a:schemeClr val="accent1"/>
+          </a:lnRef>
+          <a:fillRef idx="0">
+            <a:schemeClr val="accent1"/>
+          </a:fillRef>
+          <a:effectRef idx="0">
+            <a:schemeClr val="accent1"/>
+          </a:effectRef>
+          <a:fontRef idx="minor">
+            <a:schemeClr val="tx1"/>
+          </a:fontRef>
+        </p:style>
+      </p:cxnSp>
+      <p:sp>
+        <p:nvSpPr>
+          <p:cNvPr id="8" name="Titolo 1">
+            <a:extLst>
+              <a:ext uri="{FF2B5EF4-FFF2-40B4-BE49-F238E27FC236}">
+                <a16:creationId xmlns:a16="http://schemas.microsoft.com/office/drawing/2014/main" id="{96D2AA62-1AF3-4103-8973-45C0203F85D7}"/>
+              </a:ext>
+            </a:extLst>
+          </p:cNvPr>
+          <p:cNvSpPr txBox="1">
+            <a:spLocks/>
+          </p:cNvSpPr>
+          <p:nvPr/>
+        </p:nvSpPr>
+        <p:spPr>
+          <a:xfrm>
+            <a:off x="823910" y="239436"/>
+            <a:ext cx="10199224" cy="1054100"/>
+          </a:xfrm>
+          <a:prstGeom prst="rect">
+            <a:avLst/>
+          </a:prstGeom>
+        </p:spPr>
+        <p:txBody>
+          <a:bodyPr vert="horz" lIns="91440" tIns="45720" rIns="91440" bIns="45720" rtlCol="0" anchor="ctr">
+            <a:normAutofit fontScale="92500"/>
+          </a:bodyPr>
+          <a:lstStyle>
+            <a:lvl1pPr algn="l" defTabSz="914400" rtl="0" eaLnBrk="1" latinLnBrk="0" hangingPunct="1">
+              <a:lnSpc>
+                <a:spcPct val="90000"/>
+              </a:lnSpc>
+              <a:spcBef>
+                <a:spcPct val="0"/>
+              </a:spcBef>
+              <a:buNone/>
+              <a:defRPr sz="4400" kern="1200">
+                <a:solidFill>
+                  <a:schemeClr val="tx1"/>
+                </a:solidFill>
+                <a:latin typeface="+mj-lt"/>
+                <a:ea typeface="+mj-ea"/>
+                <a:cs typeface="+mj-cs"/>
+              </a:defRPr>
+            </a:lvl1pPr>
+          </a:lstStyle>
+          <a:p>
+            <a:r>
+              <a:rPr lang="it-IT" b="1" dirty="0">
+                <a:solidFill>
+                  <a:srgbClr val="002060"/>
+                </a:solidFill>
+                <a:ea typeface="Doulos SIL" panose="02000500070000020004" pitchFamily="2" charset="0"/>
+                <a:cs typeface="Doulos SIL" panose="02000500070000020004" pitchFamily="2" charset="0"/>
+              </a:rPr>
+              <a:t>6. Esperimento: 3D con vincolo di disuguaglianza</a:t>
+            </a:r>
+          </a:p>
+        </p:txBody>
+      </p:sp>
+      <p:cxnSp>
+        <p:nvCxnSpPr>
+          <p:cNvPr id="9" name="Connettore diritto 8">
+            <a:extLst>
+              <a:ext uri="{FF2B5EF4-FFF2-40B4-BE49-F238E27FC236}">
+                <a16:creationId xmlns:a16="http://schemas.microsoft.com/office/drawing/2014/main" id="{0B514A9B-3468-42BC-8113-7B0794F528BA}"/>
+              </a:ext>
+            </a:extLst>
+          </p:cNvPr>
+          <p:cNvCxnSpPr>
+            <a:cxnSpLocks/>
+          </p:cNvCxnSpPr>
+          <p:nvPr/>
+        </p:nvCxnSpPr>
+        <p:spPr>
+          <a:xfrm>
+            <a:off x="823911" y="6357584"/>
+            <a:ext cx="11105234" cy="0"/>
+          </a:xfrm>
+          <a:prstGeom prst="line">
+            <a:avLst/>
+          </a:prstGeom>
+        </p:spPr>
+        <p:style>
+          <a:lnRef idx="1">
+            <a:schemeClr val="accent1"/>
+          </a:lnRef>
+          <a:fillRef idx="0">
+            <a:schemeClr val="accent1"/>
+          </a:fillRef>
+          <a:effectRef idx="0">
+            <a:schemeClr val="accent1"/>
+          </a:effectRef>
+          <a:fontRef idx="minor">
+            <a:schemeClr val="tx1"/>
+          </a:fontRef>
+        </p:style>
+      </p:cxnSp>
+    </p:spTree>
+    <p:extLst>
+      <p:ext uri="{BB962C8B-B14F-4D97-AF65-F5344CB8AC3E}">
+        <p14:creationId xmlns:p14="http://schemas.microsoft.com/office/powerpoint/2010/main" val="1685683046"/>
+      </p:ext>
+    </p:extLst>
+  </p:cSld>
+  <p:clrMapOvr>
+    <a:masterClrMapping/>
+  </p:clrMapOvr>
+</p:sld>
+</file>
+
+<file path=ppt/slides/slide16.xml><?xml version="1.0" encoding="utf-8"?>
+<p:sld xmlns:a="http://schemas.openxmlformats.org/drawingml/2006/main" xmlns:r="http://schemas.openxmlformats.org/officeDocument/2006/relationships" xmlns:p="http://schemas.openxmlformats.org/presentationml/2006/main">
+  <p:cSld>
+    <p:bg>
+      <p:bgPr>
+        <a:blipFill dpi="0" rotWithShape="1">
+          <a:blip r:embed="rId2">
+            <a:alphaModFix amt="58000"/>
+            <a:lum/>
+          </a:blip>
+          <a:srcRect/>
+          <a:stretch>
+            <a:fillRect l="-3000" r="-3000"/>
+          </a:stretch>
+        </a:blipFill>
+        <a:effectLst/>
+      </p:bgPr>
+    </p:bg>
+    <p:spTree>
+      <p:nvGrpSpPr>
+        <p:cNvPr id="1" name=""/>
+        <p:cNvGrpSpPr/>
+        <p:nvPr/>
+      </p:nvGrpSpPr>
+      <p:grpSpPr>
+        <a:xfrm>
+          <a:off x="0" y="0"/>
+          <a:ext cx="0" cy="0"/>
+          <a:chOff x="0" y="0"/>
+          <a:chExt cx="0" cy="0"/>
+        </a:xfrm>
+      </p:grpSpPr>
+      <p:sp>
+        <p:nvSpPr>
           <p:cNvPr id="2" name="Titolo 1">
             <a:extLst>
               <a:ext uri="{FF2B5EF4-FFF2-40B4-BE49-F238E27FC236}">
@@ -5635,7 +5890,7 @@
 </p:sld>
 </file>
 
-<file path=ppt/slides/slide16.xml><?xml version="1.0" encoding="utf-8"?>
+<file path=ppt/slides/slide17.xml><?xml version="1.0" encoding="utf-8"?>
 <p:sld xmlns:a="http://schemas.openxmlformats.org/drawingml/2006/main" xmlns:r="http://schemas.openxmlformats.org/officeDocument/2006/relationships" xmlns:p="http://schemas.openxmlformats.org/presentationml/2006/main">
   <p:cSld>
     <p:bg>
@@ -7365,8 +7620,8 @@
         </p:nvSpPr>
         <p:spPr>
           <a:xfrm>
-            <a:off x="823911" y="306548"/>
-            <a:ext cx="6667458" cy="1054100"/>
+            <a:off x="823910" y="306548"/>
+            <a:ext cx="6986239" cy="1054100"/>
           </a:xfrm>
           <a:prstGeom prst="rect">
             <a:avLst/>
@@ -7499,6 +7754,535 @@
               <p:cNvPr id="3" name="Segnaposto contenuto 2">
                 <a:extLst>
                   <a:ext uri="{FF2B5EF4-FFF2-40B4-BE49-F238E27FC236}">
+                    <a16:creationId xmlns:a16="http://schemas.microsoft.com/office/drawing/2014/main" id="{8E78F1CB-0898-4124-857B-08801E034C11}"/>
+                  </a:ext>
+                </a:extLst>
+              </p:cNvPr>
+              <p:cNvSpPr>
+                <a:spLocks noGrp="1"/>
+              </p:cNvSpPr>
+              <p:nvPr>
+                <p:ph idx="1"/>
+              </p:nvPr>
+            </p:nvSpPr>
+            <p:spPr>
+              <a:xfrm>
+                <a:off x="851874" y="1335990"/>
+                <a:ext cx="10205622" cy="4866563"/>
+              </a:xfrm>
+            </p:spPr>
+            <p:txBody>
+              <a:bodyPr>
+                <a:normAutofit/>
+              </a:bodyPr>
+              <a:lstStyle/>
+              <a:p>
+                <a:r>
+                  <a:rPr lang="it-IT" dirty="0">
+                    <a:solidFill>
+                      <a:srgbClr val="002060"/>
+                    </a:solidFill>
+                    <a:latin typeface="+mj-lt"/>
+                    <a:ea typeface="Doulos SIL" panose="02000500070000020004" pitchFamily="2" charset="0"/>
+                    <a:cs typeface="Doulos SIL" panose="02000500070000020004" pitchFamily="2" charset="0"/>
+                  </a:rPr>
+                  <a:t>Problema: minimizzare la discrepanza tra il campo magnetico da progettare e quello desiderato: </a:t>
+                </a:r>
+                <a14:m>
+                  <m:oMath xmlns:m="http://schemas.openxmlformats.org/officeDocument/2006/math">
+                    <m:r>
+                      <a:rPr lang="it-IT" b="0" i="0" smtClean="0">
+                        <a:solidFill>
+                          <a:srgbClr val="C00000"/>
+                        </a:solidFill>
+                        <a:latin typeface="Cambria Math" panose="02040503050406030204" pitchFamily="18" charset="0"/>
+                        <a:ea typeface="Doulos SIL" panose="02000500070000020004" pitchFamily="2" charset="0"/>
+                        <a:cs typeface="Doulos SIL" panose="02000500070000020004" pitchFamily="2" charset="0"/>
+                      </a:rPr>
+                      <m:t>|</m:t>
+                    </m:r>
+                    <m:d>
+                      <m:dPr>
+                        <m:begChr m:val="|"/>
+                        <m:endChr m:val="|"/>
+                        <m:ctrlPr>
+                          <a:rPr lang="it-IT" b="0" i="0" smtClean="0">
+                            <a:solidFill>
+                              <a:srgbClr val="C00000"/>
+                            </a:solidFill>
+                            <a:latin typeface="Cambria Math" panose="02040503050406030204" pitchFamily="18" charset="0"/>
+                            <a:ea typeface="Doulos SIL" panose="02000500070000020004" pitchFamily="2" charset="0"/>
+                            <a:cs typeface="Doulos SIL" panose="02000500070000020004" pitchFamily="2" charset="0"/>
+                          </a:rPr>
+                        </m:ctrlPr>
+                      </m:dPr>
+                      <m:e>
+                        <m:sSub>
+                          <m:sSubPr>
+                            <m:ctrlPr>
+                              <a:rPr lang="it-IT" i="1" smtClean="0">
+                                <a:solidFill>
+                                  <a:srgbClr val="C00000"/>
+                                </a:solidFill>
+                                <a:latin typeface="Cambria Math" panose="02040503050406030204" pitchFamily="18" charset="0"/>
+                                <a:ea typeface="Doulos SIL" panose="02000500070000020004" pitchFamily="2" charset="0"/>
+                                <a:cs typeface="Doulos SIL" panose="02000500070000020004" pitchFamily="2" charset="0"/>
+                              </a:rPr>
+                            </m:ctrlPr>
+                          </m:sSubPr>
+                          <m:e>
+                            <m:r>
+                              <a:rPr lang="it-IT" b="0" i="1" smtClean="0">
+                                <a:solidFill>
+                                  <a:srgbClr val="C00000"/>
+                                </a:solidFill>
+                                <a:latin typeface="Cambria Math" panose="02040503050406030204" pitchFamily="18" charset="0"/>
+                                <a:ea typeface="Doulos SIL" panose="02000500070000020004" pitchFamily="2" charset="0"/>
+                                <a:cs typeface="Doulos SIL" panose="02000500070000020004" pitchFamily="2" charset="0"/>
+                              </a:rPr>
+                              <m:t>𝐵</m:t>
+                            </m:r>
+                          </m:e>
+                          <m:sub>
+                            <m:r>
+                              <a:rPr lang="it-IT" b="0" i="1" smtClean="0">
+                                <a:solidFill>
+                                  <a:srgbClr val="C00000"/>
+                                </a:solidFill>
+                                <a:latin typeface="Cambria Math" panose="02040503050406030204" pitchFamily="18" charset="0"/>
+                                <a:ea typeface="Doulos SIL" panose="02000500070000020004" pitchFamily="2" charset="0"/>
+                                <a:cs typeface="Doulos SIL" panose="02000500070000020004" pitchFamily="2" charset="0"/>
+                              </a:rPr>
+                              <m:t>𝑧</m:t>
+                            </m:r>
+                          </m:sub>
+                        </m:sSub>
+                        <m:r>
+                          <a:rPr lang="it-IT" b="0" i="1" smtClean="0">
+                            <a:solidFill>
+                              <a:srgbClr val="C00000"/>
+                            </a:solidFill>
+                            <a:latin typeface="Cambria Math" panose="02040503050406030204" pitchFamily="18" charset="0"/>
+                            <a:ea typeface="Doulos SIL" panose="02000500070000020004" pitchFamily="2" charset="0"/>
+                            <a:cs typeface="Doulos SIL" panose="02000500070000020004" pitchFamily="2" charset="0"/>
+                          </a:rPr>
+                          <m:t>−</m:t>
+                        </m:r>
+                        <m:sSub>
+                          <m:sSubPr>
+                            <m:ctrlPr>
+                              <a:rPr lang="it-IT" b="0" i="1" smtClean="0">
+                                <a:solidFill>
+                                  <a:srgbClr val="C00000"/>
+                                </a:solidFill>
+                                <a:latin typeface="Cambria Math" panose="02040503050406030204" pitchFamily="18" charset="0"/>
+                                <a:ea typeface="Doulos SIL" panose="02000500070000020004" pitchFamily="2" charset="0"/>
+                                <a:cs typeface="Doulos SIL" panose="02000500070000020004" pitchFamily="2" charset="0"/>
+                              </a:rPr>
+                            </m:ctrlPr>
+                          </m:sSubPr>
+                          <m:e>
+                            <m:acc>
+                              <m:accPr>
+                                <m:chr m:val="̃"/>
+                                <m:ctrlPr>
+                                  <a:rPr lang="it-IT" i="1">
+                                    <a:solidFill>
+                                      <a:srgbClr val="C00000"/>
+                                    </a:solidFill>
+                                    <a:latin typeface="Cambria Math" panose="02040503050406030204" pitchFamily="18" charset="0"/>
+                                  </a:rPr>
+                                </m:ctrlPr>
+                              </m:accPr>
+                              <m:e>
+                                <m:r>
+                                  <a:rPr lang="it-IT" i="1">
+                                    <a:solidFill>
+                                      <a:srgbClr val="C00000"/>
+                                    </a:solidFill>
+                                    <a:latin typeface="Cambria Math" panose="02040503050406030204" pitchFamily="18" charset="0"/>
+                                  </a:rPr>
+                                  <m:t>𝐵</m:t>
+                                </m:r>
+                              </m:e>
+                            </m:acc>
+                          </m:e>
+                          <m:sub>
+                            <m:r>
+                              <a:rPr lang="it-IT" b="0" i="1" smtClean="0">
+                                <a:solidFill>
+                                  <a:srgbClr val="C00000"/>
+                                </a:solidFill>
+                                <a:latin typeface="Cambria Math" panose="02040503050406030204" pitchFamily="18" charset="0"/>
+                                <a:ea typeface="Doulos SIL" panose="02000500070000020004" pitchFamily="2" charset="0"/>
+                                <a:cs typeface="Doulos SIL" panose="02000500070000020004" pitchFamily="2" charset="0"/>
+                              </a:rPr>
+                              <m:t>𝑧</m:t>
+                            </m:r>
+                          </m:sub>
+                        </m:sSub>
+                      </m:e>
+                    </m:d>
+                    <m:r>
+                      <a:rPr lang="it-IT" b="0" i="1" smtClean="0">
+                        <a:solidFill>
+                          <a:srgbClr val="C00000"/>
+                        </a:solidFill>
+                        <a:latin typeface="Cambria Math" panose="02040503050406030204" pitchFamily="18" charset="0"/>
+                        <a:ea typeface="Doulos SIL" panose="02000500070000020004" pitchFamily="2" charset="0"/>
+                        <a:cs typeface="Doulos SIL" panose="02000500070000020004" pitchFamily="2" charset="0"/>
+                      </a:rPr>
+                      <m:t>|</m:t>
+                    </m:r>
+                  </m:oMath>
+                </a14:m>
+                <a:endParaRPr lang="it-IT" dirty="0">
+                  <a:solidFill>
+                    <a:srgbClr val="C00000"/>
+                  </a:solidFill>
+                  <a:latin typeface="+mj-lt"/>
+                  <a:ea typeface="Doulos SIL" panose="02000500070000020004" pitchFamily="2" charset="0"/>
+                  <a:cs typeface="Doulos SIL" panose="02000500070000020004" pitchFamily="2" charset="0"/>
+                </a:endParaRPr>
+              </a:p>
+              <a:p>
+                <a:r>
+                  <a:rPr lang="it-IT" dirty="0">
+                    <a:solidFill>
+                      <a:srgbClr val="002060"/>
+                    </a:solidFill>
+                    <a:latin typeface="+mj-lt"/>
+                    <a:ea typeface="Doulos SIL" panose="02000500070000020004" pitchFamily="2" charset="0"/>
+                    <a:cs typeface="Doulos SIL" panose="02000500070000020004" pitchFamily="2" charset="0"/>
+                  </a:rPr>
+                  <a:t>Per la simmetria del problema, i contributi relativi alle spire </a:t>
+                </a:r>
+                <a:r>
+                  <a:rPr lang="it-IT" i="1" dirty="0">
+                    <a:solidFill>
+                      <a:srgbClr val="002060"/>
+                    </a:solidFill>
+                    <a:latin typeface="+mj-lt"/>
+                    <a:ea typeface="Doulos SIL" panose="02000500070000020004" pitchFamily="2" charset="0"/>
+                    <a:cs typeface="Doulos SIL" panose="02000500070000020004" pitchFamily="2" charset="0"/>
+                  </a:rPr>
+                  <a:t>1</a:t>
+                </a:r>
+                <a:r>
+                  <a:rPr lang="it-IT" dirty="0">
+                    <a:solidFill>
+                      <a:srgbClr val="002060"/>
+                    </a:solidFill>
+                    <a:latin typeface="+mj-lt"/>
+                    <a:ea typeface="Doulos SIL" panose="02000500070000020004" pitchFamily="2" charset="0"/>
+                    <a:cs typeface="Doulos SIL" panose="02000500070000020004" pitchFamily="2" charset="0"/>
+                  </a:rPr>
+                  <a:t> e </a:t>
+                </a:r>
+                <a:r>
+                  <a:rPr lang="it-IT" i="1" dirty="0">
+                    <a:solidFill>
+                      <a:srgbClr val="002060"/>
+                    </a:solidFill>
+                    <a:latin typeface="+mj-lt"/>
+                    <a:ea typeface="Doulos SIL" panose="02000500070000020004" pitchFamily="2" charset="0"/>
+                    <a:cs typeface="Doulos SIL" panose="02000500070000020004" pitchFamily="2" charset="0"/>
+                  </a:rPr>
+                  <a:t>3</a:t>
+                </a:r>
+                <a:r>
+                  <a:rPr lang="it-IT" dirty="0">
+                    <a:solidFill>
+                      <a:srgbClr val="002060"/>
+                    </a:solidFill>
+                    <a:latin typeface="+mj-lt"/>
+                    <a:ea typeface="Doulos SIL" panose="02000500070000020004" pitchFamily="2" charset="0"/>
+                    <a:cs typeface="Doulos SIL" panose="02000500070000020004" pitchFamily="2" charset="0"/>
+                  </a:rPr>
+                  <a:t> si annullano a vicenda.</a:t>
+                </a:r>
+              </a:p>
+              <a:p>
+                <a:endParaRPr lang="it-IT" i="1" dirty="0">
+                  <a:solidFill>
+                    <a:srgbClr val="002060"/>
+                  </a:solidFill>
+                  <a:latin typeface="+mj-lt"/>
+                  <a:ea typeface="Doulos SIL" panose="02000500070000020004" pitchFamily="2" charset="0"/>
+                  <a:cs typeface="Doulos SIL" panose="02000500070000020004" pitchFamily="2" charset="0"/>
+                </a:endParaRPr>
+              </a:p>
+            </p:txBody>
+          </p:sp>
+        </mc:Choice>
+        <mc:Fallback>
+          <p:sp>
+            <p:nvSpPr>
+              <p:cNvPr id="3" name="Segnaposto contenuto 2">
+                <a:extLst>
+                  <a:ext uri="{FF2B5EF4-FFF2-40B4-BE49-F238E27FC236}">
+                    <a16:creationId xmlns:a16="http://schemas.microsoft.com/office/drawing/2014/main" id="{8E78F1CB-0898-4124-857B-08801E034C11}"/>
+                  </a:ext>
+                </a:extLst>
+              </p:cNvPr>
+              <p:cNvSpPr>
+                <a:spLocks noGrp="1" noRot="1" noChangeAspect="1" noMove="1" noResize="1" noEditPoints="1" noAdjustHandles="1" noChangeArrowheads="1" noChangeShapeType="1" noTextEdit="1"/>
+              </p:cNvSpPr>
+              <p:nvPr>
+                <p:ph idx="1"/>
+              </p:nvPr>
+            </p:nvSpPr>
+            <p:spPr>
+              <a:xfrm>
+                <a:off x="851874" y="1335990"/>
+                <a:ext cx="10205622" cy="4866563"/>
+              </a:xfrm>
+              <a:blipFill>
+                <a:blip r:embed="rId3"/>
+                <a:stretch>
+                  <a:fillRect l="-1075" t="-2005"/>
+                </a:stretch>
+              </a:blipFill>
+            </p:spPr>
+            <p:txBody>
+              <a:bodyPr/>
+              <a:lstStyle/>
+              <a:p>
+                <a:r>
+                  <a:rPr lang="it-IT">
+                    <a:noFill/>
+                  </a:rPr>
+                  <a:t> </a:t>
+                </a:r>
+              </a:p>
+            </p:txBody>
+          </p:sp>
+        </mc:Fallback>
+      </mc:AlternateContent>
+      <p:cxnSp>
+        <p:nvCxnSpPr>
+          <p:cNvPr id="7" name="Connettore diritto 6">
+            <a:extLst>
+              <a:ext uri="{FF2B5EF4-FFF2-40B4-BE49-F238E27FC236}">
+                <a16:creationId xmlns:a16="http://schemas.microsoft.com/office/drawing/2014/main" id="{A2CCD224-FA33-4053-A5D5-F69F1A0CE68B}"/>
+              </a:ext>
+            </a:extLst>
+          </p:cNvPr>
+          <p:cNvCxnSpPr>
+            <a:cxnSpLocks/>
+          </p:cNvCxnSpPr>
+          <p:nvPr/>
+        </p:nvCxnSpPr>
+        <p:spPr>
+          <a:xfrm>
+            <a:off x="938212" y="1200354"/>
+            <a:ext cx="10301288" cy="0"/>
+          </a:xfrm>
+          <a:prstGeom prst="line">
+            <a:avLst/>
+          </a:prstGeom>
+        </p:spPr>
+        <p:style>
+          <a:lnRef idx="1">
+            <a:schemeClr val="accent1"/>
+          </a:lnRef>
+          <a:fillRef idx="0">
+            <a:schemeClr val="accent1"/>
+          </a:fillRef>
+          <a:effectRef idx="0">
+            <a:schemeClr val="accent1"/>
+          </a:effectRef>
+          <a:fontRef idx="minor">
+            <a:schemeClr val="tx1"/>
+          </a:fontRef>
+        </p:style>
+      </p:cxnSp>
+      <p:sp>
+        <p:nvSpPr>
+          <p:cNvPr id="8" name="Titolo 1">
+            <a:extLst>
+              <a:ext uri="{FF2B5EF4-FFF2-40B4-BE49-F238E27FC236}">
+                <a16:creationId xmlns:a16="http://schemas.microsoft.com/office/drawing/2014/main" id="{F3B3B60C-1094-4F04-A837-AAC8ECA2A354}"/>
+              </a:ext>
+            </a:extLst>
+          </p:cNvPr>
+          <p:cNvSpPr txBox="1">
+            <a:spLocks/>
+          </p:cNvSpPr>
+          <p:nvPr/>
+        </p:nvSpPr>
+        <p:spPr>
+          <a:xfrm>
+            <a:off x="823911" y="306548"/>
+            <a:ext cx="6667458" cy="1054100"/>
+          </a:xfrm>
+          <a:prstGeom prst="rect">
+            <a:avLst/>
+          </a:prstGeom>
+        </p:spPr>
+        <p:txBody>
+          <a:bodyPr vert="horz" lIns="91440" tIns="45720" rIns="91440" bIns="45720" rtlCol="0" anchor="ctr">
+            <a:normAutofit/>
+          </a:bodyPr>
+          <a:lstStyle>
+            <a:lvl1pPr algn="l" defTabSz="914400" rtl="0" eaLnBrk="1" latinLnBrk="0" hangingPunct="1">
+              <a:lnSpc>
+                <a:spcPct val="90000"/>
+              </a:lnSpc>
+              <a:spcBef>
+                <a:spcPct val="0"/>
+              </a:spcBef>
+              <a:buNone/>
+              <a:defRPr sz="4400" kern="1200">
+                <a:solidFill>
+                  <a:schemeClr val="tx1"/>
+                </a:solidFill>
+                <a:latin typeface="+mj-lt"/>
+                <a:ea typeface="+mj-ea"/>
+                <a:cs typeface="+mj-cs"/>
+              </a:defRPr>
+            </a:lvl1pPr>
+          </a:lstStyle>
+          <a:p>
+            <a:r>
+              <a:rPr lang="it-IT" b="1" dirty="0">
+                <a:solidFill>
+                  <a:srgbClr val="002060"/>
+                </a:solidFill>
+                <a:ea typeface="Doulos SIL" panose="02000500070000020004" pitchFamily="2" charset="0"/>
+                <a:cs typeface="Doulos SIL" panose="02000500070000020004" pitchFamily="2" charset="0"/>
+              </a:rPr>
+              <a:t>3. Formulazione matematica</a:t>
+            </a:r>
+          </a:p>
+        </p:txBody>
+      </p:sp>
+      <p:cxnSp>
+        <p:nvCxnSpPr>
+          <p:cNvPr id="9" name="Connettore diritto 8">
+            <a:extLst>
+              <a:ext uri="{FF2B5EF4-FFF2-40B4-BE49-F238E27FC236}">
+                <a16:creationId xmlns:a16="http://schemas.microsoft.com/office/drawing/2014/main" id="{E13D47E6-C857-40DE-A25B-9322EB3C39FC}"/>
+              </a:ext>
+            </a:extLst>
+          </p:cNvPr>
+          <p:cNvCxnSpPr>
+            <a:cxnSpLocks/>
+          </p:cNvCxnSpPr>
+          <p:nvPr/>
+        </p:nvCxnSpPr>
+        <p:spPr>
+          <a:xfrm>
+            <a:off x="823911" y="6362854"/>
+            <a:ext cx="10301288" cy="0"/>
+          </a:xfrm>
+          <a:prstGeom prst="line">
+            <a:avLst/>
+          </a:prstGeom>
+        </p:spPr>
+        <p:style>
+          <a:lnRef idx="1">
+            <a:schemeClr val="accent1"/>
+          </a:lnRef>
+          <a:fillRef idx="0">
+            <a:schemeClr val="accent1"/>
+          </a:fillRef>
+          <a:effectRef idx="0">
+            <a:schemeClr val="accent1"/>
+          </a:effectRef>
+          <a:fontRef idx="minor">
+            <a:schemeClr val="tx1"/>
+          </a:fontRef>
+        </p:style>
+      </p:cxnSp>
+      <p:pic>
+        <p:nvPicPr>
+          <p:cNvPr id="5" name="Immagine 4">
+            <a:extLst>
+              <a:ext uri="{FF2B5EF4-FFF2-40B4-BE49-F238E27FC236}">
+                <a16:creationId xmlns:a16="http://schemas.microsoft.com/office/drawing/2014/main" id="{1FE6AEC3-803F-48E9-90A7-C6BB6A1CD148}"/>
+              </a:ext>
+            </a:extLst>
+          </p:cNvPr>
+          <p:cNvPicPr>
+            <a:picLocks noChangeAspect="1"/>
+          </p:cNvPicPr>
+          <p:nvPr/>
+        </p:nvPicPr>
+        <p:blipFill>
+          <a:blip r:embed="rId4">
+            <a:extLst>
+              <a:ext uri="{28A0092B-C50C-407E-A947-70E740481C1C}">
+                <a14:useLocalDpi xmlns:a14="http://schemas.microsoft.com/office/drawing/2010/main" val="0"/>
+              </a:ext>
+            </a:extLst>
+          </a:blip>
+          <a:stretch>
+            <a:fillRect/>
+          </a:stretch>
+        </p:blipFill>
+        <p:spPr>
+          <a:xfrm>
+            <a:off x="1577947" y="3429000"/>
+            <a:ext cx="8753475" cy="2552700"/>
+          </a:xfrm>
+          <a:prstGeom prst="rect">
+            <a:avLst/>
+          </a:prstGeom>
+        </p:spPr>
+      </p:pic>
+    </p:spTree>
+    <p:extLst>
+      <p:ext uri="{BB962C8B-B14F-4D97-AF65-F5344CB8AC3E}">
+        <p14:creationId xmlns:p14="http://schemas.microsoft.com/office/powerpoint/2010/main" val="3718331201"/>
+      </p:ext>
+    </p:extLst>
+  </p:cSld>
+  <p:clrMapOvr>
+    <a:masterClrMapping/>
+  </p:clrMapOvr>
+</p:sld>
+</file>
+
+<file path=ppt/slides/slide8.xml><?xml version="1.0" encoding="utf-8"?>
+<p:sld xmlns:a="http://schemas.openxmlformats.org/drawingml/2006/main" xmlns:r="http://schemas.openxmlformats.org/officeDocument/2006/relationships" xmlns:p="http://schemas.openxmlformats.org/presentationml/2006/main">
+  <p:cSld>
+    <p:bg>
+      <p:bgPr>
+        <a:blipFill dpi="0" rotWithShape="1">
+          <a:blip r:embed="rId2">
+            <a:alphaModFix amt="58000"/>
+            <a:lum/>
+          </a:blip>
+          <a:srcRect/>
+          <a:stretch>
+            <a:fillRect l="-3000" r="-3000"/>
+          </a:stretch>
+        </a:blipFill>
+        <a:effectLst/>
+      </p:bgPr>
+    </p:bg>
+    <p:spTree>
+      <p:nvGrpSpPr>
+        <p:cNvPr id="1" name=""/>
+        <p:cNvGrpSpPr/>
+        <p:nvPr/>
+      </p:nvGrpSpPr>
+      <p:grpSpPr>
+        <a:xfrm>
+          <a:off x="0" y="0"/>
+          <a:ext cx="0" cy="0"/>
+          <a:chOff x="0" y="0"/>
+          <a:chExt cx="0" cy="0"/>
+        </a:xfrm>
+      </p:grpSpPr>
+      <mc:AlternateContent xmlns:mc="http://schemas.openxmlformats.org/markup-compatibility/2006">
+        <mc:Choice xmlns:a14="http://schemas.microsoft.com/office/drawing/2010/main" Requires="a14">
+          <p:sp>
+            <p:nvSpPr>
+              <p:cNvPr id="3" name="Segnaposto contenuto 2">
+                <a:extLst>
+                  <a:ext uri="{FF2B5EF4-FFF2-40B4-BE49-F238E27FC236}">
                     <a16:creationId xmlns:a16="http://schemas.microsoft.com/office/drawing/2014/main" id="{C319475E-FE82-42AE-BA36-D2EB7E4F9A6E}"/>
                   </a:ext>
                 </a:extLst>
@@ -7521,87 +8305,6 @@
                 <a:normAutofit/>
               </a:bodyPr>
               <a:lstStyle/>
-              <a:p>
-                <a:pPr marL="0" indent="0">
-                  <a:buNone/>
-                </a:pPr>
-                <a:r>
-                  <a:rPr lang="it-IT" sz="2400" dirty="0">
-                    <a:solidFill>
-                      <a:srgbClr val="002060"/>
-                    </a:solidFill>
-                    <a:latin typeface="+mj-lt"/>
-                    <a:ea typeface="Doulos SIL" panose="02000500070000020004" pitchFamily="2" charset="0"/>
-                    <a:cs typeface="Doulos SIL" panose="02000500070000020004" pitchFamily="2" charset="0"/>
-                  </a:rPr>
-                  <a:t>Per la simmetria del problema, i contributi relativi alle spire </a:t>
-                </a:r>
-                <a:r>
-                  <a:rPr lang="it-IT" sz="2400" i="1" dirty="0">
-                    <a:solidFill>
-                      <a:srgbClr val="002060"/>
-                    </a:solidFill>
-                    <a:latin typeface="+mj-lt"/>
-                    <a:ea typeface="Doulos SIL" panose="02000500070000020004" pitchFamily="2" charset="0"/>
-                    <a:cs typeface="Doulos SIL" panose="02000500070000020004" pitchFamily="2" charset="0"/>
-                  </a:rPr>
-                  <a:t>1</a:t>
-                </a:r>
-                <a:r>
-                  <a:rPr lang="it-IT" sz="2400" dirty="0">
-                    <a:solidFill>
-                      <a:srgbClr val="002060"/>
-                    </a:solidFill>
-                    <a:latin typeface="+mj-lt"/>
-                    <a:ea typeface="Doulos SIL" panose="02000500070000020004" pitchFamily="2" charset="0"/>
-                    <a:cs typeface="Doulos SIL" panose="02000500070000020004" pitchFamily="2" charset="0"/>
-                  </a:rPr>
-                  <a:t> e </a:t>
-                </a:r>
-                <a:r>
-                  <a:rPr lang="it-IT" sz="2400" i="1" dirty="0">
-                    <a:solidFill>
-                      <a:srgbClr val="002060"/>
-                    </a:solidFill>
-                    <a:latin typeface="+mj-lt"/>
-                    <a:ea typeface="Doulos SIL" panose="02000500070000020004" pitchFamily="2" charset="0"/>
-                    <a:cs typeface="Doulos SIL" panose="02000500070000020004" pitchFamily="2" charset="0"/>
-                  </a:rPr>
-                  <a:t>3</a:t>
-                </a:r>
-                <a:r>
-                  <a:rPr lang="it-IT" sz="2400" dirty="0">
-                    <a:solidFill>
-                      <a:srgbClr val="002060"/>
-                    </a:solidFill>
-                    <a:latin typeface="+mj-lt"/>
-                    <a:ea typeface="Doulos SIL" panose="02000500070000020004" pitchFamily="2" charset="0"/>
-                    <a:cs typeface="Doulos SIL" panose="02000500070000020004" pitchFamily="2" charset="0"/>
-                  </a:rPr>
-                  <a:t> si annullano a vicenda.</a:t>
-                </a:r>
-                <a:endParaRPr lang="it-IT" sz="2400" i="1" dirty="0">
-                  <a:solidFill>
-                    <a:srgbClr val="002060"/>
-                  </a:solidFill>
-                  <a:latin typeface="+mj-lt"/>
-                  <a:ea typeface="Doulos SIL" panose="02000500070000020004" pitchFamily="2" charset="0"/>
-                  <a:cs typeface="Doulos SIL" panose="02000500070000020004" pitchFamily="2" charset="0"/>
-                </a:endParaRPr>
-              </a:p>
-              <a:p>
-                <a:pPr marL="0" indent="0">
-                  <a:buNone/>
-                </a:pPr>
-                <a:endParaRPr lang="it-IT" sz="2400" dirty="0">
-                  <a:solidFill>
-                    <a:srgbClr val="002060"/>
-                  </a:solidFill>
-                  <a:latin typeface="+mj-lt"/>
-                  <a:ea typeface="Doulos SIL" panose="02000500070000020004" pitchFamily="2" charset="0"/>
-                  <a:cs typeface="Doulos SIL" panose="02000500070000020004" pitchFamily="2" charset="0"/>
-                </a:endParaRPr>
-              </a:p>
               <a:p>
                 <a:pPr marL="0" indent="0">
                   <a:buNone/>
@@ -7875,7 +8578,7 @@
               <a:blipFill>
                 <a:blip r:embed="rId3"/>
                 <a:stretch>
-                  <a:fillRect l="-989" t="-1840" r="-865"/>
+                  <a:fillRect l="-989" t="-1577"/>
                 </a:stretch>
               </a:blipFill>
             </p:spPr>
@@ -7916,7 +8619,7 @@
         </p:blipFill>
         <p:spPr>
           <a:xfrm>
-            <a:off x="1202196" y="4318346"/>
+            <a:off x="1261145" y="3294626"/>
             <a:ext cx="9544718" cy="1939841"/>
           </a:xfrm>
           <a:prstGeom prst="rect">
@@ -8092,7 +8795,7 @@
 </p:sld>
 </file>
 
-<file path=ppt/slides/slide8.xml><?xml version="1.0" encoding="utf-8"?>
+<file path=ppt/slides/slide9.xml><?xml version="1.0" encoding="utf-8"?>
 <p:sld xmlns:a="http://schemas.openxmlformats.org/drawingml/2006/main" xmlns:r="http://schemas.openxmlformats.org/officeDocument/2006/relationships" xmlns:p="http://schemas.openxmlformats.org/presentationml/2006/main">
   <p:cSld>
     <p:bg>
@@ -8432,259 +9135,6 @@
   <p:clrMapOvr>
     <a:masterClrMapping/>
   </p:clrMapOvr>
-</p:sld>
-</file>
-
-<file path=ppt/slides/slide9.xml><?xml version="1.0" encoding="utf-8"?>
-<p:sld xmlns:a="http://schemas.openxmlformats.org/drawingml/2006/main" xmlns:r="http://schemas.openxmlformats.org/officeDocument/2006/relationships" xmlns:p="http://schemas.openxmlformats.org/presentationml/2006/main">
-  <p:cSld>
-    <p:bg>
-      <p:bgPr>
-        <a:blipFill dpi="0" rotWithShape="1">
-          <a:blip r:embed="rId4">
-            <a:alphaModFix amt="58000"/>
-            <a:lum/>
-          </a:blip>
-          <a:srcRect/>
-          <a:stretch>
-            <a:fillRect l="-3000" r="-3000"/>
-          </a:stretch>
-        </a:blipFill>
-        <a:effectLst/>
-      </p:bgPr>
-    </p:bg>
-    <p:spTree>
-      <p:nvGrpSpPr>
-        <p:cNvPr id="1" name=""/>
-        <p:cNvGrpSpPr/>
-        <p:nvPr/>
-      </p:nvGrpSpPr>
-      <p:grpSpPr>
-        <a:xfrm>
-          <a:off x="0" y="0"/>
-          <a:ext cx="0" cy="0"/>
-          <a:chOff x="0" y="0"/>
-          <a:chExt cx="0" cy="0"/>
-        </a:xfrm>
-      </p:grpSpPr>
-      <p:sp>
-        <p:nvSpPr>
-          <p:cNvPr id="2" name="Titolo 1">
-            <a:extLst>
-              <a:ext uri="{FF2B5EF4-FFF2-40B4-BE49-F238E27FC236}">
-                <a16:creationId xmlns:a16="http://schemas.microsoft.com/office/drawing/2014/main" id="{6180F296-6B14-4D8F-930D-0EA59AA4CBB3}"/>
-              </a:ext>
-            </a:extLst>
-          </p:cNvPr>
-          <p:cNvSpPr>
-            <a:spLocks noGrp="1"/>
-          </p:cNvSpPr>
-          <p:nvPr>
-            <p:ph type="title"/>
-          </p:nvPr>
-        </p:nvSpPr>
-        <p:spPr>
-          <a:xfrm>
-            <a:off x="324324" y="17463"/>
-            <a:ext cx="10515600" cy="1325563"/>
-          </a:xfrm>
-        </p:spPr>
-        <p:txBody>
-          <a:bodyPr/>
-          <a:lstStyle/>
-          <a:p>
-            <a:r>
-              <a:rPr lang="it-IT" b="1" dirty="0">
-                <a:solidFill>
-                  <a:srgbClr val="002060"/>
-                </a:solidFill>
-              </a:rPr>
-              <a:t>4. Demo simplesso</a:t>
-            </a:r>
-          </a:p>
-        </p:txBody>
-      </p:sp>
-      <p:pic>
-        <p:nvPicPr>
-          <p:cNvPr id="4" name="test1crop">
-            <a:hlinkClick r:id="" action="ppaction://media"/>
-            <a:extLst>
-              <a:ext uri="{FF2B5EF4-FFF2-40B4-BE49-F238E27FC236}">
-                <a16:creationId xmlns:a16="http://schemas.microsoft.com/office/drawing/2014/main" id="{5D42BEA7-2F83-4397-957C-277DBF658935}"/>
-              </a:ext>
-            </a:extLst>
-          </p:cNvPr>
-          <p:cNvPicPr>
-            <a:picLocks noGrp="1" noChangeAspect="1"/>
-          </p:cNvPicPr>
-          <p:nvPr>
-            <p:ph idx="1"/>
-            <a:videoFile r:link="rId2"/>
-            <p:extLst>
-              <p:ext uri="{DAA4B4D4-6D71-4841-9C94-3DE7FCFB9230}">
-                <p14:media xmlns:p14="http://schemas.microsoft.com/office/powerpoint/2010/main" r:embed="rId1"/>
-              </p:ext>
-            </p:extLst>
-          </p:nvPr>
-        </p:nvPicPr>
-        <p:blipFill>
-          <a:blip r:embed="rId5"/>
-          <a:stretch>
-            <a:fillRect/>
-          </a:stretch>
-        </p:blipFill>
-        <p:spPr>
-          <a:xfrm>
-            <a:off x="324324" y="1343026"/>
-            <a:ext cx="11543352" cy="4618038"/>
-          </a:xfrm>
-        </p:spPr>
-      </p:pic>
-    </p:spTree>
-    <p:extLst>
-      <p:ext uri="{BB962C8B-B14F-4D97-AF65-F5344CB8AC3E}">
-        <p14:creationId xmlns:p14="http://schemas.microsoft.com/office/powerpoint/2010/main" val="3127330751"/>
-      </p:ext>
-    </p:extLst>
-  </p:cSld>
-  <p:clrMapOvr>
-    <a:masterClrMapping/>
-  </p:clrMapOvr>
-  <p:timing>
-    <p:tnLst>
-      <p:par>
-        <p:cTn id="1" dur="indefinite" restart="never" nodeType="tmRoot">
-          <p:childTnLst>
-            <p:seq concurrent="1" nextAc="seek">
-              <p:cTn id="2" dur="indefinite" nodeType="mainSeq">
-                <p:childTnLst>
-                  <p:par>
-                    <p:cTn id="3" fill="hold">
-                      <p:stCondLst>
-                        <p:cond delay="indefinite"/>
-                      </p:stCondLst>
-                      <p:childTnLst>
-                        <p:par>
-                          <p:cTn id="4" fill="hold">
-                            <p:stCondLst>
-                              <p:cond delay="0"/>
-                            </p:stCondLst>
-                            <p:childTnLst>
-                              <p:par>
-                                <p:cTn id="5" presetID="1" presetClass="mediacall" presetSubtype="0" fill="hold" nodeType="clickEffect">
-                                  <p:stCondLst>
-                                    <p:cond delay="0"/>
-                                  </p:stCondLst>
-                                  <p:childTnLst>
-                                    <p:cmd type="call" cmd="playFrom(0.0)">
-                                      <p:cBhvr>
-                                        <p:cTn id="6" dur="23290" fill="hold"/>
-                                        <p:tgtEl>
-                                          <p:spTgt spid="4"/>
-                                        </p:tgtEl>
-                                      </p:cBhvr>
-                                    </p:cmd>
-                                  </p:childTnLst>
-                                </p:cTn>
-                              </p:par>
-                            </p:childTnLst>
-                          </p:cTn>
-                        </p:par>
-                      </p:childTnLst>
-                    </p:cTn>
-                  </p:par>
-                </p:childTnLst>
-              </p:cTn>
-              <p:prevCondLst>
-                <p:cond evt="onPrev" delay="0">
-                  <p:tgtEl>
-                    <p:sldTgt/>
-                  </p:tgtEl>
-                </p:cond>
-              </p:prevCondLst>
-              <p:nextCondLst>
-                <p:cond evt="onNext" delay="0">
-                  <p:tgtEl>
-                    <p:sldTgt/>
-                  </p:tgtEl>
-                </p:cond>
-              </p:nextCondLst>
-            </p:seq>
-            <p:video>
-              <p:cMediaNode vol="80000">
-                <p:cTn id="7" fill="hold" display="0">
-                  <p:stCondLst>
-                    <p:cond delay="indefinite"/>
-                  </p:stCondLst>
-                </p:cTn>
-                <p:tgtEl>
-                  <p:spTgt spid="4"/>
-                </p:tgtEl>
-              </p:cMediaNode>
-            </p:video>
-            <p:seq concurrent="1" nextAc="seek">
-              <p:cTn id="8" restart="whenNotActive" fill="hold" evtFilter="cancelBubble" nodeType="interactiveSeq">
-                <p:stCondLst>
-                  <p:cond evt="onClick" delay="0">
-                    <p:tgtEl>
-                      <p:spTgt spid="4"/>
-                    </p:tgtEl>
-                  </p:cond>
-                </p:stCondLst>
-                <p:endSync evt="end" delay="0">
-                  <p:rtn val="all"/>
-                </p:endSync>
-                <p:childTnLst>
-                  <p:par>
-                    <p:cTn id="9" fill="hold">
-                      <p:stCondLst>
-                        <p:cond delay="0"/>
-                      </p:stCondLst>
-                      <p:childTnLst>
-                        <p:par>
-                          <p:cTn id="10" fill="hold">
-                            <p:stCondLst>
-                              <p:cond delay="0"/>
-                            </p:stCondLst>
-                            <p:childTnLst>
-                              <p:par>
-                                <p:cTn id="11" presetID="2" presetClass="mediacall" presetSubtype="0" fill="hold" nodeType="clickEffect">
-                                  <p:stCondLst>
-                                    <p:cond delay="0"/>
-                                  </p:stCondLst>
-                                  <p:childTnLst>
-                                    <p:cmd type="call" cmd="togglePause">
-                                      <p:cBhvr>
-                                        <p:cTn id="12" dur="1" fill="hold"/>
-                                        <p:tgtEl>
-                                          <p:spTgt spid="4"/>
-                                        </p:tgtEl>
-                                      </p:cBhvr>
-                                    </p:cmd>
-                                  </p:childTnLst>
-                                </p:cTn>
-                              </p:par>
-                            </p:childTnLst>
-                          </p:cTn>
-                        </p:par>
-                      </p:childTnLst>
-                    </p:cTn>
-                  </p:par>
-                </p:childTnLst>
-              </p:cTn>
-              <p:nextCondLst>
-                <p:cond evt="onClick" delay="0">
-                  <p:tgtEl>
-                    <p:spTgt spid="4"/>
-                  </p:tgtEl>
-                </p:cond>
-              </p:nextCondLst>
-            </p:seq>
-          </p:childTnLst>
-        </p:cTn>
-      </p:par>
-    </p:tnLst>
-  </p:timing>
 </p:sld>
 </file>
 

--- a/writeup/Slides.pptx
+++ b/writeup/Slides.pptx
@@ -156,10 +156,10 @@
 <file path=ppt/revisionInfo.xml><?xml version="1.0" encoding="utf-8"?>
 <p1510:revInfo xmlns:a="http://schemas.openxmlformats.org/drawingml/2006/main" xmlns:r="http://schemas.openxmlformats.org/officeDocument/2006/relationships" xmlns:p1510="http://schemas.microsoft.com/office/powerpoint/2015/10/main">
   <p1510:revLst>
+    <p1510:client id="{E9A3E667-E202-6353-A4E7-75F3F84AD1CD}" v="6" dt="2018-11-27T08:41:12.239"/>
     <p1510:client id="{AF234B7E-82A7-444F-B401-35DEC5A5F2CB}" v="86" dt="2018-11-26T21:06:46.933"/>
-    <p1510:client id="{E9A3E667-E202-6353-A4E7-75F3F84AD1CD}" v="6" dt="2018-11-27T08:41:12.239"/>
+    <p1510:client id="{987B40F4-C2A0-FF56-D036-10FC24EEC81B}" v="12" dt="2018-11-27T08:41:27.046"/>
     <p1510:client id="{7DB06895-C1A9-463A-81DF-B0E1BD81AE50}" v="54" dt="2018-11-26T21:06:41.168"/>
-    <p1510:client id="{987B40F4-C2A0-FF56-D036-10FC24EEC81B}" v="12" dt="2018-11-27T08:41:27.046"/>
     <p1510:client id="{F791663E-8F02-4097-8A90-B5990CC7961B}" v="62" dt="2018-11-27T09:06:13.711"/>
   </p1510:revLst>
 </p1510:revInfo>
@@ -312,7 +312,7 @@
           <a:p>
             <a:fld id="{2B996CD7-E6CE-470D-9D9D-A9A816181F09}" type="datetimeFigureOut">
               <a:rPr lang="it-IT" smtClean="0"/>
-              <a:t>30/11/2018</a:t>
+              <a:t>01/12/2018</a:t>
             </a:fld>
             <a:endParaRPr lang="it-IT"/>
           </a:p>
@@ -510,7 +510,7 @@
           <a:p>
             <a:fld id="{2B996CD7-E6CE-470D-9D9D-A9A816181F09}" type="datetimeFigureOut">
               <a:rPr lang="it-IT" smtClean="0"/>
-              <a:t>30/11/2018</a:t>
+              <a:t>01/12/2018</a:t>
             </a:fld>
             <a:endParaRPr lang="it-IT"/>
           </a:p>
@@ -718,7 +718,7 @@
           <a:p>
             <a:fld id="{2B996CD7-E6CE-470D-9D9D-A9A816181F09}" type="datetimeFigureOut">
               <a:rPr lang="it-IT" smtClean="0"/>
-              <a:t>30/11/2018</a:t>
+              <a:t>01/12/2018</a:t>
             </a:fld>
             <a:endParaRPr lang="it-IT"/>
           </a:p>
@@ -916,7 +916,7 @@
           <a:p>
             <a:fld id="{2B996CD7-E6CE-470D-9D9D-A9A816181F09}" type="datetimeFigureOut">
               <a:rPr lang="it-IT" smtClean="0"/>
-              <a:t>30/11/2018</a:t>
+              <a:t>01/12/2018</a:t>
             </a:fld>
             <a:endParaRPr lang="it-IT"/>
           </a:p>
@@ -1191,7 +1191,7 @@
           <a:p>
             <a:fld id="{2B996CD7-E6CE-470D-9D9D-A9A816181F09}" type="datetimeFigureOut">
               <a:rPr lang="it-IT" smtClean="0"/>
-              <a:t>30/11/2018</a:t>
+              <a:t>01/12/2018</a:t>
             </a:fld>
             <a:endParaRPr lang="it-IT"/>
           </a:p>
@@ -1456,7 +1456,7 @@
           <a:p>
             <a:fld id="{2B996CD7-E6CE-470D-9D9D-A9A816181F09}" type="datetimeFigureOut">
               <a:rPr lang="it-IT" smtClean="0"/>
-              <a:t>30/11/2018</a:t>
+              <a:t>01/12/2018</a:t>
             </a:fld>
             <a:endParaRPr lang="it-IT"/>
           </a:p>
@@ -1868,7 +1868,7 @@
           <a:p>
             <a:fld id="{2B996CD7-E6CE-470D-9D9D-A9A816181F09}" type="datetimeFigureOut">
               <a:rPr lang="it-IT" smtClean="0"/>
-              <a:t>30/11/2018</a:t>
+              <a:t>01/12/2018</a:t>
             </a:fld>
             <a:endParaRPr lang="it-IT"/>
           </a:p>
@@ -2009,7 +2009,7 @@
           <a:p>
             <a:fld id="{2B996CD7-E6CE-470D-9D9D-A9A816181F09}" type="datetimeFigureOut">
               <a:rPr lang="it-IT" smtClean="0"/>
-              <a:t>30/11/2018</a:t>
+              <a:t>01/12/2018</a:t>
             </a:fld>
             <a:endParaRPr lang="it-IT"/>
           </a:p>
@@ -2122,7 +2122,7 @@
           <a:p>
             <a:fld id="{2B996CD7-E6CE-470D-9D9D-A9A816181F09}" type="datetimeFigureOut">
               <a:rPr lang="it-IT" smtClean="0"/>
-              <a:t>30/11/2018</a:t>
+              <a:t>01/12/2018</a:t>
             </a:fld>
             <a:endParaRPr lang="it-IT"/>
           </a:p>
@@ -2433,7 +2433,7 @@
           <a:p>
             <a:fld id="{2B996CD7-E6CE-470D-9D9D-A9A816181F09}" type="datetimeFigureOut">
               <a:rPr lang="it-IT" smtClean="0"/>
-              <a:t>30/11/2018</a:t>
+              <a:t>01/12/2018</a:t>
             </a:fld>
             <a:endParaRPr lang="it-IT"/>
           </a:p>
@@ -2721,7 +2721,7 @@
           <a:p>
             <a:fld id="{2B996CD7-E6CE-470D-9D9D-A9A816181F09}" type="datetimeFigureOut">
               <a:rPr lang="it-IT" smtClean="0"/>
-              <a:t>30/11/2018</a:t>
+              <a:t>01/12/2018</a:t>
             </a:fld>
             <a:endParaRPr lang="it-IT"/>
           </a:p>
@@ -2972,7 +2972,7 @@
           <a:p>
             <a:fld id="{2B996CD7-E6CE-470D-9D9D-A9A816181F09}" type="datetimeFigureOut">
               <a:rPr lang="it-IT" smtClean="0"/>
-              <a:t>30/11/2018</a:t>
+              <a:t>01/12/2018</a:t>
             </a:fld>
             <a:endParaRPr lang="it-IT"/>
           </a:p>
@@ -7702,6 +7702,76 @@
           </a:fontRef>
         </p:style>
       </p:cxnSp>
+      <p:sp>
+        <p:nvSpPr>
+          <p:cNvPr id="2" name="CasellaDiTesto 1">
+            <a:extLst>
+              <a:ext uri="{FF2B5EF4-FFF2-40B4-BE49-F238E27FC236}">
+                <a16:creationId xmlns:a16="http://schemas.microsoft.com/office/drawing/2014/main" id="{E7690D83-1D56-427C-AF5F-96A2B0830A3A}"/>
+              </a:ext>
+            </a:extLst>
+          </p:cNvPr>
+          <p:cNvSpPr txBox="1"/>
+          <p:nvPr/>
+        </p:nvSpPr>
+        <p:spPr>
+          <a:xfrm>
+            <a:off x="7963565" y="2579645"/>
+            <a:ext cx="745725" cy="369332"/>
+          </a:xfrm>
+          <a:prstGeom prst="rect">
+            <a:avLst/>
+          </a:prstGeom>
+          <a:noFill/>
+        </p:spPr>
+        <p:txBody>
+          <a:bodyPr wrap="square" rtlCol="0">
+            <a:spAutoFit/>
+          </a:bodyPr>
+          <a:lstStyle/>
+          <a:p>
+            <a:r>
+              <a:rPr lang="it-IT" dirty="0"/>
+              <a:t>(1)</a:t>
+            </a:r>
+          </a:p>
+        </p:txBody>
+      </p:sp>
+      <p:sp>
+        <p:nvSpPr>
+          <p:cNvPr id="5" name="CasellaDiTesto 4">
+            <a:extLst>
+              <a:ext uri="{FF2B5EF4-FFF2-40B4-BE49-F238E27FC236}">
+                <a16:creationId xmlns:a16="http://schemas.microsoft.com/office/drawing/2014/main" id="{8D9222DF-BC95-4E77-B61A-63DB453FFF5E}"/>
+              </a:ext>
+            </a:extLst>
+          </p:cNvPr>
+          <p:cNvSpPr txBox="1"/>
+          <p:nvPr/>
+        </p:nvSpPr>
+        <p:spPr>
+          <a:xfrm>
+            <a:off x="8602462" y="5131293"/>
+            <a:ext cx="523783" cy="369332"/>
+          </a:xfrm>
+          <a:prstGeom prst="rect">
+            <a:avLst/>
+          </a:prstGeom>
+          <a:noFill/>
+        </p:spPr>
+        <p:txBody>
+          <a:bodyPr wrap="square" rtlCol="0">
+            <a:spAutoFit/>
+          </a:bodyPr>
+          <a:lstStyle/>
+          <a:p>
+            <a:r>
+              <a:rPr lang="it-IT" dirty="0"/>
+              <a:t>(2)</a:t>
+            </a:r>
+          </a:p>
+        </p:txBody>
+      </p:sp>
     </p:spTree>
     <p:extLst>
       <p:ext uri="{BB962C8B-B14F-4D97-AF65-F5344CB8AC3E}">
@@ -7747,8 +7817,8 @@
           <a:chExt cx="0" cy="0"/>
         </a:xfrm>
       </p:grpSpPr>
-      <mc:AlternateContent xmlns:mc="http://schemas.openxmlformats.org/markup-compatibility/2006">
-        <mc:Choice xmlns:a14="http://schemas.microsoft.com/office/drawing/2010/main" Requires="a14">
+      <mc:AlternateContent xmlns:mc="http://schemas.openxmlformats.org/markup-compatibility/2006" xmlns:a14="http://schemas.microsoft.com/office/drawing/2010/main">
+        <mc:Choice Requires="a14">
           <p:sp>
             <p:nvSpPr>
               <p:cNvPr id="3" name="Segnaposto contenuto 2">
@@ -7806,7 +7876,7 @@
                         <m:begChr m:val="|"/>
                         <m:endChr m:val="|"/>
                         <m:ctrlPr>
-                          <a:rPr lang="it-IT" b="0" i="0" smtClean="0">
+                          <a:rPr lang="it-IT" b="0" i="1" smtClean="0">
                             <a:solidFill>
                               <a:srgbClr val="C00000"/>
                             </a:solidFill>
@@ -8015,7 +8085,7 @@
             </p:txBody>
           </p:sp>
         </mc:Choice>
-        <mc:Fallback>
+        <mc:Fallback xmlns="">
           <p:sp>
             <p:nvSpPr>
               <p:cNvPr id="3" name="Segnaposto contenuto 2">
@@ -8231,6 +8301,41 @@
           </a:prstGeom>
         </p:spPr>
       </p:pic>
+      <p:sp>
+        <p:nvSpPr>
+          <p:cNvPr id="2" name="CasellaDiTesto 1">
+            <a:extLst>
+              <a:ext uri="{FF2B5EF4-FFF2-40B4-BE49-F238E27FC236}">
+                <a16:creationId xmlns:a16="http://schemas.microsoft.com/office/drawing/2014/main" id="{9A35AF52-3B39-486D-9EE9-5F570BE2EF6E}"/>
+              </a:ext>
+            </a:extLst>
+          </p:cNvPr>
+          <p:cNvSpPr txBox="1"/>
+          <p:nvPr/>
+        </p:nvSpPr>
+        <p:spPr>
+          <a:xfrm>
+            <a:off x="10911163" y="4234649"/>
+            <a:ext cx="509369" cy="369332"/>
+          </a:xfrm>
+          <a:prstGeom prst="rect">
+            <a:avLst/>
+          </a:prstGeom>
+          <a:noFill/>
+        </p:spPr>
+        <p:txBody>
+          <a:bodyPr wrap="square" rtlCol="0">
+            <a:spAutoFit/>
+          </a:bodyPr>
+          <a:lstStyle/>
+          <a:p>
+            <a:r>
+              <a:rPr lang="it-IT" dirty="0"/>
+              <a:t>(3)</a:t>
+            </a:r>
+          </a:p>
+        </p:txBody>
+      </p:sp>
     </p:spTree>
     <p:extLst>
       <p:ext uri="{BB962C8B-B14F-4D97-AF65-F5344CB8AC3E}">
@@ -8276,8 +8381,8 @@
           <a:chExt cx="0" cy="0"/>
         </a:xfrm>
       </p:grpSpPr>
-      <mc:AlternateContent xmlns:mc="http://schemas.openxmlformats.org/markup-compatibility/2006">
-        <mc:Choice xmlns:a14="http://schemas.microsoft.com/office/drawing/2010/main" Requires="a14">
+      <mc:AlternateContent xmlns:mc="http://schemas.openxmlformats.org/markup-compatibility/2006" xmlns:a14="http://schemas.microsoft.com/office/drawing/2010/main">
+        <mc:Choice Requires="a14">
           <p:sp>
             <p:nvSpPr>
               <p:cNvPr id="3" name="Segnaposto contenuto 2">
@@ -8553,7 +8658,7 @@
             </p:txBody>
           </p:sp>
         </mc:Choice>
-        <mc:Fallback>
+        <mc:Fallback xmlns="">
           <p:sp>
             <p:nvSpPr>
               <p:cNvPr id="3" name="Segnaposto contenuto 2">
@@ -8782,6 +8887,41 @@
           </a:fontRef>
         </p:style>
       </p:cxnSp>
+      <p:sp>
+        <p:nvSpPr>
+          <p:cNvPr id="8" name="CasellaDiTesto 7">
+            <a:extLst>
+              <a:ext uri="{FF2B5EF4-FFF2-40B4-BE49-F238E27FC236}">
+                <a16:creationId xmlns:a16="http://schemas.microsoft.com/office/drawing/2014/main" id="{1309C3DD-E8C0-4A39-B76E-58CDCD20FDD3}"/>
+              </a:ext>
+            </a:extLst>
+          </p:cNvPr>
+          <p:cNvSpPr txBox="1"/>
+          <p:nvPr/>
+        </p:nvSpPr>
+        <p:spPr>
+          <a:xfrm>
+            <a:off x="10921125" y="4003807"/>
+            <a:ext cx="636749" cy="369332"/>
+          </a:xfrm>
+          <a:prstGeom prst="rect">
+            <a:avLst/>
+          </a:prstGeom>
+          <a:noFill/>
+        </p:spPr>
+        <p:txBody>
+          <a:bodyPr wrap="square" rtlCol="0">
+            <a:spAutoFit/>
+          </a:bodyPr>
+          <a:lstStyle/>
+          <a:p>
+            <a:r>
+              <a:rPr lang="it-IT" dirty="0"/>
+              <a:t>(4)</a:t>
+            </a:r>
+          </a:p>
+        </p:txBody>
+      </p:sp>
     </p:spTree>
     <p:extLst>
       <p:ext uri="{BB962C8B-B14F-4D97-AF65-F5344CB8AC3E}">

--- a/writeup/Slides.pptx
+++ b/writeup/Slides.pptx
@@ -156,10 +156,10 @@
 <file path=ppt/revisionInfo.xml><?xml version="1.0" encoding="utf-8"?>
 <p1510:revInfo xmlns:a="http://schemas.openxmlformats.org/drawingml/2006/main" xmlns:r="http://schemas.openxmlformats.org/officeDocument/2006/relationships" xmlns:p1510="http://schemas.microsoft.com/office/powerpoint/2015/10/main">
   <p1510:revLst>
+    <p1510:client id="{AF234B7E-82A7-444F-B401-35DEC5A5F2CB}" v="86" dt="2018-11-26T21:06:46.933"/>
     <p1510:client id="{E9A3E667-E202-6353-A4E7-75F3F84AD1CD}" v="6" dt="2018-11-27T08:41:12.239"/>
-    <p1510:client id="{AF234B7E-82A7-444F-B401-35DEC5A5F2CB}" v="86" dt="2018-11-26T21:06:46.933"/>
+    <p1510:client id="{7DB06895-C1A9-463A-81DF-B0E1BD81AE50}" v="54" dt="2018-11-26T21:06:41.168"/>
     <p1510:client id="{987B40F4-C2A0-FF56-D036-10FC24EEC81B}" v="12" dt="2018-11-27T08:41:27.046"/>
-    <p1510:client id="{7DB06895-C1A9-463A-81DF-B0E1BD81AE50}" v="54" dt="2018-11-26T21:06:41.168"/>
     <p1510:client id="{F791663E-8F02-4097-8A90-B5990CC7961B}" v="62" dt="2018-11-27T09:06:13.711"/>
   </p1510:revLst>
 </p1510:revInfo>
@@ -4049,12 +4049,23 @@
             <a:r>
               <a:rPr lang="it-IT" b="1" dirty="0">
                 <a:solidFill>
+                  <a:srgbClr val="C00000"/>
+                </a:solidFill>
+                <a:latin typeface="+mj-lt"/>
+              </a:rPr>
+              <a:t>un metro</a:t>
+            </a:r>
+            <a:r>
+              <a:rPr lang="it-IT" dirty="0">
+                <a:solidFill>
                   <a:srgbClr val="002060"/>
                 </a:solidFill>
                 <a:latin typeface="+mj-lt"/>
               </a:rPr>
-              <a:t>un metro</a:t>
-            </a:r>
+              <a:t>.</a:t>
+            </a:r>
+          </a:p>
+          <a:p>
             <a:r>
               <a:rPr lang="it-IT" dirty="0">
                 <a:solidFill>
@@ -4062,10 +4073,17 @@
                 </a:solidFill>
                 <a:latin typeface="+mj-lt"/>
               </a:rPr>
-              <a:t>.</a:t>
-            </a:r>
-          </a:p>
-          <a:p>
+              <a:t>La massima precisione con la quale l’algoritmo si sposterà nello spazio di ricerca così come i risultati degli esperimenti a seguire è della </a:t>
+            </a:r>
+            <a:r>
+              <a:rPr lang="it-IT" b="1" i="1" dirty="0">
+                <a:solidFill>
+                  <a:srgbClr val="C00000"/>
+                </a:solidFill>
+                <a:latin typeface="+mj-lt"/>
+              </a:rPr>
+              <a:t>terza cifra significativa </a:t>
+            </a:r>
             <a:r>
               <a:rPr lang="it-IT" dirty="0">
                 <a:solidFill>
@@ -4073,28 +4091,19 @@
                 </a:solidFill>
                 <a:latin typeface="+mj-lt"/>
               </a:rPr>
-              <a:t>La massima precisione con la quale l’algoritmo si sposterà nello spazio di ricerca così come i risultati degli esperimenti a seguire è della </a:t>
-            </a:r>
-            <a:r>
-              <a:rPr lang="it-IT" b="1" i="1" dirty="0">
+              <a:t>dopo la virgola.</a:t>
+            </a:r>
+          </a:p>
+          <a:p>
+            <a:r>
+              <a:rPr lang="it-IT" b="1" dirty="0" smtClean="0">
                 <a:solidFill>
                   <a:srgbClr val="C00000"/>
                 </a:solidFill>
                 <a:latin typeface="+mj-lt"/>
               </a:rPr>
-              <a:t>terza cifra significativa </a:t>
-            </a:r>
-            <a:r>
-              <a:rPr lang="it-IT" dirty="0">
-                <a:solidFill>
-                  <a:srgbClr val="002060"/>
-                </a:solidFill>
-                <a:latin typeface="+mj-lt"/>
-              </a:rPr>
-              <a:t>dopo la virgola.</a:t>
-            </a:r>
-          </a:p>
-          <a:p>
+              <a:t>Condizioni </a:t>
+            </a:r>
             <a:r>
               <a:rPr lang="it-IT" b="1" dirty="0">
                 <a:solidFill>
@@ -4102,7 +4111,18 @@
                 </a:solidFill>
                 <a:latin typeface="+mj-lt"/>
               </a:rPr>
-              <a:t>Condizioni di arresto:  </a:t>
+              <a:t>di arresto</a:t>
+            </a:r>
+            <a:r>
+              <a:rPr lang="it-IT" b="1" dirty="0">
+                <a:solidFill>
+                  <a:schemeClr val="accent1">
+                    <a:lumMod val="50000"/>
+                  </a:schemeClr>
+                </a:solidFill>
+                <a:latin typeface="+mj-lt"/>
+              </a:rPr>
+              <a:t>:  </a:t>
             </a:r>
           </a:p>
           <a:p>
@@ -5114,22 +5134,31 @@
               <a:t> </a:t>
             </a:r>
             <a:r>
+              <a:rPr lang="it-IT" sz="2400" b="1" i="1" dirty="0">
+                <a:solidFill>
+                  <a:srgbClr val="C00000"/>
+                </a:solidFill>
+                <a:latin typeface="+mj-lt"/>
+              </a:rPr>
+              <a:t>non tende a migliorare</a:t>
+            </a:r>
+            <a:r>
+              <a:rPr lang="it-IT" sz="2400" b="1" i="1" dirty="0">
+                <a:solidFill>
+                  <a:srgbClr val="002060"/>
+                </a:solidFill>
+                <a:latin typeface="+mj-lt"/>
+              </a:rPr>
+              <a:t> </a:t>
+            </a:r>
+            <a:r>
               <a:rPr lang="it-IT" sz="2400" dirty="0">
                 <a:solidFill>
-                  <a:srgbClr val="C00000"/>
-                </a:solidFill>
-                <a:latin typeface="+mj-lt"/>
-              </a:rPr>
-              <a:t>non tende a migliorare</a:t>
-            </a:r>
-            <a:r>
-              <a:rPr lang="it-IT" sz="2400" dirty="0">
-                <a:solidFill>
                   <a:srgbClr val="002060"/>
                 </a:solidFill>
                 <a:latin typeface="+mj-lt"/>
               </a:rPr>
-              <a:t> all’aumentare del numero di campioni della funzione obiettivo.</a:t>
+              <a:t>all’aumentare del numero di campioni della funzione obiettivo.</a:t>
             </a:r>
           </a:p>
           <a:p>
@@ -5144,26 +5173,68 @@
                 </a:solidFill>
                 <a:latin typeface="+mj-lt"/>
               </a:rPr>
-              <a:t>Il motivo per il quale invece le prestazioni sono state migliori in presenza di meno campioni è </a:t>
+              <a:t>Il motivo per il quale invece le prestazioni sono state migliori in presenza di meno campioni </a:t>
+            </a:r>
+            <a:r>
+              <a:rPr lang="it-IT" sz="2400" dirty="0" smtClean="0">
+                <a:solidFill>
+                  <a:srgbClr val="002060"/>
+                </a:solidFill>
+                <a:latin typeface="+mj-lt"/>
+              </a:rPr>
+              <a:t>è la</a:t>
+            </a:r>
+            <a:r>
+              <a:rPr lang="it-IT" sz="2400" dirty="0" smtClean="0">
+                <a:solidFill>
+                  <a:srgbClr val="C00000"/>
+                </a:solidFill>
+                <a:latin typeface="+mj-lt"/>
+              </a:rPr>
+              <a:t> </a:t>
+            </a:r>
+            <a:r>
+              <a:rPr lang="it-IT" sz="2400" b="1" i="1" dirty="0">
+                <a:solidFill>
+                  <a:srgbClr val="C00000"/>
+                </a:solidFill>
+                <a:latin typeface="+mj-lt"/>
+              </a:rPr>
+              <a:t>minore definizione</a:t>
+            </a:r>
+            <a:r>
+              <a:rPr lang="it-IT" sz="2400" b="1" i="1" dirty="0">
+                <a:solidFill>
+                  <a:srgbClr val="002060"/>
+                </a:solidFill>
+                <a:latin typeface="+mj-lt"/>
+              </a:rPr>
+              <a:t> </a:t>
             </a:r>
             <a:r>
               <a:rPr lang="it-IT" sz="2400" dirty="0">
                 <a:solidFill>
-                  <a:srgbClr val="C00000"/>
-                </a:solidFill>
-                <a:latin typeface="+mj-lt"/>
-              </a:rPr>
-              <a:t>la minore definizione</a:t>
-            </a:r>
-            <a:r>
-              <a:rPr lang="it-IT" sz="2400" dirty="0">
-                <a:solidFill>
                   <a:srgbClr val="002060"/>
                 </a:solidFill>
                 <a:latin typeface="+mj-lt"/>
               </a:rPr>
-              <a:t> della funzione obiettivo</a:t>
-            </a:r>
+              <a:t>della funzione </a:t>
+            </a:r>
+            <a:r>
+              <a:rPr lang="it-IT" sz="2400" dirty="0" smtClean="0">
+                <a:solidFill>
+                  <a:srgbClr val="002060"/>
+                </a:solidFill>
+                <a:latin typeface="+mj-lt"/>
+              </a:rPr>
+              <a:t>obiettivo</a:t>
+            </a:r>
+            <a:endParaRPr lang="it-IT" sz="2400" dirty="0">
+              <a:solidFill>
+                <a:srgbClr val="002060"/>
+              </a:solidFill>
+              <a:latin typeface="+mj-lt"/>
+            </a:endParaRPr>
           </a:p>
         </p:txBody>
       </p:sp>
@@ -9041,6 +9112,17 @@
               </a:rPr>
               <a:t>:</a:t>
             </a:r>
+            <a:r>
+              <a:rPr lang="it-IT" dirty="0">
+                <a:solidFill>
+                  <a:srgbClr val="002060"/>
+                </a:solidFill>
+                <a:latin typeface="+mj-lt"/>
+                <a:ea typeface="Doulos SIL" panose="02000500070000020004" pitchFamily="2" charset="0"/>
+                <a:cs typeface="Doulos SIL" panose="02000500070000020004" pitchFamily="2" charset="0"/>
+              </a:rPr>
+              <a:t/>
+            </a:r>
             <a:br>
               <a:rPr lang="it-IT" dirty="0">
                 <a:solidFill>

--- a/writeup/Slides.pptx
+++ b/writeup/Slides.pptx
@@ -156,10 +156,10 @@
 <file path=ppt/revisionInfo.xml><?xml version="1.0" encoding="utf-8"?>
 <p1510:revInfo xmlns:a="http://schemas.openxmlformats.org/drawingml/2006/main" xmlns:r="http://schemas.openxmlformats.org/officeDocument/2006/relationships" xmlns:p1510="http://schemas.microsoft.com/office/powerpoint/2015/10/main">
   <p1510:revLst>
+    <p1510:client id="{E9A3E667-E202-6353-A4E7-75F3F84AD1CD}" v="6" dt="2018-11-27T08:41:12.239"/>
     <p1510:client id="{AF234B7E-82A7-444F-B401-35DEC5A5F2CB}" v="86" dt="2018-11-26T21:06:46.933"/>
-    <p1510:client id="{E9A3E667-E202-6353-A4E7-75F3F84AD1CD}" v="6" dt="2018-11-27T08:41:12.239"/>
+    <p1510:client id="{987B40F4-C2A0-FF56-D036-10FC24EEC81B}" v="12" dt="2018-11-27T08:41:27.046"/>
     <p1510:client id="{7DB06895-C1A9-463A-81DF-B0E1BD81AE50}" v="54" dt="2018-11-26T21:06:41.168"/>
-    <p1510:client id="{987B40F4-C2A0-FF56-D036-10FC24EEC81B}" v="12" dt="2018-11-27T08:41:27.046"/>
     <p1510:client id="{F791663E-8F02-4097-8A90-B5990CC7961B}" v="62" dt="2018-11-27T09:06:13.711"/>
   </p1510:revLst>
 </p1510:revInfo>
@@ -5218,16 +5218,25 @@
                 </a:solidFill>
                 <a:latin typeface="+mj-lt"/>
               </a:rPr>
-              <a:t>della funzione </a:t>
-            </a:r>
-            <a:r>
-              <a:rPr lang="it-IT" sz="2400" dirty="0" smtClean="0">
+              <a:t>della </a:t>
+            </a:r>
+            <a:r>
+              <a:rPr lang="it-IT" sz="2400">
                 <a:solidFill>
                   <a:srgbClr val="002060"/>
                 </a:solidFill>
                 <a:latin typeface="+mj-lt"/>
               </a:rPr>
-              <a:t>obiettivo</a:t>
+              <a:t>funzione </a:t>
+            </a:r>
+            <a:r>
+              <a:rPr lang="it-IT" sz="2400" smtClean="0">
+                <a:solidFill>
+                  <a:srgbClr val="002060"/>
+                </a:solidFill>
+                <a:latin typeface="+mj-lt"/>
+              </a:rPr>
+              <a:t>obiettivo.</a:t>
             </a:r>
             <a:endParaRPr lang="it-IT" sz="2400" dirty="0">
               <a:solidFill>

--- a/writeup/Slides.pptx
+++ b/writeup/Slides.pptx
@@ -6,22 +6,24 @@
   </p:sldMasterIdLst>
   <p:sldIdLst>
     <p:sldId id="256" r:id="rId2"/>
-    <p:sldId id="273" r:id="rId3"/>
-    <p:sldId id="257" r:id="rId4"/>
-    <p:sldId id="258" r:id="rId5"/>
-    <p:sldId id="259" r:id="rId6"/>
-    <p:sldId id="260" r:id="rId7"/>
-    <p:sldId id="275" r:id="rId8"/>
-    <p:sldId id="262" r:id="rId9"/>
-    <p:sldId id="263" r:id="rId10"/>
-    <p:sldId id="268" r:id="rId11"/>
-    <p:sldId id="271" r:id="rId12"/>
+    <p:sldId id="257" r:id="rId3"/>
+    <p:sldId id="258" r:id="rId4"/>
+    <p:sldId id="259" r:id="rId5"/>
+    <p:sldId id="260" r:id="rId6"/>
+    <p:sldId id="275" r:id="rId7"/>
+    <p:sldId id="262" r:id="rId8"/>
+    <p:sldId id="263" r:id="rId9"/>
+    <p:sldId id="268" r:id="rId10"/>
+    <p:sldId id="271" r:id="rId11"/>
+    <p:sldId id="276" r:id="rId12"/>
     <p:sldId id="269" r:id="rId13"/>
     <p:sldId id="264" r:id="rId14"/>
     <p:sldId id="272" r:id="rId15"/>
     <p:sldId id="265" r:id="rId16"/>
-    <p:sldId id="266" r:id="rId17"/>
-    <p:sldId id="267" r:id="rId18"/>
+    <p:sldId id="278" r:id="rId17"/>
+    <p:sldId id="266" r:id="rId18"/>
+    <p:sldId id="267" r:id="rId19"/>
+    <p:sldId id="277" r:id="rId20"/>
   </p:sldIdLst>
   <p:sldSz cx="12192000" cy="6858000"/>
   <p:notesSz cx="6858000" cy="9144000"/>
@@ -126,7 +128,6 @@
         <p14:section name="Sezione senza titolo" id="{085B98F1-54A5-4822-B696-96F414106BEC}">
           <p14:sldIdLst>
             <p14:sldId id="256"/>
-            <p14:sldId id="273"/>
             <p14:sldId id="257"/>
             <p14:sldId id="258"/>
             <p14:sldId id="259"/>
@@ -136,12 +137,15 @@
             <p14:sldId id="263"/>
             <p14:sldId id="268"/>
             <p14:sldId id="271"/>
+            <p14:sldId id="276"/>
             <p14:sldId id="269"/>
             <p14:sldId id="264"/>
             <p14:sldId id="272"/>
             <p14:sldId id="265"/>
+            <p14:sldId id="278"/>
             <p14:sldId id="266"/>
             <p14:sldId id="267"/>
+            <p14:sldId id="277"/>
           </p14:sldIdLst>
         </p14:section>
       </p14:sectionLst>
@@ -151,18 +155,6 @@
     </p:ext>
   </p:extLst>
 </p:presentation>
-</file>
-
-<file path=ppt/revisionInfo.xml><?xml version="1.0" encoding="utf-8"?>
-<p1510:revInfo xmlns:a="http://schemas.openxmlformats.org/drawingml/2006/main" xmlns:r="http://schemas.openxmlformats.org/officeDocument/2006/relationships" xmlns:p1510="http://schemas.microsoft.com/office/powerpoint/2015/10/main">
-  <p1510:revLst>
-    <p1510:client id="{E9A3E667-E202-6353-A4E7-75F3F84AD1CD}" v="6" dt="2018-11-27T08:41:12.239"/>
-    <p1510:client id="{AF234B7E-82A7-444F-B401-35DEC5A5F2CB}" v="86" dt="2018-11-26T21:06:46.933"/>
-    <p1510:client id="{987B40F4-C2A0-FF56-D036-10FC24EEC81B}" v="12" dt="2018-11-27T08:41:27.046"/>
-    <p1510:client id="{7DB06895-C1A9-463A-81DF-B0E1BD81AE50}" v="54" dt="2018-11-26T21:06:41.168"/>
-    <p1510:client id="{F791663E-8F02-4097-8A90-B5990CC7961B}" v="62" dt="2018-11-27T09:06:13.711"/>
-  </p1510:revLst>
-</p1510:revInfo>
 </file>
 
 <file path=ppt/slideLayouts/slideLayout1.xml><?xml version="1.0" encoding="utf-8"?>
@@ -312,7 +304,7 @@
           <a:p>
             <a:fld id="{2B996CD7-E6CE-470D-9D9D-A9A816181F09}" type="datetimeFigureOut">
               <a:rPr lang="it-IT" smtClean="0"/>
-              <a:t>01/12/2018</a:t>
+              <a:t>02/12/2018</a:t>
             </a:fld>
             <a:endParaRPr lang="it-IT"/>
           </a:p>
@@ -510,7 +502,7 @@
           <a:p>
             <a:fld id="{2B996CD7-E6CE-470D-9D9D-A9A816181F09}" type="datetimeFigureOut">
               <a:rPr lang="it-IT" smtClean="0"/>
-              <a:t>01/12/2018</a:t>
+              <a:t>02/12/2018</a:t>
             </a:fld>
             <a:endParaRPr lang="it-IT"/>
           </a:p>
@@ -718,7 +710,7 @@
           <a:p>
             <a:fld id="{2B996CD7-E6CE-470D-9D9D-A9A816181F09}" type="datetimeFigureOut">
               <a:rPr lang="it-IT" smtClean="0"/>
-              <a:t>01/12/2018</a:t>
+              <a:t>02/12/2018</a:t>
             </a:fld>
             <a:endParaRPr lang="it-IT"/>
           </a:p>
@@ -916,7 +908,7 @@
           <a:p>
             <a:fld id="{2B996CD7-E6CE-470D-9D9D-A9A816181F09}" type="datetimeFigureOut">
               <a:rPr lang="it-IT" smtClean="0"/>
-              <a:t>01/12/2018</a:t>
+              <a:t>02/12/2018</a:t>
             </a:fld>
             <a:endParaRPr lang="it-IT"/>
           </a:p>
@@ -1191,7 +1183,7 @@
           <a:p>
             <a:fld id="{2B996CD7-E6CE-470D-9D9D-A9A816181F09}" type="datetimeFigureOut">
               <a:rPr lang="it-IT" smtClean="0"/>
-              <a:t>01/12/2018</a:t>
+              <a:t>02/12/2018</a:t>
             </a:fld>
             <a:endParaRPr lang="it-IT"/>
           </a:p>
@@ -1456,7 +1448,7 @@
           <a:p>
             <a:fld id="{2B996CD7-E6CE-470D-9D9D-A9A816181F09}" type="datetimeFigureOut">
               <a:rPr lang="it-IT" smtClean="0"/>
-              <a:t>01/12/2018</a:t>
+              <a:t>02/12/2018</a:t>
             </a:fld>
             <a:endParaRPr lang="it-IT"/>
           </a:p>
@@ -1868,7 +1860,7 @@
           <a:p>
             <a:fld id="{2B996CD7-E6CE-470D-9D9D-A9A816181F09}" type="datetimeFigureOut">
               <a:rPr lang="it-IT" smtClean="0"/>
-              <a:t>01/12/2018</a:t>
+              <a:t>02/12/2018</a:t>
             </a:fld>
             <a:endParaRPr lang="it-IT"/>
           </a:p>
@@ -2009,7 +2001,7 @@
           <a:p>
             <a:fld id="{2B996CD7-E6CE-470D-9D9D-A9A816181F09}" type="datetimeFigureOut">
               <a:rPr lang="it-IT" smtClean="0"/>
-              <a:t>01/12/2018</a:t>
+              <a:t>02/12/2018</a:t>
             </a:fld>
             <a:endParaRPr lang="it-IT"/>
           </a:p>
@@ -2122,7 +2114,7 @@
           <a:p>
             <a:fld id="{2B996CD7-E6CE-470D-9D9D-A9A816181F09}" type="datetimeFigureOut">
               <a:rPr lang="it-IT" smtClean="0"/>
-              <a:t>01/12/2018</a:t>
+              <a:t>02/12/2018</a:t>
             </a:fld>
             <a:endParaRPr lang="it-IT"/>
           </a:p>
@@ -2433,7 +2425,7 @@
           <a:p>
             <a:fld id="{2B996CD7-E6CE-470D-9D9D-A9A816181F09}" type="datetimeFigureOut">
               <a:rPr lang="it-IT" smtClean="0"/>
-              <a:t>01/12/2018</a:t>
+              <a:t>02/12/2018</a:t>
             </a:fld>
             <a:endParaRPr lang="it-IT"/>
           </a:p>
@@ -2721,7 +2713,7 @@
           <a:p>
             <a:fld id="{2B996CD7-E6CE-470D-9D9D-A9A816181F09}" type="datetimeFigureOut">
               <a:rPr lang="it-IT" smtClean="0"/>
-              <a:t>01/12/2018</a:t>
+              <a:t>02/12/2018</a:t>
             </a:fld>
             <a:endParaRPr lang="it-IT"/>
           </a:p>
@@ -2972,7 +2964,7 @@
           <a:p>
             <a:fld id="{2B996CD7-E6CE-470D-9D9D-A9A816181F09}" type="datetimeFigureOut">
               <a:rPr lang="it-IT" smtClean="0"/>
-              <a:t>01/12/2018</a:t>
+              <a:t>02/12/2018</a:t>
             </a:fld>
             <a:endParaRPr lang="it-IT"/>
           </a:p>
@@ -3664,7 +3656,7 @@
     <p:bg>
       <p:bgPr>
         <a:blipFill dpi="0" rotWithShape="1">
-          <a:blip r:embed="rId4">
+          <a:blip r:embed="rId2">
             <a:alphaModFix amt="58000"/>
             <a:lum/>
           </a:blip>
@@ -3695,7 +3687,7 @@
           <p:cNvPr id="2" name="Titolo 1">
             <a:extLst>
               <a:ext uri="{FF2B5EF4-FFF2-40B4-BE49-F238E27FC236}">
-                <a16:creationId xmlns:a16="http://schemas.microsoft.com/office/drawing/2014/main" id="{6180F296-6B14-4D8F-930D-0EA59AA4CBB3}"/>
+                <a16:creationId xmlns:a16="http://schemas.microsoft.com/office/drawing/2014/main" id="{0DEA3B08-BC89-4E8B-8F82-1517FAB647BD}"/>
               </a:ext>
             </a:extLst>
           </p:cNvPr>
@@ -3706,12 +3698,7 @@
             <p:ph type="title"/>
           </p:nvPr>
         </p:nvSpPr>
-        <p:spPr>
-          <a:xfrm>
-            <a:off x="324324" y="17463"/>
-            <a:ext cx="10515600" cy="1325563"/>
-          </a:xfrm>
-        </p:spPr>
+        <p:spPr/>
         <p:txBody>
           <a:bodyPr/>
           <a:lstStyle/>
@@ -3722,192 +3709,348 @@
                   <a:srgbClr val="002060"/>
                 </a:solidFill>
               </a:rPr>
-              <a:t>4. Demo simplesso</a:t>
+              <a:t>5. Considerazioni preliminari</a:t>
             </a:r>
           </a:p>
         </p:txBody>
       </p:sp>
-      <p:pic>
-        <p:nvPicPr>
-          <p:cNvPr id="4" name="test1crop">
-            <a:hlinkClick r:id="" action="ppaction://media"/>
-            <a:extLst>
-              <a:ext uri="{FF2B5EF4-FFF2-40B4-BE49-F238E27FC236}">
-                <a16:creationId xmlns:a16="http://schemas.microsoft.com/office/drawing/2014/main" id="{5D42BEA7-2F83-4397-957C-277DBF658935}"/>
-              </a:ext>
-            </a:extLst>
-          </p:cNvPr>
-          <p:cNvPicPr>
-            <a:picLocks noGrp="1" noChangeAspect="1"/>
-          </p:cNvPicPr>
+      <p:sp>
+        <p:nvSpPr>
+          <p:cNvPr id="3" name="Segnaposto contenuto 2">
+            <a:extLst>
+              <a:ext uri="{FF2B5EF4-FFF2-40B4-BE49-F238E27FC236}">
+                <a16:creationId xmlns:a16="http://schemas.microsoft.com/office/drawing/2014/main" id="{20796A1E-54BB-40ED-910E-95CBB951DEF3}"/>
+              </a:ext>
+            </a:extLst>
+          </p:cNvPr>
+          <p:cNvSpPr>
+            <a:spLocks noGrp="1"/>
+          </p:cNvSpPr>
           <p:nvPr>
             <p:ph idx="1"/>
-            <a:videoFile r:link="rId2"/>
-            <p:extLst>
-              <p:ext uri="{DAA4B4D4-6D71-4841-9C94-3DE7FCFB9230}">
-                <p14:media xmlns:p14="http://schemas.microsoft.com/office/powerpoint/2010/main" r:embed="rId1"/>
-              </p:ext>
-            </p:extLst>
           </p:nvPr>
-        </p:nvPicPr>
-        <p:blipFill>
-          <a:blip r:embed="rId5"/>
-          <a:stretch>
-            <a:fillRect/>
-          </a:stretch>
-        </p:blipFill>
-        <p:spPr>
-          <a:xfrm>
-            <a:off x="324324" y="1343026"/>
-            <a:ext cx="11543352" cy="4618038"/>
-          </a:xfrm>
-        </p:spPr>
-      </p:pic>
+        </p:nvSpPr>
+        <p:spPr>
+          <a:xfrm>
+            <a:off x="838199" y="1825625"/>
+            <a:ext cx="10791825" cy="3243524"/>
+          </a:xfrm>
+        </p:spPr>
+        <p:txBody>
+          <a:bodyPr/>
+          <a:lstStyle/>
+          <a:p>
+            <a:r>
+              <a:rPr lang="it-IT" dirty="0">
+                <a:solidFill>
+                  <a:srgbClr val="002060"/>
+                </a:solidFill>
+                <a:latin typeface="+mj-lt"/>
+              </a:rPr>
+              <a:t>Assumeremo </a:t>
+            </a:r>
+            <a:r>
+              <a:rPr lang="it-IT" b="1" i="1" dirty="0">
+                <a:solidFill>
+                  <a:srgbClr val="C00000"/>
+                </a:solidFill>
+                <a:latin typeface="+mj-lt"/>
+              </a:rPr>
+              <a:t>raggio</a:t>
+            </a:r>
+            <a:r>
+              <a:rPr lang="it-IT" dirty="0">
+                <a:solidFill>
+                  <a:srgbClr val="002060"/>
+                </a:solidFill>
+                <a:latin typeface="+mj-lt"/>
+              </a:rPr>
+              <a:t> e </a:t>
+            </a:r>
+            <a:r>
+              <a:rPr lang="it-IT" b="1" i="1" dirty="0">
+                <a:solidFill>
+                  <a:srgbClr val="C00000"/>
+                </a:solidFill>
+                <a:latin typeface="+mj-lt"/>
+              </a:rPr>
+              <a:t>posizione</a:t>
+            </a:r>
+            <a:r>
+              <a:rPr lang="it-IT" dirty="0">
+                <a:solidFill>
+                  <a:srgbClr val="002060"/>
+                </a:solidFill>
+                <a:latin typeface="+mj-lt"/>
+              </a:rPr>
+              <a:t> validi non oltre la lunghezza di </a:t>
+            </a:r>
+            <a:r>
+              <a:rPr lang="it-IT" b="1" dirty="0">
+                <a:solidFill>
+                  <a:srgbClr val="C00000"/>
+                </a:solidFill>
+                <a:latin typeface="+mj-lt"/>
+              </a:rPr>
+              <a:t>un metro</a:t>
+            </a:r>
+            <a:r>
+              <a:rPr lang="it-IT" dirty="0">
+                <a:solidFill>
+                  <a:srgbClr val="002060"/>
+                </a:solidFill>
+                <a:latin typeface="+mj-lt"/>
+              </a:rPr>
+              <a:t>.</a:t>
+            </a:r>
+          </a:p>
+          <a:p>
+            <a:r>
+              <a:rPr lang="it-IT" dirty="0">
+                <a:solidFill>
+                  <a:srgbClr val="002060"/>
+                </a:solidFill>
+                <a:latin typeface="+mj-lt"/>
+              </a:rPr>
+              <a:t>La massima precisione con la quale l’algoritmo si sposterà nello spazio di ricerca così come i risultati degli esperimenti a seguire è della </a:t>
+            </a:r>
+            <a:r>
+              <a:rPr lang="it-IT" b="1" i="1" dirty="0">
+                <a:solidFill>
+                  <a:srgbClr val="C00000"/>
+                </a:solidFill>
+                <a:latin typeface="+mj-lt"/>
+              </a:rPr>
+              <a:t>terza cifra significativa </a:t>
+            </a:r>
+            <a:r>
+              <a:rPr lang="it-IT" dirty="0">
+                <a:solidFill>
+                  <a:srgbClr val="002060"/>
+                </a:solidFill>
+                <a:latin typeface="+mj-lt"/>
+              </a:rPr>
+              <a:t>dopo la virgola.</a:t>
+            </a:r>
+          </a:p>
+          <a:p>
+            <a:r>
+              <a:rPr lang="it-IT" b="1" dirty="0">
+                <a:solidFill>
+                  <a:srgbClr val="C00000"/>
+                </a:solidFill>
+                <a:latin typeface="+mj-lt"/>
+              </a:rPr>
+              <a:t>Condizioni di arresto</a:t>
+            </a:r>
+            <a:r>
+              <a:rPr lang="it-IT" b="1" dirty="0">
+                <a:solidFill>
+                  <a:schemeClr val="accent1">
+                    <a:lumMod val="50000"/>
+                  </a:schemeClr>
+                </a:solidFill>
+                <a:latin typeface="+mj-lt"/>
+              </a:rPr>
+              <a:t>:  </a:t>
+            </a:r>
+          </a:p>
+          <a:p>
+            <a:pPr marL="0" indent="0">
+              <a:buNone/>
+            </a:pPr>
+            <a:endParaRPr lang="it-IT" b="1" dirty="0">
+              <a:solidFill>
+                <a:srgbClr val="C00000"/>
+              </a:solidFill>
+              <a:latin typeface="+mj-lt"/>
+            </a:endParaRPr>
+          </a:p>
+          <a:p>
+            <a:endParaRPr lang="it-IT" dirty="0">
+              <a:solidFill>
+                <a:srgbClr val="002060"/>
+              </a:solidFill>
+              <a:latin typeface="+mj-lt"/>
+            </a:endParaRPr>
+          </a:p>
+        </p:txBody>
+      </p:sp>
+      <p:sp>
+        <p:nvSpPr>
+          <p:cNvPr id="4" name="CasellaDiTesto 3">
+            <a:extLst>
+              <a:ext uri="{FF2B5EF4-FFF2-40B4-BE49-F238E27FC236}">
+                <a16:creationId xmlns:a16="http://schemas.microsoft.com/office/drawing/2014/main" id="{BFBD37E8-D4D6-445A-8EF0-C5B53A72A415}"/>
+              </a:ext>
+            </a:extLst>
+          </p:cNvPr>
+          <p:cNvSpPr txBox="1"/>
+          <p:nvPr/>
+        </p:nvSpPr>
+        <p:spPr>
+          <a:xfrm>
+            <a:off x="4248797" y="3616881"/>
+            <a:ext cx="5715000" cy="1384995"/>
+          </a:xfrm>
+          <a:prstGeom prst="rect">
+            <a:avLst/>
+          </a:prstGeom>
+          <a:noFill/>
+        </p:spPr>
+        <p:txBody>
+          <a:bodyPr wrap="square" rtlCol="0">
+            <a:spAutoFit/>
+          </a:bodyPr>
+          <a:lstStyle/>
+          <a:p>
+            <a:pPr marL="285750" indent="-285750">
+              <a:buFont typeface="Arial" panose="020B0604020202020204" pitchFamily="34" charset="0"/>
+              <a:buChar char="•"/>
+            </a:pPr>
+            <a:r>
+              <a:rPr lang="it-IT" sz="2800" dirty="0">
+                <a:solidFill>
+                  <a:srgbClr val="002060"/>
+                </a:solidFill>
+                <a:latin typeface="+mj-lt"/>
+              </a:rPr>
+              <a:t>Lunghezza minima del simplesso</a:t>
+            </a:r>
+          </a:p>
+          <a:p>
+            <a:pPr marL="285750" indent="-285750">
+              <a:buFont typeface="Arial" panose="020B0604020202020204" pitchFamily="34" charset="0"/>
+              <a:buChar char="•"/>
+            </a:pPr>
+            <a:r>
+              <a:rPr lang="it-IT" sz="2800" dirty="0">
+                <a:solidFill>
+                  <a:srgbClr val="002060"/>
+                </a:solidFill>
+                <a:latin typeface="+mj-lt"/>
+              </a:rPr>
+              <a:t>Massima percentuale di errore</a:t>
+            </a:r>
+          </a:p>
+          <a:p>
+            <a:pPr marL="285750" indent="-285750">
+              <a:buFont typeface="Arial" panose="020B0604020202020204" pitchFamily="34" charset="0"/>
+              <a:buChar char="•"/>
+            </a:pPr>
+            <a:r>
+              <a:rPr lang="it-IT" sz="2800" dirty="0">
+                <a:solidFill>
+                  <a:srgbClr val="002060"/>
+                </a:solidFill>
+                <a:latin typeface="+mj-lt"/>
+              </a:rPr>
+              <a:t>Numero massimo di </a:t>
+            </a:r>
+            <a:r>
+              <a:rPr lang="it-IT" sz="2800" dirty="0" err="1">
+                <a:solidFill>
+                  <a:srgbClr val="002060"/>
+                </a:solidFill>
+                <a:latin typeface="+mj-lt"/>
+              </a:rPr>
+              <a:t>flips</a:t>
+            </a:r>
+            <a:endParaRPr lang="it-IT" sz="2800" dirty="0">
+              <a:solidFill>
+                <a:srgbClr val="002060"/>
+              </a:solidFill>
+              <a:latin typeface="+mj-lt"/>
+            </a:endParaRPr>
+          </a:p>
+        </p:txBody>
+      </p:sp>
+      <p:cxnSp>
+        <p:nvCxnSpPr>
+          <p:cNvPr id="5" name="Connettore diritto 4">
+            <a:extLst>
+              <a:ext uri="{FF2B5EF4-FFF2-40B4-BE49-F238E27FC236}">
+                <a16:creationId xmlns:a16="http://schemas.microsoft.com/office/drawing/2014/main" id="{878F07D6-3A8B-42FC-A1EE-9FFA4FA1D40D}"/>
+              </a:ext>
+            </a:extLst>
+          </p:cNvPr>
+          <p:cNvCxnSpPr>
+            <a:cxnSpLocks/>
+          </p:cNvCxnSpPr>
+          <p:nvPr/>
+        </p:nvCxnSpPr>
+        <p:spPr>
+          <a:xfrm>
+            <a:off x="945356" y="1385534"/>
+            <a:ext cx="10301288" cy="0"/>
+          </a:xfrm>
+          <a:prstGeom prst="line">
+            <a:avLst/>
+          </a:prstGeom>
+        </p:spPr>
+        <p:style>
+          <a:lnRef idx="1">
+            <a:schemeClr val="accent1"/>
+          </a:lnRef>
+          <a:fillRef idx="0">
+            <a:schemeClr val="accent1"/>
+          </a:fillRef>
+          <a:effectRef idx="0">
+            <a:schemeClr val="accent1"/>
+          </a:effectRef>
+          <a:fontRef idx="minor">
+            <a:schemeClr val="tx1"/>
+          </a:fontRef>
+        </p:style>
+      </p:cxnSp>
+      <p:cxnSp>
+        <p:nvCxnSpPr>
+          <p:cNvPr id="6" name="Connettore diritto 5">
+            <a:extLst>
+              <a:ext uri="{FF2B5EF4-FFF2-40B4-BE49-F238E27FC236}">
+                <a16:creationId xmlns:a16="http://schemas.microsoft.com/office/drawing/2014/main" id="{546DB05B-E0E9-4250-97C9-6143833B2922}"/>
+              </a:ext>
+            </a:extLst>
+          </p:cNvPr>
+          <p:cNvCxnSpPr>
+            <a:cxnSpLocks/>
+          </p:cNvCxnSpPr>
+          <p:nvPr/>
+        </p:nvCxnSpPr>
+        <p:spPr>
+          <a:xfrm>
+            <a:off x="945356" y="6433784"/>
+            <a:ext cx="10301288" cy="0"/>
+          </a:xfrm>
+          <a:prstGeom prst="line">
+            <a:avLst/>
+          </a:prstGeom>
+        </p:spPr>
+        <p:style>
+          <a:lnRef idx="1">
+            <a:schemeClr val="accent1"/>
+          </a:lnRef>
+          <a:fillRef idx="0">
+            <a:schemeClr val="accent1"/>
+          </a:fillRef>
+          <a:effectRef idx="0">
+            <a:schemeClr val="accent1"/>
+          </a:effectRef>
+          <a:fontRef idx="minor">
+            <a:schemeClr val="tx1"/>
+          </a:fontRef>
+        </p:style>
+      </p:cxnSp>
     </p:spTree>
     <p:extLst>
       <p:ext uri="{BB962C8B-B14F-4D97-AF65-F5344CB8AC3E}">
-        <p14:creationId xmlns:p14="http://schemas.microsoft.com/office/powerpoint/2010/main" val="3127330751"/>
+        <p14:creationId xmlns:p14="http://schemas.microsoft.com/office/powerpoint/2010/main" val="1684565844"/>
       </p:ext>
     </p:extLst>
   </p:cSld>
   <p:clrMapOvr>
     <a:masterClrMapping/>
   </p:clrMapOvr>
-  <p:timing>
-    <p:tnLst>
-      <p:par>
-        <p:cTn id="1" dur="indefinite" restart="never" nodeType="tmRoot">
-          <p:childTnLst>
-            <p:seq concurrent="1" nextAc="seek">
-              <p:cTn id="2" dur="indefinite" nodeType="mainSeq">
-                <p:childTnLst>
-                  <p:par>
-                    <p:cTn id="3" fill="hold">
-                      <p:stCondLst>
-                        <p:cond delay="indefinite"/>
-                      </p:stCondLst>
-                      <p:childTnLst>
-                        <p:par>
-                          <p:cTn id="4" fill="hold">
-                            <p:stCondLst>
-                              <p:cond delay="0"/>
-                            </p:stCondLst>
-                            <p:childTnLst>
-                              <p:par>
-                                <p:cTn id="5" presetID="1" presetClass="mediacall" presetSubtype="0" fill="hold" nodeType="clickEffect">
-                                  <p:stCondLst>
-                                    <p:cond delay="0"/>
-                                  </p:stCondLst>
-                                  <p:childTnLst>
-                                    <p:cmd type="call" cmd="playFrom(0.0)">
-                                      <p:cBhvr>
-                                        <p:cTn id="6" dur="23290" fill="hold"/>
-                                        <p:tgtEl>
-                                          <p:spTgt spid="4"/>
-                                        </p:tgtEl>
-                                      </p:cBhvr>
-                                    </p:cmd>
-                                  </p:childTnLst>
-                                </p:cTn>
-                              </p:par>
-                            </p:childTnLst>
-                          </p:cTn>
-                        </p:par>
-                      </p:childTnLst>
-                    </p:cTn>
-                  </p:par>
-                </p:childTnLst>
-              </p:cTn>
-              <p:prevCondLst>
-                <p:cond evt="onPrev" delay="0">
-                  <p:tgtEl>
-                    <p:sldTgt/>
-                  </p:tgtEl>
-                </p:cond>
-              </p:prevCondLst>
-              <p:nextCondLst>
-                <p:cond evt="onNext" delay="0">
-                  <p:tgtEl>
-                    <p:sldTgt/>
-                  </p:tgtEl>
-                </p:cond>
-              </p:nextCondLst>
-            </p:seq>
-            <p:video>
-              <p:cMediaNode vol="80000">
-                <p:cTn id="7" fill="hold" display="0">
-                  <p:stCondLst>
-                    <p:cond delay="indefinite"/>
-                  </p:stCondLst>
-                </p:cTn>
-                <p:tgtEl>
-                  <p:spTgt spid="4"/>
-                </p:tgtEl>
-              </p:cMediaNode>
-            </p:video>
-            <p:seq concurrent="1" nextAc="seek">
-              <p:cTn id="8" restart="whenNotActive" fill="hold" evtFilter="cancelBubble" nodeType="interactiveSeq">
-                <p:stCondLst>
-                  <p:cond evt="onClick" delay="0">
-                    <p:tgtEl>
-                      <p:spTgt spid="4"/>
-                    </p:tgtEl>
-                  </p:cond>
-                </p:stCondLst>
-                <p:endSync evt="end" delay="0">
-                  <p:rtn val="all"/>
-                </p:endSync>
-                <p:childTnLst>
-                  <p:par>
-                    <p:cTn id="9" fill="hold">
-                      <p:stCondLst>
-                        <p:cond delay="0"/>
-                      </p:stCondLst>
-                      <p:childTnLst>
-                        <p:par>
-                          <p:cTn id="10" fill="hold">
-                            <p:stCondLst>
-                              <p:cond delay="0"/>
-                            </p:stCondLst>
-                            <p:childTnLst>
-                              <p:par>
-                                <p:cTn id="11" presetID="2" presetClass="mediacall" presetSubtype="0" fill="hold" nodeType="clickEffect">
-                                  <p:stCondLst>
-                                    <p:cond delay="0"/>
-                                  </p:stCondLst>
-                                  <p:childTnLst>
-                                    <p:cmd type="call" cmd="togglePause">
-                                      <p:cBhvr>
-                                        <p:cTn id="12" dur="1" fill="hold"/>
-                                        <p:tgtEl>
-                                          <p:spTgt spid="4"/>
-                                        </p:tgtEl>
-                                      </p:cBhvr>
-                                    </p:cmd>
-                                  </p:childTnLst>
-                                </p:cTn>
-                              </p:par>
-                            </p:childTnLst>
-                          </p:cTn>
-                        </p:par>
-                      </p:childTnLst>
-                    </p:cTn>
-                  </p:par>
-                </p:childTnLst>
-              </p:cTn>
-              <p:nextCondLst>
-                <p:cond evt="onClick" delay="0">
-                  <p:tgtEl>
-                    <p:spTgt spid="4"/>
-                  </p:tgtEl>
-                </p:cond>
-              </p:nextCondLst>
-            </p:seq>
-          </p:childTnLst>
-        </p:cTn>
-      </p:par>
-    </p:tnLst>
-  </p:timing>
 </p:sld>
 </file>
 
@@ -3975,266 +4118,6 @@
           </a:p>
         </p:txBody>
       </p:sp>
-      <p:sp>
-        <p:nvSpPr>
-          <p:cNvPr id="3" name="Segnaposto contenuto 2">
-            <a:extLst>
-              <a:ext uri="{FF2B5EF4-FFF2-40B4-BE49-F238E27FC236}">
-                <a16:creationId xmlns:a16="http://schemas.microsoft.com/office/drawing/2014/main" id="{20796A1E-54BB-40ED-910E-95CBB951DEF3}"/>
-              </a:ext>
-            </a:extLst>
-          </p:cNvPr>
-          <p:cNvSpPr>
-            <a:spLocks noGrp="1"/>
-          </p:cNvSpPr>
-          <p:nvPr>
-            <p:ph idx="1"/>
-          </p:nvPr>
-        </p:nvSpPr>
-        <p:spPr>
-          <a:xfrm>
-            <a:off x="838199" y="1825625"/>
-            <a:ext cx="10791825" cy="3243524"/>
-          </a:xfrm>
-        </p:spPr>
-        <p:txBody>
-          <a:bodyPr/>
-          <a:lstStyle/>
-          <a:p>
-            <a:r>
-              <a:rPr lang="it-IT" dirty="0">
-                <a:solidFill>
-                  <a:srgbClr val="002060"/>
-                </a:solidFill>
-                <a:latin typeface="+mj-lt"/>
-              </a:rPr>
-              <a:t>Assumeremo </a:t>
-            </a:r>
-            <a:r>
-              <a:rPr lang="it-IT" b="1" i="1" dirty="0">
-                <a:solidFill>
-                  <a:srgbClr val="C00000"/>
-                </a:solidFill>
-                <a:latin typeface="+mj-lt"/>
-              </a:rPr>
-              <a:t>raggio</a:t>
-            </a:r>
-            <a:r>
-              <a:rPr lang="it-IT" dirty="0">
-                <a:solidFill>
-                  <a:srgbClr val="002060"/>
-                </a:solidFill>
-                <a:latin typeface="+mj-lt"/>
-              </a:rPr>
-              <a:t> e </a:t>
-            </a:r>
-            <a:r>
-              <a:rPr lang="it-IT" b="1" i="1" dirty="0">
-                <a:solidFill>
-                  <a:srgbClr val="C00000"/>
-                </a:solidFill>
-                <a:latin typeface="+mj-lt"/>
-              </a:rPr>
-              <a:t>posizione</a:t>
-            </a:r>
-            <a:r>
-              <a:rPr lang="it-IT" dirty="0">
-                <a:solidFill>
-                  <a:srgbClr val="002060"/>
-                </a:solidFill>
-                <a:latin typeface="+mj-lt"/>
-              </a:rPr>
-              <a:t> validi non oltre la lunghezza di </a:t>
-            </a:r>
-            <a:r>
-              <a:rPr lang="it-IT" b="1" dirty="0">
-                <a:solidFill>
-                  <a:srgbClr val="C00000"/>
-                </a:solidFill>
-                <a:latin typeface="+mj-lt"/>
-              </a:rPr>
-              <a:t>un metro</a:t>
-            </a:r>
-            <a:r>
-              <a:rPr lang="it-IT" dirty="0">
-                <a:solidFill>
-                  <a:srgbClr val="002060"/>
-                </a:solidFill>
-                <a:latin typeface="+mj-lt"/>
-              </a:rPr>
-              <a:t>.</a:t>
-            </a:r>
-          </a:p>
-          <a:p>
-            <a:r>
-              <a:rPr lang="it-IT" dirty="0">
-                <a:solidFill>
-                  <a:srgbClr val="002060"/>
-                </a:solidFill>
-                <a:latin typeface="+mj-lt"/>
-              </a:rPr>
-              <a:t>La massima precisione con la quale l’algoritmo si sposterà nello spazio di ricerca così come i risultati degli esperimenti a seguire è della </a:t>
-            </a:r>
-            <a:r>
-              <a:rPr lang="it-IT" b="1" i="1" dirty="0">
-                <a:solidFill>
-                  <a:srgbClr val="C00000"/>
-                </a:solidFill>
-                <a:latin typeface="+mj-lt"/>
-              </a:rPr>
-              <a:t>terza cifra significativa </a:t>
-            </a:r>
-            <a:r>
-              <a:rPr lang="it-IT" dirty="0">
-                <a:solidFill>
-                  <a:srgbClr val="002060"/>
-                </a:solidFill>
-                <a:latin typeface="+mj-lt"/>
-              </a:rPr>
-              <a:t>dopo la virgola.</a:t>
-            </a:r>
-          </a:p>
-          <a:p>
-            <a:r>
-              <a:rPr lang="it-IT" b="1" dirty="0" smtClean="0">
-                <a:solidFill>
-                  <a:srgbClr val="C00000"/>
-                </a:solidFill>
-                <a:latin typeface="+mj-lt"/>
-              </a:rPr>
-              <a:t>Condizioni </a:t>
-            </a:r>
-            <a:r>
-              <a:rPr lang="it-IT" b="1" dirty="0">
-                <a:solidFill>
-                  <a:srgbClr val="C00000"/>
-                </a:solidFill>
-                <a:latin typeface="+mj-lt"/>
-              </a:rPr>
-              <a:t>di arresto</a:t>
-            </a:r>
-            <a:r>
-              <a:rPr lang="it-IT" b="1" dirty="0">
-                <a:solidFill>
-                  <a:schemeClr val="accent1">
-                    <a:lumMod val="50000"/>
-                  </a:schemeClr>
-                </a:solidFill>
-                <a:latin typeface="+mj-lt"/>
-              </a:rPr>
-              <a:t>:  </a:t>
-            </a:r>
-          </a:p>
-          <a:p>
-            <a:pPr marL="0" indent="0">
-              <a:buNone/>
-            </a:pPr>
-            <a:endParaRPr lang="it-IT" b="1" dirty="0">
-              <a:solidFill>
-                <a:srgbClr val="C00000"/>
-              </a:solidFill>
-              <a:latin typeface="+mj-lt"/>
-            </a:endParaRPr>
-          </a:p>
-          <a:p>
-            <a:endParaRPr lang="it-IT" dirty="0">
-              <a:solidFill>
-                <a:srgbClr val="002060"/>
-              </a:solidFill>
-              <a:latin typeface="+mj-lt"/>
-            </a:endParaRPr>
-          </a:p>
-        </p:txBody>
-      </p:sp>
-      <p:sp>
-        <p:nvSpPr>
-          <p:cNvPr id="4" name="CasellaDiTesto 3">
-            <a:extLst>
-              <a:ext uri="{FF2B5EF4-FFF2-40B4-BE49-F238E27FC236}">
-                <a16:creationId xmlns:a16="http://schemas.microsoft.com/office/drawing/2014/main" id="{BFBD37E8-D4D6-445A-8EF0-C5B53A72A415}"/>
-              </a:ext>
-            </a:extLst>
-          </p:cNvPr>
-          <p:cNvSpPr txBox="1"/>
-          <p:nvPr/>
-        </p:nvSpPr>
-        <p:spPr>
-          <a:xfrm>
-            <a:off x="4248797" y="3616881"/>
-            <a:ext cx="5715000" cy="1384995"/>
-          </a:xfrm>
-          <a:prstGeom prst="rect">
-            <a:avLst/>
-          </a:prstGeom>
-          <a:noFill/>
-        </p:spPr>
-        <p:txBody>
-          <a:bodyPr wrap="square" rtlCol="0">
-            <a:spAutoFit/>
-          </a:bodyPr>
-          <a:lstStyle/>
-          <a:p>
-            <a:pPr marL="285750" indent="-285750">
-              <a:buFont typeface="Arial" panose="020B0604020202020204" pitchFamily="34" charset="0"/>
-              <a:buChar char="•"/>
-            </a:pPr>
-            <a:r>
-              <a:rPr lang="it-IT" sz="2800" dirty="0">
-                <a:solidFill>
-                  <a:srgbClr val="002060"/>
-                </a:solidFill>
-                <a:latin typeface="+mj-lt"/>
-              </a:rPr>
-              <a:t>Lunghezza minima del simplesso</a:t>
-            </a:r>
-          </a:p>
-          <a:p>
-            <a:pPr marL="285750" indent="-285750">
-              <a:buFont typeface="Arial" panose="020B0604020202020204" pitchFamily="34" charset="0"/>
-              <a:buChar char="•"/>
-            </a:pPr>
-            <a:r>
-              <a:rPr lang="it-IT" sz="2800" dirty="0">
-                <a:solidFill>
-                  <a:srgbClr val="002060"/>
-                </a:solidFill>
-                <a:latin typeface="+mj-lt"/>
-              </a:rPr>
-              <a:t>Numero massimo di </a:t>
-            </a:r>
-            <a:r>
-              <a:rPr lang="it-IT" sz="2800" dirty="0" err="1">
-                <a:solidFill>
-                  <a:srgbClr val="002060"/>
-                </a:solidFill>
-                <a:latin typeface="+mj-lt"/>
-              </a:rPr>
-              <a:t>flips</a:t>
-            </a:r>
-            <a:endParaRPr lang="it-IT" sz="2800" dirty="0">
-              <a:solidFill>
-                <a:srgbClr val="002060"/>
-              </a:solidFill>
-              <a:latin typeface="+mj-lt"/>
-            </a:endParaRPr>
-          </a:p>
-          <a:p>
-            <a:pPr marL="285750" indent="-285750">
-              <a:buFont typeface="Arial" panose="020B0604020202020204" pitchFamily="34" charset="0"/>
-              <a:buChar char="•"/>
-            </a:pPr>
-            <a:r>
-              <a:rPr lang="it-IT" sz="2800" dirty="0">
-                <a:solidFill>
-                  <a:srgbClr val="002060"/>
-                </a:solidFill>
-                <a:latin typeface="+mj-lt"/>
-              </a:rPr>
-              <a:t>Massima percentuale di errore</a:t>
-            </a:r>
-          </a:p>
-        </p:txBody>
-      </p:sp>
       <p:cxnSp>
         <p:nvCxnSpPr>
           <p:cNvPr id="5" name="Connettore diritto 4">
@@ -4311,10 +4194,548 @@
           </a:fontRef>
         </p:style>
       </p:cxnSp>
+      <p:graphicFrame>
+        <p:nvGraphicFramePr>
+          <p:cNvPr id="7" name="Tabella 6">
+            <a:extLst>
+              <a:ext uri="{FF2B5EF4-FFF2-40B4-BE49-F238E27FC236}">
+                <a16:creationId xmlns:a16="http://schemas.microsoft.com/office/drawing/2014/main" id="{19850BFD-93B5-435D-9DA2-DFDB40765DD3}"/>
+              </a:ext>
+            </a:extLst>
+          </p:cNvPr>
+          <p:cNvGraphicFramePr>
+            <a:graphicFrameLocks noGrp="1"/>
+          </p:cNvGraphicFramePr>
+          <p:nvPr>
+            <p:extLst>
+              <p:ext uri="{D42A27DB-BD31-4B8C-83A1-F6EECF244321}">
+                <p14:modId xmlns:p14="http://schemas.microsoft.com/office/powerpoint/2010/main" val="2703010629"/>
+              </p:ext>
+            </p:extLst>
+          </p:nvPr>
+        </p:nvGraphicFramePr>
+        <p:xfrm>
+          <a:off x="1806633" y="2197251"/>
+          <a:ext cx="8578734" cy="3308466"/>
+        </p:xfrm>
+        <a:graphic>
+          <a:graphicData uri="http://schemas.openxmlformats.org/drawingml/2006/table">
+            <a:tbl>
+              <a:tblPr firstRow="1" bandRow="1">
+                <a:tableStyleId>{69CF1AB2-1976-4502-BF36-3FF5EA218861}</a:tableStyleId>
+              </a:tblPr>
+              <a:tblGrid>
+                <a:gridCol w="2200102">
+                  <a:extLst>
+                    <a:ext uri="{9D8B030D-6E8A-4147-A177-3AD203B41FA5}">
+                      <a16:colId xmlns:a16="http://schemas.microsoft.com/office/drawing/2014/main" val="36033129"/>
+                    </a:ext>
+                  </a:extLst>
+                </a:gridCol>
+                <a:gridCol w="2128058">
+                  <a:extLst>
+                    <a:ext uri="{9D8B030D-6E8A-4147-A177-3AD203B41FA5}">
+                      <a16:colId xmlns:a16="http://schemas.microsoft.com/office/drawing/2014/main" val="2383489718"/>
+                    </a:ext>
+                  </a:extLst>
+                </a:gridCol>
+                <a:gridCol w="2035882">
+                  <a:extLst>
+                    <a:ext uri="{9D8B030D-6E8A-4147-A177-3AD203B41FA5}">
+                      <a16:colId xmlns:a16="http://schemas.microsoft.com/office/drawing/2014/main" val="4235985486"/>
+                    </a:ext>
+                  </a:extLst>
+                </a:gridCol>
+                <a:gridCol w="2214692">
+                  <a:extLst>
+                    <a:ext uri="{9D8B030D-6E8A-4147-A177-3AD203B41FA5}">
+                      <a16:colId xmlns:a16="http://schemas.microsoft.com/office/drawing/2014/main" val="1497542247"/>
+                    </a:ext>
+                  </a:extLst>
+                </a:gridCol>
+              </a:tblGrid>
+              <a:tr h="551411">
+                <a:tc>
+                  <a:txBody>
+                    <a:bodyPr/>
+                    <a:lstStyle/>
+                    <a:p>
+                      <a:pPr algn="ctr">
+                        <a:lnSpc>
+                          <a:spcPct val="100000"/>
+                        </a:lnSpc>
+                      </a:pPr>
+                      <a:r>
+                        <a:rPr lang="it-IT" sz="2400" b="0" dirty="0"/>
+                        <a:t>Spira 1</a:t>
+                      </a:r>
+                    </a:p>
+                  </a:txBody>
+                  <a:tcPr anchor="ctr"/>
+                </a:tc>
+                <a:tc>
+                  <a:txBody>
+                    <a:bodyPr/>
+                    <a:lstStyle/>
+                    <a:p>
+                      <a:pPr algn="ctr">
+                        <a:lnSpc>
+                          <a:spcPct val="100000"/>
+                        </a:lnSpc>
+                      </a:pPr>
+                      <a:r>
+                        <a:rPr lang="it-IT" sz="2400" b="0" dirty="0"/>
+                        <a:t>R = 0.7m</a:t>
+                      </a:r>
+                    </a:p>
+                  </a:txBody>
+                  <a:tcPr anchor="ctr"/>
+                </a:tc>
+                <a:tc>
+                  <a:txBody>
+                    <a:bodyPr/>
+                    <a:lstStyle/>
+                    <a:p>
+                      <a:pPr algn="ctr">
+                        <a:lnSpc>
+                          <a:spcPct val="100000"/>
+                        </a:lnSpc>
+                      </a:pPr>
+                      <a:r>
+                        <a:rPr lang="it-IT" sz="2400" b="0" dirty="0"/>
+                        <a:t>I = 3A</a:t>
+                      </a:r>
+                    </a:p>
+                  </a:txBody>
+                  <a:tcPr anchor="ctr"/>
+                </a:tc>
+                <a:tc>
+                  <a:txBody>
+                    <a:bodyPr/>
+                    <a:lstStyle/>
+                    <a:p>
+                      <a:pPr algn="ctr">
+                        <a:lnSpc>
+                          <a:spcPct val="100000"/>
+                        </a:lnSpc>
+                      </a:pPr>
+                      <a:r>
+                        <a:rPr lang="it-IT" sz="2400" b="0" dirty="0"/>
+                        <a:t>Z = -0.4m</a:t>
+                      </a:r>
+                    </a:p>
+                  </a:txBody>
+                  <a:tcPr anchor="ctr"/>
+                </a:tc>
+                <a:extLst>
+                  <a:ext uri="{0D108BD9-81ED-4DB2-BD59-A6C34878D82A}">
+                    <a16:rowId xmlns:a16="http://schemas.microsoft.com/office/drawing/2014/main" val="944061966"/>
+                  </a:ext>
+                </a:extLst>
+              </a:tr>
+              <a:tr h="551411">
+                <a:tc>
+                  <a:txBody>
+                    <a:bodyPr/>
+                    <a:lstStyle/>
+                    <a:p>
+                      <a:pPr algn="ctr">
+                        <a:lnSpc>
+                          <a:spcPct val="100000"/>
+                        </a:lnSpc>
+                      </a:pPr>
+                      <a:r>
+                        <a:rPr lang="it-IT" sz="2400" b="1" dirty="0"/>
+                        <a:t>Spira 2</a:t>
+                      </a:r>
+                    </a:p>
+                  </a:txBody>
+                  <a:tcPr anchor="ctr"/>
+                </a:tc>
+                <a:tc>
+                  <a:txBody>
+                    <a:bodyPr/>
+                    <a:lstStyle/>
+                    <a:p>
+                      <a:pPr algn="ctr">
+                        <a:lnSpc>
+                          <a:spcPct val="100000"/>
+                        </a:lnSpc>
+                      </a:pPr>
+                      <a:r>
+                        <a:rPr lang="it-IT" sz="2400" b="1" dirty="0"/>
+                        <a:t>R = 0.8m</a:t>
+                      </a:r>
+                    </a:p>
+                  </a:txBody>
+                  <a:tcPr anchor="ctr"/>
+                </a:tc>
+                <a:tc>
+                  <a:txBody>
+                    <a:bodyPr/>
+                    <a:lstStyle/>
+                    <a:p>
+                      <a:pPr algn="ctr">
+                        <a:lnSpc>
+                          <a:spcPct val="100000"/>
+                        </a:lnSpc>
+                      </a:pPr>
+                      <a:r>
+                        <a:rPr lang="it-IT" sz="2400" b="1" dirty="0"/>
+                        <a:t>I = 5A</a:t>
+                      </a:r>
+                    </a:p>
+                  </a:txBody>
+                  <a:tcPr anchor="ctr"/>
+                </a:tc>
+                <a:tc>
+                  <a:txBody>
+                    <a:bodyPr/>
+                    <a:lstStyle/>
+                    <a:p>
+                      <a:pPr algn="ctr">
+                        <a:lnSpc>
+                          <a:spcPct val="100000"/>
+                        </a:lnSpc>
+                      </a:pPr>
+                      <a:r>
+                        <a:rPr lang="it-IT" sz="2400" b="1" dirty="0"/>
+                        <a:t>Z = -0.7m</a:t>
+                      </a:r>
+                    </a:p>
+                  </a:txBody>
+                  <a:tcPr anchor="ctr"/>
+                </a:tc>
+                <a:extLst>
+                  <a:ext uri="{0D108BD9-81ED-4DB2-BD59-A6C34878D82A}">
+                    <a16:rowId xmlns:a16="http://schemas.microsoft.com/office/drawing/2014/main" val="3403262564"/>
+                  </a:ext>
+                </a:extLst>
+              </a:tr>
+              <a:tr h="551411">
+                <a:tc>
+                  <a:txBody>
+                    <a:bodyPr/>
+                    <a:lstStyle/>
+                    <a:p>
+                      <a:pPr algn="ctr">
+                        <a:lnSpc>
+                          <a:spcPct val="100000"/>
+                        </a:lnSpc>
+                      </a:pPr>
+                      <a:r>
+                        <a:rPr lang="it-IT" sz="2400" dirty="0"/>
+                        <a:t>Spira 3</a:t>
+                      </a:r>
+                    </a:p>
+                  </a:txBody>
+                  <a:tcPr anchor="ctr"/>
+                </a:tc>
+                <a:tc>
+                  <a:txBody>
+                    <a:bodyPr/>
+                    <a:lstStyle/>
+                    <a:p>
+                      <a:pPr algn="ctr">
+                        <a:lnSpc>
+                          <a:spcPct val="100000"/>
+                        </a:lnSpc>
+                      </a:pPr>
+                      <a:r>
+                        <a:rPr lang="it-IT" sz="2400" dirty="0"/>
+                        <a:t>R = 0.6m</a:t>
+                      </a:r>
+                    </a:p>
+                  </a:txBody>
+                  <a:tcPr anchor="ctr"/>
+                </a:tc>
+                <a:tc>
+                  <a:txBody>
+                    <a:bodyPr/>
+                    <a:lstStyle/>
+                    <a:p>
+                      <a:pPr algn="ctr">
+                        <a:lnSpc>
+                          <a:spcPct val="100000"/>
+                        </a:lnSpc>
+                      </a:pPr>
+                      <a:r>
+                        <a:rPr lang="it-IT" sz="2400" dirty="0"/>
+                        <a:t>I = 2A</a:t>
+                      </a:r>
+                    </a:p>
+                  </a:txBody>
+                  <a:tcPr anchor="ctr"/>
+                </a:tc>
+                <a:tc>
+                  <a:txBody>
+                    <a:bodyPr/>
+                    <a:lstStyle/>
+                    <a:p>
+                      <a:pPr algn="ctr">
+                        <a:lnSpc>
+                          <a:spcPct val="100000"/>
+                        </a:lnSpc>
+                      </a:pPr>
+                      <a:r>
+                        <a:rPr lang="it-IT" sz="2400" dirty="0"/>
+                        <a:t>Z = -0.9m</a:t>
+                      </a:r>
+                    </a:p>
+                  </a:txBody>
+                  <a:tcPr anchor="ctr"/>
+                </a:tc>
+                <a:extLst>
+                  <a:ext uri="{0D108BD9-81ED-4DB2-BD59-A6C34878D82A}">
+                    <a16:rowId xmlns:a16="http://schemas.microsoft.com/office/drawing/2014/main" val="1114617905"/>
+                  </a:ext>
+                </a:extLst>
+              </a:tr>
+              <a:tr h="551411">
+                <a:tc>
+                  <a:txBody>
+                    <a:bodyPr/>
+                    <a:lstStyle/>
+                    <a:p>
+                      <a:pPr algn="ctr">
+                        <a:lnSpc>
+                          <a:spcPct val="100000"/>
+                        </a:lnSpc>
+                      </a:pPr>
+                      <a:r>
+                        <a:rPr lang="it-IT" sz="2400" dirty="0"/>
+                        <a:t>Spira 4</a:t>
+                      </a:r>
+                    </a:p>
+                  </a:txBody>
+                  <a:tcPr anchor="ctr"/>
+                </a:tc>
+                <a:tc>
+                  <a:txBody>
+                    <a:bodyPr/>
+                    <a:lstStyle/>
+                    <a:p>
+                      <a:pPr algn="ctr">
+                        <a:lnSpc>
+                          <a:spcPct val="100000"/>
+                        </a:lnSpc>
+                      </a:pPr>
+                      <a:r>
+                        <a:rPr lang="it-IT" sz="2400" dirty="0"/>
+                        <a:t>R = 0.7m</a:t>
+                      </a:r>
+                    </a:p>
+                  </a:txBody>
+                  <a:tcPr anchor="ctr"/>
+                </a:tc>
+                <a:tc>
+                  <a:txBody>
+                    <a:bodyPr/>
+                    <a:lstStyle/>
+                    <a:p>
+                      <a:pPr algn="ctr">
+                        <a:lnSpc>
+                          <a:spcPct val="100000"/>
+                        </a:lnSpc>
+                      </a:pPr>
+                      <a:r>
+                        <a:rPr lang="it-IT" sz="2400" dirty="0"/>
+                        <a:t>I = 3A</a:t>
+                      </a:r>
+                    </a:p>
+                  </a:txBody>
+                  <a:tcPr anchor="ctr"/>
+                </a:tc>
+                <a:tc>
+                  <a:txBody>
+                    <a:bodyPr/>
+                    <a:lstStyle/>
+                    <a:p>
+                      <a:pPr algn="ctr">
+                        <a:lnSpc>
+                          <a:spcPct val="100000"/>
+                        </a:lnSpc>
+                      </a:pPr>
+                      <a:r>
+                        <a:rPr lang="it-IT" sz="2400" dirty="0"/>
+                        <a:t>Z = 0.4m</a:t>
+                      </a:r>
+                    </a:p>
+                  </a:txBody>
+                  <a:tcPr anchor="ctr"/>
+                </a:tc>
+                <a:extLst>
+                  <a:ext uri="{0D108BD9-81ED-4DB2-BD59-A6C34878D82A}">
+                    <a16:rowId xmlns:a16="http://schemas.microsoft.com/office/drawing/2014/main" val="1694278639"/>
+                  </a:ext>
+                </a:extLst>
+              </a:tr>
+              <a:tr h="551411">
+                <a:tc>
+                  <a:txBody>
+                    <a:bodyPr/>
+                    <a:lstStyle/>
+                    <a:p>
+                      <a:pPr algn="ctr">
+                        <a:lnSpc>
+                          <a:spcPct val="100000"/>
+                        </a:lnSpc>
+                      </a:pPr>
+                      <a:r>
+                        <a:rPr lang="it-IT" sz="2400" b="1" dirty="0"/>
+                        <a:t>Spira 5</a:t>
+                      </a:r>
+                    </a:p>
+                  </a:txBody>
+                  <a:tcPr anchor="ctr"/>
+                </a:tc>
+                <a:tc>
+                  <a:txBody>
+                    <a:bodyPr/>
+                    <a:lstStyle/>
+                    <a:p>
+                      <a:pPr algn="ctr">
+                        <a:lnSpc>
+                          <a:spcPct val="100000"/>
+                        </a:lnSpc>
+                      </a:pPr>
+                      <a:r>
+                        <a:rPr lang="it-IT" sz="2400" b="1" dirty="0"/>
+                        <a:t>R = 0.8m</a:t>
+                      </a:r>
+                    </a:p>
+                  </a:txBody>
+                  <a:tcPr anchor="ctr"/>
+                </a:tc>
+                <a:tc>
+                  <a:txBody>
+                    <a:bodyPr/>
+                    <a:lstStyle/>
+                    <a:p>
+                      <a:pPr algn="ctr">
+                        <a:lnSpc>
+                          <a:spcPct val="100000"/>
+                        </a:lnSpc>
+                      </a:pPr>
+                      <a:r>
+                        <a:rPr lang="it-IT" sz="2400" b="1" dirty="0"/>
+                        <a:t>I = 5A</a:t>
+                      </a:r>
+                    </a:p>
+                  </a:txBody>
+                  <a:tcPr anchor="ctr"/>
+                </a:tc>
+                <a:tc>
+                  <a:txBody>
+                    <a:bodyPr/>
+                    <a:lstStyle/>
+                    <a:p>
+                      <a:pPr algn="ctr">
+                        <a:lnSpc>
+                          <a:spcPct val="100000"/>
+                        </a:lnSpc>
+                      </a:pPr>
+                      <a:r>
+                        <a:rPr lang="it-IT" sz="2400" b="1" dirty="0"/>
+                        <a:t>Z = 0.7m</a:t>
+                      </a:r>
+                    </a:p>
+                  </a:txBody>
+                  <a:tcPr anchor="ctr"/>
+                </a:tc>
+                <a:extLst>
+                  <a:ext uri="{0D108BD9-81ED-4DB2-BD59-A6C34878D82A}">
+                    <a16:rowId xmlns:a16="http://schemas.microsoft.com/office/drawing/2014/main" val="2861629847"/>
+                  </a:ext>
+                </a:extLst>
+              </a:tr>
+              <a:tr h="551411">
+                <a:tc>
+                  <a:txBody>
+                    <a:bodyPr/>
+                    <a:lstStyle/>
+                    <a:p>
+                      <a:pPr algn="ctr">
+                        <a:lnSpc>
+                          <a:spcPct val="100000"/>
+                        </a:lnSpc>
+                      </a:pPr>
+                      <a:r>
+                        <a:rPr lang="it-IT" sz="2400" dirty="0"/>
+                        <a:t>Spira 6</a:t>
+                      </a:r>
+                    </a:p>
+                  </a:txBody>
+                  <a:tcPr anchor="ctr"/>
+                </a:tc>
+                <a:tc>
+                  <a:txBody>
+                    <a:bodyPr/>
+                    <a:lstStyle/>
+                    <a:p>
+                      <a:pPr algn="ctr">
+                        <a:lnSpc>
+                          <a:spcPct val="100000"/>
+                        </a:lnSpc>
+                      </a:pPr>
+                      <a:r>
+                        <a:rPr lang="it-IT" sz="2400" dirty="0"/>
+                        <a:t>R = 0.6m</a:t>
+                      </a:r>
+                    </a:p>
+                  </a:txBody>
+                  <a:tcPr anchor="ctr"/>
+                </a:tc>
+                <a:tc>
+                  <a:txBody>
+                    <a:bodyPr/>
+                    <a:lstStyle/>
+                    <a:p>
+                      <a:pPr algn="ctr">
+                        <a:lnSpc>
+                          <a:spcPct val="100000"/>
+                        </a:lnSpc>
+                      </a:pPr>
+                      <a:r>
+                        <a:rPr lang="it-IT" sz="2400" dirty="0"/>
+                        <a:t>I = 2A</a:t>
+                      </a:r>
+                    </a:p>
+                  </a:txBody>
+                  <a:tcPr anchor="ctr"/>
+                </a:tc>
+                <a:tc>
+                  <a:txBody>
+                    <a:bodyPr/>
+                    <a:lstStyle/>
+                    <a:p>
+                      <a:pPr algn="ctr">
+                        <a:lnSpc>
+                          <a:spcPct val="100000"/>
+                        </a:lnSpc>
+                      </a:pPr>
+                      <a:r>
+                        <a:rPr lang="it-IT" sz="2400" dirty="0"/>
+                        <a:t>Z = 0.9m</a:t>
+                      </a:r>
+                    </a:p>
+                  </a:txBody>
+                  <a:tcPr anchor="ctr"/>
+                </a:tc>
+                <a:extLst>
+                  <a:ext uri="{0D108BD9-81ED-4DB2-BD59-A6C34878D82A}">
+                    <a16:rowId xmlns:a16="http://schemas.microsoft.com/office/drawing/2014/main" val="608900895"/>
+                  </a:ext>
+                </a:extLst>
+              </a:tr>
+            </a:tbl>
+          </a:graphicData>
+        </a:graphic>
+      </p:graphicFrame>
     </p:spTree>
     <p:extLst>
       <p:ext uri="{BB962C8B-B14F-4D97-AF65-F5344CB8AC3E}">
-        <p14:creationId xmlns:p14="http://schemas.microsoft.com/office/powerpoint/2010/main" val="1684565844"/>
+        <p14:creationId xmlns:p14="http://schemas.microsoft.com/office/powerpoint/2010/main" val="4115317752"/>
       </p:ext>
     </p:extLst>
   </p:cSld>
@@ -4593,6 +5014,60 @@
           </a:prstGeom>
         </p:spPr>
       </p:pic>
+      <p:sp>
+        <p:nvSpPr>
+          <p:cNvPr id="3" name="Rettangolo 2">
+            <a:extLst>
+              <a:ext uri="{FF2B5EF4-FFF2-40B4-BE49-F238E27FC236}">
+                <a16:creationId xmlns:a16="http://schemas.microsoft.com/office/drawing/2014/main" id="{10795883-1604-4833-A556-482B08FA7E4C}"/>
+              </a:ext>
+            </a:extLst>
+          </p:cNvPr>
+          <p:cNvSpPr/>
+          <p:nvPr/>
+        </p:nvSpPr>
+        <p:spPr>
+          <a:xfrm>
+            <a:off x="7561156" y="2127362"/>
+            <a:ext cx="134223" cy="185308"/>
+          </a:xfrm>
+          <a:prstGeom prst="rect">
+            <a:avLst/>
+          </a:prstGeom>
+          <a:solidFill>
+            <a:schemeClr val="bg1"/>
+          </a:solidFill>
+          <a:ln>
+            <a:solidFill>
+              <a:schemeClr val="bg1"/>
+            </a:solidFill>
+          </a:ln>
+        </p:spPr>
+        <p:style>
+          <a:lnRef idx="2">
+            <a:schemeClr val="accent1">
+              <a:shade val="50000"/>
+            </a:schemeClr>
+          </a:lnRef>
+          <a:fillRef idx="1">
+            <a:schemeClr val="accent1"/>
+          </a:fillRef>
+          <a:effectRef idx="0">
+            <a:schemeClr val="accent1"/>
+          </a:effectRef>
+          <a:fontRef idx="minor">
+            <a:schemeClr val="lt1"/>
+          </a:fontRef>
+        </p:style>
+        <p:txBody>
+          <a:bodyPr rtlCol="0" anchor="ctr"/>
+          <a:lstStyle/>
+          <a:p>
+            <a:pPr algn="ctr"/>
+            <a:endParaRPr lang="it-IT"/>
+          </a:p>
+        </p:txBody>
+      </p:sp>
     </p:spTree>
     <p:extLst>
       <p:ext uri="{BB962C8B-B14F-4D97-AF65-F5344CB8AC3E}">
@@ -4714,66 +5189,6 @@
       </p:cxnSp>
       <p:sp>
         <p:nvSpPr>
-          <p:cNvPr id="12" name="Titolo 1">
-            <a:extLst>
-              <a:ext uri="{FF2B5EF4-FFF2-40B4-BE49-F238E27FC236}">
-                <a16:creationId xmlns:a16="http://schemas.microsoft.com/office/drawing/2014/main" id="{03DAF942-BA3D-4AC2-811D-589406C84368}"/>
-              </a:ext>
-            </a:extLst>
-          </p:cNvPr>
-          <p:cNvSpPr txBox="1">
-            <a:spLocks/>
-          </p:cNvSpPr>
-          <p:nvPr/>
-        </p:nvSpPr>
-        <p:spPr>
-          <a:xfrm>
-            <a:off x="742236" y="35234"/>
-            <a:ext cx="10199222" cy="1054100"/>
-          </a:xfrm>
-          <a:prstGeom prst="rect">
-            <a:avLst/>
-          </a:prstGeom>
-        </p:spPr>
-        <p:txBody>
-          <a:bodyPr vert="horz" lIns="91440" tIns="45720" rIns="91440" bIns="45720" rtlCol="0" anchor="ctr">
-            <a:normAutofit/>
-          </a:bodyPr>
-          <a:lstStyle>
-            <a:lvl1pPr algn="l" defTabSz="914400" rtl="0" eaLnBrk="1" latinLnBrk="0" hangingPunct="1">
-              <a:lnSpc>
-                <a:spcPct val="90000"/>
-              </a:lnSpc>
-              <a:spcBef>
-                <a:spcPct val="0"/>
-              </a:spcBef>
-              <a:buNone/>
-              <a:defRPr sz="4400" kern="1200">
-                <a:solidFill>
-                  <a:schemeClr val="tx1"/>
-                </a:solidFill>
-                <a:latin typeface="+mj-lt"/>
-                <a:ea typeface="+mj-ea"/>
-                <a:cs typeface="+mj-cs"/>
-              </a:defRPr>
-            </a:lvl1pPr>
-          </a:lstStyle>
-          <a:p>
-            <a:r>
-              <a:rPr lang="it-IT" b="1" dirty="0">
-                <a:solidFill>
-                  <a:srgbClr val="002060"/>
-                </a:solidFill>
-                <a:ea typeface="Doulos SIL" panose="02000500070000020004" pitchFamily="2" charset="0"/>
-                <a:cs typeface="Doulos SIL" panose="02000500070000020004" pitchFamily="2" charset="0"/>
-              </a:rPr>
-              <a:t>6. Esperimento: 3D senza vincoli</a:t>
-            </a:r>
-          </a:p>
-        </p:txBody>
-      </p:sp>
-      <p:sp>
-        <p:nvSpPr>
           <p:cNvPr id="2" name="CasellaDiTesto 1">
             <a:extLst>
               <a:ext uri="{FF2B5EF4-FFF2-40B4-BE49-F238E27FC236}">
@@ -4904,6 +5319,55 @@
           </a:fontRef>
         </p:style>
       </p:cxnSp>
+      <p:sp>
+        <p:nvSpPr>
+          <p:cNvPr id="9" name="Titolo 1">
+            <a:extLst>
+              <a:ext uri="{FF2B5EF4-FFF2-40B4-BE49-F238E27FC236}">
+                <a16:creationId xmlns:a16="http://schemas.microsoft.com/office/drawing/2014/main" id="{6C7D4F80-535B-43DF-B543-B38F13B7F88F}"/>
+              </a:ext>
+            </a:extLst>
+          </p:cNvPr>
+          <p:cNvSpPr>
+            <a:spLocks noGrp="1"/>
+          </p:cNvSpPr>
+          <p:nvPr>
+            <p:ph type="title"/>
+          </p:nvPr>
+        </p:nvSpPr>
+        <p:spPr>
+          <a:xfrm>
+            <a:off x="657225" y="307975"/>
+            <a:ext cx="10515600" cy="1325563"/>
+          </a:xfrm>
+        </p:spPr>
+        <p:txBody>
+          <a:bodyPr/>
+          <a:lstStyle/>
+          <a:p>
+            <a:r>
+              <a:rPr lang="it-IT" b="1" dirty="0">
+                <a:solidFill>
+                  <a:srgbClr val="002060"/>
+                </a:solidFill>
+                <a:ea typeface="Doulos SIL" panose="02000500070000020004" pitchFamily="2" charset="0"/>
+                <a:cs typeface="Doulos SIL" panose="02000500070000020004" pitchFamily="2" charset="0"/>
+              </a:rPr>
+              <a:t>6. Esperimento: 3D senza vincoli</a:t>
+            </a:r>
+            <a:br>
+              <a:rPr lang="it-IT" b="1" dirty="0">
+                <a:solidFill>
+                  <a:srgbClr val="002060"/>
+                </a:solidFill>
+                <a:ea typeface="Doulos SIL" panose="02000500070000020004" pitchFamily="2" charset="0"/>
+                <a:cs typeface="Doulos SIL" panose="02000500070000020004" pitchFamily="2" charset="0"/>
+              </a:rPr>
+            </a:br>
+            <a:endParaRPr lang="it-IT" dirty="0"/>
+          </a:p>
+        </p:txBody>
+      </p:sp>
     </p:spTree>
     <p:extLst>
       <p:ext uri="{BB962C8B-B14F-4D97-AF65-F5344CB8AC3E}">
@@ -5173,70 +5637,52 @@
                 </a:solidFill>
                 <a:latin typeface="+mj-lt"/>
               </a:rPr>
-              <a:t>Il motivo per il quale invece le prestazioni sono state migliori in presenza di meno campioni </a:t>
-            </a:r>
-            <a:r>
-              <a:rPr lang="it-IT" sz="2400" dirty="0" smtClean="0">
+              <a:t>Il motivo per il quale invece le prestazioni sono state migliori in presenza di meno campioni è la</a:t>
+            </a:r>
+            <a:r>
+              <a:rPr lang="it-IT" sz="2400" dirty="0">
+                <a:solidFill>
+                  <a:srgbClr val="C00000"/>
+                </a:solidFill>
+                <a:latin typeface="+mj-lt"/>
+              </a:rPr>
+              <a:t> </a:t>
+            </a:r>
+            <a:r>
+              <a:rPr lang="it-IT" sz="2400" b="1" i="1" dirty="0">
+                <a:solidFill>
+                  <a:srgbClr val="C00000"/>
+                </a:solidFill>
+                <a:latin typeface="+mj-lt"/>
+              </a:rPr>
+              <a:t>minore definizione</a:t>
+            </a:r>
+            <a:r>
+              <a:rPr lang="it-IT" sz="2400" b="1" i="1" dirty="0">
                 <a:solidFill>
                   <a:srgbClr val="002060"/>
                 </a:solidFill>
                 <a:latin typeface="+mj-lt"/>
               </a:rPr>
-              <a:t>è la</a:t>
-            </a:r>
-            <a:r>
-              <a:rPr lang="it-IT" sz="2400" dirty="0" smtClean="0">
-                <a:solidFill>
-                  <a:srgbClr val="C00000"/>
+              <a:t> </a:t>
+            </a:r>
+            <a:r>
+              <a:rPr lang="it-IT" sz="2400" dirty="0">
+                <a:solidFill>
+                  <a:srgbClr val="002060"/>
                 </a:solidFill>
                 <a:latin typeface="+mj-lt"/>
               </a:rPr>
-              <a:t> </a:t>
-            </a:r>
-            <a:r>
-              <a:rPr lang="it-IT" sz="2400" b="1" i="1" dirty="0">
-                <a:solidFill>
-                  <a:srgbClr val="C00000"/>
+              <a:t>della </a:t>
+            </a:r>
+            <a:r>
+              <a:rPr lang="it-IT" sz="2400">
+                <a:solidFill>
+                  <a:srgbClr val="002060"/>
                 </a:solidFill>
                 <a:latin typeface="+mj-lt"/>
               </a:rPr>
-              <a:t>minore definizione</a:t>
-            </a:r>
-            <a:r>
-              <a:rPr lang="it-IT" sz="2400" b="1" i="1" dirty="0">
-                <a:solidFill>
-                  <a:srgbClr val="002060"/>
-                </a:solidFill>
-                <a:latin typeface="+mj-lt"/>
-              </a:rPr>
-              <a:t> </a:t>
-            </a:r>
-            <a:r>
-              <a:rPr lang="it-IT" sz="2400" dirty="0">
-                <a:solidFill>
-                  <a:srgbClr val="002060"/>
-                </a:solidFill>
-                <a:latin typeface="+mj-lt"/>
-              </a:rPr>
-              <a:t>della </a:t>
-            </a:r>
-            <a:r>
-              <a:rPr lang="it-IT" sz="2400">
-                <a:solidFill>
-                  <a:srgbClr val="002060"/>
-                </a:solidFill>
-                <a:latin typeface="+mj-lt"/>
-              </a:rPr>
-              <a:t>funzione </a:t>
-            </a:r>
-            <a:r>
-              <a:rPr lang="it-IT" sz="2400" smtClean="0">
-                <a:solidFill>
-                  <a:srgbClr val="002060"/>
-                </a:solidFill>
-                <a:latin typeface="+mj-lt"/>
-              </a:rPr>
-              <a:t>obiettivo.</a:t>
+              <a:t>funzione obiettivo.</a:t>
             </a:r>
             <a:endParaRPr lang="it-IT" sz="2400" dirty="0">
               <a:solidFill>
@@ -5382,7 +5828,7 @@
         <p:spPr>
           <a:xfrm>
             <a:off x="938212" y="1502713"/>
-            <a:ext cx="3672977" cy="4493819"/>
+            <a:ext cx="4061627" cy="4493819"/>
           </a:xfrm>
         </p:spPr>
         <p:txBody>
@@ -5391,9 +5837,6 @@
           </a:bodyPr>
           <a:lstStyle/>
           <a:p>
-            <a:pPr marL="0" indent="0">
-              <a:buNone/>
-            </a:pPr>
             <a:r>
               <a:rPr lang="it-IT" dirty="0">
                 <a:solidFill>
@@ -5401,7 +5844,7 @@
                 </a:solidFill>
                 <a:latin typeface="+mj-lt"/>
               </a:rPr>
-              <a:t>Valutiamo i risultati  in presenza di un vincolo di disuguaglianza </a:t>
+              <a:t>Presenza di un vincolo di disuguaglianza </a:t>
             </a:r>
             <a:r>
               <a:rPr lang="it-IT" b="1" i="1" dirty="0">
@@ -5419,24 +5862,18 @@
                 </a:solidFill>
                 <a:latin typeface="+mj-lt"/>
               </a:rPr>
-              <a:t>. </a:t>
-            </a:r>
-            <a:br>
+              <a:t>.</a:t>
+            </a:r>
+          </a:p>
+          <a:p>
+            <a:r>
               <a:rPr lang="it-IT" dirty="0">
                 <a:solidFill>
                   <a:srgbClr val="002060"/>
                 </a:solidFill>
                 <a:latin typeface="+mj-lt"/>
               </a:rPr>
-            </a:br>
-            <a:r>
-              <a:rPr lang="it-IT" dirty="0">
-                <a:solidFill>
-                  <a:srgbClr val="002060"/>
-                </a:solidFill>
-                <a:latin typeface="+mj-lt"/>
-              </a:rPr>
-              <a:t>Così come ci aspettavamo la percentuale di errore aumenta drasticamente.</a:t>
+              <a:t>La percentuale di errore aumenta o diminuisce drasticamente a seconda del punto iniziale.</a:t>
             </a:r>
           </a:p>
         </p:txBody>
@@ -5696,10 +6133,10 @@
       </p:grpSpPr>
       <p:sp>
         <p:nvSpPr>
-          <p:cNvPr id="2" name="Titolo 1">
-            <a:extLst>
-              <a:ext uri="{FF2B5EF4-FFF2-40B4-BE49-F238E27FC236}">
-                <a16:creationId xmlns:a16="http://schemas.microsoft.com/office/drawing/2014/main" id="{887B090B-A589-47C6-BADB-8A0D7CF3EF6A}"/>
+          <p:cNvPr id="3" name="Segnaposto contenuto 2">
+            <a:extLst>
+              <a:ext uri="{FF2B5EF4-FFF2-40B4-BE49-F238E27FC236}">
+                <a16:creationId xmlns:a16="http://schemas.microsoft.com/office/drawing/2014/main" id="{6124F91B-5F97-43D8-85F8-545DBB74A356}"/>
               </a:ext>
             </a:extLst>
           </p:cNvPr>
@@ -5707,26 +6144,58 @@
             <a:spLocks noGrp="1"/>
           </p:cNvSpPr>
           <p:nvPr>
-            <p:ph type="title"/>
+            <p:ph idx="1"/>
           </p:nvPr>
         </p:nvSpPr>
         <p:spPr>
           <a:xfrm>
-            <a:off x="367314" y="168653"/>
-            <a:ext cx="10515600" cy="1325563"/>
+            <a:off x="938212" y="1502713"/>
+            <a:ext cx="4061627" cy="4493819"/>
           </a:xfrm>
         </p:spPr>
         <p:txBody>
-          <a:bodyPr/>
+          <a:bodyPr>
+            <a:normAutofit/>
+          </a:bodyPr>
           <a:lstStyle/>
           <a:p>
             <a:r>
-              <a:rPr lang="it-IT" b="1" dirty="0">
+              <a:rPr lang="it-IT" dirty="0">
                 <a:solidFill>
                   <a:srgbClr val="002060"/>
                 </a:solidFill>
-              </a:rPr>
-              <a:t>6. Esperimento: 2D con vincolo di uguaglianza</a:t>
+                <a:latin typeface="+mj-lt"/>
+              </a:rPr>
+              <a:t>Presenza di un vincolo di disuguaglianza </a:t>
+            </a:r>
+            <a:r>
+              <a:rPr lang="it-IT" b="1" i="1" dirty="0">
+                <a:solidFill>
+                  <a:srgbClr val="C00000"/>
+                </a:solidFill>
+                <a:latin typeface="+mj-lt"/>
+              </a:rPr>
+              <a:t>R ≤ 2Z</a:t>
+            </a:r>
+            <a:r>
+              <a:rPr lang="it-IT" dirty="0">
+                <a:solidFill>
+                  <a:srgbClr val="002060"/>
+                </a:solidFill>
+                <a:latin typeface="+mj-lt"/>
+              </a:rPr>
+              <a:t>.</a:t>
+            </a:r>
+          </a:p>
+          <a:p>
+            <a:r>
+              <a:rPr lang="it-IT" dirty="0">
+                <a:solidFill>
+                  <a:srgbClr val="002060"/>
+                </a:solidFill>
+                <a:latin typeface="+mj-lt"/>
+              </a:rPr>
+              <a:t>La percentuale di errore aumenta o diminuisce drasticamente a seconda del punto iniziale.</a:t>
             </a:r>
           </a:p>
         </p:txBody>
@@ -5736,7 +6205,7 @@
           <p:cNvPr id="7" name="Immagine 6">
             <a:extLst>
               <a:ext uri="{FF2B5EF4-FFF2-40B4-BE49-F238E27FC236}">
-                <a16:creationId xmlns:a16="http://schemas.microsoft.com/office/drawing/2014/main" id="{D1320C0B-A149-4F67-9373-A14A7DBC929A}"/>
+                <a16:creationId xmlns:a16="http://schemas.microsoft.com/office/drawing/2014/main" id="{41A86C1C-1B08-4CD6-A7E0-E58DB123F010}"/>
               </a:ext>
             </a:extLst>
           </p:cNvPr>
@@ -5759,98 +6228,20 @@
         </p:blipFill>
         <p:spPr>
           <a:xfrm>
-            <a:off x="4284794" y="4097887"/>
-            <a:ext cx="7824345" cy="2268366"/>
+            <a:off x="5239415" y="3121093"/>
+            <a:ext cx="6689730" cy="3178071"/>
           </a:xfrm>
           <a:prstGeom prst="rect">
             <a:avLst/>
           </a:prstGeom>
         </p:spPr>
       </p:pic>
-      <p:sp>
-        <p:nvSpPr>
-          <p:cNvPr id="11" name="CasellaDiTesto 10">
-            <a:extLst>
-              <a:ext uri="{FF2B5EF4-FFF2-40B4-BE49-F238E27FC236}">
-                <a16:creationId xmlns:a16="http://schemas.microsoft.com/office/drawing/2014/main" id="{8C335ABF-F52B-47ED-BEFA-E213F741892D}"/>
-              </a:ext>
-            </a:extLst>
-          </p:cNvPr>
-          <p:cNvSpPr txBox="1"/>
-          <p:nvPr/>
-        </p:nvSpPr>
-        <p:spPr>
-          <a:xfrm>
-            <a:off x="367313" y="1494215"/>
-            <a:ext cx="3917481" cy="3539430"/>
-          </a:xfrm>
-          <a:prstGeom prst="rect">
-            <a:avLst/>
-          </a:prstGeom>
-          <a:noFill/>
-        </p:spPr>
-        <p:txBody>
-          <a:bodyPr wrap="square" rtlCol="0">
-            <a:spAutoFit/>
-          </a:bodyPr>
-          <a:lstStyle/>
-          <a:p>
-            <a:r>
-              <a:rPr lang="it-IT" sz="2800" dirty="0">
-                <a:solidFill>
-                  <a:srgbClr val="002060"/>
-                </a:solidFill>
-                <a:latin typeface="+mj-lt"/>
-              </a:rPr>
-              <a:t>Valutiamo i risultati  in presenza di un vincolo di uguaglianza </a:t>
-            </a:r>
-            <a:r>
-              <a:rPr lang="it-IT" sz="2800" b="1" i="1" dirty="0">
-                <a:solidFill>
-                  <a:srgbClr val="C00000"/>
-                </a:solidFill>
-                <a:latin typeface="+mj-lt"/>
-              </a:rPr>
-              <a:t>R = 2Z </a:t>
-            </a:r>
-            <a:r>
-              <a:rPr lang="it-IT" sz="2800" dirty="0">
-                <a:solidFill>
-                  <a:srgbClr val="002060"/>
-                </a:solidFill>
-                <a:latin typeface="+mj-lt"/>
-              </a:rPr>
-              <a:t>in due dimensioni. </a:t>
-            </a:r>
-            <a:br>
-              <a:rPr lang="it-IT" sz="2800" dirty="0">
-                <a:solidFill>
-                  <a:srgbClr val="002060"/>
-                </a:solidFill>
-                <a:latin typeface="+mj-lt"/>
-              </a:rPr>
-            </a:br>
-            <a:r>
-              <a:rPr lang="it-IT" sz="2800" dirty="0">
-                <a:solidFill>
-                  <a:srgbClr val="002060"/>
-                </a:solidFill>
-                <a:latin typeface="+mj-lt"/>
-              </a:rPr>
-              <a:t>Analogamente al caso in 3D, anche qui la percentuale di errore aumenta di molto.</a:t>
-            </a:r>
-            <a:endParaRPr lang="it-IT" dirty="0">
-              <a:latin typeface="+mj-lt"/>
-            </a:endParaRPr>
-          </a:p>
-        </p:txBody>
-      </p:sp>
       <p:cxnSp>
         <p:nvCxnSpPr>
-          <p:cNvPr id="14" name="Connettore diritto 13">
-            <a:extLst>
-              <a:ext uri="{FF2B5EF4-FFF2-40B4-BE49-F238E27FC236}">
-                <a16:creationId xmlns:a16="http://schemas.microsoft.com/office/drawing/2014/main" id="{7C54C90B-22FF-4C48-A056-52F24CBE6298}"/>
+          <p:cNvPr id="6" name="Connettore diritto 5">
+            <a:extLst>
+              <a:ext uri="{FF2B5EF4-FFF2-40B4-BE49-F238E27FC236}">
+                <a16:creationId xmlns:a16="http://schemas.microsoft.com/office/drawing/2014/main" id="{B55DB0D4-3783-4F5C-AD3E-B5235DE52A3E}"/>
               </a:ext>
             </a:extLst>
           </p:cNvPr>
@@ -5861,8 +6252,8 @@
         </p:nvCxnSpPr>
         <p:spPr>
           <a:xfrm>
-            <a:off x="481011" y="1233134"/>
-            <a:ext cx="11628129" cy="0"/>
+            <a:off x="938212" y="1133242"/>
+            <a:ext cx="10990933" cy="0"/>
           </a:xfrm>
           <a:prstGeom prst="line">
             <a:avLst/>
@@ -5883,12 +6274,72 @@
           </a:fontRef>
         </p:style>
       </p:cxnSp>
+      <p:sp>
+        <p:nvSpPr>
+          <p:cNvPr id="8" name="Titolo 1">
+            <a:extLst>
+              <a:ext uri="{FF2B5EF4-FFF2-40B4-BE49-F238E27FC236}">
+                <a16:creationId xmlns:a16="http://schemas.microsoft.com/office/drawing/2014/main" id="{96D2AA62-1AF3-4103-8973-45C0203F85D7}"/>
+              </a:ext>
+            </a:extLst>
+          </p:cNvPr>
+          <p:cNvSpPr txBox="1">
+            <a:spLocks/>
+          </p:cNvSpPr>
+          <p:nvPr/>
+        </p:nvSpPr>
+        <p:spPr>
+          <a:xfrm>
+            <a:off x="823910" y="239436"/>
+            <a:ext cx="10199224" cy="1054100"/>
+          </a:xfrm>
+          <a:prstGeom prst="rect">
+            <a:avLst/>
+          </a:prstGeom>
+        </p:spPr>
+        <p:txBody>
+          <a:bodyPr vert="horz" lIns="91440" tIns="45720" rIns="91440" bIns="45720" rtlCol="0" anchor="ctr">
+            <a:normAutofit fontScale="92500"/>
+          </a:bodyPr>
+          <a:lstStyle>
+            <a:lvl1pPr algn="l" defTabSz="914400" rtl="0" eaLnBrk="1" latinLnBrk="0" hangingPunct="1">
+              <a:lnSpc>
+                <a:spcPct val="90000"/>
+              </a:lnSpc>
+              <a:spcBef>
+                <a:spcPct val="0"/>
+              </a:spcBef>
+              <a:buNone/>
+              <a:defRPr sz="4400" kern="1200">
+                <a:solidFill>
+                  <a:schemeClr val="tx1"/>
+                </a:solidFill>
+                <a:latin typeface="+mj-lt"/>
+                <a:ea typeface="+mj-ea"/>
+                <a:cs typeface="+mj-cs"/>
+              </a:defRPr>
+            </a:lvl1pPr>
+          </a:lstStyle>
+          <a:p>
+            <a:r>
+              <a:rPr lang="it-IT" b="1" dirty="0">
+                <a:solidFill>
+                  <a:srgbClr val="002060"/>
+                </a:solidFill>
+                <a:ea typeface="Doulos SIL" panose="02000500070000020004" pitchFamily="2" charset="0"/>
+                <a:cs typeface="Doulos SIL" panose="02000500070000020004" pitchFamily="2" charset="0"/>
+              </a:rPr>
+              <a:t>6. Esperimento: 3D con vincolo di disuguaglianza</a:t>
+            </a:r>
+          </a:p>
+        </p:txBody>
+      </p:sp>
       <p:cxnSp>
         <p:nvCxnSpPr>
-          <p:cNvPr id="15" name="Connettore diritto 14">
-            <a:extLst>
-              <a:ext uri="{FF2B5EF4-FFF2-40B4-BE49-F238E27FC236}">
-                <a16:creationId xmlns:a16="http://schemas.microsoft.com/office/drawing/2014/main" id="{309BBCB1-CED9-44B0-9338-7D96441AB710}"/>
+          <p:cNvPr id="9" name="Connettore diritto 8">
+            <a:extLst>
+              <a:ext uri="{FF2B5EF4-FFF2-40B4-BE49-F238E27FC236}">
+                <a16:creationId xmlns:a16="http://schemas.microsoft.com/office/drawing/2014/main" id="{0B514A9B-3468-42BC-8113-7B0794F528BA}"/>
               </a:ext>
             </a:extLst>
           </p:cNvPr>
@@ -5899,8 +6350,8 @@
         </p:nvCxnSpPr>
         <p:spPr>
           <a:xfrm>
-            <a:off x="581626" y="6461865"/>
-            <a:ext cx="11527514" cy="0"/>
+            <a:off x="823911" y="6357584"/>
+            <a:ext cx="11105234" cy="0"/>
           </a:xfrm>
           <a:prstGeom prst="line">
             <a:avLst/>
@@ -5923,10 +6374,10 @@
       </p:cxnSp>
       <p:pic>
         <p:nvPicPr>
-          <p:cNvPr id="4" name="Immagine 3">
-            <a:extLst>
-              <a:ext uri="{FF2B5EF4-FFF2-40B4-BE49-F238E27FC236}">
-                <a16:creationId xmlns:a16="http://schemas.microsoft.com/office/drawing/2014/main" id="{328F42EE-0A52-43DC-BABB-5FCE70603FC9}"/>
+          <p:cNvPr id="2" name="Immagine 1">
+            <a:extLst>
+              <a:ext uri="{FF2B5EF4-FFF2-40B4-BE49-F238E27FC236}">
+                <a16:creationId xmlns:a16="http://schemas.microsoft.com/office/drawing/2014/main" id="{7DD026CF-477F-405F-A921-899D74880D3C}"/>
               </a:ext>
             </a:extLst>
           </p:cNvPr>
@@ -5936,21 +6387,15 @@
           <p:nvPr/>
         </p:nvPicPr>
         <p:blipFill>
-          <a:blip r:embed="rId4">
-            <a:extLst>
-              <a:ext uri="{28A0092B-C50C-407E-A947-70E740481C1C}">
-                <a14:useLocalDpi xmlns:a14="http://schemas.microsoft.com/office/drawing/2010/main" val="0"/>
-              </a:ext>
-            </a:extLst>
-          </a:blip>
+          <a:blip r:embed="rId4"/>
           <a:stretch>
             <a:fillRect/>
           </a:stretch>
         </p:blipFill>
         <p:spPr>
           <a:xfrm>
-            <a:off x="4284794" y="1509218"/>
-            <a:ext cx="7824346" cy="2588669"/>
+            <a:off x="5239415" y="1249431"/>
+            <a:ext cx="6689730" cy="1871662"/>
           </a:xfrm>
           <a:prstGeom prst="rect">
             <a:avLst/>
@@ -5960,7 +6405,7 @@
     </p:spTree>
     <p:extLst>
       <p:ext uri="{BB962C8B-B14F-4D97-AF65-F5344CB8AC3E}">
-        <p14:creationId xmlns:p14="http://schemas.microsoft.com/office/powerpoint/2010/main" val="1723690821"/>
+        <p14:creationId xmlns:p14="http://schemas.microsoft.com/office/powerpoint/2010/main" val="4237174036"/>
       </p:ext>
     </p:extLst>
   </p:cSld>
@@ -6007,6 +6452,314 @@
           <p:cNvPr id="2" name="Titolo 1">
             <a:extLst>
               <a:ext uri="{FF2B5EF4-FFF2-40B4-BE49-F238E27FC236}">
+                <a16:creationId xmlns:a16="http://schemas.microsoft.com/office/drawing/2014/main" id="{887B090B-A589-47C6-BADB-8A0D7CF3EF6A}"/>
+              </a:ext>
+            </a:extLst>
+          </p:cNvPr>
+          <p:cNvSpPr>
+            <a:spLocks noGrp="1"/>
+          </p:cNvSpPr>
+          <p:nvPr>
+            <p:ph type="title"/>
+          </p:nvPr>
+        </p:nvSpPr>
+        <p:spPr>
+          <a:xfrm>
+            <a:off x="367314" y="168653"/>
+            <a:ext cx="10515600" cy="1325563"/>
+          </a:xfrm>
+        </p:spPr>
+        <p:txBody>
+          <a:bodyPr/>
+          <a:lstStyle/>
+          <a:p>
+            <a:r>
+              <a:rPr lang="it-IT" b="1" dirty="0">
+                <a:solidFill>
+                  <a:srgbClr val="002060"/>
+                </a:solidFill>
+              </a:rPr>
+              <a:t>6. Esperimento: 2D con vincolo di uguaglianza</a:t>
+            </a:r>
+          </a:p>
+        </p:txBody>
+      </p:sp>
+      <p:pic>
+        <p:nvPicPr>
+          <p:cNvPr id="7" name="Immagine 6">
+            <a:extLst>
+              <a:ext uri="{FF2B5EF4-FFF2-40B4-BE49-F238E27FC236}">
+                <a16:creationId xmlns:a16="http://schemas.microsoft.com/office/drawing/2014/main" id="{D1320C0B-A149-4F67-9373-A14A7DBC929A}"/>
+              </a:ext>
+            </a:extLst>
+          </p:cNvPr>
+          <p:cNvPicPr>
+            <a:picLocks noChangeAspect="1"/>
+          </p:cNvPicPr>
+          <p:nvPr/>
+        </p:nvPicPr>
+        <p:blipFill>
+          <a:blip r:embed="rId3">
+            <a:extLst>
+              <a:ext uri="{28A0092B-C50C-407E-A947-70E740481C1C}">
+                <a14:useLocalDpi xmlns:a14="http://schemas.microsoft.com/office/drawing/2010/main" val="0"/>
+              </a:ext>
+            </a:extLst>
+          </a:blip>
+          <a:stretch>
+            <a:fillRect/>
+          </a:stretch>
+        </p:blipFill>
+        <p:spPr>
+          <a:xfrm>
+            <a:off x="4284794" y="4097887"/>
+            <a:ext cx="7824345" cy="2268366"/>
+          </a:xfrm>
+          <a:prstGeom prst="rect">
+            <a:avLst/>
+          </a:prstGeom>
+        </p:spPr>
+      </p:pic>
+      <p:sp>
+        <p:nvSpPr>
+          <p:cNvPr id="11" name="CasellaDiTesto 10">
+            <a:extLst>
+              <a:ext uri="{FF2B5EF4-FFF2-40B4-BE49-F238E27FC236}">
+                <a16:creationId xmlns:a16="http://schemas.microsoft.com/office/drawing/2014/main" id="{8C335ABF-F52B-47ED-BEFA-E213F741892D}"/>
+              </a:ext>
+            </a:extLst>
+          </p:cNvPr>
+          <p:cNvSpPr txBox="1"/>
+          <p:nvPr/>
+        </p:nvSpPr>
+        <p:spPr>
+          <a:xfrm>
+            <a:off x="367313" y="1494215"/>
+            <a:ext cx="3917481" cy="3539430"/>
+          </a:xfrm>
+          <a:prstGeom prst="rect">
+            <a:avLst/>
+          </a:prstGeom>
+          <a:noFill/>
+        </p:spPr>
+        <p:txBody>
+          <a:bodyPr wrap="square" rtlCol="0">
+            <a:spAutoFit/>
+          </a:bodyPr>
+          <a:lstStyle/>
+          <a:p>
+            <a:r>
+              <a:rPr lang="it-IT" sz="2800" dirty="0">
+                <a:solidFill>
+                  <a:srgbClr val="002060"/>
+                </a:solidFill>
+                <a:latin typeface="+mj-lt"/>
+              </a:rPr>
+              <a:t>Valutiamo i risultati  in presenza di un vincolo di uguaglianza </a:t>
+            </a:r>
+            <a:r>
+              <a:rPr lang="it-IT" sz="2800" b="1" i="1" dirty="0">
+                <a:solidFill>
+                  <a:srgbClr val="C00000"/>
+                </a:solidFill>
+                <a:latin typeface="+mj-lt"/>
+              </a:rPr>
+              <a:t>R = 2Z </a:t>
+            </a:r>
+            <a:r>
+              <a:rPr lang="it-IT" sz="2800" dirty="0">
+                <a:solidFill>
+                  <a:srgbClr val="002060"/>
+                </a:solidFill>
+                <a:latin typeface="+mj-lt"/>
+              </a:rPr>
+              <a:t>in due dimensioni. </a:t>
+            </a:r>
+            <a:br>
+              <a:rPr lang="it-IT" sz="2800" dirty="0">
+                <a:solidFill>
+                  <a:srgbClr val="002060"/>
+                </a:solidFill>
+                <a:latin typeface="+mj-lt"/>
+              </a:rPr>
+            </a:br>
+            <a:r>
+              <a:rPr lang="it-IT" sz="2800" dirty="0">
+                <a:solidFill>
+                  <a:srgbClr val="002060"/>
+                </a:solidFill>
+                <a:latin typeface="+mj-lt"/>
+              </a:rPr>
+              <a:t>Analogamente al caso in 3D, anche qui la percentuale di errore aumenta di molto.</a:t>
+            </a:r>
+            <a:endParaRPr lang="it-IT" dirty="0">
+              <a:latin typeface="+mj-lt"/>
+            </a:endParaRPr>
+          </a:p>
+        </p:txBody>
+      </p:sp>
+      <p:cxnSp>
+        <p:nvCxnSpPr>
+          <p:cNvPr id="14" name="Connettore diritto 13">
+            <a:extLst>
+              <a:ext uri="{FF2B5EF4-FFF2-40B4-BE49-F238E27FC236}">
+                <a16:creationId xmlns:a16="http://schemas.microsoft.com/office/drawing/2014/main" id="{7C54C90B-22FF-4C48-A056-52F24CBE6298}"/>
+              </a:ext>
+            </a:extLst>
+          </p:cNvPr>
+          <p:cNvCxnSpPr>
+            <a:cxnSpLocks/>
+          </p:cNvCxnSpPr>
+          <p:nvPr/>
+        </p:nvCxnSpPr>
+        <p:spPr>
+          <a:xfrm>
+            <a:off x="481011" y="1233134"/>
+            <a:ext cx="11628129" cy="0"/>
+          </a:xfrm>
+          <a:prstGeom prst="line">
+            <a:avLst/>
+          </a:prstGeom>
+        </p:spPr>
+        <p:style>
+          <a:lnRef idx="1">
+            <a:schemeClr val="accent1"/>
+          </a:lnRef>
+          <a:fillRef idx="0">
+            <a:schemeClr val="accent1"/>
+          </a:fillRef>
+          <a:effectRef idx="0">
+            <a:schemeClr val="accent1"/>
+          </a:effectRef>
+          <a:fontRef idx="minor">
+            <a:schemeClr val="tx1"/>
+          </a:fontRef>
+        </p:style>
+      </p:cxnSp>
+      <p:cxnSp>
+        <p:nvCxnSpPr>
+          <p:cNvPr id="15" name="Connettore diritto 14">
+            <a:extLst>
+              <a:ext uri="{FF2B5EF4-FFF2-40B4-BE49-F238E27FC236}">
+                <a16:creationId xmlns:a16="http://schemas.microsoft.com/office/drawing/2014/main" id="{309BBCB1-CED9-44B0-9338-7D96441AB710}"/>
+              </a:ext>
+            </a:extLst>
+          </p:cNvPr>
+          <p:cNvCxnSpPr>
+            <a:cxnSpLocks/>
+          </p:cNvCxnSpPr>
+          <p:nvPr/>
+        </p:nvCxnSpPr>
+        <p:spPr>
+          <a:xfrm>
+            <a:off x="581626" y="6461865"/>
+            <a:ext cx="11527514" cy="0"/>
+          </a:xfrm>
+          <a:prstGeom prst="line">
+            <a:avLst/>
+          </a:prstGeom>
+        </p:spPr>
+        <p:style>
+          <a:lnRef idx="1">
+            <a:schemeClr val="accent1"/>
+          </a:lnRef>
+          <a:fillRef idx="0">
+            <a:schemeClr val="accent1"/>
+          </a:fillRef>
+          <a:effectRef idx="0">
+            <a:schemeClr val="accent1"/>
+          </a:effectRef>
+          <a:fontRef idx="minor">
+            <a:schemeClr val="tx1"/>
+          </a:fontRef>
+        </p:style>
+      </p:cxnSp>
+      <p:pic>
+        <p:nvPicPr>
+          <p:cNvPr id="4" name="Immagine 3">
+            <a:extLst>
+              <a:ext uri="{FF2B5EF4-FFF2-40B4-BE49-F238E27FC236}">
+                <a16:creationId xmlns:a16="http://schemas.microsoft.com/office/drawing/2014/main" id="{328F42EE-0A52-43DC-BABB-5FCE70603FC9}"/>
+              </a:ext>
+            </a:extLst>
+          </p:cNvPr>
+          <p:cNvPicPr>
+            <a:picLocks noChangeAspect="1"/>
+          </p:cNvPicPr>
+          <p:nvPr/>
+        </p:nvPicPr>
+        <p:blipFill>
+          <a:blip r:embed="rId4">
+            <a:extLst>
+              <a:ext uri="{28A0092B-C50C-407E-A947-70E740481C1C}">
+                <a14:useLocalDpi xmlns:a14="http://schemas.microsoft.com/office/drawing/2010/main" val="0"/>
+              </a:ext>
+            </a:extLst>
+          </a:blip>
+          <a:stretch>
+            <a:fillRect/>
+          </a:stretch>
+        </p:blipFill>
+        <p:spPr>
+          <a:xfrm>
+            <a:off x="4284794" y="1509218"/>
+            <a:ext cx="7824346" cy="2588669"/>
+          </a:xfrm>
+          <a:prstGeom prst="rect">
+            <a:avLst/>
+          </a:prstGeom>
+        </p:spPr>
+      </p:pic>
+    </p:spTree>
+    <p:extLst>
+      <p:ext uri="{BB962C8B-B14F-4D97-AF65-F5344CB8AC3E}">
+        <p14:creationId xmlns:p14="http://schemas.microsoft.com/office/powerpoint/2010/main" val="1723690821"/>
+      </p:ext>
+    </p:extLst>
+  </p:cSld>
+  <p:clrMapOvr>
+    <a:masterClrMapping/>
+  </p:clrMapOvr>
+</p:sld>
+</file>
+
+<file path=ppt/slides/slide18.xml><?xml version="1.0" encoding="utf-8"?>
+<p:sld xmlns:a="http://schemas.openxmlformats.org/drawingml/2006/main" xmlns:r="http://schemas.openxmlformats.org/officeDocument/2006/relationships" xmlns:p="http://schemas.openxmlformats.org/presentationml/2006/main">
+  <p:cSld>
+    <p:bg>
+      <p:bgPr>
+        <a:blipFill dpi="0" rotWithShape="1">
+          <a:blip r:embed="rId2">
+            <a:alphaModFix amt="58000"/>
+            <a:lum/>
+          </a:blip>
+          <a:srcRect/>
+          <a:stretch>
+            <a:fillRect l="-3000" r="-3000"/>
+          </a:stretch>
+        </a:blipFill>
+        <a:effectLst/>
+      </p:bgPr>
+    </p:bg>
+    <p:spTree>
+      <p:nvGrpSpPr>
+        <p:cNvPr id="1" name=""/>
+        <p:cNvGrpSpPr/>
+        <p:nvPr/>
+      </p:nvGrpSpPr>
+      <p:grpSpPr>
+        <a:xfrm>
+          <a:off x="0" y="0"/>
+          <a:ext cx="0" cy="0"/>
+          <a:chOff x="0" y="0"/>
+          <a:chExt cx="0" cy="0"/>
+        </a:xfrm>
+      </p:grpSpPr>
+      <p:sp>
+        <p:nvSpPr>
+          <p:cNvPr id="2" name="Titolo 1">
+            <a:extLst>
+              <a:ext uri="{FF2B5EF4-FFF2-40B4-BE49-F238E27FC236}">
                 <a16:creationId xmlns:a16="http://schemas.microsoft.com/office/drawing/2014/main" id="{A9323D79-27CA-4EC6-9E43-055ACC146F48}"/>
               </a:ext>
             </a:extLst>
@@ -6154,6 +6907,622 @@
     <p:extLst>
       <p:ext uri="{BB962C8B-B14F-4D97-AF65-F5344CB8AC3E}">
         <p14:creationId xmlns:p14="http://schemas.microsoft.com/office/powerpoint/2010/main" val="3339314142"/>
+      </p:ext>
+    </p:extLst>
+  </p:cSld>
+  <p:clrMapOvr>
+    <a:masterClrMapping/>
+  </p:clrMapOvr>
+</p:sld>
+</file>
+
+<file path=ppt/slides/slide19.xml><?xml version="1.0" encoding="utf-8"?>
+<p:sld xmlns:a="http://schemas.openxmlformats.org/drawingml/2006/main" xmlns:r="http://schemas.openxmlformats.org/officeDocument/2006/relationships" xmlns:p="http://schemas.openxmlformats.org/presentationml/2006/main">
+  <p:cSld>
+    <p:bg>
+      <p:bgPr>
+        <a:blipFill dpi="0" rotWithShape="1">
+          <a:blip r:embed="rId2">
+            <a:alphaModFix amt="58000"/>
+            <a:lum/>
+          </a:blip>
+          <a:srcRect/>
+          <a:stretch>
+            <a:fillRect l="-3000" r="-3000"/>
+          </a:stretch>
+        </a:blipFill>
+        <a:effectLst/>
+      </p:bgPr>
+    </p:bg>
+    <p:spTree>
+      <p:nvGrpSpPr>
+        <p:cNvPr id="1" name=""/>
+        <p:cNvGrpSpPr/>
+        <p:nvPr/>
+      </p:nvGrpSpPr>
+      <p:grpSpPr>
+        <a:xfrm>
+          <a:off x="0" y="0"/>
+          <a:ext cx="0" cy="0"/>
+          <a:chOff x="0" y="0"/>
+          <a:chExt cx="0" cy="0"/>
+        </a:xfrm>
+      </p:grpSpPr>
+      <p:sp>
+        <p:nvSpPr>
+          <p:cNvPr id="2" name="Titolo 1">
+            <a:extLst>
+              <a:ext uri="{FF2B5EF4-FFF2-40B4-BE49-F238E27FC236}">
+                <a16:creationId xmlns:a16="http://schemas.microsoft.com/office/drawing/2014/main" id="{A9323D79-27CA-4EC6-9E43-055ACC146F48}"/>
+              </a:ext>
+            </a:extLst>
+          </p:cNvPr>
+          <p:cNvSpPr>
+            <a:spLocks noGrp="1"/>
+          </p:cNvSpPr>
+          <p:nvPr>
+            <p:ph type="title"/>
+          </p:nvPr>
+        </p:nvSpPr>
+        <p:spPr>
+          <a:xfrm>
+            <a:off x="481011" y="344690"/>
+            <a:ext cx="10515600" cy="837000"/>
+          </a:xfrm>
+        </p:spPr>
+        <p:txBody>
+          <a:bodyPr/>
+          <a:lstStyle/>
+          <a:p>
+            <a:r>
+              <a:rPr lang="it-IT" b="1" dirty="0">
+                <a:solidFill>
+                  <a:srgbClr val="002060"/>
+                </a:solidFill>
+              </a:rPr>
+              <a:t>7. Risultati e conclusioni</a:t>
+            </a:r>
+          </a:p>
+        </p:txBody>
+      </p:sp>
+      <p:cxnSp>
+        <p:nvCxnSpPr>
+          <p:cNvPr id="4" name="Connettore diritto 3">
+            <a:extLst>
+              <a:ext uri="{FF2B5EF4-FFF2-40B4-BE49-F238E27FC236}">
+                <a16:creationId xmlns:a16="http://schemas.microsoft.com/office/drawing/2014/main" id="{D37A71E1-DF52-4E56-BE92-F9CAB8BB1E10}"/>
+              </a:ext>
+            </a:extLst>
+          </p:cNvPr>
+          <p:cNvCxnSpPr>
+            <a:cxnSpLocks/>
+          </p:cNvCxnSpPr>
+          <p:nvPr/>
+        </p:nvCxnSpPr>
+        <p:spPr>
+          <a:xfrm>
+            <a:off x="481011" y="1233134"/>
+            <a:ext cx="11162908" cy="0"/>
+          </a:xfrm>
+          <a:prstGeom prst="line">
+            <a:avLst/>
+          </a:prstGeom>
+        </p:spPr>
+        <p:style>
+          <a:lnRef idx="1">
+            <a:schemeClr val="accent1"/>
+          </a:lnRef>
+          <a:fillRef idx="0">
+            <a:schemeClr val="accent1"/>
+          </a:fillRef>
+          <a:effectRef idx="0">
+            <a:schemeClr val="accent1"/>
+          </a:effectRef>
+          <a:fontRef idx="minor">
+            <a:schemeClr val="tx1"/>
+          </a:fontRef>
+        </p:style>
+      </p:cxnSp>
+      <p:cxnSp>
+        <p:nvCxnSpPr>
+          <p:cNvPr id="6" name="Connettore diritto 5">
+            <a:extLst>
+              <a:ext uri="{FF2B5EF4-FFF2-40B4-BE49-F238E27FC236}">
+                <a16:creationId xmlns:a16="http://schemas.microsoft.com/office/drawing/2014/main" id="{4B7D4BDD-1533-47D3-AF97-9899B5BFBD08}"/>
+              </a:ext>
+            </a:extLst>
+          </p:cNvPr>
+          <p:cNvCxnSpPr>
+            <a:cxnSpLocks/>
+          </p:cNvCxnSpPr>
+          <p:nvPr/>
+        </p:nvCxnSpPr>
+        <p:spPr>
+          <a:xfrm>
+            <a:off x="581626" y="6461865"/>
+            <a:ext cx="11062293" cy="0"/>
+          </a:xfrm>
+          <a:prstGeom prst="line">
+            <a:avLst/>
+          </a:prstGeom>
+        </p:spPr>
+        <p:style>
+          <a:lnRef idx="1">
+            <a:schemeClr val="accent1"/>
+          </a:lnRef>
+          <a:fillRef idx="0">
+            <a:schemeClr val="accent1"/>
+          </a:fillRef>
+          <a:effectRef idx="0">
+            <a:schemeClr val="accent1"/>
+          </a:effectRef>
+          <a:fontRef idx="minor">
+            <a:schemeClr val="tx1"/>
+          </a:fontRef>
+        </p:style>
+      </p:cxnSp>
+      <p:sp>
+        <p:nvSpPr>
+          <p:cNvPr id="7" name="Segnaposto contenuto 6">
+            <a:extLst>
+              <a:ext uri="{FF2B5EF4-FFF2-40B4-BE49-F238E27FC236}">
+                <a16:creationId xmlns:a16="http://schemas.microsoft.com/office/drawing/2014/main" id="{61628931-8B5D-42D6-876B-2164ED1C9CAA}"/>
+              </a:ext>
+            </a:extLst>
+          </p:cNvPr>
+          <p:cNvSpPr>
+            <a:spLocks noGrp="1"/>
+          </p:cNvSpPr>
+          <p:nvPr>
+            <p:ph idx="1"/>
+          </p:nvPr>
+        </p:nvSpPr>
+        <p:spPr>
+          <a:xfrm>
+            <a:off x="481011" y="1353479"/>
+            <a:ext cx="11162908" cy="5056937"/>
+          </a:xfrm>
+        </p:spPr>
+        <p:txBody>
+          <a:bodyPr/>
+          <a:lstStyle/>
+          <a:p>
+            <a:r>
+              <a:rPr lang="it-IT" dirty="0"/>
+              <a:t>Test con 3 gradi di libertà senza vincoli: risultati più accurati in presenza di un numero minore di campioni: l’algoritmo tende a dimezzare e maggiormente e arrestarsi prima con più campioni</a:t>
+            </a:r>
+          </a:p>
+          <a:p>
+            <a:r>
+              <a:rPr lang="it-IT" dirty="0"/>
+              <a:t>Test con 3 gradi di libertà (vincolo di disuguaglianza): grossa percentuale di errore rispetto ai parametri ideali; percentuale di errore dipendente dal punto iniziale</a:t>
+            </a:r>
+          </a:p>
+          <a:p>
+            <a:r>
+              <a:rPr lang="it-IT" dirty="0"/>
+              <a:t>Test con 2 gradi di libertà (vincolo di uguaglianza): risultati coerenti con il test precedente</a:t>
+            </a:r>
+          </a:p>
+        </p:txBody>
+      </p:sp>
+      <p:graphicFrame>
+        <p:nvGraphicFramePr>
+          <p:cNvPr id="3" name="Tabella 2">
+            <a:extLst>
+              <a:ext uri="{FF2B5EF4-FFF2-40B4-BE49-F238E27FC236}">
+                <a16:creationId xmlns:a16="http://schemas.microsoft.com/office/drawing/2014/main" id="{204E56A9-4F4A-49E9-89E5-AB94E436364B}"/>
+              </a:ext>
+            </a:extLst>
+          </p:cNvPr>
+          <p:cNvGraphicFramePr>
+            <a:graphicFrameLocks noGrp="1"/>
+          </p:cNvGraphicFramePr>
+          <p:nvPr>
+            <p:extLst>
+              <p:ext uri="{D42A27DB-BD31-4B8C-83A1-F6EECF244321}">
+                <p14:modId xmlns:p14="http://schemas.microsoft.com/office/powerpoint/2010/main" val="3367582761"/>
+              </p:ext>
+            </p:extLst>
+          </p:nvPr>
+        </p:nvGraphicFramePr>
+        <p:xfrm>
+          <a:off x="581626" y="4790050"/>
+          <a:ext cx="11028749" cy="1654233"/>
+        </p:xfrm>
+        <a:graphic>
+          <a:graphicData uri="http://schemas.openxmlformats.org/drawingml/2006/table">
+            <a:tbl>
+              <a:tblPr firstRow="1" bandRow="1">
+                <a:tableStyleId>{69CF1AB2-1976-4502-BF36-3FF5EA218861}</a:tableStyleId>
+              </a:tblPr>
+              <a:tblGrid>
+                <a:gridCol w="2828433">
+                  <a:extLst>
+                    <a:ext uri="{9D8B030D-6E8A-4147-A177-3AD203B41FA5}">
+                      <a16:colId xmlns:a16="http://schemas.microsoft.com/office/drawing/2014/main" val="2941238680"/>
+                    </a:ext>
+                  </a:extLst>
+                </a:gridCol>
+                <a:gridCol w="2735814">
+                  <a:extLst>
+                    <a:ext uri="{9D8B030D-6E8A-4147-A177-3AD203B41FA5}">
+                      <a16:colId xmlns:a16="http://schemas.microsoft.com/office/drawing/2014/main" val="1040117994"/>
+                    </a:ext>
+                  </a:extLst>
+                </a:gridCol>
+                <a:gridCol w="2617312">
+                  <a:extLst>
+                    <a:ext uri="{9D8B030D-6E8A-4147-A177-3AD203B41FA5}">
+                      <a16:colId xmlns:a16="http://schemas.microsoft.com/office/drawing/2014/main" val="1615730639"/>
+                    </a:ext>
+                  </a:extLst>
+                </a:gridCol>
+                <a:gridCol w="2847190">
+                  <a:extLst>
+                    <a:ext uri="{9D8B030D-6E8A-4147-A177-3AD203B41FA5}">
+                      <a16:colId xmlns:a16="http://schemas.microsoft.com/office/drawing/2014/main" val="2459419178"/>
+                    </a:ext>
+                  </a:extLst>
+                </a:gridCol>
+              </a:tblGrid>
+              <a:tr h="551411">
+                <a:tc>
+                  <a:txBody>
+                    <a:bodyPr/>
+                    <a:lstStyle/>
+                    <a:p>
+                      <a:pPr algn="ctr">
+                        <a:lnSpc>
+                          <a:spcPct val="100000"/>
+                        </a:lnSpc>
+                      </a:pPr>
+                      <a:r>
+                        <a:rPr lang="it-IT" sz="2400" b="0" dirty="0"/>
+                        <a:t>3D senza vincoli</a:t>
+                      </a:r>
+                    </a:p>
+                  </a:txBody>
+                  <a:tcPr anchor="ctr"/>
+                </a:tc>
+                <a:tc>
+                  <a:txBody>
+                    <a:bodyPr/>
+                    <a:lstStyle/>
+                    <a:p>
+                      <a:pPr algn="ctr">
+                        <a:lnSpc>
+                          <a:spcPct val="100000"/>
+                        </a:lnSpc>
+                      </a:pPr>
+                      <a:r>
+                        <a:rPr lang="it-IT" sz="2400" b="0" dirty="0"/>
+                        <a:t>R = 0.796 ± 0.001m</a:t>
+                      </a:r>
+                    </a:p>
+                  </a:txBody>
+                  <a:tcPr anchor="ctr"/>
+                </a:tc>
+                <a:tc>
+                  <a:txBody>
+                    <a:bodyPr/>
+                    <a:lstStyle/>
+                    <a:p>
+                      <a:pPr marL="0" marR="0" lvl="0" indent="0" algn="ctr" defTabSz="914400" rtl="0" eaLnBrk="1" fontAlgn="auto" latinLnBrk="0" hangingPunct="1">
+                        <a:lnSpc>
+                          <a:spcPct val="100000"/>
+                        </a:lnSpc>
+                        <a:spcBef>
+                          <a:spcPts val="0"/>
+                        </a:spcBef>
+                        <a:spcAft>
+                          <a:spcPts val="0"/>
+                        </a:spcAft>
+                        <a:buClrTx/>
+                        <a:buSzTx/>
+                        <a:buFontTx/>
+                        <a:buNone/>
+                        <a:tabLst/>
+                        <a:defRPr/>
+                      </a:pPr>
+                      <a:r>
+                        <a:rPr lang="it-IT" sz="2400" b="0" dirty="0"/>
+                        <a:t>I = 4.981 ± 0.001A</a:t>
+                      </a:r>
+                    </a:p>
+                  </a:txBody>
+                  <a:tcPr anchor="ctr"/>
+                </a:tc>
+                <a:tc>
+                  <a:txBody>
+                    <a:bodyPr/>
+                    <a:lstStyle/>
+                    <a:p>
+                      <a:pPr marL="0" marR="0" lvl="0" indent="0" algn="ctr" defTabSz="914400" rtl="0" eaLnBrk="1" fontAlgn="auto" latinLnBrk="0" hangingPunct="1">
+                        <a:lnSpc>
+                          <a:spcPct val="100000"/>
+                        </a:lnSpc>
+                        <a:spcBef>
+                          <a:spcPts val="0"/>
+                        </a:spcBef>
+                        <a:spcAft>
+                          <a:spcPts val="0"/>
+                        </a:spcAft>
+                        <a:buClrTx/>
+                        <a:buSzTx/>
+                        <a:buFontTx/>
+                        <a:buNone/>
+                        <a:tabLst/>
+                        <a:defRPr/>
+                      </a:pPr>
+                      <a:r>
+                        <a:rPr lang="it-IT" sz="2400" b="0" dirty="0"/>
+                        <a:t>Z = 0.699 ± 0.001m</a:t>
+                      </a:r>
+                    </a:p>
+                  </a:txBody>
+                  <a:tcPr anchor="ctr"/>
+                </a:tc>
+                <a:extLst>
+                  <a:ext uri="{0D108BD9-81ED-4DB2-BD59-A6C34878D82A}">
+                    <a16:rowId xmlns:a16="http://schemas.microsoft.com/office/drawing/2014/main" val="3227067816"/>
+                  </a:ext>
+                </a:extLst>
+              </a:tr>
+              <a:tr h="551411">
+                <a:tc>
+                  <a:txBody>
+                    <a:bodyPr/>
+                    <a:lstStyle/>
+                    <a:p>
+                      <a:pPr algn="ctr">
+                        <a:lnSpc>
+                          <a:spcPct val="100000"/>
+                        </a:lnSpc>
+                      </a:pPr>
+                      <a:r>
+                        <a:rPr lang="it-IT" sz="2400" b="0" dirty="0"/>
+                        <a:t>3D vincolo </a:t>
+                      </a:r>
+                      <a:r>
+                        <a:rPr lang="it-IT" sz="2400" b="0" dirty="0" err="1"/>
+                        <a:t>dis</a:t>
+                      </a:r>
+                      <a:r>
+                        <a:rPr lang="it-IT" sz="2400" b="0" dirty="0"/>
+                        <a:t>.</a:t>
+                      </a:r>
+                    </a:p>
+                  </a:txBody>
+                  <a:tcPr anchor="ctr"/>
+                </a:tc>
+                <a:tc>
+                  <a:txBody>
+                    <a:bodyPr/>
+                    <a:lstStyle/>
+                    <a:p>
+                      <a:pPr marL="0" marR="0" lvl="0" indent="0" algn="ctr" defTabSz="914400" rtl="0" eaLnBrk="1" fontAlgn="auto" latinLnBrk="0" hangingPunct="1">
+                        <a:lnSpc>
+                          <a:spcPct val="100000"/>
+                        </a:lnSpc>
+                        <a:spcBef>
+                          <a:spcPts val="0"/>
+                        </a:spcBef>
+                        <a:spcAft>
+                          <a:spcPts val="0"/>
+                        </a:spcAft>
+                        <a:buClrTx/>
+                        <a:buSzTx/>
+                        <a:buFontTx/>
+                        <a:buNone/>
+                        <a:tabLst/>
+                        <a:defRPr/>
+                      </a:pPr>
+                      <a:r>
+                        <a:rPr lang="it-IT" sz="2400" b="0" dirty="0"/>
+                        <a:t>R = 0.991 ± 0.001m</a:t>
+                      </a:r>
+                    </a:p>
+                  </a:txBody>
+                  <a:tcPr anchor="ctr"/>
+                </a:tc>
+                <a:tc>
+                  <a:txBody>
+                    <a:bodyPr/>
+                    <a:lstStyle/>
+                    <a:p>
+                      <a:pPr marL="0" marR="0" lvl="0" indent="0" algn="ctr" defTabSz="914400" rtl="0" eaLnBrk="1" fontAlgn="auto" latinLnBrk="0" hangingPunct="1">
+                        <a:lnSpc>
+                          <a:spcPct val="100000"/>
+                        </a:lnSpc>
+                        <a:spcBef>
+                          <a:spcPts val="0"/>
+                        </a:spcBef>
+                        <a:spcAft>
+                          <a:spcPts val="0"/>
+                        </a:spcAft>
+                        <a:buClrTx/>
+                        <a:buSzTx/>
+                        <a:buFontTx/>
+                        <a:buNone/>
+                        <a:tabLst/>
+                        <a:defRPr/>
+                      </a:pPr>
+                      <a:r>
+                        <a:rPr lang="it-IT" sz="2400" b="0" dirty="0"/>
+                        <a:t>I = 4.093 ± 0.001A</a:t>
+                      </a:r>
+                    </a:p>
+                  </a:txBody>
+                  <a:tcPr anchor="ctr"/>
+                </a:tc>
+                <a:tc>
+                  <a:txBody>
+                    <a:bodyPr/>
+                    <a:lstStyle/>
+                    <a:p>
+                      <a:pPr marL="0" marR="0" lvl="0" indent="0" algn="ctr" defTabSz="914400" rtl="0" eaLnBrk="1" fontAlgn="auto" latinLnBrk="0" hangingPunct="1">
+                        <a:lnSpc>
+                          <a:spcPct val="100000"/>
+                        </a:lnSpc>
+                        <a:spcBef>
+                          <a:spcPts val="0"/>
+                        </a:spcBef>
+                        <a:spcAft>
+                          <a:spcPts val="0"/>
+                        </a:spcAft>
+                        <a:buClrTx/>
+                        <a:buSzTx/>
+                        <a:buFontTx/>
+                        <a:buNone/>
+                        <a:tabLst/>
+                        <a:defRPr/>
+                      </a:pPr>
+                      <a:r>
+                        <a:rPr lang="it-IT" sz="2400" b="0" dirty="0"/>
+                        <a:t>Z = 0.495 ± 0.001m</a:t>
+                      </a:r>
+                    </a:p>
+                  </a:txBody>
+                  <a:tcPr anchor="ctr"/>
+                </a:tc>
+                <a:extLst>
+                  <a:ext uri="{0D108BD9-81ED-4DB2-BD59-A6C34878D82A}">
+                    <a16:rowId xmlns:a16="http://schemas.microsoft.com/office/drawing/2014/main" val="3856208876"/>
+                  </a:ext>
+                </a:extLst>
+              </a:tr>
+              <a:tr h="551411">
+                <a:tc>
+                  <a:txBody>
+                    <a:bodyPr/>
+                    <a:lstStyle/>
+                    <a:p>
+                      <a:pPr algn="ctr">
+                        <a:lnSpc>
+                          <a:spcPct val="100000"/>
+                        </a:lnSpc>
+                      </a:pPr>
+                      <a:r>
+                        <a:rPr lang="it-IT" sz="2400" dirty="0"/>
+                        <a:t>2D vincolo </a:t>
+                      </a:r>
+                      <a:r>
+                        <a:rPr lang="it-IT" sz="2400" dirty="0" err="1"/>
+                        <a:t>ug</a:t>
+                      </a:r>
+                      <a:r>
+                        <a:rPr lang="it-IT" sz="2400" dirty="0"/>
+                        <a:t>.</a:t>
+                      </a:r>
+                    </a:p>
+                  </a:txBody>
+                  <a:tcPr anchor="ctr"/>
+                </a:tc>
+                <a:tc>
+                  <a:txBody>
+                    <a:bodyPr/>
+                    <a:lstStyle/>
+                    <a:p>
+                      <a:pPr marL="0" marR="0" lvl="0" indent="0" algn="ctr" defTabSz="914400" rtl="0" eaLnBrk="1" fontAlgn="auto" latinLnBrk="0" hangingPunct="1">
+                        <a:lnSpc>
+                          <a:spcPct val="100000"/>
+                        </a:lnSpc>
+                        <a:spcBef>
+                          <a:spcPts val="0"/>
+                        </a:spcBef>
+                        <a:spcAft>
+                          <a:spcPts val="0"/>
+                        </a:spcAft>
+                        <a:buClrTx/>
+                        <a:buSzTx/>
+                        <a:buFontTx/>
+                        <a:buNone/>
+                        <a:tabLst/>
+                        <a:defRPr/>
+                      </a:pPr>
+                      <a:r>
+                        <a:rPr lang="it-IT" sz="2400" b="0" dirty="0"/>
+                        <a:t>R = 0.998 ± 0.001m</a:t>
+                      </a:r>
+                    </a:p>
+                  </a:txBody>
+                  <a:tcPr anchor="ctr"/>
+                </a:tc>
+                <a:tc>
+                  <a:txBody>
+                    <a:bodyPr/>
+                    <a:lstStyle/>
+                    <a:p>
+                      <a:pPr marL="0" marR="0" lvl="0" indent="0" algn="ctr" defTabSz="914400" rtl="0" eaLnBrk="1" fontAlgn="auto" latinLnBrk="0" hangingPunct="1">
+                        <a:lnSpc>
+                          <a:spcPct val="100000"/>
+                        </a:lnSpc>
+                        <a:spcBef>
+                          <a:spcPts val="0"/>
+                        </a:spcBef>
+                        <a:spcAft>
+                          <a:spcPts val="0"/>
+                        </a:spcAft>
+                        <a:buClrTx/>
+                        <a:buSzTx/>
+                        <a:buFontTx/>
+                        <a:buNone/>
+                        <a:tabLst/>
+                        <a:defRPr/>
+                      </a:pPr>
+                      <a:r>
+                        <a:rPr lang="it-IT" sz="2400" b="0" dirty="0"/>
+                        <a:t>I = 4.097 ± 0.001A</a:t>
+                      </a:r>
+                    </a:p>
+                  </a:txBody>
+                  <a:tcPr anchor="ctr"/>
+                </a:tc>
+                <a:tc>
+                  <a:txBody>
+                    <a:bodyPr/>
+                    <a:lstStyle/>
+                    <a:p>
+                      <a:pPr marL="0" marR="0" lvl="0" indent="0" algn="ctr" defTabSz="914400" rtl="0" eaLnBrk="1" fontAlgn="auto" latinLnBrk="0" hangingPunct="1">
+                        <a:lnSpc>
+                          <a:spcPct val="100000"/>
+                        </a:lnSpc>
+                        <a:spcBef>
+                          <a:spcPts val="0"/>
+                        </a:spcBef>
+                        <a:spcAft>
+                          <a:spcPts val="0"/>
+                        </a:spcAft>
+                        <a:buClrTx/>
+                        <a:buSzTx/>
+                        <a:buFontTx/>
+                        <a:buNone/>
+                        <a:tabLst/>
+                        <a:defRPr/>
+                      </a:pPr>
+                      <a:r>
+                        <a:rPr lang="it-IT" sz="2400" b="0" dirty="0"/>
+                        <a:t>Z = 0.499 ± 0.001m</a:t>
+                      </a:r>
+                    </a:p>
+                  </a:txBody>
+                  <a:tcPr anchor="ctr"/>
+                </a:tc>
+                <a:extLst>
+                  <a:ext uri="{0D108BD9-81ED-4DB2-BD59-A6C34878D82A}">
+                    <a16:rowId xmlns:a16="http://schemas.microsoft.com/office/drawing/2014/main" val="184600394"/>
+                  </a:ext>
+                </a:extLst>
+              </a:tr>
+            </a:tbl>
+          </a:graphicData>
+        </a:graphic>
+      </p:graphicFrame>
+    </p:spTree>
+    <p:extLst>
+      <p:ext uri="{BB962C8B-B14F-4D97-AF65-F5344CB8AC3E}">
+        <p14:creationId xmlns:p14="http://schemas.microsoft.com/office/powerpoint/2010/main" val="2864598954"/>
       </p:ext>
     </p:extLst>
   </p:cSld>
@@ -6214,12 +7583,12 @@
         <p:spPr>
           <a:xfrm>
             <a:off x="823911" y="499495"/>
-            <a:ext cx="4402430" cy="1054100"/>
+            <a:ext cx="2266950" cy="1054100"/>
           </a:xfrm>
         </p:spPr>
         <p:txBody>
           <a:bodyPr>
-            <a:normAutofit fontScale="90000"/>
+            <a:normAutofit/>
           </a:bodyPr>
           <a:lstStyle/>
           <a:p>
@@ -6231,25 +7600,8 @@
                 <a:ea typeface="Doulos SIL" panose="02000500070000020004" pitchFamily="2" charset="0"/>
                 <a:cs typeface="Doulos SIL" panose="02000500070000020004" pitchFamily="2" charset="0"/>
               </a:rPr>
-              <a:t>Executive </a:t>
-            </a:r>
-            <a:r>
-              <a:rPr lang="it-IT" b="1" dirty="0" err="1">
-                <a:solidFill>
-                  <a:srgbClr val="002060"/>
-                </a:solidFill>
-                <a:ea typeface="Doulos SIL" panose="02000500070000020004" pitchFamily="2" charset="0"/>
-                <a:cs typeface="Doulos SIL" panose="02000500070000020004" pitchFamily="2" charset="0"/>
-              </a:rPr>
-              <a:t>summary</a:t>
-            </a:r>
-            <a:endParaRPr lang="it-IT" b="1" dirty="0">
-              <a:solidFill>
-                <a:srgbClr val="002060"/>
-              </a:solidFill>
-              <a:ea typeface="Doulos SIL" panose="02000500070000020004" pitchFamily="2" charset="0"/>
-              <a:cs typeface="Doulos SIL" panose="02000500070000020004" pitchFamily="2" charset="0"/>
-            </a:endParaRPr>
+              <a:t>Indice</a:t>
+            </a:r>
           </a:p>
         </p:txBody>
       </p:sp>
@@ -6271,27 +7623,133 @@
         </p:nvSpPr>
         <p:spPr>
           <a:xfrm>
-            <a:off x="938212" y="1493244"/>
-            <a:ext cx="10201276" cy="4278382"/>
+            <a:off x="3083718" y="1771646"/>
+            <a:ext cx="6010275" cy="4090988"/>
           </a:xfrm>
         </p:spPr>
         <p:txBody>
           <a:bodyPr>
-            <a:normAutofit/>
+            <a:normAutofit lnSpcReduction="10000"/>
           </a:bodyPr>
           <a:lstStyle/>
           <a:p>
-            <a:pPr marL="0" indent="0">
-              <a:buNone/>
+            <a:pPr marL="514350" indent="-514350">
+              <a:buFont typeface="+mj-lt"/>
+              <a:buAutoNum type="arabicPeriod"/>
             </a:pPr>
-            <a:endParaRPr lang="it-IT" sz="3600" u="sng" dirty="0">
-              <a:solidFill>
-                <a:srgbClr val="002060"/>
-              </a:solidFill>
-              <a:latin typeface="+mj-lt"/>
-              <a:ea typeface="Doulos SIL" panose="02000500070000020004" pitchFamily="2" charset="0"/>
-              <a:cs typeface="Doulos SIL" panose="02000500070000020004" pitchFamily="2" charset="0"/>
-            </a:endParaRPr>
+            <a:r>
+              <a:rPr lang="it-IT" sz="3600" dirty="0">
+                <a:solidFill>
+                  <a:srgbClr val="002060"/>
+                </a:solidFill>
+                <a:latin typeface="+mj-lt"/>
+                <a:ea typeface="Doulos SIL" panose="02000500070000020004" pitchFamily="2" charset="0"/>
+                <a:cs typeface="Doulos SIL" panose="02000500070000020004" pitchFamily="2" charset="0"/>
+              </a:rPr>
+              <a:t>Descrizione del problema</a:t>
+            </a:r>
+          </a:p>
+          <a:p>
+            <a:pPr marL="514350" indent="-514350">
+              <a:buFont typeface="+mj-lt"/>
+              <a:buAutoNum type="arabicPeriod"/>
+            </a:pPr>
+            <a:r>
+              <a:rPr lang="it-IT" sz="3600" dirty="0">
+                <a:solidFill>
+                  <a:srgbClr val="002060"/>
+                </a:solidFill>
+                <a:latin typeface="+mj-lt"/>
+                <a:ea typeface="Doulos SIL" panose="02000500070000020004" pitchFamily="2" charset="0"/>
+                <a:cs typeface="Doulos SIL" panose="02000500070000020004" pitchFamily="2" charset="0"/>
+              </a:rPr>
+              <a:t>Obiettivo</a:t>
+            </a:r>
+          </a:p>
+          <a:p>
+            <a:pPr marL="514350" indent="-514350">
+              <a:buFont typeface="+mj-lt"/>
+              <a:buAutoNum type="arabicPeriod"/>
+            </a:pPr>
+            <a:r>
+              <a:rPr lang="it-IT" sz="3600" dirty="0">
+                <a:solidFill>
+                  <a:srgbClr val="002060"/>
+                </a:solidFill>
+                <a:latin typeface="+mj-lt"/>
+                <a:ea typeface="Doulos SIL" panose="02000500070000020004" pitchFamily="2" charset="0"/>
+                <a:cs typeface="Doulos SIL" panose="02000500070000020004" pitchFamily="2" charset="0"/>
+              </a:rPr>
+              <a:t>Formulazione matematica</a:t>
+            </a:r>
+          </a:p>
+          <a:p>
+            <a:pPr marL="514350" indent="-514350">
+              <a:buFont typeface="+mj-lt"/>
+              <a:buAutoNum type="arabicPeriod"/>
+            </a:pPr>
+            <a:r>
+              <a:rPr lang="it-IT" sz="3600" dirty="0">
+                <a:solidFill>
+                  <a:srgbClr val="002060"/>
+                </a:solidFill>
+                <a:latin typeface="+mj-lt"/>
+                <a:ea typeface="Doulos SIL" panose="02000500070000020004" pitchFamily="2" charset="0"/>
+                <a:cs typeface="Doulos SIL" panose="02000500070000020004" pitchFamily="2" charset="0"/>
+              </a:rPr>
+              <a:t>Tecnica di minimizzazione</a:t>
+            </a:r>
+          </a:p>
+          <a:p>
+            <a:pPr marL="514350" indent="-514350">
+              <a:buFont typeface="+mj-lt"/>
+              <a:buAutoNum type="arabicPeriod"/>
+            </a:pPr>
+            <a:r>
+              <a:rPr lang="it-IT" sz="3600" dirty="0">
+                <a:solidFill>
+                  <a:srgbClr val="002060"/>
+                </a:solidFill>
+                <a:latin typeface="+mj-lt"/>
+                <a:ea typeface="Doulos SIL" panose="02000500070000020004" pitchFamily="2" charset="0"/>
+                <a:cs typeface="Doulos SIL" panose="02000500070000020004" pitchFamily="2" charset="0"/>
+              </a:rPr>
+              <a:t>Considerazioni preliminari</a:t>
+            </a:r>
+          </a:p>
+          <a:p>
+            <a:pPr marL="514350" indent="-514350">
+              <a:buFont typeface="+mj-lt"/>
+              <a:buAutoNum type="arabicPeriod"/>
+            </a:pPr>
+            <a:r>
+              <a:rPr lang="it-IT" sz="3600" dirty="0">
+                <a:solidFill>
+                  <a:srgbClr val="002060"/>
+                </a:solidFill>
+                <a:latin typeface="+mj-lt"/>
+                <a:ea typeface="Doulos SIL" panose="02000500070000020004" pitchFamily="2" charset="0"/>
+                <a:cs typeface="Doulos SIL" panose="02000500070000020004" pitchFamily="2" charset="0"/>
+              </a:rPr>
+              <a:t>Esperimenti</a:t>
+            </a:r>
+          </a:p>
+          <a:p>
+            <a:pPr marL="514350" indent="-514350">
+              <a:buFont typeface="+mj-lt"/>
+              <a:buAutoNum type="arabicPeriod"/>
+            </a:pPr>
+            <a:r>
+              <a:rPr lang="it-IT" sz="3600" dirty="0">
+                <a:solidFill>
+                  <a:srgbClr val="002060"/>
+                </a:solidFill>
+                <a:latin typeface="+mj-lt"/>
+                <a:ea typeface="Doulos SIL" panose="02000500070000020004" pitchFamily="2" charset="0"/>
+                <a:cs typeface="Doulos SIL" panose="02000500070000020004" pitchFamily="2" charset="0"/>
+              </a:rPr>
+              <a:t>Risultati e conclusioni</a:t>
+            </a:r>
           </a:p>
         </p:txBody>
       </p:sp>
@@ -6374,7 +7832,7 @@
     </p:spTree>
     <p:extLst>
       <p:ext uri="{BB962C8B-B14F-4D97-AF65-F5344CB8AC3E}">
-        <p14:creationId xmlns:p14="http://schemas.microsoft.com/office/powerpoint/2010/main" val="3523414484"/>
+        <p14:creationId xmlns:p14="http://schemas.microsoft.com/office/powerpoint/2010/main" val="831528128"/>
       </p:ext>
     </p:extLst>
   </p:cSld>
@@ -6418,51 +7876,10 @@
       </p:grpSpPr>
       <p:sp>
         <p:nvSpPr>
-          <p:cNvPr id="2" name="Titolo 1">
-            <a:extLst>
-              <a:ext uri="{FF2B5EF4-FFF2-40B4-BE49-F238E27FC236}">
-                <a16:creationId xmlns:a16="http://schemas.microsoft.com/office/drawing/2014/main" id="{0192EE08-AB7D-4828-99B7-AA047875736F}"/>
-              </a:ext>
-            </a:extLst>
-          </p:cNvPr>
-          <p:cNvSpPr>
-            <a:spLocks noGrp="1"/>
-          </p:cNvSpPr>
-          <p:nvPr>
-            <p:ph type="title"/>
-          </p:nvPr>
-        </p:nvSpPr>
-        <p:spPr>
-          <a:xfrm>
-            <a:off x="823911" y="499495"/>
-            <a:ext cx="2266950" cy="1054100"/>
-          </a:xfrm>
-        </p:spPr>
-        <p:txBody>
-          <a:bodyPr>
-            <a:normAutofit/>
-          </a:bodyPr>
-          <a:lstStyle/>
-          <a:p>
-            <a:r>
-              <a:rPr lang="it-IT" b="1" dirty="0">
-                <a:solidFill>
-                  <a:srgbClr val="002060"/>
-                </a:solidFill>
-                <a:ea typeface="Doulos SIL" panose="02000500070000020004" pitchFamily="2" charset="0"/>
-                <a:cs typeface="Doulos SIL" panose="02000500070000020004" pitchFamily="2" charset="0"/>
-              </a:rPr>
-              <a:t>Indice</a:t>
-            </a:r>
-          </a:p>
-        </p:txBody>
-      </p:sp>
-      <p:sp>
-        <p:nvSpPr>
           <p:cNvPr id="3" name="Segnaposto contenuto 2">
             <a:extLst>
               <a:ext uri="{FF2B5EF4-FFF2-40B4-BE49-F238E27FC236}">
-                <a16:creationId xmlns:a16="http://schemas.microsoft.com/office/drawing/2014/main" id="{4203DB60-CF1D-4156-B591-DFA8D09E2E83}"/>
+                <a16:creationId xmlns:a16="http://schemas.microsoft.com/office/drawing/2014/main" id="{EAABDBD9-73BC-40DB-8003-5BB006B3DF81}"/>
               </a:ext>
             </a:extLst>
           </p:cNvPr>
@@ -6475,22 +7892,18 @@
         </p:nvSpPr>
         <p:spPr>
           <a:xfrm>
-            <a:off x="3083718" y="1771646"/>
-            <a:ext cx="6010275" cy="4090988"/>
+            <a:off x="218113" y="1576174"/>
+            <a:ext cx="3836201" cy="4667250"/>
           </a:xfrm>
         </p:spPr>
         <p:txBody>
-          <a:bodyPr>
-            <a:normAutofit lnSpcReduction="10000"/>
+          <a:bodyPr vert="horz" lIns="91440" tIns="45720" rIns="91440" bIns="45720" rtlCol="0" anchor="t">
+            <a:normAutofit/>
           </a:bodyPr>
           <a:lstStyle/>
           <a:p>
-            <a:pPr marL="514350" indent="-514350">
-              <a:buFont typeface="+mj-lt"/>
-              <a:buAutoNum type="arabicPeriod"/>
-            </a:pPr>
-            <a:r>
-              <a:rPr lang="it-IT" sz="3600" dirty="0">
+            <a:r>
+              <a:rPr lang="it-IT" dirty="0">
                 <a:solidFill>
                   <a:srgbClr val="002060"/>
                 </a:solidFill>
@@ -6498,33 +7911,21 @@
                 <a:ea typeface="Doulos SIL" panose="02000500070000020004" pitchFamily="2" charset="0"/>
                 <a:cs typeface="Doulos SIL" panose="02000500070000020004" pitchFamily="2" charset="0"/>
               </a:rPr>
-              <a:t>Descrizione del problema</a:t>
-            </a:r>
-          </a:p>
-          <a:p>
-            <a:pPr marL="514350" indent="-514350">
-              <a:buFont typeface="+mj-lt"/>
-              <a:buAutoNum type="arabicPeriod"/>
-            </a:pPr>
-            <a:r>
-              <a:rPr lang="it-IT" sz="3600" dirty="0">
-                <a:solidFill>
-                  <a:srgbClr val="002060"/>
+              <a:t>Il sistema è composto da </a:t>
+            </a:r>
+            <a:r>
+              <a:rPr lang="it-IT" b="1" i="1" dirty="0">
+                <a:solidFill>
+                  <a:srgbClr val="C00000"/>
                 </a:solidFill>
                 <a:latin typeface="+mj-lt"/>
                 <a:ea typeface="Doulos SIL" panose="02000500070000020004" pitchFamily="2" charset="0"/>
                 <a:cs typeface="Doulos SIL" panose="02000500070000020004" pitchFamily="2" charset="0"/>
               </a:rPr>
-              <a:t>Obiettivo</a:t>
-            </a:r>
-          </a:p>
-          <a:p>
-            <a:pPr marL="514350" indent="-514350">
-              <a:buFont typeface="+mj-lt"/>
-              <a:buAutoNum type="arabicPeriod"/>
-            </a:pPr>
-            <a:r>
-              <a:rPr lang="it-IT" sz="3600" dirty="0">
+              <a:t>6 spire simmetriche </a:t>
+            </a:r>
+            <a:r>
+              <a:rPr lang="it-IT" dirty="0">
                 <a:solidFill>
                   <a:srgbClr val="002060"/>
                 </a:solidFill>
@@ -6532,16 +7933,12 @@
                 <a:ea typeface="Doulos SIL" panose="02000500070000020004" pitchFamily="2" charset="0"/>
                 <a:cs typeface="Doulos SIL" panose="02000500070000020004" pitchFamily="2" charset="0"/>
               </a:rPr>
-              <a:t>Formulazione matematica</a:t>
-            </a:r>
-          </a:p>
-          <a:p>
-            <a:pPr marL="514350" indent="-514350">
-              <a:buFont typeface="+mj-lt"/>
-              <a:buAutoNum type="arabicPeriod"/>
-            </a:pPr>
-            <a:r>
-              <a:rPr lang="it-IT" sz="3600" dirty="0">
+              <a:t>e concentriche rispetto all'asse z.</a:t>
+            </a:r>
+          </a:p>
+          <a:p>
+            <a:r>
+              <a:rPr lang="it-IT" dirty="0">
                 <a:solidFill>
                   <a:srgbClr val="002060"/>
                 </a:solidFill>
@@ -6549,33 +7946,21 @@
                 <a:ea typeface="Doulos SIL" panose="02000500070000020004" pitchFamily="2" charset="0"/>
                 <a:cs typeface="Doulos SIL" panose="02000500070000020004" pitchFamily="2" charset="0"/>
               </a:rPr>
-              <a:t>Tecnica di minimizzazione</a:t>
-            </a:r>
-          </a:p>
-          <a:p>
-            <a:pPr marL="514350" indent="-514350">
-              <a:buFont typeface="+mj-lt"/>
-              <a:buAutoNum type="arabicPeriod"/>
-            </a:pPr>
-            <a:r>
-              <a:rPr lang="it-IT" sz="3600" dirty="0">
-                <a:solidFill>
-                  <a:srgbClr val="002060"/>
+              <a:t>I parametri di progetto, ovvero </a:t>
+            </a:r>
+            <a:r>
+              <a:rPr lang="it-IT" b="1" i="1" dirty="0">
+                <a:solidFill>
+                  <a:srgbClr val="C00000"/>
                 </a:solidFill>
                 <a:latin typeface="+mj-lt"/>
                 <a:ea typeface="Doulos SIL" panose="02000500070000020004" pitchFamily="2" charset="0"/>
                 <a:cs typeface="Doulos SIL" panose="02000500070000020004" pitchFamily="2" charset="0"/>
               </a:rPr>
-              <a:t>Considerazioni preliminari</a:t>
-            </a:r>
-          </a:p>
-          <a:p>
-            <a:pPr marL="514350" indent="-514350">
-              <a:buFont typeface="+mj-lt"/>
-              <a:buAutoNum type="arabicPeriod"/>
-            </a:pPr>
-            <a:r>
-              <a:rPr lang="it-IT" sz="3600" dirty="0">
+              <a:t>posizione</a:t>
+            </a:r>
+            <a:r>
+              <a:rPr lang="it-IT" dirty="0">
                 <a:solidFill>
                   <a:srgbClr val="002060"/>
                 </a:solidFill>
@@ -6583,34 +7968,97 @@
                 <a:ea typeface="Doulos SIL" panose="02000500070000020004" pitchFamily="2" charset="0"/>
                 <a:cs typeface="Doulos SIL" panose="02000500070000020004" pitchFamily="2" charset="0"/>
               </a:rPr>
-              <a:t>Esperimenti</a:t>
-            </a:r>
-          </a:p>
-          <a:p>
-            <a:pPr marL="514350" indent="-514350">
-              <a:buFont typeface="+mj-lt"/>
-              <a:buAutoNum type="arabicPeriod"/>
-            </a:pPr>
-            <a:r>
-              <a:rPr lang="it-IT" sz="3600" dirty="0">
-                <a:solidFill>
-                  <a:srgbClr val="002060"/>
+              <a:t>, </a:t>
+            </a:r>
+            <a:r>
+              <a:rPr lang="it-IT" b="1" i="1" dirty="0">
+                <a:solidFill>
+                  <a:srgbClr val="C00000"/>
                 </a:solidFill>
                 <a:latin typeface="+mj-lt"/>
                 <a:ea typeface="Doulos SIL" panose="02000500070000020004" pitchFamily="2" charset="0"/>
                 <a:cs typeface="Doulos SIL" panose="02000500070000020004" pitchFamily="2" charset="0"/>
               </a:rPr>
-              <a:t>Risultati e conclusioni</a:t>
+              <a:t>raggio</a:t>
+            </a:r>
+            <a:r>
+              <a:rPr lang="it-IT" dirty="0">
+                <a:solidFill>
+                  <a:srgbClr val="002060"/>
+                </a:solidFill>
+                <a:latin typeface="+mj-lt"/>
+                <a:ea typeface="Doulos SIL" panose="02000500070000020004" pitchFamily="2" charset="0"/>
+                <a:cs typeface="Doulos SIL" panose="02000500070000020004" pitchFamily="2" charset="0"/>
+              </a:rPr>
+              <a:t> e intensità di </a:t>
+            </a:r>
+            <a:r>
+              <a:rPr lang="it-IT" b="1" i="1" dirty="0">
+                <a:solidFill>
+                  <a:srgbClr val="C00000"/>
+                </a:solidFill>
+                <a:latin typeface="+mj-lt"/>
+                <a:ea typeface="Doulos SIL" panose="02000500070000020004" pitchFamily="2" charset="0"/>
+                <a:cs typeface="Doulos SIL" panose="02000500070000020004" pitchFamily="2" charset="0"/>
+              </a:rPr>
+              <a:t>corrente</a:t>
+            </a:r>
+            <a:r>
+              <a:rPr lang="it-IT" dirty="0">
+                <a:solidFill>
+                  <a:srgbClr val="002060"/>
+                </a:solidFill>
+                <a:latin typeface="+mj-lt"/>
+                <a:ea typeface="Doulos SIL" panose="02000500070000020004" pitchFamily="2" charset="0"/>
+                <a:cs typeface="Doulos SIL" panose="02000500070000020004" pitchFamily="2" charset="0"/>
+              </a:rPr>
+              <a:t>, sono noti per tutte le spire tranne che per una coppia.</a:t>
             </a:r>
           </a:p>
         </p:txBody>
       </p:sp>
+      <p:pic>
+        <p:nvPicPr>
+          <p:cNvPr id="5" name="Immagine 4">
+            <a:extLst>
+              <a:ext uri="{FF2B5EF4-FFF2-40B4-BE49-F238E27FC236}">
+                <a16:creationId xmlns:a16="http://schemas.microsoft.com/office/drawing/2014/main" id="{E6D75EDA-0A93-475A-87AC-16E1391F9465}"/>
+              </a:ext>
+            </a:extLst>
+          </p:cNvPr>
+          <p:cNvPicPr>
+            <a:picLocks noChangeAspect="1"/>
+          </p:cNvPicPr>
+          <p:nvPr/>
+        </p:nvPicPr>
+        <p:blipFill>
+          <a:blip r:embed="rId3">
+            <a:extLst>
+              <a:ext uri="{28A0092B-C50C-407E-A947-70E740481C1C}">
+                <a14:useLocalDpi xmlns:a14="http://schemas.microsoft.com/office/drawing/2010/main" val="0"/>
+              </a:ext>
+            </a:extLst>
+          </a:blip>
+          <a:stretch>
+            <a:fillRect/>
+          </a:stretch>
+        </p:blipFill>
+        <p:spPr>
+          <a:xfrm>
+            <a:off x="3987202" y="1507469"/>
+            <a:ext cx="8029445" cy="4735955"/>
+          </a:xfrm>
+          <a:prstGeom prst="rect">
+            <a:avLst/>
+          </a:prstGeom>
+        </p:spPr>
+      </p:pic>
       <p:cxnSp>
         <p:nvCxnSpPr>
-          <p:cNvPr id="4" name="Connettore diritto 3">
-            <a:extLst>
-              <a:ext uri="{FF2B5EF4-FFF2-40B4-BE49-F238E27FC236}">
-                <a16:creationId xmlns:a16="http://schemas.microsoft.com/office/drawing/2014/main" id="{8D6621C6-55DA-4B28-8D31-0A3DC6C5BA3C}"/>
+          <p:cNvPr id="6" name="Connettore diritto 5">
+            <a:extLst>
+              <a:ext uri="{FF2B5EF4-FFF2-40B4-BE49-F238E27FC236}">
+                <a16:creationId xmlns:a16="http://schemas.microsoft.com/office/drawing/2014/main" id="{9B7E032F-EC43-47DB-AD1D-CC926507FE94}"/>
               </a:ext>
             </a:extLst>
           </p:cNvPr>
@@ -6621,8 +8069,8 @@
         </p:nvCxnSpPr>
         <p:spPr>
           <a:xfrm>
-            <a:off x="938212" y="1393301"/>
-            <a:ext cx="10301288" cy="0"/>
+            <a:off x="385762" y="1393301"/>
+            <a:ext cx="11630885" cy="0"/>
           </a:xfrm>
           <a:prstGeom prst="line">
             <a:avLst/>
@@ -6643,12 +8091,72 @@
           </a:fontRef>
         </p:style>
       </p:cxnSp>
+      <p:sp>
+        <p:nvSpPr>
+          <p:cNvPr id="9" name="Titolo 1">
+            <a:extLst>
+              <a:ext uri="{FF2B5EF4-FFF2-40B4-BE49-F238E27FC236}">
+                <a16:creationId xmlns:a16="http://schemas.microsoft.com/office/drawing/2014/main" id="{4F0540AC-109D-4711-B16A-41D5A29BFEA6}"/>
+              </a:ext>
+            </a:extLst>
+          </p:cNvPr>
+          <p:cNvSpPr txBox="1">
+            <a:spLocks/>
+          </p:cNvSpPr>
+          <p:nvPr/>
+        </p:nvSpPr>
+        <p:spPr>
+          <a:xfrm>
+            <a:off x="218113" y="339201"/>
+            <a:ext cx="6667458" cy="1054100"/>
+          </a:xfrm>
+          <a:prstGeom prst="rect">
+            <a:avLst/>
+          </a:prstGeom>
+        </p:spPr>
+        <p:txBody>
+          <a:bodyPr vert="horz" lIns="91440" tIns="45720" rIns="91440" bIns="45720" rtlCol="0" anchor="ctr">
+            <a:normAutofit/>
+          </a:bodyPr>
+          <a:lstStyle>
+            <a:lvl1pPr algn="l" defTabSz="914400" rtl="0" eaLnBrk="1" latinLnBrk="0" hangingPunct="1">
+              <a:lnSpc>
+                <a:spcPct val="90000"/>
+              </a:lnSpc>
+              <a:spcBef>
+                <a:spcPct val="0"/>
+              </a:spcBef>
+              <a:buNone/>
+              <a:defRPr sz="4400" kern="1200">
+                <a:solidFill>
+                  <a:schemeClr val="tx1"/>
+                </a:solidFill>
+                <a:latin typeface="+mj-lt"/>
+                <a:ea typeface="+mj-ea"/>
+                <a:cs typeface="+mj-cs"/>
+              </a:defRPr>
+            </a:lvl1pPr>
+          </a:lstStyle>
+          <a:p>
+            <a:r>
+              <a:rPr lang="it-IT" b="1" dirty="0">
+                <a:solidFill>
+                  <a:srgbClr val="002060"/>
+                </a:solidFill>
+                <a:ea typeface="Doulos SIL" panose="02000500070000020004" pitchFamily="2" charset="0"/>
+                <a:cs typeface="Doulos SIL" panose="02000500070000020004" pitchFamily="2" charset="0"/>
+              </a:rPr>
+              <a:t>1. Descrizione del problema</a:t>
+            </a:r>
+          </a:p>
+        </p:txBody>
+      </p:sp>
       <p:cxnSp>
         <p:nvCxnSpPr>
-          <p:cNvPr id="5" name="Connettore diritto 4">
-            <a:extLst>
-              <a:ext uri="{FF2B5EF4-FFF2-40B4-BE49-F238E27FC236}">
-                <a16:creationId xmlns:a16="http://schemas.microsoft.com/office/drawing/2014/main" id="{85B3FF9A-34EF-4BDC-A5D5-D677A6E88F89}"/>
+          <p:cNvPr id="10" name="Connettore diritto 9">
+            <a:extLst>
+              <a:ext uri="{FF2B5EF4-FFF2-40B4-BE49-F238E27FC236}">
+                <a16:creationId xmlns:a16="http://schemas.microsoft.com/office/drawing/2014/main" id="{F2FEB4DF-C1C8-4A18-B8A7-0B272D1DBD53}"/>
               </a:ext>
             </a:extLst>
           </p:cNvPr>
@@ -6659,8 +8167,8 @@
         </p:nvCxnSpPr>
         <p:spPr>
           <a:xfrm>
-            <a:off x="838200" y="5862634"/>
-            <a:ext cx="10301288" cy="0"/>
+            <a:off x="385762" y="6386159"/>
+            <a:ext cx="11630885" cy="0"/>
           </a:xfrm>
           <a:prstGeom prst="line">
             <a:avLst/>
@@ -6684,7 +8192,7 @@
     </p:spTree>
     <p:extLst>
       <p:ext uri="{BB962C8B-B14F-4D97-AF65-F5344CB8AC3E}">
-        <p14:creationId xmlns:p14="http://schemas.microsoft.com/office/powerpoint/2010/main" val="831528128"/>
+        <p14:creationId xmlns:p14="http://schemas.microsoft.com/office/powerpoint/2010/main" val="1318068537"/>
       </p:ext>
     </p:extLst>
   </p:cSld>
@@ -6731,7 +8239,7 @@
           <p:cNvPr id="3" name="Segnaposto contenuto 2">
             <a:extLst>
               <a:ext uri="{FF2B5EF4-FFF2-40B4-BE49-F238E27FC236}">
-                <a16:creationId xmlns:a16="http://schemas.microsoft.com/office/drawing/2014/main" id="{EAABDBD9-73BC-40DB-8003-5BB006B3DF81}"/>
+                <a16:creationId xmlns:a16="http://schemas.microsoft.com/office/drawing/2014/main" id="{9F9163AC-4574-4AAA-9DA9-25E379CCED28}"/>
               </a:ext>
             </a:extLst>
           </p:cNvPr>
@@ -6744,8 +8252,8 @@
         </p:nvSpPr>
         <p:spPr>
           <a:xfrm>
-            <a:off x="218113" y="1576174"/>
-            <a:ext cx="3836201" cy="4667250"/>
+            <a:off x="952499" y="1553595"/>
+            <a:ext cx="3283941" cy="4755106"/>
           </a:xfrm>
         </p:spPr>
         <p:txBody>
@@ -6754,6 +8262,9 @@
           </a:bodyPr>
           <a:lstStyle/>
           <a:p>
+            <a:pPr marL="0" indent="0">
+              <a:buNone/>
+            </a:pPr>
             <a:r>
               <a:rPr lang="it-IT" dirty="0">
                 <a:solidFill>
@@ -6763,7 +8274,7 @@
                 <a:ea typeface="Doulos SIL" panose="02000500070000020004" pitchFamily="2" charset="0"/>
                 <a:cs typeface="Doulos SIL" panose="02000500070000020004" pitchFamily="2" charset="0"/>
               </a:rPr>
-              <a:t>Il sistema è composto da </a:t>
+              <a:t>L’obiettivo del progetto delle spire incognite è quello di </a:t>
             </a:r>
             <a:r>
               <a:rPr lang="it-IT" b="1" i="1" dirty="0">
@@ -6774,7 +8285,7 @@
                 <a:ea typeface="Doulos SIL" panose="02000500070000020004" pitchFamily="2" charset="0"/>
                 <a:cs typeface="Doulos SIL" panose="02000500070000020004" pitchFamily="2" charset="0"/>
               </a:rPr>
-              <a:t>6 spire simmetriche </a:t>
+              <a:t>approssimare quanto più possibile </a:t>
             </a:r>
             <a:r>
               <a:rPr lang="it-IT" dirty="0">
@@ -6785,96 +8296,17 @@
                 <a:ea typeface="Doulos SIL" panose="02000500070000020004" pitchFamily="2" charset="0"/>
                 <a:cs typeface="Doulos SIL" panose="02000500070000020004" pitchFamily="2" charset="0"/>
               </a:rPr>
-              <a:t>e concentriche rispetto all'asse z.</a:t>
-            </a:r>
-          </a:p>
-          <a:p>
-            <a:r>
-              <a:rPr lang="it-IT" dirty="0">
-                <a:solidFill>
-                  <a:srgbClr val="002060"/>
-                </a:solidFill>
-                <a:latin typeface="+mj-lt"/>
-                <a:ea typeface="Doulos SIL" panose="02000500070000020004" pitchFamily="2" charset="0"/>
-                <a:cs typeface="Doulos SIL" panose="02000500070000020004" pitchFamily="2" charset="0"/>
-              </a:rPr>
-              <a:t>I parametri di progetto, ovvero </a:t>
-            </a:r>
-            <a:r>
-              <a:rPr lang="it-IT" b="1" i="1" dirty="0">
-                <a:solidFill>
-                  <a:srgbClr val="C00000"/>
-                </a:solidFill>
-                <a:latin typeface="+mj-lt"/>
-                <a:ea typeface="Doulos SIL" panose="02000500070000020004" pitchFamily="2" charset="0"/>
-                <a:cs typeface="Doulos SIL" panose="02000500070000020004" pitchFamily="2" charset="0"/>
-              </a:rPr>
-              <a:t>posizione</a:t>
-            </a:r>
-            <a:r>
-              <a:rPr lang="it-IT" dirty="0">
-                <a:solidFill>
-                  <a:srgbClr val="002060"/>
-                </a:solidFill>
-                <a:latin typeface="+mj-lt"/>
-                <a:ea typeface="Doulos SIL" panose="02000500070000020004" pitchFamily="2" charset="0"/>
-                <a:cs typeface="Doulos SIL" panose="02000500070000020004" pitchFamily="2" charset="0"/>
-              </a:rPr>
-              <a:t>, </a:t>
-            </a:r>
-            <a:r>
-              <a:rPr lang="it-IT" b="1" i="1" dirty="0">
-                <a:solidFill>
-                  <a:srgbClr val="C00000"/>
-                </a:solidFill>
-                <a:latin typeface="+mj-lt"/>
-                <a:ea typeface="Doulos SIL" panose="02000500070000020004" pitchFamily="2" charset="0"/>
-                <a:cs typeface="Doulos SIL" panose="02000500070000020004" pitchFamily="2" charset="0"/>
-              </a:rPr>
-              <a:t>raggio</a:t>
-            </a:r>
-            <a:r>
-              <a:rPr lang="it-IT" dirty="0">
-                <a:solidFill>
-                  <a:srgbClr val="002060"/>
-                </a:solidFill>
-                <a:latin typeface="+mj-lt"/>
-                <a:ea typeface="Doulos SIL" panose="02000500070000020004" pitchFamily="2" charset="0"/>
-                <a:cs typeface="Doulos SIL" panose="02000500070000020004" pitchFamily="2" charset="0"/>
-              </a:rPr>
-              <a:t> e intensità di </a:t>
-            </a:r>
-            <a:r>
-              <a:rPr lang="it-IT" b="1" i="1" dirty="0">
-                <a:solidFill>
-                  <a:srgbClr val="C00000"/>
-                </a:solidFill>
-                <a:latin typeface="+mj-lt"/>
-                <a:ea typeface="Doulos SIL" panose="02000500070000020004" pitchFamily="2" charset="0"/>
-                <a:cs typeface="Doulos SIL" panose="02000500070000020004" pitchFamily="2" charset="0"/>
-              </a:rPr>
-              <a:t>corrente</a:t>
-            </a:r>
-            <a:r>
-              <a:rPr lang="it-IT" dirty="0">
-                <a:solidFill>
-                  <a:srgbClr val="002060"/>
-                </a:solidFill>
-                <a:latin typeface="+mj-lt"/>
-                <a:ea typeface="Doulos SIL" panose="02000500070000020004" pitchFamily="2" charset="0"/>
-                <a:cs typeface="Doulos SIL" panose="02000500070000020004" pitchFamily="2" charset="0"/>
-              </a:rPr>
-              <a:t>, sono noti per tutte le spire tranne che per una coppia.</a:t>
+              <a:t>un campo magnetico della seguente caratteristica.</a:t>
             </a:r>
           </a:p>
         </p:txBody>
       </p:sp>
       <p:pic>
         <p:nvPicPr>
-          <p:cNvPr id="5" name="Immagine 4">
-            <a:extLst>
-              <a:ext uri="{FF2B5EF4-FFF2-40B4-BE49-F238E27FC236}">
-                <a16:creationId xmlns:a16="http://schemas.microsoft.com/office/drawing/2014/main" id="{E6D75EDA-0A93-475A-87AC-16E1391F9465}"/>
+          <p:cNvPr id="4" name="Immagine 5" descr="Immagine che contiene cielo, diverso, fotografia, oggetto&#10;&#10;Descrizione generata con affidabilità molto elevata">
+            <a:extLst>
+              <a:ext uri="{FF2B5EF4-FFF2-40B4-BE49-F238E27FC236}">
+                <a16:creationId xmlns:a16="http://schemas.microsoft.com/office/drawing/2014/main" id="{958E7C71-F531-49D7-9389-7EDD91B5A449}"/>
               </a:ext>
             </a:extLst>
           </p:cNvPr>
@@ -6884,21 +8316,15 @@
           <p:nvPr/>
         </p:nvPicPr>
         <p:blipFill>
-          <a:blip r:embed="rId3">
-            <a:extLst>
-              <a:ext uri="{28A0092B-C50C-407E-A947-70E740481C1C}">
-                <a14:useLocalDpi xmlns:a14="http://schemas.microsoft.com/office/drawing/2010/main" val="0"/>
-              </a:ext>
-            </a:extLst>
-          </a:blip>
+          <a:blip r:embed="rId3"/>
           <a:stretch>
             <a:fillRect/>
           </a:stretch>
         </p:blipFill>
         <p:spPr>
           <a:xfrm>
-            <a:off x="3987202" y="1507469"/>
-            <a:ext cx="8029445" cy="4735955"/>
+            <a:off x="4471820" y="1442184"/>
+            <a:ext cx="6767680" cy="4866518"/>
           </a:xfrm>
           <a:prstGeom prst="rect">
             <a:avLst/>
@@ -6907,10 +8333,10 @@
       </p:pic>
       <p:cxnSp>
         <p:nvCxnSpPr>
-          <p:cNvPr id="6" name="Connettore diritto 5">
-            <a:extLst>
-              <a:ext uri="{FF2B5EF4-FFF2-40B4-BE49-F238E27FC236}">
-                <a16:creationId xmlns:a16="http://schemas.microsoft.com/office/drawing/2014/main" id="{9B7E032F-EC43-47DB-AD1D-CC926507FE94}"/>
+          <p:cNvPr id="5" name="Connettore diritto 4">
+            <a:extLst>
+              <a:ext uri="{FF2B5EF4-FFF2-40B4-BE49-F238E27FC236}">
+                <a16:creationId xmlns:a16="http://schemas.microsoft.com/office/drawing/2014/main" id="{D088D6EF-65E6-45E7-8272-456AB75B3EA5}"/>
               </a:ext>
             </a:extLst>
           </p:cNvPr>
@@ -6921,8 +8347,8 @@
         </p:nvCxnSpPr>
         <p:spPr>
           <a:xfrm>
-            <a:off x="385762" y="1393301"/>
-            <a:ext cx="11630885" cy="0"/>
+            <a:off x="938212" y="1393301"/>
+            <a:ext cx="10301288" cy="0"/>
           </a:xfrm>
           <a:prstGeom prst="line">
             <a:avLst/>
@@ -6945,10 +8371,10 @@
       </p:cxnSp>
       <p:sp>
         <p:nvSpPr>
-          <p:cNvPr id="9" name="Titolo 1">
-            <a:extLst>
-              <a:ext uri="{FF2B5EF4-FFF2-40B4-BE49-F238E27FC236}">
-                <a16:creationId xmlns:a16="http://schemas.microsoft.com/office/drawing/2014/main" id="{4F0540AC-109D-4711-B16A-41D5A29BFEA6}"/>
+          <p:cNvPr id="6" name="Titolo 1">
+            <a:extLst>
+              <a:ext uri="{FF2B5EF4-FFF2-40B4-BE49-F238E27FC236}">
+                <a16:creationId xmlns:a16="http://schemas.microsoft.com/office/drawing/2014/main" id="{CCC13261-5023-4ACE-A375-4AAAEE7F9627}"/>
               </a:ext>
             </a:extLst>
           </p:cNvPr>
@@ -6959,7 +8385,7 @@
         </p:nvSpPr>
         <p:spPr>
           <a:xfrm>
-            <a:off x="218113" y="339201"/>
+            <a:off x="823911" y="499495"/>
             <a:ext cx="6667458" cy="1054100"/>
           </a:xfrm>
           <a:prstGeom prst="rect">
@@ -6998,17 +8424,17 @@
                 <a:ea typeface="Doulos SIL" panose="02000500070000020004" pitchFamily="2" charset="0"/>
                 <a:cs typeface="Doulos SIL" panose="02000500070000020004" pitchFamily="2" charset="0"/>
               </a:rPr>
-              <a:t>1. Descrizione del problema</a:t>
+              <a:t>2. Obiettivo</a:t>
             </a:r>
           </a:p>
         </p:txBody>
       </p:sp>
       <p:cxnSp>
         <p:nvCxnSpPr>
-          <p:cNvPr id="10" name="Connettore diritto 9">
-            <a:extLst>
-              <a:ext uri="{FF2B5EF4-FFF2-40B4-BE49-F238E27FC236}">
-                <a16:creationId xmlns:a16="http://schemas.microsoft.com/office/drawing/2014/main" id="{F2FEB4DF-C1C8-4A18-B8A7-0B272D1DBD53}"/>
+          <p:cNvPr id="7" name="Connettore diritto 6">
+            <a:extLst>
+              <a:ext uri="{FF2B5EF4-FFF2-40B4-BE49-F238E27FC236}">
+                <a16:creationId xmlns:a16="http://schemas.microsoft.com/office/drawing/2014/main" id="{8C199ED7-CCC3-4C0B-90C6-AC261848E9CE}"/>
               </a:ext>
             </a:extLst>
           </p:cNvPr>
@@ -7019,8 +8445,8 @@
         </p:nvCxnSpPr>
         <p:spPr>
           <a:xfrm>
-            <a:off x="385762" y="6386159"/>
-            <a:ext cx="11630885" cy="0"/>
+            <a:off x="823911" y="6357584"/>
+            <a:ext cx="10415589" cy="0"/>
           </a:xfrm>
           <a:prstGeom prst="line">
             <a:avLst/>
@@ -7044,7 +8470,7 @@
     </p:spTree>
     <p:extLst>
       <p:ext uri="{BB962C8B-B14F-4D97-AF65-F5344CB8AC3E}">
-        <p14:creationId xmlns:p14="http://schemas.microsoft.com/office/powerpoint/2010/main" val="1318068537"/>
+        <p14:creationId xmlns:p14="http://schemas.microsoft.com/office/powerpoint/2010/main" val="3065245299"/>
       </p:ext>
     </p:extLst>
   </p:cSld>
@@ -7091,284 +8517,6 @@
           <p:cNvPr id="3" name="Segnaposto contenuto 2">
             <a:extLst>
               <a:ext uri="{FF2B5EF4-FFF2-40B4-BE49-F238E27FC236}">
-                <a16:creationId xmlns:a16="http://schemas.microsoft.com/office/drawing/2014/main" id="{9F9163AC-4574-4AAA-9DA9-25E379CCED28}"/>
-              </a:ext>
-            </a:extLst>
-          </p:cNvPr>
-          <p:cNvSpPr>
-            <a:spLocks noGrp="1"/>
-          </p:cNvSpPr>
-          <p:nvPr>
-            <p:ph idx="1"/>
-          </p:nvPr>
-        </p:nvSpPr>
-        <p:spPr>
-          <a:xfrm>
-            <a:off x="952499" y="1553595"/>
-            <a:ext cx="3283941" cy="4755106"/>
-          </a:xfrm>
-        </p:spPr>
-        <p:txBody>
-          <a:bodyPr vert="horz" lIns="91440" tIns="45720" rIns="91440" bIns="45720" rtlCol="0" anchor="t">
-            <a:normAutofit/>
-          </a:bodyPr>
-          <a:lstStyle/>
-          <a:p>
-            <a:pPr marL="0" indent="0">
-              <a:buNone/>
-            </a:pPr>
-            <a:r>
-              <a:rPr lang="it-IT" dirty="0">
-                <a:solidFill>
-                  <a:srgbClr val="002060"/>
-                </a:solidFill>
-                <a:latin typeface="+mj-lt"/>
-                <a:ea typeface="Doulos SIL" panose="02000500070000020004" pitchFamily="2" charset="0"/>
-                <a:cs typeface="Doulos SIL" panose="02000500070000020004" pitchFamily="2" charset="0"/>
-              </a:rPr>
-              <a:t>L’obiettivo del progetto delle spire incognite è quello di </a:t>
-            </a:r>
-            <a:r>
-              <a:rPr lang="it-IT" b="1" i="1" dirty="0">
-                <a:solidFill>
-                  <a:srgbClr val="C00000"/>
-                </a:solidFill>
-                <a:latin typeface="+mj-lt"/>
-                <a:ea typeface="Doulos SIL" panose="02000500070000020004" pitchFamily="2" charset="0"/>
-                <a:cs typeface="Doulos SIL" panose="02000500070000020004" pitchFamily="2" charset="0"/>
-              </a:rPr>
-              <a:t>approssimare quanto più possibile </a:t>
-            </a:r>
-            <a:r>
-              <a:rPr lang="it-IT" dirty="0">
-                <a:solidFill>
-                  <a:srgbClr val="002060"/>
-                </a:solidFill>
-                <a:latin typeface="+mj-lt"/>
-                <a:ea typeface="Doulos SIL" panose="02000500070000020004" pitchFamily="2" charset="0"/>
-                <a:cs typeface="Doulos SIL" panose="02000500070000020004" pitchFamily="2" charset="0"/>
-              </a:rPr>
-              <a:t>un campo magnetico della seguente caratteristica.</a:t>
-            </a:r>
-          </a:p>
-        </p:txBody>
-      </p:sp>
-      <p:pic>
-        <p:nvPicPr>
-          <p:cNvPr id="4" name="Immagine 5" descr="Immagine che contiene cielo, diverso, fotografia, oggetto&#10;&#10;Descrizione generata con affidabilità molto elevata">
-            <a:extLst>
-              <a:ext uri="{FF2B5EF4-FFF2-40B4-BE49-F238E27FC236}">
-                <a16:creationId xmlns:a16="http://schemas.microsoft.com/office/drawing/2014/main" id="{958E7C71-F531-49D7-9389-7EDD91B5A449}"/>
-              </a:ext>
-            </a:extLst>
-          </p:cNvPr>
-          <p:cNvPicPr>
-            <a:picLocks noChangeAspect="1"/>
-          </p:cNvPicPr>
-          <p:nvPr/>
-        </p:nvPicPr>
-        <p:blipFill>
-          <a:blip r:embed="rId3"/>
-          <a:stretch>
-            <a:fillRect/>
-          </a:stretch>
-        </p:blipFill>
-        <p:spPr>
-          <a:xfrm>
-            <a:off x="4471820" y="1442184"/>
-            <a:ext cx="6767680" cy="4866518"/>
-          </a:xfrm>
-          <a:prstGeom prst="rect">
-            <a:avLst/>
-          </a:prstGeom>
-        </p:spPr>
-      </p:pic>
-      <p:cxnSp>
-        <p:nvCxnSpPr>
-          <p:cNvPr id="5" name="Connettore diritto 4">
-            <a:extLst>
-              <a:ext uri="{FF2B5EF4-FFF2-40B4-BE49-F238E27FC236}">
-                <a16:creationId xmlns:a16="http://schemas.microsoft.com/office/drawing/2014/main" id="{D088D6EF-65E6-45E7-8272-456AB75B3EA5}"/>
-              </a:ext>
-            </a:extLst>
-          </p:cNvPr>
-          <p:cNvCxnSpPr>
-            <a:cxnSpLocks/>
-          </p:cNvCxnSpPr>
-          <p:nvPr/>
-        </p:nvCxnSpPr>
-        <p:spPr>
-          <a:xfrm>
-            <a:off x="938212" y="1393301"/>
-            <a:ext cx="10301288" cy="0"/>
-          </a:xfrm>
-          <a:prstGeom prst="line">
-            <a:avLst/>
-          </a:prstGeom>
-        </p:spPr>
-        <p:style>
-          <a:lnRef idx="1">
-            <a:schemeClr val="accent1"/>
-          </a:lnRef>
-          <a:fillRef idx="0">
-            <a:schemeClr val="accent1"/>
-          </a:fillRef>
-          <a:effectRef idx="0">
-            <a:schemeClr val="accent1"/>
-          </a:effectRef>
-          <a:fontRef idx="minor">
-            <a:schemeClr val="tx1"/>
-          </a:fontRef>
-        </p:style>
-      </p:cxnSp>
-      <p:sp>
-        <p:nvSpPr>
-          <p:cNvPr id="6" name="Titolo 1">
-            <a:extLst>
-              <a:ext uri="{FF2B5EF4-FFF2-40B4-BE49-F238E27FC236}">
-                <a16:creationId xmlns:a16="http://schemas.microsoft.com/office/drawing/2014/main" id="{CCC13261-5023-4ACE-A375-4AAAEE7F9627}"/>
-              </a:ext>
-            </a:extLst>
-          </p:cNvPr>
-          <p:cNvSpPr txBox="1">
-            <a:spLocks/>
-          </p:cNvSpPr>
-          <p:nvPr/>
-        </p:nvSpPr>
-        <p:spPr>
-          <a:xfrm>
-            <a:off x="823911" y="499495"/>
-            <a:ext cx="6667458" cy="1054100"/>
-          </a:xfrm>
-          <a:prstGeom prst="rect">
-            <a:avLst/>
-          </a:prstGeom>
-        </p:spPr>
-        <p:txBody>
-          <a:bodyPr vert="horz" lIns="91440" tIns="45720" rIns="91440" bIns="45720" rtlCol="0" anchor="ctr">
-            <a:normAutofit/>
-          </a:bodyPr>
-          <a:lstStyle>
-            <a:lvl1pPr algn="l" defTabSz="914400" rtl="0" eaLnBrk="1" latinLnBrk="0" hangingPunct="1">
-              <a:lnSpc>
-                <a:spcPct val="90000"/>
-              </a:lnSpc>
-              <a:spcBef>
-                <a:spcPct val="0"/>
-              </a:spcBef>
-              <a:buNone/>
-              <a:defRPr sz="4400" kern="1200">
-                <a:solidFill>
-                  <a:schemeClr val="tx1"/>
-                </a:solidFill>
-                <a:latin typeface="+mj-lt"/>
-                <a:ea typeface="+mj-ea"/>
-                <a:cs typeface="+mj-cs"/>
-              </a:defRPr>
-            </a:lvl1pPr>
-          </a:lstStyle>
-          <a:p>
-            <a:r>
-              <a:rPr lang="it-IT" b="1" dirty="0">
-                <a:solidFill>
-                  <a:srgbClr val="002060"/>
-                </a:solidFill>
-                <a:ea typeface="Doulos SIL" panose="02000500070000020004" pitchFamily="2" charset="0"/>
-                <a:cs typeface="Doulos SIL" panose="02000500070000020004" pitchFamily="2" charset="0"/>
-              </a:rPr>
-              <a:t>2. Obiettivo</a:t>
-            </a:r>
-          </a:p>
-        </p:txBody>
-      </p:sp>
-      <p:cxnSp>
-        <p:nvCxnSpPr>
-          <p:cNvPr id="7" name="Connettore diritto 6">
-            <a:extLst>
-              <a:ext uri="{FF2B5EF4-FFF2-40B4-BE49-F238E27FC236}">
-                <a16:creationId xmlns:a16="http://schemas.microsoft.com/office/drawing/2014/main" id="{8C199ED7-CCC3-4C0B-90C6-AC261848E9CE}"/>
-              </a:ext>
-            </a:extLst>
-          </p:cNvPr>
-          <p:cNvCxnSpPr>
-            <a:cxnSpLocks/>
-          </p:cNvCxnSpPr>
-          <p:nvPr/>
-        </p:nvCxnSpPr>
-        <p:spPr>
-          <a:xfrm>
-            <a:off x="823911" y="6357584"/>
-            <a:ext cx="10415589" cy="0"/>
-          </a:xfrm>
-          <a:prstGeom prst="line">
-            <a:avLst/>
-          </a:prstGeom>
-        </p:spPr>
-        <p:style>
-          <a:lnRef idx="1">
-            <a:schemeClr val="accent1"/>
-          </a:lnRef>
-          <a:fillRef idx="0">
-            <a:schemeClr val="accent1"/>
-          </a:fillRef>
-          <a:effectRef idx="0">
-            <a:schemeClr val="accent1"/>
-          </a:effectRef>
-          <a:fontRef idx="minor">
-            <a:schemeClr val="tx1"/>
-          </a:fontRef>
-        </p:style>
-      </p:cxnSp>
-    </p:spTree>
-    <p:extLst>
-      <p:ext uri="{BB962C8B-B14F-4D97-AF65-F5344CB8AC3E}">
-        <p14:creationId xmlns:p14="http://schemas.microsoft.com/office/powerpoint/2010/main" val="3065245299"/>
-      </p:ext>
-    </p:extLst>
-  </p:cSld>
-  <p:clrMapOvr>
-    <a:masterClrMapping/>
-  </p:clrMapOvr>
-</p:sld>
-</file>
-
-<file path=ppt/slides/slide6.xml><?xml version="1.0" encoding="utf-8"?>
-<p:sld xmlns:a="http://schemas.openxmlformats.org/drawingml/2006/main" xmlns:r="http://schemas.openxmlformats.org/officeDocument/2006/relationships" xmlns:p="http://schemas.openxmlformats.org/presentationml/2006/main">
-  <p:cSld>
-    <p:bg>
-      <p:bgPr>
-        <a:blipFill dpi="0" rotWithShape="1">
-          <a:blip r:embed="rId2">
-            <a:alphaModFix amt="58000"/>
-            <a:lum/>
-          </a:blip>
-          <a:srcRect/>
-          <a:stretch>
-            <a:fillRect l="-3000" r="-3000"/>
-          </a:stretch>
-        </a:blipFill>
-        <a:effectLst/>
-      </p:bgPr>
-    </p:bg>
-    <p:spTree>
-      <p:nvGrpSpPr>
-        <p:cNvPr id="1" name=""/>
-        <p:cNvGrpSpPr/>
-        <p:nvPr/>
-      </p:nvGrpSpPr>
-      <p:grpSpPr>
-        <a:xfrm>
-          <a:off x="0" y="0"/>
-          <a:ext cx="0" cy="0"/>
-          <a:chOff x="0" y="0"/>
-          <a:chExt cx="0" cy="0"/>
-        </a:xfrm>
-      </p:grpSpPr>
-      <p:sp>
-        <p:nvSpPr>
-          <p:cNvPr id="3" name="Segnaposto contenuto 2">
-            <a:extLst>
-              <a:ext uri="{FF2B5EF4-FFF2-40B4-BE49-F238E27FC236}">
                 <a16:creationId xmlns:a16="http://schemas.microsoft.com/office/drawing/2014/main" id="{8E78F1CB-0898-4124-857B-08801E034C11}"/>
               </a:ext>
             </a:extLst>
@@ -7865,7 +9013,7 @@
 </p:sld>
 </file>
 
-<file path=ppt/slides/slide7.xml><?xml version="1.0" encoding="utf-8"?>
+<file path=ppt/slides/slide6.xml><?xml version="1.0" encoding="utf-8"?>
 <p:sld xmlns:a="http://schemas.openxmlformats.org/drawingml/2006/main" xmlns:r="http://schemas.openxmlformats.org/officeDocument/2006/relationships" xmlns:p="http://schemas.openxmlformats.org/presentationml/2006/main">
   <p:cSld>
     <p:bg>
@@ -8429,7 +9577,7 @@
 </p:sld>
 </file>
 
-<file path=ppt/slides/slide8.xml><?xml version="1.0" encoding="utf-8"?>
+<file path=ppt/slides/slide7.xml><?xml version="1.0" encoding="utf-8"?>
 <p:sld xmlns:a="http://schemas.openxmlformats.org/drawingml/2006/main" xmlns:r="http://schemas.openxmlformats.org/officeDocument/2006/relationships" xmlns:p="http://schemas.openxmlformats.org/presentationml/2006/main">
   <p:cSld>
     <p:bg>
@@ -9015,7 +10163,7 @@
 </p:sld>
 </file>
 
-<file path=ppt/slides/slide9.xml><?xml version="1.0" encoding="utf-8"?>
+<file path=ppt/slides/slide8.xml><?xml version="1.0" encoding="utf-8"?>
 <p:sld xmlns:a="http://schemas.openxmlformats.org/drawingml/2006/main" xmlns:r="http://schemas.openxmlformats.org/officeDocument/2006/relationships" xmlns:p="http://schemas.openxmlformats.org/presentationml/2006/main">
   <p:cSld>
     <p:bg>
@@ -9121,17 +10269,6 @@
               </a:rPr>
               <a:t>:</a:t>
             </a:r>
-            <a:r>
-              <a:rPr lang="it-IT" dirty="0">
-                <a:solidFill>
-                  <a:srgbClr val="002060"/>
-                </a:solidFill>
-                <a:latin typeface="+mj-lt"/>
-                <a:ea typeface="Doulos SIL" panose="02000500070000020004" pitchFamily="2" charset="0"/>
-                <a:cs typeface="Doulos SIL" panose="02000500070000020004" pitchFamily="2" charset="0"/>
-              </a:rPr>
-              <a:t/>
-            </a:r>
             <a:br>
               <a:rPr lang="it-IT" dirty="0">
                 <a:solidFill>
@@ -9366,6 +10503,259 @@
   <p:clrMapOvr>
     <a:masterClrMapping/>
   </p:clrMapOvr>
+</p:sld>
+</file>
+
+<file path=ppt/slides/slide9.xml><?xml version="1.0" encoding="utf-8"?>
+<p:sld xmlns:a="http://schemas.openxmlformats.org/drawingml/2006/main" xmlns:r="http://schemas.openxmlformats.org/officeDocument/2006/relationships" xmlns:p="http://schemas.openxmlformats.org/presentationml/2006/main">
+  <p:cSld>
+    <p:bg>
+      <p:bgPr>
+        <a:blipFill dpi="0" rotWithShape="1">
+          <a:blip r:embed="rId4">
+            <a:alphaModFix amt="58000"/>
+            <a:lum/>
+          </a:blip>
+          <a:srcRect/>
+          <a:stretch>
+            <a:fillRect l="-3000" r="-3000"/>
+          </a:stretch>
+        </a:blipFill>
+        <a:effectLst/>
+      </p:bgPr>
+    </p:bg>
+    <p:spTree>
+      <p:nvGrpSpPr>
+        <p:cNvPr id="1" name=""/>
+        <p:cNvGrpSpPr/>
+        <p:nvPr/>
+      </p:nvGrpSpPr>
+      <p:grpSpPr>
+        <a:xfrm>
+          <a:off x="0" y="0"/>
+          <a:ext cx="0" cy="0"/>
+          <a:chOff x="0" y="0"/>
+          <a:chExt cx="0" cy="0"/>
+        </a:xfrm>
+      </p:grpSpPr>
+      <p:sp>
+        <p:nvSpPr>
+          <p:cNvPr id="2" name="Titolo 1">
+            <a:extLst>
+              <a:ext uri="{FF2B5EF4-FFF2-40B4-BE49-F238E27FC236}">
+                <a16:creationId xmlns:a16="http://schemas.microsoft.com/office/drawing/2014/main" id="{6180F296-6B14-4D8F-930D-0EA59AA4CBB3}"/>
+              </a:ext>
+            </a:extLst>
+          </p:cNvPr>
+          <p:cNvSpPr>
+            <a:spLocks noGrp="1"/>
+          </p:cNvSpPr>
+          <p:nvPr>
+            <p:ph type="title"/>
+          </p:nvPr>
+        </p:nvSpPr>
+        <p:spPr>
+          <a:xfrm>
+            <a:off x="324324" y="17463"/>
+            <a:ext cx="10515600" cy="1325563"/>
+          </a:xfrm>
+        </p:spPr>
+        <p:txBody>
+          <a:bodyPr/>
+          <a:lstStyle/>
+          <a:p>
+            <a:r>
+              <a:rPr lang="it-IT" b="1" dirty="0">
+                <a:solidFill>
+                  <a:srgbClr val="002060"/>
+                </a:solidFill>
+              </a:rPr>
+              <a:t>4. Demo simplesso</a:t>
+            </a:r>
+          </a:p>
+        </p:txBody>
+      </p:sp>
+      <p:pic>
+        <p:nvPicPr>
+          <p:cNvPr id="4" name="test1crop">
+            <a:hlinkClick r:id="" action="ppaction://media"/>
+            <a:extLst>
+              <a:ext uri="{FF2B5EF4-FFF2-40B4-BE49-F238E27FC236}">
+                <a16:creationId xmlns:a16="http://schemas.microsoft.com/office/drawing/2014/main" id="{5D42BEA7-2F83-4397-957C-277DBF658935}"/>
+              </a:ext>
+            </a:extLst>
+          </p:cNvPr>
+          <p:cNvPicPr>
+            <a:picLocks noGrp="1" noChangeAspect="1"/>
+          </p:cNvPicPr>
+          <p:nvPr>
+            <p:ph idx="1"/>
+            <a:videoFile r:link="rId2"/>
+            <p:extLst>
+              <p:ext uri="{DAA4B4D4-6D71-4841-9C94-3DE7FCFB9230}">
+                <p14:media xmlns:p14="http://schemas.microsoft.com/office/powerpoint/2010/main" r:embed="rId1"/>
+              </p:ext>
+            </p:extLst>
+          </p:nvPr>
+        </p:nvPicPr>
+        <p:blipFill>
+          <a:blip r:embed="rId5"/>
+          <a:stretch>
+            <a:fillRect/>
+          </a:stretch>
+        </p:blipFill>
+        <p:spPr>
+          <a:xfrm>
+            <a:off x="324324" y="1343026"/>
+            <a:ext cx="11543352" cy="4618038"/>
+          </a:xfrm>
+        </p:spPr>
+      </p:pic>
+    </p:spTree>
+    <p:extLst>
+      <p:ext uri="{BB962C8B-B14F-4D97-AF65-F5344CB8AC3E}">
+        <p14:creationId xmlns:p14="http://schemas.microsoft.com/office/powerpoint/2010/main" val="3127330751"/>
+      </p:ext>
+    </p:extLst>
+  </p:cSld>
+  <p:clrMapOvr>
+    <a:masterClrMapping/>
+  </p:clrMapOvr>
+  <p:timing>
+    <p:tnLst>
+      <p:par>
+        <p:cTn id="1" dur="indefinite" restart="never" nodeType="tmRoot">
+          <p:childTnLst>
+            <p:seq concurrent="1" nextAc="seek">
+              <p:cTn id="2" dur="indefinite" nodeType="mainSeq">
+                <p:childTnLst>
+                  <p:par>
+                    <p:cTn id="3" fill="hold">
+                      <p:stCondLst>
+                        <p:cond delay="indefinite"/>
+                      </p:stCondLst>
+                      <p:childTnLst>
+                        <p:par>
+                          <p:cTn id="4" fill="hold">
+                            <p:stCondLst>
+                              <p:cond delay="0"/>
+                            </p:stCondLst>
+                            <p:childTnLst>
+                              <p:par>
+                                <p:cTn id="5" presetID="1" presetClass="mediacall" presetSubtype="0" fill="hold" nodeType="clickEffect">
+                                  <p:stCondLst>
+                                    <p:cond delay="0"/>
+                                  </p:stCondLst>
+                                  <p:childTnLst>
+                                    <p:cmd type="call" cmd="playFrom(0.0)">
+                                      <p:cBhvr>
+                                        <p:cTn id="6" dur="23290" fill="hold"/>
+                                        <p:tgtEl>
+                                          <p:spTgt spid="4"/>
+                                        </p:tgtEl>
+                                      </p:cBhvr>
+                                    </p:cmd>
+                                  </p:childTnLst>
+                                </p:cTn>
+                              </p:par>
+                            </p:childTnLst>
+                          </p:cTn>
+                        </p:par>
+                      </p:childTnLst>
+                    </p:cTn>
+                  </p:par>
+                </p:childTnLst>
+              </p:cTn>
+              <p:prevCondLst>
+                <p:cond evt="onPrev" delay="0">
+                  <p:tgtEl>
+                    <p:sldTgt/>
+                  </p:tgtEl>
+                </p:cond>
+              </p:prevCondLst>
+              <p:nextCondLst>
+                <p:cond evt="onNext" delay="0">
+                  <p:tgtEl>
+                    <p:sldTgt/>
+                  </p:tgtEl>
+                </p:cond>
+              </p:nextCondLst>
+            </p:seq>
+            <p:video>
+              <p:cMediaNode vol="80000">
+                <p:cTn id="7" fill="hold" display="0">
+                  <p:stCondLst>
+                    <p:cond delay="indefinite"/>
+                  </p:stCondLst>
+                </p:cTn>
+                <p:tgtEl>
+                  <p:spTgt spid="4"/>
+                </p:tgtEl>
+              </p:cMediaNode>
+            </p:video>
+            <p:seq concurrent="1" nextAc="seek">
+              <p:cTn id="8" restart="whenNotActive" fill="hold" evtFilter="cancelBubble" nodeType="interactiveSeq">
+                <p:stCondLst>
+                  <p:cond evt="onClick" delay="0">
+                    <p:tgtEl>
+                      <p:spTgt spid="4"/>
+                    </p:tgtEl>
+                  </p:cond>
+                </p:stCondLst>
+                <p:endSync evt="end" delay="0">
+                  <p:rtn val="all"/>
+                </p:endSync>
+                <p:childTnLst>
+                  <p:par>
+                    <p:cTn id="9" fill="hold">
+                      <p:stCondLst>
+                        <p:cond delay="0"/>
+                      </p:stCondLst>
+                      <p:childTnLst>
+                        <p:par>
+                          <p:cTn id="10" fill="hold">
+                            <p:stCondLst>
+                              <p:cond delay="0"/>
+                            </p:stCondLst>
+                            <p:childTnLst>
+                              <p:par>
+                                <p:cTn id="11" presetID="2" presetClass="mediacall" presetSubtype="0" fill="hold" nodeType="clickEffect">
+                                  <p:stCondLst>
+                                    <p:cond delay="0"/>
+                                  </p:stCondLst>
+                                  <p:childTnLst>
+                                    <p:cmd type="call" cmd="togglePause">
+                                      <p:cBhvr>
+                                        <p:cTn id="12" dur="1" fill="hold"/>
+                                        <p:tgtEl>
+                                          <p:spTgt spid="4"/>
+                                        </p:tgtEl>
+                                      </p:cBhvr>
+                                    </p:cmd>
+                                  </p:childTnLst>
+                                </p:cTn>
+                              </p:par>
+                            </p:childTnLst>
+                          </p:cTn>
+                        </p:par>
+                      </p:childTnLst>
+                    </p:cTn>
+                  </p:par>
+                </p:childTnLst>
+              </p:cTn>
+              <p:nextCondLst>
+                <p:cond evt="onClick" delay="0">
+                  <p:tgtEl>
+                    <p:spTgt spid="4"/>
+                  </p:tgtEl>
+                </p:cond>
+              </p:nextCondLst>
+            </p:seq>
+          </p:childTnLst>
+        </p:cTn>
+      </p:par>
+    </p:tnLst>
+  </p:timing>
 </p:sld>
 </file>
 

--- a/writeup/Slides.pptx
+++ b/writeup/Slides.pptx
@@ -6200,42 +6200,6 @@
           </a:p>
         </p:txBody>
       </p:sp>
-      <p:pic>
-        <p:nvPicPr>
-          <p:cNvPr id="7" name="Immagine 6">
-            <a:extLst>
-              <a:ext uri="{FF2B5EF4-FFF2-40B4-BE49-F238E27FC236}">
-                <a16:creationId xmlns:a16="http://schemas.microsoft.com/office/drawing/2014/main" id="{41A86C1C-1B08-4CD6-A7E0-E58DB123F010}"/>
-              </a:ext>
-            </a:extLst>
-          </p:cNvPr>
-          <p:cNvPicPr>
-            <a:picLocks noChangeAspect="1"/>
-          </p:cNvPicPr>
-          <p:nvPr/>
-        </p:nvPicPr>
-        <p:blipFill>
-          <a:blip r:embed="rId3">
-            <a:extLst>
-              <a:ext uri="{28A0092B-C50C-407E-A947-70E740481C1C}">
-                <a14:useLocalDpi xmlns:a14="http://schemas.microsoft.com/office/drawing/2010/main" val="0"/>
-              </a:ext>
-            </a:extLst>
-          </a:blip>
-          <a:stretch>
-            <a:fillRect/>
-          </a:stretch>
-        </p:blipFill>
-        <p:spPr>
-          <a:xfrm>
-            <a:off x="5239415" y="3121093"/>
-            <a:ext cx="6689730" cy="3178071"/>
-          </a:xfrm>
-          <a:prstGeom prst="rect">
-            <a:avLst/>
-          </a:prstGeom>
-        </p:spPr>
-      </p:pic>
       <p:cxnSp>
         <p:nvCxnSpPr>
           <p:cNvPr id="6" name="Connettore diritto 5">
@@ -6387,15 +6351,51 @@
           <p:nvPr/>
         </p:nvPicPr>
         <p:blipFill>
-          <a:blip r:embed="rId4"/>
+          <a:blip r:embed="rId3"/>
           <a:stretch>
             <a:fillRect/>
           </a:stretch>
         </p:blipFill>
         <p:spPr>
           <a:xfrm>
-            <a:off x="5239415" y="1249431"/>
-            <a:ext cx="6689730" cy="1871662"/>
+            <a:off x="4999838" y="1557337"/>
+            <a:ext cx="7019507" cy="1963928"/>
+          </a:xfrm>
+          <a:prstGeom prst="rect">
+            <a:avLst/>
+          </a:prstGeom>
+        </p:spPr>
+      </p:pic>
+      <p:pic>
+        <p:nvPicPr>
+          <p:cNvPr id="5" name="Immagine 4">
+            <a:extLst>
+              <a:ext uri="{FF2B5EF4-FFF2-40B4-BE49-F238E27FC236}">
+                <a16:creationId xmlns:a16="http://schemas.microsoft.com/office/drawing/2014/main" id="{AD3BD347-B284-4365-BAEA-3826A35063A1}"/>
+              </a:ext>
+            </a:extLst>
+          </p:cNvPr>
+          <p:cNvPicPr>
+            <a:picLocks noChangeAspect="1"/>
+          </p:cNvPicPr>
+          <p:nvPr/>
+        </p:nvPicPr>
+        <p:blipFill>
+          <a:blip r:embed="rId4">
+            <a:extLst>
+              <a:ext uri="{28A0092B-C50C-407E-A947-70E740481C1C}">
+                <a14:useLocalDpi xmlns:a14="http://schemas.microsoft.com/office/drawing/2010/main" val="0"/>
+              </a:ext>
+            </a:extLst>
+          </a:blip>
+          <a:stretch>
+            <a:fillRect/>
+          </a:stretch>
+        </p:blipFill>
+        <p:spPr>
+          <a:xfrm>
+            <a:off x="4999839" y="3496028"/>
+            <a:ext cx="7019507" cy="2603663"/>
           </a:xfrm>
           <a:prstGeom prst="rect">
             <a:avLst/>

--- a/writeup/Slides.pptx
+++ b/writeup/Slides.pptx
@@ -304,7 +304,7 @@
           <a:p>
             <a:fld id="{2B996CD7-E6CE-470D-9D9D-A9A816181F09}" type="datetimeFigureOut">
               <a:rPr lang="it-IT" smtClean="0"/>
-              <a:t>02/12/2018</a:t>
+              <a:t>03/12/2018</a:t>
             </a:fld>
             <a:endParaRPr lang="it-IT"/>
           </a:p>
@@ -502,7 +502,7 @@
           <a:p>
             <a:fld id="{2B996CD7-E6CE-470D-9D9D-A9A816181F09}" type="datetimeFigureOut">
               <a:rPr lang="it-IT" smtClean="0"/>
-              <a:t>02/12/2018</a:t>
+              <a:t>03/12/2018</a:t>
             </a:fld>
             <a:endParaRPr lang="it-IT"/>
           </a:p>
@@ -710,7 +710,7 @@
           <a:p>
             <a:fld id="{2B996CD7-E6CE-470D-9D9D-A9A816181F09}" type="datetimeFigureOut">
               <a:rPr lang="it-IT" smtClean="0"/>
-              <a:t>02/12/2018</a:t>
+              <a:t>03/12/2018</a:t>
             </a:fld>
             <a:endParaRPr lang="it-IT"/>
           </a:p>
@@ -908,7 +908,7 @@
           <a:p>
             <a:fld id="{2B996CD7-E6CE-470D-9D9D-A9A816181F09}" type="datetimeFigureOut">
               <a:rPr lang="it-IT" smtClean="0"/>
-              <a:t>02/12/2018</a:t>
+              <a:t>03/12/2018</a:t>
             </a:fld>
             <a:endParaRPr lang="it-IT"/>
           </a:p>
@@ -1183,7 +1183,7 @@
           <a:p>
             <a:fld id="{2B996CD7-E6CE-470D-9D9D-A9A816181F09}" type="datetimeFigureOut">
               <a:rPr lang="it-IT" smtClean="0"/>
-              <a:t>02/12/2018</a:t>
+              <a:t>03/12/2018</a:t>
             </a:fld>
             <a:endParaRPr lang="it-IT"/>
           </a:p>
@@ -1448,7 +1448,7 @@
           <a:p>
             <a:fld id="{2B996CD7-E6CE-470D-9D9D-A9A816181F09}" type="datetimeFigureOut">
               <a:rPr lang="it-IT" smtClean="0"/>
-              <a:t>02/12/2018</a:t>
+              <a:t>03/12/2018</a:t>
             </a:fld>
             <a:endParaRPr lang="it-IT"/>
           </a:p>
@@ -1860,7 +1860,7 @@
           <a:p>
             <a:fld id="{2B996CD7-E6CE-470D-9D9D-A9A816181F09}" type="datetimeFigureOut">
               <a:rPr lang="it-IT" smtClean="0"/>
-              <a:t>02/12/2018</a:t>
+              <a:t>03/12/2018</a:t>
             </a:fld>
             <a:endParaRPr lang="it-IT"/>
           </a:p>
@@ -2001,7 +2001,7 @@
           <a:p>
             <a:fld id="{2B996CD7-E6CE-470D-9D9D-A9A816181F09}" type="datetimeFigureOut">
               <a:rPr lang="it-IT" smtClean="0"/>
-              <a:t>02/12/2018</a:t>
+              <a:t>03/12/2018</a:t>
             </a:fld>
             <a:endParaRPr lang="it-IT"/>
           </a:p>
@@ -2114,7 +2114,7 @@
           <a:p>
             <a:fld id="{2B996CD7-E6CE-470D-9D9D-A9A816181F09}" type="datetimeFigureOut">
               <a:rPr lang="it-IT" smtClean="0"/>
-              <a:t>02/12/2018</a:t>
+              <a:t>03/12/2018</a:t>
             </a:fld>
             <a:endParaRPr lang="it-IT"/>
           </a:p>
@@ -2425,7 +2425,7 @@
           <a:p>
             <a:fld id="{2B996CD7-E6CE-470D-9D9D-A9A816181F09}" type="datetimeFigureOut">
               <a:rPr lang="it-IT" smtClean="0"/>
-              <a:t>02/12/2018</a:t>
+              <a:t>03/12/2018</a:t>
             </a:fld>
             <a:endParaRPr lang="it-IT"/>
           </a:p>
@@ -2713,7 +2713,7 @@
           <a:p>
             <a:fld id="{2B996CD7-E6CE-470D-9D9D-A9A816181F09}" type="datetimeFigureOut">
               <a:rPr lang="it-IT" smtClean="0"/>
-              <a:t>02/12/2018</a:t>
+              <a:t>03/12/2018</a:t>
             </a:fld>
             <a:endParaRPr lang="it-IT"/>
           </a:p>
@@ -2964,7 +2964,7 @@
           <a:p>
             <a:fld id="{2B996CD7-E6CE-470D-9D9D-A9A816181F09}" type="datetimeFigureOut">
               <a:rPr lang="it-IT" smtClean="0"/>
-              <a:t>02/12/2018</a:t>
+              <a:t>03/12/2018</a:t>
             </a:fld>
             <a:endParaRPr lang="it-IT"/>
           </a:p>
@@ -3607,7 +3607,7 @@
         <p:spPr>
           <a:xfrm>
             <a:off x="6435709" y="594163"/>
-            <a:ext cx="4872651" cy="954107"/>
+            <a:ext cx="4872651" cy="523220"/>
           </a:xfrm>
           <a:prstGeom prst="rect">
             <a:avLst/>
@@ -3625,14 +3625,6 @@
                 <a:latin typeface="Baskerville Old Face" panose="02020602080505020303" pitchFamily="18" charset="0"/>
               </a:rPr>
               <a:t>Dipartimento di Ingegneria</a:t>
-            </a:r>
-          </a:p>
-          <a:p>
-            <a:r>
-              <a:rPr lang="it-IT" sz="2800" dirty="0">
-                <a:latin typeface="Baskerville Old Face" panose="02020602080505020303" pitchFamily="18" charset="0"/>
-              </a:rPr>
-              <a:t>Industriale e dell’Informazione</a:t>
             </a:r>
           </a:p>
         </p:txBody>
@@ -3698,7 +3690,12 @@
             <p:ph type="title"/>
           </p:nvPr>
         </p:nvSpPr>
-        <p:spPr/>
+        <p:spPr>
+          <a:xfrm>
+            <a:off x="2844282" y="150493"/>
+            <a:ext cx="10515600" cy="1325563"/>
+          </a:xfrm>
+        </p:spPr>
         <p:txBody>
           <a:bodyPr/>
           <a:lstStyle/>
@@ -3709,7 +3706,7 @@
                   <a:srgbClr val="002060"/>
                 </a:solidFill>
               </a:rPr>
-              <a:t>5. Considerazioni preliminari</a:t>
+              <a:t>5. Esperimenti: Considerazioni preliminari</a:t>
             </a:r>
           </a:p>
         </p:txBody>
@@ -3732,12 +3729,14 @@
         </p:nvSpPr>
         <p:spPr>
           <a:xfrm>
-            <a:off x="838199" y="1825625"/>
-            <a:ext cx="10791825" cy="3243524"/>
+            <a:off x="2957804" y="1750974"/>
+            <a:ext cx="8785742" cy="3165703"/>
           </a:xfrm>
         </p:spPr>
         <p:txBody>
-          <a:bodyPr/>
+          <a:bodyPr>
+            <a:normAutofit/>
+          </a:bodyPr>
           <a:lstStyle/>
           <a:p>
             <a:r>
@@ -3795,16 +3794,40 @@
               <a:t>un metro</a:t>
             </a:r>
             <a:r>
+              <a:rPr lang="it-IT" b="1" dirty="0">
+                <a:solidFill>
+                  <a:srgbClr val="002060"/>
+                </a:solidFill>
+                <a:latin typeface="+mj-lt"/>
+              </a:rPr>
+              <a:t> ???????</a:t>
+            </a:r>
+            <a:endParaRPr lang="it-IT" dirty="0">
+              <a:solidFill>
+                <a:srgbClr val="002060"/>
+              </a:solidFill>
+              <a:latin typeface="+mj-lt"/>
+            </a:endParaRPr>
+          </a:p>
+          <a:p>
+            <a:r>
               <a:rPr lang="it-IT" dirty="0">
                 <a:solidFill>
                   <a:srgbClr val="002060"/>
                 </a:solidFill>
                 <a:latin typeface="+mj-lt"/>
               </a:rPr>
-              <a:t>.</a:t>
-            </a:r>
-          </a:p>
-          <a:p>
+              <a:t>La massima precisione è della </a:t>
+            </a:r>
+            <a:r>
+              <a:rPr lang="it-IT" b="1" i="1" dirty="0">
+                <a:solidFill>
+                  <a:srgbClr val="C00000"/>
+                </a:solidFill>
+                <a:latin typeface="+mj-lt"/>
+              </a:rPr>
+              <a:t>terza cifra significativa </a:t>
+            </a:r>
             <a:r>
               <a:rPr lang="it-IT" dirty="0">
                 <a:solidFill>
@@ -3812,25 +3835,7 @@
                 </a:solidFill>
                 <a:latin typeface="+mj-lt"/>
               </a:rPr>
-              <a:t>La massima precisione con la quale l’algoritmo si sposterà nello spazio di ricerca così come i risultati degli esperimenti a seguire è della </a:t>
-            </a:r>
-            <a:r>
-              <a:rPr lang="it-IT" b="1" i="1" dirty="0">
-                <a:solidFill>
-                  <a:srgbClr val="C00000"/>
-                </a:solidFill>
-                <a:latin typeface="+mj-lt"/>
-              </a:rPr>
-              <a:t>terza cifra significativa </a:t>
-            </a:r>
-            <a:r>
-              <a:rPr lang="it-IT" dirty="0">
-                <a:solidFill>
-                  <a:srgbClr val="002060"/>
-                </a:solidFill>
-                <a:latin typeface="+mj-lt"/>
-              </a:rPr>
-              <a:t>dopo la virgola.</a:t>
+              <a:t>dopo la virgola per i limiti di realizzazione fisica delle spire.</a:t>
             </a:r>
           </a:p>
           <a:p>
@@ -3867,6 +3872,9 @@
             </a:endParaRPr>
           </a:p>
           <a:p>
+            <a:pPr marL="0" indent="0">
+              <a:buNone/>
+            </a:pPr>
             <a:endParaRPr lang="it-IT" dirty="0">
               <a:solidFill>
                 <a:srgbClr val="002060"/>
@@ -3890,7 +3898,7 @@
         </p:nvSpPr>
         <p:spPr>
           <a:xfrm>
-            <a:off x="4248797" y="3616881"/>
+            <a:off x="6376696" y="3531682"/>
             <a:ext cx="5715000" cy="1384995"/>
           </a:xfrm>
           <a:prstGeom prst="rect">
@@ -3915,7 +3923,7 @@
                 </a:solidFill>
                 <a:latin typeface="+mj-lt"/>
               </a:rPr>
-              <a:t>Lunghezza minima del simplesso</a:t>
+              <a:t>Dimensione minima del simplesso</a:t>
             </a:r>
           </a:p>
           <a:p>
@@ -3930,7 +3938,7 @@
                 </a:solidFill>
                 <a:latin typeface="+mj-lt"/>
               </a:rPr>
-              <a:t>Massima percentuale di errore</a:t>
+              <a:t>Massima percentuale di errore </a:t>
             </a:r>
           </a:p>
           <a:p>
@@ -3981,8 +3989,8 @@
         </p:nvCxnSpPr>
         <p:spPr>
           <a:xfrm>
-            <a:off x="945356" y="1385534"/>
-            <a:ext cx="10301288" cy="0"/>
+            <a:off x="2957804" y="1385534"/>
+            <a:ext cx="9048356" cy="0"/>
           </a:xfrm>
           <a:prstGeom prst="line">
             <a:avLst/>
@@ -4019,8 +4027,8 @@
         </p:nvCxnSpPr>
         <p:spPr>
           <a:xfrm>
-            <a:off x="945356" y="6433784"/>
-            <a:ext cx="10301288" cy="0"/>
+            <a:off x="2957804" y="6433784"/>
+            <a:ext cx="8976049" cy="0"/>
           </a:xfrm>
           <a:prstGeom prst="line">
             <a:avLst/>
@@ -4041,6 +4049,183 @@
           </a:fontRef>
         </p:style>
       </p:cxnSp>
+      <p:sp>
+        <p:nvSpPr>
+          <p:cNvPr id="7" name="CasellaDiTesto 6">
+            <a:extLst>
+              <a:ext uri="{FF2B5EF4-FFF2-40B4-BE49-F238E27FC236}">
+                <a16:creationId xmlns:a16="http://schemas.microsoft.com/office/drawing/2014/main" id="{3070A38F-5385-47B0-A6C5-B2D90E75DE32}"/>
+              </a:ext>
+            </a:extLst>
+          </p:cNvPr>
+          <p:cNvSpPr txBox="1"/>
+          <p:nvPr/>
+        </p:nvSpPr>
+        <p:spPr>
+          <a:xfrm>
+            <a:off x="185840" y="1638081"/>
+            <a:ext cx="2496711" cy="4370427"/>
+          </a:xfrm>
+          <a:prstGeom prst="rect">
+            <a:avLst/>
+          </a:prstGeom>
+          <a:noFill/>
+        </p:spPr>
+        <p:txBody>
+          <a:bodyPr wrap="square" rtlCol="0">
+            <a:spAutoFit/>
+          </a:bodyPr>
+          <a:lstStyle/>
+          <a:p>
+            <a:pPr marL="514350" indent="-514350">
+              <a:buFont typeface="+mj-lt"/>
+              <a:buAutoNum type="arabicPeriod"/>
+            </a:pPr>
+            <a:r>
+              <a:rPr lang="it-IT" sz="2000" dirty="0">
+                <a:solidFill>
+                  <a:srgbClr val="002060"/>
+                </a:solidFill>
+                <a:ea typeface="Doulos SIL" panose="02000500070000020004" pitchFamily="2" charset="0"/>
+                <a:cs typeface="Doulos SIL" panose="02000500070000020004" pitchFamily="2" charset="0"/>
+              </a:rPr>
+              <a:t>Descrizione del problema</a:t>
+            </a:r>
+          </a:p>
+          <a:p>
+            <a:pPr marL="514350" indent="-514350">
+              <a:buFont typeface="+mj-lt"/>
+              <a:buAutoNum type="arabicPeriod"/>
+            </a:pPr>
+            <a:r>
+              <a:rPr lang="it-IT" sz="2000" dirty="0">
+                <a:solidFill>
+                  <a:srgbClr val="002060"/>
+                </a:solidFill>
+                <a:ea typeface="Doulos SIL" panose="02000500070000020004" pitchFamily="2" charset="0"/>
+                <a:cs typeface="Doulos SIL" panose="02000500070000020004" pitchFamily="2" charset="0"/>
+              </a:rPr>
+              <a:t>Obiettivo della procedura</a:t>
+            </a:r>
+          </a:p>
+          <a:p>
+            <a:pPr marL="514350" indent="-514350">
+              <a:buFont typeface="+mj-lt"/>
+              <a:buAutoNum type="arabicPeriod"/>
+            </a:pPr>
+            <a:r>
+              <a:rPr lang="it-IT" sz="2000" dirty="0">
+                <a:solidFill>
+                  <a:srgbClr val="002060"/>
+                </a:solidFill>
+                <a:ea typeface="Doulos SIL" panose="02000500070000020004" pitchFamily="2" charset="0"/>
+                <a:cs typeface="Doulos SIL" panose="02000500070000020004" pitchFamily="2" charset="0"/>
+              </a:rPr>
+              <a:t>Formulazione matematica</a:t>
+            </a:r>
+          </a:p>
+          <a:p>
+            <a:pPr marL="514350" indent="-514350">
+              <a:buFont typeface="+mj-lt"/>
+              <a:buAutoNum type="arabicPeriod"/>
+            </a:pPr>
+            <a:r>
+              <a:rPr lang="it-IT" sz="2000" dirty="0">
+                <a:solidFill>
+                  <a:srgbClr val="002060"/>
+                </a:solidFill>
+                <a:ea typeface="Doulos SIL" panose="02000500070000020004" pitchFamily="2" charset="0"/>
+                <a:cs typeface="Doulos SIL" panose="02000500070000020004" pitchFamily="2" charset="0"/>
+              </a:rPr>
+              <a:t>Tecnica di minimizzazione</a:t>
+            </a:r>
+          </a:p>
+          <a:p>
+            <a:pPr marL="514350" indent="-514350">
+              <a:buFont typeface="+mj-lt"/>
+              <a:buAutoNum type="arabicPeriod"/>
+            </a:pPr>
+            <a:r>
+              <a:rPr lang="it-IT" sz="2000" b="1" dirty="0">
+                <a:solidFill>
+                  <a:srgbClr val="C00000"/>
+                </a:solidFill>
+                <a:ea typeface="Doulos SIL" panose="02000500070000020004" pitchFamily="2" charset="0"/>
+                <a:cs typeface="Doulos SIL" panose="02000500070000020004" pitchFamily="2" charset="0"/>
+              </a:rPr>
+              <a:t>Esperimenti: considerazioni preliminari</a:t>
+            </a:r>
+          </a:p>
+          <a:p>
+            <a:pPr marL="514350" indent="-514350">
+              <a:buFont typeface="+mj-lt"/>
+              <a:buAutoNum type="arabicPeriod"/>
+            </a:pPr>
+            <a:r>
+              <a:rPr lang="it-IT" sz="2000" dirty="0">
+                <a:solidFill>
+                  <a:srgbClr val="002060"/>
+                </a:solidFill>
+                <a:ea typeface="Doulos SIL" panose="02000500070000020004" pitchFamily="2" charset="0"/>
+                <a:cs typeface="Doulos SIL" panose="02000500070000020004" pitchFamily="2" charset="0"/>
+              </a:rPr>
+              <a:t>Risultati e conclusioni</a:t>
+            </a:r>
+          </a:p>
+          <a:p>
+            <a:endParaRPr lang="it-IT" dirty="0">
+              <a:solidFill>
+                <a:srgbClr val="002060"/>
+              </a:solidFill>
+            </a:endParaRPr>
+          </a:p>
+        </p:txBody>
+      </p:sp>
+      <p:sp>
+        <p:nvSpPr>
+          <p:cNvPr id="8" name="Rettangolo 7">
+            <a:extLst>
+              <a:ext uri="{FF2B5EF4-FFF2-40B4-BE49-F238E27FC236}">
+                <a16:creationId xmlns:a16="http://schemas.microsoft.com/office/drawing/2014/main" id="{0872A850-D468-4BF4-B543-5BB8C4013D2D}"/>
+              </a:ext>
+            </a:extLst>
+          </p:cNvPr>
+          <p:cNvSpPr/>
+          <p:nvPr/>
+        </p:nvSpPr>
+        <p:spPr>
+          <a:xfrm>
+            <a:off x="124825" y="74645"/>
+            <a:ext cx="2441093" cy="6708709"/>
+          </a:xfrm>
+          <a:prstGeom prst="rect">
+            <a:avLst/>
+          </a:prstGeom>
+          <a:noFill/>
+        </p:spPr>
+        <p:style>
+          <a:lnRef idx="2">
+            <a:schemeClr val="accent1"/>
+          </a:lnRef>
+          <a:fillRef idx="1">
+            <a:schemeClr val="lt1"/>
+          </a:fillRef>
+          <a:effectRef idx="0">
+            <a:schemeClr val="accent1"/>
+          </a:effectRef>
+          <a:fontRef idx="minor">
+            <a:schemeClr val="dk1"/>
+          </a:fontRef>
+        </p:style>
+        <p:txBody>
+          <a:bodyPr rtlCol="0" anchor="ctr"/>
+          <a:lstStyle/>
+          <a:p>
+            <a:pPr algn="ctr"/>
+            <a:endParaRPr lang="it-IT"/>
+          </a:p>
+        </p:txBody>
+      </p:sp>
     </p:spTree>
     <p:extLst>
       <p:ext uri="{BB962C8B-B14F-4D97-AF65-F5344CB8AC3E}">
@@ -4102,7 +4287,12 @@
             <p:ph type="title"/>
           </p:nvPr>
         </p:nvSpPr>
-        <p:spPr/>
+        <p:spPr>
+          <a:xfrm>
+            <a:off x="2682551" y="197385"/>
+            <a:ext cx="10515600" cy="1325563"/>
+          </a:xfrm>
+        </p:spPr>
         <p:txBody>
           <a:bodyPr/>
           <a:lstStyle/>
@@ -4113,7 +4303,7 @@
                   <a:srgbClr val="002060"/>
                 </a:solidFill>
               </a:rPr>
-              <a:t>5. Considerazioni preliminari</a:t>
+              <a:t>5. Esperimenti: considerazioni preliminari</a:t>
             </a:r>
           </a:p>
         </p:txBody>
@@ -4134,8 +4324,8 @@
         </p:nvCxnSpPr>
         <p:spPr>
           <a:xfrm>
-            <a:off x="945356" y="1385534"/>
-            <a:ext cx="10301288" cy="0"/>
+            <a:off x="2682551" y="1385534"/>
+            <a:ext cx="8564093" cy="0"/>
           </a:xfrm>
           <a:prstGeom prst="line">
             <a:avLst/>
@@ -4172,8 +4362,8 @@
         </p:nvCxnSpPr>
         <p:spPr>
           <a:xfrm>
-            <a:off x="945356" y="6433784"/>
-            <a:ext cx="10301288" cy="0"/>
+            <a:off x="2682551" y="6415122"/>
+            <a:ext cx="8741375" cy="0"/>
           </a:xfrm>
           <a:prstGeom prst="line">
             <a:avLst/>
@@ -4209,13 +4399,13 @@
           <p:nvPr>
             <p:extLst>
               <p:ext uri="{D42A27DB-BD31-4B8C-83A1-F6EECF244321}">
-                <p14:modId xmlns:p14="http://schemas.microsoft.com/office/powerpoint/2010/main" val="2703010629"/>
+                <p14:modId xmlns:p14="http://schemas.microsoft.com/office/powerpoint/2010/main" val="1508014070"/>
               </p:ext>
             </p:extLst>
           </p:nvPr>
         </p:nvGraphicFramePr>
         <p:xfrm>
-          <a:off x="1806633" y="2197251"/>
+          <a:off x="2911517" y="2826474"/>
           <a:ext cx="8578734" cy="3308466"/>
         </p:xfrm>
         <a:graphic>
@@ -4732,6 +4922,218 @@
           </a:graphicData>
         </a:graphic>
       </p:graphicFrame>
+      <p:sp>
+        <p:nvSpPr>
+          <p:cNvPr id="8" name="CasellaDiTesto 7">
+            <a:extLst>
+              <a:ext uri="{FF2B5EF4-FFF2-40B4-BE49-F238E27FC236}">
+                <a16:creationId xmlns:a16="http://schemas.microsoft.com/office/drawing/2014/main" id="{693FCE56-E437-48DF-B1B5-61F7352DAD8F}"/>
+              </a:ext>
+            </a:extLst>
+          </p:cNvPr>
+          <p:cNvSpPr txBox="1"/>
+          <p:nvPr/>
+        </p:nvSpPr>
+        <p:spPr>
+          <a:xfrm>
+            <a:off x="185840" y="1638081"/>
+            <a:ext cx="2496711" cy="4370427"/>
+          </a:xfrm>
+          <a:prstGeom prst="rect">
+            <a:avLst/>
+          </a:prstGeom>
+          <a:noFill/>
+        </p:spPr>
+        <p:txBody>
+          <a:bodyPr wrap="square" rtlCol="0">
+            <a:spAutoFit/>
+          </a:bodyPr>
+          <a:lstStyle/>
+          <a:p>
+            <a:pPr marL="514350" indent="-514350">
+              <a:buFont typeface="+mj-lt"/>
+              <a:buAutoNum type="arabicPeriod"/>
+            </a:pPr>
+            <a:r>
+              <a:rPr lang="it-IT" sz="2000" dirty="0">
+                <a:solidFill>
+                  <a:srgbClr val="002060"/>
+                </a:solidFill>
+                <a:ea typeface="Doulos SIL" panose="02000500070000020004" pitchFamily="2" charset="0"/>
+                <a:cs typeface="Doulos SIL" panose="02000500070000020004" pitchFamily="2" charset="0"/>
+              </a:rPr>
+              <a:t>Descrizione del problema</a:t>
+            </a:r>
+          </a:p>
+          <a:p>
+            <a:pPr marL="514350" indent="-514350">
+              <a:buFont typeface="+mj-lt"/>
+              <a:buAutoNum type="arabicPeriod"/>
+            </a:pPr>
+            <a:r>
+              <a:rPr lang="it-IT" sz="2000" dirty="0">
+                <a:solidFill>
+                  <a:srgbClr val="002060"/>
+                </a:solidFill>
+                <a:ea typeface="Doulos SIL" panose="02000500070000020004" pitchFamily="2" charset="0"/>
+                <a:cs typeface="Doulos SIL" panose="02000500070000020004" pitchFamily="2" charset="0"/>
+              </a:rPr>
+              <a:t>Obiettivo della procedura</a:t>
+            </a:r>
+          </a:p>
+          <a:p>
+            <a:pPr marL="514350" indent="-514350">
+              <a:buFont typeface="+mj-lt"/>
+              <a:buAutoNum type="arabicPeriod"/>
+            </a:pPr>
+            <a:r>
+              <a:rPr lang="it-IT" sz="2000" dirty="0">
+                <a:solidFill>
+                  <a:srgbClr val="002060"/>
+                </a:solidFill>
+                <a:ea typeface="Doulos SIL" panose="02000500070000020004" pitchFamily="2" charset="0"/>
+                <a:cs typeface="Doulos SIL" panose="02000500070000020004" pitchFamily="2" charset="0"/>
+              </a:rPr>
+              <a:t>Formulazione matematica</a:t>
+            </a:r>
+          </a:p>
+          <a:p>
+            <a:pPr marL="514350" indent="-514350">
+              <a:buFont typeface="+mj-lt"/>
+              <a:buAutoNum type="arabicPeriod"/>
+            </a:pPr>
+            <a:r>
+              <a:rPr lang="it-IT" sz="2000" dirty="0">
+                <a:solidFill>
+                  <a:srgbClr val="002060"/>
+                </a:solidFill>
+                <a:ea typeface="Doulos SIL" panose="02000500070000020004" pitchFamily="2" charset="0"/>
+                <a:cs typeface="Doulos SIL" panose="02000500070000020004" pitchFamily="2" charset="0"/>
+              </a:rPr>
+              <a:t>Tecnica di minimizzazione</a:t>
+            </a:r>
+          </a:p>
+          <a:p>
+            <a:pPr marL="514350" indent="-514350">
+              <a:buFont typeface="+mj-lt"/>
+              <a:buAutoNum type="arabicPeriod"/>
+            </a:pPr>
+            <a:r>
+              <a:rPr lang="it-IT" sz="2000" b="1" dirty="0">
+                <a:solidFill>
+                  <a:srgbClr val="C00000"/>
+                </a:solidFill>
+                <a:ea typeface="Doulos SIL" panose="02000500070000020004" pitchFamily="2" charset="0"/>
+                <a:cs typeface="Doulos SIL" panose="02000500070000020004" pitchFamily="2" charset="0"/>
+              </a:rPr>
+              <a:t>Esperimenti: considerazioni preliminari</a:t>
+            </a:r>
+          </a:p>
+          <a:p>
+            <a:pPr marL="514350" indent="-514350">
+              <a:buFont typeface="+mj-lt"/>
+              <a:buAutoNum type="arabicPeriod"/>
+            </a:pPr>
+            <a:r>
+              <a:rPr lang="it-IT" sz="2000" dirty="0">
+                <a:solidFill>
+                  <a:srgbClr val="002060"/>
+                </a:solidFill>
+                <a:ea typeface="Doulos SIL" panose="02000500070000020004" pitchFamily="2" charset="0"/>
+                <a:cs typeface="Doulos SIL" panose="02000500070000020004" pitchFamily="2" charset="0"/>
+              </a:rPr>
+              <a:t>Risultati e conclusioni</a:t>
+            </a:r>
+          </a:p>
+          <a:p>
+            <a:endParaRPr lang="it-IT" dirty="0"/>
+          </a:p>
+        </p:txBody>
+      </p:sp>
+      <p:sp>
+        <p:nvSpPr>
+          <p:cNvPr id="9" name="Rettangolo 8">
+            <a:extLst>
+              <a:ext uri="{FF2B5EF4-FFF2-40B4-BE49-F238E27FC236}">
+                <a16:creationId xmlns:a16="http://schemas.microsoft.com/office/drawing/2014/main" id="{78548BA9-8E97-4FAF-BD75-9CF5015CB36E}"/>
+              </a:ext>
+            </a:extLst>
+          </p:cNvPr>
+          <p:cNvSpPr/>
+          <p:nvPr/>
+        </p:nvSpPr>
+        <p:spPr>
+          <a:xfrm>
+            <a:off x="124825" y="74645"/>
+            <a:ext cx="2441093" cy="6708709"/>
+          </a:xfrm>
+          <a:prstGeom prst="rect">
+            <a:avLst/>
+          </a:prstGeom>
+          <a:noFill/>
+        </p:spPr>
+        <p:style>
+          <a:lnRef idx="2">
+            <a:schemeClr val="accent1"/>
+          </a:lnRef>
+          <a:fillRef idx="1">
+            <a:schemeClr val="lt1"/>
+          </a:fillRef>
+          <a:effectRef idx="0">
+            <a:schemeClr val="accent1"/>
+          </a:effectRef>
+          <a:fontRef idx="minor">
+            <a:schemeClr val="dk1"/>
+          </a:fontRef>
+        </p:style>
+        <p:txBody>
+          <a:bodyPr rtlCol="0" anchor="ctr"/>
+          <a:lstStyle/>
+          <a:p>
+            <a:pPr algn="ctr"/>
+            <a:endParaRPr lang="it-IT"/>
+          </a:p>
+        </p:txBody>
+      </p:sp>
+      <p:sp>
+        <p:nvSpPr>
+          <p:cNvPr id="11" name="CasellaDiTesto 10">
+            <a:extLst>
+              <a:ext uri="{FF2B5EF4-FFF2-40B4-BE49-F238E27FC236}">
+                <a16:creationId xmlns:a16="http://schemas.microsoft.com/office/drawing/2014/main" id="{B1ED041C-7A81-4D27-9663-36DDC05B92BD}"/>
+              </a:ext>
+            </a:extLst>
+          </p:cNvPr>
+          <p:cNvSpPr txBox="1"/>
+          <p:nvPr/>
+        </p:nvSpPr>
+        <p:spPr>
+          <a:xfrm>
+            <a:off x="2995127" y="1744824"/>
+            <a:ext cx="8495124" cy="830997"/>
+          </a:xfrm>
+          <a:prstGeom prst="rect">
+            <a:avLst/>
+          </a:prstGeom>
+          <a:noFill/>
+        </p:spPr>
+        <p:txBody>
+          <a:bodyPr wrap="square" rtlCol="0">
+            <a:spAutoFit/>
+          </a:bodyPr>
+          <a:lstStyle/>
+          <a:p>
+            <a:r>
+              <a:rPr lang="it-IT" sz="2400" dirty="0">
+                <a:solidFill>
+                  <a:srgbClr val="002060"/>
+                </a:solidFill>
+              </a:rPr>
+              <a:t>Prendiamo in considerazione il campo magnetico generato dai seguenti parametri:</a:t>
+            </a:r>
+          </a:p>
+        </p:txBody>
+      </p:sp>
     </p:spTree>
     <p:extLst>
       <p:ext uri="{BB962C8B-B14F-4D97-AF65-F5344CB8AC3E}">
@@ -4793,7 +5195,12 @@
             <p:ph type="title"/>
           </p:nvPr>
         </p:nvSpPr>
-        <p:spPr/>
+        <p:spPr>
+          <a:xfrm>
+            <a:off x="2667000" y="232945"/>
+            <a:ext cx="10515600" cy="1325563"/>
+          </a:xfrm>
+        </p:spPr>
         <p:txBody>
           <a:bodyPr/>
           <a:lstStyle/>
@@ -4804,46 +5211,11 @@
                   <a:srgbClr val="002060"/>
                 </a:solidFill>
               </a:rPr>
-              <a:t>6. Esperimento: 2D senza vincoli</a:t>
+              <a:t>5. Esperimento: 2D senza vincoli</a:t>
             </a:r>
           </a:p>
         </p:txBody>
       </p:sp>
-      <p:pic>
-        <p:nvPicPr>
-          <p:cNvPr id="5" name="Segnaposto contenuto 4">
-            <a:extLst>
-              <a:ext uri="{FF2B5EF4-FFF2-40B4-BE49-F238E27FC236}">
-                <a16:creationId xmlns:a16="http://schemas.microsoft.com/office/drawing/2014/main" id="{7041A36E-E33B-46A2-A45B-8C680E636972}"/>
-              </a:ext>
-            </a:extLst>
-          </p:cNvPr>
-          <p:cNvPicPr>
-            <a:picLocks noGrp="1" noChangeAspect="1"/>
-          </p:cNvPicPr>
-          <p:nvPr>
-            <p:ph idx="1"/>
-          </p:nvPr>
-        </p:nvPicPr>
-        <p:blipFill>
-          <a:blip r:embed="rId3">
-            <a:extLst>
-              <a:ext uri="{28A0092B-C50C-407E-A947-70E740481C1C}">
-                <a14:useLocalDpi xmlns:a14="http://schemas.microsoft.com/office/drawing/2010/main" val="0"/>
-              </a:ext>
-            </a:extLst>
-          </a:blip>
-          <a:stretch>
-            <a:fillRect/>
-          </a:stretch>
-        </p:blipFill>
-        <p:spPr>
-          <a:xfrm>
-            <a:off x="4864416" y="4103261"/>
-            <a:ext cx="7051358" cy="2221971"/>
-          </a:xfrm>
-        </p:spPr>
-      </p:pic>
       <p:sp>
         <p:nvSpPr>
           <p:cNvPr id="6" name="CasellaDiTesto 5">
@@ -4858,8 +5230,8 @@
         </p:nvSpPr>
         <p:spPr>
           <a:xfrm>
-            <a:off x="838200" y="1665169"/>
-            <a:ext cx="3657601" cy="2677656"/>
+            <a:off x="2659149" y="2022801"/>
+            <a:ext cx="3097840" cy="3108543"/>
           </a:xfrm>
           <a:prstGeom prst="rect">
             <a:avLst/>
@@ -4918,8 +5290,8 @@
         </p:nvCxnSpPr>
         <p:spPr>
           <a:xfrm>
-            <a:off x="1052512" y="6443309"/>
-            <a:ext cx="10863262" cy="0"/>
+            <a:off x="2817845" y="6443309"/>
+            <a:ext cx="9097929" cy="0"/>
           </a:xfrm>
           <a:prstGeom prst="line">
             <a:avLst/>
@@ -4956,8 +5328,8 @@
         </p:nvCxnSpPr>
         <p:spPr>
           <a:xfrm>
-            <a:off x="945356" y="1509359"/>
-            <a:ext cx="10970418" cy="0"/>
+            <a:off x="2817845" y="1509359"/>
+            <a:ext cx="9097929" cy="0"/>
           </a:xfrm>
           <a:prstGeom prst="line">
             <a:avLst/>
@@ -4978,12 +5350,221 @@
           </a:fontRef>
         </p:style>
       </p:cxnSp>
+      <p:sp>
+        <p:nvSpPr>
+          <p:cNvPr id="11" name="CasellaDiTesto 10">
+            <a:extLst>
+              <a:ext uri="{FF2B5EF4-FFF2-40B4-BE49-F238E27FC236}">
+                <a16:creationId xmlns:a16="http://schemas.microsoft.com/office/drawing/2014/main" id="{044C1545-B288-4FD5-BC80-76FA1D346A78}"/>
+              </a:ext>
+            </a:extLst>
+          </p:cNvPr>
+          <p:cNvSpPr txBox="1"/>
+          <p:nvPr/>
+        </p:nvSpPr>
+        <p:spPr>
+          <a:xfrm>
+            <a:off x="185840" y="1638081"/>
+            <a:ext cx="2496711" cy="4062651"/>
+          </a:xfrm>
+          <a:prstGeom prst="rect">
+            <a:avLst/>
+          </a:prstGeom>
+          <a:noFill/>
+        </p:spPr>
+        <p:txBody>
+          <a:bodyPr wrap="square" rtlCol="0">
+            <a:spAutoFit/>
+          </a:bodyPr>
+          <a:lstStyle/>
+          <a:p>
+            <a:pPr marL="514350" indent="-514350">
+              <a:buFont typeface="+mj-lt"/>
+              <a:buAutoNum type="arabicPeriod"/>
+            </a:pPr>
+            <a:r>
+              <a:rPr lang="it-IT" sz="2000" dirty="0">
+                <a:solidFill>
+                  <a:srgbClr val="002060"/>
+                </a:solidFill>
+                <a:ea typeface="Doulos SIL" panose="02000500070000020004" pitchFamily="2" charset="0"/>
+                <a:cs typeface="Doulos SIL" panose="02000500070000020004" pitchFamily="2" charset="0"/>
+              </a:rPr>
+              <a:t>Descrizione del problema</a:t>
+            </a:r>
+          </a:p>
+          <a:p>
+            <a:pPr marL="514350" indent="-514350">
+              <a:buFont typeface="+mj-lt"/>
+              <a:buAutoNum type="arabicPeriod"/>
+            </a:pPr>
+            <a:r>
+              <a:rPr lang="it-IT" sz="2000" dirty="0">
+                <a:solidFill>
+                  <a:srgbClr val="002060"/>
+                </a:solidFill>
+                <a:ea typeface="Doulos SIL" panose="02000500070000020004" pitchFamily="2" charset="0"/>
+                <a:cs typeface="Doulos SIL" panose="02000500070000020004" pitchFamily="2" charset="0"/>
+              </a:rPr>
+              <a:t>Obiettivo della procedura</a:t>
+            </a:r>
+          </a:p>
+          <a:p>
+            <a:pPr marL="514350" indent="-514350">
+              <a:buFont typeface="+mj-lt"/>
+              <a:buAutoNum type="arabicPeriod"/>
+            </a:pPr>
+            <a:r>
+              <a:rPr lang="it-IT" sz="2000" dirty="0">
+                <a:solidFill>
+                  <a:srgbClr val="002060"/>
+                </a:solidFill>
+                <a:ea typeface="Doulos SIL" panose="02000500070000020004" pitchFamily="2" charset="0"/>
+                <a:cs typeface="Doulos SIL" panose="02000500070000020004" pitchFamily="2" charset="0"/>
+              </a:rPr>
+              <a:t>Formulazione matematica</a:t>
+            </a:r>
+          </a:p>
+          <a:p>
+            <a:pPr marL="514350" indent="-514350">
+              <a:buFont typeface="+mj-lt"/>
+              <a:buAutoNum type="arabicPeriod"/>
+            </a:pPr>
+            <a:r>
+              <a:rPr lang="it-IT" sz="2000" dirty="0">
+                <a:solidFill>
+                  <a:srgbClr val="002060"/>
+                </a:solidFill>
+                <a:ea typeface="Doulos SIL" panose="02000500070000020004" pitchFamily="2" charset="0"/>
+                <a:cs typeface="Doulos SIL" panose="02000500070000020004" pitchFamily="2" charset="0"/>
+              </a:rPr>
+              <a:t>Tecnica di minimizzazione</a:t>
+            </a:r>
+          </a:p>
+          <a:p>
+            <a:pPr marL="514350" indent="-514350">
+              <a:buFont typeface="+mj-lt"/>
+              <a:buAutoNum type="arabicPeriod"/>
+            </a:pPr>
+            <a:r>
+              <a:rPr lang="it-IT" sz="2000" b="1" dirty="0">
+                <a:solidFill>
+                  <a:srgbClr val="C00000"/>
+                </a:solidFill>
+                <a:ea typeface="Doulos SIL" panose="02000500070000020004" pitchFamily="2" charset="0"/>
+                <a:cs typeface="Doulos SIL" panose="02000500070000020004" pitchFamily="2" charset="0"/>
+              </a:rPr>
+              <a:t>Esperimenti: 2D senza vincoli</a:t>
+            </a:r>
+          </a:p>
+          <a:p>
+            <a:pPr marL="514350" indent="-514350">
+              <a:buFont typeface="+mj-lt"/>
+              <a:buAutoNum type="arabicPeriod"/>
+            </a:pPr>
+            <a:r>
+              <a:rPr lang="it-IT" sz="2000" dirty="0">
+                <a:solidFill>
+                  <a:srgbClr val="002060"/>
+                </a:solidFill>
+                <a:ea typeface="Doulos SIL" panose="02000500070000020004" pitchFamily="2" charset="0"/>
+                <a:cs typeface="Doulos SIL" panose="02000500070000020004" pitchFamily="2" charset="0"/>
+              </a:rPr>
+              <a:t>Risultati e conclusioni</a:t>
+            </a:r>
+          </a:p>
+          <a:p>
+            <a:endParaRPr lang="it-IT" dirty="0"/>
+          </a:p>
+        </p:txBody>
+      </p:sp>
+      <p:sp>
+        <p:nvSpPr>
+          <p:cNvPr id="12" name="Rettangolo 11">
+            <a:extLst>
+              <a:ext uri="{FF2B5EF4-FFF2-40B4-BE49-F238E27FC236}">
+                <a16:creationId xmlns:a16="http://schemas.microsoft.com/office/drawing/2014/main" id="{68A89915-2E04-4576-B42A-4CAF476E7C75}"/>
+              </a:ext>
+            </a:extLst>
+          </p:cNvPr>
+          <p:cNvSpPr/>
+          <p:nvPr/>
+        </p:nvSpPr>
+        <p:spPr>
+          <a:xfrm>
+            <a:off x="124825" y="74645"/>
+            <a:ext cx="2441093" cy="6708709"/>
+          </a:xfrm>
+          <a:prstGeom prst="rect">
+            <a:avLst/>
+          </a:prstGeom>
+          <a:noFill/>
+        </p:spPr>
+        <p:style>
+          <a:lnRef idx="2">
+            <a:schemeClr val="accent1"/>
+          </a:lnRef>
+          <a:fillRef idx="1">
+            <a:schemeClr val="lt1"/>
+          </a:fillRef>
+          <a:effectRef idx="0">
+            <a:schemeClr val="accent1"/>
+          </a:effectRef>
+          <a:fontRef idx="minor">
+            <a:schemeClr val="dk1"/>
+          </a:fontRef>
+        </p:style>
+        <p:txBody>
+          <a:bodyPr rtlCol="0" anchor="ctr"/>
+          <a:lstStyle/>
+          <a:p>
+            <a:pPr algn="ctr"/>
+            <a:endParaRPr lang="it-IT"/>
+          </a:p>
+        </p:txBody>
+      </p:sp>
       <p:pic>
         <p:nvPicPr>
-          <p:cNvPr id="4" name="Immagine 3">
-            <a:extLst>
-              <a:ext uri="{FF2B5EF4-FFF2-40B4-BE49-F238E27FC236}">
-                <a16:creationId xmlns:a16="http://schemas.microsoft.com/office/drawing/2014/main" id="{409FD23B-18C7-414F-BDC5-2A39C53A1839}"/>
+          <p:cNvPr id="16" name="Immagine 15">
+            <a:extLst>
+              <a:ext uri="{FF2B5EF4-FFF2-40B4-BE49-F238E27FC236}">
+                <a16:creationId xmlns:a16="http://schemas.microsoft.com/office/drawing/2014/main" id="{563B0B62-5BA2-4991-BA05-A5F231635CFB}"/>
+              </a:ext>
+            </a:extLst>
+          </p:cNvPr>
+          <p:cNvPicPr>
+            <a:picLocks noChangeAspect="1"/>
+          </p:cNvPicPr>
+          <p:nvPr/>
+        </p:nvPicPr>
+        <p:blipFill>
+          <a:blip r:embed="rId3">
+            <a:extLst>
+              <a:ext uri="{28A0092B-C50C-407E-A947-70E740481C1C}">
+                <a14:useLocalDpi xmlns:a14="http://schemas.microsoft.com/office/drawing/2010/main" val="0"/>
+              </a:ext>
+            </a:extLst>
+          </a:blip>
+          <a:stretch>
+            <a:fillRect/>
+          </a:stretch>
+        </p:blipFill>
+        <p:spPr>
+          <a:xfrm>
+            <a:off x="5886745" y="1665584"/>
+            <a:ext cx="6119415" cy="2311482"/>
+          </a:xfrm>
+          <a:prstGeom prst="rect">
+            <a:avLst/>
+          </a:prstGeom>
+        </p:spPr>
+      </p:pic>
+      <p:pic>
+        <p:nvPicPr>
+          <p:cNvPr id="18" name="Immagine 17">
+            <a:extLst>
+              <a:ext uri="{FF2B5EF4-FFF2-40B4-BE49-F238E27FC236}">
+                <a16:creationId xmlns:a16="http://schemas.microsoft.com/office/drawing/2014/main" id="{396603E4-4129-464F-AFD0-DD59411ED8C7}"/>
               </a:ext>
             </a:extLst>
           </p:cNvPr>
@@ -5006,68 +5587,14 @@
         </p:blipFill>
         <p:spPr>
           <a:xfrm>
-            <a:off x="4864416" y="1665169"/>
-            <a:ext cx="7051358" cy="2453770"/>
+            <a:off x="5653105" y="3982694"/>
+            <a:ext cx="6510429" cy="1783057"/>
           </a:xfrm>
           <a:prstGeom prst="rect">
             <a:avLst/>
           </a:prstGeom>
         </p:spPr>
       </p:pic>
-      <p:sp>
-        <p:nvSpPr>
-          <p:cNvPr id="3" name="Rettangolo 2">
-            <a:extLst>
-              <a:ext uri="{FF2B5EF4-FFF2-40B4-BE49-F238E27FC236}">
-                <a16:creationId xmlns:a16="http://schemas.microsoft.com/office/drawing/2014/main" id="{10795883-1604-4833-A556-482B08FA7E4C}"/>
-              </a:ext>
-            </a:extLst>
-          </p:cNvPr>
-          <p:cNvSpPr/>
-          <p:nvPr/>
-        </p:nvSpPr>
-        <p:spPr>
-          <a:xfrm>
-            <a:off x="7561156" y="2127362"/>
-            <a:ext cx="134223" cy="185308"/>
-          </a:xfrm>
-          <a:prstGeom prst="rect">
-            <a:avLst/>
-          </a:prstGeom>
-          <a:solidFill>
-            <a:schemeClr val="bg1"/>
-          </a:solidFill>
-          <a:ln>
-            <a:solidFill>
-              <a:schemeClr val="bg1"/>
-            </a:solidFill>
-          </a:ln>
-        </p:spPr>
-        <p:style>
-          <a:lnRef idx="2">
-            <a:schemeClr val="accent1">
-              <a:shade val="50000"/>
-            </a:schemeClr>
-          </a:lnRef>
-          <a:fillRef idx="1">
-            <a:schemeClr val="accent1"/>
-          </a:fillRef>
-          <a:effectRef idx="0">
-            <a:schemeClr val="accent1"/>
-          </a:effectRef>
-          <a:fontRef idx="minor">
-            <a:schemeClr val="lt1"/>
-          </a:fontRef>
-        </p:style>
-        <p:txBody>
-          <a:bodyPr rtlCol="0" anchor="ctr"/>
-          <a:lstStyle/>
-          <a:p>
-            <a:pPr algn="ctr"/>
-            <a:endParaRPr lang="it-IT"/>
-          </a:p>
-        </p:txBody>
-      </p:sp>
     </p:spTree>
     <p:extLst>
       <p:ext uri="{BB962C8B-B14F-4D97-AF65-F5344CB8AC3E}">
@@ -5113,42 +5640,6 @@
           <a:chExt cx="0" cy="0"/>
         </a:xfrm>
       </p:grpSpPr>
-      <p:pic>
-        <p:nvPicPr>
-          <p:cNvPr id="7" name="Immagine 6">
-            <a:extLst>
-              <a:ext uri="{FF2B5EF4-FFF2-40B4-BE49-F238E27FC236}">
-                <a16:creationId xmlns:a16="http://schemas.microsoft.com/office/drawing/2014/main" id="{3F0FE11E-DF9F-4E75-91B9-25F5E9FD59CE}"/>
-              </a:ext>
-            </a:extLst>
-          </p:cNvPr>
-          <p:cNvPicPr>
-            <a:picLocks noChangeAspect="1"/>
-          </p:cNvPicPr>
-          <p:nvPr/>
-        </p:nvPicPr>
-        <p:blipFill>
-          <a:blip r:embed="rId3">
-            <a:extLst>
-              <a:ext uri="{28A0092B-C50C-407E-A947-70E740481C1C}">
-                <a14:useLocalDpi xmlns:a14="http://schemas.microsoft.com/office/drawing/2010/main" val="0"/>
-              </a:ext>
-            </a:extLst>
-          </a:blip>
-          <a:stretch>
-            <a:fillRect/>
-          </a:stretch>
-        </p:blipFill>
-        <p:spPr>
-          <a:xfrm>
-            <a:off x="4495952" y="1176908"/>
-            <a:ext cx="7143273" cy="2474828"/>
-          </a:xfrm>
-          <a:prstGeom prst="rect">
-            <a:avLst/>
-          </a:prstGeom>
-        </p:spPr>
-      </p:pic>
       <p:cxnSp>
         <p:nvCxnSpPr>
           <p:cNvPr id="11" name="Connettore diritto 10">
@@ -5165,8 +5656,8 @@
         </p:nvCxnSpPr>
         <p:spPr>
           <a:xfrm>
-            <a:off x="938212" y="1133242"/>
-            <a:ext cx="10701013" cy="0"/>
+            <a:off x="2855167" y="1133242"/>
+            <a:ext cx="8784058" cy="0"/>
           </a:xfrm>
           <a:prstGeom prst="line">
             <a:avLst/>
@@ -5201,8 +5692,8 @@
         </p:nvSpPr>
         <p:spPr>
           <a:xfrm>
-            <a:off x="837543" y="1287962"/>
-            <a:ext cx="3474397" cy="2677656"/>
+            <a:off x="2852797" y="1672110"/>
+            <a:ext cx="2876311" cy="3108543"/>
           </a:xfrm>
           <a:prstGeom prst="rect">
             <a:avLst/>
@@ -5245,42 +5736,6 @@
           </a:p>
         </p:txBody>
       </p:sp>
-      <p:pic>
-        <p:nvPicPr>
-          <p:cNvPr id="8" name="Immagine 7">
-            <a:extLst>
-              <a:ext uri="{FF2B5EF4-FFF2-40B4-BE49-F238E27FC236}">
-                <a16:creationId xmlns:a16="http://schemas.microsoft.com/office/drawing/2014/main" id="{85D4ADCD-91E9-43A4-A4BE-8677C7FA4CA0}"/>
-              </a:ext>
-            </a:extLst>
-          </p:cNvPr>
-          <p:cNvPicPr>
-            <a:picLocks noChangeAspect="1"/>
-          </p:cNvPicPr>
-          <p:nvPr/>
-        </p:nvPicPr>
-        <p:blipFill>
-          <a:blip r:embed="rId4">
-            <a:extLst>
-              <a:ext uri="{28A0092B-C50C-407E-A947-70E740481C1C}">
-                <a14:useLocalDpi xmlns:a14="http://schemas.microsoft.com/office/drawing/2010/main" val="0"/>
-              </a:ext>
-            </a:extLst>
-          </a:blip>
-          <a:stretch>
-            <a:fillRect/>
-          </a:stretch>
-        </p:blipFill>
-        <p:spPr>
-          <a:xfrm>
-            <a:off x="4495953" y="3649112"/>
-            <a:ext cx="7143272" cy="2876443"/>
-          </a:xfrm>
-          <a:prstGeom prst="rect">
-            <a:avLst/>
-          </a:prstGeom>
-        </p:spPr>
-      </p:pic>
       <p:cxnSp>
         <p:nvCxnSpPr>
           <p:cNvPr id="13" name="Connettore diritto 12">
@@ -5297,8 +5752,8 @@
         </p:nvCxnSpPr>
         <p:spPr>
           <a:xfrm>
-            <a:off x="742236" y="6554736"/>
-            <a:ext cx="10896989" cy="0"/>
+            <a:off x="2962469" y="6022891"/>
+            <a:ext cx="8676756" cy="0"/>
           </a:xfrm>
           <a:prstGeom prst="line">
             <a:avLst/>
@@ -5337,7 +5792,7 @@
         </p:nvSpPr>
         <p:spPr>
           <a:xfrm>
-            <a:off x="657225" y="307975"/>
+            <a:off x="2682551" y="289598"/>
             <a:ext cx="10515600" cy="1325563"/>
           </a:xfrm>
         </p:spPr>
@@ -5353,7 +5808,7 @@
                 <a:ea typeface="Doulos SIL" panose="02000500070000020004" pitchFamily="2" charset="0"/>
                 <a:cs typeface="Doulos SIL" panose="02000500070000020004" pitchFamily="2" charset="0"/>
               </a:rPr>
-              <a:t>6. Esperimento: 3D senza vincoli</a:t>
+              <a:t>5. Esperimento: 3D senza vincoli</a:t>
             </a:r>
             <a:br>
               <a:rPr lang="it-IT" b="1" dirty="0">
@@ -5368,6 +5823,215 @@
           </a:p>
         </p:txBody>
       </p:sp>
+      <p:sp>
+        <p:nvSpPr>
+          <p:cNvPr id="10" name="CasellaDiTesto 9">
+            <a:extLst>
+              <a:ext uri="{FF2B5EF4-FFF2-40B4-BE49-F238E27FC236}">
+                <a16:creationId xmlns:a16="http://schemas.microsoft.com/office/drawing/2014/main" id="{D7FCF982-E706-4CB6-B8E0-7F808BF93570}"/>
+              </a:ext>
+            </a:extLst>
+          </p:cNvPr>
+          <p:cNvSpPr txBox="1"/>
+          <p:nvPr/>
+        </p:nvSpPr>
+        <p:spPr>
+          <a:xfrm>
+            <a:off x="185840" y="1638081"/>
+            <a:ext cx="2496711" cy="4062651"/>
+          </a:xfrm>
+          <a:prstGeom prst="rect">
+            <a:avLst/>
+          </a:prstGeom>
+          <a:noFill/>
+        </p:spPr>
+        <p:txBody>
+          <a:bodyPr wrap="square" rtlCol="0">
+            <a:spAutoFit/>
+          </a:bodyPr>
+          <a:lstStyle/>
+          <a:p>
+            <a:pPr marL="514350" indent="-514350">
+              <a:buFont typeface="+mj-lt"/>
+              <a:buAutoNum type="arabicPeriod"/>
+            </a:pPr>
+            <a:r>
+              <a:rPr lang="it-IT" sz="2000" dirty="0">
+                <a:solidFill>
+                  <a:srgbClr val="002060"/>
+                </a:solidFill>
+                <a:ea typeface="Doulos SIL" panose="02000500070000020004" pitchFamily="2" charset="0"/>
+                <a:cs typeface="Doulos SIL" panose="02000500070000020004" pitchFamily="2" charset="0"/>
+              </a:rPr>
+              <a:t>Descrizione del problema</a:t>
+            </a:r>
+          </a:p>
+          <a:p>
+            <a:pPr marL="514350" indent="-514350">
+              <a:buFont typeface="+mj-lt"/>
+              <a:buAutoNum type="arabicPeriod"/>
+            </a:pPr>
+            <a:r>
+              <a:rPr lang="it-IT" sz="2000" dirty="0">
+                <a:solidFill>
+                  <a:srgbClr val="002060"/>
+                </a:solidFill>
+                <a:ea typeface="Doulos SIL" panose="02000500070000020004" pitchFamily="2" charset="0"/>
+                <a:cs typeface="Doulos SIL" panose="02000500070000020004" pitchFamily="2" charset="0"/>
+              </a:rPr>
+              <a:t>Obiettivo della procedura</a:t>
+            </a:r>
+          </a:p>
+          <a:p>
+            <a:pPr marL="514350" indent="-514350">
+              <a:buFont typeface="+mj-lt"/>
+              <a:buAutoNum type="arabicPeriod"/>
+            </a:pPr>
+            <a:r>
+              <a:rPr lang="it-IT" sz="2000" dirty="0">
+                <a:solidFill>
+                  <a:srgbClr val="002060"/>
+                </a:solidFill>
+                <a:ea typeface="Doulos SIL" panose="02000500070000020004" pitchFamily="2" charset="0"/>
+                <a:cs typeface="Doulos SIL" panose="02000500070000020004" pitchFamily="2" charset="0"/>
+              </a:rPr>
+              <a:t>Formulazione matematica</a:t>
+            </a:r>
+          </a:p>
+          <a:p>
+            <a:pPr marL="514350" indent="-514350">
+              <a:buFont typeface="+mj-lt"/>
+              <a:buAutoNum type="arabicPeriod"/>
+            </a:pPr>
+            <a:r>
+              <a:rPr lang="it-IT" sz="2000" dirty="0">
+                <a:solidFill>
+                  <a:srgbClr val="002060"/>
+                </a:solidFill>
+                <a:ea typeface="Doulos SIL" panose="02000500070000020004" pitchFamily="2" charset="0"/>
+                <a:cs typeface="Doulos SIL" panose="02000500070000020004" pitchFamily="2" charset="0"/>
+              </a:rPr>
+              <a:t>Tecnica di minimizzazione</a:t>
+            </a:r>
+          </a:p>
+          <a:p>
+            <a:pPr marL="514350" indent="-514350">
+              <a:buFont typeface="+mj-lt"/>
+              <a:buAutoNum type="arabicPeriod"/>
+            </a:pPr>
+            <a:r>
+              <a:rPr lang="it-IT" sz="2000" b="1" dirty="0">
+                <a:solidFill>
+                  <a:srgbClr val="C00000"/>
+                </a:solidFill>
+                <a:ea typeface="Doulos SIL" panose="02000500070000020004" pitchFamily="2" charset="0"/>
+                <a:cs typeface="Doulos SIL" panose="02000500070000020004" pitchFamily="2" charset="0"/>
+              </a:rPr>
+              <a:t>Esperimenti: 3D senza vincoli</a:t>
+            </a:r>
+          </a:p>
+          <a:p>
+            <a:pPr marL="514350" indent="-514350">
+              <a:buFont typeface="+mj-lt"/>
+              <a:buAutoNum type="arabicPeriod"/>
+            </a:pPr>
+            <a:r>
+              <a:rPr lang="it-IT" sz="2000" dirty="0">
+                <a:solidFill>
+                  <a:srgbClr val="002060"/>
+                </a:solidFill>
+                <a:ea typeface="Doulos SIL" panose="02000500070000020004" pitchFamily="2" charset="0"/>
+                <a:cs typeface="Doulos SIL" panose="02000500070000020004" pitchFamily="2" charset="0"/>
+              </a:rPr>
+              <a:t>Risultati e conclusioni</a:t>
+            </a:r>
+          </a:p>
+          <a:p>
+            <a:endParaRPr lang="it-IT" dirty="0"/>
+          </a:p>
+        </p:txBody>
+      </p:sp>
+      <p:sp>
+        <p:nvSpPr>
+          <p:cNvPr id="12" name="Rettangolo 11">
+            <a:extLst>
+              <a:ext uri="{FF2B5EF4-FFF2-40B4-BE49-F238E27FC236}">
+                <a16:creationId xmlns:a16="http://schemas.microsoft.com/office/drawing/2014/main" id="{D371EC21-4639-4B4B-9EF2-329D8601D0E7}"/>
+              </a:ext>
+            </a:extLst>
+          </p:cNvPr>
+          <p:cNvSpPr/>
+          <p:nvPr/>
+        </p:nvSpPr>
+        <p:spPr>
+          <a:xfrm>
+            <a:off x="124825" y="74645"/>
+            <a:ext cx="2441093" cy="6708709"/>
+          </a:xfrm>
+          <a:prstGeom prst="rect">
+            <a:avLst/>
+          </a:prstGeom>
+          <a:noFill/>
+        </p:spPr>
+        <p:style>
+          <a:lnRef idx="2">
+            <a:schemeClr val="accent1"/>
+          </a:lnRef>
+          <a:fillRef idx="1">
+            <a:schemeClr val="lt1"/>
+          </a:fillRef>
+          <a:effectRef idx="0">
+            <a:schemeClr val="accent1"/>
+          </a:effectRef>
+          <a:fontRef idx="minor">
+            <a:schemeClr val="dk1"/>
+          </a:fontRef>
+        </p:style>
+        <p:txBody>
+          <a:bodyPr rtlCol="0" anchor="ctr"/>
+          <a:lstStyle/>
+          <a:p>
+            <a:pPr algn="ctr"/>
+            <a:endParaRPr lang="it-IT"/>
+          </a:p>
+        </p:txBody>
+      </p:sp>
+      <p:pic>
+        <p:nvPicPr>
+          <p:cNvPr id="6" name="Immagine 5">
+            <a:extLst>
+              <a:ext uri="{FF2B5EF4-FFF2-40B4-BE49-F238E27FC236}">
+                <a16:creationId xmlns:a16="http://schemas.microsoft.com/office/drawing/2014/main" id="{D1D1D14D-78B6-42F0-899D-75EFF55B48AB}"/>
+              </a:ext>
+            </a:extLst>
+          </p:cNvPr>
+          <p:cNvPicPr>
+            <a:picLocks noChangeAspect="1"/>
+          </p:cNvPicPr>
+          <p:nvPr/>
+        </p:nvPicPr>
+        <p:blipFill>
+          <a:blip r:embed="rId3">
+            <a:extLst>
+              <a:ext uri="{28A0092B-C50C-407E-A947-70E740481C1C}">
+                <a14:useLocalDpi xmlns:a14="http://schemas.microsoft.com/office/drawing/2010/main" val="0"/>
+              </a:ext>
+            </a:extLst>
+          </a:blip>
+          <a:stretch>
+            <a:fillRect/>
+          </a:stretch>
+        </p:blipFill>
+        <p:spPr>
+          <a:xfrm>
+            <a:off x="5899354" y="1849392"/>
+            <a:ext cx="5942042" cy="2582500"/>
+          </a:xfrm>
+          <a:prstGeom prst="rect">
+            <a:avLst/>
+          </a:prstGeom>
+        </p:spPr>
+      </p:pic>
     </p:spTree>
     <p:extLst>
       <p:ext uri="{BB962C8B-B14F-4D97-AF65-F5344CB8AC3E}">
@@ -5431,7 +6095,7 @@
         </p:nvSpPr>
         <p:spPr>
           <a:xfrm>
-            <a:off x="657225" y="307975"/>
+            <a:off x="2682551" y="247675"/>
             <a:ext cx="10515600" cy="1325563"/>
           </a:xfrm>
         </p:spPr>
@@ -5447,7 +6111,7 @@
                 <a:ea typeface="Doulos SIL" panose="02000500070000020004" pitchFamily="2" charset="0"/>
                 <a:cs typeface="Doulos SIL" panose="02000500070000020004" pitchFamily="2" charset="0"/>
               </a:rPr>
-              <a:t>6. Esperimento: 3D senza vincoli</a:t>
+              <a:t>5. Esperimento: 3D senza vincoli</a:t>
             </a:r>
             <a:br>
               <a:rPr lang="it-IT" b="1" dirty="0">
@@ -5478,8 +6142,8 @@
         </p:nvCxnSpPr>
         <p:spPr>
           <a:xfrm>
-            <a:off x="804862" y="1133242"/>
-            <a:ext cx="11110913" cy="0"/>
+            <a:off x="2845837" y="1133242"/>
+            <a:ext cx="9069938" cy="0"/>
           </a:xfrm>
           <a:prstGeom prst="line">
             <a:avLst/>
@@ -5516,8 +6180,8 @@
         </p:nvCxnSpPr>
         <p:spPr>
           <a:xfrm>
-            <a:off x="744314" y="6321008"/>
-            <a:ext cx="11171461" cy="0"/>
+            <a:off x="2845837" y="6321008"/>
+            <a:ext cx="9069938" cy="0"/>
           </a:xfrm>
           <a:prstGeom prst="line">
             <a:avLst/>
@@ -5552,8 +6216,8 @@
         </p:nvSpPr>
         <p:spPr>
           <a:xfrm>
-            <a:off x="657225" y="1443371"/>
-            <a:ext cx="3790950" cy="4524315"/>
+            <a:off x="2466956" y="1458197"/>
+            <a:ext cx="3674320" cy="4154984"/>
           </a:xfrm>
           <a:prstGeom prst="rect">
             <a:avLst/>
@@ -5571,7 +6235,7 @@
               <a:buChar char="•"/>
             </a:pPr>
             <a:r>
-              <a:rPr lang="it-IT" sz="2400" dirty="0">
+              <a:rPr lang="it-IT" sz="2200" dirty="0">
                 <a:solidFill>
                   <a:srgbClr val="002060"/>
                 </a:solidFill>
@@ -5580,7 +6244,7 @@
               <a:t>Contrariamente a quanto ci aspettavamo la </a:t>
             </a:r>
             <a:r>
-              <a:rPr lang="it-IT" sz="2400" i="1" dirty="0">
+              <a:rPr lang="it-IT" sz="2200" i="1" dirty="0">
                 <a:solidFill>
                   <a:srgbClr val="002060"/>
                 </a:solidFill>
@@ -5589,7 +6253,7 @@
               <a:t>precisione</a:t>
             </a:r>
             <a:r>
-              <a:rPr lang="it-IT" sz="2400" dirty="0">
+              <a:rPr lang="it-IT" sz="2200" dirty="0">
                 <a:solidFill>
                   <a:srgbClr val="002060"/>
                 </a:solidFill>
@@ -5598,7 +6262,7 @@
               <a:t> </a:t>
             </a:r>
             <a:r>
-              <a:rPr lang="it-IT" sz="2400" b="1" i="1" dirty="0">
+              <a:rPr lang="it-IT" sz="2200" b="1" i="1" dirty="0">
                 <a:solidFill>
                   <a:srgbClr val="C00000"/>
                 </a:solidFill>
@@ -5607,7 +6271,7 @@
               <a:t>non tende a migliorare</a:t>
             </a:r>
             <a:r>
-              <a:rPr lang="it-IT" sz="2400" b="1" i="1" dirty="0">
+              <a:rPr lang="it-IT" sz="2200" b="1" i="1" dirty="0">
                 <a:solidFill>
                   <a:srgbClr val="002060"/>
                 </a:solidFill>
@@ -5616,7 +6280,7 @@
               <a:t> </a:t>
             </a:r>
             <a:r>
-              <a:rPr lang="it-IT" sz="2400" dirty="0">
+              <a:rPr lang="it-IT" sz="2200" dirty="0">
                 <a:solidFill>
                   <a:srgbClr val="002060"/>
                 </a:solidFill>
@@ -5631,7 +6295,7 @@
               <a:buChar char="•"/>
             </a:pPr>
             <a:r>
-              <a:rPr lang="it-IT" sz="2400" dirty="0">
+              <a:rPr lang="it-IT" sz="2200" dirty="0">
                 <a:solidFill>
                   <a:srgbClr val="002060"/>
                 </a:solidFill>
@@ -5640,7 +6304,7 @@
               <a:t>Il motivo per il quale invece le prestazioni sono state migliori in presenza di meno campioni è la</a:t>
             </a:r>
             <a:r>
-              <a:rPr lang="it-IT" sz="2400" dirty="0">
+              <a:rPr lang="it-IT" sz="2200" dirty="0">
                 <a:solidFill>
                   <a:srgbClr val="C00000"/>
                 </a:solidFill>
@@ -5649,7 +6313,7 @@
               <a:t> </a:t>
             </a:r>
             <a:r>
-              <a:rPr lang="it-IT" sz="2400" b="1" i="1" dirty="0">
+              <a:rPr lang="it-IT" sz="2200" b="1" i="1" dirty="0">
                 <a:solidFill>
                   <a:srgbClr val="C00000"/>
                 </a:solidFill>
@@ -5658,7 +6322,7 @@
               <a:t>minore definizione</a:t>
             </a:r>
             <a:r>
-              <a:rPr lang="it-IT" sz="2400" b="1" i="1" dirty="0">
+              <a:rPr lang="it-IT" sz="2200" b="1" i="1" dirty="0">
                 <a:solidFill>
                   <a:srgbClr val="002060"/>
                 </a:solidFill>
@@ -5667,73 +6331,196 @@
               <a:t> </a:t>
             </a:r>
             <a:r>
-              <a:rPr lang="it-IT" sz="2400" dirty="0">
+              <a:rPr lang="it-IT" sz="2200" dirty="0">
                 <a:solidFill>
                   <a:srgbClr val="002060"/>
                 </a:solidFill>
                 <a:latin typeface="+mj-lt"/>
               </a:rPr>
-              <a:t>della </a:t>
-            </a:r>
-            <a:r>
-              <a:rPr lang="it-IT" sz="2400">
-                <a:solidFill>
-                  <a:srgbClr val="002060"/>
-                </a:solidFill>
-                <a:latin typeface="+mj-lt"/>
-              </a:rPr>
-              <a:t>funzione obiettivo.</a:t>
-            </a:r>
-            <a:endParaRPr lang="it-IT" sz="2400" dirty="0">
-              <a:solidFill>
-                <a:srgbClr val="002060"/>
-              </a:solidFill>
-              <a:latin typeface="+mj-lt"/>
-            </a:endParaRPr>
+              <a:t>della funzione obiettivo.</a:t>
+            </a:r>
+          </a:p>
+        </p:txBody>
+      </p:sp>
+      <p:sp>
+        <p:nvSpPr>
+          <p:cNvPr id="8" name="CasellaDiTesto 7">
+            <a:extLst>
+              <a:ext uri="{FF2B5EF4-FFF2-40B4-BE49-F238E27FC236}">
+                <a16:creationId xmlns:a16="http://schemas.microsoft.com/office/drawing/2014/main" id="{B5E4FD1D-C771-429E-849A-92D6CD9CF21A}"/>
+              </a:ext>
+            </a:extLst>
+          </p:cNvPr>
+          <p:cNvSpPr txBox="1"/>
+          <p:nvPr/>
+        </p:nvSpPr>
+        <p:spPr>
+          <a:xfrm>
+            <a:off x="185840" y="1638081"/>
+            <a:ext cx="2496711" cy="4062651"/>
+          </a:xfrm>
+          <a:prstGeom prst="rect">
+            <a:avLst/>
+          </a:prstGeom>
+          <a:noFill/>
+        </p:spPr>
+        <p:txBody>
+          <a:bodyPr wrap="square" rtlCol="0">
+            <a:spAutoFit/>
+          </a:bodyPr>
+          <a:lstStyle/>
+          <a:p>
+            <a:pPr marL="514350" indent="-514350">
+              <a:buFont typeface="+mj-lt"/>
+              <a:buAutoNum type="arabicPeriod"/>
+            </a:pPr>
+            <a:r>
+              <a:rPr lang="it-IT" sz="2000" dirty="0">
+                <a:solidFill>
+                  <a:srgbClr val="002060"/>
+                </a:solidFill>
+                <a:ea typeface="Doulos SIL" panose="02000500070000020004" pitchFamily="2" charset="0"/>
+                <a:cs typeface="Doulos SIL" panose="02000500070000020004" pitchFamily="2" charset="0"/>
+              </a:rPr>
+              <a:t>Descrizione del problema</a:t>
+            </a:r>
+          </a:p>
+          <a:p>
+            <a:pPr marL="514350" indent="-514350">
+              <a:buFont typeface="+mj-lt"/>
+              <a:buAutoNum type="arabicPeriod"/>
+            </a:pPr>
+            <a:r>
+              <a:rPr lang="it-IT" sz="2000" dirty="0">
+                <a:solidFill>
+                  <a:srgbClr val="002060"/>
+                </a:solidFill>
+                <a:ea typeface="Doulos SIL" panose="02000500070000020004" pitchFamily="2" charset="0"/>
+                <a:cs typeface="Doulos SIL" panose="02000500070000020004" pitchFamily="2" charset="0"/>
+              </a:rPr>
+              <a:t>Obiettivo della procedura</a:t>
+            </a:r>
+          </a:p>
+          <a:p>
+            <a:pPr marL="514350" indent="-514350">
+              <a:buFont typeface="+mj-lt"/>
+              <a:buAutoNum type="arabicPeriod"/>
+            </a:pPr>
+            <a:r>
+              <a:rPr lang="it-IT" sz="2000" dirty="0">
+                <a:solidFill>
+                  <a:srgbClr val="002060"/>
+                </a:solidFill>
+                <a:ea typeface="Doulos SIL" panose="02000500070000020004" pitchFamily="2" charset="0"/>
+                <a:cs typeface="Doulos SIL" panose="02000500070000020004" pitchFamily="2" charset="0"/>
+              </a:rPr>
+              <a:t>Formulazione matematica</a:t>
+            </a:r>
+          </a:p>
+          <a:p>
+            <a:pPr marL="514350" indent="-514350">
+              <a:buFont typeface="+mj-lt"/>
+              <a:buAutoNum type="arabicPeriod"/>
+            </a:pPr>
+            <a:r>
+              <a:rPr lang="it-IT" sz="2000" dirty="0">
+                <a:solidFill>
+                  <a:srgbClr val="002060"/>
+                </a:solidFill>
+                <a:ea typeface="Doulos SIL" panose="02000500070000020004" pitchFamily="2" charset="0"/>
+                <a:cs typeface="Doulos SIL" panose="02000500070000020004" pitchFamily="2" charset="0"/>
+              </a:rPr>
+              <a:t>Tecnica di minimizzazione</a:t>
+            </a:r>
+          </a:p>
+          <a:p>
+            <a:pPr marL="514350" indent="-514350">
+              <a:buFont typeface="+mj-lt"/>
+              <a:buAutoNum type="arabicPeriod"/>
+            </a:pPr>
+            <a:r>
+              <a:rPr lang="it-IT" sz="2000" b="1" dirty="0">
+                <a:solidFill>
+                  <a:srgbClr val="C00000"/>
+                </a:solidFill>
+                <a:ea typeface="Doulos SIL" panose="02000500070000020004" pitchFamily="2" charset="0"/>
+                <a:cs typeface="Doulos SIL" panose="02000500070000020004" pitchFamily="2" charset="0"/>
+              </a:rPr>
+              <a:t>Esperimenti: 3D senza vincoli</a:t>
+            </a:r>
+          </a:p>
+          <a:p>
+            <a:pPr marL="514350" indent="-514350">
+              <a:buFont typeface="+mj-lt"/>
+              <a:buAutoNum type="arabicPeriod"/>
+            </a:pPr>
+            <a:r>
+              <a:rPr lang="it-IT" sz="2000" dirty="0">
+                <a:solidFill>
+                  <a:srgbClr val="002060"/>
+                </a:solidFill>
+                <a:ea typeface="Doulos SIL" panose="02000500070000020004" pitchFamily="2" charset="0"/>
+                <a:cs typeface="Doulos SIL" panose="02000500070000020004" pitchFamily="2" charset="0"/>
+              </a:rPr>
+              <a:t>Risultati e conclusioni</a:t>
+            </a:r>
+          </a:p>
+          <a:p>
+            <a:endParaRPr lang="it-IT" dirty="0"/>
+          </a:p>
+        </p:txBody>
+      </p:sp>
+      <p:sp>
+        <p:nvSpPr>
+          <p:cNvPr id="11" name="Rettangolo 10">
+            <a:extLst>
+              <a:ext uri="{FF2B5EF4-FFF2-40B4-BE49-F238E27FC236}">
+                <a16:creationId xmlns:a16="http://schemas.microsoft.com/office/drawing/2014/main" id="{CDDFD9F3-3B7C-4A35-B249-1B5797D4D342}"/>
+              </a:ext>
+            </a:extLst>
+          </p:cNvPr>
+          <p:cNvSpPr/>
+          <p:nvPr/>
+        </p:nvSpPr>
+        <p:spPr>
+          <a:xfrm>
+            <a:off x="124825" y="74645"/>
+            <a:ext cx="2441093" cy="6708709"/>
+          </a:xfrm>
+          <a:prstGeom prst="rect">
+            <a:avLst/>
+          </a:prstGeom>
+          <a:noFill/>
+        </p:spPr>
+        <p:style>
+          <a:lnRef idx="2">
+            <a:schemeClr val="accent1"/>
+          </a:lnRef>
+          <a:fillRef idx="1">
+            <a:schemeClr val="lt1"/>
+          </a:fillRef>
+          <a:effectRef idx="0">
+            <a:schemeClr val="accent1"/>
+          </a:effectRef>
+          <a:fontRef idx="minor">
+            <a:schemeClr val="dk1"/>
+          </a:fontRef>
+        </p:style>
+        <p:txBody>
+          <a:bodyPr rtlCol="0" anchor="ctr"/>
+          <a:lstStyle/>
+          <a:p>
+            <a:pPr algn="ctr"/>
+            <a:endParaRPr lang="it-IT"/>
           </a:p>
         </p:txBody>
       </p:sp>
       <p:pic>
         <p:nvPicPr>
-          <p:cNvPr id="10" name="Segnaposto contenuto 9">
-            <a:extLst>
-              <a:ext uri="{FF2B5EF4-FFF2-40B4-BE49-F238E27FC236}">
-                <a16:creationId xmlns:a16="http://schemas.microsoft.com/office/drawing/2014/main" id="{1A6C89F9-BC8A-4DCE-B7FC-4A143C50E482}"/>
-              </a:ext>
-            </a:extLst>
-          </p:cNvPr>
-          <p:cNvPicPr>
-            <a:picLocks noGrp="1" noChangeAspect="1"/>
-          </p:cNvPicPr>
-          <p:nvPr>
-            <p:ph idx="1"/>
-          </p:nvPr>
-        </p:nvPicPr>
-        <p:blipFill>
-          <a:blip r:embed="rId3">
-            <a:extLst>
-              <a:ext uri="{28A0092B-C50C-407E-A947-70E740481C1C}">
-                <a14:useLocalDpi xmlns:a14="http://schemas.microsoft.com/office/drawing/2010/main" val="0"/>
-              </a:ext>
-            </a:extLst>
-          </a:blip>
-          <a:stretch>
-            <a:fillRect/>
-          </a:stretch>
-        </p:blipFill>
-        <p:spPr>
-          <a:xfrm>
-            <a:off x="4448175" y="1463731"/>
-            <a:ext cx="7467600" cy="2165815"/>
-          </a:xfrm>
-        </p:spPr>
-      </p:pic>
-      <p:pic>
-        <p:nvPicPr>
-          <p:cNvPr id="12" name="Immagine 11">
-            <a:extLst>
-              <a:ext uri="{FF2B5EF4-FFF2-40B4-BE49-F238E27FC236}">
-                <a16:creationId xmlns:a16="http://schemas.microsoft.com/office/drawing/2014/main" id="{87664EE8-AAE4-458B-9EAC-612C8A237E05}"/>
+          <p:cNvPr id="20" name="Immagine 19">
+            <a:extLst>
+              <a:ext uri="{FF2B5EF4-FFF2-40B4-BE49-F238E27FC236}">
+                <a16:creationId xmlns:a16="http://schemas.microsoft.com/office/drawing/2014/main" id="{4101D566-F991-46E7-9BEB-C807DBF1579B}"/>
               </a:ext>
             </a:extLst>
           </p:cNvPr>
@@ -5743,21 +6530,45 @@
           <p:nvPr/>
         </p:nvPicPr>
         <p:blipFill>
-          <a:blip r:embed="rId4">
-            <a:extLst>
-              <a:ext uri="{28A0092B-C50C-407E-A947-70E740481C1C}">
-                <a14:useLocalDpi xmlns:a14="http://schemas.microsoft.com/office/drawing/2010/main" val="0"/>
-              </a:ext>
-            </a:extLst>
-          </a:blip>
+          <a:blip r:embed="rId3"/>
           <a:stretch>
             <a:fillRect/>
           </a:stretch>
         </p:blipFill>
         <p:spPr>
           <a:xfrm>
-            <a:off x="4448175" y="3629546"/>
-            <a:ext cx="7467600" cy="2317997"/>
+            <a:off x="6030579" y="1369372"/>
+            <a:ext cx="6102448" cy="2013640"/>
+          </a:xfrm>
+          <a:prstGeom prst="rect">
+            <a:avLst/>
+          </a:prstGeom>
+        </p:spPr>
+      </p:pic>
+      <p:pic>
+        <p:nvPicPr>
+          <p:cNvPr id="21" name="Immagine 20">
+            <a:extLst>
+              <a:ext uri="{FF2B5EF4-FFF2-40B4-BE49-F238E27FC236}">
+                <a16:creationId xmlns:a16="http://schemas.microsoft.com/office/drawing/2014/main" id="{B725FF70-9E25-4FA2-8102-60FA1BEE8AFF}"/>
+              </a:ext>
+            </a:extLst>
+          </p:cNvPr>
+          <p:cNvPicPr>
+            <a:picLocks noChangeAspect="1"/>
+          </p:cNvPicPr>
+          <p:nvPr/>
+        </p:nvPicPr>
+        <p:blipFill>
+          <a:blip r:embed="rId4"/>
+          <a:stretch>
+            <a:fillRect/>
+          </a:stretch>
+        </p:blipFill>
+        <p:spPr>
+          <a:xfrm>
+            <a:off x="6033325" y="3383012"/>
+            <a:ext cx="6099701" cy="1944762"/>
           </a:xfrm>
           <a:prstGeom prst="rect">
             <a:avLst/>
@@ -5827,7 +6638,7 @@
         </p:nvSpPr>
         <p:spPr>
           <a:xfrm>
-            <a:off x="938212" y="1502713"/>
+            <a:off x="2743566" y="1787466"/>
             <a:ext cx="4061627" cy="4493819"/>
           </a:xfrm>
         </p:spPr>
@@ -5838,16 +6649,41 @@
           <a:lstStyle/>
           <a:p>
             <a:r>
-              <a:rPr lang="it-IT" dirty="0">
+              <a:rPr lang="it-IT" sz="2400" dirty="0">
                 <a:solidFill>
                   <a:srgbClr val="002060"/>
                 </a:solidFill>
                 <a:latin typeface="+mj-lt"/>
               </a:rPr>
-              <a:t>Presenza di un vincolo di disuguaglianza </a:t>
-            </a:r>
-            <a:r>
-              <a:rPr lang="it-IT" b="1" i="1" dirty="0">
+              <a:t>Presenza di un vincolo</a:t>
+            </a:r>
+            <a:br>
+              <a:rPr lang="it-IT" sz="2400" dirty="0">
+                <a:solidFill>
+                  <a:srgbClr val="002060"/>
+                </a:solidFill>
+                <a:latin typeface="+mj-lt"/>
+              </a:rPr>
+            </a:br>
+            <a:r>
+              <a:rPr lang="it-IT" sz="2400" dirty="0">
+                <a:solidFill>
+                  <a:srgbClr val="002060"/>
+                </a:solidFill>
+                <a:latin typeface="+mj-lt"/>
+              </a:rPr>
+              <a:t>di disuguaglianza </a:t>
+            </a:r>
+            <a:br>
+              <a:rPr lang="it-IT" sz="2400" dirty="0">
+                <a:solidFill>
+                  <a:srgbClr val="002060"/>
+                </a:solidFill>
+                <a:latin typeface="+mj-lt"/>
+              </a:rPr>
+            </a:br>
+            <a:r>
+              <a:rPr lang="it-IT" sz="2400" b="1" i="1" dirty="0">
                 <a:solidFill>
                   <a:srgbClr val="C00000"/>
                 </a:solidFill>
@@ -5856,7 +6692,7 @@
               <a:t>R ≤ 2Z</a:t>
             </a:r>
             <a:r>
-              <a:rPr lang="it-IT" dirty="0">
+              <a:rPr lang="it-IT" sz="2400" dirty="0">
                 <a:solidFill>
                   <a:srgbClr val="002060"/>
                 </a:solidFill>
@@ -5867,13 +6703,47 @@
           </a:p>
           <a:p>
             <a:r>
-              <a:rPr lang="it-IT" dirty="0">
+              <a:rPr lang="it-IT" sz="2400" dirty="0">
                 <a:solidFill>
                   <a:srgbClr val="002060"/>
                 </a:solidFill>
                 <a:latin typeface="+mj-lt"/>
               </a:rPr>
-              <a:t>La percentuale di errore aumenta o diminuisce drasticamente a seconda del punto iniziale.</a:t>
+              <a:t>La percentuale di errore aumenta o diminuisce drasticamente a </a:t>
+            </a:r>
+            <a:br>
+              <a:rPr lang="it-IT" sz="2400" dirty="0">
+                <a:solidFill>
+                  <a:srgbClr val="002060"/>
+                </a:solidFill>
+                <a:latin typeface="+mj-lt"/>
+              </a:rPr>
+            </a:br>
+            <a:r>
+              <a:rPr lang="it-IT" sz="2400" dirty="0">
+                <a:solidFill>
+                  <a:srgbClr val="002060"/>
+                </a:solidFill>
+                <a:latin typeface="+mj-lt"/>
+              </a:rPr>
+              <a:t>seconda del punto </a:t>
+            </a:r>
+            <a:br>
+              <a:rPr lang="it-IT" sz="2400" dirty="0">
+                <a:solidFill>
+                  <a:srgbClr val="002060"/>
+                </a:solidFill>
+                <a:latin typeface="+mj-lt"/>
+              </a:rPr>
+            </a:br>
+            <a:r>
+              <a:rPr lang="it-IT" sz="2400" dirty="0">
+                <a:solidFill>
+                  <a:srgbClr val="002060"/>
+                </a:solidFill>
+                <a:latin typeface="+mj-lt"/>
+              </a:rPr>
+              <a:t>iniziale.</a:t>
             </a:r>
           </a:p>
         </p:txBody>
@@ -5906,8 +6776,8 @@
         </p:blipFill>
         <p:spPr>
           <a:xfrm>
-            <a:off x="5239415" y="1190812"/>
-            <a:ext cx="6689730" cy="2045111"/>
+            <a:off x="6147823" y="1190813"/>
+            <a:ext cx="5781321" cy="1767402"/>
           </a:xfrm>
           <a:prstGeom prst="rect">
             <a:avLst/>
@@ -5942,8 +6812,8 @@
         </p:blipFill>
         <p:spPr>
           <a:xfrm>
-            <a:off x="5239415" y="3121093"/>
-            <a:ext cx="6689730" cy="3178071"/>
+            <a:off x="6164633" y="2958215"/>
+            <a:ext cx="5764511" cy="2738530"/>
           </a:xfrm>
           <a:prstGeom prst="rect">
             <a:avLst/>
@@ -5966,8 +6836,8 @@
         </p:nvCxnSpPr>
         <p:spPr>
           <a:xfrm>
-            <a:off x="938212" y="1133242"/>
-            <a:ext cx="10990933" cy="0"/>
+            <a:off x="2967135" y="1133242"/>
+            <a:ext cx="8962010" cy="0"/>
           </a:xfrm>
           <a:prstGeom prst="line">
             <a:avLst/>
@@ -6004,8 +6874,8 @@
         </p:nvSpPr>
         <p:spPr>
           <a:xfrm>
-            <a:off x="823910" y="239436"/>
-            <a:ext cx="10199224" cy="1054100"/>
+            <a:off x="2892489" y="208284"/>
+            <a:ext cx="8565504" cy="1060679"/>
           </a:xfrm>
           <a:prstGeom prst="rect">
             <a:avLst/>
@@ -6013,7 +6883,7 @@
         </p:spPr>
         <p:txBody>
           <a:bodyPr vert="horz" lIns="91440" tIns="45720" rIns="91440" bIns="45720" rtlCol="0" anchor="ctr">
-            <a:normAutofit fontScale="92500"/>
+            <a:normAutofit fontScale="92500" lnSpcReduction="20000"/>
           </a:bodyPr>
           <a:lstStyle>
             <a:lvl1pPr algn="l" defTabSz="914400" rtl="0" eaLnBrk="1" latinLnBrk="0" hangingPunct="1">
@@ -6043,7 +6913,7 @@
                 <a:ea typeface="Doulos SIL" panose="02000500070000020004" pitchFamily="2" charset="0"/>
                 <a:cs typeface="Doulos SIL" panose="02000500070000020004" pitchFamily="2" charset="0"/>
               </a:rPr>
-              <a:t>6. Esperimento: 3D con vincolo di disuguaglianza</a:t>
+              <a:t>5. Esperimento: 3D con vincolo di disuguaglianza</a:t>
             </a:r>
           </a:p>
         </p:txBody>
@@ -6064,8 +6934,8 @@
         </p:nvCxnSpPr>
         <p:spPr>
           <a:xfrm>
-            <a:off x="823911" y="6357584"/>
-            <a:ext cx="11105234" cy="0"/>
+            <a:off x="3088433" y="6281285"/>
+            <a:ext cx="8840712" cy="76299"/>
           </a:xfrm>
           <a:prstGeom prst="line">
             <a:avLst/>
@@ -6086,6 +6956,179 @@
           </a:fontRef>
         </p:style>
       </p:cxnSp>
+      <p:sp>
+        <p:nvSpPr>
+          <p:cNvPr id="10" name="CasellaDiTesto 9">
+            <a:extLst>
+              <a:ext uri="{FF2B5EF4-FFF2-40B4-BE49-F238E27FC236}">
+                <a16:creationId xmlns:a16="http://schemas.microsoft.com/office/drawing/2014/main" id="{E4A24397-4515-48F2-A64D-FB7F6A62682D}"/>
+              </a:ext>
+            </a:extLst>
+          </p:cNvPr>
+          <p:cNvSpPr txBox="1"/>
+          <p:nvPr/>
+        </p:nvSpPr>
+        <p:spPr>
+          <a:xfrm>
+            <a:off x="185840" y="1638081"/>
+            <a:ext cx="2496711" cy="4370427"/>
+          </a:xfrm>
+          <a:prstGeom prst="rect">
+            <a:avLst/>
+          </a:prstGeom>
+          <a:noFill/>
+        </p:spPr>
+        <p:txBody>
+          <a:bodyPr wrap="square" rtlCol="0">
+            <a:spAutoFit/>
+          </a:bodyPr>
+          <a:lstStyle/>
+          <a:p>
+            <a:pPr marL="514350" indent="-514350">
+              <a:buFont typeface="+mj-lt"/>
+              <a:buAutoNum type="arabicPeriod"/>
+            </a:pPr>
+            <a:r>
+              <a:rPr lang="it-IT" sz="2000" dirty="0">
+                <a:solidFill>
+                  <a:srgbClr val="002060"/>
+                </a:solidFill>
+                <a:ea typeface="Doulos SIL" panose="02000500070000020004" pitchFamily="2" charset="0"/>
+                <a:cs typeface="Doulos SIL" panose="02000500070000020004" pitchFamily="2" charset="0"/>
+              </a:rPr>
+              <a:t>Descrizione del problema</a:t>
+            </a:r>
+          </a:p>
+          <a:p>
+            <a:pPr marL="514350" indent="-514350">
+              <a:buFont typeface="+mj-lt"/>
+              <a:buAutoNum type="arabicPeriod"/>
+            </a:pPr>
+            <a:r>
+              <a:rPr lang="it-IT" sz="2000" dirty="0">
+                <a:solidFill>
+                  <a:srgbClr val="002060"/>
+                </a:solidFill>
+                <a:ea typeface="Doulos SIL" panose="02000500070000020004" pitchFamily="2" charset="0"/>
+                <a:cs typeface="Doulos SIL" panose="02000500070000020004" pitchFamily="2" charset="0"/>
+              </a:rPr>
+              <a:t>Obiettivo della procedura </a:t>
+            </a:r>
+          </a:p>
+          <a:p>
+            <a:pPr marL="514350" indent="-514350">
+              <a:buFont typeface="+mj-lt"/>
+              <a:buAutoNum type="arabicPeriod"/>
+            </a:pPr>
+            <a:r>
+              <a:rPr lang="it-IT" sz="2000" dirty="0">
+                <a:solidFill>
+                  <a:srgbClr val="002060"/>
+                </a:solidFill>
+                <a:ea typeface="Doulos SIL" panose="02000500070000020004" pitchFamily="2" charset="0"/>
+                <a:cs typeface="Doulos SIL" panose="02000500070000020004" pitchFamily="2" charset="0"/>
+              </a:rPr>
+              <a:t>Formulazione matematica</a:t>
+            </a:r>
+          </a:p>
+          <a:p>
+            <a:pPr marL="514350" indent="-514350">
+              <a:buFont typeface="+mj-lt"/>
+              <a:buAutoNum type="arabicPeriod"/>
+            </a:pPr>
+            <a:r>
+              <a:rPr lang="it-IT" sz="2000" dirty="0">
+                <a:solidFill>
+                  <a:srgbClr val="002060"/>
+                </a:solidFill>
+                <a:ea typeface="Doulos SIL" panose="02000500070000020004" pitchFamily="2" charset="0"/>
+                <a:cs typeface="Doulos SIL" panose="02000500070000020004" pitchFamily="2" charset="0"/>
+              </a:rPr>
+              <a:t>Tecnica di minimizzazione</a:t>
+            </a:r>
+          </a:p>
+          <a:p>
+            <a:pPr marL="514350" indent="-514350">
+              <a:buFont typeface="+mj-lt"/>
+              <a:buAutoNum type="arabicPeriod"/>
+            </a:pPr>
+            <a:r>
+              <a:rPr lang="it-IT" sz="2000" b="1" dirty="0">
+                <a:solidFill>
+                  <a:srgbClr val="C00000"/>
+                </a:solidFill>
+                <a:ea typeface="Doulos SIL" panose="02000500070000020004" pitchFamily="2" charset="0"/>
+                <a:cs typeface="Doulos SIL" panose="02000500070000020004" pitchFamily="2" charset="0"/>
+              </a:rPr>
+              <a:t>Esperimenti: 3D con vincolo di disuguaglianza</a:t>
+            </a:r>
+          </a:p>
+          <a:p>
+            <a:pPr marL="514350" indent="-514350">
+              <a:buFont typeface="+mj-lt"/>
+              <a:buAutoNum type="arabicPeriod"/>
+            </a:pPr>
+            <a:r>
+              <a:rPr lang="it-IT" sz="2000" dirty="0">
+                <a:solidFill>
+                  <a:srgbClr val="002060"/>
+                </a:solidFill>
+                <a:ea typeface="Doulos SIL" panose="02000500070000020004" pitchFamily="2" charset="0"/>
+                <a:cs typeface="Doulos SIL" panose="02000500070000020004" pitchFamily="2" charset="0"/>
+              </a:rPr>
+              <a:t>Risultati e conclusioni</a:t>
+            </a:r>
+          </a:p>
+          <a:p>
+            <a:endParaRPr lang="it-IT" dirty="0"/>
+          </a:p>
+        </p:txBody>
+      </p:sp>
+      <p:sp>
+        <p:nvSpPr>
+          <p:cNvPr id="11" name="Rettangolo 10">
+            <a:extLst>
+              <a:ext uri="{FF2B5EF4-FFF2-40B4-BE49-F238E27FC236}">
+                <a16:creationId xmlns:a16="http://schemas.microsoft.com/office/drawing/2014/main" id="{1509FEBB-EED6-45A8-91C9-6BD6CAE10A8F}"/>
+              </a:ext>
+            </a:extLst>
+          </p:cNvPr>
+          <p:cNvSpPr/>
+          <p:nvPr/>
+        </p:nvSpPr>
+        <p:spPr>
+          <a:xfrm>
+            <a:off x="124825" y="74645"/>
+            <a:ext cx="2441093" cy="6708709"/>
+          </a:xfrm>
+          <a:prstGeom prst="rect">
+            <a:avLst/>
+          </a:prstGeom>
+          <a:noFill/>
+        </p:spPr>
+        <p:style>
+          <a:lnRef idx="2">
+            <a:schemeClr val="accent1"/>
+          </a:lnRef>
+          <a:fillRef idx="1">
+            <a:schemeClr val="lt1"/>
+          </a:fillRef>
+          <a:effectRef idx="0">
+            <a:schemeClr val="accent1"/>
+          </a:effectRef>
+          <a:fontRef idx="minor">
+            <a:schemeClr val="dk1"/>
+          </a:fontRef>
+        </p:style>
+        <p:txBody>
+          <a:bodyPr rtlCol="0" anchor="ctr"/>
+          <a:lstStyle/>
+          <a:p>
+            <a:pPr algn="ctr"/>
+            <a:endParaRPr lang="it-IT"/>
+          </a:p>
+        </p:txBody>
+      </p:sp>
     </p:spTree>
     <p:extLst>
       <p:ext uri="{BB962C8B-B14F-4D97-AF65-F5344CB8AC3E}">
@@ -6149,8 +7192,8 @@
         </p:nvSpPr>
         <p:spPr>
           <a:xfrm>
-            <a:off x="938212" y="1502713"/>
-            <a:ext cx="4061627" cy="4493819"/>
+            <a:off x="2561477" y="1882497"/>
+            <a:ext cx="3459967" cy="2816818"/>
           </a:xfrm>
         </p:spPr>
         <p:txBody>
@@ -6160,16 +7203,33 @@
           <a:lstStyle/>
           <a:p>
             <a:r>
-              <a:rPr lang="it-IT" dirty="0">
+              <a:rPr lang="it-IT" sz="2400" dirty="0">
                 <a:solidFill>
                   <a:srgbClr val="002060"/>
                 </a:solidFill>
                 <a:latin typeface="+mj-lt"/>
               </a:rPr>
-              <a:t>Presenza di un vincolo di disuguaglianza </a:t>
-            </a:r>
-            <a:r>
-              <a:rPr lang="it-IT" b="1" i="1" dirty="0">
+              <a:t>Presenza di un vincolo </a:t>
+            </a:r>
+            <a:br>
+              <a:rPr lang="it-IT" sz="2400" dirty="0">
+                <a:solidFill>
+                  <a:srgbClr val="002060"/>
+                </a:solidFill>
+                <a:latin typeface="+mj-lt"/>
+              </a:rPr>
+            </a:br>
+            <a:r>
+              <a:rPr lang="it-IT" sz="2400" dirty="0">
+                <a:solidFill>
+                  <a:srgbClr val="002060"/>
+                </a:solidFill>
+                <a:latin typeface="+mj-lt"/>
+              </a:rPr>
+              <a:t>di disuguaglianza </a:t>
+            </a:r>
+            <a:r>
+              <a:rPr lang="it-IT" sz="2400" b="1" i="1" dirty="0">
                 <a:solidFill>
                   <a:srgbClr val="C00000"/>
                 </a:solidFill>
@@ -6178,7 +7238,7 @@
               <a:t>R ≤ 2Z</a:t>
             </a:r>
             <a:r>
-              <a:rPr lang="it-IT" dirty="0">
+              <a:rPr lang="it-IT" sz="2400" dirty="0">
                 <a:solidFill>
                   <a:srgbClr val="002060"/>
                 </a:solidFill>
@@ -6189,7 +7249,7 @@
           </a:p>
           <a:p>
             <a:r>
-              <a:rPr lang="it-IT" dirty="0">
+              <a:rPr lang="it-IT" sz="2400" dirty="0">
                 <a:solidFill>
                   <a:srgbClr val="002060"/>
                 </a:solidFill>
@@ -6216,8 +7276,8 @@
         </p:nvCxnSpPr>
         <p:spPr>
           <a:xfrm>
-            <a:off x="938212" y="1133242"/>
-            <a:ext cx="10990933" cy="0"/>
+            <a:off x="3237722" y="1133242"/>
+            <a:ext cx="8691423" cy="0"/>
           </a:xfrm>
           <a:prstGeom prst="line">
             <a:avLst/>
@@ -6254,8 +7314,8 @@
         </p:nvSpPr>
         <p:spPr>
           <a:xfrm>
-            <a:off x="823910" y="239436"/>
-            <a:ext cx="10199224" cy="1054100"/>
+            <a:off x="3172408" y="207556"/>
+            <a:ext cx="7850726" cy="1005352"/>
           </a:xfrm>
           <a:prstGeom prst="rect">
             <a:avLst/>
@@ -6263,7 +7323,7 @@
         </p:spPr>
         <p:txBody>
           <a:bodyPr vert="horz" lIns="91440" tIns="45720" rIns="91440" bIns="45720" rtlCol="0" anchor="ctr">
-            <a:normAutofit fontScale="92500"/>
+            <a:normAutofit fontScale="92500" lnSpcReduction="20000"/>
           </a:bodyPr>
           <a:lstStyle>
             <a:lvl1pPr algn="l" defTabSz="914400" rtl="0" eaLnBrk="1" latinLnBrk="0" hangingPunct="1">
@@ -6293,7 +7353,7 @@
                 <a:ea typeface="Doulos SIL" panose="02000500070000020004" pitchFamily="2" charset="0"/>
                 <a:cs typeface="Doulos SIL" panose="02000500070000020004" pitchFamily="2" charset="0"/>
               </a:rPr>
-              <a:t>6. Esperimento: 3D con vincolo di disuguaglianza</a:t>
+              <a:t>5. Esperimento: 3D con vincolo di disuguaglianza</a:t>
             </a:r>
           </a:p>
         </p:txBody>
@@ -6358,8 +7418,8 @@
         </p:blipFill>
         <p:spPr>
           <a:xfrm>
-            <a:off x="4999838" y="1557337"/>
-            <a:ext cx="7019507" cy="1963928"/>
+            <a:off x="6021444" y="1710454"/>
+            <a:ext cx="6105790" cy="1708287"/>
           </a:xfrm>
           <a:prstGeom prst="rect">
             <a:avLst/>
@@ -6394,14 +7454,187 @@
         </p:blipFill>
         <p:spPr>
           <a:xfrm>
-            <a:off x="4999839" y="3496028"/>
-            <a:ext cx="7019507" cy="2603663"/>
+            <a:off x="5993472" y="3418741"/>
+            <a:ext cx="6161733" cy="2285499"/>
           </a:xfrm>
           <a:prstGeom prst="rect">
             <a:avLst/>
           </a:prstGeom>
         </p:spPr>
       </p:pic>
+      <p:sp>
+        <p:nvSpPr>
+          <p:cNvPr id="10" name="CasellaDiTesto 9">
+            <a:extLst>
+              <a:ext uri="{FF2B5EF4-FFF2-40B4-BE49-F238E27FC236}">
+                <a16:creationId xmlns:a16="http://schemas.microsoft.com/office/drawing/2014/main" id="{3EB64283-330D-4760-880F-295D24E49A2D}"/>
+              </a:ext>
+            </a:extLst>
+          </p:cNvPr>
+          <p:cNvSpPr txBox="1"/>
+          <p:nvPr/>
+        </p:nvSpPr>
+        <p:spPr>
+          <a:xfrm>
+            <a:off x="185840" y="1638081"/>
+            <a:ext cx="2496711" cy="4370427"/>
+          </a:xfrm>
+          <a:prstGeom prst="rect">
+            <a:avLst/>
+          </a:prstGeom>
+          <a:noFill/>
+        </p:spPr>
+        <p:txBody>
+          <a:bodyPr wrap="square" rtlCol="0">
+            <a:spAutoFit/>
+          </a:bodyPr>
+          <a:lstStyle/>
+          <a:p>
+            <a:pPr marL="514350" indent="-514350">
+              <a:buFont typeface="+mj-lt"/>
+              <a:buAutoNum type="arabicPeriod"/>
+            </a:pPr>
+            <a:r>
+              <a:rPr lang="it-IT" sz="2000" dirty="0">
+                <a:solidFill>
+                  <a:srgbClr val="002060"/>
+                </a:solidFill>
+                <a:ea typeface="Doulos SIL" panose="02000500070000020004" pitchFamily="2" charset="0"/>
+                <a:cs typeface="Doulos SIL" panose="02000500070000020004" pitchFamily="2" charset="0"/>
+              </a:rPr>
+              <a:t>Descrizione del problema</a:t>
+            </a:r>
+          </a:p>
+          <a:p>
+            <a:pPr marL="514350" indent="-514350">
+              <a:buFont typeface="+mj-lt"/>
+              <a:buAutoNum type="arabicPeriod"/>
+            </a:pPr>
+            <a:r>
+              <a:rPr lang="it-IT" sz="2000" dirty="0">
+                <a:solidFill>
+                  <a:srgbClr val="002060"/>
+                </a:solidFill>
+                <a:ea typeface="Doulos SIL" panose="02000500070000020004" pitchFamily="2" charset="0"/>
+                <a:cs typeface="Doulos SIL" panose="02000500070000020004" pitchFamily="2" charset="0"/>
+              </a:rPr>
+              <a:t>Obiettivo della procedura</a:t>
+            </a:r>
+          </a:p>
+          <a:p>
+            <a:pPr marL="514350" indent="-514350">
+              <a:buFont typeface="+mj-lt"/>
+              <a:buAutoNum type="arabicPeriod"/>
+            </a:pPr>
+            <a:r>
+              <a:rPr lang="it-IT" sz="2000" dirty="0">
+                <a:solidFill>
+                  <a:srgbClr val="002060"/>
+                </a:solidFill>
+                <a:ea typeface="Doulos SIL" panose="02000500070000020004" pitchFamily="2" charset="0"/>
+                <a:cs typeface="Doulos SIL" panose="02000500070000020004" pitchFamily="2" charset="0"/>
+              </a:rPr>
+              <a:t>Formulazione matematica</a:t>
+            </a:r>
+          </a:p>
+          <a:p>
+            <a:pPr marL="514350" indent="-514350">
+              <a:buFont typeface="+mj-lt"/>
+              <a:buAutoNum type="arabicPeriod"/>
+            </a:pPr>
+            <a:r>
+              <a:rPr lang="it-IT" sz="2000" dirty="0">
+                <a:solidFill>
+                  <a:srgbClr val="002060"/>
+                </a:solidFill>
+                <a:ea typeface="Doulos SIL" panose="02000500070000020004" pitchFamily="2" charset="0"/>
+                <a:cs typeface="Doulos SIL" panose="02000500070000020004" pitchFamily="2" charset="0"/>
+              </a:rPr>
+              <a:t>Tecnica di minimizzazione</a:t>
+            </a:r>
+          </a:p>
+          <a:p>
+            <a:pPr marL="514350" indent="-514350">
+              <a:buFont typeface="+mj-lt"/>
+              <a:buAutoNum type="arabicPeriod"/>
+            </a:pPr>
+            <a:r>
+              <a:rPr lang="it-IT" sz="2000" b="1" dirty="0">
+                <a:solidFill>
+                  <a:srgbClr val="C00000"/>
+                </a:solidFill>
+                <a:ea typeface="Doulos SIL" panose="02000500070000020004" pitchFamily="2" charset="0"/>
+                <a:cs typeface="Doulos SIL" panose="02000500070000020004" pitchFamily="2" charset="0"/>
+              </a:rPr>
+              <a:t>Esperimenti: 3D con vincolo di disuguaglianza</a:t>
+            </a:r>
+          </a:p>
+          <a:p>
+            <a:pPr marL="514350" indent="-514350">
+              <a:buFont typeface="+mj-lt"/>
+              <a:buAutoNum type="arabicPeriod"/>
+            </a:pPr>
+            <a:r>
+              <a:rPr lang="it-IT" sz="2000" dirty="0">
+                <a:solidFill>
+                  <a:srgbClr val="002060"/>
+                </a:solidFill>
+                <a:ea typeface="Doulos SIL" panose="02000500070000020004" pitchFamily="2" charset="0"/>
+                <a:cs typeface="Doulos SIL" panose="02000500070000020004" pitchFamily="2" charset="0"/>
+              </a:rPr>
+              <a:t>Risultati e conclusioni</a:t>
+            </a:r>
+          </a:p>
+          <a:p>
+            <a:endParaRPr lang="it-IT" dirty="0"/>
+          </a:p>
+        </p:txBody>
+      </p:sp>
+      <p:sp>
+        <p:nvSpPr>
+          <p:cNvPr id="11" name="Rettangolo 10">
+            <a:extLst>
+              <a:ext uri="{FF2B5EF4-FFF2-40B4-BE49-F238E27FC236}">
+                <a16:creationId xmlns:a16="http://schemas.microsoft.com/office/drawing/2014/main" id="{56C053FC-81A8-4FBC-85A9-EDEAD7D03746}"/>
+              </a:ext>
+            </a:extLst>
+          </p:cNvPr>
+          <p:cNvSpPr/>
+          <p:nvPr/>
+        </p:nvSpPr>
+        <p:spPr>
+          <a:xfrm>
+            <a:off x="124825" y="74645"/>
+            <a:ext cx="2441093" cy="6708709"/>
+          </a:xfrm>
+          <a:prstGeom prst="rect">
+            <a:avLst/>
+          </a:prstGeom>
+          <a:noFill/>
+        </p:spPr>
+        <p:style>
+          <a:lnRef idx="2">
+            <a:schemeClr val="accent1"/>
+          </a:lnRef>
+          <a:fillRef idx="1">
+            <a:schemeClr val="lt1"/>
+          </a:fillRef>
+          <a:effectRef idx="0">
+            <a:schemeClr val="accent1"/>
+          </a:effectRef>
+          <a:fontRef idx="minor">
+            <a:schemeClr val="dk1"/>
+          </a:fontRef>
+        </p:style>
+        <p:txBody>
+          <a:bodyPr rtlCol="0" anchor="ctr"/>
+          <a:lstStyle/>
+          <a:p>
+            <a:pPr algn="ctr"/>
+            <a:endParaRPr lang="it-IT"/>
+          </a:p>
+        </p:txBody>
+      </p:sp>
     </p:spTree>
     <p:extLst>
       <p:ext uri="{BB962C8B-B14F-4D97-AF65-F5344CB8AC3E}">
@@ -6465,12 +7698,14 @@
         </p:nvSpPr>
         <p:spPr>
           <a:xfrm>
-            <a:off x="367314" y="168653"/>
-            <a:ext cx="10515600" cy="1325563"/>
+            <a:off x="3060440" y="168654"/>
+            <a:ext cx="7822473" cy="1004074"/>
           </a:xfrm>
         </p:spPr>
         <p:txBody>
-          <a:bodyPr/>
+          <a:bodyPr>
+            <a:normAutofit fontScale="90000"/>
+          </a:bodyPr>
           <a:lstStyle/>
           <a:p>
             <a:r>
@@ -6479,7 +7714,7 @@
                   <a:srgbClr val="002060"/>
                 </a:solidFill>
               </a:rPr>
-              <a:t>6. Esperimento: 2D con vincolo di uguaglianza</a:t>
+              <a:t>5. Esperimento: 2D con vincolo di uguaglianza</a:t>
             </a:r>
           </a:p>
         </p:txBody>
@@ -6512,8 +7747,8 @@
         </p:blipFill>
         <p:spPr>
           <a:xfrm>
-            <a:off x="4284794" y="4097887"/>
-            <a:ext cx="7824345" cy="2268366"/>
+            <a:off x="5771185" y="3629609"/>
+            <a:ext cx="6314814" cy="1830736"/>
           </a:xfrm>
           <a:prstGeom prst="rect">
             <a:avLst/>
@@ -6534,8 +7769,8 @@
         </p:nvSpPr>
         <p:spPr>
           <a:xfrm>
-            <a:off x="367313" y="1494215"/>
-            <a:ext cx="3917481" cy="3539430"/>
+            <a:off x="2821266" y="1859894"/>
+            <a:ext cx="2973060" cy="3046988"/>
           </a:xfrm>
           <a:prstGeom prst="rect">
             <a:avLst/>
@@ -6549,7 +7784,7 @@
           <a:lstStyle/>
           <a:p>
             <a:r>
-              <a:rPr lang="it-IT" sz="2800" dirty="0">
+              <a:rPr lang="it-IT" sz="2400" dirty="0">
                 <a:solidFill>
                   <a:srgbClr val="002060"/>
                 </a:solidFill>
@@ -6558,7 +7793,7 @@
               <a:t>Valutiamo i risultati  in presenza di un vincolo di uguaglianza </a:t>
             </a:r>
             <a:r>
-              <a:rPr lang="it-IT" sz="2800" b="1" i="1" dirty="0">
+              <a:rPr lang="it-IT" sz="2400" b="1" i="1" dirty="0">
                 <a:solidFill>
                   <a:srgbClr val="C00000"/>
                 </a:solidFill>
@@ -6567,7 +7802,7 @@
               <a:t>R = 2Z </a:t>
             </a:r>
             <a:r>
-              <a:rPr lang="it-IT" sz="2800" dirty="0">
+              <a:rPr lang="it-IT" sz="2400" dirty="0">
                 <a:solidFill>
                   <a:srgbClr val="002060"/>
                 </a:solidFill>
@@ -6576,7 +7811,7 @@
               <a:t>in due dimensioni. </a:t>
             </a:r>
             <a:br>
-              <a:rPr lang="it-IT" sz="2800" dirty="0">
+              <a:rPr lang="it-IT" sz="2400" dirty="0">
                 <a:solidFill>
                   <a:srgbClr val="002060"/>
                 </a:solidFill>
@@ -6584,7 +7819,7 @@
               </a:rPr>
             </a:br>
             <a:r>
-              <a:rPr lang="it-IT" sz="2800" dirty="0">
+              <a:rPr lang="it-IT" sz="2400" dirty="0">
                 <a:solidFill>
                   <a:srgbClr val="002060"/>
                 </a:solidFill>
@@ -6592,7 +7827,7 @@
               </a:rPr>
               <a:t>Analogamente al caso in 3D, anche qui la percentuale di errore aumenta di molto.</a:t>
             </a:r>
-            <a:endParaRPr lang="it-IT" dirty="0">
+            <a:endParaRPr lang="it-IT" sz="2400" dirty="0">
               <a:latin typeface="+mj-lt"/>
             </a:endParaRPr>
           </a:p>
@@ -6614,8 +7849,8 @@
         </p:nvCxnSpPr>
         <p:spPr>
           <a:xfrm>
-            <a:off x="481011" y="1233134"/>
-            <a:ext cx="11628129" cy="0"/>
+            <a:off x="3172408" y="1233134"/>
+            <a:ext cx="8936732" cy="0"/>
           </a:xfrm>
           <a:prstGeom prst="line">
             <a:avLst/>
@@ -6652,8 +7887,8 @@
         </p:nvCxnSpPr>
         <p:spPr>
           <a:xfrm>
-            <a:off x="581626" y="6461865"/>
-            <a:ext cx="11527514" cy="0"/>
+            <a:off x="3172408" y="6461865"/>
+            <a:ext cx="8936732" cy="0"/>
           </a:xfrm>
           <a:prstGeom prst="line">
             <a:avLst/>
@@ -6702,14 +7937,187 @@
         </p:blipFill>
         <p:spPr>
           <a:xfrm>
-            <a:off x="4284794" y="1509218"/>
-            <a:ext cx="7824346" cy="2588669"/>
+            <a:off x="5700184" y="1509219"/>
+            <a:ext cx="6408956" cy="2120390"/>
           </a:xfrm>
           <a:prstGeom prst="rect">
             <a:avLst/>
           </a:prstGeom>
         </p:spPr>
       </p:pic>
+      <p:sp>
+        <p:nvSpPr>
+          <p:cNvPr id="8" name="CasellaDiTesto 7">
+            <a:extLst>
+              <a:ext uri="{FF2B5EF4-FFF2-40B4-BE49-F238E27FC236}">
+                <a16:creationId xmlns:a16="http://schemas.microsoft.com/office/drawing/2014/main" id="{1CA9D0DB-A33E-405D-B3B4-33DFFA64B7B4}"/>
+              </a:ext>
+            </a:extLst>
+          </p:cNvPr>
+          <p:cNvSpPr txBox="1"/>
+          <p:nvPr/>
+        </p:nvSpPr>
+        <p:spPr>
+          <a:xfrm>
+            <a:off x="185840" y="1638081"/>
+            <a:ext cx="2496711" cy="4370427"/>
+          </a:xfrm>
+          <a:prstGeom prst="rect">
+            <a:avLst/>
+          </a:prstGeom>
+          <a:noFill/>
+        </p:spPr>
+        <p:txBody>
+          <a:bodyPr wrap="square" rtlCol="0">
+            <a:spAutoFit/>
+          </a:bodyPr>
+          <a:lstStyle/>
+          <a:p>
+            <a:pPr marL="514350" indent="-514350">
+              <a:buFont typeface="+mj-lt"/>
+              <a:buAutoNum type="arabicPeriod"/>
+            </a:pPr>
+            <a:r>
+              <a:rPr lang="it-IT" sz="2000" dirty="0">
+                <a:solidFill>
+                  <a:srgbClr val="002060"/>
+                </a:solidFill>
+                <a:ea typeface="Doulos SIL" panose="02000500070000020004" pitchFamily="2" charset="0"/>
+                <a:cs typeface="Doulos SIL" panose="02000500070000020004" pitchFamily="2" charset="0"/>
+              </a:rPr>
+              <a:t>Descrizione del problema</a:t>
+            </a:r>
+          </a:p>
+          <a:p>
+            <a:pPr marL="514350" indent="-514350">
+              <a:buFont typeface="+mj-lt"/>
+              <a:buAutoNum type="arabicPeriod"/>
+            </a:pPr>
+            <a:r>
+              <a:rPr lang="it-IT" sz="2000" dirty="0">
+                <a:solidFill>
+                  <a:srgbClr val="002060"/>
+                </a:solidFill>
+                <a:ea typeface="Doulos SIL" panose="02000500070000020004" pitchFamily="2" charset="0"/>
+                <a:cs typeface="Doulos SIL" panose="02000500070000020004" pitchFamily="2" charset="0"/>
+              </a:rPr>
+              <a:t>Obiettivo della procedura</a:t>
+            </a:r>
+          </a:p>
+          <a:p>
+            <a:pPr marL="514350" indent="-514350">
+              <a:buFont typeface="+mj-lt"/>
+              <a:buAutoNum type="arabicPeriod"/>
+            </a:pPr>
+            <a:r>
+              <a:rPr lang="it-IT" sz="2000" dirty="0">
+                <a:solidFill>
+                  <a:srgbClr val="002060"/>
+                </a:solidFill>
+                <a:ea typeface="Doulos SIL" panose="02000500070000020004" pitchFamily="2" charset="0"/>
+                <a:cs typeface="Doulos SIL" panose="02000500070000020004" pitchFamily="2" charset="0"/>
+              </a:rPr>
+              <a:t>Formulazione matematica</a:t>
+            </a:r>
+          </a:p>
+          <a:p>
+            <a:pPr marL="514350" indent="-514350">
+              <a:buFont typeface="+mj-lt"/>
+              <a:buAutoNum type="arabicPeriod"/>
+            </a:pPr>
+            <a:r>
+              <a:rPr lang="it-IT" sz="2000" dirty="0">
+                <a:solidFill>
+                  <a:srgbClr val="002060"/>
+                </a:solidFill>
+                <a:ea typeface="Doulos SIL" panose="02000500070000020004" pitchFamily="2" charset="0"/>
+                <a:cs typeface="Doulos SIL" panose="02000500070000020004" pitchFamily="2" charset="0"/>
+              </a:rPr>
+              <a:t>Tecnica di minimizzazione</a:t>
+            </a:r>
+          </a:p>
+          <a:p>
+            <a:pPr marL="514350" indent="-514350">
+              <a:buFont typeface="+mj-lt"/>
+              <a:buAutoNum type="arabicPeriod"/>
+            </a:pPr>
+            <a:r>
+              <a:rPr lang="it-IT" sz="2000" b="1" dirty="0">
+                <a:solidFill>
+                  <a:srgbClr val="C00000"/>
+                </a:solidFill>
+                <a:ea typeface="Doulos SIL" panose="02000500070000020004" pitchFamily="2" charset="0"/>
+                <a:cs typeface="Doulos SIL" panose="02000500070000020004" pitchFamily="2" charset="0"/>
+              </a:rPr>
+              <a:t>Esperimenti: 2D con vincolo di uguaglianza</a:t>
+            </a:r>
+          </a:p>
+          <a:p>
+            <a:pPr marL="514350" indent="-514350">
+              <a:buFont typeface="+mj-lt"/>
+              <a:buAutoNum type="arabicPeriod"/>
+            </a:pPr>
+            <a:r>
+              <a:rPr lang="it-IT" sz="2000" dirty="0">
+                <a:solidFill>
+                  <a:srgbClr val="002060"/>
+                </a:solidFill>
+                <a:ea typeface="Doulos SIL" panose="02000500070000020004" pitchFamily="2" charset="0"/>
+                <a:cs typeface="Doulos SIL" panose="02000500070000020004" pitchFamily="2" charset="0"/>
+              </a:rPr>
+              <a:t>Risultati e conclusioni</a:t>
+            </a:r>
+          </a:p>
+          <a:p>
+            <a:endParaRPr lang="it-IT" dirty="0"/>
+          </a:p>
+        </p:txBody>
+      </p:sp>
+      <p:sp>
+        <p:nvSpPr>
+          <p:cNvPr id="9" name="Rettangolo 8">
+            <a:extLst>
+              <a:ext uri="{FF2B5EF4-FFF2-40B4-BE49-F238E27FC236}">
+                <a16:creationId xmlns:a16="http://schemas.microsoft.com/office/drawing/2014/main" id="{75DC12A8-867B-446B-A12E-B75F88DB9426}"/>
+              </a:ext>
+            </a:extLst>
+          </p:cNvPr>
+          <p:cNvSpPr/>
+          <p:nvPr/>
+        </p:nvSpPr>
+        <p:spPr>
+          <a:xfrm>
+            <a:off x="124825" y="74645"/>
+            <a:ext cx="2441093" cy="6708709"/>
+          </a:xfrm>
+          <a:prstGeom prst="rect">
+            <a:avLst/>
+          </a:prstGeom>
+          <a:noFill/>
+        </p:spPr>
+        <p:style>
+          <a:lnRef idx="2">
+            <a:schemeClr val="accent1"/>
+          </a:lnRef>
+          <a:fillRef idx="1">
+            <a:schemeClr val="lt1"/>
+          </a:fillRef>
+          <a:effectRef idx="0">
+            <a:schemeClr val="accent1"/>
+          </a:effectRef>
+          <a:fontRef idx="minor">
+            <a:schemeClr val="dk1"/>
+          </a:fontRef>
+        </p:style>
+        <p:txBody>
+          <a:bodyPr rtlCol="0" anchor="ctr"/>
+          <a:lstStyle/>
+          <a:p>
+            <a:pPr algn="ctr"/>
+            <a:endParaRPr lang="it-IT"/>
+          </a:p>
+        </p:txBody>
+      </p:sp>
     </p:spTree>
     <p:extLst>
       <p:ext uri="{BB962C8B-B14F-4D97-AF65-F5344CB8AC3E}">
@@ -6773,7 +8181,7 @@
         </p:nvSpPr>
         <p:spPr>
           <a:xfrm>
-            <a:off x="481011" y="344690"/>
+            <a:off x="2682551" y="205830"/>
             <a:ext cx="10515600" cy="837000"/>
           </a:xfrm>
         </p:spPr>
@@ -6787,7 +8195,7 @@
                   <a:srgbClr val="002060"/>
                 </a:solidFill>
               </a:rPr>
-              <a:t>7. Risultati e conclusioni</a:t>
+              <a:t>6. Risultati e conclusioni</a:t>
             </a:r>
           </a:p>
         </p:txBody>
@@ -6822,8 +8230,8 @@
         </p:blipFill>
         <p:spPr>
           <a:xfrm>
-            <a:off x="1066565" y="1284579"/>
-            <a:ext cx="10058870" cy="5125842"/>
+            <a:off x="3060441" y="1469193"/>
+            <a:ext cx="8415872" cy="4756613"/>
           </a:xfrm>
         </p:spPr>
       </p:pic>
@@ -6843,8 +8251,8 @@
         </p:nvCxnSpPr>
         <p:spPr>
           <a:xfrm>
-            <a:off x="481011" y="1233134"/>
-            <a:ext cx="11162908" cy="0"/>
+            <a:off x="2929812" y="1233134"/>
+            <a:ext cx="8714107" cy="0"/>
           </a:xfrm>
           <a:prstGeom prst="line">
             <a:avLst/>
@@ -6881,8 +8289,8 @@
         </p:nvCxnSpPr>
         <p:spPr>
           <a:xfrm>
-            <a:off x="581626" y="6461865"/>
-            <a:ext cx="11062293" cy="0"/>
+            <a:off x="3060441" y="6461865"/>
+            <a:ext cx="8583478" cy="0"/>
           </a:xfrm>
           <a:prstGeom prst="line">
             <a:avLst/>
@@ -6903,6 +8311,179 @@
           </a:fontRef>
         </p:style>
       </p:cxnSp>
+      <p:sp>
+        <p:nvSpPr>
+          <p:cNvPr id="7" name="CasellaDiTesto 6">
+            <a:extLst>
+              <a:ext uri="{FF2B5EF4-FFF2-40B4-BE49-F238E27FC236}">
+                <a16:creationId xmlns:a16="http://schemas.microsoft.com/office/drawing/2014/main" id="{E991C862-9495-4C9B-9D2D-F7C68D5BC9E0}"/>
+              </a:ext>
+            </a:extLst>
+          </p:cNvPr>
+          <p:cNvSpPr txBox="1"/>
+          <p:nvPr/>
+        </p:nvSpPr>
+        <p:spPr>
+          <a:xfrm>
+            <a:off x="185840" y="1638081"/>
+            <a:ext cx="2496711" cy="3754874"/>
+          </a:xfrm>
+          <a:prstGeom prst="rect">
+            <a:avLst/>
+          </a:prstGeom>
+          <a:noFill/>
+        </p:spPr>
+        <p:txBody>
+          <a:bodyPr wrap="square" rtlCol="0">
+            <a:spAutoFit/>
+          </a:bodyPr>
+          <a:lstStyle/>
+          <a:p>
+            <a:pPr marL="514350" indent="-514350">
+              <a:buFont typeface="+mj-lt"/>
+              <a:buAutoNum type="arabicPeriod"/>
+            </a:pPr>
+            <a:r>
+              <a:rPr lang="it-IT" sz="2000" dirty="0">
+                <a:solidFill>
+                  <a:srgbClr val="002060"/>
+                </a:solidFill>
+                <a:ea typeface="Doulos SIL" panose="02000500070000020004" pitchFamily="2" charset="0"/>
+                <a:cs typeface="Doulos SIL" panose="02000500070000020004" pitchFamily="2" charset="0"/>
+              </a:rPr>
+              <a:t>Descrizione del problema</a:t>
+            </a:r>
+          </a:p>
+          <a:p>
+            <a:pPr marL="514350" indent="-514350">
+              <a:buFont typeface="+mj-lt"/>
+              <a:buAutoNum type="arabicPeriod"/>
+            </a:pPr>
+            <a:r>
+              <a:rPr lang="it-IT" sz="2000" dirty="0">
+                <a:solidFill>
+                  <a:srgbClr val="002060"/>
+                </a:solidFill>
+                <a:ea typeface="Doulos SIL" panose="02000500070000020004" pitchFamily="2" charset="0"/>
+                <a:cs typeface="Doulos SIL" panose="02000500070000020004" pitchFamily="2" charset="0"/>
+              </a:rPr>
+              <a:t>Obiettivo della procedura</a:t>
+            </a:r>
+          </a:p>
+          <a:p>
+            <a:pPr marL="514350" indent="-514350">
+              <a:buFont typeface="+mj-lt"/>
+              <a:buAutoNum type="arabicPeriod"/>
+            </a:pPr>
+            <a:r>
+              <a:rPr lang="it-IT" sz="2000" dirty="0">
+                <a:solidFill>
+                  <a:srgbClr val="002060"/>
+                </a:solidFill>
+                <a:ea typeface="Doulos SIL" panose="02000500070000020004" pitchFamily="2" charset="0"/>
+                <a:cs typeface="Doulos SIL" panose="02000500070000020004" pitchFamily="2" charset="0"/>
+              </a:rPr>
+              <a:t>Formulazione matematica</a:t>
+            </a:r>
+          </a:p>
+          <a:p>
+            <a:pPr marL="514350" indent="-514350">
+              <a:buFont typeface="+mj-lt"/>
+              <a:buAutoNum type="arabicPeriod"/>
+            </a:pPr>
+            <a:r>
+              <a:rPr lang="it-IT" sz="2000" dirty="0">
+                <a:solidFill>
+                  <a:srgbClr val="002060"/>
+                </a:solidFill>
+                <a:ea typeface="Doulos SIL" panose="02000500070000020004" pitchFamily="2" charset="0"/>
+                <a:cs typeface="Doulos SIL" panose="02000500070000020004" pitchFamily="2" charset="0"/>
+              </a:rPr>
+              <a:t>Tecnica di minimizzazione</a:t>
+            </a:r>
+          </a:p>
+          <a:p>
+            <a:pPr marL="514350" indent="-514350">
+              <a:buFont typeface="+mj-lt"/>
+              <a:buAutoNum type="arabicPeriod"/>
+            </a:pPr>
+            <a:r>
+              <a:rPr lang="it-IT" sz="2000" dirty="0">
+                <a:solidFill>
+                  <a:srgbClr val="002060"/>
+                </a:solidFill>
+                <a:ea typeface="Doulos SIL" panose="02000500070000020004" pitchFamily="2" charset="0"/>
+                <a:cs typeface="Doulos SIL" panose="02000500070000020004" pitchFamily="2" charset="0"/>
+              </a:rPr>
+              <a:t>Esperimenti</a:t>
+            </a:r>
+          </a:p>
+          <a:p>
+            <a:pPr marL="514350" indent="-514350">
+              <a:buFont typeface="+mj-lt"/>
+              <a:buAutoNum type="arabicPeriod"/>
+            </a:pPr>
+            <a:r>
+              <a:rPr lang="it-IT" sz="2000" b="1" dirty="0">
+                <a:solidFill>
+                  <a:srgbClr val="C00000"/>
+                </a:solidFill>
+                <a:ea typeface="Doulos SIL" panose="02000500070000020004" pitchFamily="2" charset="0"/>
+                <a:cs typeface="Doulos SIL" panose="02000500070000020004" pitchFamily="2" charset="0"/>
+              </a:rPr>
+              <a:t>Risultati e conclusioni</a:t>
+            </a:r>
+          </a:p>
+          <a:p>
+            <a:endParaRPr lang="it-IT" dirty="0"/>
+          </a:p>
+        </p:txBody>
+      </p:sp>
+      <p:sp>
+        <p:nvSpPr>
+          <p:cNvPr id="8" name="Rettangolo 7">
+            <a:extLst>
+              <a:ext uri="{FF2B5EF4-FFF2-40B4-BE49-F238E27FC236}">
+                <a16:creationId xmlns:a16="http://schemas.microsoft.com/office/drawing/2014/main" id="{AC9B41BB-09B1-44B2-8EF6-DD7FCBA25FF9}"/>
+              </a:ext>
+            </a:extLst>
+          </p:cNvPr>
+          <p:cNvSpPr/>
+          <p:nvPr/>
+        </p:nvSpPr>
+        <p:spPr>
+          <a:xfrm>
+            <a:off x="124825" y="74645"/>
+            <a:ext cx="2441093" cy="6708709"/>
+          </a:xfrm>
+          <a:prstGeom prst="rect">
+            <a:avLst/>
+          </a:prstGeom>
+          <a:noFill/>
+        </p:spPr>
+        <p:style>
+          <a:lnRef idx="2">
+            <a:schemeClr val="accent1"/>
+          </a:lnRef>
+          <a:fillRef idx="1">
+            <a:schemeClr val="lt1"/>
+          </a:fillRef>
+          <a:effectRef idx="0">
+            <a:schemeClr val="accent1"/>
+          </a:effectRef>
+          <a:fontRef idx="minor">
+            <a:schemeClr val="dk1"/>
+          </a:fontRef>
+        </p:style>
+        <p:txBody>
+          <a:bodyPr rtlCol="0" anchor="ctr"/>
+          <a:lstStyle/>
+          <a:p>
+            <a:pPr algn="ctr"/>
+            <a:endParaRPr lang="it-IT"/>
+          </a:p>
+        </p:txBody>
+      </p:sp>
     </p:spTree>
     <p:extLst>
       <p:ext uri="{BB962C8B-B14F-4D97-AF65-F5344CB8AC3E}">
@@ -6966,8 +8547,8 @@
         </p:nvSpPr>
         <p:spPr>
           <a:xfrm>
-            <a:off x="481011" y="344690"/>
-            <a:ext cx="10515600" cy="837000"/>
+            <a:off x="2799183" y="344690"/>
+            <a:ext cx="8197427" cy="836958"/>
           </a:xfrm>
         </p:spPr>
         <p:txBody>
@@ -6980,7 +8561,7 @@
                   <a:srgbClr val="002060"/>
                 </a:solidFill>
               </a:rPr>
-              <a:t>7. Risultati e conclusioni</a:t>
+              <a:t>6. Risultati e conclusioni</a:t>
             </a:r>
           </a:p>
         </p:txBody>
@@ -7001,8 +8582,8 @@
         </p:nvCxnSpPr>
         <p:spPr>
           <a:xfrm>
-            <a:off x="481011" y="1233134"/>
-            <a:ext cx="11162908" cy="0"/>
+            <a:off x="2967135" y="1233134"/>
+            <a:ext cx="8676784" cy="0"/>
           </a:xfrm>
           <a:prstGeom prst="line">
             <a:avLst/>
@@ -7039,8 +8620,8 @@
         </p:nvCxnSpPr>
         <p:spPr>
           <a:xfrm>
-            <a:off x="581626" y="6461865"/>
-            <a:ext cx="11062293" cy="0"/>
+            <a:off x="2967135" y="6461865"/>
+            <a:ext cx="8676784" cy="0"/>
           </a:xfrm>
           <a:prstGeom prst="line">
             <a:avLst/>
@@ -7079,28 +8660,42 @@
         </p:nvSpPr>
         <p:spPr>
           <a:xfrm>
-            <a:off x="481011" y="1353479"/>
-            <a:ext cx="11162908" cy="5056937"/>
+            <a:off x="2973688" y="1368042"/>
+            <a:ext cx="8844736" cy="4772335"/>
           </a:xfrm>
         </p:spPr>
         <p:txBody>
-          <a:bodyPr/>
+          <a:bodyPr>
+            <a:normAutofit/>
+          </a:bodyPr>
           <a:lstStyle/>
           <a:p>
             <a:r>
-              <a:rPr lang="it-IT" dirty="0"/>
+              <a:rPr lang="it-IT" sz="2400" dirty="0">
+                <a:solidFill>
+                  <a:srgbClr val="002060"/>
+                </a:solidFill>
+              </a:rPr>
               <a:t>Test con 3 gradi di libertà senza vincoli: risultati più accurati in presenza di un numero minore di campioni: l’algoritmo tende a dimezzare e maggiormente e arrestarsi prima con più campioni</a:t>
             </a:r>
           </a:p>
           <a:p>
             <a:r>
-              <a:rPr lang="it-IT" dirty="0"/>
+              <a:rPr lang="it-IT" sz="2400" dirty="0">
+                <a:solidFill>
+                  <a:srgbClr val="002060"/>
+                </a:solidFill>
+              </a:rPr>
               <a:t>Test con 3 gradi di libertà (vincolo di disuguaglianza): grossa percentuale di errore rispetto ai parametri ideali; percentuale di errore dipendente dal punto iniziale</a:t>
             </a:r>
           </a:p>
           <a:p>
             <a:r>
-              <a:rPr lang="it-IT" dirty="0"/>
+              <a:rPr lang="it-IT" sz="2400" dirty="0">
+                <a:solidFill>
+                  <a:srgbClr val="002060"/>
+                </a:solidFill>
+              </a:rPr>
               <a:t>Test con 2 gradi di libertà (vincolo di uguaglianza): risultati coerenti con il test precedente</a:t>
             </a:r>
           </a:p>
@@ -7121,14 +8716,14 @@
           <p:nvPr>
             <p:extLst>
               <p:ext uri="{D42A27DB-BD31-4B8C-83A1-F6EECF244321}">
-                <p14:modId xmlns:p14="http://schemas.microsoft.com/office/powerpoint/2010/main" val="3367582761"/>
+                <p14:modId xmlns:p14="http://schemas.microsoft.com/office/powerpoint/2010/main" val="517389197"/>
               </p:ext>
             </p:extLst>
           </p:nvPr>
         </p:nvGraphicFramePr>
         <p:xfrm>
-          <a:off x="581626" y="4790050"/>
-          <a:ext cx="11028749" cy="1654233"/>
+          <a:off x="2857055" y="4707195"/>
+          <a:ext cx="8961369" cy="1430376"/>
         </p:xfrm>
         <a:graphic>
           <a:graphicData uri="http://schemas.openxmlformats.org/drawingml/2006/table">
@@ -7137,28 +8732,28 @@
                 <a:tableStyleId>{69CF1AB2-1976-4502-BF36-3FF5EA218861}</a:tableStyleId>
               </a:tblPr>
               <a:tblGrid>
-                <a:gridCol w="2828433">
+                <a:gridCol w="2298233">
                   <a:extLst>
                     <a:ext uri="{9D8B030D-6E8A-4147-A177-3AD203B41FA5}">
                       <a16:colId xmlns:a16="http://schemas.microsoft.com/office/drawing/2014/main" val="2941238680"/>
                     </a:ext>
                   </a:extLst>
                 </a:gridCol>
-                <a:gridCol w="2735814">
+                <a:gridCol w="2222975">
                   <a:extLst>
                     <a:ext uri="{9D8B030D-6E8A-4147-A177-3AD203B41FA5}">
                       <a16:colId xmlns:a16="http://schemas.microsoft.com/office/drawing/2014/main" val="1040117994"/>
                     </a:ext>
                   </a:extLst>
                 </a:gridCol>
-                <a:gridCol w="2617312">
+                <a:gridCol w="2126687">
                   <a:extLst>
                     <a:ext uri="{9D8B030D-6E8A-4147-A177-3AD203B41FA5}">
                       <a16:colId xmlns:a16="http://schemas.microsoft.com/office/drawing/2014/main" val="1615730639"/>
                     </a:ext>
                   </a:extLst>
                 </a:gridCol>
-                <a:gridCol w="2847190">
+                <a:gridCol w="2313474">
                   <a:extLst>
                     <a:ext uri="{9D8B030D-6E8A-4147-A177-3AD203B41FA5}">
                       <a16:colId xmlns:a16="http://schemas.microsoft.com/office/drawing/2014/main" val="2459419178"/>
@@ -7166,7 +8761,7 @@
                   </a:extLst>
                 </a:gridCol>
               </a:tblGrid>
-              <a:tr h="551411">
+              <a:tr h="476792">
                 <a:tc>
                   <a:txBody>
                     <a:bodyPr/>
@@ -7178,7 +8773,7 @@
                         </a:lnSpc>
                       </a:pPr>
                       <a:r>
-                        <a:rPr lang="it-IT" sz="2400" b="0" dirty="0"/>
+                        <a:rPr lang="it-IT" sz="2000" b="0" dirty="0"/>
                         <a:t>3D senza vincoli</a:t>
                       </a:r>
                     </a:p>
@@ -7196,7 +8791,7 @@
                         </a:lnSpc>
                       </a:pPr>
                       <a:r>
-                        <a:rPr lang="it-IT" sz="2400" b="0" dirty="0"/>
+                        <a:rPr lang="it-IT" sz="2000" b="0" dirty="0"/>
                         <a:t>R = 0.796 ± 0.001m</a:t>
                       </a:r>
                     </a:p>
@@ -7226,7 +8821,7 @@
                         <a:defRPr/>
                       </a:pPr>
                       <a:r>
-                        <a:rPr lang="it-IT" sz="2400" b="0" dirty="0"/>
+                        <a:rPr lang="it-IT" sz="2000" b="0" dirty="0"/>
                         <a:t>I = 4.981 ± 0.001A</a:t>
                       </a:r>
                     </a:p>
@@ -7256,7 +8851,7 @@
                         <a:defRPr/>
                       </a:pPr>
                       <a:r>
-                        <a:rPr lang="it-IT" sz="2400" b="0" dirty="0"/>
+                        <a:rPr lang="it-IT" sz="2000" b="0" dirty="0"/>
                         <a:t>Z = 0.699 ± 0.001m</a:t>
                       </a:r>
                     </a:p>
@@ -7269,7 +8864,7 @@
                   </a:ext>
                 </a:extLst>
               </a:tr>
-              <a:tr h="551411">
+              <a:tr h="476792">
                 <a:tc>
                   <a:txBody>
                     <a:bodyPr/>
@@ -7281,15 +8876,15 @@
                         </a:lnSpc>
                       </a:pPr>
                       <a:r>
-                        <a:rPr lang="it-IT" sz="2400" b="0" dirty="0"/>
+                        <a:rPr lang="it-IT" sz="2000" b="0" dirty="0"/>
                         <a:t>3D vincolo </a:t>
                       </a:r>
                       <a:r>
-                        <a:rPr lang="it-IT" sz="2400" b="0" dirty="0" err="1"/>
+                        <a:rPr lang="it-IT" sz="2000" b="0" dirty="0" err="1"/>
                         <a:t>dis</a:t>
                       </a:r>
                       <a:r>
-                        <a:rPr lang="it-IT" sz="2400" b="0" dirty="0"/>
+                        <a:rPr lang="it-IT" sz="2000" b="0" dirty="0"/>
                         <a:t>.</a:t>
                       </a:r>
                     </a:p>
@@ -7319,7 +8914,7 @@
                         <a:defRPr/>
                       </a:pPr>
                       <a:r>
-                        <a:rPr lang="it-IT" sz="2400" b="0" dirty="0"/>
+                        <a:rPr lang="it-IT" sz="2000" b="0" dirty="0"/>
                         <a:t>R = 0.991 ± 0.001m</a:t>
                       </a:r>
                     </a:p>
@@ -7349,7 +8944,7 @@
                         <a:defRPr/>
                       </a:pPr>
                       <a:r>
-                        <a:rPr lang="it-IT" sz="2400" b="0" dirty="0"/>
+                        <a:rPr lang="it-IT" sz="2000" b="0" dirty="0"/>
                         <a:t>I = 4.093 ± 0.001A</a:t>
                       </a:r>
                     </a:p>
@@ -7379,7 +8974,7 @@
                         <a:defRPr/>
                       </a:pPr>
                       <a:r>
-                        <a:rPr lang="it-IT" sz="2400" b="0" dirty="0"/>
+                        <a:rPr lang="it-IT" sz="2000" b="0" dirty="0"/>
                         <a:t>Z = 0.495 ± 0.001m</a:t>
                       </a:r>
                     </a:p>
@@ -7392,7 +8987,7 @@
                   </a:ext>
                 </a:extLst>
               </a:tr>
-              <a:tr h="551411">
+              <a:tr h="476792">
                 <a:tc>
                   <a:txBody>
                     <a:bodyPr/>
@@ -7404,15 +8999,15 @@
                         </a:lnSpc>
                       </a:pPr>
                       <a:r>
-                        <a:rPr lang="it-IT" sz="2400" dirty="0"/>
+                        <a:rPr lang="it-IT" sz="2000" dirty="0"/>
                         <a:t>2D vincolo </a:t>
                       </a:r>
                       <a:r>
-                        <a:rPr lang="it-IT" sz="2400" dirty="0" err="1"/>
+                        <a:rPr lang="it-IT" sz="2000" dirty="0" err="1"/>
                         <a:t>ug</a:t>
                       </a:r>
                       <a:r>
-                        <a:rPr lang="it-IT" sz="2400" dirty="0"/>
+                        <a:rPr lang="it-IT" sz="2000" dirty="0"/>
                         <a:t>.</a:t>
                       </a:r>
                     </a:p>
@@ -7442,7 +9037,7 @@
                         <a:defRPr/>
                       </a:pPr>
                       <a:r>
-                        <a:rPr lang="it-IT" sz="2400" b="0" dirty="0"/>
+                        <a:rPr lang="it-IT" sz="2000" b="0" dirty="0"/>
                         <a:t>R = 0.998 ± 0.001m</a:t>
                       </a:r>
                     </a:p>
@@ -7472,7 +9067,7 @@
                         <a:defRPr/>
                       </a:pPr>
                       <a:r>
-                        <a:rPr lang="it-IT" sz="2400" b="0" dirty="0"/>
+                        <a:rPr lang="it-IT" sz="2000" b="0" dirty="0"/>
                         <a:t>I = 4.097 ± 0.001A</a:t>
                       </a:r>
                     </a:p>
@@ -7502,7 +9097,7 @@
                         <a:defRPr/>
                       </a:pPr>
                       <a:r>
-                        <a:rPr lang="it-IT" sz="2400" b="0" dirty="0"/>
+                        <a:rPr lang="it-IT" sz="2000" b="0" dirty="0"/>
                         <a:t>Z = 0.499 ± 0.001m</a:t>
                       </a:r>
                     </a:p>
@@ -7519,6 +9114,179 @@
           </a:graphicData>
         </a:graphic>
       </p:graphicFrame>
+      <p:sp>
+        <p:nvSpPr>
+          <p:cNvPr id="8" name="CasellaDiTesto 7">
+            <a:extLst>
+              <a:ext uri="{FF2B5EF4-FFF2-40B4-BE49-F238E27FC236}">
+                <a16:creationId xmlns:a16="http://schemas.microsoft.com/office/drawing/2014/main" id="{06DEB9E7-C7E6-4A83-8C38-4C105047FCE7}"/>
+              </a:ext>
+            </a:extLst>
+          </p:cNvPr>
+          <p:cNvSpPr txBox="1"/>
+          <p:nvPr/>
+        </p:nvSpPr>
+        <p:spPr>
+          <a:xfrm>
+            <a:off x="185840" y="1638081"/>
+            <a:ext cx="2496711" cy="3754874"/>
+          </a:xfrm>
+          <a:prstGeom prst="rect">
+            <a:avLst/>
+          </a:prstGeom>
+          <a:noFill/>
+        </p:spPr>
+        <p:txBody>
+          <a:bodyPr wrap="square" rtlCol="0">
+            <a:spAutoFit/>
+          </a:bodyPr>
+          <a:lstStyle/>
+          <a:p>
+            <a:pPr marL="514350" indent="-514350">
+              <a:buFont typeface="+mj-lt"/>
+              <a:buAutoNum type="arabicPeriod"/>
+            </a:pPr>
+            <a:r>
+              <a:rPr lang="it-IT" sz="2000" dirty="0">
+                <a:solidFill>
+                  <a:srgbClr val="002060"/>
+                </a:solidFill>
+                <a:ea typeface="Doulos SIL" panose="02000500070000020004" pitchFamily="2" charset="0"/>
+                <a:cs typeface="Doulos SIL" panose="02000500070000020004" pitchFamily="2" charset="0"/>
+              </a:rPr>
+              <a:t>Descrizione del problema</a:t>
+            </a:r>
+          </a:p>
+          <a:p>
+            <a:pPr marL="514350" indent="-514350">
+              <a:buFont typeface="+mj-lt"/>
+              <a:buAutoNum type="arabicPeriod"/>
+            </a:pPr>
+            <a:r>
+              <a:rPr lang="it-IT" sz="2000" dirty="0">
+                <a:solidFill>
+                  <a:srgbClr val="002060"/>
+                </a:solidFill>
+                <a:ea typeface="Doulos SIL" panose="02000500070000020004" pitchFamily="2" charset="0"/>
+                <a:cs typeface="Doulos SIL" panose="02000500070000020004" pitchFamily="2" charset="0"/>
+              </a:rPr>
+              <a:t>Obiettivo della procedura</a:t>
+            </a:r>
+          </a:p>
+          <a:p>
+            <a:pPr marL="514350" indent="-514350">
+              <a:buFont typeface="+mj-lt"/>
+              <a:buAutoNum type="arabicPeriod"/>
+            </a:pPr>
+            <a:r>
+              <a:rPr lang="it-IT" sz="2000" dirty="0">
+                <a:solidFill>
+                  <a:srgbClr val="002060"/>
+                </a:solidFill>
+                <a:ea typeface="Doulos SIL" panose="02000500070000020004" pitchFamily="2" charset="0"/>
+                <a:cs typeface="Doulos SIL" panose="02000500070000020004" pitchFamily="2" charset="0"/>
+              </a:rPr>
+              <a:t>Formulazione matematica</a:t>
+            </a:r>
+          </a:p>
+          <a:p>
+            <a:pPr marL="514350" indent="-514350">
+              <a:buFont typeface="+mj-lt"/>
+              <a:buAutoNum type="arabicPeriod"/>
+            </a:pPr>
+            <a:r>
+              <a:rPr lang="it-IT" sz="2000" dirty="0">
+                <a:solidFill>
+                  <a:srgbClr val="002060"/>
+                </a:solidFill>
+                <a:ea typeface="Doulos SIL" panose="02000500070000020004" pitchFamily="2" charset="0"/>
+                <a:cs typeface="Doulos SIL" panose="02000500070000020004" pitchFamily="2" charset="0"/>
+              </a:rPr>
+              <a:t>Tecnica di minimizzazione</a:t>
+            </a:r>
+          </a:p>
+          <a:p>
+            <a:pPr marL="514350" indent="-514350">
+              <a:buFont typeface="+mj-lt"/>
+              <a:buAutoNum type="arabicPeriod"/>
+            </a:pPr>
+            <a:r>
+              <a:rPr lang="it-IT" sz="2000" dirty="0">
+                <a:solidFill>
+                  <a:srgbClr val="002060"/>
+                </a:solidFill>
+                <a:ea typeface="Doulos SIL" panose="02000500070000020004" pitchFamily="2" charset="0"/>
+                <a:cs typeface="Doulos SIL" panose="02000500070000020004" pitchFamily="2" charset="0"/>
+              </a:rPr>
+              <a:t>Esperimenti</a:t>
+            </a:r>
+          </a:p>
+          <a:p>
+            <a:pPr marL="514350" indent="-514350">
+              <a:buFont typeface="+mj-lt"/>
+              <a:buAutoNum type="arabicPeriod"/>
+            </a:pPr>
+            <a:r>
+              <a:rPr lang="it-IT" sz="2000" b="1" dirty="0">
+                <a:solidFill>
+                  <a:srgbClr val="C00000"/>
+                </a:solidFill>
+                <a:ea typeface="Doulos SIL" panose="02000500070000020004" pitchFamily="2" charset="0"/>
+                <a:cs typeface="Doulos SIL" panose="02000500070000020004" pitchFamily="2" charset="0"/>
+              </a:rPr>
+              <a:t>Risultati e conclusioni</a:t>
+            </a:r>
+          </a:p>
+          <a:p>
+            <a:endParaRPr lang="it-IT" dirty="0"/>
+          </a:p>
+        </p:txBody>
+      </p:sp>
+      <p:sp>
+        <p:nvSpPr>
+          <p:cNvPr id="9" name="Rettangolo 8">
+            <a:extLst>
+              <a:ext uri="{FF2B5EF4-FFF2-40B4-BE49-F238E27FC236}">
+                <a16:creationId xmlns:a16="http://schemas.microsoft.com/office/drawing/2014/main" id="{76524738-4E2F-4730-904A-7D436A670A8A}"/>
+              </a:ext>
+            </a:extLst>
+          </p:cNvPr>
+          <p:cNvSpPr/>
+          <p:nvPr/>
+        </p:nvSpPr>
+        <p:spPr>
+          <a:xfrm>
+            <a:off x="124825" y="74645"/>
+            <a:ext cx="2441093" cy="6708709"/>
+          </a:xfrm>
+          <a:prstGeom prst="rect">
+            <a:avLst/>
+          </a:prstGeom>
+          <a:noFill/>
+        </p:spPr>
+        <p:style>
+          <a:lnRef idx="2">
+            <a:schemeClr val="accent1"/>
+          </a:lnRef>
+          <a:fillRef idx="1">
+            <a:schemeClr val="lt1"/>
+          </a:fillRef>
+          <a:effectRef idx="0">
+            <a:schemeClr val="accent1"/>
+          </a:effectRef>
+          <a:fontRef idx="minor">
+            <a:schemeClr val="dk1"/>
+          </a:fontRef>
+        </p:style>
+        <p:txBody>
+          <a:bodyPr rtlCol="0" anchor="ctr"/>
+          <a:lstStyle/>
+          <a:p>
+            <a:pPr algn="ctr"/>
+            <a:endParaRPr lang="it-IT"/>
+          </a:p>
+        </p:txBody>
+      </p:sp>
     </p:spTree>
     <p:extLst>
       <p:ext uri="{BB962C8B-B14F-4D97-AF65-F5344CB8AC3E}">
@@ -7629,7 +9397,7 @@
         </p:spPr>
         <p:txBody>
           <a:bodyPr>
-            <a:normAutofit lnSpcReduction="10000"/>
+            <a:normAutofit/>
           </a:bodyPr>
           <a:lstStyle/>
           <a:p>
@@ -7663,7 +9431,7 @@
                 <a:ea typeface="Doulos SIL" panose="02000500070000020004" pitchFamily="2" charset="0"/>
                 <a:cs typeface="Doulos SIL" panose="02000500070000020004" pitchFamily="2" charset="0"/>
               </a:rPr>
-              <a:t>Obiettivo</a:t>
+              <a:t>Obiettivo della procedura</a:t>
             </a:r>
           </a:p>
           <a:p>
@@ -7698,23 +9466,6 @@
                 <a:cs typeface="Doulos SIL" panose="02000500070000020004" pitchFamily="2" charset="0"/>
               </a:rPr>
               <a:t>Tecnica di minimizzazione</a:t>
-            </a:r>
-          </a:p>
-          <a:p>
-            <a:pPr marL="514350" indent="-514350">
-              <a:buFont typeface="+mj-lt"/>
-              <a:buAutoNum type="arabicPeriod"/>
-            </a:pPr>
-            <a:r>
-              <a:rPr lang="it-IT" sz="3600" dirty="0">
-                <a:solidFill>
-                  <a:srgbClr val="002060"/>
-                </a:solidFill>
-                <a:latin typeface="+mj-lt"/>
-                <a:ea typeface="Doulos SIL" panose="02000500070000020004" pitchFamily="2" charset="0"/>
-                <a:cs typeface="Doulos SIL" panose="02000500070000020004" pitchFamily="2" charset="0"/>
-              </a:rPr>
-              <a:t>Considerazioni preliminari</a:t>
             </a:r>
           </a:p>
           <a:p>
@@ -7892,8 +9643,8 @@
         </p:nvSpPr>
         <p:spPr>
           <a:xfrm>
-            <a:off x="218113" y="1576174"/>
-            <a:ext cx="3836201" cy="4667250"/>
+            <a:off x="2799185" y="1698814"/>
+            <a:ext cx="3639104" cy="4048843"/>
           </a:xfrm>
         </p:spPr>
         <p:txBody>
@@ -7903,7 +9654,7 @@
           <a:lstStyle/>
           <a:p>
             <a:r>
-              <a:rPr lang="it-IT" dirty="0">
+              <a:rPr lang="it-IT" sz="2600" dirty="0">
                 <a:solidFill>
                   <a:srgbClr val="002060"/>
                 </a:solidFill>
@@ -7914,7 +9665,7 @@
               <a:t>Il sistema è composto da </a:t>
             </a:r>
             <a:r>
-              <a:rPr lang="it-IT" b="1" i="1" dirty="0">
+              <a:rPr lang="it-IT" sz="2600" b="1" i="1" dirty="0">
                 <a:solidFill>
                   <a:srgbClr val="C00000"/>
                 </a:solidFill>
@@ -7922,10 +9673,10 @@
                 <a:ea typeface="Doulos SIL" panose="02000500070000020004" pitchFamily="2" charset="0"/>
                 <a:cs typeface="Doulos SIL" panose="02000500070000020004" pitchFamily="2" charset="0"/>
               </a:rPr>
-              <a:t>6 spire simmetriche </a:t>
-            </a:r>
-            <a:r>
-              <a:rPr lang="it-IT" dirty="0">
+              <a:t>3 coppie di spire</a:t>
+            </a:r>
+            <a:r>
+              <a:rPr lang="it-IT" sz="2600" dirty="0">
                 <a:solidFill>
                   <a:srgbClr val="002060"/>
                 </a:solidFill>
@@ -7933,12 +9684,12 @@
                 <a:ea typeface="Doulos SIL" panose="02000500070000020004" pitchFamily="2" charset="0"/>
                 <a:cs typeface="Doulos SIL" panose="02000500070000020004" pitchFamily="2" charset="0"/>
               </a:rPr>
-              <a:t>e concentriche rispetto all'asse z.</a:t>
-            </a:r>
-          </a:p>
-          <a:p>
-            <a:r>
-              <a:rPr lang="it-IT" dirty="0">
+              <a:t> concentriche rispetto all'asse z.</a:t>
+            </a:r>
+          </a:p>
+          <a:p>
+            <a:r>
+              <a:rPr lang="it-IT" sz="2600" dirty="0">
                 <a:solidFill>
                   <a:srgbClr val="002060"/>
                 </a:solidFill>
@@ -7949,7 +9700,7 @@
               <a:t>I parametri di progetto, ovvero </a:t>
             </a:r>
             <a:r>
-              <a:rPr lang="it-IT" b="1" i="1" dirty="0">
+              <a:rPr lang="it-IT" sz="2600" b="1" i="1" dirty="0">
                 <a:solidFill>
                   <a:srgbClr val="C00000"/>
                 </a:solidFill>
@@ -7960,7 +9711,7 @@
               <a:t>posizione</a:t>
             </a:r>
             <a:r>
-              <a:rPr lang="it-IT" dirty="0">
+              <a:rPr lang="it-IT" sz="2600" dirty="0">
                 <a:solidFill>
                   <a:srgbClr val="002060"/>
                 </a:solidFill>
@@ -7971,7 +9722,7 @@
               <a:t>, </a:t>
             </a:r>
             <a:r>
-              <a:rPr lang="it-IT" b="1" i="1" dirty="0">
+              <a:rPr lang="it-IT" sz="2600" b="1" i="1" dirty="0">
                 <a:solidFill>
                   <a:srgbClr val="C00000"/>
                 </a:solidFill>
@@ -7982,7 +9733,7 @@
               <a:t>raggio</a:t>
             </a:r>
             <a:r>
-              <a:rPr lang="it-IT" dirty="0">
+              <a:rPr lang="it-IT" sz="2600" dirty="0">
                 <a:solidFill>
                   <a:srgbClr val="002060"/>
                 </a:solidFill>
@@ -7993,7 +9744,7 @@
               <a:t> e intensità di </a:t>
             </a:r>
             <a:r>
-              <a:rPr lang="it-IT" b="1" i="1" dirty="0">
+              <a:rPr lang="it-IT" sz="2600" b="1" i="1" dirty="0">
                 <a:solidFill>
                   <a:srgbClr val="C00000"/>
                 </a:solidFill>
@@ -8004,7 +9755,7 @@
               <a:t>corrente</a:t>
             </a:r>
             <a:r>
-              <a:rPr lang="it-IT" dirty="0">
+              <a:rPr lang="it-IT" sz="2600" dirty="0">
                 <a:solidFill>
                   <a:srgbClr val="002060"/>
                 </a:solidFill>
@@ -8045,8 +9796,8 @@
         </p:blipFill>
         <p:spPr>
           <a:xfrm>
-            <a:off x="3987202" y="1507469"/>
-            <a:ext cx="8029445" cy="4735955"/>
+            <a:off x="6554921" y="1863724"/>
+            <a:ext cx="5461726" cy="3600973"/>
           </a:xfrm>
           <a:prstGeom prst="rect">
             <a:avLst/>
@@ -8069,8 +9820,8 @@
         </p:nvCxnSpPr>
         <p:spPr>
           <a:xfrm>
-            <a:off x="385762" y="1393301"/>
-            <a:ext cx="11630885" cy="0"/>
+            <a:off x="2799184" y="1393301"/>
+            <a:ext cx="9217463" cy="0"/>
           </a:xfrm>
           <a:prstGeom prst="line">
             <a:avLst/>
@@ -8107,7 +9858,7 @@
         </p:nvSpPr>
         <p:spPr>
           <a:xfrm>
-            <a:off x="218113" y="339201"/>
+            <a:off x="2672064" y="225998"/>
             <a:ext cx="6667458" cy="1054100"/>
           </a:xfrm>
           <a:prstGeom prst="rect">
@@ -8167,8 +9918,8 @@
         </p:nvCxnSpPr>
         <p:spPr>
           <a:xfrm>
-            <a:off x="385762" y="6386159"/>
-            <a:ext cx="11630885" cy="0"/>
+            <a:off x="2745129" y="5938290"/>
+            <a:ext cx="9271518" cy="0"/>
           </a:xfrm>
           <a:prstGeom prst="line">
             <a:avLst/>
@@ -8189,6 +9940,179 @@
           </a:fontRef>
         </p:style>
       </p:cxnSp>
+      <p:sp>
+        <p:nvSpPr>
+          <p:cNvPr id="14" name="CasellaDiTesto 13">
+            <a:extLst>
+              <a:ext uri="{FF2B5EF4-FFF2-40B4-BE49-F238E27FC236}">
+                <a16:creationId xmlns:a16="http://schemas.microsoft.com/office/drawing/2014/main" id="{30F90F1B-A454-4A8C-B653-0ED5FDDEF76C}"/>
+              </a:ext>
+            </a:extLst>
+          </p:cNvPr>
+          <p:cNvSpPr txBox="1"/>
+          <p:nvPr/>
+        </p:nvSpPr>
+        <p:spPr>
+          <a:xfrm>
+            <a:off x="185840" y="1638081"/>
+            <a:ext cx="2496711" cy="3754874"/>
+          </a:xfrm>
+          <a:prstGeom prst="rect">
+            <a:avLst/>
+          </a:prstGeom>
+          <a:noFill/>
+        </p:spPr>
+        <p:txBody>
+          <a:bodyPr wrap="square" rtlCol="0">
+            <a:spAutoFit/>
+          </a:bodyPr>
+          <a:lstStyle/>
+          <a:p>
+            <a:pPr marL="514350" indent="-514350">
+              <a:buFont typeface="+mj-lt"/>
+              <a:buAutoNum type="arabicPeriod"/>
+            </a:pPr>
+            <a:r>
+              <a:rPr lang="it-IT" sz="2000" b="1" dirty="0">
+                <a:solidFill>
+                  <a:srgbClr val="C00000"/>
+                </a:solidFill>
+                <a:ea typeface="Doulos SIL" panose="02000500070000020004" pitchFamily="2" charset="0"/>
+                <a:cs typeface="Doulos SIL" panose="02000500070000020004" pitchFamily="2" charset="0"/>
+              </a:rPr>
+              <a:t>Descrizione del problema</a:t>
+            </a:r>
+          </a:p>
+          <a:p>
+            <a:pPr marL="514350" indent="-514350">
+              <a:buFont typeface="+mj-lt"/>
+              <a:buAutoNum type="arabicPeriod"/>
+            </a:pPr>
+            <a:r>
+              <a:rPr lang="it-IT" sz="2000" dirty="0">
+                <a:solidFill>
+                  <a:srgbClr val="002060"/>
+                </a:solidFill>
+                <a:ea typeface="Doulos SIL" panose="02000500070000020004" pitchFamily="2" charset="0"/>
+                <a:cs typeface="Doulos SIL" panose="02000500070000020004" pitchFamily="2" charset="0"/>
+              </a:rPr>
+              <a:t>Obiettivo della procedura</a:t>
+            </a:r>
+          </a:p>
+          <a:p>
+            <a:pPr marL="514350" indent="-514350">
+              <a:buFont typeface="+mj-lt"/>
+              <a:buAutoNum type="arabicPeriod"/>
+            </a:pPr>
+            <a:r>
+              <a:rPr lang="it-IT" sz="2000" dirty="0">
+                <a:solidFill>
+                  <a:srgbClr val="002060"/>
+                </a:solidFill>
+                <a:ea typeface="Doulos SIL" panose="02000500070000020004" pitchFamily="2" charset="0"/>
+                <a:cs typeface="Doulos SIL" panose="02000500070000020004" pitchFamily="2" charset="0"/>
+              </a:rPr>
+              <a:t>Formulazione matematica</a:t>
+            </a:r>
+          </a:p>
+          <a:p>
+            <a:pPr marL="514350" indent="-514350">
+              <a:buFont typeface="+mj-lt"/>
+              <a:buAutoNum type="arabicPeriod"/>
+            </a:pPr>
+            <a:r>
+              <a:rPr lang="it-IT" sz="2000" dirty="0">
+                <a:solidFill>
+                  <a:srgbClr val="002060"/>
+                </a:solidFill>
+                <a:ea typeface="Doulos SIL" panose="02000500070000020004" pitchFamily="2" charset="0"/>
+                <a:cs typeface="Doulos SIL" panose="02000500070000020004" pitchFamily="2" charset="0"/>
+              </a:rPr>
+              <a:t>Tecnica di minimizzazione</a:t>
+            </a:r>
+          </a:p>
+          <a:p>
+            <a:pPr marL="514350" indent="-514350">
+              <a:buFont typeface="+mj-lt"/>
+              <a:buAutoNum type="arabicPeriod"/>
+            </a:pPr>
+            <a:r>
+              <a:rPr lang="it-IT" sz="2000" dirty="0">
+                <a:solidFill>
+                  <a:srgbClr val="002060"/>
+                </a:solidFill>
+                <a:ea typeface="Doulos SIL" panose="02000500070000020004" pitchFamily="2" charset="0"/>
+                <a:cs typeface="Doulos SIL" panose="02000500070000020004" pitchFamily="2" charset="0"/>
+              </a:rPr>
+              <a:t>Esperimenti</a:t>
+            </a:r>
+          </a:p>
+          <a:p>
+            <a:pPr marL="514350" indent="-514350">
+              <a:buFont typeface="+mj-lt"/>
+              <a:buAutoNum type="arabicPeriod"/>
+            </a:pPr>
+            <a:r>
+              <a:rPr lang="it-IT" sz="2000" dirty="0">
+                <a:solidFill>
+                  <a:srgbClr val="002060"/>
+                </a:solidFill>
+                <a:ea typeface="Doulos SIL" panose="02000500070000020004" pitchFamily="2" charset="0"/>
+                <a:cs typeface="Doulos SIL" panose="02000500070000020004" pitchFamily="2" charset="0"/>
+              </a:rPr>
+              <a:t>Risultati e conclusioni</a:t>
+            </a:r>
+          </a:p>
+          <a:p>
+            <a:endParaRPr lang="it-IT" dirty="0"/>
+          </a:p>
+        </p:txBody>
+      </p:sp>
+      <p:sp>
+        <p:nvSpPr>
+          <p:cNvPr id="17" name="Rettangolo 16">
+            <a:extLst>
+              <a:ext uri="{FF2B5EF4-FFF2-40B4-BE49-F238E27FC236}">
+                <a16:creationId xmlns:a16="http://schemas.microsoft.com/office/drawing/2014/main" id="{6543F439-C127-49F8-8BF3-D202EC8A0907}"/>
+              </a:ext>
+            </a:extLst>
+          </p:cNvPr>
+          <p:cNvSpPr/>
+          <p:nvPr/>
+        </p:nvSpPr>
+        <p:spPr>
+          <a:xfrm>
+            <a:off x="124825" y="74645"/>
+            <a:ext cx="2441093" cy="6708709"/>
+          </a:xfrm>
+          <a:prstGeom prst="rect">
+            <a:avLst/>
+          </a:prstGeom>
+          <a:noFill/>
+        </p:spPr>
+        <p:style>
+          <a:lnRef idx="2">
+            <a:schemeClr val="accent1"/>
+          </a:lnRef>
+          <a:fillRef idx="1">
+            <a:schemeClr val="lt1"/>
+          </a:fillRef>
+          <a:effectRef idx="0">
+            <a:schemeClr val="accent1"/>
+          </a:effectRef>
+          <a:fontRef idx="minor">
+            <a:schemeClr val="dk1"/>
+          </a:fontRef>
+        </p:style>
+        <p:txBody>
+          <a:bodyPr rtlCol="0" anchor="ctr"/>
+          <a:lstStyle/>
+          <a:p>
+            <a:pPr algn="ctr"/>
+            <a:endParaRPr lang="it-IT"/>
+          </a:p>
+        </p:txBody>
+      </p:sp>
     </p:spTree>
     <p:extLst>
       <p:ext uri="{BB962C8B-B14F-4D97-AF65-F5344CB8AC3E}">
@@ -8252,7 +10176,7 @@
         </p:nvSpPr>
         <p:spPr>
           <a:xfrm>
-            <a:off x="952499" y="1553595"/>
+            <a:off x="2810003" y="1937319"/>
             <a:ext cx="3283941" cy="4755106"/>
           </a:xfrm>
         </p:spPr>
@@ -8274,7 +10198,7 @@
                 <a:ea typeface="Doulos SIL" panose="02000500070000020004" pitchFamily="2" charset="0"/>
                 <a:cs typeface="Doulos SIL" panose="02000500070000020004" pitchFamily="2" charset="0"/>
               </a:rPr>
-              <a:t>L’obiettivo del progetto delle spire incognite è quello di </a:t>
+              <a:t>Il nostro sistema risolve </a:t>
             </a:r>
             <a:r>
               <a:rPr lang="it-IT" b="1" i="1" dirty="0">
@@ -8285,7 +10209,7 @@
                 <a:ea typeface="Doulos SIL" panose="02000500070000020004" pitchFamily="2" charset="0"/>
                 <a:cs typeface="Doulos SIL" panose="02000500070000020004" pitchFamily="2" charset="0"/>
               </a:rPr>
-              <a:t>approssimare quanto più possibile </a:t>
+              <a:t>una classe di problemi </a:t>
             </a:r>
             <a:r>
               <a:rPr lang="it-IT" dirty="0">
@@ -8296,7 +10220,7 @@
                 <a:ea typeface="Doulos SIL" panose="02000500070000020004" pitchFamily="2" charset="0"/>
                 <a:cs typeface="Doulos SIL" panose="02000500070000020004" pitchFamily="2" charset="0"/>
               </a:rPr>
-              <a:t>un campo magnetico della seguente caratteristica.</a:t>
+              <a:t>per la sintesi di un campo magnetico, come quello rappresentato in figura: </a:t>
             </a:r>
           </a:p>
         </p:txBody>
@@ -8323,8 +10247,8 @@
         </p:blipFill>
         <p:spPr>
           <a:xfrm>
-            <a:off x="4471820" y="1442184"/>
-            <a:ext cx="6767680" cy="4866518"/>
+            <a:off x="6238569" y="1937319"/>
+            <a:ext cx="5390549" cy="3876248"/>
           </a:xfrm>
           <a:prstGeom prst="rect">
             <a:avLst/>
@@ -8347,8 +10271,8 @@
         </p:nvCxnSpPr>
         <p:spPr>
           <a:xfrm>
-            <a:off x="938212" y="1393301"/>
-            <a:ext cx="10301288" cy="0"/>
+            <a:off x="2855167" y="1393301"/>
+            <a:ext cx="8873413" cy="0"/>
           </a:xfrm>
           <a:prstGeom prst="line">
             <a:avLst/>
@@ -8385,7 +10309,7 @@
         </p:nvSpPr>
         <p:spPr>
           <a:xfrm>
-            <a:off x="823911" y="499495"/>
+            <a:off x="2682551" y="420452"/>
             <a:ext cx="6667458" cy="1054100"/>
           </a:xfrm>
           <a:prstGeom prst="rect">
@@ -8424,7 +10348,7 @@
                 <a:ea typeface="Doulos SIL" panose="02000500070000020004" pitchFamily="2" charset="0"/>
                 <a:cs typeface="Doulos SIL" panose="02000500070000020004" pitchFamily="2" charset="0"/>
               </a:rPr>
-              <a:t>2. Obiettivo</a:t>
+              <a:t>2. Obiettivo della procedura</a:t>
             </a:r>
           </a:p>
         </p:txBody>
@@ -8445,8 +10369,8 @@
         </p:nvCxnSpPr>
         <p:spPr>
           <a:xfrm>
-            <a:off x="823911" y="6357584"/>
-            <a:ext cx="10415589" cy="0"/>
+            <a:off x="2855167" y="6357584"/>
+            <a:ext cx="8873413" cy="0"/>
           </a:xfrm>
           <a:prstGeom prst="line">
             <a:avLst/>
@@ -8467,6 +10391,179 @@
           </a:fontRef>
         </p:style>
       </p:cxnSp>
+      <p:sp>
+        <p:nvSpPr>
+          <p:cNvPr id="8" name="CasellaDiTesto 7">
+            <a:extLst>
+              <a:ext uri="{FF2B5EF4-FFF2-40B4-BE49-F238E27FC236}">
+                <a16:creationId xmlns:a16="http://schemas.microsoft.com/office/drawing/2014/main" id="{6233CA3E-EC90-45E6-AEB4-97EA60D5D5F6}"/>
+              </a:ext>
+            </a:extLst>
+          </p:cNvPr>
+          <p:cNvSpPr txBox="1"/>
+          <p:nvPr/>
+        </p:nvSpPr>
+        <p:spPr>
+          <a:xfrm>
+            <a:off x="185840" y="1638081"/>
+            <a:ext cx="2496711" cy="3754874"/>
+          </a:xfrm>
+          <a:prstGeom prst="rect">
+            <a:avLst/>
+          </a:prstGeom>
+          <a:noFill/>
+        </p:spPr>
+        <p:txBody>
+          <a:bodyPr wrap="square" rtlCol="0">
+            <a:spAutoFit/>
+          </a:bodyPr>
+          <a:lstStyle/>
+          <a:p>
+            <a:pPr marL="514350" indent="-514350">
+              <a:buFont typeface="+mj-lt"/>
+              <a:buAutoNum type="arabicPeriod"/>
+            </a:pPr>
+            <a:r>
+              <a:rPr lang="it-IT" sz="2000" dirty="0">
+                <a:solidFill>
+                  <a:srgbClr val="002060"/>
+                </a:solidFill>
+                <a:ea typeface="Doulos SIL" panose="02000500070000020004" pitchFamily="2" charset="0"/>
+                <a:cs typeface="Doulos SIL" panose="02000500070000020004" pitchFamily="2" charset="0"/>
+              </a:rPr>
+              <a:t>Descrizione del problema</a:t>
+            </a:r>
+          </a:p>
+          <a:p>
+            <a:pPr marL="514350" indent="-514350">
+              <a:buFont typeface="+mj-lt"/>
+              <a:buAutoNum type="arabicPeriod"/>
+            </a:pPr>
+            <a:r>
+              <a:rPr lang="it-IT" sz="2000" b="1" dirty="0">
+                <a:solidFill>
+                  <a:srgbClr val="C00000"/>
+                </a:solidFill>
+                <a:ea typeface="Doulos SIL" panose="02000500070000020004" pitchFamily="2" charset="0"/>
+                <a:cs typeface="Doulos SIL" panose="02000500070000020004" pitchFamily="2" charset="0"/>
+              </a:rPr>
+              <a:t>Obiettivo della procedura</a:t>
+            </a:r>
+          </a:p>
+          <a:p>
+            <a:pPr marL="514350" indent="-514350">
+              <a:buFont typeface="+mj-lt"/>
+              <a:buAutoNum type="arabicPeriod"/>
+            </a:pPr>
+            <a:r>
+              <a:rPr lang="it-IT" sz="2000" dirty="0">
+                <a:solidFill>
+                  <a:srgbClr val="002060"/>
+                </a:solidFill>
+                <a:ea typeface="Doulos SIL" panose="02000500070000020004" pitchFamily="2" charset="0"/>
+                <a:cs typeface="Doulos SIL" panose="02000500070000020004" pitchFamily="2" charset="0"/>
+              </a:rPr>
+              <a:t>Formulazione matematica</a:t>
+            </a:r>
+          </a:p>
+          <a:p>
+            <a:pPr marL="514350" indent="-514350">
+              <a:buFont typeface="+mj-lt"/>
+              <a:buAutoNum type="arabicPeriod"/>
+            </a:pPr>
+            <a:r>
+              <a:rPr lang="it-IT" sz="2000" dirty="0">
+                <a:solidFill>
+                  <a:srgbClr val="002060"/>
+                </a:solidFill>
+                <a:ea typeface="Doulos SIL" panose="02000500070000020004" pitchFamily="2" charset="0"/>
+                <a:cs typeface="Doulos SIL" panose="02000500070000020004" pitchFamily="2" charset="0"/>
+              </a:rPr>
+              <a:t>Tecnica di minimizzazione</a:t>
+            </a:r>
+          </a:p>
+          <a:p>
+            <a:pPr marL="514350" indent="-514350">
+              <a:buFont typeface="+mj-lt"/>
+              <a:buAutoNum type="arabicPeriod"/>
+            </a:pPr>
+            <a:r>
+              <a:rPr lang="it-IT" sz="2000" dirty="0">
+                <a:solidFill>
+                  <a:srgbClr val="002060"/>
+                </a:solidFill>
+                <a:ea typeface="Doulos SIL" panose="02000500070000020004" pitchFamily="2" charset="0"/>
+                <a:cs typeface="Doulos SIL" panose="02000500070000020004" pitchFamily="2" charset="0"/>
+              </a:rPr>
+              <a:t>Esperimenti</a:t>
+            </a:r>
+          </a:p>
+          <a:p>
+            <a:pPr marL="514350" indent="-514350">
+              <a:buFont typeface="+mj-lt"/>
+              <a:buAutoNum type="arabicPeriod"/>
+            </a:pPr>
+            <a:r>
+              <a:rPr lang="it-IT" sz="2000" dirty="0">
+                <a:solidFill>
+                  <a:srgbClr val="002060"/>
+                </a:solidFill>
+                <a:ea typeface="Doulos SIL" panose="02000500070000020004" pitchFamily="2" charset="0"/>
+                <a:cs typeface="Doulos SIL" panose="02000500070000020004" pitchFamily="2" charset="0"/>
+              </a:rPr>
+              <a:t>Risultati e conclusioni</a:t>
+            </a:r>
+          </a:p>
+          <a:p>
+            <a:endParaRPr lang="it-IT" dirty="0"/>
+          </a:p>
+        </p:txBody>
+      </p:sp>
+      <p:sp>
+        <p:nvSpPr>
+          <p:cNvPr id="9" name="Rettangolo 8">
+            <a:extLst>
+              <a:ext uri="{FF2B5EF4-FFF2-40B4-BE49-F238E27FC236}">
+                <a16:creationId xmlns:a16="http://schemas.microsoft.com/office/drawing/2014/main" id="{AFC5AF51-03DA-4E84-AF8E-DD4492141387}"/>
+              </a:ext>
+            </a:extLst>
+          </p:cNvPr>
+          <p:cNvSpPr/>
+          <p:nvPr/>
+        </p:nvSpPr>
+        <p:spPr>
+          <a:xfrm>
+            <a:off x="124825" y="74645"/>
+            <a:ext cx="2441093" cy="6708709"/>
+          </a:xfrm>
+          <a:prstGeom prst="rect">
+            <a:avLst/>
+          </a:prstGeom>
+          <a:noFill/>
+        </p:spPr>
+        <p:style>
+          <a:lnRef idx="2">
+            <a:schemeClr val="accent1"/>
+          </a:lnRef>
+          <a:fillRef idx="1">
+            <a:schemeClr val="lt1"/>
+          </a:fillRef>
+          <a:effectRef idx="0">
+            <a:schemeClr val="accent1"/>
+          </a:effectRef>
+          <a:fontRef idx="minor">
+            <a:schemeClr val="dk1"/>
+          </a:fontRef>
+        </p:style>
+        <p:txBody>
+          <a:bodyPr rtlCol="0" anchor="ctr"/>
+          <a:lstStyle/>
+          <a:p>
+            <a:pPr algn="ctr"/>
+            <a:endParaRPr lang="it-IT"/>
+          </a:p>
+        </p:txBody>
+      </p:sp>
     </p:spTree>
     <p:extLst>
       <p:ext uri="{BB962C8B-B14F-4D97-AF65-F5344CB8AC3E}">
@@ -8530,13 +10627,13 @@
         </p:nvSpPr>
         <p:spPr>
           <a:xfrm>
-            <a:off x="851874" y="1335991"/>
-            <a:ext cx="10205622" cy="1073614"/>
+            <a:off x="2873108" y="1325583"/>
+            <a:ext cx="8150232" cy="956990"/>
           </a:xfrm>
         </p:spPr>
         <p:txBody>
           <a:bodyPr>
-            <a:normAutofit fontScale="92500"/>
+            <a:normAutofit lnSpcReduction="10000"/>
           </a:bodyPr>
           <a:lstStyle/>
           <a:p>
@@ -8555,7 +10652,7 @@
                 <a:ea typeface="Doulos SIL" panose="02000500070000020004" pitchFamily="2" charset="0"/>
                 <a:cs typeface="Doulos SIL" panose="02000500070000020004" pitchFamily="2" charset="0"/>
               </a:rPr>
-              <a:t>La legge di </a:t>
+              <a:t>Applichiamo la legge di </a:t>
             </a:r>
             <a:r>
               <a:rPr lang="it-IT" b="1" i="1" dirty="0">
@@ -8588,29 +10685,7 @@
                 <a:ea typeface="Doulos SIL" panose="02000500070000020004" pitchFamily="2" charset="0"/>
                 <a:cs typeface="Doulos SIL" panose="02000500070000020004" pitchFamily="2" charset="0"/>
               </a:rPr>
-              <a:t> permette di valutare il campo magnetico </a:t>
-            </a:r>
-            <a:r>
-              <a:rPr lang="it-IT" b="1" i="1" dirty="0">
-                <a:solidFill>
-                  <a:srgbClr val="C00000"/>
-                </a:solidFill>
-                <a:latin typeface="+mj-lt"/>
-                <a:ea typeface="Doulos SIL" panose="02000500070000020004" pitchFamily="2" charset="0"/>
-                <a:cs typeface="Doulos SIL" panose="02000500070000020004" pitchFamily="2" charset="0"/>
-              </a:rPr>
-              <a:t>B</a:t>
-            </a:r>
-            <a:r>
-              <a:rPr lang="it-IT" dirty="0">
-                <a:solidFill>
-                  <a:srgbClr val="002060"/>
-                </a:solidFill>
-                <a:latin typeface="+mj-lt"/>
-                <a:ea typeface="Doulos SIL" panose="02000500070000020004" pitchFamily="2" charset="0"/>
-                <a:cs typeface="Doulos SIL" panose="02000500070000020004" pitchFamily="2" charset="0"/>
-              </a:rPr>
-              <a:t> prodotto in un punto dello spazio da una spira percorsa da corrente elettrica:</a:t>
+              <a:t> (ad una assegnata sorgente corrisponde un campo calcolato):</a:t>
             </a:r>
           </a:p>
         </p:txBody>
@@ -8629,8 +10704,8 @@
         </p:nvSpPr>
         <p:spPr>
           <a:xfrm>
-            <a:off x="938212" y="3261129"/>
-            <a:ext cx="10119284" cy="1384995"/>
+            <a:off x="3150638" y="3286152"/>
+            <a:ext cx="8400660" cy="830997"/>
           </a:xfrm>
           <a:prstGeom prst="rect">
             <a:avLst/>
@@ -8644,7 +10719,7 @@
           <a:lstStyle/>
           <a:p>
             <a:r>
-              <a:rPr lang="it-IT" sz="2800" dirty="0">
+              <a:rPr lang="it-IT" sz="2400" dirty="0">
                 <a:solidFill>
                   <a:srgbClr val="002060"/>
                 </a:solidFill>
@@ -8652,10 +10727,21 @@
                 <a:ea typeface="Doulos SIL" panose="02000500070000020004" pitchFamily="2" charset="0"/>
                 <a:cs typeface="Doulos SIL" panose="02000500070000020004" pitchFamily="2" charset="0"/>
               </a:rPr>
-              <a:t>Considerando adesso la </a:t>
-            </a:r>
-            <a:r>
-              <a:rPr lang="it-IT" sz="2800" b="1" i="1" dirty="0">
+              <a:t>Per l’effetto della linearità applichiamo la</a:t>
+            </a:r>
+            <a:r>
+              <a:rPr lang="it-IT" sz="2400" b="1" i="1" dirty="0">
+                <a:solidFill>
+                  <a:srgbClr val="002060"/>
+                </a:solidFill>
+                <a:latin typeface="+mj-lt"/>
+                <a:ea typeface="Doulos SIL" panose="02000500070000020004" pitchFamily="2" charset="0"/>
+                <a:cs typeface="Doulos SIL" panose="02000500070000020004" pitchFamily="2" charset="0"/>
+              </a:rPr>
+              <a:t> </a:t>
+            </a:r>
+            <a:r>
+              <a:rPr lang="it-IT" sz="2400" b="1" i="1" dirty="0">
                 <a:solidFill>
                   <a:srgbClr val="C00000"/>
                 </a:solidFill>
@@ -8663,10 +10749,10 @@
                 <a:ea typeface="Doulos SIL" panose="02000500070000020004" pitchFamily="2" charset="0"/>
                 <a:cs typeface="Doulos SIL" panose="02000500070000020004" pitchFamily="2" charset="0"/>
               </a:rPr>
-              <a:t>sovrapposizione degli effetti </a:t>
-            </a:r>
-            <a:r>
-              <a:rPr lang="it-IT" sz="2800" dirty="0">
+              <a:t>sovrapposizione degli effetti, </a:t>
+            </a:r>
+            <a:r>
+              <a:rPr lang="it-IT" sz="2400" dirty="0">
                 <a:solidFill>
                   <a:srgbClr val="002060"/>
                 </a:solidFill>
@@ -8674,54 +10760,21 @@
                 <a:ea typeface="Doulos SIL" panose="02000500070000020004" pitchFamily="2" charset="0"/>
                 <a:cs typeface="Doulos SIL" panose="02000500070000020004" pitchFamily="2" charset="0"/>
               </a:rPr>
-              <a:t>di tutte le spire del sistema e tenendo presente che </a:t>
-            </a:r>
-            <a:r>
-              <a:rPr lang="it-IT" sz="2800" b="1" i="1" dirty="0">
-                <a:solidFill>
-                  <a:srgbClr val="C00000"/>
+              <a:t>il campo magnetico complessivo sull’asse </a:t>
+            </a:r>
+            <a:r>
+              <a:rPr lang="it-IT" sz="2400" i="1" dirty="0">
+                <a:solidFill>
+                  <a:srgbClr val="002060"/>
                 </a:solidFill>
                 <a:latin typeface="+mj-lt"/>
                 <a:ea typeface="Doulos SIL" panose="02000500070000020004" pitchFamily="2" charset="0"/>
                 <a:cs typeface="Doulos SIL" panose="02000500070000020004" pitchFamily="2" charset="0"/>
               </a:rPr>
-              <a:t>le spire sono simmetriche rispetto al piano </a:t>
-            </a:r>
-            <a:r>
-              <a:rPr lang="it-IT" sz="2800" b="1" i="1" dirty="0" err="1">
-                <a:solidFill>
-                  <a:srgbClr val="C00000"/>
-                </a:solidFill>
-                <a:latin typeface="+mj-lt"/>
-                <a:ea typeface="Doulos SIL" panose="02000500070000020004" pitchFamily="2" charset="0"/>
-                <a:cs typeface="Doulos SIL" panose="02000500070000020004" pitchFamily="2" charset="0"/>
-              </a:rPr>
-              <a:t>rθ</a:t>
-            </a:r>
-            <a:r>
-              <a:rPr lang="it-IT" sz="2800" dirty="0">
-                <a:solidFill>
-                  <a:srgbClr val="002060"/>
-                </a:solidFill>
-                <a:latin typeface="+mj-lt"/>
-                <a:ea typeface="Doulos SIL" panose="02000500070000020004" pitchFamily="2" charset="0"/>
-                <a:cs typeface="Doulos SIL" panose="02000500070000020004" pitchFamily="2" charset="0"/>
-              </a:rPr>
-              <a:t>, il campo magnetico complessivo sull’asse </a:t>
-            </a:r>
-            <a:r>
-              <a:rPr lang="it-IT" sz="2800" i="1" dirty="0">
-                <a:solidFill>
-                  <a:srgbClr val="002060"/>
-                </a:solidFill>
-                <a:latin typeface="+mj-lt"/>
-                <a:ea typeface="Doulos SIL" panose="02000500070000020004" pitchFamily="2" charset="0"/>
-                <a:cs typeface="Doulos SIL" panose="02000500070000020004" pitchFamily="2" charset="0"/>
-              </a:rPr>
               <a:t>z</a:t>
             </a:r>
             <a:r>
-              <a:rPr lang="it-IT" sz="2800" dirty="0">
+              <a:rPr lang="it-IT" sz="2400" dirty="0">
                 <a:solidFill>
                   <a:srgbClr val="002060"/>
                 </a:solidFill>
@@ -8756,38 +10809,8 @@
         </p:blipFill>
         <p:spPr>
           <a:xfrm>
-            <a:off x="3830794" y="2409605"/>
+            <a:off x="4531464" y="2330655"/>
             <a:ext cx="4287521" cy="956992"/>
-          </a:xfrm>
-          <a:prstGeom prst="rect">
-            <a:avLst/>
-          </a:prstGeom>
-        </p:spPr>
-      </p:pic>
-      <p:pic>
-        <p:nvPicPr>
-          <p:cNvPr id="6" name="Immagine 6">
-            <a:extLst>
-              <a:ext uri="{FF2B5EF4-FFF2-40B4-BE49-F238E27FC236}">
-                <a16:creationId xmlns:a16="http://schemas.microsoft.com/office/drawing/2014/main" id="{8614A75A-CFE3-4937-AFBA-A33E09422A72}"/>
-              </a:ext>
-            </a:extLst>
-          </p:cNvPr>
-          <p:cNvPicPr>
-            <a:picLocks noChangeAspect="1"/>
-          </p:cNvPicPr>
-          <p:nvPr/>
-        </p:nvPicPr>
-        <p:blipFill>
-          <a:blip r:embed="rId4"/>
-          <a:stretch>
-            <a:fillRect/>
-          </a:stretch>
-        </p:blipFill>
-        <p:spPr>
-          <a:xfrm>
-            <a:off x="3174673" y="4414177"/>
-            <a:ext cx="5161755" cy="1908003"/>
           </a:xfrm>
           <a:prstGeom prst="rect">
             <a:avLst/>
@@ -8810,8 +10833,8 @@
         </p:nvCxnSpPr>
         <p:spPr>
           <a:xfrm>
-            <a:off x="938212" y="1200354"/>
-            <a:ext cx="10301288" cy="0"/>
+            <a:off x="2682551" y="1200354"/>
+            <a:ext cx="8556949" cy="0"/>
           </a:xfrm>
           <a:prstGeom prst="line">
             <a:avLst/>
@@ -8848,8 +10871,8 @@
         </p:nvSpPr>
         <p:spPr>
           <a:xfrm>
-            <a:off x="823910" y="306548"/>
-            <a:ext cx="6986239" cy="1054100"/>
+            <a:off x="2682551" y="247682"/>
+            <a:ext cx="8258312" cy="1054100"/>
           </a:xfrm>
           <a:prstGeom prst="rect">
             <a:avLst/>
@@ -8887,7 +10910,7 @@
                 <a:ea typeface="Doulos SIL" panose="02000500070000020004" pitchFamily="2" charset="0"/>
                 <a:cs typeface="Doulos SIL" panose="02000500070000020004" pitchFamily="2" charset="0"/>
               </a:rPr>
-              <a:t>3. Formulazione matematica</a:t>
+              <a:t>3. Formulazione matematica (1/3)</a:t>
             </a:r>
           </a:p>
         </p:txBody>
@@ -8908,8 +10931,8 @@
         </p:nvCxnSpPr>
         <p:spPr>
           <a:xfrm>
-            <a:off x="823911" y="6362854"/>
-            <a:ext cx="10301288" cy="0"/>
+            <a:off x="2799184" y="6362854"/>
+            <a:ext cx="8584163" cy="0"/>
           </a:xfrm>
           <a:prstGeom prst="line">
             <a:avLst/>
@@ -8944,7 +10967,7 @@
         </p:nvSpPr>
         <p:spPr>
           <a:xfrm>
-            <a:off x="7963565" y="2579645"/>
+            <a:off x="9380847" y="2545291"/>
             <a:ext cx="745725" cy="369332"/>
           </a:xfrm>
           <a:prstGeom prst="rect">
@@ -8979,8 +11002,8 @@
         </p:nvSpPr>
         <p:spPr>
           <a:xfrm>
-            <a:off x="8602462" y="5131293"/>
-            <a:ext cx="523783" cy="369332"/>
+            <a:off x="9380847" y="5055607"/>
+            <a:ext cx="467437" cy="368788"/>
           </a:xfrm>
           <a:prstGeom prst="rect">
             <a:avLst/>
@@ -9000,6 +11023,215 @@
           </a:p>
         </p:txBody>
       </p:sp>
+      <p:sp>
+        <p:nvSpPr>
+          <p:cNvPr id="12" name="CasellaDiTesto 11">
+            <a:extLst>
+              <a:ext uri="{FF2B5EF4-FFF2-40B4-BE49-F238E27FC236}">
+                <a16:creationId xmlns:a16="http://schemas.microsoft.com/office/drawing/2014/main" id="{85203D56-7CE6-4FF6-BAE3-DAB0816595D2}"/>
+              </a:ext>
+            </a:extLst>
+          </p:cNvPr>
+          <p:cNvSpPr txBox="1"/>
+          <p:nvPr/>
+        </p:nvSpPr>
+        <p:spPr>
+          <a:xfrm>
+            <a:off x="126012" y="1653978"/>
+            <a:ext cx="2699052" cy="3754874"/>
+          </a:xfrm>
+          <a:prstGeom prst="rect">
+            <a:avLst/>
+          </a:prstGeom>
+          <a:noFill/>
+        </p:spPr>
+        <p:txBody>
+          <a:bodyPr wrap="square" rtlCol="0">
+            <a:spAutoFit/>
+          </a:bodyPr>
+          <a:lstStyle/>
+          <a:p>
+            <a:pPr marL="514350" indent="-514350">
+              <a:buFont typeface="+mj-lt"/>
+              <a:buAutoNum type="arabicPeriod"/>
+            </a:pPr>
+            <a:r>
+              <a:rPr lang="it-IT" sz="2000" dirty="0">
+                <a:solidFill>
+                  <a:srgbClr val="002060"/>
+                </a:solidFill>
+                <a:ea typeface="Doulos SIL" panose="02000500070000020004" pitchFamily="2" charset="0"/>
+                <a:cs typeface="Doulos SIL" panose="02000500070000020004" pitchFamily="2" charset="0"/>
+              </a:rPr>
+              <a:t>Descrizione del problema</a:t>
+            </a:r>
+          </a:p>
+          <a:p>
+            <a:pPr marL="514350" indent="-514350">
+              <a:buFont typeface="+mj-lt"/>
+              <a:buAutoNum type="arabicPeriod"/>
+            </a:pPr>
+            <a:r>
+              <a:rPr lang="it-IT" sz="2000" dirty="0">
+                <a:solidFill>
+                  <a:srgbClr val="002060"/>
+                </a:solidFill>
+                <a:ea typeface="Doulos SIL" panose="02000500070000020004" pitchFamily="2" charset="0"/>
+                <a:cs typeface="Doulos SIL" panose="02000500070000020004" pitchFamily="2" charset="0"/>
+              </a:rPr>
+              <a:t>Obiettivo della procedura</a:t>
+            </a:r>
+          </a:p>
+          <a:p>
+            <a:pPr marL="514350" indent="-514350">
+              <a:buFont typeface="+mj-lt"/>
+              <a:buAutoNum type="arabicPeriod"/>
+            </a:pPr>
+            <a:r>
+              <a:rPr lang="it-IT" sz="2000" b="1" dirty="0">
+                <a:solidFill>
+                  <a:srgbClr val="C00000"/>
+                </a:solidFill>
+                <a:ea typeface="Doulos SIL" panose="02000500070000020004" pitchFamily="2" charset="0"/>
+                <a:cs typeface="Doulos SIL" panose="02000500070000020004" pitchFamily="2" charset="0"/>
+              </a:rPr>
+              <a:t>Formulazione matematica (1/3)</a:t>
+            </a:r>
+          </a:p>
+          <a:p>
+            <a:pPr marL="514350" indent="-514350">
+              <a:buFont typeface="+mj-lt"/>
+              <a:buAutoNum type="arabicPeriod"/>
+            </a:pPr>
+            <a:r>
+              <a:rPr lang="it-IT" sz="2000" dirty="0">
+                <a:solidFill>
+                  <a:srgbClr val="002060"/>
+                </a:solidFill>
+                <a:ea typeface="Doulos SIL" panose="02000500070000020004" pitchFamily="2" charset="0"/>
+                <a:cs typeface="Doulos SIL" panose="02000500070000020004" pitchFamily="2" charset="0"/>
+              </a:rPr>
+              <a:t>Tecnica di minimizzazione</a:t>
+            </a:r>
+          </a:p>
+          <a:p>
+            <a:pPr marL="514350" indent="-514350">
+              <a:buFont typeface="+mj-lt"/>
+              <a:buAutoNum type="arabicPeriod"/>
+            </a:pPr>
+            <a:r>
+              <a:rPr lang="it-IT" sz="2000" dirty="0">
+                <a:solidFill>
+                  <a:srgbClr val="002060"/>
+                </a:solidFill>
+                <a:ea typeface="Doulos SIL" panose="02000500070000020004" pitchFamily="2" charset="0"/>
+                <a:cs typeface="Doulos SIL" panose="02000500070000020004" pitchFamily="2" charset="0"/>
+              </a:rPr>
+              <a:t>Esperimenti</a:t>
+            </a:r>
+          </a:p>
+          <a:p>
+            <a:pPr marL="514350" indent="-514350">
+              <a:buFont typeface="+mj-lt"/>
+              <a:buAutoNum type="arabicPeriod"/>
+            </a:pPr>
+            <a:r>
+              <a:rPr lang="it-IT" sz="2000" dirty="0">
+                <a:solidFill>
+                  <a:srgbClr val="002060"/>
+                </a:solidFill>
+                <a:ea typeface="Doulos SIL" panose="02000500070000020004" pitchFamily="2" charset="0"/>
+                <a:cs typeface="Doulos SIL" panose="02000500070000020004" pitchFamily="2" charset="0"/>
+              </a:rPr>
+              <a:t>Risultati e conclusioni</a:t>
+            </a:r>
+          </a:p>
+          <a:p>
+            <a:endParaRPr lang="it-IT" dirty="0"/>
+          </a:p>
+        </p:txBody>
+      </p:sp>
+      <p:sp>
+        <p:nvSpPr>
+          <p:cNvPr id="13" name="Rettangolo 12">
+            <a:extLst>
+              <a:ext uri="{FF2B5EF4-FFF2-40B4-BE49-F238E27FC236}">
+                <a16:creationId xmlns:a16="http://schemas.microsoft.com/office/drawing/2014/main" id="{3BE2A8B0-5798-4F75-B84B-D143DBC2CBE1}"/>
+              </a:ext>
+            </a:extLst>
+          </p:cNvPr>
+          <p:cNvSpPr/>
+          <p:nvPr/>
+        </p:nvSpPr>
+        <p:spPr>
+          <a:xfrm>
+            <a:off x="124825" y="74645"/>
+            <a:ext cx="2490301" cy="6708709"/>
+          </a:xfrm>
+          <a:prstGeom prst="rect">
+            <a:avLst/>
+          </a:prstGeom>
+          <a:noFill/>
+        </p:spPr>
+        <p:style>
+          <a:lnRef idx="2">
+            <a:schemeClr val="accent1"/>
+          </a:lnRef>
+          <a:fillRef idx="1">
+            <a:schemeClr val="lt1"/>
+          </a:fillRef>
+          <a:effectRef idx="0">
+            <a:schemeClr val="accent1"/>
+          </a:effectRef>
+          <a:fontRef idx="minor">
+            <a:schemeClr val="dk1"/>
+          </a:fontRef>
+        </p:style>
+        <p:txBody>
+          <a:bodyPr rtlCol="0" anchor="ctr"/>
+          <a:lstStyle/>
+          <a:p>
+            <a:pPr algn="ctr"/>
+            <a:endParaRPr lang="it-IT"/>
+          </a:p>
+        </p:txBody>
+      </p:sp>
+      <p:pic>
+        <p:nvPicPr>
+          <p:cNvPr id="17" name="Immagine 16">
+            <a:extLst>
+              <a:ext uri="{FF2B5EF4-FFF2-40B4-BE49-F238E27FC236}">
+                <a16:creationId xmlns:a16="http://schemas.microsoft.com/office/drawing/2014/main" id="{D0EB495F-469B-45D6-8987-CE6448F53624}"/>
+              </a:ext>
+            </a:extLst>
+          </p:cNvPr>
+          <p:cNvPicPr>
+            <a:picLocks noChangeAspect="1"/>
+          </p:cNvPicPr>
+          <p:nvPr/>
+        </p:nvPicPr>
+        <p:blipFill>
+          <a:blip r:embed="rId4">
+            <a:extLst>
+              <a:ext uri="{28A0092B-C50C-407E-A947-70E740481C1C}">
+                <a14:useLocalDpi xmlns:a14="http://schemas.microsoft.com/office/drawing/2010/main" val="0"/>
+              </a:ext>
+            </a:extLst>
+          </a:blip>
+          <a:stretch>
+            <a:fillRect/>
+          </a:stretch>
+        </p:blipFill>
+        <p:spPr>
+          <a:xfrm>
+            <a:off x="4188938" y="4241649"/>
+            <a:ext cx="4981971" cy="1843129"/>
+          </a:xfrm>
+          <a:prstGeom prst="rect">
+            <a:avLst/>
+          </a:prstGeom>
+        </p:spPr>
+      </p:pic>
     </p:spTree>
     <p:extLst>
       <p:ext uri="{BB962C8B-B14F-4D97-AF65-F5344CB8AC3E}">
@@ -9045,8 +11277,8 @@
           <a:chExt cx="0" cy="0"/>
         </a:xfrm>
       </p:grpSpPr>
-      <mc:AlternateContent xmlns:mc="http://schemas.openxmlformats.org/markup-compatibility/2006" xmlns:a14="http://schemas.microsoft.com/office/drawing/2010/main">
-        <mc:Choice Requires="a14">
+      <mc:AlternateContent xmlns:mc="http://schemas.openxmlformats.org/markup-compatibility/2006">
+        <mc:Choice xmlns:a14="http://schemas.microsoft.com/office/drawing/2010/main" Requires="a14">
           <p:sp>
             <p:nvSpPr>
               <p:cNvPr id="3" name="Segnaposto contenuto 2">
@@ -9065,8 +11297,8 @@
             </p:nvSpPr>
             <p:spPr>
               <a:xfrm>
-                <a:off x="851874" y="1335990"/>
-                <a:ext cx="10205622" cy="4866563"/>
+                <a:off x="2841990" y="1335990"/>
+                <a:ext cx="8215505" cy="4866563"/>
               </a:xfrm>
             </p:spPr>
             <p:txBody>
@@ -9084,7 +11316,7 @@
                     <a:ea typeface="Doulos SIL" panose="02000500070000020004" pitchFamily="2" charset="0"/>
                     <a:cs typeface="Doulos SIL" panose="02000500070000020004" pitchFamily="2" charset="0"/>
                   </a:rPr>
-                  <a:t>Problema: minimizzare la discrepanza tra il campo magnetico da progettare e quello desiderato: </a:t>
+                  <a:t>Problema: minimizzare la discrepanza tra il campo magnetico da progettare e quello desiderato punto per punto: </a:t>
                 </a:r>
                 <a14:m>
                   <m:oMath xmlns:m="http://schemas.openxmlformats.org/officeDocument/2006/math">
@@ -9253,7 +11485,7 @@
                     <a:ea typeface="Doulos SIL" panose="02000500070000020004" pitchFamily="2" charset="0"/>
                     <a:cs typeface="Doulos SIL" panose="02000500070000020004" pitchFamily="2" charset="0"/>
                   </a:rPr>
-                  <a:t>Per la simmetria del problema, i contributi relativi alle spire </a:t>
+                  <a:t>Per effetto della conoscenza del campo assegnato i contributi relativi alle coppie </a:t>
                 </a:r>
                 <a:r>
                   <a:rPr lang="it-IT" i="1" dirty="0">
@@ -9313,7 +11545,7 @@
             </p:txBody>
           </p:sp>
         </mc:Choice>
-        <mc:Fallback xmlns="">
+        <mc:Fallback>
           <p:sp>
             <p:nvSpPr>
               <p:cNvPr id="3" name="Segnaposto contenuto 2">
@@ -9332,13 +11564,13 @@
             </p:nvSpPr>
             <p:spPr>
               <a:xfrm>
-                <a:off x="851874" y="1335990"/>
-                <a:ext cx="10205622" cy="4866563"/>
+                <a:off x="2841990" y="1335990"/>
+                <a:ext cx="8215505" cy="4866563"/>
               </a:xfrm>
               <a:blipFill>
                 <a:blip r:embed="rId3"/>
                 <a:stretch>
-                  <a:fillRect l="-1075" t="-2005"/>
+                  <a:fillRect l="-1335" t="-2005"/>
                 </a:stretch>
               </a:blipFill>
             </p:spPr>
@@ -9373,8 +11605,8 @@
         </p:nvCxnSpPr>
         <p:spPr>
           <a:xfrm>
-            <a:off x="938212" y="1200354"/>
-            <a:ext cx="10301288" cy="0"/>
+            <a:off x="2892490" y="1200354"/>
+            <a:ext cx="8347010" cy="0"/>
           </a:xfrm>
           <a:prstGeom prst="line">
             <a:avLst/>
@@ -9411,8 +11643,8 @@
         </p:nvSpPr>
         <p:spPr>
           <a:xfrm>
-            <a:off x="823911" y="306548"/>
-            <a:ext cx="6667458" cy="1054100"/>
+            <a:off x="2682551" y="281890"/>
+            <a:ext cx="7506478" cy="1054100"/>
           </a:xfrm>
           <a:prstGeom prst="rect">
             <a:avLst/>
@@ -9420,7 +11652,7 @@
         </p:spPr>
         <p:txBody>
           <a:bodyPr vert="horz" lIns="91440" tIns="45720" rIns="91440" bIns="45720" rtlCol="0" anchor="ctr">
-            <a:normAutofit/>
+            <a:normAutofit fontScale="92500"/>
           </a:bodyPr>
           <a:lstStyle>
             <a:lvl1pPr algn="l" defTabSz="914400" rtl="0" eaLnBrk="1" latinLnBrk="0" hangingPunct="1">
@@ -9450,7 +11682,7 @@
                 <a:ea typeface="Doulos SIL" panose="02000500070000020004" pitchFamily="2" charset="0"/>
                 <a:cs typeface="Doulos SIL" panose="02000500070000020004" pitchFamily="2" charset="0"/>
               </a:rPr>
-              <a:t>3. Formulazione matematica</a:t>
+              <a:t>3. Formulazione matematica (2/3)</a:t>
             </a:r>
           </a:p>
         </p:txBody>
@@ -9471,8 +11703,8 @@
         </p:nvCxnSpPr>
         <p:spPr>
           <a:xfrm>
-            <a:off x="823911" y="6362854"/>
-            <a:ext cx="10301288" cy="0"/>
+            <a:off x="2995127" y="6362854"/>
+            <a:ext cx="8419321" cy="0"/>
           </a:xfrm>
           <a:prstGeom prst="line">
             <a:avLst/>
@@ -9493,12 +11725,220 @@
           </a:fontRef>
         </p:style>
       </p:cxnSp>
+      <p:sp>
+        <p:nvSpPr>
+          <p:cNvPr id="2" name="CasellaDiTesto 1">
+            <a:extLst>
+              <a:ext uri="{FF2B5EF4-FFF2-40B4-BE49-F238E27FC236}">
+                <a16:creationId xmlns:a16="http://schemas.microsoft.com/office/drawing/2014/main" id="{9A35AF52-3B39-486D-9EE9-5F570BE2EF6E}"/>
+              </a:ext>
+            </a:extLst>
+          </p:cNvPr>
+          <p:cNvSpPr txBox="1"/>
+          <p:nvPr/>
+        </p:nvSpPr>
+        <p:spPr>
+          <a:xfrm>
+            <a:off x="11115017" y="4561221"/>
+            <a:ext cx="509369" cy="369332"/>
+          </a:xfrm>
+          <a:prstGeom prst="rect">
+            <a:avLst/>
+          </a:prstGeom>
+          <a:noFill/>
+        </p:spPr>
+        <p:txBody>
+          <a:bodyPr wrap="square" rtlCol="0">
+            <a:spAutoFit/>
+          </a:bodyPr>
+          <a:lstStyle/>
+          <a:p>
+            <a:r>
+              <a:rPr lang="it-IT" dirty="0"/>
+              <a:t>(3)</a:t>
+            </a:r>
+          </a:p>
+        </p:txBody>
+      </p:sp>
+      <p:sp>
+        <p:nvSpPr>
+          <p:cNvPr id="10" name="CasellaDiTesto 9">
+            <a:extLst>
+              <a:ext uri="{FF2B5EF4-FFF2-40B4-BE49-F238E27FC236}">
+                <a16:creationId xmlns:a16="http://schemas.microsoft.com/office/drawing/2014/main" id="{86D5C859-2F87-46C9-98B8-1BE705AB4C75}"/>
+              </a:ext>
+            </a:extLst>
+          </p:cNvPr>
+          <p:cNvSpPr txBox="1"/>
+          <p:nvPr/>
+        </p:nvSpPr>
+        <p:spPr>
+          <a:xfrm>
+            <a:off x="110289" y="1643285"/>
+            <a:ext cx="2572262" cy="3754874"/>
+          </a:xfrm>
+          <a:prstGeom prst="rect">
+            <a:avLst/>
+          </a:prstGeom>
+          <a:noFill/>
+        </p:spPr>
+        <p:txBody>
+          <a:bodyPr wrap="square" rtlCol="0">
+            <a:spAutoFit/>
+          </a:bodyPr>
+          <a:lstStyle/>
+          <a:p>
+            <a:pPr marL="514350" indent="-514350">
+              <a:buFont typeface="+mj-lt"/>
+              <a:buAutoNum type="arabicPeriod"/>
+            </a:pPr>
+            <a:r>
+              <a:rPr lang="it-IT" sz="2000" dirty="0">
+                <a:solidFill>
+                  <a:srgbClr val="002060"/>
+                </a:solidFill>
+                <a:ea typeface="Doulos SIL" panose="02000500070000020004" pitchFamily="2" charset="0"/>
+                <a:cs typeface="Doulos SIL" panose="02000500070000020004" pitchFamily="2" charset="0"/>
+              </a:rPr>
+              <a:t>Descrizione del problema</a:t>
+            </a:r>
+          </a:p>
+          <a:p>
+            <a:pPr marL="514350" indent="-514350">
+              <a:buFont typeface="+mj-lt"/>
+              <a:buAutoNum type="arabicPeriod"/>
+            </a:pPr>
+            <a:r>
+              <a:rPr lang="it-IT" sz="2000" dirty="0">
+                <a:solidFill>
+                  <a:srgbClr val="002060"/>
+                </a:solidFill>
+                <a:ea typeface="Doulos SIL" panose="02000500070000020004" pitchFamily="2" charset="0"/>
+                <a:cs typeface="Doulos SIL" panose="02000500070000020004" pitchFamily="2" charset="0"/>
+              </a:rPr>
+              <a:t>Obiettivo della procedura</a:t>
+            </a:r>
+          </a:p>
+          <a:p>
+            <a:pPr marL="514350" indent="-514350">
+              <a:buFont typeface="+mj-lt"/>
+              <a:buAutoNum type="arabicPeriod"/>
+            </a:pPr>
+            <a:r>
+              <a:rPr lang="it-IT" sz="2000" b="1" dirty="0">
+                <a:solidFill>
+                  <a:srgbClr val="C00000"/>
+                </a:solidFill>
+                <a:ea typeface="Doulos SIL" panose="02000500070000020004" pitchFamily="2" charset="0"/>
+                <a:cs typeface="Doulos SIL" panose="02000500070000020004" pitchFamily="2" charset="0"/>
+              </a:rPr>
+              <a:t>Formulazione matematica (2/3)</a:t>
+            </a:r>
+          </a:p>
+          <a:p>
+            <a:pPr marL="514350" indent="-514350">
+              <a:buFont typeface="+mj-lt"/>
+              <a:buAutoNum type="arabicPeriod"/>
+            </a:pPr>
+            <a:r>
+              <a:rPr lang="it-IT" sz="2000" dirty="0">
+                <a:solidFill>
+                  <a:srgbClr val="002060"/>
+                </a:solidFill>
+                <a:ea typeface="Doulos SIL" panose="02000500070000020004" pitchFamily="2" charset="0"/>
+                <a:cs typeface="Doulos SIL" panose="02000500070000020004" pitchFamily="2" charset="0"/>
+              </a:rPr>
+              <a:t>Tecnica di minimizzazione</a:t>
+            </a:r>
+          </a:p>
+          <a:p>
+            <a:pPr marL="514350" indent="-514350">
+              <a:buFont typeface="+mj-lt"/>
+              <a:buAutoNum type="arabicPeriod"/>
+            </a:pPr>
+            <a:r>
+              <a:rPr lang="it-IT" sz="2000" dirty="0">
+                <a:solidFill>
+                  <a:srgbClr val="002060"/>
+                </a:solidFill>
+                <a:ea typeface="Doulos SIL" panose="02000500070000020004" pitchFamily="2" charset="0"/>
+                <a:cs typeface="Doulos SIL" panose="02000500070000020004" pitchFamily="2" charset="0"/>
+              </a:rPr>
+              <a:t>Esperimenti</a:t>
+            </a:r>
+          </a:p>
+          <a:p>
+            <a:pPr marL="514350" indent="-514350">
+              <a:buFont typeface="+mj-lt"/>
+              <a:buAutoNum type="arabicPeriod"/>
+            </a:pPr>
+            <a:r>
+              <a:rPr lang="it-IT" sz="2000" dirty="0">
+                <a:solidFill>
+                  <a:srgbClr val="002060"/>
+                </a:solidFill>
+                <a:ea typeface="Doulos SIL" panose="02000500070000020004" pitchFamily="2" charset="0"/>
+                <a:cs typeface="Doulos SIL" panose="02000500070000020004" pitchFamily="2" charset="0"/>
+              </a:rPr>
+              <a:t>Risultati e conclusioni</a:t>
+            </a:r>
+          </a:p>
+          <a:p>
+            <a:endParaRPr lang="it-IT" dirty="0"/>
+          </a:p>
+        </p:txBody>
+      </p:sp>
+      <p:sp>
+        <p:nvSpPr>
+          <p:cNvPr id="11" name="Rettangolo 10">
+            <a:extLst>
+              <a:ext uri="{FF2B5EF4-FFF2-40B4-BE49-F238E27FC236}">
+                <a16:creationId xmlns:a16="http://schemas.microsoft.com/office/drawing/2014/main" id="{A854EFB2-8CC2-4D32-B2A2-90BEA3C52A5D}"/>
+              </a:ext>
+            </a:extLst>
+          </p:cNvPr>
+          <p:cNvSpPr/>
+          <p:nvPr/>
+        </p:nvSpPr>
+        <p:spPr>
+          <a:xfrm>
+            <a:off x="124825" y="74645"/>
+            <a:ext cx="2441093" cy="6708709"/>
+          </a:xfrm>
+          <a:prstGeom prst="rect">
+            <a:avLst/>
+          </a:prstGeom>
+          <a:noFill/>
+        </p:spPr>
+        <p:style>
+          <a:lnRef idx="2">
+            <a:schemeClr val="accent1"/>
+          </a:lnRef>
+          <a:fillRef idx="1">
+            <a:schemeClr val="lt1"/>
+          </a:fillRef>
+          <a:effectRef idx="0">
+            <a:schemeClr val="accent1"/>
+          </a:effectRef>
+          <a:fontRef idx="minor">
+            <a:schemeClr val="dk1"/>
+          </a:fontRef>
+        </p:style>
+        <p:txBody>
+          <a:bodyPr rtlCol="0" anchor="ctr"/>
+          <a:lstStyle/>
+          <a:p>
+            <a:pPr algn="ctr"/>
+            <a:endParaRPr lang="it-IT"/>
+          </a:p>
+        </p:txBody>
+      </p:sp>
       <p:pic>
         <p:nvPicPr>
-          <p:cNvPr id="5" name="Immagine 4">
-            <a:extLst>
-              <a:ext uri="{FF2B5EF4-FFF2-40B4-BE49-F238E27FC236}">
-                <a16:creationId xmlns:a16="http://schemas.microsoft.com/office/drawing/2014/main" id="{1FE6AEC3-803F-48E9-90A7-C6BB6A1CD148}"/>
+          <p:cNvPr id="13" name="Immagine 12">
+            <a:extLst>
+              <a:ext uri="{FF2B5EF4-FFF2-40B4-BE49-F238E27FC236}">
+                <a16:creationId xmlns:a16="http://schemas.microsoft.com/office/drawing/2014/main" id="{208E31B4-9D54-41D9-ACBC-9A5E9EF5C302}"/>
               </a:ext>
             </a:extLst>
           </p:cNvPr>
@@ -9521,49 +11961,14 @@
         </p:blipFill>
         <p:spPr>
           <a:xfrm>
-            <a:off x="1577947" y="3429000"/>
-            <a:ext cx="8753475" cy="2552700"/>
+            <a:off x="3163846" y="4050235"/>
+            <a:ext cx="7571792" cy="2040522"/>
           </a:xfrm>
           <a:prstGeom prst="rect">
             <a:avLst/>
           </a:prstGeom>
         </p:spPr>
       </p:pic>
-      <p:sp>
-        <p:nvSpPr>
-          <p:cNvPr id="2" name="CasellaDiTesto 1">
-            <a:extLst>
-              <a:ext uri="{FF2B5EF4-FFF2-40B4-BE49-F238E27FC236}">
-                <a16:creationId xmlns:a16="http://schemas.microsoft.com/office/drawing/2014/main" id="{9A35AF52-3B39-486D-9EE9-5F570BE2EF6E}"/>
-              </a:ext>
-            </a:extLst>
-          </p:cNvPr>
-          <p:cNvSpPr txBox="1"/>
-          <p:nvPr/>
-        </p:nvSpPr>
-        <p:spPr>
-          <a:xfrm>
-            <a:off x="10911163" y="4234649"/>
-            <a:ext cx="509369" cy="369332"/>
-          </a:xfrm>
-          <a:prstGeom prst="rect">
-            <a:avLst/>
-          </a:prstGeom>
-          <a:noFill/>
-        </p:spPr>
-        <p:txBody>
-          <a:bodyPr wrap="square" rtlCol="0">
-            <a:spAutoFit/>
-          </a:bodyPr>
-          <a:lstStyle/>
-          <a:p>
-            <a:r>
-              <a:rPr lang="it-IT" dirty="0"/>
-              <a:t>(3)</a:t>
-            </a:r>
-          </a:p>
-        </p:txBody>
-      </p:sp>
     </p:spTree>
     <p:extLst>
       <p:ext uri="{BB962C8B-B14F-4D97-AF65-F5344CB8AC3E}">
@@ -9609,8 +12014,8 @@
           <a:chExt cx="0" cy="0"/>
         </a:xfrm>
       </p:grpSpPr>
-      <mc:AlternateContent xmlns:mc="http://schemas.openxmlformats.org/markup-compatibility/2006" xmlns:a14="http://schemas.microsoft.com/office/drawing/2010/main">
-        <mc:Choice Requires="a14">
+      <mc:AlternateContent xmlns:mc="http://schemas.openxmlformats.org/markup-compatibility/2006">
+        <mc:Choice xmlns:a14="http://schemas.microsoft.com/office/drawing/2010/main" Requires="a14">
           <p:sp>
             <p:nvSpPr>
               <p:cNvPr id="3" name="Segnaposto contenuto 2">
@@ -9629,8 +12034,8 @@
             </p:nvSpPr>
             <p:spPr>
               <a:xfrm>
-                <a:off x="1064047" y="1623533"/>
-                <a:ext cx="9866808" cy="4634654"/>
+                <a:off x="2797813" y="1461476"/>
+                <a:ext cx="8133042" cy="4796711"/>
               </a:xfrm>
             </p:spPr>
             <p:txBody>
@@ -9886,7 +12291,7 @@
             </p:txBody>
           </p:sp>
         </mc:Choice>
-        <mc:Fallback xmlns="">
+        <mc:Fallback>
           <p:sp>
             <p:nvSpPr>
               <p:cNvPr id="3" name="Segnaposto contenuto 2">
@@ -9905,13 +12310,13 @@
             </p:nvSpPr>
             <p:spPr>
               <a:xfrm>
-                <a:off x="1064047" y="1623533"/>
-                <a:ext cx="9866808" cy="4634654"/>
+                <a:off x="2797813" y="1461476"/>
+                <a:ext cx="8133042" cy="4796711"/>
               </a:xfrm>
               <a:blipFill>
                 <a:blip r:embed="rId3"/>
                 <a:stretch>
-                  <a:fillRect l="-989" t="-1577"/>
+                  <a:fillRect l="-1199" t="-1525" r="-1649"/>
                 </a:stretch>
               </a:blipFill>
             </p:spPr>
@@ -9952,8 +12357,8 @@
         </p:blipFill>
         <p:spPr>
           <a:xfrm>
-            <a:off x="1261145" y="3294626"/>
-            <a:ext cx="9544718" cy="1939841"/>
+            <a:off x="3036784" y="3240895"/>
+            <a:ext cx="8125966" cy="1651498"/>
           </a:xfrm>
           <a:prstGeom prst="rect">
             <a:avLst/>
@@ -9976,8 +12381,8 @@
         </p:nvCxnSpPr>
         <p:spPr>
           <a:xfrm>
-            <a:off x="938212" y="1393301"/>
-            <a:ext cx="10301288" cy="0"/>
+            <a:off x="2682551" y="1393301"/>
+            <a:ext cx="8556949" cy="0"/>
           </a:xfrm>
           <a:prstGeom prst="line">
             <a:avLst/>
@@ -10014,7 +12419,7 @@
         </p:nvSpPr>
         <p:spPr>
           <a:xfrm>
-            <a:off x="823910" y="499495"/>
+            <a:off x="2596867" y="407376"/>
             <a:ext cx="8178047" cy="1054100"/>
           </a:xfrm>
           <a:prstGeom prst="rect">
@@ -10023,7 +12428,7 @@
         </p:spPr>
         <p:txBody>
           <a:bodyPr vert="horz" lIns="91440" tIns="45720" rIns="91440" bIns="45720" rtlCol="0" anchor="ctr">
-            <a:normAutofit fontScale="92500" lnSpcReduction="20000"/>
+            <a:normAutofit/>
           </a:bodyPr>
           <a:lstStyle>
             <a:lvl1pPr algn="l" defTabSz="914400" rtl="0" eaLnBrk="1" latinLnBrk="0" hangingPunct="1">
@@ -10053,26 +12458,7 @@
                 <a:ea typeface="Doulos SIL" panose="02000500070000020004" pitchFamily="2" charset="0"/>
                 <a:cs typeface="Doulos SIL" panose="02000500070000020004" pitchFamily="2" charset="0"/>
               </a:rPr>
-              <a:t>3. Formulazione matematica:</a:t>
-            </a:r>
-            <a:br>
-              <a:rPr lang="it-IT" b="1" dirty="0">
-                <a:solidFill>
-                  <a:srgbClr val="002060"/>
-                </a:solidFill>
-                <a:ea typeface="Doulos SIL" panose="02000500070000020004" pitchFamily="2" charset="0"/>
-                <a:cs typeface="Doulos SIL" panose="02000500070000020004" pitchFamily="2" charset="0"/>
-              </a:rPr>
-            </a:br>
-            <a:r>
-              <a:rPr lang="it-IT" b="1" dirty="0">
-                <a:solidFill>
-                  <a:srgbClr val="002060"/>
-                </a:solidFill>
-                <a:ea typeface="Doulos SIL" panose="02000500070000020004" pitchFamily="2" charset="0"/>
-                <a:cs typeface="Doulos SIL" panose="02000500070000020004" pitchFamily="2" charset="0"/>
-              </a:rPr>
-              <a:t>Campionamento e normalizzazione</a:t>
+              <a:t>3. Formulazione matematica (3/3)</a:t>
             </a:r>
           </a:p>
         </p:txBody>
@@ -10093,8 +12479,8 @@
         </p:nvCxnSpPr>
         <p:spPr>
           <a:xfrm>
-            <a:off x="823911" y="6357584"/>
-            <a:ext cx="10301288" cy="0"/>
+            <a:off x="2985796" y="6357584"/>
+            <a:ext cx="8139403" cy="0"/>
           </a:xfrm>
           <a:prstGeom prst="line">
             <a:avLst/>
@@ -10129,7 +12515,7 @@
         </p:nvSpPr>
         <p:spPr>
           <a:xfrm>
-            <a:off x="10921125" y="4003807"/>
+            <a:off x="11131801" y="3975815"/>
             <a:ext cx="636749" cy="369332"/>
           </a:xfrm>
           <a:prstGeom prst="rect">
@@ -10146,6 +12532,214 @@
             <a:r>
               <a:rPr lang="it-IT" dirty="0"/>
               <a:t>(4)</a:t>
+            </a:r>
+          </a:p>
+        </p:txBody>
+      </p:sp>
+      <p:sp>
+        <p:nvSpPr>
+          <p:cNvPr id="9" name="CasellaDiTesto 8">
+            <a:extLst>
+              <a:ext uri="{FF2B5EF4-FFF2-40B4-BE49-F238E27FC236}">
+                <a16:creationId xmlns:a16="http://schemas.microsoft.com/office/drawing/2014/main" id="{20514A30-5978-43CD-A98D-A34D49A1F9A0}"/>
+              </a:ext>
+            </a:extLst>
+          </p:cNvPr>
+          <p:cNvSpPr txBox="1"/>
+          <p:nvPr/>
+        </p:nvSpPr>
+        <p:spPr>
+          <a:xfrm>
+            <a:off x="185840" y="1638081"/>
+            <a:ext cx="2496711" cy="3754874"/>
+          </a:xfrm>
+          <a:prstGeom prst="rect">
+            <a:avLst/>
+          </a:prstGeom>
+          <a:noFill/>
+        </p:spPr>
+        <p:txBody>
+          <a:bodyPr wrap="square" rtlCol="0">
+            <a:spAutoFit/>
+          </a:bodyPr>
+          <a:lstStyle/>
+          <a:p>
+            <a:pPr marL="514350" indent="-514350">
+              <a:buFont typeface="+mj-lt"/>
+              <a:buAutoNum type="arabicPeriod"/>
+            </a:pPr>
+            <a:r>
+              <a:rPr lang="it-IT" sz="2000" dirty="0">
+                <a:solidFill>
+                  <a:srgbClr val="002060"/>
+                </a:solidFill>
+                <a:ea typeface="Doulos SIL" panose="02000500070000020004" pitchFamily="2" charset="0"/>
+                <a:cs typeface="Doulos SIL" panose="02000500070000020004" pitchFamily="2" charset="0"/>
+              </a:rPr>
+              <a:t>Descrizione del problema</a:t>
+            </a:r>
+          </a:p>
+          <a:p>
+            <a:pPr marL="514350" indent="-514350">
+              <a:buFont typeface="+mj-lt"/>
+              <a:buAutoNum type="arabicPeriod"/>
+            </a:pPr>
+            <a:r>
+              <a:rPr lang="it-IT" sz="2000" dirty="0">
+                <a:solidFill>
+                  <a:srgbClr val="002060"/>
+                </a:solidFill>
+                <a:ea typeface="Doulos SIL" panose="02000500070000020004" pitchFamily="2" charset="0"/>
+                <a:cs typeface="Doulos SIL" panose="02000500070000020004" pitchFamily="2" charset="0"/>
+              </a:rPr>
+              <a:t>Obiettivo della procedura</a:t>
+            </a:r>
+          </a:p>
+          <a:p>
+            <a:pPr marL="514350" indent="-514350">
+              <a:buFont typeface="+mj-lt"/>
+              <a:buAutoNum type="arabicPeriod"/>
+            </a:pPr>
+            <a:r>
+              <a:rPr lang="it-IT" sz="2000" b="1" dirty="0">
+                <a:solidFill>
+                  <a:srgbClr val="C00000"/>
+                </a:solidFill>
+                <a:ea typeface="Doulos SIL" panose="02000500070000020004" pitchFamily="2" charset="0"/>
+                <a:cs typeface="Doulos SIL" panose="02000500070000020004" pitchFamily="2" charset="0"/>
+              </a:rPr>
+              <a:t>Formulazione matematica</a:t>
+            </a:r>
+          </a:p>
+          <a:p>
+            <a:pPr marL="514350" indent="-514350">
+              <a:buFont typeface="+mj-lt"/>
+              <a:buAutoNum type="arabicPeriod"/>
+            </a:pPr>
+            <a:r>
+              <a:rPr lang="it-IT" sz="2000" dirty="0">
+                <a:solidFill>
+                  <a:srgbClr val="002060"/>
+                </a:solidFill>
+                <a:ea typeface="Doulos SIL" panose="02000500070000020004" pitchFamily="2" charset="0"/>
+                <a:cs typeface="Doulos SIL" panose="02000500070000020004" pitchFamily="2" charset="0"/>
+              </a:rPr>
+              <a:t>Tecnica di minimizzazione</a:t>
+            </a:r>
+          </a:p>
+          <a:p>
+            <a:pPr marL="514350" indent="-514350">
+              <a:buFont typeface="+mj-lt"/>
+              <a:buAutoNum type="arabicPeriod"/>
+            </a:pPr>
+            <a:r>
+              <a:rPr lang="it-IT" sz="2000" dirty="0">
+                <a:solidFill>
+                  <a:srgbClr val="002060"/>
+                </a:solidFill>
+                <a:ea typeface="Doulos SIL" panose="02000500070000020004" pitchFamily="2" charset="0"/>
+                <a:cs typeface="Doulos SIL" panose="02000500070000020004" pitchFamily="2" charset="0"/>
+              </a:rPr>
+              <a:t>Esperimenti</a:t>
+            </a:r>
+          </a:p>
+          <a:p>
+            <a:pPr marL="514350" indent="-514350">
+              <a:buFont typeface="+mj-lt"/>
+              <a:buAutoNum type="arabicPeriod"/>
+            </a:pPr>
+            <a:r>
+              <a:rPr lang="it-IT" sz="2000" dirty="0">
+                <a:solidFill>
+                  <a:srgbClr val="002060"/>
+                </a:solidFill>
+                <a:ea typeface="Doulos SIL" panose="02000500070000020004" pitchFamily="2" charset="0"/>
+                <a:cs typeface="Doulos SIL" panose="02000500070000020004" pitchFamily="2" charset="0"/>
+              </a:rPr>
+              <a:t>Risultati e conclusioni</a:t>
+            </a:r>
+          </a:p>
+          <a:p>
+            <a:endParaRPr lang="it-IT" dirty="0"/>
+          </a:p>
+        </p:txBody>
+      </p:sp>
+      <p:sp>
+        <p:nvSpPr>
+          <p:cNvPr id="10" name="Rettangolo 9">
+            <a:extLst>
+              <a:ext uri="{FF2B5EF4-FFF2-40B4-BE49-F238E27FC236}">
+                <a16:creationId xmlns:a16="http://schemas.microsoft.com/office/drawing/2014/main" id="{98790955-3D41-4D80-837B-A0B968ACFB01}"/>
+              </a:ext>
+            </a:extLst>
+          </p:cNvPr>
+          <p:cNvSpPr/>
+          <p:nvPr/>
+        </p:nvSpPr>
+        <p:spPr>
+          <a:xfrm>
+            <a:off x="124825" y="74645"/>
+            <a:ext cx="2441093" cy="6708709"/>
+          </a:xfrm>
+          <a:prstGeom prst="rect">
+            <a:avLst/>
+          </a:prstGeom>
+          <a:noFill/>
+        </p:spPr>
+        <p:style>
+          <a:lnRef idx="2">
+            <a:schemeClr val="accent1"/>
+          </a:lnRef>
+          <a:fillRef idx="1">
+            <a:schemeClr val="lt1"/>
+          </a:fillRef>
+          <a:effectRef idx="0">
+            <a:schemeClr val="accent1"/>
+          </a:effectRef>
+          <a:fontRef idx="minor">
+            <a:schemeClr val="dk1"/>
+          </a:fontRef>
+        </p:style>
+        <p:txBody>
+          <a:bodyPr rtlCol="0" anchor="ctr"/>
+          <a:lstStyle/>
+          <a:p>
+            <a:pPr algn="ctr"/>
+            <a:endParaRPr lang="it-IT"/>
+          </a:p>
+        </p:txBody>
+      </p:sp>
+      <p:sp>
+        <p:nvSpPr>
+          <p:cNvPr id="12" name="CasellaDiTesto 11">
+            <a:extLst>
+              <a:ext uri="{FF2B5EF4-FFF2-40B4-BE49-F238E27FC236}">
+                <a16:creationId xmlns:a16="http://schemas.microsoft.com/office/drawing/2014/main" id="{195FD18F-95F1-4415-953B-900757C22815}"/>
+              </a:ext>
+            </a:extLst>
+          </p:cNvPr>
+          <p:cNvSpPr txBox="1"/>
+          <p:nvPr/>
+        </p:nvSpPr>
+        <p:spPr>
+          <a:xfrm>
+            <a:off x="3433665" y="5206482"/>
+            <a:ext cx="2006082" cy="830997"/>
+          </a:xfrm>
+          <a:prstGeom prst="rect">
+            <a:avLst/>
+          </a:prstGeom>
+          <a:noFill/>
+        </p:spPr>
+        <p:txBody>
+          <a:bodyPr wrap="square" rtlCol="0">
+            <a:spAutoFit/>
+          </a:bodyPr>
+          <a:lstStyle/>
+          <a:p>
+            <a:r>
+              <a:rPr lang="it-IT" sz="4800" dirty="0"/>
+              <a:t>???</a:t>
             </a:r>
           </a:p>
         </p:txBody>
@@ -10213,13 +12807,13 @@
         </p:nvSpPr>
         <p:spPr>
           <a:xfrm>
-            <a:off x="920839" y="1564513"/>
-            <a:ext cx="4028666" cy="4586770"/>
+            <a:off x="2626933" y="1638081"/>
+            <a:ext cx="3858208" cy="4318059"/>
           </a:xfrm>
         </p:spPr>
         <p:txBody>
           <a:bodyPr vert="horz" lIns="91440" tIns="45720" rIns="91440" bIns="45720" rtlCol="0" anchor="t">
-            <a:normAutofit/>
+            <a:normAutofit lnSpcReduction="10000"/>
           </a:bodyPr>
           <a:lstStyle/>
           <a:p>
@@ -10387,8 +12981,8 @@
         </p:blipFill>
         <p:spPr>
           <a:xfrm>
-            <a:off x="5043688" y="420177"/>
-            <a:ext cx="7044326" cy="5731107"/>
+            <a:off x="6098440" y="1278300"/>
+            <a:ext cx="5989574" cy="4872984"/>
           </a:xfrm>
           <a:prstGeom prst="rect">
             <a:avLst/>
@@ -10411,7 +13005,7 @@
         </p:nvSpPr>
         <p:spPr>
           <a:xfrm>
-            <a:off x="431174" y="420904"/>
+            <a:off x="2935172" y="224200"/>
             <a:ext cx="7044326" cy="1054100"/>
           </a:xfrm>
           <a:prstGeom prst="rect">
@@ -10420,7 +13014,7 @@
         </p:spPr>
         <p:txBody>
           <a:bodyPr vert="horz" lIns="91440" tIns="45720" rIns="91440" bIns="45720" rtlCol="0" anchor="ctr">
-            <a:normAutofit fontScale="92500" lnSpcReduction="20000"/>
+            <a:normAutofit/>
           </a:bodyPr>
           <a:lstStyle>
             <a:lvl1pPr algn="l" defTabSz="914400" rtl="0" eaLnBrk="1" latinLnBrk="0" hangingPunct="1">
@@ -10450,7 +13044,7 @@
                 <a:ea typeface="Doulos SIL" panose="02000500070000020004" pitchFamily="2" charset="0"/>
                 <a:cs typeface="Doulos SIL" panose="02000500070000020004" pitchFamily="2" charset="0"/>
               </a:rPr>
-              <a:t>4. Tecnica di ricerca del minimo: simplesso</a:t>
+              <a:t>4. Tecnica di minimizzazione</a:t>
             </a:r>
           </a:p>
         </p:txBody>
@@ -10471,8 +13065,219 @@
         </p:nvCxnSpPr>
         <p:spPr>
           <a:xfrm>
-            <a:off x="823911" y="6357584"/>
-            <a:ext cx="11264103" cy="0"/>
+            <a:off x="3051110" y="6357584"/>
+            <a:ext cx="9036904" cy="0"/>
+          </a:xfrm>
+          <a:prstGeom prst="line">
+            <a:avLst/>
+          </a:prstGeom>
+        </p:spPr>
+        <p:style>
+          <a:lnRef idx="1">
+            <a:schemeClr val="accent1"/>
+          </a:lnRef>
+          <a:fillRef idx="0">
+            <a:schemeClr val="accent1"/>
+          </a:fillRef>
+          <a:effectRef idx="0">
+            <a:schemeClr val="accent1"/>
+          </a:effectRef>
+          <a:fontRef idx="minor">
+            <a:schemeClr val="tx1"/>
+          </a:fontRef>
+        </p:style>
+      </p:cxnSp>
+      <p:sp>
+        <p:nvSpPr>
+          <p:cNvPr id="6" name="CasellaDiTesto 5">
+            <a:extLst>
+              <a:ext uri="{FF2B5EF4-FFF2-40B4-BE49-F238E27FC236}">
+                <a16:creationId xmlns:a16="http://schemas.microsoft.com/office/drawing/2014/main" id="{8CE65E07-2486-4766-97CC-0D33D2F2A305}"/>
+              </a:ext>
+            </a:extLst>
+          </p:cNvPr>
+          <p:cNvSpPr txBox="1"/>
+          <p:nvPr/>
+        </p:nvSpPr>
+        <p:spPr>
+          <a:xfrm>
+            <a:off x="185840" y="1638081"/>
+            <a:ext cx="2496711" cy="3754874"/>
+          </a:xfrm>
+          <a:prstGeom prst="rect">
+            <a:avLst/>
+          </a:prstGeom>
+          <a:noFill/>
+        </p:spPr>
+        <p:txBody>
+          <a:bodyPr wrap="square" rtlCol="0">
+            <a:spAutoFit/>
+          </a:bodyPr>
+          <a:lstStyle/>
+          <a:p>
+            <a:pPr marL="514350" indent="-514350">
+              <a:buFont typeface="+mj-lt"/>
+              <a:buAutoNum type="arabicPeriod"/>
+            </a:pPr>
+            <a:r>
+              <a:rPr lang="it-IT" sz="2000" dirty="0">
+                <a:solidFill>
+                  <a:srgbClr val="002060"/>
+                </a:solidFill>
+                <a:ea typeface="Doulos SIL" panose="02000500070000020004" pitchFamily="2" charset="0"/>
+                <a:cs typeface="Doulos SIL" panose="02000500070000020004" pitchFamily="2" charset="0"/>
+              </a:rPr>
+              <a:t>Descrizione del problema</a:t>
+            </a:r>
+          </a:p>
+          <a:p>
+            <a:pPr marL="514350" indent="-514350">
+              <a:buFont typeface="+mj-lt"/>
+              <a:buAutoNum type="arabicPeriod"/>
+            </a:pPr>
+            <a:r>
+              <a:rPr lang="it-IT" sz="2000" dirty="0">
+                <a:solidFill>
+                  <a:srgbClr val="002060"/>
+                </a:solidFill>
+                <a:ea typeface="Doulos SIL" panose="02000500070000020004" pitchFamily="2" charset="0"/>
+                <a:cs typeface="Doulos SIL" panose="02000500070000020004" pitchFamily="2" charset="0"/>
+              </a:rPr>
+              <a:t>Obiettivo della procedura</a:t>
+            </a:r>
+          </a:p>
+          <a:p>
+            <a:pPr marL="514350" indent="-514350">
+              <a:buFont typeface="+mj-lt"/>
+              <a:buAutoNum type="arabicPeriod"/>
+            </a:pPr>
+            <a:r>
+              <a:rPr lang="it-IT" sz="2000" dirty="0">
+                <a:solidFill>
+                  <a:srgbClr val="002060"/>
+                </a:solidFill>
+                <a:ea typeface="Doulos SIL" panose="02000500070000020004" pitchFamily="2" charset="0"/>
+                <a:cs typeface="Doulos SIL" panose="02000500070000020004" pitchFamily="2" charset="0"/>
+              </a:rPr>
+              <a:t>Formulazione matematica</a:t>
+            </a:r>
+          </a:p>
+          <a:p>
+            <a:pPr marL="514350" indent="-514350">
+              <a:buFont typeface="+mj-lt"/>
+              <a:buAutoNum type="arabicPeriod"/>
+            </a:pPr>
+            <a:r>
+              <a:rPr lang="it-IT" sz="2000" b="1" dirty="0">
+                <a:solidFill>
+                  <a:srgbClr val="C00000"/>
+                </a:solidFill>
+                <a:ea typeface="Doulos SIL" panose="02000500070000020004" pitchFamily="2" charset="0"/>
+                <a:cs typeface="Doulos SIL" panose="02000500070000020004" pitchFamily="2" charset="0"/>
+              </a:rPr>
+              <a:t>Tecnica di minimizzazione</a:t>
+            </a:r>
+          </a:p>
+          <a:p>
+            <a:pPr marL="514350" indent="-514350">
+              <a:buFont typeface="+mj-lt"/>
+              <a:buAutoNum type="arabicPeriod"/>
+            </a:pPr>
+            <a:r>
+              <a:rPr lang="it-IT" sz="2000" dirty="0">
+                <a:solidFill>
+                  <a:srgbClr val="002060"/>
+                </a:solidFill>
+                <a:ea typeface="Doulos SIL" panose="02000500070000020004" pitchFamily="2" charset="0"/>
+                <a:cs typeface="Doulos SIL" panose="02000500070000020004" pitchFamily="2" charset="0"/>
+              </a:rPr>
+              <a:t>Esperimenti</a:t>
+            </a:r>
+          </a:p>
+          <a:p>
+            <a:pPr marL="514350" indent="-514350">
+              <a:buFont typeface="+mj-lt"/>
+              <a:buAutoNum type="arabicPeriod"/>
+            </a:pPr>
+            <a:r>
+              <a:rPr lang="it-IT" sz="2000" dirty="0">
+                <a:solidFill>
+                  <a:srgbClr val="002060"/>
+                </a:solidFill>
+                <a:ea typeface="Doulos SIL" panose="02000500070000020004" pitchFamily="2" charset="0"/>
+                <a:cs typeface="Doulos SIL" panose="02000500070000020004" pitchFamily="2" charset="0"/>
+              </a:rPr>
+              <a:t>Risultati e conclusioni</a:t>
+            </a:r>
+          </a:p>
+          <a:p>
+            <a:endParaRPr lang="it-IT" dirty="0"/>
+          </a:p>
+        </p:txBody>
+      </p:sp>
+      <p:sp>
+        <p:nvSpPr>
+          <p:cNvPr id="9" name="Rettangolo 8">
+            <a:extLst>
+              <a:ext uri="{FF2B5EF4-FFF2-40B4-BE49-F238E27FC236}">
+                <a16:creationId xmlns:a16="http://schemas.microsoft.com/office/drawing/2014/main" id="{C7AF98B1-99E9-4D4B-80C2-99B7D8905D48}"/>
+              </a:ext>
+            </a:extLst>
+          </p:cNvPr>
+          <p:cNvSpPr/>
+          <p:nvPr/>
+        </p:nvSpPr>
+        <p:spPr>
+          <a:xfrm>
+            <a:off x="124825" y="74645"/>
+            <a:ext cx="2441093" cy="6708709"/>
+          </a:xfrm>
+          <a:prstGeom prst="rect">
+            <a:avLst/>
+          </a:prstGeom>
+          <a:noFill/>
+        </p:spPr>
+        <p:style>
+          <a:lnRef idx="2">
+            <a:schemeClr val="accent1"/>
+          </a:lnRef>
+          <a:fillRef idx="1">
+            <a:schemeClr val="lt1"/>
+          </a:fillRef>
+          <a:effectRef idx="0">
+            <a:schemeClr val="accent1"/>
+          </a:effectRef>
+          <a:fontRef idx="minor">
+            <a:schemeClr val="dk1"/>
+          </a:fontRef>
+        </p:style>
+        <p:txBody>
+          <a:bodyPr rtlCol="0" anchor="ctr"/>
+          <a:lstStyle/>
+          <a:p>
+            <a:pPr algn="ctr"/>
+            <a:endParaRPr lang="it-IT"/>
+          </a:p>
+        </p:txBody>
+      </p:sp>
+      <p:cxnSp>
+        <p:nvCxnSpPr>
+          <p:cNvPr id="10" name="Connettore diritto 9">
+            <a:extLst>
+              <a:ext uri="{FF2B5EF4-FFF2-40B4-BE49-F238E27FC236}">
+                <a16:creationId xmlns:a16="http://schemas.microsoft.com/office/drawing/2014/main" id="{1E9BA4A1-956C-4ABE-B013-88A506A4BE39}"/>
+              </a:ext>
+            </a:extLst>
+          </p:cNvPr>
+          <p:cNvCxnSpPr>
+            <a:cxnSpLocks/>
+          </p:cNvCxnSpPr>
+          <p:nvPr/>
+        </p:nvCxnSpPr>
+        <p:spPr>
+          <a:xfrm>
+            <a:off x="2935172" y="1126221"/>
+            <a:ext cx="9036904" cy="0"/>
           </a:xfrm>
           <a:prstGeom prst="line">
             <a:avLst/>
@@ -10570,7 +13375,7 @@
                   <a:srgbClr val="002060"/>
                 </a:solidFill>
               </a:rPr>
-              <a:t>4. Demo simplesso</a:t>
+              <a:t>4. Tecnica di minimizzazione: Demo simplesso</a:t>
             </a:r>
           </a:p>
         </p:txBody>

--- a/writeup/Slides.pptx
+++ b/writeup/Slides.pptx
@@ -163,9 +163,9 @@
 <p1510:revInfo xmlns:a="http://schemas.openxmlformats.org/drawingml/2006/main" xmlns:r="http://schemas.openxmlformats.org/officeDocument/2006/relationships" xmlns:p1510="http://schemas.microsoft.com/office/powerpoint/2015/10/main">
   <p1510:revLst>
     <p1510:client id="{84FA5B88-F502-465F-ACC7-B7F033E01A7E}" v="316" dt="2018-12-03T21:06:04.939"/>
+    <p1510:client id="{F5E20A4E-8911-3E51-843F-2BA95DB8A042}" v="24" dt="2018-12-03T22:13:51.207"/>
+    <p1510:client id="{7AD5030A-0C67-41A6-858C-383DC736EF4C}" v="138" dt="2018-12-03T20:56:55.360"/>
     <p1510:client id="{10F92BBE-6513-4C7B-0321-95D3B136DA99}" v="1" dt="2018-12-03T23:17:59.267"/>
-    <p1510:client id="{7AD5030A-0C67-41A6-858C-383DC736EF4C}" v="138" dt="2018-12-03T20:56:55.360"/>
-    <p1510:client id="{F5E20A4E-8911-3E51-843F-2BA95DB8A042}" v="24" dt="2018-12-03T22:13:51.207"/>
     <p1510:client id="{B86D841B-CFA6-4940-9543-14A01CCDC4E9}" v="20" dt="2018-12-03T21:21:49.560"/>
     <p1510:client id="{28CE7897-7DD4-B384-ED67-5DAB5D70B2F6}" v="181" dt="2018-12-03T23:45:00.352"/>
   </p1510:revLst>
@@ -3564,7 +3564,7 @@
           <a:p>
             <a:pPr algn="r"/>
             <a:r>
-              <a:rPr lang="it-IT">
+              <a:rPr lang="it-IT" dirty="0">
                 <a:latin typeface="Doulos SIL" panose="02000500070000020004" pitchFamily="2" charset="0"/>
                 <a:ea typeface="Doulos SIL" panose="02000500070000020004" pitchFamily="2" charset="0"/>
                 <a:cs typeface="Doulos SIL" panose="02000500070000020004" pitchFamily="2" charset="0"/>
@@ -3575,7 +3575,7 @@
           <a:p>
             <a:pPr algn="r"/>
             <a:r>
-              <a:rPr lang="it-IT" b="1">
+              <a:rPr lang="it-IT" b="1" dirty="0">
                 <a:latin typeface="Doulos SIL" panose="02000500070000020004" pitchFamily="2" charset="0"/>
                 <a:ea typeface="Doulos SIL" panose="02000500070000020004" pitchFamily="2" charset="0"/>
                 <a:cs typeface="Doulos SIL" panose="02000500070000020004" pitchFamily="2" charset="0"/>
@@ -3586,7 +3586,7 @@
           <a:p>
             <a:pPr algn="r"/>
             <a:r>
-              <a:rPr lang="it-IT" b="1">
+              <a:rPr lang="it-IT" b="1" dirty="0">
                 <a:latin typeface="Doulos SIL" panose="02000500070000020004" pitchFamily="2" charset="0"/>
                 <a:ea typeface="Doulos SIL" panose="02000500070000020004" pitchFamily="2" charset="0"/>
                 <a:cs typeface="Doulos SIL" panose="02000500070000020004" pitchFamily="2" charset="0"/>
@@ -3597,7 +3597,7 @@
           <a:p>
             <a:pPr algn="r"/>
             <a:r>
-              <a:rPr lang="it-IT" b="1">
+              <a:rPr lang="it-IT" b="1" dirty="0">
                 <a:latin typeface="Doulos SIL" panose="02000500070000020004" pitchFamily="2" charset="0"/>
                 <a:ea typeface="Doulos SIL" panose="02000500070000020004" pitchFamily="2" charset="0"/>
                 <a:cs typeface="Doulos SIL" panose="02000500070000020004" pitchFamily="2" charset="0"/>
@@ -6952,8 +6952,8 @@
         </p:blipFill>
         <p:spPr>
           <a:xfrm>
-            <a:off x="4663440" y="1182780"/>
-            <a:ext cx="7172960" cy="3100519"/>
+            <a:off x="4838562" y="3221066"/>
+            <a:ext cx="7042457" cy="3044109"/>
           </a:xfrm>
           <a:prstGeom prst="rect">
             <a:avLst/>
@@ -6982,14 +6982,73 @@
         </p:blipFill>
         <p:spPr>
           <a:xfrm>
-            <a:off x="6207760" y="4187326"/>
-            <a:ext cx="4917440" cy="1988548"/>
+            <a:off x="7137878" y="1303002"/>
+            <a:ext cx="4743141" cy="1918064"/>
           </a:xfrm>
           <a:prstGeom prst="rect">
             <a:avLst/>
           </a:prstGeom>
         </p:spPr>
       </p:pic>
+      <p:sp>
+        <p:nvSpPr>
+          <p:cNvPr id="2" name="CasellaDiTesto 1">
+            <a:extLst>
+              <a:ext uri="{FF2B5EF4-FFF2-40B4-BE49-F238E27FC236}">
+                <a16:creationId xmlns:a16="http://schemas.microsoft.com/office/drawing/2014/main" id="{870E7F33-6486-46F0-9DFA-748338446EAF}"/>
+              </a:ext>
+            </a:extLst>
+          </p:cNvPr>
+          <p:cNvSpPr txBox="1"/>
+          <p:nvPr/>
+        </p:nvSpPr>
+        <p:spPr>
+          <a:xfrm>
+            <a:off x="3651470" y="1614586"/>
+            <a:ext cx="2517490" cy="1200329"/>
+          </a:xfrm>
+          <a:prstGeom prst="rect">
+            <a:avLst/>
+          </a:prstGeom>
+          <a:noFill/>
+        </p:spPr>
+        <p:txBody>
+          <a:bodyPr wrap="square" rtlCol="0">
+            <a:spAutoFit/>
+          </a:bodyPr>
+          <a:lstStyle/>
+          <a:p>
+            <a:pPr marL="285750" indent="-285750">
+              <a:buFont typeface="Arial" panose="020B0604020202020204" pitchFamily="34" charset="0"/>
+              <a:buChar char="•"/>
+            </a:pPr>
+            <a:r>
+              <a:rPr lang="it-IT" dirty="0">
+                <a:solidFill>
+                  <a:srgbClr val="002060"/>
+                </a:solidFill>
+              </a:rPr>
+              <a:t>L’algoritmo si arresta prima di raggiungere il punto di minimo:</a:t>
+            </a:r>
+            <a:r>
+              <a:rPr lang="it-IT" dirty="0"/>
+              <a:t> </a:t>
+            </a:r>
+            <a:r>
+              <a:rPr lang="it-IT" b="1" dirty="0">
+                <a:solidFill>
+                  <a:srgbClr val="FF0000"/>
+                </a:solidFill>
+              </a:rPr>
+              <a:t>condizioni di arresto</a:t>
+            </a:r>
+            <a:r>
+              <a:rPr lang="it-IT" dirty="0"/>
+              <a:t> </a:t>
+            </a:r>
+          </a:p>
+        </p:txBody>
+      </p:sp>
     </p:spTree>
     <p:extLst>
       <p:ext uri="{BB962C8B-B14F-4D97-AF65-F5344CB8AC3E}">
@@ -7062,7 +7121,7 @@
           <a:lstStyle/>
           <a:p>
             <a:r>
-              <a:rPr lang="it-IT" b="1">
+              <a:rPr lang="it-IT" b="1" dirty="0">
                 <a:solidFill>
                   <a:srgbClr val="002060"/>
                 </a:solidFill>
@@ -7072,7 +7131,7 @@
               <a:t>4.4 Esperimento 3D senza vincoli (2/2)</a:t>
             </a:r>
             <a:br>
-              <a:rPr lang="it-IT" b="1">
+              <a:rPr lang="it-IT" b="1" dirty="0">
                 <a:solidFill>
                   <a:srgbClr val="002060"/>
                 </a:solidFill>
@@ -7080,7 +7139,7 @@
                 <a:cs typeface="Doulos SIL" panose="02000500070000020004" pitchFamily="2" charset="0"/>
               </a:rPr>
             </a:br>
-            <a:endParaRPr lang="it-IT"/>
+            <a:endParaRPr lang="it-IT" dirty="0"/>
           </a:p>
         </p:txBody>
       </p:sp>
@@ -7174,8 +7233,8 @@
         </p:nvSpPr>
         <p:spPr>
           <a:xfrm>
-            <a:off x="2466956" y="1458197"/>
-            <a:ext cx="3674320" cy="2462213"/>
+            <a:off x="2626183" y="1629719"/>
+            <a:ext cx="3153497" cy="2246769"/>
           </a:xfrm>
           <a:prstGeom prst="rect">
             <a:avLst/>
@@ -7193,7 +7252,7 @@
               <a:buChar char="•"/>
             </a:pPr>
             <a:r>
-              <a:rPr lang="it-IT" sz="2200">
+              <a:rPr lang="it-IT" sz="2000" dirty="0">
                 <a:solidFill>
                   <a:srgbClr val="002060"/>
                 </a:solidFill>
@@ -7202,7 +7261,7 @@
               <a:t>A parità di parametri in ingresso, un </a:t>
             </a:r>
             <a:r>
-              <a:rPr lang="it-IT" sz="2200" b="1">
+              <a:rPr lang="it-IT" sz="2000" b="1" dirty="0">
                 <a:solidFill>
                   <a:srgbClr val="C00000"/>
                 </a:solidFill>
@@ -7211,7 +7270,7 @@
               <a:t>passo</a:t>
             </a:r>
             <a:r>
-              <a:rPr lang="it-IT" sz="2200">
+              <a:rPr lang="it-IT" sz="2000" dirty="0">
                 <a:solidFill>
                   <a:srgbClr val="002060"/>
                 </a:solidFill>
@@ -7220,7 +7279,7 @@
               <a:t> di campionamento </a:t>
             </a:r>
             <a:r>
-              <a:rPr lang="it-IT" sz="2200" b="1">
+              <a:rPr lang="it-IT" sz="2000" b="1" dirty="0">
                 <a:solidFill>
                   <a:srgbClr val="C00000"/>
                 </a:solidFill>
@@ -7229,7 +7288,7 @@
               <a:t>più fitto </a:t>
             </a:r>
             <a:r>
-              <a:rPr lang="it-IT" sz="2200">
+              <a:rPr lang="it-IT" sz="2000" dirty="0">
                 <a:solidFill>
                   <a:srgbClr val="002060"/>
                 </a:solidFill>
@@ -7238,7 +7297,7 @@
               <a:t>comporta una </a:t>
             </a:r>
             <a:r>
-              <a:rPr lang="it-IT" sz="2200" b="1">
+              <a:rPr lang="it-IT" sz="2000" b="1" dirty="0">
                 <a:solidFill>
                   <a:srgbClr val="C00000"/>
                 </a:solidFill>
@@ -7247,7 +7306,7 @@
               <a:t>maggiore definizione</a:t>
             </a:r>
             <a:r>
-              <a:rPr lang="it-IT" sz="2200">
+              <a:rPr lang="it-IT" sz="2000" dirty="0">
                 <a:solidFill>
                   <a:srgbClr val="002060"/>
                 </a:solidFill>
@@ -7256,7 +7315,7 @@
               <a:t> della funzione da minimizzare:</a:t>
             </a:r>
             <a:br>
-              <a:rPr lang="it-IT" sz="2200">
+              <a:rPr lang="it-IT" sz="2000" dirty="0">
                 <a:solidFill>
                   <a:srgbClr val="002060"/>
                 </a:solidFill>
@@ -7265,7 +7324,7 @@
               </a:rPr>
             </a:br>
             <a:r>
-              <a:rPr lang="it-IT" sz="2200" b="1" i="1">
+              <a:rPr lang="it-IT" sz="2000" b="1" i="1" dirty="0">
                 <a:solidFill>
                   <a:srgbClr val="C00000"/>
                 </a:solidFill>
@@ -7298,8 +7357,8 @@
         </p:blipFill>
         <p:spPr>
           <a:xfrm>
-            <a:off x="5796899" y="1369372"/>
-            <a:ext cx="6336128" cy="2064440"/>
+            <a:off x="5764007" y="1724475"/>
+            <a:ext cx="6369020" cy="2075157"/>
           </a:xfrm>
           <a:prstGeom prst="rect">
             <a:avLst/>
@@ -7328,8 +7387,8 @@
         </p:blipFill>
         <p:spPr>
           <a:xfrm>
-            <a:off x="5870765" y="3433812"/>
-            <a:ext cx="6292741" cy="2001658"/>
+            <a:off x="5764007" y="3788915"/>
+            <a:ext cx="6399499" cy="2035617"/>
           </a:xfrm>
           <a:prstGeom prst="rect">
             <a:avLst/>
@@ -8189,8 +8248,8 @@
         </p:blipFill>
         <p:spPr>
           <a:xfrm>
-            <a:off x="5732206" y="3282272"/>
-            <a:ext cx="6295103" cy="2935874"/>
+            <a:off x="5601856" y="3256992"/>
+            <a:ext cx="6425454" cy="2996666"/>
           </a:xfrm>
           <a:prstGeom prst="rect">
             <a:avLst/>
@@ -8219,8 +8278,8 @@
         </p:blipFill>
         <p:spPr>
           <a:xfrm>
-            <a:off x="5601855" y="1190107"/>
-            <a:ext cx="6587835" cy="2099424"/>
+            <a:off x="5601856" y="1225619"/>
+            <a:ext cx="6425454" cy="2047676"/>
           </a:xfrm>
           <a:prstGeom prst="rect">
             <a:avLst/>
@@ -8326,8 +8385,8 @@
         </p:nvCxnSpPr>
         <p:spPr>
           <a:xfrm>
-            <a:off x="823911" y="6357584"/>
-            <a:ext cx="11105234" cy="0"/>
+            <a:off x="3237722" y="6357584"/>
+            <a:ext cx="8691423" cy="0"/>
           </a:xfrm>
           <a:prstGeom prst="line">
             <a:avLst/>
@@ -8728,8 +8787,8 @@
         </p:blipFill>
         <p:spPr>
           <a:xfrm>
-            <a:off x="5633021" y="3309193"/>
-            <a:ext cx="6461129" cy="2391282"/>
+            <a:off x="5633021" y="3300315"/>
+            <a:ext cx="6473462" cy="2395846"/>
           </a:xfrm>
           <a:prstGeom prst="rect">
             <a:avLst/>
@@ -8752,7 +8811,7 @@
         </p:nvSpPr>
         <p:spPr>
           <a:xfrm>
-            <a:off x="2781525" y="1268963"/>
+            <a:off x="2781525" y="1331109"/>
             <a:ext cx="2989019" cy="4493819"/>
           </a:xfrm>
           <a:prstGeom prst="rect">
@@ -8929,7 +8988,7 @@
           </a:lstStyle>
           <a:p>
             <a:r>
-              <a:rPr lang="it-IT" sz="2000">
+              <a:rPr lang="it-IT" sz="2000" dirty="0">
                 <a:solidFill>
                   <a:srgbClr val="002060"/>
                 </a:solidFill>
@@ -8947,7 +9006,7 @@
               </a:rPr>
             </a:br>
             <a:r>
-              <a:rPr lang="it-IT" sz="2000">
+              <a:rPr lang="it-IT" sz="2000" dirty="0">
                 <a:solidFill>
                   <a:srgbClr val="002060"/>
                 </a:solidFill>
@@ -8965,7 +9024,7 @@
               </a:rPr>
             </a:br>
             <a:r>
-              <a:rPr lang="it-IT" sz="2000" b="1" i="1">
+              <a:rPr lang="it-IT" sz="2000" b="1" i="1" dirty="0">
                 <a:solidFill>
                   <a:srgbClr val="C00000"/>
                 </a:solidFill>
@@ -8974,7 +9033,7 @@
               <a:t>R ≤ 2Z</a:t>
             </a:r>
             <a:r>
-              <a:rPr lang="it-IT" sz="2000">
+              <a:rPr lang="it-IT" sz="2000" dirty="0">
                 <a:solidFill>
                   <a:srgbClr val="002060"/>
                 </a:solidFill>
@@ -8985,7 +9044,7 @@
           </a:p>
           <a:p>
             <a:r>
-              <a:rPr lang="it-IT" sz="2000">
+              <a:rPr lang="it-IT" sz="2000" dirty="0">
                 <a:solidFill>
                   <a:srgbClr val="002060"/>
                 </a:solidFill>
@@ -9003,7 +9062,7 @@
               </a:rPr>
             </a:br>
             <a:r>
-              <a:rPr lang="it-IT" sz="2000">
+              <a:rPr lang="it-IT" sz="2000" dirty="0">
                 <a:solidFill>
                   <a:srgbClr val="002060"/>
                 </a:solidFill>
@@ -10232,17 +10291,17 @@
               <a:buAutoNum type="arabicPeriod"/>
             </a:pPr>
             <a:r>
-              <a:rPr lang="it-IT" sz="2000" b="1">
+              <a:rPr lang="it-IT" sz="2000" b="1" dirty="0">
                 <a:solidFill>
                   <a:srgbClr val="002060"/>
                 </a:solidFill>
               </a:rPr>
-              <a:t>Descrizione del problema</a:t>
-            </a:r>
-          </a:p>
-          <a:p>
-            <a:r>
-              <a:rPr lang="it-IT" sz="2000">
+              <a:t>  Descrizione del problema</a:t>
+            </a:r>
+          </a:p>
+          <a:p>
+            <a:r>
+              <a:rPr lang="it-IT" sz="2000" dirty="0">
                 <a:solidFill>
                   <a:schemeClr val="tx1">
                     <a:lumMod val="50000"/>
@@ -10258,12 +10317,12 @@
               <a:buAutoNum type="arabicPeriod" startAt="2"/>
             </a:pPr>
             <a:r>
-              <a:rPr lang="it-IT" sz="2000" b="1">
+              <a:rPr lang="it-IT" sz="2000" b="1" dirty="0">
                 <a:solidFill>
                   <a:srgbClr val="002060"/>
                 </a:solidFill>
               </a:rPr>
-              <a:t>Formulazione matematica</a:t>
+              <a:t>  Formulazione matematica</a:t>
             </a:r>
           </a:p>
           <a:p>
@@ -10271,17 +10330,17 @@
               <a:buAutoNum type="arabicPeriod" startAt="2"/>
             </a:pPr>
             <a:r>
-              <a:rPr lang="it-IT" sz="2000" b="1">
+              <a:rPr lang="it-IT" sz="2000" b="1" dirty="0">
                 <a:solidFill>
                   <a:srgbClr val="002060"/>
                 </a:solidFill>
               </a:rPr>
-              <a:t>Tecnica di minimizzazione</a:t>
-            </a:r>
-          </a:p>
-          <a:p>
-            <a:r>
-              <a:rPr lang="it-IT" sz="2000">
+              <a:t>  Tecnica di minimizzazione</a:t>
+            </a:r>
+          </a:p>
+          <a:p>
+            <a:r>
+              <a:rPr lang="it-IT" sz="2000" dirty="0">
                 <a:solidFill>
                   <a:schemeClr val="tx1">
                     <a:lumMod val="50000"/>
@@ -10297,17 +10356,17 @@
               <a:buAutoNum type="arabicPeriod" startAt="4"/>
             </a:pPr>
             <a:r>
-              <a:rPr lang="it-IT" sz="2000" b="1">
+              <a:rPr lang="it-IT" sz="2000" b="1" dirty="0">
                 <a:solidFill>
                   <a:srgbClr val="002060"/>
                 </a:solidFill>
               </a:rPr>
-              <a:t>Esperimenti</a:t>
-            </a:r>
-          </a:p>
-          <a:p>
-            <a:r>
-              <a:rPr lang="it-IT" sz="2000">
+              <a:t>  Esperimenti</a:t>
+            </a:r>
+          </a:p>
+          <a:p>
+            <a:r>
+              <a:rPr lang="it-IT" sz="2000" dirty="0">
                 <a:solidFill>
                   <a:schemeClr val="tx1">
                     <a:lumMod val="50000"/>
@@ -10320,7 +10379,7 @@
           </a:p>
           <a:p>
             <a:r>
-              <a:rPr lang="it-IT" sz="2000">
+              <a:rPr lang="it-IT" sz="2000" dirty="0">
                 <a:solidFill>
                   <a:schemeClr val="tx1">
                     <a:lumMod val="50000"/>
@@ -10333,7 +10392,7 @@
           </a:p>
           <a:p>
             <a:r>
-              <a:rPr lang="it-IT" sz="2000">
+              <a:rPr lang="it-IT" sz="2000" dirty="0">
                 <a:solidFill>
                   <a:schemeClr val="tx1">
                     <a:lumMod val="50000"/>
@@ -10346,7 +10405,7 @@
           </a:p>
           <a:p>
             <a:r>
-              <a:rPr lang="it-IT" sz="2000">
+              <a:rPr lang="it-IT" sz="2000" dirty="0">
                 <a:solidFill>
                   <a:schemeClr val="tx1">
                     <a:lumMod val="50000"/>
@@ -10359,7 +10418,7 @@
           </a:p>
           <a:p>
             <a:r>
-              <a:rPr lang="it-IT" sz="2000">
+              <a:rPr lang="it-IT" sz="2000" dirty="0">
                 <a:solidFill>
                   <a:schemeClr val="tx1">
                     <a:lumMod val="50000"/>
@@ -10372,7 +10431,7 @@
           </a:p>
           <a:p>
             <a:r>
-              <a:rPr lang="it-IT" sz="2000">
+              <a:rPr lang="it-IT" sz="2000" dirty="0">
                 <a:solidFill>
                   <a:schemeClr val="tx1">
                     <a:lumMod val="50000"/>
@@ -10385,7 +10444,7 @@
           </a:p>
           <a:p>
             <a:r>
-              <a:rPr lang="it-IT" sz="2000" b="1">
+              <a:rPr lang="it-IT" sz="2000" b="1" dirty="0">
                 <a:solidFill>
                   <a:srgbClr val="002060"/>
                 </a:solidFill>
@@ -10394,7 +10453,7 @@
             </a:r>
           </a:p>
           <a:p>
-            <a:endParaRPr lang="it-IT"/>
+            <a:endParaRPr lang="it-IT" dirty="0"/>
           </a:p>
         </p:txBody>
       </p:sp>
@@ -14177,36 +14236,6 @@
           </a:p>
         </p:txBody>
       </p:sp>
-      <p:pic>
-        <p:nvPicPr>
-          <p:cNvPr id="5" name="Picture 5">
-            <a:extLst>
-              <a:ext uri="{FF2B5EF4-FFF2-40B4-BE49-F238E27FC236}">
-                <a16:creationId xmlns:a16="http://schemas.microsoft.com/office/drawing/2014/main" id="{7EF67AF8-5789-4171-8285-919BB39271EB}"/>
-              </a:ext>
-            </a:extLst>
-          </p:cNvPr>
-          <p:cNvPicPr>
-            <a:picLocks noChangeAspect="1"/>
-          </p:cNvPicPr>
-          <p:nvPr/>
-        </p:nvPicPr>
-        <p:blipFill>
-          <a:blip r:embed="rId3"/>
-          <a:stretch>
-            <a:fillRect/>
-          </a:stretch>
-        </p:blipFill>
-        <p:spPr>
-          <a:xfrm>
-            <a:off x="4545106" y="2027882"/>
-            <a:ext cx="5342964" cy="1087736"/>
-          </a:xfrm>
-          <a:prstGeom prst="rect">
-            <a:avLst/>
-          </a:prstGeom>
-        </p:spPr>
-      </p:pic>
       <p:sp>
         <p:nvSpPr>
           <p:cNvPr id="17" name="Content Placeholder 3">
@@ -14502,36 +14531,6 @@
           </a:p>
         </p:txBody>
       </p:sp>
-      <p:pic>
-        <p:nvPicPr>
-          <p:cNvPr id="20" name="Picture 20" descr="A close up of a logo&#10;&#10;Description generated with very high confidence">
-            <a:extLst>
-              <a:ext uri="{FF2B5EF4-FFF2-40B4-BE49-F238E27FC236}">
-                <a16:creationId xmlns:a16="http://schemas.microsoft.com/office/drawing/2014/main" id="{B2AB8AB5-8FE7-4B77-8E60-1CEC2EE12A69}"/>
-              </a:ext>
-            </a:extLst>
-          </p:cNvPr>
-          <p:cNvPicPr>
-            <a:picLocks noChangeAspect="1"/>
-          </p:cNvPicPr>
-          <p:nvPr/>
-        </p:nvPicPr>
-        <p:blipFill>
-          <a:blip r:embed="rId4"/>
-          <a:stretch>
-            <a:fillRect/>
-          </a:stretch>
-        </p:blipFill>
-        <p:spPr>
-          <a:xfrm>
-            <a:off x="4545106" y="4340711"/>
-            <a:ext cx="5342964" cy="1437490"/>
-          </a:xfrm>
-          <a:prstGeom prst="rect">
-            <a:avLst/>
-          </a:prstGeom>
-        </p:spPr>
-      </p:pic>
       <p:sp>
         <p:nvSpPr>
           <p:cNvPr id="12" name="Rettangolo 11">
@@ -14851,6 +14850,78 @@
           </a:p>
         </p:txBody>
       </p:sp>
+      <p:pic>
+        <p:nvPicPr>
+          <p:cNvPr id="15" name="Immagine 14">
+            <a:extLst>
+              <a:ext uri="{FF2B5EF4-FFF2-40B4-BE49-F238E27FC236}">
+                <a16:creationId xmlns:a16="http://schemas.microsoft.com/office/drawing/2014/main" id="{2B003BAF-7597-4BC1-80AE-84E9C8F9E1F3}"/>
+              </a:ext>
+            </a:extLst>
+          </p:cNvPr>
+          <p:cNvPicPr>
+            <a:picLocks noChangeAspect="1"/>
+          </p:cNvPicPr>
+          <p:nvPr/>
+        </p:nvPicPr>
+        <p:blipFill>
+          <a:blip r:embed="rId3">
+            <a:extLst>
+              <a:ext uri="{28A0092B-C50C-407E-A947-70E740481C1C}">
+                <a14:useLocalDpi xmlns:a14="http://schemas.microsoft.com/office/drawing/2010/main" val="0"/>
+              </a:ext>
+            </a:extLst>
+          </a:blip>
+          <a:stretch>
+            <a:fillRect/>
+          </a:stretch>
+        </p:blipFill>
+        <p:spPr>
+          <a:xfrm>
+            <a:off x="4012675" y="1965624"/>
+            <a:ext cx="6501151" cy="1615893"/>
+          </a:xfrm>
+          <a:prstGeom prst="rect">
+            <a:avLst/>
+          </a:prstGeom>
+        </p:spPr>
+      </p:pic>
+      <p:pic>
+        <p:nvPicPr>
+          <p:cNvPr id="18" name="Immagine 17">
+            <a:extLst>
+              <a:ext uri="{FF2B5EF4-FFF2-40B4-BE49-F238E27FC236}">
+                <a16:creationId xmlns:a16="http://schemas.microsoft.com/office/drawing/2014/main" id="{E83D62C9-EB4E-4BC5-9899-ACB6A263CED2}"/>
+              </a:ext>
+            </a:extLst>
+          </p:cNvPr>
+          <p:cNvPicPr>
+            <a:picLocks noChangeAspect="1"/>
+          </p:cNvPicPr>
+          <p:nvPr/>
+        </p:nvPicPr>
+        <p:blipFill>
+          <a:blip r:embed="rId4">
+            <a:extLst>
+              <a:ext uri="{28A0092B-C50C-407E-A947-70E740481C1C}">
+                <a14:useLocalDpi xmlns:a14="http://schemas.microsoft.com/office/drawing/2010/main" val="0"/>
+              </a:ext>
+            </a:extLst>
+          </a:blip>
+          <a:stretch>
+            <a:fillRect/>
+          </a:stretch>
+        </p:blipFill>
+        <p:spPr>
+          <a:xfrm>
+            <a:off x="3021762" y="4381801"/>
+            <a:ext cx="8217738" cy="1804041"/>
+          </a:xfrm>
+          <a:prstGeom prst="rect">
+            <a:avLst/>
+          </a:prstGeom>
+        </p:spPr>
+      </p:pic>
     </p:spTree>
     <p:extLst>
       <p:ext uri="{BB962C8B-B14F-4D97-AF65-F5344CB8AC3E}">
@@ -14896,41 +14967,646 @@
           <a:chExt cx="0" cy="0"/>
         </a:xfrm>
       </p:grpSpPr>
-      <mc:AlternateContent xmlns:mc="http://schemas.openxmlformats.org/markup-compatibility/2006" xmlns:a14="http://schemas.microsoft.com/office/drawing/2010/main">
-        <mc:Choice Requires="a14">
+      <p:sp>
+        <p:nvSpPr>
+          <p:cNvPr id="3" name="Segnaposto contenuto 2">
+            <a:extLst>
+              <a:ext uri="{FF2B5EF4-FFF2-40B4-BE49-F238E27FC236}">
+                <a16:creationId xmlns:a16="http://schemas.microsoft.com/office/drawing/2014/main" id="{C319475E-FE82-42AE-BA36-D2EB7E4F9A6E}"/>
+              </a:ext>
+            </a:extLst>
+          </p:cNvPr>
+          <p:cNvSpPr>
+            <a:spLocks noGrp="1"/>
+          </p:cNvSpPr>
+          <p:nvPr>
+            <p:ph idx="1"/>
+          </p:nvPr>
+        </p:nvSpPr>
+        <p:spPr>
+          <a:xfrm>
+            <a:off x="3046904" y="1556490"/>
+            <a:ext cx="8133042" cy="1054097"/>
+          </a:xfrm>
+        </p:spPr>
+        <p:txBody>
+          <a:bodyPr>
+            <a:normAutofit/>
+          </a:bodyPr>
+          <a:lstStyle/>
+          <a:p>
+            <a:pPr marL="0" indent="0">
+              <a:buNone/>
+            </a:pPr>
+            <a:r>
+              <a:rPr lang="it-IT" sz="2400" dirty="0">
+                <a:solidFill>
+                  <a:srgbClr val="002060"/>
+                </a:solidFill>
+                <a:latin typeface="+mj-lt"/>
+                <a:ea typeface="Doulos SIL" panose="02000500070000020004" pitchFamily="2" charset="0"/>
+                <a:cs typeface="Doulos SIL" panose="02000500070000020004" pitchFamily="2" charset="0"/>
+              </a:rPr>
+              <a:t>Approssimiamo la funzione scegliendo un numero abbastanza elevato di campioni</a:t>
+            </a:r>
+          </a:p>
+        </p:txBody>
+      </p:sp>
+      <p:cxnSp>
+        <p:nvCxnSpPr>
+          <p:cNvPr id="5" name="Connettore diritto 4">
+            <a:extLst>
+              <a:ext uri="{FF2B5EF4-FFF2-40B4-BE49-F238E27FC236}">
+                <a16:creationId xmlns:a16="http://schemas.microsoft.com/office/drawing/2014/main" id="{76F4B5E1-0310-4D0B-91AB-2CBFCF073034}"/>
+              </a:ext>
+            </a:extLst>
+          </p:cNvPr>
+          <p:cNvCxnSpPr>
+            <a:cxnSpLocks/>
+          </p:cNvCxnSpPr>
+          <p:nvPr/>
+        </p:nvCxnSpPr>
+        <p:spPr>
+          <a:xfrm>
+            <a:off x="2682551" y="1393301"/>
+            <a:ext cx="8556949" cy="0"/>
+          </a:xfrm>
+          <a:prstGeom prst="line">
+            <a:avLst/>
+          </a:prstGeom>
+        </p:spPr>
+        <p:style>
+          <a:lnRef idx="1">
+            <a:schemeClr val="accent1"/>
+          </a:lnRef>
+          <a:fillRef idx="0">
+            <a:schemeClr val="accent1"/>
+          </a:fillRef>
+          <a:effectRef idx="0">
+            <a:schemeClr val="accent1"/>
+          </a:effectRef>
+          <a:fontRef idx="minor">
+            <a:schemeClr val="tx1"/>
+          </a:fontRef>
+        </p:style>
+      </p:cxnSp>
+      <p:sp>
+        <p:nvSpPr>
+          <p:cNvPr id="6" name="Titolo 1">
+            <a:extLst>
+              <a:ext uri="{FF2B5EF4-FFF2-40B4-BE49-F238E27FC236}">
+                <a16:creationId xmlns:a16="http://schemas.microsoft.com/office/drawing/2014/main" id="{9A05E275-3A55-496F-9D2D-85F0BCDCBCE0}"/>
+              </a:ext>
+            </a:extLst>
+          </p:cNvPr>
+          <p:cNvSpPr txBox="1">
+            <a:spLocks/>
+          </p:cNvSpPr>
+          <p:nvPr/>
+        </p:nvSpPr>
+        <p:spPr>
+          <a:xfrm>
+            <a:off x="2596867" y="407376"/>
+            <a:ext cx="8178047" cy="1054100"/>
+          </a:xfrm>
+          <a:prstGeom prst="rect">
+            <a:avLst/>
+          </a:prstGeom>
+        </p:spPr>
+        <p:txBody>
+          <a:bodyPr vert="horz" lIns="91440" tIns="45720" rIns="91440" bIns="45720" rtlCol="0" anchor="ctr">
+            <a:normAutofit/>
+          </a:bodyPr>
+          <a:lstStyle>
+            <a:lvl1pPr algn="l" defTabSz="914400" rtl="0" eaLnBrk="1" latinLnBrk="0" hangingPunct="1">
+              <a:lnSpc>
+                <a:spcPct val="90000"/>
+              </a:lnSpc>
+              <a:spcBef>
+                <a:spcPct val="0"/>
+              </a:spcBef>
+              <a:buNone/>
+              <a:defRPr sz="4400" kern="1200">
+                <a:solidFill>
+                  <a:schemeClr val="tx1"/>
+                </a:solidFill>
+                <a:latin typeface="+mj-lt"/>
+                <a:ea typeface="+mj-ea"/>
+                <a:cs typeface="+mj-cs"/>
+              </a:defRPr>
+            </a:lvl1pPr>
+          </a:lstStyle>
+          <a:p>
+            <a:r>
+              <a:rPr lang="it-IT" b="1">
+                <a:solidFill>
+                  <a:srgbClr val="002060"/>
+                </a:solidFill>
+                <a:ea typeface="Doulos SIL" panose="02000500070000020004" pitchFamily="2" charset="0"/>
+                <a:cs typeface="Doulos SIL" panose="02000500070000020004" pitchFamily="2" charset="0"/>
+              </a:rPr>
+              <a:t>2. Formulazione matematica (4/4)</a:t>
+            </a:r>
+          </a:p>
+        </p:txBody>
+      </p:sp>
+      <p:cxnSp>
+        <p:nvCxnSpPr>
+          <p:cNvPr id="7" name="Connettore diritto 6">
+            <a:extLst>
+              <a:ext uri="{FF2B5EF4-FFF2-40B4-BE49-F238E27FC236}">
+                <a16:creationId xmlns:a16="http://schemas.microsoft.com/office/drawing/2014/main" id="{2BB24FB4-2002-4B24-AA5E-14C95BD682EB}"/>
+              </a:ext>
+            </a:extLst>
+          </p:cNvPr>
+          <p:cNvCxnSpPr>
+            <a:cxnSpLocks/>
+          </p:cNvCxnSpPr>
+          <p:nvPr/>
+        </p:nvCxnSpPr>
+        <p:spPr>
+          <a:xfrm>
+            <a:off x="2985796" y="6357584"/>
+            <a:ext cx="8139403" cy="0"/>
+          </a:xfrm>
+          <a:prstGeom prst="line">
+            <a:avLst/>
+          </a:prstGeom>
+        </p:spPr>
+        <p:style>
+          <a:lnRef idx="1">
+            <a:schemeClr val="accent1"/>
+          </a:lnRef>
+          <a:fillRef idx="0">
+            <a:schemeClr val="accent1"/>
+          </a:fillRef>
+          <a:effectRef idx="0">
+            <a:schemeClr val="accent1"/>
+          </a:effectRef>
+          <a:fontRef idx="minor">
+            <a:schemeClr val="tx1"/>
+          </a:fontRef>
+        </p:style>
+      </p:cxnSp>
+      <p:sp>
+        <p:nvSpPr>
+          <p:cNvPr id="11" name="Rettangolo 10">
+            <a:extLst>
+              <a:ext uri="{FF2B5EF4-FFF2-40B4-BE49-F238E27FC236}">
+                <a16:creationId xmlns:a16="http://schemas.microsoft.com/office/drawing/2014/main" id="{C1AF5A75-4F3F-4C73-B7EA-628E80C89D8F}"/>
+              </a:ext>
+            </a:extLst>
+          </p:cNvPr>
+          <p:cNvSpPr/>
+          <p:nvPr/>
+        </p:nvSpPr>
+        <p:spPr>
+          <a:xfrm>
+            <a:off x="1" y="5"/>
+            <a:ext cx="2565918" cy="6857995"/>
+          </a:xfrm>
+          <a:prstGeom prst="rect">
+            <a:avLst/>
+          </a:prstGeom>
+          <a:solidFill>
+            <a:srgbClr val="FFFFFF">
+              <a:alpha val="50196"/>
+            </a:srgbClr>
+          </a:solidFill>
+        </p:spPr>
+        <p:style>
+          <a:lnRef idx="2">
+            <a:schemeClr val="accent1"/>
+          </a:lnRef>
+          <a:fillRef idx="1">
+            <a:schemeClr val="lt1"/>
+          </a:fillRef>
+          <a:effectRef idx="0">
+            <a:schemeClr val="accent1"/>
+          </a:effectRef>
+          <a:fontRef idx="minor">
+            <a:schemeClr val="dk1"/>
+          </a:fontRef>
+        </p:style>
+        <p:txBody>
+          <a:bodyPr rtlCol="0" anchor="ctr"/>
+          <a:lstStyle/>
+          <a:p>
+            <a:pPr algn="ctr"/>
+            <a:endParaRPr lang="it-IT"/>
+          </a:p>
+        </p:txBody>
+      </p:sp>
+      <p:sp>
+        <p:nvSpPr>
+          <p:cNvPr id="12" name="CasellaDiTesto 11">
+            <a:extLst>
+              <a:ext uri="{FF2B5EF4-FFF2-40B4-BE49-F238E27FC236}">
+                <a16:creationId xmlns:a16="http://schemas.microsoft.com/office/drawing/2014/main" id="{1684A603-7B62-4FC1-8B03-4463C1D1BDCD}"/>
+              </a:ext>
+            </a:extLst>
+          </p:cNvPr>
+          <p:cNvSpPr txBox="1"/>
+          <p:nvPr/>
+        </p:nvSpPr>
+        <p:spPr>
+          <a:xfrm>
+            <a:off x="30334" y="782121"/>
+            <a:ext cx="2565516" cy="5293757"/>
+          </a:xfrm>
+          <a:prstGeom prst="rect">
+            <a:avLst/>
+          </a:prstGeom>
+          <a:noFill/>
+        </p:spPr>
+        <p:txBody>
+          <a:bodyPr wrap="square" rtlCol="0">
+            <a:spAutoFit/>
+          </a:bodyPr>
+          <a:lstStyle/>
+          <a:p>
+            <a:pPr marL="342900" indent="-342900">
+              <a:buAutoNum type="arabicPeriod"/>
+            </a:pPr>
+            <a:r>
+              <a:rPr lang="it-IT" sz="1600">
+                <a:solidFill>
+                  <a:schemeClr val="tx1">
+                    <a:lumMod val="50000"/>
+                    <a:lumOff val="50000"/>
+                  </a:schemeClr>
+                </a:solidFill>
+              </a:rPr>
+              <a:t>Descrizione del problema</a:t>
+            </a:r>
+          </a:p>
+          <a:p>
+            <a:r>
+              <a:rPr lang="it-IT" sz="1600">
+                <a:solidFill>
+                  <a:schemeClr val="tx1">
+                    <a:lumMod val="50000"/>
+                    <a:lumOff val="50000"/>
+                  </a:schemeClr>
+                </a:solidFill>
+              </a:rPr>
+              <a:t>1.1  Obiettivo della procedura</a:t>
+            </a:r>
+          </a:p>
+          <a:p>
+            <a:pPr marL="342900" indent="-342900">
+              <a:buAutoNum type="arabicPeriod" startAt="2"/>
+            </a:pPr>
+            <a:r>
+              <a:rPr lang="it-IT" sz="1600" b="1">
+                <a:solidFill>
+                  <a:srgbClr val="002060"/>
+                </a:solidFill>
+              </a:rPr>
+              <a:t>Formulazione matematica (4/4)</a:t>
+            </a:r>
+          </a:p>
+          <a:p>
+            <a:pPr marL="342900" indent="-342900">
+              <a:buAutoNum type="arabicPeriod" startAt="2"/>
+            </a:pPr>
+            <a:r>
+              <a:rPr lang="it-IT" sz="1600">
+                <a:solidFill>
+                  <a:schemeClr val="tx1">
+                    <a:lumMod val="50000"/>
+                    <a:lumOff val="50000"/>
+                  </a:schemeClr>
+                </a:solidFill>
+              </a:rPr>
+              <a:t>Tecnica di minimizzazione</a:t>
+            </a:r>
+          </a:p>
+          <a:p>
+            <a:r>
+              <a:rPr lang="it-IT" sz="1600">
+                <a:solidFill>
+                  <a:schemeClr val="tx1">
+                    <a:lumMod val="50000"/>
+                    <a:lumOff val="50000"/>
+                  </a:schemeClr>
+                </a:solidFill>
+              </a:rPr>
+              <a:t>3.1. Demo algoritmo</a:t>
+            </a:r>
+          </a:p>
+          <a:p>
+            <a:pPr marL="342900" indent="-342900">
+              <a:buAutoNum type="arabicPeriod" startAt="4"/>
+            </a:pPr>
+            <a:r>
+              <a:rPr lang="it-IT" sz="1600">
+                <a:solidFill>
+                  <a:schemeClr val="tx1">
+                    <a:lumMod val="50000"/>
+                    <a:lumOff val="50000"/>
+                  </a:schemeClr>
+                </a:solidFill>
+              </a:rPr>
+              <a:t>Esperimenti</a:t>
+            </a:r>
+          </a:p>
+          <a:p>
+            <a:r>
+              <a:rPr lang="it-IT" sz="1600">
+                <a:solidFill>
+                  <a:schemeClr val="tx1">
+                    <a:lumMod val="50000"/>
+                    <a:lumOff val="50000"/>
+                  </a:schemeClr>
+                </a:solidFill>
+              </a:rPr>
+              <a:t>4.1. Premesse</a:t>
+            </a:r>
+          </a:p>
+          <a:p>
+            <a:r>
+              <a:rPr lang="it-IT" sz="1600">
+                <a:solidFill>
+                  <a:schemeClr val="tx1">
+                    <a:lumMod val="50000"/>
+                    <a:lumOff val="50000"/>
+                  </a:schemeClr>
+                </a:solidFill>
+              </a:rPr>
+              <a:t>4.2. Dati assegnati</a:t>
+            </a:r>
+          </a:p>
+          <a:p>
+            <a:r>
+              <a:rPr lang="it-IT" sz="1600">
+                <a:solidFill>
+                  <a:schemeClr val="tx1">
+                    <a:lumMod val="50000"/>
+                    <a:lumOff val="50000"/>
+                  </a:schemeClr>
+                </a:solidFill>
+              </a:rPr>
+              <a:t>4.3. Collaudo dell’algoritmo</a:t>
+            </a:r>
+          </a:p>
+          <a:p>
+            <a:r>
+              <a:rPr lang="it-IT" sz="1600">
+                <a:solidFill>
+                  <a:schemeClr val="tx1">
+                    <a:lumMod val="50000"/>
+                    <a:lumOff val="50000"/>
+                  </a:schemeClr>
+                </a:solidFill>
+              </a:rPr>
+              <a:t>4.4. Esperimento 3D senza vincoli</a:t>
+            </a:r>
+          </a:p>
+          <a:p>
+            <a:r>
+              <a:rPr lang="it-IT" sz="1600">
+                <a:solidFill>
+                  <a:schemeClr val="tx1">
+                    <a:lumMod val="50000"/>
+                    <a:lumOff val="50000"/>
+                  </a:schemeClr>
+                </a:solidFill>
+              </a:rPr>
+              <a:t>4.5. Esperimento 3D con vincolo di disuguaglianza</a:t>
+            </a:r>
+          </a:p>
+          <a:p>
+            <a:r>
+              <a:rPr lang="it-IT" sz="1600">
+                <a:solidFill>
+                  <a:schemeClr val="tx1">
+                    <a:lumMod val="50000"/>
+                    <a:lumOff val="50000"/>
+                  </a:schemeClr>
+                </a:solidFill>
+              </a:rPr>
+              <a:t>4.6. Esperimento 2D con vincolo di uguaglianza</a:t>
+            </a:r>
+          </a:p>
+          <a:p>
+            <a:r>
+              <a:rPr lang="it-IT" sz="1600">
+                <a:solidFill>
+                  <a:schemeClr val="tx1">
+                    <a:lumMod val="50000"/>
+                    <a:lumOff val="50000"/>
+                  </a:schemeClr>
+                </a:solidFill>
+              </a:rPr>
+              <a:t>5.    Risultati e conclusioni</a:t>
+            </a:r>
+          </a:p>
+          <a:p>
+            <a:endParaRPr lang="it-IT"/>
+          </a:p>
+        </p:txBody>
+      </p:sp>
+      <mc:AlternateContent xmlns:mc="http://schemas.openxmlformats.org/markup-compatibility/2006">
+        <mc:Choice xmlns:a14="http://schemas.microsoft.com/office/drawing/2010/main" Requires="a14">
           <p:sp>
             <p:nvSpPr>
-              <p:cNvPr id="3" name="Segnaposto contenuto 2">
+              <p:cNvPr id="13" name="Segnaposto contenuto 2">
                 <a:extLst>
                   <a:ext uri="{FF2B5EF4-FFF2-40B4-BE49-F238E27FC236}">
-                    <a16:creationId xmlns:a16="http://schemas.microsoft.com/office/drawing/2014/main" id="{C319475E-FE82-42AE-BA36-D2EB7E4F9A6E}"/>
+                    <a16:creationId xmlns:a16="http://schemas.microsoft.com/office/drawing/2014/main" id="{4ACFF441-0082-4224-8240-B4B770C3702A}"/>
                   </a:ext>
                 </a:extLst>
               </p:cNvPr>
-              <p:cNvSpPr>
-                <a:spLocks noGrp="1"/>
+              <p:cNvSpPr txBox="1">
+                <a:spLocks/>
               </p:cNvSpPr>
-              <p:nvPr>
-                <p:ph idx="1"/>
-              </p:nvPr>
+              <p:nvPr/>
             </p:nvSpPr>
             <p:spPr>
               <a:xfrm>
-                <a:off x="2797813" y="1461476"/>
-                <a:ext cx="8133042" cy="4796711"/>
+                <a:off x="3046904" y="3972903"/>
+                <a:ext cx="8133042" cy="1509528"/>
               </a:xfrm>
+              <a:prstGeom prst="rect">
+                <a:avLst/>
+              </a:prstGeom>
             </p:spPr>
             <p:txBody>
-              <a:bodyPr>
+              <a:bodyPr vert="horz" lIns="91440" tIns="45720" rIns="91440" bIns="45720" rtlCol="0">
                 <a:normAutofit/>
               </a:bodyPr>
-              <a:lstStyle/>
+              <a:lstStyle>
+                <a:lvl1pPr marL="228600" indent="-228600" algn="l" defTabSz="914400" rtl="0" eaLnBrk="1" latinLnBrk="0" hangingPunct="1">
+                  <a:lnSpc>
+                    <a:spcPct val="90000"/>
+                  </a:lnSpc>
+                  <a:spcBef>
+                    <a:spcPts val="1000"/>
+                  </a:spcBef>
+                  <a:buFont typeface="Arial" panose="020B0604020202020204" pitchFamily="34" charset="0"/>
+                  <a:buChar char="•"/>
+                  <a:defRPr sz="2800" kern="1200">
+                    <a:solidFill>
+                      <a:schemeClr val="tx1"/>
+                    </a:solidFill>
+                    <a:latin typeface="+mn-lt"/>
+                    <a:ea typeface="+mn-ea"/>
+                    <a:cs typeface="+mn-cs"/>
+                  </a:defRPr>
+                </a:lvl1pPr>
+                <a:lvl2pPr marL="685800" indent="-228600" algn="l" defTabSz="914400" rtl="0" eaLnBrk="1" latinLnBrk="0" hangingPunct="1">
+                  <a:lnSpc>
+                    <a:spcPct val="90000"/>
+                  </a:lnSpc>
+                  <a:spcBef>
+                    <a:spcPts val="500"/>
+                  </a:spcBef>
+                  <a:buFont typeface="Arial" panose="020B0604020202020204" pitchFamily="34" charset="0"/>
+                  <a:buChar char="•"/>
+                  <a:defRPr sz="2400" kern="1200">
+                    <a:solidFill>
+                      <a:schemeClr val="tx1"/>
+                    </a:solidFill>
+                    <a:latin typeface="+mn-lt"/>
+                    <a:ea typeface="+mn-ea"/>
+                    <a:cs typeface="+mn-cs"/>
+                  </a:defRPr>
+                </a:lvl2pPr>
+                <a:lvl3pPr marL="1143000" indent="-228600" algn="l" defTabSz="914400" rtl="0" eaLnBrk="1" latinLnBrk="0" hangingPunct="1">
+                  <a:lnSpc>
+                    <a:spcPct val="90000"/>
+                  </a:lnSpc>
+                  <a:spcBef>
+                    <a:spcPts val="500"/>
+                  </a:spcBef>
+                  <a:buFont typeface="Arial" panose="020B0604020202020204" pitchFamily="34" charset="0"/>
+                  <a:buChar char="•"/>
+                  <a:defRPr sz="2000" kern="1200">
+                    <a:solidFill>
+                      <a:schemeClr val="tx1"/>
+                    </a:solidFill>
+                    <a:latin typeface="+mn-lt"/>
+                    <a:ea typeface="+mn-ea"/>
+                    <a:cs typeface="+mn-cs"/>
+                  </a:defRPr>
+                </a:lvl3pPr>
+                <a:lvl4pPr marL="1600200" indent="-228600" algn="l" defTabSz="914400" rtl="0" eaLnBrk="1" latinLnBrk="0" hangingPunct="1">
+                  <a:lnSpc>
+                    <a:spcPct val="90000"/>
+                  </a:lnSpc>
+                  <a:spcBef>
+                    <a:spcPts val="500"/>
+                  </a:spcBef>
+                  <a:buFont typeface="Arial" panose="020B0604020202020204" pitchFamily="34" charset="0"/>
+                  <a:buChar char="•"/>
+                  <a:defRPr sz="1800" kern="1200">
+                    <a:solidFill>
+                      <a:schemeClr val="tx1"/>
+                    </a:solidFill>
+                    <a:latin typeface="+mn-lt"/>
+                    <a:ea typeface="+mn-ea"/>
+                    <a:cs typeface="+mn-cs"/>
+                  </a:defRPr>
+                </a:lvl4pPr>
+                <a:lvl5pPr marL="2057400" indent="-228600" algn="l" defTabSz="914400" rtl="0" eaLnBrk="1" latinLnBrk="0" hangingPunct="1">
+                  <a:lnSpc>
+                    <a:spcPct val="90000"/>
+                  </a:lnSpc>
+                  <a:spcBef>
+                    <a:spcPts val="500"/>
+                  </a:spcBef>
+                  <a:buFont typeface="Arial" panose="020B0604020202020204" pitchFamily="34" charset="0"/>
+                  <a:buChar char="•"/>
+                  <a:defRPr sz="1800" kern="1200">
+                    <a:solidFill>
+                      <a:schemeClr val="tx1"/>
+                    </a:solidFill>
+                    <a:latin typeface="+mn-lt"/>
+                    <a:ea typeface="+mn-ea"/>
+                    <a:cs typeface="+mn-cs"/>
+                  </a:defRPr>
+                </a:lvl5pPr>
+                <a:lvl6pPr marL="2514600" indent="-228600" algn="l" defTabSz="914400" rtl="0" eaLnBrk="1" latinLnBrk="0" hangingPunct="1">
+                  <a:lnSpc>
+                    <a:spcPct val="90000"/>
+                  </a:lnSpc>
+                  <a:spcBef>
+                    <a:spcPts val="500"/>
+                  </a:spcBef>
+                  <a:buFont typeface="Arial" panose="020B0604020202020204" pitchFamily="34" charset="0"/>
+                  <a:buChar char="•"/>
+                  <a:defRPr sz="1800" kern="1200">
+                    <a:solidFill>
+                      <a:schemeClr val="tx1"/>
+                    </a:solidFill>
+                    <a:latin typeface="+mn-lt"/>
+                    <a:ea typeface="+mn-ea"/>
+                    <a:cs typeface="+mn-cs"/>
+                  </a:defRPr>
+                </a:lvl6pPr>
+                <a:lvl7pPr marL="2971800" indent="-228600" algn="l" defTabSz="914400" rtl="0" eaLnBrk="1" latinLnBrk="0" hangingPunct="1">
+                  <a:lnSpc>
+                    <a:spcPct val="90000"/>
+                  </a:lnSpc>
+                  <a:spcBef>
+                    <a:spcPts val="500"/>
+                  </a:spcBef>
+                  <a:buFont typeface="Arial" panose="020B0604020202020204" pitchFamily="34" charset="0"/>
+                  <a:buChar char="•"/>
+                  <a:defRPr sz="1800" kern="1200">
+                    <a:solidFill>
+                      <a:schemeClr val="tx1"/>
+                    </a:solidFill>
+                    <a:latin typeface="+mn-lt"/>
+                    <a:ea typeface="+mn-ea"/>
+                    <a:cs typeface="+mn-cs"/>
+                  </a:defRPr>
+                </a:lvl7pPr>
+                <a:lvl8pPr marL="3429000" indent="-228600" algn="l" defTabSz="914400" rtl="0" eaLnBrk="1" latinLnBrk="0" hangingPunct="1">
+                  <a:lnSpc>
+                    <a:spcPct val="90000"/>
+                  </a:lnSpc>
+                  <a:spcBef>
+                    <a:spcPts val="500"/>
+                  </a:spcBef>
+                  <a:buFont typeface="Arial" panose="020B0604020202020204" pitchFamily="34" charset="0"/>
+                  <a:buChar char="•"/>
+                  <a:defRPr sz="1800" kern="1200">
+                    <a:solidFill>
+                      <a:schemeClr val="tx1"/>
+                    </a:solidFill>
+                    <a:latin typeface="+mn-lt"/>
+                    <a:ea typeface="+mn-ea"/>
+                    <a:cs typeface="+mn-cs"/>
+                  </a:defRPr>
+                </a:lvl8pPr>
+                <a:lvl9pPr marL="3886200" indent="-228600" algn="l" defTabSz="914400" rtl="0" eaLnBrk="1" latinLnBrk="0" hangingPunct="1">
+                  <a:lnSpc>
+                    <a:spcPct val="90000"/>
+                  </a:lnSpc>
+                  <a:spcBef>
+                    <a:spcPts val="500"/>
+                  </a:spcBef>
+                  <a:buFont typeface="Arial" panose="020B0604020202020204" pitchFamily="34" charset="0"/>
+                  <a:buChar char="•"/>
+                  <a:defRPr sz="1800" kern="1200">
+                    <a:solidFill>
+                      <a:schemeClr val="tx1"/>
+                    </a:solidFill>
+                    <a:latin typeface="+mn-lt"/>
+                    <a:ea typeface="+mn-ea"/>
+                    <a:cs typeface="+mn-cs"/>
+                  </a:defRPr>
+                </a:lvl9pPr>
+              </a:lstStyle>
               <a:p>
                 <a:pPr marL="0" indent="0">
+                  <a:buFont typeface="Arial" panose="020B0604020202020204" pitchFamily="34" charset="0"/>
                   <a:buNone/>
                 </a:pPr>
                 <a:r>
-                  <a:rPr lang="it-IT" sz="2400">
+                  <a:rPr lang="it-IT" sz="2400" dirty="0">
                     <a:solidFill>
                       <a:srgbClr val="002060"/>
                     </a:solidFill>
@@ -15025,7 +15701,7 @@
                   </m:oMath>
                 </a14:m>
                 <a:r>
-                  <a:rPr lang="it-IT" sz="2400">
+                  <a:rPr lang="it-IT" sz="2400" dirty="0">
                     <a:solidFill>
                       <a:srgbClr val="002060"/>
                     </a:solidFill>
@@ -15064,7 +15740,7 @@
                   </m:oMath>
                 </a14:m>
                 <a:r>
-                  <a:rPr lang="it-IT" sz="2400" i="1">
+                  <a:rPr lang="it-IT" sz="2400" i="1" dirty="0">
                     <a:solidFill>
                       <a:srgbClr val="C00000"/>
                     </a:solidFill>
@@ -15075,7 +15751,7 @@
                   <a:t>z</a:t>
                 </a:r>
                 <a:r>
-                  <a:rPr lang="it-IT" sz="2400" i="1">
+                  <a:rPr lang="it-IT" sz="2400" i="1" dirty="0">
                     <a:solidFill>
                       <a:srgbClr val="002060"/>
                     </a:solidFill>
@@ -15085,7 +15761,7 @@
                   </a:rPr>
                   <a:t>.</a:t>
                 </a:r>
-                <a:endParaRPr lang="it-IT" sz="2400">
+                <a:endParaRPr lang="it-IT" sz="2400" dirty="0">
                   <a:solidFill>
                     <a:srgbClr val="002060"/>
                   </a:solidFill>
@@ -15096,10 +15772,11 @@
               </a:p>
               <a:p>
                 <a:pPr marL="0" indent="0">
+                  <a:buFont typeface="Arial" panose="020B0604020202020204" pitchFamily="34" charset="0"/>
                   <a:buNone/>
                 </a:pPr>
                 <a:r>
-                  <a:rPr lang="it-IT" sz="2400">
+                  <a:rPr lang="it-IT" sz="2400" dirty="0">
                     <a:solidFill>
                       <a:srgbClr val="002060"/>
                     </a:solidFill>
@@ -15113,32 +15790,33 @@
             </p:txBody>
           </p:sp>
         </mc:Choice>
-        <mc:Fallback xmlns="">
+        <mc:Fallback>
           <p:sp>
             <p:nvSpPr>
-              <p:cNvPr id="3" name="Segnaposto contenuto 2">
+              <p:cNvPr id="13" name="Segnaposto contenuto 2">
                 <a:extLst>
                   <a:ext uri="{FF2B5EF4-FFF2-40B4-BE49-F238E27FC236}">
-                    <a16:creationId xmlns:a16="http://schemas.microsoft.com/office/drawing/2014/main" id="{C319475E-FE82-42AE-BA36-D2EB7E4F9A6E}"/>
+                    <a16:creationId xmlns:a16="http://schemas.microsoft.com/office/drawing/2014/main" id="{4ACFF441-0082-4224-8240-B4B770C3702A}"/>
                   </a:ext>
                 </a:extLst>
               </p:cNvPr>
-              <p:cNvSpPr>
-                <a:spLocks noGrp="1" noRot="1" noChangeAspect="1" noMove="1" noResize="1" noEditPoints="1" noAdjustHandles="1" noChangeArrowheads="1" noChangeShapeType="1" noTextEdit="1"/>
+              <p:cNvSpPr txBox="1">
+                <a:spLocks noRot="1" noChangeAspect="1" noMove="1" noResize="1" noEditPoints="1" noAdjustHandles="1" noChangeArrowheads="1" noChangeShapeType="1" noTextEdit="1"/>
               </p:cNvSpPr>
-              <p:nvPr>
-                <p:ph idx="1"/>
-              </p:nvPr>
+              <p:nvPr/>
             </p:nvSpPr>
             <p:spPr>
               <a:xfrm>
-                <a:off x="2797813" y="1461476"/>
-                <a:ext cx="8133042" cy="4796711"/>
+                <a:off x="3046904" y="3972903"/>
+                <a:ext cx="8133042" cy="1509528"/>
               </a:xfrm>
+              <a:prstGeom prst="rect">
+                <a:avLst/>
+              </a:prstGeom>
               <a:blipFill>
                 <a:blip r:embed="rId3"/>
                 <a:stretch>
-                  <a:fillRect l="-1199" t="-889"/>
+                  <a:fillRect l="-1199" t="-2834"/>
                 </a:stretch>
               </a:blipFill>
             </p:spPr>
@@ -15147,7 +15825,7 @@
               <a:lstStyle/>
               <a:p>
                 <a:r>
-                  <a:rPr lang="en-US">
+                  <a:rPr lang="it-IT">
                     <a:noFill/>
                   </a:rPr>
                   <a:t> </a:t>
@@ -15157,148 +15835,12 @@
           </p:sp>
         </mc:Fallback>
       </mc:AlternateContent>
-      <p:cxnSp>
-        <p:nvCxnSpPr>
-          <p:cNvPr id="5" name="Connettore diritto 4">
-            <a:extLst>
-              <a:ext uri="{FF2B5EF4-FFF2-40B4-BE49-F238E27FC236}">
-                <a16:creationId xmlns:a16="http://schemas.microsoft.com/office/drawing/2014/main" id="{76F4B5E1-0310-4D0B-91AB-2CBFCF073034}"/>
-              </a:ext>
-            </a:extLst>
-          </p:cNvPr>
-          <p:cNvCxnSpPr>
-            <a:cxnSpLocks/>
-          </p:cNvCxnSpPr>
-          <p:nvPr/>
-        </p:nvCxnSpPr>
-        <p:spPr>
-          <a:xfrm>
-            <a:off x="2682551" y="1393301"/>
-            <a:ext cx="8556949" cy="0"/>
-          </a:xfrm>
-          <a:prstGeom prst="line">
-            <a:avLst/>
-          </a:prstGeom>
-        </p:spPr>
-        <p:style>
-          <a:lnRef idx="1">
-            <a:schemeClr val="accent1"/>
-          </a:lnRef>
-          <a:fillRef idx="0">
-            <a:schemeClr val="accent1"/>
-          </a:fillRef>
-          <a:effectRef idx="0">
-            <a:schemeClr val="accent1"/>
-          </a:effectRef>
-          <a:fontRef idx="minor">
-            <a:schemeClr val="tx1"/>
-          </a:fontRef>
-        </p:style>
-      </p:cxnSp>
-      <p:sp>
-        <p:nvSpPr>
-          <p:cNvPr id="6" name="Titolo 1">
-            <a:extLst>
-              <a:ext uri="{FF2B5EF4-FFF2-40B4-BE49-F238E27FC236}">
-                <a16:creationId xmlns:a16="http://schemas.microsoft.com/office/drawing/2014/main" id="{9A05E275-3A55-496F-9D2D-85F0BCDCBCE0}"/>
-              </a:ext>
-            </a:extLst>
-          </p:cNvPr>
-          <p:cNvSpPr txBox="1">
-            <a:spLocks/>
-          </p:cNvSpPr>
-          <p:nvPr/>
-        </p:nvSpPr>
-        <p:spPr>
-          <a:xfrm>
-            <a:off x="2596867" y="407376"/>
-            <a:ext cx="8178047" cy="1054100"/>
-          </a:xfrm>
-          <a:prstGeom prst="rect">
-            <a:avLst/>
-          </a:prstGeom>
-        </p:spPr>
-        <p:txBody>
-          <a:bodyPr vert="horz" lIns="91440" tIns="45720" rIns="91440" bIns="45720" rtlCol="0" anchor="ctr">
-            <a:normAutofit/>
-          </a:bodyPr>
-          <a:lstStyle>
-            <a:lvl1pPr algn="l" defTabSz="914400" rtl="0" eaLnBrk="1" latinLnBrk="0" hangingPunct="1">
-              <a:lnSpc>
-                <a:spcPct val="90000"/>
-              </a:lnSpc>
-              <a:spcBef>
-                <a:spcPct val="0"/>
-              </a:spcBef>
-              <a:buNone/>
-              <a:defRPr sz="4400" kern="1200">
-                <a:solidFill>
-                  <a:schemeClr val="tx1"/>
-                </a:solidFill>
-                <a:latin typeface="+mj-lt"/>
-                <a:ea typeface="+mj-ea"/>
-                <a:cs typeface="+mj-cs"/>
-              </a:defRPr>
-            </a:lvl1pPr>
-          </a:lstStyle>
-          <a:p>
-            <a:r>
-              <a:rPr lang="it-IT" b="1">
-                <a:solidFill>
-                  <a:srgbClr val="002060"/>
-                </a:solidFill>
-                <a:ea typeface="Doulos SIL" panose="02000500070000020004" pitchFamily="2" charset="0"/>
-                <a:cs typeface="Doulos SIL" panose="02000500070000020004" pitchFamily="2" charset="0"/>
-              </a:rPr>
-              <a:t>2. Formulazione matematica (4/4)</a:t>
-            </a:r>
-          </a:p>
-        </p:txBody>
-      </p:sp>
-      <p:cxnSp>
-        <p:nvCxnSpPr>
-          <p:cNvPr id="7" name="Connettore diritto 6">
-            <a:extLst>
-              <a:ext uri="{FF2B5EF4-FFF2-40B4-BE49-F238E27FC236}">
-                <a16:creationId xmlns:a16="http://schemas.microsoft.com/office/drawing/2014/main" id="{2BB24FB4-2002-4B24-AA5E-14C95BD682EB}"/>
-              </a:ext>
-            </a:extLst>
-          </p:cNvPr>
-          <p:cNvCxnSpPr>
-            <a:cxnSpLocks/>
-          </p:cNvCxnSpPr>
-          <p:nvPr/>
-        </p:nvCxnSpPr>
-        <p:spPr>
-          <a:xfrm>
-            <a:off x="2985796" y="6357584"/>
-            <a:ext cx="8139403" cy="0"/>
-          </a:xfrm>
-          <a:prstGeom prst="line">
-            <a:avLst/>
-          </a:prstGeom>
-        </p:spPr>
-        <p:style>
-          <a:lnRef idx="1">
-            <a:schemeClr val="accent1"/>
-          </a:lnRef>
-          <a:fillRef idx="0">
-            <a:schemeClr val="accent1"/>
-          </a:fillRef>
-          <a:effectRef idx="0">
-            <a:schemeClr val="accent1"/>
-          </a:effectRef>
-          <a:fontRef idx="minor">
-            <a:schemeClr val="tx1"/>
-          </a:fontRef>
-        </p:style>
-      </p:cxnSp>
       <p:pic>
         <p:nvPicPr>
-          <p:cNvPr id="2" name="Picture 10" descr="A screenshot of a video game&#10;&#10;Description generated with high confidence">
-            <a:extLst>
-              <a:ext uri="{FF2B5EF4-FFF2-40B4-BE49-F238E27FC236}">
-                <a16:creationId xmlns:a16="http://schemas.microsoft.com/office/drawing/2014/main" id="{DC828E52-C1C0-4C33-AFDD-8DD86C7A6E77}"/>
+          <p:cNvPr id="17" name="Immagine 16">
+            <a:extLst>
+              <a:ext uri="{FF2B5EF4-FFF2-40B4-BE49-F238E27FC236}">
+                <a16:creationId xmlns:a16="http://schemas.microsoft.com/office/drawing/2014/main" id="{1018A18F-EF78-4917-AEA5-368FF04E0834}"/>
               </a:ext>
             </a:extLst>
           </p:cNvPr>
@@ -15308,280 +15850,63 @@
           <p:nvPr/>
         </p:nvPicPr>
         <p:blipFill>
-          <a:blip r:embed="rId4"/>
+          <a:blip r:embed="rId4">
+            <a:extLst>
+              <a:ext uri="{28A0092B-C50C-407E-A947-70E740481C1C}">
+                <a14:useLocalDpi xmlns:a14="http://schemas.microsoft.com/office/drawing/2010/main" val="0"/>
+              </a:ext>
+            </a:extLst>
+          </a:blip>
           <a:stretch>
             <a:fillRect/>
           </a:stretch>
         </p:blipFill>
         <p:spPr>
           <a:xfrm>
-            <a:off x="2740960" y="2971005"/>
-            <a:ext cx="9242611" cy="1128903"/>
+            <a:off x="3739410" y="2145062"/>
+            <a:ext cx="6748030" cy="1827841"/>
           </a:xfrm>
           <a:prstGeom prst="rect">
             <a:avLst/>
           </a:prstGeom>
         </p:spPr>
       </p:pic>
-      <p:sp>
-        <p:nvSpPr>
-          <p:cNvPr id="11" name="Rettangolo 10">
-            <a:extLst>
-              <a:ext uri="{FF2B5EF4-FFF2-40B4-BE49-F238E27FC236}">
-                <a16:creationId xmlns:a16="http://schemas.microsoft.com/office/drawing/2014/main" id="{C1AF5A75-4F3F-4C73-B7EA-628E80C89D8F}"/>
-              </a:ext>
-            </a:extLst>
-          </p:cNvPr>
-          <p:cNvSpPr/>
+      <p:pic>
+        <p:nvPicPr>
+          <p:cNvPr id="19" name="Immagine 18">
+            <a:extLst>
+              <a:ext uri="{FF2B5EF4-FFF2-40B4-BE49-F238E27FC236}">
+                <a16:creationId xmlns:a16="http://schemas.microsoft.com/office/drawing/2014/main" id="{D1EE3B57-E2FC-47CE-A15A-4BB3A6D0C89B}"/>
+              </a:ext>
+            </a:extLst>
+          </p:cNvPr>
+          <p:cNvPicPr>
+            <a:picLocks noChangeAspect="1"/>
+          </p:cNvPicPr>
           <p:nvPr/>
-        </p:nvSpPr>
+        </p:nvPicPr>
+        <p:blipFill>
+          <a:blip r:embed="rId5">
+            <a:extLst>
+              <a:ext uri="{28A0092B-C50C-407E-A947-70E740481C1C}">
+                <a14:useLocalDpi xmlns:a14="http://schemas.microsoft.com/office/drawing/2010/main" val="0"/>
+              </a:ext>
+            </a:extLst>
+          </a:blip>
+          <a:stretch>
+            <a:fillRect/>
+          </a:stretch>
+        </p:blipFill>
         <p:spPr>
           <a:xfrm>
-            <a:off x="1" y="5"/>
-            <a:ext cx="2565918" cy="6857995"/>
+            <a:off x="2626183" y="5328533"/>
+            <a:ext cx="9535726" cy="1017144"/>
           </a:xfrm>
           <a:prstGeom prst="rect">
             <a:avLst/>
           </a:prstGeom>
-          <a:solidFill>
-            <a:srgbClr val="FFFFFF">
-              <a:alpha val="50196"/>
-            </a:srgbClr>
-          </a:solidFill>
         </p:spPr>
-        <p:style>
-          <a:lnRef idx="2">
-            <a:schemeClr val="accent1"/>
-          </a:lnRef>
-          <a:fillRef idx="1">
-            <a:schemeClr val="lt1"/>
-          </a:fillRef>
-          <a:effectRef idx="0">
-            <a:schemeClr val="accent1"/>
-          </a:effectRef>
-          <a:fontRef idx="minor">
-            <a:schemeClr val="dk1"/>
-          </a:fontRef>
-        </p:style>
-        <p:txBody>
-          <a:bodyPr rtlCol="0" anchor="ctr"/>
-          <a:lstStyle/>
-          <a:p>
-            <a:pPr algn="ctr"/>
-            <a:endParaRPr lang="it-IT"/>
-          </a:p>
-        </p:txBody>
-      </p:sp>
-      <p:sp>
-        <p:nvSpPr>
-          <p:cNvPr id="12" name="CasellaDiTesto 11">
-            <a:extLst>
-              <a:ext uri="{FF2B5EF4-FFF2-40B4-BE49-F238E27FC236}">
-                <a16:creationId xmlns:a16="http://schemas.microsoft.com/office/drawing/2014/main" id="{1684A603-7B62-4FC1-8B03-4463C1D1BDCD}"/>
-              </a:ext>
-            </a:extLst>
-          </p:cNvPr>
-          <p:cNvSpPr txBox="1"/>
-          <p:nvPr/>
-        </p:nvSpPr>
-        <p:spPr>
-          <a:xfrm>
-            <a:off x="30334" y="782121"/>
-            <a:ext cx="2565516" cy="5293757"/>
-          </a:xfrm>
-          <a:prstGeom prst="rect">
-            <a:avLst/>
-          </a:prstGeom>
-          <a:noFill/>
-        </p:spPr>
-        <p:txBody>
-          <a:bodyPr wrap="square" rtlCol="0">
-            <a:spAutoFit/>
-          </a:bodyPr>
-          <a:lstStyle/>
-          <a:p>
-            <a:pPr marL="342900" indent="-342900">
-              <a:buAutoNum type="arabicPeriod"/>
-            </a:pPr>
-            <a:r>
-              <a:rPr lang="it-IT" sz="1600">
-                <a:solidFill>
-                  <a:schemeClr val="tx1">
-                    <a:lumMod val="50000"/>
-                    <a:lumOff val="50000"/>
-                  </a:schemeClr>
-                </a:solidFill>
-              </a:rPr>
-              <a:t>Descrizione del problema</a:t>
-            </a:r>
-          </a:p>
-          <a:p>
-            <a:r>
-              <a:rPr lang="it-IT" sz="1600">
-                <a:solidFill>
-                  <a:schemeClr val="tx1">
-                    <a:lumMod val="50000"/>
-                    <a:lumOff val="50000"/>
-                  </a:schemeClr>
-                </a:solidFill>
-              </a:rPr>
-              <a:t>1.1  Obiettivo della procedura</a:t>
-            </a:r>
-          </a:p>
-          <a:p>
-            <a:pPr marL="342900" indent="-342900">
-              <a:buAutoNum type="arabicPeriod" startAt="2"/>
-            </a:pPr>
-            <a:r>
-              <a:rPr lang="it-IT" sz="1600" b="1">
-                <a:solidFill>
-                  <a:srgbClr val="002060"/>
-                </a:solidFill>
-              </a:rPr>
-              <a:t>Formulazione matematica (4/4)</a:t>
-            </a:r>
-          </a:p>
-          <a:p>
-            <a:pPr marL="342900" indent="-342900">
-              <a:buAutoNum type="arabicPeriod" startAt="2"/>
-            </a:pPr>
-            <a:r>
-              <a:rPr lang="it-IT" sz="1600">
-                <a:solidFill>
-                  <a:schemeClr val="tx1">
-                    <a:lumMod val="50000"/>
-                    <a:lumOff val="50000"/>
-                  </a:schemeClr>
-                </a:solidFill>
-              </a:rPr>
-              <a:t>Tecnica di minimizzazione</a:t>
-            </a:r>
-          </a:p>
-          <a:p>
-            <a:r>
-              <a:rPr lang="it-IT" sz="1600">
-                <a:solidFill>
-                  <a:schemeClr val="tx1">
-                    <a:lumMod val="50000"/>
-                    <a:lumOff val="50000"/>
-                  </a:schemeClr>
-                </a:solidFill>
-              </a:rPr>
-              <a:t>3.1. Demo algoritmo</a:t>
-            </a:r>
-          </a:p>
-          <a:p>
-            <a:pPr marL="342900" indent="-342900">
-              <a:buAutoNum type="arabicPeriod" startAt="4"/>
-            </a:pPr>
-            <a:r>
-              <a:rPr lang="it-IT" sz="1600">
-                <a:solidFill>
-                  <a:schemeClr val="tx1">
-                    <a:lumMod val="50000"/>
-                    <a:lumOff val="50000"/>
-                  </a:schemeClr>
-                </a:solidFill>
-              </a:rPr>
-              <a:t>Esperimenti</a:t>
-            </a:r>
-          </a:p>
-          <a:p>
-            <a:r>
-              <a:rPr lang="it-IT" sz="1600">
-                <a:solidFill>
-                  <a:schemeClr val="tx1">
-                    <a:lumMod val="50000"/>
-                    <a:lumOff val="50000"/>
-                  </a:schemeClr>
-                </a:solidFill>
-              </a:rPr>
-              <a:t>4.1. Premesse</a:t>
-            </a:r>
-          </a:p>
-          <a:p>
-            <a:r>
-              <a:rPr lang="it-IT" sz="1600">
-                <a:solidFill>
-                  <a:schemeClr val="tx1">
-                    <a:lumMod val="50000"/>
-                    <a:lumOff val="50000"/>
-                  </a:schemeClr>
-                </a:solidFill>
-              </a:rPr>
-              <a:t>4.2. Dati assegnati</a:t>
-            </a:r>
-          </a:p>
-          <a:p>
-            <a:r>
-              <a:rPr lang="it-IT" sz="1600">
-                <a:solidFill>
-                  <a:schemeClr val="tx1">
-                    <a:lumMod val="50000"/>
-                    <a:lumOff val="50000"/>
-                  </a:schemeClr>
-                </a:solidFill>
-              </a:rPr>
-              <a:t>4.3. Collaudo dell’algoritmo</a:t>
-            </a:r>
-          </a:p>
-          <a:p>
-            <a:r>
-              <a:rPr lang="it-IT" sz="1600">
-                <a:solidFill>
-                  <a:schemeClr val="tx1">
-                    <a:lumMod val="50000"/>
-                    <a:lumOff val="50000"/>
-                  </a:schemeClr>
-                </a:solidFill>
-              </a:rPr>
-              <a:t>4.4. Esperimento 3D senza vincoli</a:t>
-            </a:r>
-          </a:p>
-          <a:p>
-            <a:r>
-              <a:rPr lang="it-IT" sz="1600">
-                <a:solidFill>
-                  <a:schemeClr val="tx1">
-                    <a:lumMod val="50000"/>
-                    <a:lumOff val="50000"/>
-                  </a:schemeClr>
-                </a:solidFill>
-              </a:rPr>
-              <a:t>4.5. Esperimento 3D con vincolo di disuguaglianza</a:t>
-            </a:r>
-          </a:p>
-          <a:p>
-            <a:r>
-              <a:rPr lang="it-IT" sz="1600">
-                <a:solidFill>
-                  <a:schemeClr val="tx1">
-                    <a:lumMod val="50000"/>
-                    <a:lumOff val="50000"/>
-                  </a:schemeClr>
-                </a:solidFill>
-              </a:rPr>
-              <a:t>4.6. Esperimento 2D con vincolo di uguaglianza</a:t>
-            </a:r>
-          </a:p>
-          <a:p>
-            <a:r>
-              <a:rPr lang="it-IT" sz="1600">
-                <a:solidFill>
-                  <a:schemeClr val="tx1">
-                    <a:lumMod val="50000"/>
-                    <a:lumOff val="50000"/>
-                  </a:schemeClr>
-                </a:solidFill>
-              </a:rPr>
-              <a:t>5.    Risultati e conclusioni</a:t>
-            </a:r>
-          </a:p>
-          <a:p>
-            <a:endParaRPr lang="it-IT"/>
-          </a:p>
-        </p:txBody>
-      </p:sp>
+      </p:pic>
     </p:spTree>
     <p:extLst>
       <p:ext uri="{BB962C8B-B14F-4D97-AF65-F5344CB8AC3E}">

--- a/writeup/Slides.pptx
+++ b/writeup/Slides.pptx
@@ -25,6 +25,7 @@
     <p:sldId id="266" r:id="rId19"/>
     <p:sldId id="267" r:id="rId20"/>
     <p:sldId id="277" r:id="rId21"/>
+    <p:sldId id="281" r:id="rId22"/>
   </p:sldIdLst>
   <p:sldSz cx="12192000" cy="6858000"/>
   <p:notesSz cx="6858000" cy="9144000"/>
@@ -148,6 +149,7 @@
             <p14:sldId id="266"/>
             <p14:sldId id="267"/>
             <p14:sldId id="277"/>
+            <p14:sldId id="281"/>
           </p14:sldIdLst>
         </p14:section>
       </p14:sectionLst>
@@ -163,9 +165,9 @@
 <p1510:revInfo xmlns:a="http://schemas.openxmlformats.org/drawingml/2006/main" xmlns:r="http://schemas.openxmlformats.org/officeDocument/2006/relationships" xmlns:p1510="http://schemas.microsoft.com/office/powerpoint/2015/10/main">
   <p1510:revLst>
     <p1510:client id="{84FA5B88-F502-465F-ACC7-B7F033E01A7E}" v="316" dt="2018-12-03T21:06:04.939"/>
+    <p1510:client id="{10F92BBE-6513-4C7B-0321-95D3B136DA99}" v="1" dt="2018-12-03T23:17:59.267"/>
+    <p1510:client id="{7AD5030A-0C67-41A6-858C-383DC736EF4C}" v="138" dt="2018-12-03T20:56:55.360"/>
     <p1510:client id="{F5E20A4E-8911-3E51-843F-2BA95DB8A042}" v="24" dt="2018-12-03T22:13:51.207"/>
-    <p1510:client id="{7AD5030A-0C67-41A6-858C-383DC736EF4C}" v="138" dt="2018-12-03T20:56:55.360"/>
-    <p1510:client id="{10F92BBE-6513-4C7B-0321-95D3B136DA99}" v="1" dt="2018-12-03T23:17:59.267"/>
     <p1510:client id="{B86D841B-CFA6-4940-9543-14A01CCDC4E9}" v="20" dt="2018-12-03T21:21:49.560"/>
     <p1510:client id="{28CE7897-7DD4-B384-ED67-5DAB5D70B2F6}" v="181" dt="2018-12-03T23:45:00.352"/>
   </p1510:revLst>
@@ -3514,7 +3516,7 @@
           <a:lstStyle/>
           <a:p>
             <a:r>
-              <a:rPr lang="it-IT">
+              <a:rPr lang="it-IT" dirty="0">
                 <a:latin typeface="Doulos SIL" panose="02000500070000020004" pitchFamily="2" charset="0"/>
                 <a:ea typeface="Doulos SIL" panose="02000500070000020004" pitchFamily="2" charset="0"/>
                 <a:cs typeface="Doulos SIL" panose="02000500070000020004" pitchFamily="2" charset="0"/>
@@ -3524,7 +3526,7 @@
           </a:p>
           <a:p>
             <a:r>
-              <a:rPr lang="it-IT" b="1">
+              <a:rPr lang="it-IT" b="1" dirty="0">
                 <a:latin typeface="Doulos SIL" panose="02000500070000020004" pitchFamily="2" charset="0"/>
                 <a:ea typeface="Doulos SIL" panose="02000500070000020004" pitchFamily="2" charset="0"/>
                 <a:cs typeface="Doulos SIL" panose="02000500070000020004" pitchFamily="2" charset="0"/>
@@ -7037,13 +7039,17 @@
             <a:r>
               <a:rPr lang="it-IT" b="1" dirty="0">
                 <a:solidFill>
-                  <a:srgbClr val="FF0000"/>
+                  <a:srgbClr val="C00000"/>
                 </a:solidFill>
               </a:rPr>
               <a:t>condizioni di arresto</a:t>
             </a:r>
             <a:r>
-              <a:rPr lang="it-IT" dirty="0"/>
+              <a:rPr lang="it-IT" dirty="0">
+                <a:solidFill>
+                  <a:srgbClr val="C00000"/>
+                </a:solidFill>
+              </a:rPr>
               <a:t> </a:t>
             </a:r>
           </a:p>
@@ -7312,26 +7318,14 @@
                 </a:solidFill>
                 <a:latin typeface="+mj-lt"/>
               </a:rPr>
-              <a:t> della funzione da minimizzare:</a:t>
-            </a:r>
-            <a:br>
-              <a:rPr lang="it-IT" sz="2000" dirty="0">
-                <a:solidFill>
-                  <a:srgbClr val="002060"/>
-                </a:solidFill>
-                <a:latin typeface="+mj-lt"/>
-                <a:cs typeface="Calibri Light"/>
-              </a:rPr>
-            </a:br>
-            <a:r>
-              <a:rPr lang="it-IT" sz="2000" b="1" i="1" dirty="0">
-                <a:solidFill>
-                  <a:srgbClr val="C00000"/>
-                </a:solidFill>
-                <a:latin typeface="+mj-lt"/>
-              </a:rPr>
-              <a:t>risultati più accurati</a:t>
-            </a:r>
+              <a:t> della funzione da minimizzare, ma senza vantaggi apprezzabili</a:t>
+            </a:r>
+            <a:endParaRPr lang="it-IT" sz="2000" b="1" i="1" dirty="0">
+              <a:solidFill>
+                <a:srgbClr val="C00000"/>
+              </a:solidFill>
+              <a:latin typeface="+mj-lt"/>
+            </a:endParaRPr>
           </a:p>
         </p:txBody>
       </p:sp>
@@ -7737,7 +7731,7 @@
           <a:lstStyle/>
           <a:p>
             <a:r>
-              <a:rPr lang="it-IT" sz="2000">
+              <a:rPr lang="it-IT" sz="2000" dirty="0">
                 <a:solidFill>
                   <a:srgbClr val="002060"/>
                 </a:solidFill>
@@ -7755,7 +7749,7 @@
               </a:rPr>
             </a:br>
             <a:r>
-              <a:rPr lang="it-IT" sz="2000">
+              <a:rPr lang="it-IT" sz="2000" dirty="0">
                 <a:solidFill>
                   <a:srgbClr val="002060"/>
                 </a:solidFill>
@@ -7773,7 +7767,7 @@
               </a:rPr>
             </a:br>
             <a:r>
-              <a:rPr lang="it-IT" sz="2000" b="1" i="1">
+              <a:rPr lang="it-IT" sz="2000" b="1" i="1" dirty="0">
                 <a:solidFill>
                   <a:srgbClr val="C00000"/>
                 </a:solidFill>
@@ -7782,7 +7776,7 @@
               <a:t>R ≤ 2Z</a:t>
             </a:r>
             <a:r>
-              <a:rPr lang="it-IT" sz="2000">
+              <a:rPr lang="it-IT" sz="2000" dirty="0">
                 <a:solidFill>
                   <a:srgbClr val="002060"/>
                 </a:solidFill>
@@ -7793,7 +7787,7 @@
           </a:p>
           <a:p>
             <a:r>
-              <a:rPr lang="it-IT" sz="2000">
+              <a:rPr lang="it-IT" sz="2000" dirty="0">
                 <a:solidFill>
                   <a:srgbClr val="002060"/>
                 </a:solidFill>
@@ -7811,7 +7805,7 @@
               </a:rPr>
             </a:br>
             <a:r>
-              <a:rPr lang="it-IT" sz="2000">
+              <a:rPr lang="it-IT" sz="2000" dirty="0">
                 <a:solidFill>
                   <a:srgbClr val="002060"/>
                 </a:solidFill>
@@ -8333,44 +8327,6 @@
       </p:grpSpPr>
       <p:cxnSp>
         <p:nvCxnSpPr>
-          <p:cNvPr id="6" name="Connettore diritto 5">
-            <a:extLst>
-              <a:ext uri="{FF2B5EF4-FFF2-40B4-BE49-F238E27FC236}">
-                <a16:creationId xmlns:a16="http://schemas.microsoft.com/office/drawing/2014/main" id="{B55DB0D4-3783-4F5C-AD3E-B5235DE52A3E}"/>
-              </a:ext>
-            </a:extLst>
-          </p:cNvPr>
-          <p:cNvCxnSpPr>
-            <a:cxnSpLocks/>
-          </p:cNvCxnSpPr>
-          <p:nvPr/>
-        </p:nvCxnSpPr>
-        <p:spPr>
-          <a:xfrm>
-            <a:off x="3237722" y="1133242"/>
-            <a:ext cx="8691423" cy="0"/>
-          </a:xfrm>
-          <a:prstGeom prst="line">
-            <a:avLst/>
-          </a:prstGeom>
-        </p:spPr>
-        <p:style>
-          <a:lnRef idx="1">
-            <a:schemeClr val="accent1"/>
-          </a:lnRef>
-          <a:fillRef idx="0">
-            <a:schemeClr val="accent1"/>
-          </a:fillRef>
-          <a:effectRef idx="0">
-            <a:schemeClr val="accent1"/>
-          </a:effectRef>
-          <a:fontRef idx="minor">
-            <a:schemeClr val="tx1"/>
-          </a:fontRef>
-        </p:style>
-      </p:cxnSp>
-      <p:cxnSp>
-        <p:nvCxnSpPr>
           <p:cNvPr id="9" name="Connettore diritto 8">
             <a:extLst>
               <a:ext uri="{FF2B5EF4-FFF2-40B4-BE49-F238E27FC236}">
@@ -8797,195 +8753,31 @@
       </p:pic>
       <p:sp>
         <p:nvSpPr>
-          <p:cNvPr id="7" name="Segnaposto contenuto 2">
-            <a:extLst>
-              <a:ext uri="{FF2B5EF4-FFF2-40B4-BE49-F238E27FC236}">
-                <a16:creationId xmlns:a16="http://schemas.microsoft.com/office/drawing/2014/main" id="{4DAC2113-517A-40EA-8B4A-DAECC1165F9C}"/>
-              </a:ext>
-            </a:extLst>
-          </p:cNvPr>
-          <p:cNvSpPr txBox="1">
-            <a:spLocks/>
+          <p:cNvPr id="10" name="Segnaposto contenuto 2">
+            <a:extLst>
+              <a:ext uri="{FF2B5EF4-FFF2-40B4-BE49-F238E27FC236}">
+                <a16:creationId xmlns:a16="http://schemas.microsoft.com/office/drawing/2014/main" id="{39F5F7BC-C6A7-4D95-BDE8-AB9F8535A647}"/>
+              </a:ext>
+            </a:extLst>
+          </p:cNvPr>
+          <p:cNvSpPr>
+            <a:spLocks noGrp="1"/>
           </p:cNvSpPr>
-          <p:nvPr/>
+          <p:nvPr>
+            <p:ph idx="1"/>
+          </p:nvPr>
         </p:nvSpPr>
         <p:spPr>
           <a:xfrm>
-            <a:off x="2781525" y="1331109"/>
+            <a:off x="2781525" y="1268963"/>
             <a:ext cx="2989019" cy="4493819"/>
           </a:xfrm>
-          <a:prstGeom prst="rect">
-            <a:avLst/>
-          </a:prstGeom>
         </p:spPr>
         <p:txBody>
           <a:bodyPr vert="horz" lIns="91440" tIns="45720" rIns="91440" bIns="45720" rtlCol="0" anchor="t">
             <a:normAutofit/>
           </a:bodyPr>
-          <a:lstStyle>
-            <a:lvl1pPr marL="228600" indent="-228600" algn="l" defTabSz="914400" rtl="0" eaLnBrk="1" latinLnBrk="0" hangingPunct="1">
-              <a:lnSpc>
-                <a:spcPct val="90000"/>
-              </a:lnSpc>
-              <a:spcBef>
-                <a:spcPts val="1000"/>
-              </a:spcBef>
-              <a:buFont typeface="Arial" panose="020B0604020202020204" pitchFamily="34" charset="0"/>
-              <a:buChar char="•"/>
-              <a:defRPr sz="2800" kern="1200">
-                <a:solidFill>
-                  <a:schemeClr val="tx1"/>
-                </a:solidFill>
-                <a:latin typeface="+mn-lt"/>
-                <a:ea typeface="+mn-ea"/>
-                <a:cs typeface="+mn-cs"/>
-              </a:defRPr>
-            </a:lvl1pPr>
-            <a:lvl2pPr marL="685800" indent="-228600" algn="l" defTabSz="914400" rtl="0" eaLnBrk="1" latinLnBrk="0" hangingPunct="1">
-              <a:lnSpc>
-                <a:spcPct val="90000"/>
-              </a:lnSpc>
-              <a:spcBef>
-                <a:spcPts val="500"/>
-              </a:spcBef>
-              <a:buFont typeface="Arial" panose="020B0604020202020204" pitchFamily="34" charset="0"/>
-              <a:buChar char="•"/>
-              <a:defRPr sz="2400" kern="1200">
-                <a:solidFill>
-                  <a:schemeClr val="tx1"/>
-                </a:solidFill>
-                <a:latin typeface="+mn-lt"/>
-                <a:ea typeface="+mn-ea"/>
-                <a:cs typeface="+mn-cs"/>
-              </a:defRPr>
-            </a:lvl2pPr>
-            <a:lvl3pPr marL="1143000" indent="-228600" algn="l" defTabSz="914400" rtl="0" eaLnBrk="1" latinLnBrk="0" hangingPunct="1">
-              <a:lnSpc>
-                <a:spcPct val="90000"/>
-              </a:lnSpc>
-              <a:spcBef>
-                <a:spcPts val="500"/>
-              </a:spcBef>
-              <a:buFont typeface="Arial" panose="020B0604020202020204" pitchFamily="34" charset="0"/>
-              <a:buChar char="•"/>
-              <a:defRPr sz="2000" kern="1200">
-                <a:solidFill>
-                  <a:schemeClr val="tx1"/>
-                </a:solidFill>
-                <a:latin typeface="+mn-lt"/>
-                <a:ea typeface="+mn-ea"/>
-                <a:cs typeface="+mn-cs"/>
-              </a:defRPr>
-            </a:lvl3pPr>
-            <a:lvl4pPr marL="1600200" indent="-228600" algn="l" defTabSz="914400" rtl="0" eaLnBrk="1" latinLnBrk="0" hangingPunct="1">
-              <a:lnSpc>
-                <a:spcPct val="90000"/>
-              </a:lnSpc>
-              <a:spcBef>
-                <a:spcPts val="500"/>
-              </a:spcBef>
-              <a:buFont typeface="Arial" panose="020B0604020202020204" pitchFamily="34" charset="0"/>
-              <a:buChar char="•"/>
-              <a:defRPr sz="1800" kern="1200">
-                <a:solidFill>
-                  <a:schemeClr val="tx1"/>
-                </a:solidFill>
-                <a:latin typeface="+mn-lt"/>
-                <a:ea typeface="+mn-ea"/>
-                <a:cs typeface="+mn-cs"/>
-              </a:defRPr>
-            </a:lvl4pPr>
-            <a:lvl5pPr marL="2057400" indent="-228600" algn="l" defTabSz="914400" rtl="0" eaLnBrk="1" latinLnBrk="0" hangingPunct="1">
-              <a:lnSpc>
-                <a:spcPct val="90000"/>
-              </a:lnSpc>
-              <a:spcBef>
-                <a:spcPts val="500"/>
-              </a:spcBef>
-              <a:buFont typeface="Arial" panose="020B0604020202020204" pitchFamily="34" charset="0"/>
-              <a:buChar char="•"/>
-              <a:defRPr sz="1800" kern="1200">
-                <a:solidFill>
-                  <a:schemeClr val="tx1"/>
-                </a:solidFill>
-                <a:latin typeface="+mn-lt"/>
-                <a:ea typeface="+mn-ea"/>
-                <a:cs typeface="+mn-cs"/>
-              </a:defRPr>
-            </a:lvl5pPr>
-            <a:lvl6pPr marL="2514600" indent="-228600" algn="l" defTabSz="914400" rtl="0" eaLnBrk="1" latinLnBrk="0" hangingPunct="1">
-              <a:lnSpc>
-                <a:spcPct val="90000"/>
-              </a:lnSpc>
-              <a:spcBef>
-                <a:spcPts val="500"/>
-              </a:spcBef>
-              <a:buFont typeface="Arial" panose="020B0604020202020204" pitchFamily="34" charset="0"/>
-              <a:buChar char="•"/>
-              <a:defRPr sz="1800" kern="1200">
-                <a:solidFill>
-                  <a:schemeClr val="tx1"/>
-                </a:solidFill>
-                <a:latin typeface="+mn-lt"/>
-                <a:ea typeface="+mn-ea"/>
-                <a:cs typeface="+mn-cs"/>
-              </a:defRPr>
-            </a:lvl6pPr>
-            <a:lvl7pPr marL="2971800" indent="-228600" algn="l" defTabSz="914400" rtl="0" eaLnBrk="1" latinLnBrk="0" hangingPunct="1">
-              <a:lnSpc>
-                <a:spcPct val="90000"/>
-              </a:lnSpc>
-              <a:spcBef>
-                <a:spcPts val="500"/>
-              </a:spcBef>
-              <a:buFont typeface="Arial" panose="020B0604020202020204" pitchFamily="34" charset="0"/>
-              <a:buChar char="•"/>
-              <a:defRPr sz="1800" kern="1200">
-                <a:solidFill>
-                  <a:schemeClr val="tx1"/>
-                </a:solidFill>
-                <a:latin typeface="+mn-lt"/>
-                <a:ea typeface="+mn-ea"/>
-                <a:cs typeface="+mn-cs"/>
-              </a:defRPr>
-            </a:lvl7pPr>
-            <a:lvl8pPr marL="3429000" indent="-228600" algn="l" defTabSz="914400" rtl="0" eaLnBrk="1" latinLnBrk="0" hangingPunct="1">
-              <a:lnSpc>
-                <a:spcPct val="90000"/>
-              </a:lnSpc>
-              <a:spcBef>
-                <a:spcPts val="500"/>
-              </a:spcBef>
-              <a:buFont typeface="Arial" panose="020B0604020202020204" pitchFamily="34" charset="0"/>
-              <a:buChar char="•"/>
-              <a:defRPr sz="1800" kern="1200">
-                <a:solidFill>
-                  <a:schemeClr val="tx1"/>
-                </a:solidFill>
-                <a:latin typeface="+mn-lt"/>
-                <a:ea typeface="+mn-ea"/>
-                <a:cs typeface="+mn-cs"/>
-              </a:defRPr>
-            </a:lvl8pPr>
-            <a:lvl9pPr marL="3886200" indent="-228600" algn="l" defTabSz="914400" rtl="0" eaLnBrk="1" latinLnBrk="0" hangingPunct="1">
-              <a:lnSpc>
-                <a:spcPct val="90000"/>
-              </a:lnSpc>
-              <a:spcBef>
-                <a:spcPts val="500"/>
-              </a:spcBef>
-              <a:buFont typeface="Arial" panose="020B0604020202020204" pitchFamily="34" charset="0"/>
-              <a:buChar char="•"/>
-              <a:defRPr sz="1800" kern="1200">
-                <a:solidFill>
-                  <a:schemeClr val="tx1"/>
-                </a:solidFill>
-                <a:latin typeface="+mn-lt"/>
-                <a:ea typeface="+mn-ea"/>
-                <a:cs typeface="+mn-cs"/>
-              </a:defRPr>
-            </a:lvl9pPr>
-          </a:lstStyle>
+          <a:lstStyle/>
           <a:p>
             <a:r>
               <a:rPr lang="it-IT" sz="2000" dirty="0">
@@ -9073,6 +8865,44 @@
           </a:p>
         </p:txBody>
       </p:sp>
+      <p:cxnSp>
+        <p:nvCxnSpPr>
+          <p:cNvPr id="11" name="Connettore diritto 10">
+            <a:extLst>
+              <a:ext uri="{FF2B5EF4-FFF2-40B4-BE49-F238E27FC236}">
+                <a16:creationId xmlns:a16="http://schemas.microsoft.com/office/drawing/2014/main" id="{B55005DC-F10E-4BBA-B633-B4A24F8B58AB}"/>
+              </a:ext>
+            </a:extLst>
+          </p:cNvPr>
+          <p:cNvCxnSpPr>
+            <a:cxnSpLocks/>
+          </p:cNvCxnSpPr>
+          <p:nvPr/>
+        </p:nvCxnSpPr>
+        <p:spPr>
+          <a:xfrm>
+            <a:off x="2967135" y="1133242"/>
+            <a:ext cx="8962010" cy="0"/>
+          </a:xfrm>
+          <a:prstGeom prst="line">
+            <a:avLst/>
+          </a:prstGeom>
+        </p:spPr>
+        <p:style>
+          <a:lnRef idx="1">
+            <a:schemeClr val="accent1"/>
+          </a:lnRef>
+          <a:fillRef idx="0">
+            <a:schemeClr val="accent1"/>
+          </a:fillRef>
+          <a:effectRef idx="0">
+            <a:schemeClr val="accent1"/>
+          </a:effectRef>
+          <a:fontRef idx="minor">
+            <a:schemeClr val="tx1"/>
+          </a:fontRef>
+        </p:style>
+      </p:cxnSp>
     </p:spTree>
     <p:extLst>
       <p:ext uri="{BB962C8B-B14F-4D97-AF65-F5344CB8AC3E}">
@@ -10097,6 +9927,60 @@
           </a:prstGeom>
         </p:spPr>
       </p:pic>
+      <p:sp>
+        <p:nvSpPr>
+          <p:cNvPr id="3" name="Rettangolo 2">
+            <a:extLst>
+              <a:ext uri="{FF2B5EF4-FFF2-40B4-BE49-F238E27FC236}">
+                <a16:creationId xmlns:a16="http://schemas.microsoft.com/office/drawing/2014/main" id="{FAC1734E-DE0B-4B0B-8D2C-EEF9276F1704}"/>
+              </a:ext>
+            </a:extLst>
+          </p:cNvPr>
+          <p:cNvSpPr/>
+          <p:nvPr/>
+        </p:nvSpPr>
+        <p:spPr>
+          <a:xfrm flipH="1">
+            <a:off x="3037133" y="3713119"/>
+            <a:ext cx="36000" cy="218440"/>
+          </a:xfrm>
+          <a:prstGeom prst="rect">
+            <a:avLst/>
+          </a:prstGeom>
+          <a:solidFill>
+            <a:schemeClr val="bg1"/>
+          </a:solidFill>
+          <a:ln>
+            <a:solidFill>
+              <a:schemeClr val="bg1"/>
+            </a:solidFill>
+          </a:ln>
+        </p:spPr>
+        <p:style>
+          <a:lnRef idx="2">
+            <a:schemeClr val="accent1">
+              <a:shade val="50000"/>
+            </a:schemeClr>
+          </a:lnRef>
+          <a:fillRef idx="1">
+            <a:schemeClr val="accent1"/>
+          </a:fillRef>
+          <a:effectRef idx="0">
+            <a:schemeClr val="accent1"/>
+          </a:effectRef>
+          <a:fontRef idx="minor">
+            <a:schemeClr val="lt1"/>
+          </a:fontRef>
+        </p:style>
+        <p:txBody>
+          <a:bodyPr rtlCol="0" anchor="ctr"/>
+          <a:lstStyle/>
+          <a:p>
+            <a:pPr algn="ctr"/>
+            <a:endParaRPr lang="it-IT"/>
+          </a:p>
+        </p:txBody>
+      </p:sp>
     </p:spTree>
     <p:extLst>
       <p:ext uri="{BB962C8B-B14F-4D97-AF65-F5344CB8AC3E}">
@@ -10644,16 +10528,16 @@
           <a:lstStyle/>
           <a:p>
             <a:r>
-              <a:rPr lang="it-IT" sz="2400">
+              <a:rPr lang="it-IT" sz="2400" dirty="0">
                 <a:solidFill>
                   <a:srgbClr val="002060"/>
                 </a:solidFill>
                 <a:latin typeface="Calibri Light"/>
                 <a:cs typeface="Calibri Light"/>
               </a:rPr>
-              <a:t>Test con 3 gradi di libertà senza vincoli: risultati più accurati in presenza di un numero maggiore di campioni</a:t>
-            </a:r>
-            <a:endParaRPr lang="it-IT" sz="2400">
+              <a:t>Test con 3 gradi di libertà senza vincoli: risultati soddisfacenti con più e meno campioni della funzione obiettivo</a:t>
+            </a:r>
+            <a:endParaRPr lang="it-IT" sz="2400" dirty="0">
               <a:solidFill>
                 <a:srgbClr val="C00000"/>
               </a:solidFill>
@@ -10663,7 +10547,7 @@
           </a:p>
           <a:p>
             <a:r>
-              <a:rPr lang="it-IT" sz="2400">
+              <a:rPr lang="it-IT" sz="2400" dirty="0">
                 <a:solidFill>
                   <a:srgbClr val="002060"/>
                 </a:solidFill>
@@ -10675,7 +10559,7 @@
           </a:p>
           <a:p>
             <a:r>
-              <a:rPr lang="it-IT" sz="2400">
+              <a:rPr lang="it-IT" sz="2400" dirty="0">
                 <a:solidFill>
                   <a:srgbClr val="002060"/>
                 </a:solidFill>
@@ -10702,7 +10586,7 @@
           <p:nvPr>
             <p:extLst>
               <p:ext uri="{D42A27DB-BD31-4B8C-83A1-F6EECF244321}">
-                <p14:modId xmlns:p14="http://schemas.microsoft.com/office/powerpoint/2010/main" val="1575273576"/>
+                <p14:modId xmlns:p14="http://schemas.microsoft.com/office/powerpoint/2010/main" val="1187492403"/>
               </p:ext>
             </p:extLst>
           </p:nvPr>
@@ -10759,7 +10643,7 @@
                         </a:lnSpc>
                       </a:pPr>
                       <a:r>
-                        <a:rPr lang="it-IT" sz="2000" b="0"/>
+                        <a:rPr lang="it-IT" sz="2000" b="0" dirty="0"/>
                         <a:t>3D senza vincoli</a:t>
                       </a:r>
                     </a:p>
@@ -10777,7 +10661,7 @@
                         </a:lnSpc>
                       </a:pPr>
                       <a:r>
-                        <a:rPr lang="it-IT" sz="2000" b="0"/>
+                        <a:rPr lang="it-IT" sz="2000" b="0" dirty="0"/>
                         <a:t>R = 0.799 ± 0.001m</a:t>
                       </a:r>
                     </a:p>
@@ -10807,7 +10691,7 @@
                         <a:defRPr/>
                       </a:pPr>
                       <a:r>
-                        <a:rPr lang="it-IT" sz="2000" b="0"/>
+                        <a:rPr lang="it-IT" sz="2000" b="0" dirty="0"/>
                         <a:t>I = 4.999 ± 0.001A</a:t>
                       </a:r>
                     </a:p>
@@ -10837,7 +10721,7 @@
                         <a:defRPr/>
                       </a:pPr>
                       <a:r>
-                        <a:rPr lang="it-IT" sz="2000" b="0"/>
+                        <a:rPr lang="it-IT" sz="2000" b="0" dirty="0"/>
                         <a:t>Z = 0.700 ± 0.001m</a:t>
                       </a:r>
                     </a:p>
@@ -10862,15 +10746,15 @@
                         </a:lnSpc>
                       </a:pPr>
                       <a:r>
-                        <a:rPr lang="it-IT" sz="2000" b="0"/>
+                        <a:rPr lang="it-IT" sz="2000" b="0" dirty="0"/>
                         <a:t>3D vincolo </a:t>
                       </a:r>
                       <a:r>
-                        <a:rPr lang="it-IT" sz="2000" b="0" err="1"/>
+                        <a:rPr lang="it-IT" sz="2000" b="0" dirty="0" err="1"/>
                         <a:t>dis</a:t>
                       </a:r>
                       <a:r>
-                        <a:rPr lang="it-IT" sz="2000" b="0"/>
+                        <a:rPr lang="it-IT" sz="2000" b="0" dirty="0"/>
                         <a:t>.</a:t>
                       </a:r>
                     </a:p>
@@ -10900,7 +10784,7 @@
                         <a:defRPr/>
                       </a:pPr>
                       <a:r>
-                        <a:rPr lang="it-IT" sz="2000" b="0"/>
+                        <a:rPr lang="it-IT" sz="2000" b="0" dirty="0"/>
                         <a:t>R = 0.999 ± 0.001m</a:t>
                       </a:r>
                     </a:p>
@@ -10926,10 +10810,10 @@
                         <a:buNone/>
                       </a:pPr>
                       <a:r>
-                        <a:rPr lang="it-IT" sz="2000" b="0"/>
+                        <a:rPr lang="it-IT" sz="2000" b="0" dirty="0"/>
                         <a:t>I = 4.092 ± 0.001A</a:t>
                       </a:r>
-                      <a:endParaRPr lang="it-IT"/>
+                      <a:endParaRPr lang="it-IT" dirty="0"/>
                     </a:p>
                   </a:txBody>
                   <a:tcPr anchor="ctr"/>
@@ -10957,7 +10841,7 @@
                         <a:defRPr/>
                       </a:pPr>
                       <a:r>
-                        <a:rPr lang="it-IT" sz="2000" b="0"/>
+                        <a:rPr lang="it-IT" sz="2000" b="0" dirty="0"/>
                         <a:t>Z = 0.495 ± 0.001m</a:t>
                       </a:r>
                     </a:p>
@@ -10982,15 +10866,15 @@
                         </a:lnSpc>
                       </a:pPr>
                       <a:r>
-                        <a:rPr lang="it-IT" sz="2000"/>
+                        <a:rPr lang="it-IT" sz="2000" dirty="0"/>
                         <a:t>2D vincolo </a:t>
                       </a:r>
                       <a:r>
-                        <a:rPr lang="it-IT" sz="2000" err="1"/>
+                        <a:rPr lang="it-IT" sz="2000" dirty="0" err="1"/>
                         <a:t>ug</a:t>
                       </a:r>
                       <a:r>
-                        <a:rPr lang="it-IT" sz="2000"/>
+                        <a:rPr lang="it-IT" sz="2000" dirty="0"/>
                         <a:t>.</a:t>
                       </a:r>
                     </a:p>
@@ -11050,7 +10934,7 @@
                         <a:defRPr/>
                       </a:pPr>
                       <a:r>
-                        <a:rPr lang="it-IT" sz="2000" b="0"/>
+                        <a:rPr lang="it-IT" sz="2000" b="0" dirty="0"/>
                         <a:t>I = 4.106 ± 0.001A</a:t>
                       </a:r>
                     </a:p>
@@ -11080,7 +10964,7 @@
                         <a:defRPr/>
                       </a:pPr>
                       <a:r>
-                        <a:rPr lang="it-IT" sz="2000" b="0"/>
+                        <a:rPr lang="it-IT" sz="2000" b="0" dirty="0"/>
                         <a:t>Z = 0.495 ± 0.001m</a:t>
                       </a:r>
                     </a:p>
@@ -11365,10 +11249,582 @@
           </a:p>
         </p:txBody>
       </p:sp>
+      <p:graphicFrame>
+        <p:nvGraphicFramePr>
+          <p:cNvPr id="8" name="Tabella 7">
+            <a:extLst>
+              <a:ext uri="{FF2B5EF4-FFF2-40B4-BE49-F238E27FC236}">
+                <a16:creationId xmlns:a16="http://schemas.microsoft.com/office/drawing/2014/main" id="{A4983549-6133-49DC-B154-C16796809F60}"/>
+              </a:ext>
+            </a:extLst>
+          </p:cNvPr>
+          <p:cNvGraphicFramePr>
+            <a:graphicFrameLocks noGrp="1"/>
+          </p:cNvGraphicFramePr>
+          <p:nvPr>
+            <p:extLst>
+              <p:ext uri="{D42A27DB-BD31-4B8C-83A1-F6EECF244321}">
+                <p14:modId xmlns:p14="http://schemas.microsoft.com/office/powerpoint/2010/main" val="1687765984"/>
+              </p:ext>
+            </p:extLst>
+          </p:nvPr>
+        </p:nvGraphicFramePr>
+        <p:xfrm>
+          <a:off x="2700420" y="4224575"/>
+          <a:ext cx="9432921" cy="476792"/>
+        </p:xfrm>
+        <a:graphic>
+          <a:graphicData uri="http://schemas.openxmlformats.org/drawingml/2006/table">
+            <a:tbl>
+              <a:tblPr firstRow="1" bandRow="1">
+                <a:tableStyleId>{69CF1AB2-1976-4502-BF36-3FF5EA218861}</a:tableStyleId>
+              </a:tblPr>
+              <a:tblGrid>
+                <a:gridCol w="2419167">
+                  <a:extLst>
+                    <a:ext uri="{9D8B030D-6E8A-4147-A177-3AD203B41FA5}">
+                      <a16:colId xmlns:a16="http://schemas.microsoft.com/office/drawing/2014/main" val="1564943900"/>
+                    </a:ext>
+                  </a:extLst>
+                </a:gridCol>
+                <a:gridCol w="2339949">
+                  <a:extLst>
+                    <a:ext uri="{9D8B030D-6E8A-4147-A177-3AD203B41FA5}">
+                      <a16:colId xmlns:a16="http://schemas.microsoft.com/office/drawing/2014/main" val="2190640569"/>
+                    </a:ext>
+                  </a:extLst>
+                </a:gridCol>
+                <a:gridCol w="2238594">
+                  <a:extLst>
+                    <a:ext uri="{9D8B030D-6E8A-4147-A177-3AD203B41FA5}">
+                      <a16:colId xmlns:a16="http://schemas.microsoft.com/office/drawing/2014/main" val="2822745123"/>
+                    </a:ext>
+                  </a:extLst>
+                </a:gridCol>
+                <a:gridCol w="2435211">
+                  <a:extLst>
+                    <a:ext uri="{9D8B030D-6E8A-4147-A177-3AD203B41FA5}">
+                      <a16:colId xmlns:a16="http://schemas.microsoft.com/office/drawing/2014/main" val="2725851971"/>
+                    </a:ext>
+                  </a:extLst>
+                </a:gridCol>
+              </a:tblGrid>
+              <a:tr h="476792">
+                <a:tc>
+                  <a:txBody>
+                    <a:bodyPr/>
+                    <a:lstStyle/>
+                    <a:p>
+                      <a:pPr algn="ctr">
+                        <a:lnSpc>
+                          <a:spcPct val="100000"/>
+                        </a:lnSpc>
+                      </a:pPr>
+                      <a:r>
+                        <a:rPr lang="it-IT" sz="2000" b="1" dirty="0"/>
+                        <a:t>Valori ideali</a:t>
+                      </a:r>
+                    </a:p>
+                  </a:txBody>
+                  <a:tcPr anchor="ctr"/>
+                </a:tc>
+                <a:tc>
+                  <a:txBody>
+                    <a:bodyPr/>
+                    <a:lstStyle/>
+                    <a:p>
+                      <a:pPr marL="0" marR="0" lvl="0" indent="0" algn="ctr" defTabSz="914400" rtl="0" eaLnBrk="1" fontAlgn="auto" latinLnBrk="0" hangingPunct="1">
+                        <a:lnSpc>
+                          <a:spcPct val="100000"/>
+                        </a:lnSpc>
+                        <a:spcBef>
+                          <a:spcPts val="0"/>
+                        </a:spcBef>
+                        <a:spcAft>
+                          <a:spcPts val="0"/>
+                        </a:spcAft>
+                        <a:buClrTx/>
+                        <a:buSzTx/>
+                        <a:buFontTx/>
+                        <a:buNone/>
+                        <a:tabLst/>
+                        <a:defRPr/>
+                      </a:pPr>
+                      <a:r>
+                        <a:rPr lang="it-IT" sz="2000" b="1" dirty="0"/>
+                        <a:t>R = 0.8m</a:t>
+                      </a:r>
+                    </a:p>
+                  </a:txBody>
+                  <a:tcPr anchor="ctr"/>
+                </a:tc>
+                <a:tc>
+                  <a:txBody>
+                    <a:bodyPr/>
+                    <a:lstStyle/>
+                    <a:p>
+                      <a:pPr marL="0" marR="0" lvl="0" indent="0" algn="ctr" rtl="0">
+                        <a:lnSpc>
+                          <a:spcPct val="100000"/>
+                        </a:lnSpc>
+                        <a:spcBef>
+                          <a:spcPts val="0"/>
+                        </a:spcBef>
+                        <a:spcAft>
+                          <a:spcPts val="0"/>
+                        </a:spcAft>
+                        <a:buFontTx/>
+                        <a:buNone/>
+                      </a:pPr>
+                      <a:r>
+                        <a:rPr lang="it-IT" sz="2000" b="1" dirty="0"/>
+                        <a:t>I = 5A</a:t>
+                      </a:r>
+                      <a:endParaRPr lang="it-IT" b="1" dirty="0"/>
+                    </a:p>
+                  </a:txBody>
+                  <a:tcPr anchor="ctr"/>
+                </a:tc>
+                <a:tc>
+                  <a:txBody>
+                    <a:bodyPr/>
+                    <a:lstStyle/>
+                    <a:p>
+                      <a:pPr marL="0" marR="0" lvl="0" indent="0" algn="ctr" defTabSz="914400" rtl="0" eaLnBrk="1" fontAlgn="auto" latinLnBrk="0" hangingPunct="1">
+                        <a:lnSpc>
+                          <a:spcPct val="100000"/>
+                        </a:lnSpc>
+                        <a:spcBef>
+                          <a:spcPts val="0"/>
+                        </a:spcBef>
+                        <a:spcAft>
+                          <a:spcPts val="0"/>
+                        </a:spcAft>
+                        <a:buClrTx/>
+                        <a:buSzTx/>
+                        <a:buFontTx/>
+                        <a:buNone/>
+                        <a:tabLst/>
+                        <a:defRPr/>
+                      </a:pPr>
+                      <a:r>
+                        <a:rPr lang="it-IT" sz="2000" b="1" dirty="0"/>
+                        <a:t>Z = 0.7m</a:t>
+                      </a:r>
+                    </a:p>
+                  </a:txBody>
+                  <a:tcPr anchor="ctr"/>
+                </a:tc>
+                <a:extLst>
+                  <a:ext uri="{0D108BD9-81ED-4DB2-BD59-A6C34878D82A}">
+                    <a16:rowId xmlns:a16="http://schemas.microsoft.com/office/drawing/2014/main" val="2916360377"/>
+                  </a:ext>
+                </a:extLst>
+              </a:tr>
+            </a:tbl>
+          </a:graphicData>
+        </a:graphic>
+      </p:graphicFrame>
     </p:spTree>
     <p:extLst>
       <p:ext uri="{BB962C8B-B14F-4D97-AF65-F5344CB8AC3E}">
         <p14:creationId xmlns:p14="http://schemas.microsoft.com/office/powerpoint/2010/main" val="2864598954"/>
+      </p:ext>
+    </p:extLst>
+  </p:cSld>
+  <p:clrMapOvr>
+    <a:masterClrMapping/>
+  </p:clrMapOvr>
+</p:sld>
+</file>
+
+<file path=ppt/slides/slide21.xml><?xml version="1.0" encoding="utf-8"?>
+<p:sld xmlns:a="http://schemas.openxmlformats.org/drawingml/2006/main" xmlns:r="http://schemas.openxmlformats.org/officeDocument/2006/relationships" xmlns:p="http://schemas.openxmlformats.org/presentationml/2006/main" show="0">
+  <p:cSld>
+    <p:bg>
+      <p:bgPr>
+        <a:blipFill dpi="0" rotWithShape="1">
+          <a:blip r:embed="rId2">
+            <a:alphaModFix amt="58000"/>
+            <a:lum/>
+          </a:blip>
+          <a:srcRect/>
+          <a:stretch>
+            <a:fillRect l="-3000" r="-3000"/>
+          </a:stretch>
+        </a:blipFill>
+        <a:effectLst/>
+      </p:bgPr>
+    </p:bg>
+    <p:spTree>
+      <p:nvGrpSpPr>
+        <p:cNvPr id="1" name=""/>
+        <p:cNvGrpSpPr/>
+        <p:nvPr/>
+      </p:nvGrpSpPr>
+      <p:grpSpPr>
+        <a:xfrm>
+          <a:off x="0" y="0"/>
+          <a:ext cx="0" cy="0"/>
+          <a:chOff x="0" y="0"/>
+          <a:chExt cx="0" cy="0"/>
+        </a:xfrm>
+      </p:grpSpPr>
+      <p:sp>
+        <p:nvSpPr>
+          <p:cNvPr id="2" name="Titolo 1">
+            <a:extLst>
+              <a:ext uri="{FF2B5EF4-FFF2-40B4-BE49-F238E27FC236}">
+                <a16:creationId xmlns:a16="http://schemas.microsoft.com/office/drawing/2014/main" id="{AB948457-65FF-44D5-A021-5D953048AF52}"/>
+              </a:ext>
+            </a:extLst>
+          </p:cNvPr>
+          <p:cNvSpPr>
+            <a:spLocks noGrp="1"/>
+          </p:cNvSpPr>
+          <p:nvPr>
+            <p:ph type="title"/>
+          </p:nvPr>
+        </p:nvSpPr>
+        <p:spPr>
+          <a:xfrm>
+            <a:off x="657225" y="307975"/>
+            <a:ext cx="10515600" cy="1325563"/>
+          </a:xfrm>
+        </p:spPr>
+        <p:txBody>
+          <a:bodyPr/>
+          <a:lstStyle/>
+          <a:p>
+            <a:r>
+              <a:rPr lang="it-IT" b="1" dirty="0">
+                <a:solidFill>
+                  <a:srgbClr val="002060"/>
+                </a:solidFill>
+                <a:ea typeface="Doulos SIL" panose="02000500070000020004" pitchFamily="2" charset="0"/>
+                <a:cs typeface="Doulos SIL" panose="02000500070000020004" pitchFamily="2" charset="0"/>
+              </a:rPr>
+              <a:t>3D senza vincoli</a:t>
+            </a:r>
+            <a:br>
+              <a:rPr lang="it-IT" b="1" dirty="0">
+                <a:solidFill>
+                  <a:srgbClr val="002060"/>
+                </a:solidFill>
+                <a:ea typeface="Doulos SIL" panose="02000500070000020004" pitchFamily="2" charset="0"/>
+                <a:cs typeface="Doulos SIL" panose="02000500070000020004" pitchFamily="2" charset="0"/>
+              </a:rPr>
+            </a:br>
+            <a:endParaRPr lang="it-IT" dirty="0"/>
+          </a:p>
+        </p:txBody>
+      </p:sp>
+      <p:cxnSp>
+        <p:nvCxnSpPr>
+          <p:cNvPr id="6" name="Connettore diritto 5">
+            <a:extLst>
+              <a:ext uri="{FF2B5EF4-FFF2-40B4-BE49-F238E27FC236}">
+                <a16:creationId xmlns:a16="http://schemas.microsoft.com/office/drawing/2014/main" id="{330FF7A3-0743-4C2B-958A-0EBFDD59668D}"/>
+              </a:ext>
+            </a:extLst>
+          </p:cNvPr>
+          <p:cNvCxnSpPr>
+            <a:cxnSpLocks/>
+          </p:cNvCxnSpPr>
+          <p:nvPr/>
+        </p:nvCxnSpPr>
+        <p:spPr>
+          <a:xfrm>
+            <a:off x="804862" y="1133242"/>
+            <a:ext cx="11110913" cy="0"/>
+          </a:xfrm>
+          <a:prstGeom prst="line">
+            <a:avLst/>
+          </a:prstGeom>
+        </p:spPr>
+        <p:style>
+          <a:lnRef idx="1">
+            <a:schemeClr val="accent1"/>
+          </a:lnRef>
+          <a:fillRef idx="0">
+            <a:schemeClr val="accent1"/>
+          </a:fillRef>
+          <a:effectRef idx="0">
+            <a:schemeClr val="accent1"/>
+          </a:effectRef>
+          <a:fontRef idx="minor">
+            <a:schemeClr val="tx1"/>
+          </a:fontRef>
+        </p:style>
+      </p:cxnSp>
+      <p:cxnSp>
+        <p:nvCxnSpPr>
+          <p:cNvPr id="7" name="Connettore diritto 6">
+            <a:extLst>
+              <a:ext uri="{FF2B5EF4-FFF2-40B4-BE49-F238E27FC236}">
+                <a16:creationId xmlns:a16="http://schemas.microsoft.com/office/drawing/2014/main" id="{BB904809-0BE3-4F68-85A5-707653C68793}"/>
+              </a:ext>
+            </a:extLst>
+          </p:cNvPr>
+          <p:cNvCxnSpPr>
+            <a:cxnSpLocks/>
+          </p:cNvCxnSpPr>
+          <p:nvPr/>
+        </p:nvCxnSpPr>
+        <p:spPr>
+          <a:xfrm>
+            <a:off x="744314" y="6321008"/>
+            <a:ext cx="11171461" cy="0"/>
+          </a:xfrm>
+          <a:prstGeom prst="line">
+            <a:avLst/>
+          </a:prstGeom>
+        </p:spPr>
+        <p:style>
+          <a:lnRef idx="1">
+            <a:schemeClr val="accent1"/>
+          </a:lnRef>
+          <a:fillRef idx="0">
+            <a:schemeClr val="accent1"/>
+          </a:fillRef>
+          <a:effectRef idx="0">
+            <a:schemeClr val="accent1"/>
+          </a:effectRef>
+          <a:fontRef idx="minor">
+            <a:schemeClr val="tx1"/>
+          </a:fontRef>
+        </p:style>
+      </p:cxnSp>
+      <p:sp>
+        <p:nvSpPr>
+          <p:cNvPr id="9" name="CasellaDiTesto 8">
+            <a:extLst>
+              <a:ext uri="{FF2B5EF4-FFF2-40B4-BE49-F238E27FC236}">
+                <a16:creationId xmlns:a16="http://schemas.microsoft.com/office/drawing/2014/main" id="{AF3D50E3-4C50-4CBF-A7B5-F95BAEE71A1F}"/>
+              </a:ext>
+            </a:extLst>
+          </p:cNvPr>
+          <p:cNvSpPr txBox="1"/>
+          <p:nvPr/>
+        </p:nvSpPr>
+        <p:spPr>
+          <a:xfrm>
+            <a:off x="657225" y="1443371"/>
+            <a:ext cx="3790950" cy="4524315"/>
+          </a:xfrm>
+          <a:prstGeom prst="rect">
+            <a:avLst/>
+          </a:prstGeom>
+          <a:noFill/>
+        </p:spPr>
+        <p:txBody>
+          <a:bodyPr wrap="square" rtlCol="0">
+            <a:spAutoFit/>
+          </a:bodyPr>
+          <a:lstStyle/>
+          <a:p>
+            <a:pPr marL="342900" indent="-342900">
+              <a:buFont typeface="Arial" panose="020B0604020202020204" pitchFamily="34" charset="0"/>
+              <a:buChar char="•"/>
+            </a:pPr>
+            <a:r>
+              <a:rPr lang="it-IT" sz="2400" dirty="0">
+                <a:solidFill>
+                  <a:srgbClr val="002060"/>
+                </a:solidFill>
+                <a:latin typeface="+mj-lt"/>
+              </a:rPr>
+              <a:t>Contrariamente a quanto ci aspettavamo la </a:t>
+            </a:r>
+            <a:r>
+              <a:rPr lang="it-IT" sz="2400" i="1" dirty="0">
+                <a:solidFill>
+                  <a:srgbClr val="002060"/>
+                </a:solidFill>
+                <a:latin typeface="+mj-lt"/>
+              </a:rPr>
+              <a:t>precisione</a:t>
+            </a:r>
+            <a:r>
+              <a:rPr lang="it-IT" sz="2400" dirty="0">
+                <a:solidFill>
+                  <a:srgbClr val="002060"/>
+                </a:solidFill>
+                <a:latin typeface="+mj-lt"/>
+              </a:rPr>
+              <a:t> </a:t>
+            </a:r>
+            <a:r>
+              <a:rPr lang="it-IT" sz="2400" b="1" i="1" dirty="0">
+                <a:solidFill>
+                  <a:srgbClr val="C00000"/>
+                </a:solidFill>
+                <a:latin typeface="+mj-lt"/>
+              </a:rPr>
+              <a:t>non tende a migliorare</a:t>
+            </a:r>
+            <a:r>
+              <a:rPr lang="it-IT" sz="2400" b="1" i="1" dirty="0">
+                <a:solidFill>
+                  <a:srgbClr val="002060"/>
+                </a:solidFill>
+                <a:latin typeface="+mj-lt"/>
+              </a:rPr>
+              <a:t> </a:t>
+            </a:r>
+            <a:r>
+              <a:rPr lang="it-IT" sz="2400" dirty="0">
+                <a:solidFill>
+                  <a:srgbClr val="002060"/>
+                </a:solidFill>
+                <a:latin typeface="+mj-lt"/>
+              </a:rPr>
+              <a:t>all’aumentare del numero di campioni della funzione obiettivo.</a:t>
+            </a:r>
+          </a:p>
+          <a:p>
+            <a:pPr marL="342900" indent="-342900">
+              <a:buFont typeface="Arial" panose="020B0604020202020204" pitchFamily="34" charset="0"/>
+              <a:buChar char="•"/>
+            </a:pPr>
+            <a:r>
+              <a:rPr lang="it-IT" sz="2400" dirty="0">
+                <a:solidFill>
+                  <a:srgbClr val="002060"/>
+                </a:solidFill>
+                <a:latin typeface="+mj-lt"/>
+              </a:rPr>
+              <a:t>Il motivo per il quale invece le prestazioni sono state migliori in presenza di meno campioni è la</a:t>
+            </a:r>
+            <a:r>
+              <a:rPr lang="it-IT" sz="2400" dirty="0">
+                <a:solidFill>
+                  <a:srgbClr val="C00000"/>
+                </a:solidFill>
+                <a:latin typeface="+mj-lt"/>
+              </a:rPr>
+              <a:t> </a:t>
+            </a:r>
+            <a:r>
+              <a:rPr lang="it-IT" sz="2400" b="1" i="1" dirty="0">
+                <a:solidFill>
+                  <a:srgbClr val="C00000"/>
+                </a:solidFill>
+                <a:latin typeface="+mj-lt"/>
+              </a:rPr>
+              <a:t>minore definizione</a:t>
+            </a:r>
+            <a:r>
+              <a:rPr lang="it-IT" sz="2400" b="1" i="1" dirty="0">
+                <a:solidFill>
+                  <a:srgbClr val="002060"/>
+                </a:solidFill>
+                <a:latin typeface="+mj-lt"/>
+              </a:rPr>
+              <a:t> </a:t>
+            </a:r>
+            <a:r>
+              <a:rPr lang="it-IT" sz="2400" dirty="0">
+                <a:solidFill>
+                  <a:srgbClr val="002060"/>
+                </a:solidFill>
+                <a:latin typeface="+mj-lt"/>
+              </a:rPr>
+              <a:t>della </a:t>
+            </a:r>
+            <a:r>
+              <a:rPr lang="it-IT" sz="2400">
+                <a:solidFill>
+                  <a:srgbClr val="002060"/>
+                </a:solidFill>
+                <a:latin typeface="+mj-lt"/>
+              </a:rPr>
+              <a:t>funzione obiettivo.</a:t>
+            </a:r>
+            <a:endParaRPr lang="it-IT" sz="2400" dirty="0">
+              <a:solidFill>
+                <a:srgbClr val="002060"/>
+              </a:solidFill>
+              <a:latin typeface="+mj-lt"/>
+            </a:endParaRPr>
+          </a:p>
+        </p:txBody>
+      </p:sp>
+      <p:pic>
+        <p:nvPicPr>
+          <p:cNvPr id="10" name="Segnaposto contenuto 9">
+            <a:extLst>
+              <a:ext uri="{FF2B5EF4-FFF2-40B4-BE49-F238E27FC236}">
+                <a16:creationId xmlns:a16="http://schemas.microsoft.com/office/drawing/2014/main" id="{1A6C89F9-BC8A-4DCE-B7FC-4A143C50E482}"/>
+              </a:ext>
+            </a:extLst>
+          </p:cNvPr>
+          <p:cNvPicPr>
+            <a:picLocks noGrp="1" noChangeAspect="1"/>
+          </p:cNvPicPr>
+          <p:nvPr>
+            <p:ph idx="1"/>
+          </p:nvPr>
+        </p:nvPicPr>
+        <p:blipFill>
+          <a:blip r:embed="rId3">
+            <a:extLst>
+              <a:ext uri="{28A0092B-C50C-407E-A947-70E740481C1C}">
+                <a14:useLocalDpi xmlns:a14="http://schemas.microsoft.com/office/drawing/2010/main" val="0"/>
+              </a:ext>
+            </a:extLst>
+          </a:blip>
+          <a:stretch>
+            <a:fillRect/>
+          </a:stretch>
+        </p:blipFill>
+        <p:spPr>
+          <a:xfrm>
+            <a:off x="4448175" y="1463731"/>
+            <a:ext cx="7467600" cy="2165815"/>
+          </a:xfrm>
+        </p:spPr>
+      </p:pic>
+      <p:pic>
+        <p:nvPicPr>
+          <p:cNvPr id="12" name="Immagine 11">
+            <a:extLst>
+              <a:ext uri="{FF2B5EF4-FFF2-40B4-BE49-F238E27FC236}">
+                <a16:creationId xmlns:a16="http://schemas.microsoft.com/office/drawing/2014/main" id="{87664EE8-AAE4-458B-9EAC-612C8A237E05}"/>
+              </a:ext>
+            </a:extLst>
+          </p:cNvPr>
+          <p:cNvPicPr>
+            <a:picLocks noChangeAspect="1"/>
+          </p:cNvPicPr>
+          <p:nvPr/>
+        </p:nvPicPr>
+        <p:blipFill>
+          <a:blip r:embed="rId4">
+            <a:extLst>
+              <a:ext uri="{28A0092B-C50C-407E-A947-70E740481C1C}">
+                <a14:useLocalDpi xmlns:a14="http://schemas.microsoft.com/office/drawing/2010/main" val="0"/>
+              </a:ext>
+            </a:extLst>
+          </a:blip>
+          <a:stretch>
+            <a:fillRect/>
+          </a:stretch>
+        </p:blipFill>
+        <p:spPr>
+          <a:xfrm>
+            <a:off x="4448175" y="3629546"/>
+            <a:ext cx="7467600" cy="2317997"/>
+          </a:xfrm>
+          <a:prstGeom prst="rect">
+            <a:avLst/>
+          </a:prstGeom>
+        </p:spPr>
+      </p:pic>
+    </p:spTree>
+    <p:extLst>
+      <p:ext uri="{BB962C8B-B14F-4D97-AF65-F5344CB8AC3E}">
+        <p14:creationId xmlns:p14="http://schemas.microsoft.com/office/powerpoint/2010/main" val="1702570446"/>
       </p:ext>
     </p:extLst>
   </p:cSld>
@@ -14429,7 +14885,7 @@
           </a:lstStyle>
           <a:p>
             <a:r>
-              <a:rPr lang="en-US">
+              <a:rPr lang="en-US" dirty="0">
                 <a:solidFill>
                   <a:srgbClr val="002060"/>
                 </a:solidFill>
@@ -14439,7 +14895,7 @@
               <a:t>Si </a:t>
             </a:r>
             <a:r>
-              <a:rPr lang="en-US" err="1">
+              <a:rPr lang="en-US" dirty="0" err="1">
                 <a:solidFill>
                   <a:srgbClr val="002060"/>
                 </a:solidFill>
@@ -14449,7 +14905,7 @@
               <a:t>valuta</a:t>
             </a:r>
             <a:r>
-              <a:rPr lang="en-US">
+              <a:rPr lang="en-US" dirty="0">
                 <a:solidFill>
                   <a:srgbClr val="002060"/>
                 </a:solidFill>
@@ -14459,7 +14915,7 @@
               <a:t> </a:t>
             </a:r>
             <a:r>
-              <a:rPr lang="en-US" err="1">
+              <a:rPr lang="en-US" dirty="0" err="1">
                 <a:solidFill>
                   <a:srgbClr val="002060"/>
                 </a:solidFill>
@@ -14469,7 +14925,7 @@
               <a:t>numericamente</a:t>
             </a:r>
             <a:r>
-              <a:rPr lang="en-US">
+              <a:rPr lang="en-US" dirty="0">
                 <a:solidFill>
                   <a:srgbClr val="002060"/>
                 </a:solidFill>
@@ -14479,7 +14935,7 @@
               <a:t> </a:t>
             </a:r>
             <a:r>
-              <a:rPr lang="en-US" err="1">
+              <a:rPr lang="en-US" dirty="0" err="1">
                 <a:solidFill>
                   <a:srgbClr val="002060"/>
                 </a:solidFill>
@@ -14489,7 +14945,7 @@
               <a:t>l'integrale</a:t>
             </a:r>
             <a:r>
-              <a:rPr lang="en-US">
+              <a:rPr lang="en-US" dirty="0">
                 <a:solidFill>
                   <a:srgbClr val="002060"/>
                 </a:solidFill>
@@ -14499,7 +14955,7 @@
               <a:t> </a:t>
             </a:r>
             <a:r>
-              <a:rPr lang="en-US" err="1">
+              <a:rPr lang="en-US" dirty="0" err="1">
                 <a:solidFill>
                   <a:srgbClr val="002060"/>
                 </a:solidFill>
@@ -14509,7 +14965,7 @@
               <a:t>attraverso</a:t>
             </a:r>
             <a:r>
-              <a:rPr lang="en-US">
+              <a:rPr lang="en-US" dirty="0">
                 <a:solidFill>
                   <a:srgbClr val="002060"/>
                 </a:solidFill>
@@ -14519,7 +14975,7 @@
               <a:t> una </a:t>
             </a:r>
             <a:r>
-              <a:rPr lang="en-US" err="1">
+              <a:rPr lang="en-US" dirty="0" err="1">
                 <a:solidFill>
                   <a:srgbClr val="002060"/>
                 </a:solidFill>
@@ -14528,6 +14984,13 @@
               </a:rPr>
               <a:t>sommatoria</a:t>
             </a:r>
+            <a:endParaRPr lang="en-US" dirty="0">
+              <a:solidFill>
+                <a:srgbClr val="002060"/>
+              </a:solidFill>
+              <a:latin typeface="Calibri Light"/>
+              <a:cs typeface="Calibri Light"/>
+            </a:endParaRPr>
           </a:p>
         </p:txBody>
       </p:sp>
@@ -14612,7 +15075,7 @@
               <a:buAutoNum type="arabicPeriod"/>
             </a:pPr>
             <a:r>
-              <a:rPr lang="it-IT" sz="1600">
+              <a:rPr lang="it-IT" sz="1600" dirty="0">
                 <a:solidFill>
                   <a:schemeClr val="tx1">
                     <a:lumMod val="50000"/>
@@ -14625,7 +15088,7 @@
           </a:p>
           <a:p>
             <a:r>
-              <a:rPr lang="it-IT" sz="1600">
+              <a:rPr lang="it-IT" sz="1600" dirty="0">
                 <a:solidFill>
                   <a:schemeClr val="tx1">
                     <a:lumMod val="50000"/>
@@ -14641,7 +15104,7 @@
               <a:buAutoNum type="arabicPeriod" startAt="2"/>
             </a:pPr>
             <a:r>
-              <a:rPr lang="it-IT" sz="1600" b="1">
+              <a:rPr lang="it-IT" sz="1600" b="1" dirty="0">
                 <a:solidFill>
                   <a:srgbClr val="002060"/>
                 </a:solidFill>
@@ -14654,7 +15117,7 @@
               <a:buAutoNum type="arabicPeriod" startAt="2"/>
             </a:pPr>
             <a:r>
-              <a:rPr lang="it-IT" sz="1600">
+              <a:rPr lang="it-IT" sz="1600" dirty="0">
                 <a:solidFill>
                   <a:schemeClr val="tx1">
                     <a:lumMod val="50000"/>
@@ -14667,7 +15130,7 @@
           </a:p>
           <a:p>
             <a:r>
-              <a:rPr lang="it-IT" sz="1600">
+              <a:rPr lang="it-IT" sz="1600" dirty="0">
                 <a:solidFill>
                   <a:schemeClr val="tx1">
                     <a:lumMod val="50000"/>
@@ -14683,7 +15146,7 @@
               <a:buAutoNum type="arabicPeriod" startAt="4"/>
             </a:pPr>
             <a:r>
-              <a:rPr lang="it-IT" sz="1600">
+              <a:rPr lang="it-IT" sz="1600" dirty="0">
                 <a:solidFill>
                   <a:schemeClr val="tx1">
                     <a:lumMod val="50000"/>
@@ -14696,7 +15159,7 @@
           </a:p>
           <a:p>
             <a:r>
-              <a:rPr lang="it-IT" sz="1600">
+              <a:rPr lang="it-IT" sz="1600" dirty="0">
                 <a:solidFill>
                   <a:schemeClr val="tx1">
                     <a:lumMod val="50000"/>
@@ -14709,7 +15172,7 @@
           </a:p>
           <a:p>
             <a:r>
-              <a:rPr lang="it-IT" sz="1600">
+              <a:rPr lang="it-IT" sz="1600" dirty="0">
                 <a:solidFill>
                   <a:schemeClr val="tx1">
                     <a:lumMod val="50000"/>
@@ -14722,7 +15185,7 @@
           </a:p>
           <a:p>
             <a:r>
-              <a:rPr lang="it-IT" sz="1600">
+              <a:rPr lang="it-IT" sz="1600" dirty="0">
                 <a:solidFill>
                   <a:schemeClr val="tx1">
                     <a:lumMod val="50000"/>
@@ -14735,20 +15198,33 @@
           </a:p>
           <a:p>
             <a:r>
-              <a:rPr lang="it-IT" sz="1600">
-                <a:solidFill>
-                  <a:schemeClr val="tx1">
-                    <a:lumMod val="50000"/>
-                    <a:lumOff val="50000"/>
-                  </a:schemeClr>
-                </a:solidFill>
-              </a:rPr>
-              <a:t>4.4. Esperimento 3D senza vincoli</a:t>
-            </a:r>
-          </a:p>
-          <a:p>
-            <a:r>
-              <a:rPr lang="it-IT" sz="1600">
+              <a:rPr lang="it-IT" sz="1600" dirty="0">
+                <a:solidFill>
+                  <a:schemeClr val="tx1">
+                    <a:lumMod val="50000"/>
+                    <a:lumOff val="50000"/>
+                  </a:schemeClr>
+                </a:solidFill>
+              </a:rPr>
+              <a:t>4.4. Esperimento 3D senza</a:t>
+            </a:r>
+          </a:p>
+          <a:p>
+            <a:r>
+              <a:rPr lang="it-IT" sz="1600" dirty="0">
+                <a:solidFill>
+                  <a:schemeClr val="tx1">
+                    <a:lumMod val="50000"/>
+                    <a:lumOff val="50000"/>
+                  </a:schemeClr>
+                </a:solidFill>
+              </a:rPr>
+              <a:t>vincoli</a:t>
+            </a:r>
+          </a:p>
+          <a:p>
+            <a:r>
+              <a:rPr lang="it-IT" sz="1600" dirty="0">
                 <a:solidFill>
                   <a:schemeClr val="tx1">
                     <a:lumMod val="50000"/>
@@ -14761,7 +15237,7 @@
           </a:p>
           <a:p>
             <a:r>
-              <a:rPr lang="it-IT" sz="1600">
+              <a:rPr lang="it-IT" sz="1600" dirty="0">
                 <a:solidFill>
                   <a:schemeClr val="tx1">
                     <a:lumMod val="50000"/>
@@ -14774,7 +15250,7 @@
           </a:p>
           <a:p>
             <a:r>
-              <a:rPr lang="it-IT" sz="1600">
+              <a:rPr lang="it-IT" sz="1600" dirty="0">
                 <a:solidFill>
                   <a:schemeClr val="tx1">
                     <a:lumMod val="50000"/>
@@ -14786,7 +15262,7 @@
             </a:r>
           </a:p>
           <a:p>
-            <a:endParaRPr lang="it-IT"/>
+            <a:endParaRPr lang="it-IT" dirty="0"/>
           </a:p>
         </p:txBody>
       </p:sp>
@@ -14852,10 +15328,10 @@
       </p:sp>
       <p:pic>
         <p:nvPicPr>
-          <p:cNvPr id="15" name="Immagine 14">
-            <a:extLst>
-              <a:ext uri="{FF2B5EF4-FFF2-40B4-BE49-F238E27FC236}">
-                <a16:creationId xmlns:a16="http://schemas.microsoft.com/office/drawing/2014/main" id="{2B003BAF-7597-4BC1-80AE-84E9C8F9E1F3}"/>
+          <p:cNvPr id="5" name="Immagine 4">
+            <a:extLst>
+              <a:ext uri="{FF2B5EF4-FFF2-40B4-BE49-F238E27FC236}">
+                <a16:creationId xmlns:a16="http://schemas.microsoft.com/office/drawing/2014/main" id="{542519D5-9AA3-422F-B9B0-0D67A128516F}"/>
               </a:ext>
             </a:extLst>
           </p:cNvPr>
@@ -14878,8 +15354,8 @@
         </p:blipFill>
         <p:spPr>
           <a:xfrm>
-            <a:off x="4012675" y="1965624"/>
-            <a:ext cx="6501151" cy="1615893"/>
+            <a:off x="2892490" y="2162308"/>
+            <a:ext cx="8429105" cy="1134483"/>
           </a:xfrm>
           <a:prstGeom prst="rect">
             <a:avLst/>
@@ -14888,10 +15364,10 @@
       </p:pic>
       <p:pic>
         <p:nvPicPr>
-          <p:cNvPr id="18" name="Immagine 17">
-            <a:extLst>
-              <a:ext uri="{FF2B5EF4-FFF2-40B4-BE49-F238E27FC236}">
-                <a16:creationId xmlns:a16="http://schemas.microsoft.com/office/drawing/2014/main" id="{E83D62C9-EB4E-4BC5-9899-ACB6A263CED2}"/>
+          <p:cNvPr id="8" name="Immagine 7">
+            <a:extLst>
+              <a:ext uri="{FF2B5EF4-FFF2-40B4-BE49-F238E27FC236}">
+                <a16:creationId xmlns:a16="http://schemas.microsoft.com/office/drawing/2014/main" id="{8CCA8B3F-3F3E-4C24-8BBB-42C9EBF85FBF}"/>
               </a:ext>
             </a:extLst>
           </p:cNvPr>
@@ -14914,8 +15390,8 @@
         </p:blipFill>
         <p:spPr>
           <a:xfrm>
-            <a:off x="3021762" y="4381801"/>
-            <a:ext cx="8217738" cy="1804041"/>
+            <a:off x="2675964" y="4562360"/>
+            <a:ext cx="9341224" cy="1147168"/>
           </a:xfrm>
           <a:prstGeom prst="rect">
             <a:avLst/>
@@ -15407,8 +15883,8 @@
           </a:p>
         </p:txBody>
       </p:sp>
-      <mc:AlternateContent xmlns:mc="http://schemas.openxmlformats.org/markup-compatibility/2006">
-        <mc:Choice xmlns:a14="http://schemas.microsoft.com/office/drawing/2010/main" Requires="a14">
+      <mc:AlternateContent xmlns:mc="http://schemas.openxmlformats.org/markup-compatibility/2006" xmlns:a14="http://schemas.microsoft.com/office/drawing/2010/main">
+        <mc:Choice Requires="a14">
           <p:sp>
             <p:nvSpPr>
               <p:cNvPr id="13" name="Segnaposto contenuto 2">
@@ -15425,7 +15901,7 @@
             </p:nvSpPr>
             <p:spPr>
               <a:xfrm>
-                <a:off x="3046904" y="3972903"/>
+                <a:off x="3046904" y="3604418"/>
                 <a:ext cx="8133042" cy="1509528"/>
               </a:xfrm>
               <a:prstGeom prst="rect">
@@ -15790,7 +16266,7 @@
             </p:txBody>
           </p:sp>
         </mc:Choice>
-        <mc:Fallback>
+        <mc:Fallback xmlns="">
           <p:sp>
             <p:nvSpPr>
               <p:cNvPr id="13" name="Segnaposto contenuto 2">
@@ -15807,7 +16283,7 @@
             </p:nvSpPr>
             <p:spPr>
               <a:xfrm>
-                <a:off x="3046904" y="3972903"/>
+                <a:off x="3046904" y="3604418"/>
                 <a:ext cx="8133042" cy="1509528"/>
               </a:xfrm>
               <a:prstGeom prst="rect">
@@ -15816,7 +16292,7 @@
               <a:blipFill>
                 <a:blip r:embed="rId3"/>
                 <a:stretch>
-                  <a:fillRect l="-1199" t="-2834"/>
+                  <a:fillRect l="-1199" t="-2823"/>
                 </a:stretch>
               </a:blipFill>
             </p:spPr>
@@ -15837,10 +16313,10 @@
       </mc:AlternateContent>
       <p:pic>
         <p:nvPicPr>
-          <p:cNvPr id="17" name="Immagine 16">
-            <a:extLst>
-              <a:ext uri="{FF2B5EF4-FFF2-40B4-BE49-F238E27FC236}">
-                <a16:creationId xmlns:a16="http://schemas.microsoft.com/office/drawing/2014/main" id="{1018A18F-EF78-4917-AEA5-368FF04E0834}"/>
+          <p:cNvPr id="19" name="Immagine 18">
+            <a:extLst>
+              <a:ext uri="{FF2B5EF4-FFF2-40B4-BE49-F238E27FC236}">
+                <a16:creationId xmlns:a16="http://schemas.microsoft.com/office/drawing/2014/main" id="{D1EE3B57-E2FC-47CE-A15A-4BB3A6D0C89B}"/>
               </a:ext>
             </a:extLst>
           </p:cNvPr>
@@ -15863,8 +16339,8 @@
         </p:blipFill>
         <p:spPr>
           <a:xfrm>
-            <a:off x="3739410" y="2145062"/>
-            <a:ext cx="6748030" cy="1827841"/>
+            <a:off x="2626183" y="5173212"/>
+            <a:ext cx="9535726" cy="1017144"/>
           </a:xfrm>
           <a:prstGeom prst="rect">
             <a:avLst/>
@@ -15873,10 +16349,10 @@
       </p:pic>
       <p:pic>
         <p:nvPicPr>
-          <p:cNvPr id="19" name="Immagine 18">
-            <a:extLst>
-              <a:ext uri="{FF2B5EF4-FFF2-40B4-BE49-F238E27FC236}">
-                <a16:creationId xmlns:a16="http://schemas.microsoft.com/office/drawing/2014/main" id="{D1EE3B57-E2FC-47CE-A15A-4BB3A6D0C89B}"/>
+          <p:cNvPr id="4" name="Immagine 3">
+            <a:extLst>
+              <a:ext uri="{FF2B5EF4-FFF2-40B4-BE49-F238E27FC236}">
+                <a16:creationId xmlns:a16="http://schemas.microsoft.com/office/drawing/2014/main" id="{8F9CB089-20B1-4376-9366-618AE2DA2B4C}"/>
               </a:ext>
             </a:extLst>
           </p:cNvPr>
@@ -15899,8 +16375,8 @@
         </p:blipFill>
         <p:spPr>
           <a:xfrm>
-            <a:off x="2626183" y="5328533"/>
-            <a:ext cx="9535726" cy="1017144"/>
+            <a:off x="3398581" y="2466704"/>
+            <a:ext cx="7990929" cy="1054100"/>
           </a:xfrm>
           <a:prstGeom prst="rect">
             <a:avLst/>

--- a/writeup/Slides.pptx
+++ b/writeup/Slides.pptx
@@ -165,9 +165,9 @@
 <p1510:revInfo xmlns:a="http://schemas.openxmlformats.org/drawingml/2006/main" xmlns:r="http://schemas.openxmlformats.org/officeDocument/2006/relationships" xmlns:p1510="http://schemas.microsoft.com/office/powerpoint/2015/10/main">
   <p1510:revLst>
     <p1510:client id="{84FA5B88-F502-465F-ACC7-B7F033E01A7E}" v="316" dt="2018-12-03T21:06:04.939"/>
+    <p1510:client id="{F5E20A4E-8911-3E51-843F-2BA95DB8A042}" v="24" dt="2018-12-03T22:13:51.207"/>
+    <p1510:client id="{7AD5030A-0C67-41A6-858C-383DC736EF4C}" v="138" dt="2018-12-03T20:56:55.360"/>
     <p1510:client id="{10F92BBE-6513-4C7B-0321-95D3B136DA99}" v="1" dt="2018-12-03T23:17:59.267"/>
-    <p1510:client id="{7AD5030A-0C67-41A6-858C-383DC736EF4C}" v="138" dt="2018-12-03T20:56:55.360"/>
-    <p1510:client id="{F5E20A4E-8911-3E51-843F-2BA95DB8A042}" v="24" dt="2018-12-03T22:13:51.207"/>
     <p1510:client id="{B86D841B-CFA6-4940-9543-14A01CCDC4E9}" v="20" dt="2018-12-03T21:21:49.560"/>
     <p1510:client id="{28CE7897-7DD4-B384-ED67-5DAB5D70B2F6}" v="181" dt="2018-12-03T23:45:00.352"/>
   </p1510:revLst>
@@ -9141,36 +9141,6 @@
           </a:fontRef>
         </p:style>
       </p:cxnSp>
-      <p:pic>
-        <p:nvPicPr>
-          <p:cNvPr id="4" name="Immagine 4" descr="Immagine che contiene screenshot&#10;&#10;Descrizione generata con affidabilità elevata">
-            <a:extLst>
-              <a:ext uri="{FF2B5EF4-FFF2-40B4-BE49-F238E27FC236}">
-                <a16:creationId xmlns:a16="http://schemas.microsoft.com/office/drawing/2014/main" id="{28C0B90C-E059-4006-B306-1E699EE8E077}"/>
-              </a:ext>
-            </a:extLst>
-          </p:cNvPr>
-          <p:cNvPicPr>
-            <a:picLocks noChangeAspect="1"/>
-          </p:cNvPicPr>
-          <p:nvPr/>
-        </p:nvPicPr>
-        <p:blipFill>
-          <a:blip r:embed="rId3"/>
-          <a:stretch>
-            <a:fillRect/>
-          </a:stretch>
-        </p:blipFill>
-        <p:spPr>
-          <a:xfrm>
-            <a:off x="5482205" y="1350213"/>
-            <a:ext cx="6408712" cy="2372178"/>
-          </a:xfrm>
-          <a:prstGeom prst="rect">
-            <a:avLst/>
-          </a:prstGeom>
-        </p:spPr>
-      </p:pic>
       <p:sp>
         <p:nvSpPr>
           <p:cNvPr id="10" name="Rettangolo 9">
@@ -9454,7 +9424,7 @@
           <p:nvPr/>
         </p:nvPicPr>
         <p:blipFill>
-          <a:blip r:embed="rId4"/>
+          <a:blip r:embed="rId3"/>
           <a:stretch>
             <a:fillRect/>
           </a:stretch>
@@ -9463,6 +9433,36 @@
           <a:xfrm>
             <a:off x="3569110" y="3977741"/>
             <a:ext cx="8323006" cy="2417549"/>
+          </a:xfrm>
+          <a:prstGeom prst="rect">
+            <a:avLst/>
+          </a:prstGeom>
+        </p:spPr>
+      </p:pic>
+      <p:pic>
+        <p:nvPicPr>
+          <p:cNvPr id="3" name="Immagine 2">
+            <a:extLst>
+              <a:ext uri="{FF2B5EF4-FFF2-40B4-BE49-F238E27FC236}">
+                <a16:creationId xmlns:a16="http://schemas.microsoft.com/office/drawing/2014/main" id="{B36B7F60-D9B4-4068-BA89-CB80D9EEAC02}"/>
+              </a:ext>
+            </a:extLst>
+          </p:cNvPr>
+          <p:cNvPicPr>
+            <a:picLocks noChangeAspect="1"/>
+          </p:cNvPicPr>
+          <p:nvPr/>
+        </p:nvPicPr>
+        <p:blipFill>
+          <a:blip r:embed="rId4"/>
+          <a:stretch>
+            <a:fillRect/>
+          </a:stretch>
+        </p:blipFill>
+        <p:spPr>
+          <a:xfrm>
+            <a:off x="5513033" y="1348263"/>
+            <a:ext cx="6379083" cy="2451640"/>
           </a:xfrm>
           <a:prstGeom prst="rect">
             <a:avLst/>
